--- a/Assets/Class/Rotation/PPT Data/Rotation Example.pptx
+++ b/Assets/Class/Rotation/PPT Data/Rotation Example.pptx
@@ -2,7 +2,7 @@
 <file path=ppt/presentation.xml><?xml version="1.0" encoding="utf-8"?>
 <p:presentation xmlns:a="http://schemas.openxmlformats.org/drawingml/2006/main" xmlns:r="http://schemas.openxmlformats.org/officeDocument/2006/relationships" xmlns:p="http://schemas.openxmlformats.org/presentationml/2006/main" xmlns:p14="http://schemas.microsoft.com/office/powerpoint/2010/main" saveSubsetFonts="1" firstSlideNum="0">
   <p:sldMasterIdLst>
-    <p:sldMasterId id="2147485378" r:id="rId12"/>
+    <p:sldMasterId id="2147485396" r:id="rId12"/>
   </p:sldMasterIdLst>
   <p:notesMasterIdLst>
     <p:notesMasterId r:id="rId14"/>
@@ -16,6 +16,9 @@
     <p:sldId id="277" r:id="rId21"/>
     <p:sldId id="278" r:id="rId22"/>
     <p:sldId id="283" r:id="rId23"/>
+    <p:sldId id="284" r:id="rId24"/>
+    <p:sldId id="285" r:id="rId25"/>
+    <p:sldId id="286" r:id="rId26"/>
   </p:sldIdLst>
   <p:sldSz cx="12192000" cy="6858000"/>
   <p:notesSz cx="6858000" cy="9144000"/>
@@ -5796,6 +5799,774 @@
 </p:sld>
 </file>
 
+<file path=ppt/slides/slide10.xml><?xml version="1.0" encoding="utf-8"?>
+<p:sld xmlns:a="http://schemas.openxmlformats.org/drawingml/2006/main" xmlns:r="http://schemas.openxmlformats.org/officeDocument/2006/relationships" xmlns:p="http://schemas.openxmlformats.org/presentationml/2006/main">
+  <p:cSld>
+    <p:spTree>
+      <p:nvGrpSpPr>
+        <p:cNvPr id="1" name=""/>
+        <p:cNvGrpSpPr/>
+        <p:nvPr/>
+      </p:nvGrpSpPr>
+      <p:grpSpPr>
+        <a:xfrm>
+          <a:off x="0" y="0"/>
+          <a:ext cx="0" cy="0"/>
+          <a:chOff x="0" y="0"/>
+          <a:chExt cx="0" cy="0"/>
+        </a:xfrm>
+      </p:grpSpPr>
+      <p:sp>
+        <p:nvSpPr>
+          <p:cNvPr id="2" name="Rect 0"/>
+          <p:cNvSpPr txBox="1">
+            <a:spLocks/>
+          </p:cNvSpPr>
+          <p:nvPr/>
+        </p:nvSpPr>
+        <p:spPr>
+          <a:xfrm rot="0">
+            <a:off x="4344670" y="386715"/>
+            <a:ext cx="3503930" cy="554990"/>
+          </a:xfrm>
+          <a:prstGeom prst="rect"/>
+          <a:noFill/>
+          <a:ln w="0">
+            <a:noFill/>
+            <a:prstDash/>
+          </a:ln>
+        </p:spPr>
+        <p:txBody>
+          <a:bodyPr wrap="square" lIns="89535" tIns="46355" rIns="89535" bIns="46355" numCol="1" vert="horz" anchor="t">
+            <a:spAutoFit/>
+          </a:bodyPr>
+          <a:lstStyle/>
+          <a:p>
+            <a:pPr marL="0" indent="0" rtl="0" algn="l" defTabSz="914400" eaLnBrk="1" latinLnBrk="0" hangingPunct="1">
+              <a:buFontTx/>
+              <a:buNone/>
+            </a:pPr>
+            <a:r>
+              <a:rPr lang="ko-KR" sz="3000" b="1">
+                <a:solidFill>
+                  <a:schemeClr val="tx1"/>
+                </a:solidFill>
+                <a:latin typeface="맑은 고딕" charset="0"/>
+                <a:ea typeface="맑은 고딕" charset="0"/>
+              </a:rPr>
+              <a:t>일곱</a:t>
+            </a:r>
+            <a:r>
+              <a:rPr lang="ko-KR" sz="3000" b="1">
+                <a:solidFill>
+                  <a:schemeClr val="tx1"/>
+                </a:solidFill>
+                <a:latin typeface="맑은 고딕" charset="0"/>
+                <a:ea typeface="맑은 고딕" charset="0"/>
+              </a:rPr>
+              <a:t> 번째 튜토리얼</a:t>
+            </a:r>
+            <a:endParaRPr lang="ko-KR" altLang="en-US" sz="3000" b="1">
+              <a:solidFill>
+                <a:schemeClr val="tx1"/>
+              </a:solidFill>
+              <a:latin typeface="맑은 고딕" charset="0"/>
+              <a:ea typeface="맑은 고딕" charset="0"/>
+            </a:endParaRPr>
+          </a:p>
+        </p:txBody>
+      </p:sp>
+      <p:sp>
+        <p:nvSpPr>
+          <p:cNvPr id="25" name="Rect 0"/>
+          <p:cNvSpPr txBox="1">
+            <a:spLocks/>
+          </p:cNvSpPr>
+          <p:nvPr/>
+        </p:nvSpPr>
+        <p:spPr>
+          <a:xfrm rot="0">
+            <a:off x="1315085" y="5255895"/>
+            <a:ext cx="4073525" cy="954405"/>
+          </a:xfrm>
+          <a:prstGeom prst="rect"/>
+          <a:noFill/>
+          <a:ln w="0">
+            <a:noFill/>
+            <a:prstDash/>
+          </a:ln>
+        </p:spPr>
+        <p:txBody>
+          <a:bodyPr wrap="square" lIns="89535" tIns="46355" rIns="89535" bIns="46355" numCol="1" vert="horz" anchor="t">
+            <a:spAutoFit/>
+          </a:bodyPr>
+          <a:lstStyle/>
+          <a:p>
+            <a:pPr marL="0" indent="0" rtl="0" algn="l" defTabSz="914400" eaLnBrk="1" latinLnBrk="0" hangingPunct="1">
+              <a:buFontTx/>
+              <a:buNone/>
+            </a:pPr>
+            <a:r>
+              <a:rPr lang="ko-KR" sz="2000" b="1">
+                <a:solidFill>
+                  <a:srgbClr val="0611F2"/>
+                </a:solidFill>
+                <a:latin typeface="맑은 고딕" charset="0"/>
+                <a:ea typeface="맑은 고딕" charset="0"/>
+              </a:rPr>
+              <a:t>1</a:t>
+            </a:r>
+            <a:r>
+              <a:rPr lang="ko-KR" sz="2000" b="1">
+                <a:solidFill>
+                  <a:srgbClr val="0611F2"/>
+                </a:solidFill>
+                <a:latin typeface="맑은 고딕" charset="0"/>
+                <a:ea typeface="맑은 고딕" charset="0"/>
+              </a:rPr>
+              <a:t>6</a:t>
+            </a:r>
+            <a:r>
+              <a:rPr sz="2000" b="1">
+                <a:solidFill>
+                  <a:srgbClr val="0611F2"/>
+                </a:solidFill>
+                <a:latin typeface="맑은 고딕" charset="0"/>
+                <a:ea typeface="맑은 고딕" charset="0"/>
+              </a:rPr>
+              <a:t>.</a:t>
+            </a:r>
+            <a:r>
+              <a:rPr sz="2000">
+                <a:latin typeface="맑은 고딕" charset="0"/>
+                <a:ea typeface="맑은 고딕" charset="0"/>
+              </a:rPr>
+              <a:t> </a:t>
+            </a:r>
+            <a:r>
+              <a:rPr lang="ko-KR" sz="1800">
+                <a:latin typeface="맑은 고딕" charset="0"/>
+                <a:ea typeface="맑은 고딕" charset="0"/>
+              </a:rPr>
+              <a:t>이제 Camera 오브젝트 속성에 있는 Targer Texture에 Render Texture를 넣어줍니다.</a:t>
+            </a:r>
+            <a:endParaRPr lang="ko-KR" altLang="en-US" sz="1800">
+              <a:latin typeface="맑은 고딕" charset="0"/>
+              <a:ea typeface="맑은 고딕" charset="0"/>
+            </a:endParaRPr>
+          </a:p>
+        </p:txBody>
+      </p:sp>
+      <p:sp>
+        <p:nvSpPr>
+          <p:cNvPr id="35" name="Rect 0"/>
+          <p:cNvSpPr txBox="1">
+            <a:spLocks/>
+          </p:cNvSpPr>
+          <p:nvPr/>
+        </p:nvSpPr>
+        <p:spPr>
+          <a:xfrm rot="0">
+            <a:off x="6806565" y="3039110"/>
+            <a:ext cx="4117340" cy="677545"/>
+          </a:xfrm>
+          <a:prstGeom prst="rect"/>
+          <a:noFill/>
+          <a:ln w="0">
+            <a:noFill/>
+            <a:prstDash/>
+          </a:ln>
+        </p:spPr>
+        <p:txBody>
+          <a:bodyPr wrap="square" lIns="89535" tIns="46355" rIns="89535" bIns="46355" numCol="1" vert="horz" anchor="t">
+            <a:spAutoFit/>
+          </a:bodyPr>
+          <a:lstStyle/>
+          <a:p>
+            <a:pPr marL="0" indent="0" rtl="0" algn="l" defTabSz="914400" eaLnBrk="1" latinLnBrk="0" hangingPunct="1">
+              <a:buFontTx/>
+              <a:buNone/>
+            </a:pPr>
+            <a:r>
+              <a:rPr lang="ko-KR" sz="2000" b="1">
+                <a:solidFill>
+                  <a:srgbClr val="0611F2"/>
+                </a:solidFill>
+                <a:latin typeface="맑은 고딕" charset="0"/>
+                <a:ea typeface="맑은 고딕" charset="0"/>
+              </a:rPr>
+              <a:t>1</a:t>
+            </a:r>
+            <a:r>
+              <a:rPr lang="ko-KR" sz="2000" b="1">
+                <a:solidFill>
+                  <a:srgbClr val="0611F2"/>
+                </a:solidFill>
+                <a:latin typeface="맑은 고딕" charset="0"/>
+                <a:ea typeface="맑은 고딕" charset="0"/>
+              </a:rPr>
+              <a:t>7</a:t>
+            </a:r>
+            <a:r>
+              <a:rPr sz="2000" b="1">
+                <a:solidFill>
+                  <a:srgbClr val="0611F2"/>
+                </a:solidFill>
+                <a:latin typeface="맑은 고딕" charset="0"/>
+                <a:ea typeface="맑은 고딕" charset="0"/>
+              </a:rPr>
+              <a:t>.</a:t>
+            </a:r>
+            <a:r>
+              <a:rPr sz="2000">
+                <a:latin typeface="맑은 고딕" charset="0"/>
+                <a:ea typeface="맑은 고딕" charset="0"/>
+              </a:rPr>
+              <a:t> </a:t>
+            </a:r>
+            <a:r>
+              <a:rPr lang="ko-KR" sz="1800">
+                <a:latin typeface="맑은 고딕" charset="0"/>
+                <a:ea typeface="맑은 고딕" charset="0"/>
+              </a:rPr>
+              <a:t>그다음으로 Camera 오브젝트의 위치와 회전값을 설정합니다.</a:t>
+            </a:r>
+            <a:endParaRPr lang="ko-KR" altLang="en-US" sz="1800">
+              <a:latin typeface="맑은 고딕" charset="0"/>
+              <a:ea typeface="맑은 고딕" charset="0"/>
+            </a:endParaRPr>
+          </a:p>
+        </p:txBody>
+      </p:sp>
+      <p:pic>
+        <p:nvPicPr>
+          <p:cNvPr id="39" name="Picture " descr="C:/Users/Admin1/AppData/Roaming/PolarisOffice/ETemp/25808_22523168/fImage40062099169.png"/>
+          <p:cNvPicPr>
+            <a:picLocks noChangeAspect="1"/>
+          </p:cNvPicPr>
+          <p:nvPr/>
+        </p:nvPicPr>
+        <p:blipFill rotWithShape="1">
+          <a:blip r:embed="rId2" cstate="print">
+            <a:extLst>
+              <a:ext uri="{28A0092B-C50C-407E-A947-70E740481C1C}">
+                <a14:useLocalDpi xmlns:a14="http://schemas.microsoft.com/office/drawing/2010/main" val="0"/>
+              </a:ext>
+            </a:extLst>
+          </a:blip>
+          <a:stretch>
+            <a:fillRect/>
+          </a:stretch>
+        </p:blipFill>
+        <p:spPr>
+          <a:xfrm rot="0">
+            <a:off x="1316990" y="4251960"/>
+            <a:ext cx="4087495" cy="939800"/>
+          </a:xfrm>
+          <a:prstGeom prst="roundRect"/>
+          <a:solidFill>
+            <a:srgbClr val="EDEDED"/>
+          </a:solidFill>
+        </p:spPr>
+      </p:pic>
+      <p:pic>
+        <p:nvPicPr>
+          <p:cNvPr id="40" name="그림 13" descr="C:/Users/Admin1/AppData/Roaming/PolarisOffice/ETemp/25808_22523168/fImage391082105724.png"/>
+          <p:cNvPicPr>
+            <a:picLocks noChangeAspect="1"/>
+          </p:cNvPicPr>
+          <p:nvPr/>
+        </p:nvPicPr>
+        <p:blipFill rotWithShape="1">
+          <a:blip r:embed="rId3" cstate="print">
+            <a:extLst>
+              <a:ext uri="{28A0092B-C50C-407E-A947-70E740481C1C}">
+                <a14:useLocalDpi xmlns:a14="http://schemas.microsoft.com/office/drawing/2010/main" val="0"/>
+              </a:ext>
+            </a:extLst>
+          </a:blip>
+          <a:stretch>
+            <a:fillRect/>
+          </a:stretch>
+        </p:blipFill>
+        <p:spPr>
+          <a:xfrm rot="0">
+            <a:off x="1328420" y="1319530"/>
+            <a:ext cx="4067175" cy="2750820"/>
+          </a:xfrm>
+          <a:prstGeom prst="rect"/>
+          <a:noFill/>
+        </p:spPr>
+      </p:pic>
+      <p:cxnSp>
+        <p:nvCxnSpPr>
+          <p:cNvPr id="41" name="도형 15"/>
+          <p:cNvCxnSpPr/>
+          <p:nvPr/>
+        </p:nvCxnSpPr>
+        <p:spPr>
+          <a:xfrm rot="0" flipV="1">
+            <a:off x="2623820" y="3238500"/>
+            <a:ext cx="2676525" cy="1238885"/>
+          </a:xfrm>
+          <a:prstGeom prst="straightConnector1"/>
+          <a:ln w="6350" cap="flat" cmpd="sng">
+            <a:prstDash/>
+            <a:headEnd type="none" w="med" len="med"/>
+            <a:tailEnd type="triangle" w="med" len="med"/>
+          </a:ln>
+        </p:spPr>
+        <p:style>
+          <a:lnRef idx="1">
+            <a:schemeClr val="accent1"/>
+          </a:lnRef>
+          <a:fillRef idx="0">
+            <a:schemeClr val="accent1"/>
+          </a:fillRef>
+          <a:effectRef idx="0">
+            <a:schemeClr val="accent1"/>
+          </a:effectRef>
+          <a:fontRef idx="minor">
+            <a:schemeClr val="tx1"/>
+          </a:fontRef>
+        </p:style>
+      </p:cxnSp>
+      <p:pic>
+        <p:nvPicPr>
+          <p:cNvPr id="43" name="그림 22" descr="C:/Users/Admin1/AppData/Roaming/PolarisOffice/ETemp/25808_22523168/fImage125272141478.png"/>
+          <p:cNvPicPr>
+            <a:picLocks noChangeAspect="1"/>
+          </p:cNvPicPr>
+          <p:nvPr/>
+        </p:nvPicPr>
+        <p:blipFill rotWithShape="1">
+          <a:blip r:embed="rId4" cstate="print">
+            <a:extLst>
+              <a:ext uri="{28A0092B-C50C-407E-A947-70E740481C1C}">
+                <a14:useLocalDpi xmlns:a14="http://schemas.microsoft.com/office/drawing/2010/main" val="0"/>
+              </a:ext>
+            </a:extLst>
+          </a:blip>
+          <a:stretch>
+            <a:fillRect/>
+          </a:stretch>
+        </p:blipFill>
+        <p:spPr>
+          <a:xfrm rot="0">
+            <a:off x="6806565" y="3853180"/>
+            <a:ext cx="4109720" cy="1585595"/>
+          </a:xfrm>
+          <a:prstGeom prst="roundRect"/>
+          <a:solidFill>
+            <a:srgbClr val="EDEDED"/>
+          </a:solidFill>
+        </p:spPr>
+      </p:pic>
+      <p:sp>
+        <p:nvSpPr>
+          <p:cNvPr id="44" name="텍스트 상자 25"/>
+          <p:cNvSpPr txBox="1">
+            <a:spLocks/>
+          </p:cNvSpPr>
+          <p:nvPr/>
+        </p:nvSpPr>
+        <p:spPr>
+          <a:xfrm rot="0">
+            <a:off x="6800215" y="5534660"/>
+            <a:ext cx="4117340" cy="677545"/>
+          </a:xfrm>
+          <a:prstGeom prst="rect"/>
+          <a:noFill/>
+          <a:ln w="0">
+            <a:noFill/>
+            <a:prstDash/>
+          </a:ln>
+        </p:spPr>
+        <p:txBody>
+          <a:bodyPr wrap="square" lIns="89535" tIns="46355" rIns="89535" bIns="46355" numCol="1" vert="horz" anchor="t">
+            <a:spAutoFit/>
+          </a:bodyPr>
+          <a:lstStyle/>
+          <a:p>
+            <a:pPr marL="0" indent="0" rtl="0" algn="l" defTabSz="914400" eaLnBrk="1" latinLnBrk="0" hangingPunct="1">
+              <a:buFontTx/>
+              <a:buNone/>
+            </a:pPr>
+            <a:r>
+              <a:rPr lang="ko-KR" sz="2000" b="1">
+                <a:solidFill>
+                  <a:srgbClr val="0611F2"/>
+                </a:solidFill>
+                <a:latin typeface="맑은 고딕" charset="0"/>
+                <a:ea typeface="맑은 고딕" charset="0"/>
+              </a:rPr>
+              <a:t>1</a:t>
+            </a:r>
+            <a:r>
+              <a:rPr lang="ko-KR" sz="2000" b="1">
+                <a:solidFill>
+                  <a:srgbClr val="0611F2"/>
+                </a:solidFill>
+                <a:latin typeface="맑은 고딕" charset="0"/>
+                <a:ea typeface="맑은 고딕" charset="0"/>
+              </a:rPr>
+              <a:t>8</a:t>
+            </a:r>
+            <a:r>
+              <a:rPr sz="2000" b="1">
+                <a:solidFill>
+                  <a:srgbClr val="0611F2"/>
+                </a:solidFill>
+                <a:latin typeface="맑은 고딕" charset="0"/>
+                <a:ea typeface="맑은 고딕" charset="0"/>
+              </a:rPr>
+              <a:t>.</a:t>
+            </a:r>
+            <a:r>
+              <a:rPr sz="2000">
+                <a:latin typeface="맑은 고딕" charset="0"/>
+                <a:ea typeface="맑은 고딕" charset="0"/>
+              </a:rPr>
+              <a:t> </a:t>
+            </a:r>
+            <a:r>
+              <a:rPr lang="ko-KR" sz="1800">
+                <a:latin typeface="맑은 고딕" charset="0"/>
+                <a:ea typeface="맑은 고딕" charset="0"/>
+              </a:rPr>
+              <a:t>그런 다음 Moon 오브젝트의 위치와 크기를 설정합니다.</a:t>
+            </a:r>
+            <a:endParaRPr lang="ko-KR" altLang="en-US" sz="1800">
+              <a:latin typeface="맑은 고딕" charset="0"/>
+              <a:ea typeface="맑은 고딕" charset="0"/>
+            </a:endParaRPr>
+          </a:p>
+        </p:txBody>
+      </p:sp>
+      <p:pic>
+        <p:nvPicPr>
+          <p:cNvPr id="45" name="그림 26" descr="C:/Users/Admin1/AppData/Roaming/PolarisOffice/ETemp/25808_22523168/fImage120702169358.png"/>
+          <p:cNvPicPr>
+            <a:picLocks noChangeAspect="1"/>
+          </p:cNvPicPr>
+          <p:nvPr/>
+        </p:nvPicPr>
+        <p:blipFill rotWithShape="1">
+          <a:blip r:embed="rId5" cstate="print">
+            <a:extLst>
+              <a:ext uri="{28A0092B-C50C-407E-A947-70E740481C1C}">
+                <a14:useLocalDpi xmlns:a14="http://schemas.microsoft.com/office/drawing/2010/main" val="0"/>
+              </a:ext>
+            </a:extLst>
+          </a:blip>
+          <a:stretch>
+            <a:fillRect/>
+          </a:stretch>
+        </p:blipFill>
+        <p:spPr>
+          <a:xfrm rot="0">
+            <a:off x="6797675" y="1324610"/>
+            <a:ext cx="4126230" cy="1585595"/>
+          </a:xfrm>
+          <a:prstGeom prst="roundRect"/>
+          <a:solidFill>
+            <a:srgbClr val="EDEDED"/>
+          </a:solidFill>
+        </p:spPr>
+      </p:pic>
+    </p:spTree>
+  </p:cSld>
+  <p:clrMapOvr>
+    <a:masterClrMapping/>
+  </p:clrMapOvr>
+  <mc:AlternateContent xmlns:mc="http://schemas.openxmlformats.org/markup-compatibility/2006">
+    <mc:Choice xmlns:p14="http://schemas.microsoft.com/office/powerpoint/2010/main" Requires="p14">
+      <p:transition spd="slow" p14:dur="1000"/>
+    </mc:Choice>
+    <mc:Fallback>
+      <p:transition spd="slow"/>
+    </mc:Fallback>
+  </mc:AlternateContent>
+  <p:timing>
+    <p:tnLst>
+      <p:par>
+        <p:cTn id="1" dur="indefinite" restart="never" nodeType="tmRoot"/>
+      </p:par>
+    </p:tnLst>
+  </p:timing>
+</p:sld>
+</file>
+
+<file path=ppt/slides/slide11.xml><?xml version="1.0" encoding="utf-8"?>
+<p:sld xmlns:a="http://schemas.openxmlformats.org/drawingml/2006/main" xmlns:r="http://schemas.openxmlformats.org/officeDocument/2006/relationships" xmlns:p="http://schemas.openxmlformats.org/presentationml/2006/main">
+  <p:cSld>
+    <p:spTree>
+      <p:nvGrpSpPr>
+        <p:cNvPr id="1" name=""/>
+        <p:cNvGrpSpPr/>
+        <p:nvPr/>
+      </p:nvGrpSpPr>
+      <p:grpSpPr>
+        <a:xfrm>
+          <a:off x="0" y="0"/>
+          <a:ext cx="0" cy="0"/>
+          <a:chOff x="0" y="0"/>
+          <a:chExt cx="0" cy="0"/>
+        </a:xfrm>
+      </p:grpSpPr>
+      <p:sp>
+        <p:nvSpPr>
+          <p:cNvPr id="2" name="Rect 0"/>
+          <p:cNvSpPr txBox="1">
+            <a:spLocks/>
+          </p:cNvSpPr>
+          <p:nvPr/>
+        </p:nvSpPr>
+        <p:spPr>
+          <a:xfrm rot="0">
+            <a:off x="4344670" y="386715"/>
+            <a:ext cx="3503930" cy="554990"/>
+          </a:xfrm>
+          <a:prstGeom prst="rect"/>
+          <a:noFill/>
+          <a:ln w="0">
+            <a:noFill/>
+            <a:prstDash/>
+          </a:ln>
+        </p:spPr>
+        <p:txBody>
+          <a:bodyPr wrap="square" lIns="89535" tIns="46355" rIns="89535" bIns="46355" numCol="1" vert="horz" anchor="t">
+            <a:spAutoFit/>
+          </a:bodyPr>
+          <a:lstStyle/>
+          <a:p>
+            <a:pPr marL="0" indent="0" rtl="0" algn="l" defTabSz="914400" eaLnBrk="1" latinLnBrk="0" hangingPunct="1">
+              <a:buFontTx/>
+              <a:buNone/>
+            </a:pPr>
+            <a:r>
+              <a:rPr lang="ko-KR" sz="3000" b="1">
+                <a:solidFill>
+                  <a:schemeClr val="tx1"/>
+                </a:solidFill>
+                <a:latin typeface="맑은 고딕" charset="0"/>
+                <a:ea typeface="맑은 고딕" charset="0"/>
+              </a:rPr>
+              <a:t>여덟</a:t>
+            </a:r>
+            <a:r>
+              <a:rPr lang="ko-KR" sz="3000" b="1">
+                <a:solidFill>
+                  <a:schemeClr val="tx1"/>
+                </a:solidFill>
+                <a:latin typeface="맑은 고딕" charset="0"/>
+                <a:ea typeface="맑은 고딕" charset="0"/>
+              </a:rPr>
+              <a:t> 번째 튜토리얼</a:t>
+            </a:r>
+            <a:endParaRPr lang="ko-KR" altLang="en-US" sz="3000" b="1">
+              <a:solidFill>
+                <a:schemeClr val="tx1"/>
+              </a:solidFill>
+              <a:latin typeface="맑은 고딕" charset="0"/>
+              <a:ea typeface="맑은 고딕" charset="0"/>
+            </a:endParaRPr>
+          </a:p>
+        </p:txBody>
+      </p:sp>
+      <p:sp>
+        <p:nvSpPr>
+          <p:cNvPr id="25" name="Rect 0"/>
+          <p:cNvSpPr txBox="1">
+            <a:spLocks/>
+          </p:cNvSpPr>
+          <p:nvPr/>
+        </p:nvSpPr>
+        <p:spPr>
+          <a:xfrm rot="0">
+            <a:off x="1315085" y="4701540"/>
+            <a:ext cx="4073525" cy="1508125"/>
+          </a:xfrm>
+          <a:prstGeom prst="rect"/>
+          <a:noFill/>
+          <a:ln w="0">
+            <a:noFill/>
+            <a:prstDash/>
+          </a:ln>
+        </p:spPr>
+        <p:txBody>
+          <a:bodyPr wrap="square" lIns="89535" tIns="46355" rIns="89535" bIns="46355" numCol="1" vert="horz" anchor="t">
+            <a:spAutoFit/>
+          </a:bodyPr>
+          <a:lstStyle/>
+          <a:p>
+            <a:pPr marL="0" indent="0" rtl="0" algn="l" defTabSz="914400" eaLnBrk="1" latinLnBrk="0" hangingPunct="1">
+              <a:buFontTx/>
+              <a:buNone/>
+            </a:pPr>
+            <a:r>
+              <a:rPr lang="ko-KR" sz="2000" b="1">
+                <a:solidFill>
+                  <a:srgbClr val="0611F2"/>
+                </a:solidFill>
+                <a:latin typeface="맑은 고딕" charset="0"/>
+                <a:ea typeface="맑은 고딕" charset="0"/>
+              </a:rPr>
+              <a:t>1</a:t>
+            </a:r>
+            <a:r>
+              <a:rPr lang="ko-KR" sz="2000" b="1">
+                <a:solidFill>
+                  <a:srgbClr val="0611F2"/>
+                </a:solidFill>
+                <a:latin typeface="맑은 고딕" charset="0"/>
+                <a:ea typeface="맑은 고딕" charset="0"/>
+              </a:rPr>
+              <a:t>9</a:t>
+            </a:r>
+            <a:r>
+              <a:rPr sz="2000" b="1">
+                <a:solidFill>
+                  <a:srgbClr val="0611F2"/>
+                </a:solidFill>
+                <a:latin typeface="맑은 고딕" charset="0"/>
+                <a:ea typeface="맑은 고딕" charset="0"/>
+              </a:rPr>
+              <a:t>.</a:t>
+            </a:r>
+            <a:r>
+              <a:rPr sz="2000">
+                <a:latin typeface="맑은 고딕" charset="0"/>
+                <a:ea typeface="맑은 고딕" charset="0"/>
+              </a:rPr>
+              <a:t> </a:t>
+            </a:r>
+            <a:r>
+              <a:rPr lang="ko-KR" sz="1800">
+                <a:latin typeface="맑은 고딕" charset="0"/>
+                <a:ea typeface="맑은 고딕" charset="0"/>
+              </a:rPr>
+              <a:t>그리고 UI에 Raw Image를 생성합니다.</a:t>
+            </a:r>
+            <a:endParaRPr lang="ko-KR" altLang="en-US" sz="1800">
+              <a:latin typeface="맑은 고딕" charset="0"/>
+              <a:ea typeface="맑은 고딕" charset="0"/>
+            </a:endParaRPr>
+          </a:p>
+          <a:p>
+            <a:pPr marL="0" indent="0" rtl="0" algn="l" defTabSz="914400" eaLnBrk="1" latinLnBrk="0" hangingPunct="1">
+              <a:buFontTx/>
+              <a:buNone/>
+            </a:pPr>
+            <a:endParaRPr lang="ko-KR" altLang="en-US" sz="1800">
+              <a:latin typeface="맑은 고딕" charset="0"/>
+              <a:ea typeface="맑은 고딕" charset="0"/>
+            </a:endParaRPr>
+          </a:p>
+          <a:p>
+            <a:pPr marL="0" indent="0" rtl="0" algn="l" defTabSz="914400" eaLnBrk="1" latinLnBrk="0" hangingPunct="1">
+              <a:buFontTx/>
+              <a:buNone/>
+            </a:pPr>
+            <a:r>
+              <a:rPr lang="ko-KR" sz="1800">
+                <a:latin typeface="맑은 고딕" charset="0"/>
+                <a:ea typeface="맑은 고딕" charset="0"/>
+              </a:rPr>
+              <a:t>이제 Raw Image의 이름을 Navigation으로 정의합니다.</a:t>
+            </a:r>
+            <a:endParaRPr lang="ko-KR" altLang="en-US" sz="1800">
+              <a:latin typeface="맑은 고딕" charset="0"/>
+              <a:ea typeface="맑은 고딕" charset="0"/>
+            </a:endParaRPr>
+          </a:p>
+        </p:txBody>
+      </p:sp>
+      <p:pic>
+        <p:nvPicPr>
+          <p:cNvPr id="46" name="그림 29" descr="C:/Users/Admin1/AppData/Roaming/PolarisOffice/ETemp/25808_22523168/fImage191582266962.png"/>
+          <p:cNvPicPr>
+            <a:picLocks noChangeAspect="1"/>
+          </p:cNvPicPr>
+          <p:nvPr/>
+        </p:nvPicPr>
+        <p:blipFill rotWithShape="1">
+          <a:blip r:embed="rId2" cstate="print">
+            <a:extLst>
+              <a:ext uri="{28A0092B-C50C-407E-A947-70E740481C1C}">
+                <a14:useLocalDpi xmlns:a14="http://schemas.microsoft.com/office/drawing/2010/main" val="0"/>
+              </a:ext>
+            </a:extLst>
+          </a:blip>
+          <a:stretch>
+            <a:fillRect/>
+          </a:stretch>
+        </p:blipFill>
+        <p:spPr>
+          <a:xfrm rot="0">
+            <a:off x="1319530" y="1315085"/>
+            <a:ext cx="2586355" cy="3266440"/>
+          </a:xfrm>
+          <a:prstGeom prst="roundRect"/>
+          <a:solidFill>
+            <a:srgbClr val="EDEDED"/>
+          </a:solidFill>
+        </p:spPr>
+      </p:pic>
+      <p:pic>
+        <p:nvPicPr>
+          <p:cNvPr id="47" name="그림 32" descr="C:/Users/Admin1/AppData/Roaming/PolarisOffice/ETemp/25808_22523168/fImage91502274464.png"/>
+          <p:cNvPicPr>
+            <a:picLocks noChangeAspect="1"/>
+          </p:cNvPicPr>
+          <p:nvPr/>
+        </p:nvPicPr>
+        <p:blipFill rotWithShape="1">
+          <a:blip r:embed="rId3" cstate="print">
+            <a:extLst>
+              <a:ext uri="{28A0092B-C50C-407E-A947-70E740481C1C}">
+                <a14:useLocalDpi xmlns:a14="http://schemas.microsoft.com/office/drawing/2010/main" val="0"/>
+              </a:ext>
+            </a:extLst>
+          </a:blip>
+          <a:stretch>
+            <a:fillRect/>
+          </a:stretch>
+        </p:blipFill>
+        <p:spPr>
+          <a:xfrm rot="0">
+            <a:off x="4069715" y="1890395"/>
+            <a:ext cx="1316990" cy="2119630"/>
+          </a:xfrm>
+          <a:prstGeom prst="roundRect"/>
+          <a:solidFill>
+            <a:srgbClr val="EDEDED"/>
+          </a:solidFill>
+        </p:spPr>
+      </p:pic>
+    </p:spTree>
+  </p:cSld>
+  <p:clrMapOvr>
+    <a:masterClrMapping/>
+  </p:clrMapOvr>
+  <mc:AlternateContent xmlns:mc="http://schemas.openxmlformats.org/markup-compatibility/2006">
+    <mc:Choice xmlns:p14="http://schemas.microsoft.com/office/powerpoint/2010/main" Requires="p14">
+      <p:transition spd="slow" p14:dur="1000"/>
+    </mc:Choice>
+    <mc:Fallback>
+      <p:transition spd="slow"/>
+    </mc:Fallback>
+  </mc:AlternateContent>
+  <p:timing>
+    <p:tnLst>
+      <p:par>
+        <p:cTn id="1" dur="indefinite" restart="never" nodeType="tmRoot"/>
+      </p:par>
+    </p:tnLst>
+  </p:timing>
+</p:sld>
+</file>
+
 <file path=ppt/slides/slide2.xml><?xml version="1.0" encoding="utf-8"?>
 <p:sld xmlns:a="http://schemas.openxmlformats.org/drawingml/2006/main" xmlns:r="http://schemas.openxmlformats.org/officeDocument/2006/relationships" xmlns:p="http://schemas.openxmlformats.org/presentationml/2006/main" xmlns:p14="http://schemas.microsoft.com/office/powerpoint/2010/main">
   <p:cSld>
@@ -6750,9 +7521,9 @@
           <p:nvPr/>
         </p:nvSpPr>
         <p:spPr>
-          <a:xfrm rot="0">
+          <a:xfrm>
             <a:off x="6838315" y="3596640"/>
-            <a:ext cx="4135755" cy="2615565"/>
+            <a:ext cx="4136390" cy="2615565"/>
           </a:xfrm>
           <a:prstGeom prst="rect"/>
           <a:noFill/>
@@ -6762,7 +7533,7 @@
           </a:ln>
         </p:spPr>
         <p:txBody>
-          <a:bodyPr wrap="square" lIns="89535" tIns="46355" rIns="89535" bIns="46355" vert="horz" anchor="t">
+          <a:bodyPr wrap="square" lIns="89535" tIns="46355" rIns="89535" bIns="46355" numCol="1" vert="horz" anchor="t">
             <a:spAutoFit/>
           </a:bodyPr>
           <a:lstStyle/>
@@ -6779,7 +7550,7 @@
                 <a:latin typeface="맑은 고딕" charset="0"/>
                 <a:ea typeface="맑은 고딕" charset="0"/>
               </a:rPr>
-              <a:t>3</a:t>
+              <a:t>5</a:t>
             </a:r>
             <a:r>
               <a:rPr sz="2000" b="1">
@@ -6803,56 +7574,21 @@
                 <a:latin typeface="맑은 고딕" charset="0"/>
                 <a:ea typeface="맑은 고딕" charset="0"/>
               </a:rPr>
-              <a:t>3D </a:t>
+              <a:t>3D Object를 선택</a:t>
+            </a:r>
+            <a:r>
+              <a:rPr lang="ko-KR" sz="1800">
+                <a:latin typeface="맑은 고딕" charset="0"/>
+                <a:ea typeface="맑은 고딕" charset="0"/>
+              </a:rPr>
+              <a:t>한 다음</a:t>
             </a:r>
             <a:r>
               <a:rPr sz="1800">
                 <a:latin typeface="맑은 고딕" charset="0"/>
                 <a:ea typeface="맑은 고딕" charset="0"/>
               </a:rPr>
-              <a:t>Object</a:t>
-            </a:r>
-            <a:r>
-              <a:rPr sz="1800">
-                <a:latin typeface="맑은 고딕" charset="0"/>
-                <a:ea typeface="맑은 고딕" charset="0"/>
-              </a:rPr>
-              <a:t>를 선택</a:t>
-            </a:r>
-            <a:r>
-              <a:rPr lang="ko-KR" sz="1800">
-                <a:latin typeface="맑은 고딕" charset="0"/>
-                <a:ea typeface="맑은 고딕" charset="0"/>
-              </a:rPr>
-              <a:t>한 다음</a:t>
-            </a:r>
-            <a:r>
-              <a:rPr sz="1800">
-                <a:latin typeface="맑은 고딕" charset="0"/>
-                <a:ea typeface="맑은 고딕" charset="0"/>
-              </a:rPr>
-              <a:t> Sphere를</a:t>
-            </a:r>
-            <a:r>
-              <a:rPr sz="1800">
-                <a:latin typeface="맑은 고딕" charset="0"/>
-                <a:ea typeface="맑은 고딕" charset="0"/>
-              </a:rPr>
-              <a:t> </a:t>
-            </a:r>
-            <a:r>
-              <a:rPr sz="1800">
-                <a:latin typeface="맑은 고딕" charset="0"/>
-                <a:ea typeface="맑은 고딕" charset="0"/>
-              </a:rPr>
-              <a:t>2개 생성</a:t>
-            </a:r>
-            <a:r>
-              <a:rPr sz="1800">
-                <a:latin typeface="맑은 고딕" charset="0"/>
-                <a:ea typeface="맑은 고딕" charset="0"/>
-              </a:rPr>
-              <a:t>합니</a:t>
+              <a:t> Sphere를 2개 생성합니</a:t>
             </a:r>
             <a:r>
               <a:rPr lang="ko-KR" sz="1800">
@@ -6893,42 +7629,21 @@
                 <a:latin typeface="맑은 고딕" charset="0"/>
                 <a:ea typeface="맑은 고딕" charset="0"/>
               </a:rPr>
-              <a:t> 각각의 이름을 S</a:t>
+              <a:t> 각각의 이름을 Sun</a:t>
+            </a:r>
+            <a:r>
+              <a:rPr lang="ko-KR" sz="1800">
+                <a:latin typeface="맑은 고딕" charset="0"/>
+                <a:ea typeface="맑은 고딕" charset="0"/>
+              </a:rPr>
+              <a:t>과</a:t>
             </a:r>
             <a:r>
               <a:rPr sz="1800">
                 <a:latin typeface="맑은 고딕" charset="0"/>
                 <a:ea typeface="맑은 고딕" charset="0"/>
               </a:rPr>
-              <a:t>un</a:t>
-            </a:r>
-            <a:r>
-              <a:rPr lang="ko-KR" sz="1800">
-                <a:latin typeface="맑은 고딕" charset="0"/>
-                <a:ea typeface="맑은 고딕" charset="0"/>
-              </a:rPr>
-              <a:t>과</a:t>
-            </a:r>
-            <a:r>
-              <a:rPr sz="1800">
-                <a:latin typeface="맑은 고딕" charset="0"/>
-                <a:ea typeface="맑은 고딕" charset="0"/>
-              </a:rPr>
-              <a:t> </a:t>
-            </a:r>
-            <a:r>
-              <a:rPr sz="1800">
-                <a:latin typeface="맑은 고딕" charset="0"/>
-                <a:ea typeface="맑은 고딕" charset="0"/>
-              </a:rPr>
-              <a:t>Earth</a:t>
-            </a:r>
-            <a:r>
-              <a:rPr sz="1800">
-                <a:latin typeface="맑은 고딕" charset="0"/>
-                <a:ea typeface="맑은 고딕" charset="0"/>
-              </a:rPr>
-              <a:t>로 정의합니다.</a:t>
+              <a:t> Earth로 정의합니다.</a:t>
             </a:r>
             <a:endParaRPr lang="ko-KR" altLang="en-US" sz="1800">
               <a:latin typeface="맑은 고딕" charset="0"/>
@@ -7588,7 +8303,7 @@
       </p:pic>
       <p:pic>
         <p:nvPicPr>
-          <p:cNvPr id="20" name="그림 9" descr="C:/Users/Admin1/AppData/Roaming/PolarisOffice/ETemp/11172_15987544/fImage2669918941.png"/>
+          <p:cNvPr id="20" name="그림 9"/>
           <p:cNvPicPr>
             <a:picLocks noChangeAspect="1"/>
           </p:cNvPicPr>
@@ -9216,6 +9931,642 @@
 </file>
 
 <file path=ppt/slides/slide8.xml><?xml version="1.0" encoding="utf-8"?>
+<p:sld xmlns:a="http://schemas.openxmlformats.org/drawingml/2006/main" xmlns:r="http://schemas.openxmlformats.org/officeDocument/2006/relationships" xmlns:p="http://schemas.openxmlformats.org/presentationml/2006/main" xmlns:p14="http://schemas.microsoft.com/office/powerpoint/2010/main">
+  <p:cSld>
+    <p:spTree>
+      <p:nvGrpSpPr>
+        <p:cNvPr id="1" name=""/>
+        <p:cNvGrpSpPr/>
+        <p:nvPr/>
+      </p:nvGrpSpPr>
+      <p:grpSpPr>
+        <a:xfrm>
+          <a:off x="0" y="0"/>
+          <a:ext cx="0" cy="0"/>
+          <a:chOff x="0" y="0"/>
+          <a:chExt cx="0" cy="0"/>
+        </a:xfrm>
+      </p:grpSpPr>
+      <p:sp>
+        <p:nvSpPr>
+          <p:cNvPr id="2" name="Rect 0"/>
+          <p:cNvSpPr txBox="1">
+            <a:spLocks/>
+          </p:cNvSpPr>
+          <p:nvPr/>
+        </p:nvSpPr>
+        <p:spPr>
+          <a:xfrm rot="0">
+            <a:off x="4344670" y="386715"/>
+            <a:ext cx="3503295" cy="554990"/>
+          </a:xfrm>
+          <a:prstGeom prst="rect"/>
+          <a:noFill/>
+          <a:ln w="0">
+            <a:noFill/>
+            <a:prstDash/>
+          </a:ln>
+        </p:spPr>
+        <p:txBody>
+          <a:bodyPr wrap="square" lIns="89535" tIns="46355" rIns="89535" bIns="46355" numCol="1" vert="horz" anchor="t">
+            <a:spAutoFit/>
+          </a:bodyPr>
+          <a:lstStyle/>
+          <a:p>
+            <a:pPr marL="0" indent="0" rtl="0" algn="l" defTabSz="914400" eaLnBrk="1" latinLnBrk="0" hangingPunct="1">
+              <a:buFontTx/>
+              <a:buNone/>
+            </a:pPr>
+            <a:r>
+              <a:rPr lang="ko-KR" sz="3000" b="1">
+                <a:solidFill>
+                  <a:schemeClr val="tx1"/>
+                </a:solidFill>
+                <a:latin typeface="맑은 고딕" charset="0"/>
+                <a:ea typeface="맑은 고딕" charset="0"/>
+              </a:rPr>
+              <a:t>다섯</a:t>
+            </a:r>
+            <a:r>
+              <a:rPr lang="ko-KR" sz="3000" b="1">
+                <a:solidFill>
+                  <a:schemeClr val="tx1"/>
+                </a:solidFill>
+                <a:latin typeface="맑은 고딕" charset="0"/>
+                <a:ea typeface="맑은 고딕" charset="0"/>
+              </a:rPr>
+              <a:t> 번째 튜토리얼</a:t>
+            </a:r>
+            <a:endParaRPr lang="ko-KR" altLang="en-US" sz="3000" b="1">
+              <a:solidFill>
+                <a:schemeClr val="tx1"/>
+              </a:solidFill>
+              <a:latin typeface="맑은 고딕" charset="0"/>
+              <a:ea typeface="맑은 고딕" charset="0"/>
+            </a:endParaRPr>
+          </a:p>
+        </p:txBody>
+      </p:sp>
+      <p:sp>
+        <p:nvSpPr>
+          <p:cNvPr id="5" name="Rect 0"/>
+          <p:cNvSpPr txBox="1">
+            <a:spLocks/>
+          </p:cNvSpPr>
+          <p:nvPr/>
+        </p:nvSpPr>
+        <p:spPr>
+          <a:xfrm rot="0">
+            <a:off x="6824980" y="2225040"/>
+            <a:ext cx="4116070" cy="954405"/>
+          </a:xfrm>
+          <a:prstGeom prst="rect"/>
+          <a:noFill/>
+          <a:ln w="0">
+            <a:noFill/>
+            <a:prstDash/>
+          </a:ln>
+        </p:spPr>
+        <p:txBody>
+          <a:bodyPr wrap="square" lIns="89535" tIns="46355" rIns="89535" bIns="46355" numCol="1" vert="horz" anchor="t">
+            <a:spAutoFit/>
+          </a:bodyPr>
+          <a:lstStyle/>
+          <a:p>
+            <a:pPr marL="0" indent="0" rtl="0" algn="l" defTabSz="914400" eaLnBrk="1" latinLnBrk="0" hangingPunct="1">
+              <a:buFontTx/>
+              <a:buNone/>
+            </a:pPr>
+            <a:r>
+              <a:rPr lang="ko-KR" sz="2000" b="1">
+                <a:solidFill>
+                  <a:srgbClr val="0611F2"/>
+                </a:solidFill>
+                <a:latin typeface="맑은 고딕" charset="0"/>
+                <a:ea typeface="맑은 고딕" charset="0"/>
+              </a:rPr>
+              <a:t>12</a:t>
+            </a:r>
+            <a:r>
+              <a:rPr sz="2000" b="1">
+                <a:solidFill>
+                  <a:srgbClr val="0611F2"/>
+                </a:solidFill>
+                <a:latin typeface="맑은 고딕" charset="0"/>
+                <a:ea typeface="맑은 고딕" charset="0"/>
+              </a:rPr>
+              <a:t>.</a:t>
+            </a:r>
+            <a:r>
+              <a:rPr sz="2000">
+                <a:latin typeface="맑은 고딕" charset="0"/>
+                <a:ea typeface="맑은 고딕" charset="0"/>
+              </a:rPr>
+              <a:t> </a:t>
+            </a:r>
+            <a:r>
+              <a:rPr lang="ko-KR" sz="1800">
+                <a:latin typeface="맑은 고딕" charset="0"/>
+                <a:ea typeface="맑은 고딕" charset="0"/>
+              </a:rPr>
+              <a:t>이제 Project 폴더에서 Texture에 Moon 텍스처를 Moon 오브젝트에 넣어줍니다.</a:t>
+            </a:r>
+            <a:endParaRPr lang="ko-KR" altLang="en-US" sz="1800">
+              <a:latin typeface="맑은 고딕" charset="0"/>
+              <a:ea typeface="맑은 고딕" charset="0"/>
+            </a:endParaRPr>
+          </a:p>
+        </p:txBody>
+      </p:sp>
+      <p:sp>
+        <p:nvSpPr>
+          <p:cNvPr id="25" name="Rect 0"/>
+          <p:cNvSpPr txBox="1">
+            <a:spLocks/>
+          </p:cNvSpPr>
+          <p:nvPr/>
+        </p:nvSpPr>
+        <p:spPr>
+          <a:xfrm rot="0">
+            <a:off x="1245870" y="4147820"/>
+            <a:ext cx="4136390" cy="2061845"/>
+          </a:xfrm>
+          <a:prstGeom prst="rect"/>
+          <a:noFill/>
+          <a:ln w="0">
+            <a:noFill/>
+            <a:prstDash/>
+          </a:ln>
+        </p:spPr>
+        <p:txBody>
+          <a:bodyPr wrap="square" lIns="89535" tIns="46355" rIns="89535" bIns="46355" numCol="1" vert="horz" anchor="t">
+            <a:spAutoFit/>
+          </a:bodyPr>
+          <a:lstStyle/>
+          <a:p>
+            <a:pPr marL="0" indent="0" rtl="0" algn="l" defTabSz="914400" eaLnBrk="1" latinLnBrk="0" hangingPunct="1">
+              <a:buFontTx/>
+              <a:buNone/>
+            </a:pPr>
+            <a:r>
+              <a:rPr lang="ko-KR" sz="2000" b="1">
+                <a:solidFill>
+                  <a:srgbClr val="0611F2"/>
+                </a:solidFill>
+                <a:latin typeface="맑은 고딕" charset="0"/>
+                <a:ea typeface="맑은 고딕" charset="0"/>
+              </a:rPr>
+              <a:t>11</a:t>
+            </a:r>
+            <a:r>
+              <a:rPr sz="2000" b="1">
+                <a:solidFill>
+                  <a:srgbClr val="0611F2"/>
+                </a:solidFill>
+                <a:latin typeface="맑은 고딕" charset="0"/>
+                <a:ea typeface="맑은 고딕" charset="0"/>
+              </a:rPr>
+              <a:t>.</a:t>
+            </a:r>
+            <a:r>
+              <a:rPr sz="2000">
+                <a:latin typeface="맑은 고딕" charset="0"/>
+                <a:ea typeface="맑은 고딕" charset="0"/>
+              </a:rPr>
+              <a:t> </a:t>
+            </a:r>
+            <a:r>
+              <a:rPr lang="ko-KR" sz="1800">
+                <a:latin typeface="맑은 고딕" charset="0"/>
+                <a:ea typeface="맑은 고딕" charset="0"/>
+              </a:rPr>
+              <a:t>그런 다음 </a:t>
+            </a:r>
+            <a:r>
+              <a:rPr lang="ko-KR" sz="1800">
+                <a:latin typeface="맑은 고딕" charset="0"/>
+                <a:ea typeface="맑은 고딕" charset="0"/>
+              </a:rPr>
+              <a:t>3D Object에서 Sphere 오브젝트를 생성하고 Moon이라는 이름으로 정의합니다.</a:t>
+            </a:r>
+            <a:endParaRPr lang="ko-KR" altLang="en-US" sz="1800">
+              <a:latin typeface="맑은 고딕" charset="0"/>
+              <a:ea typeface="맑은 고딕" charset="0"/>
+            </a:endParaRPr>
+          </a:p>
+          <a:p>
+            <a:pPr marL="0" indent="0" rtl="0" algn="l" defTabSz="914400" eaLnBrk="1" latinLnBrk="0" hangingPunct="1">
+              <a:buFontTx/>
+              <a:buNone/>
+            </a:pPr>
+            <a:endParaRPr lang="ko-KR" altLang="en-US" sz="1800">
+              <a:latin typeface="맑은 고딕" charset="0"/>
+              <a:ea typeface="맑은 고딕" charset="0"/>
+            </a:endParaRPr>
+          </a:p>
+          <a:p>
+            <a:pPr marL="0" indent="0" rtl="0" algn="l" defTabSz="914400" eaLnBrk="1" latinLnBrk="0" hangingPunct="1">
+              <a:buFontTx/>
+              <a:buNone/>
+            </a:pPr>
+            <a:r>
+              <a:rPr lang="ko-KR" sz="1800">
+                <a:latin typeface="맑은 고딕" charset="0"/>
+                <a:ea typeface="맑은 고딕" charset="0"/>
+              </a:rPr>
+              <a:t>그리고 Bicycle이라는 스크립트를 생성한 다음 Moon 오브젝트에 넣어줍니다.</a:t>
+            </a:r>
+            <a:r>
+              <a:rPr lang="ko-KR" sz="1800">
+                <a:latin typeface="맑은 고딕" charset="0"/>
+                <a:ea typeface="맑은 고딕" charset="0"/>
+              </a:rPr>
+              <a:t>  </a:t>
+            </a:r>
+            <a:endParaRPr lang="ko-KR" altLang="en-US" sz="1800">
+              <a:latin typeface="맑은 고딕" charset="0"/>
+              <a:ea typeface="맑은 고딕" charset="0"/>
+            </a:endParaRPr>
+          </a:p>
+        </p:txBody>
+      </p:sp>
+      <p:pic>
+        <p:nvPicPr>
+          <p:cNvPr id="27" name="그림 1"/>
+          <p:cNvPicPr>
+            <a:picLocks noChangeAspect="1"/>
+          </p:cNvPicPr>
+          <p:nvPr/>
+        </p:nvPicPr>
+        <p:blipFill rotWithShape="1">
+          <a:blip r:embed="rId2" cstate="print">
+            <a:extLst>
+              <a:ext uri="{28A0092B-C50C-407E-A947-70E740481C1C}">
+                <a14:useLocalDpi xmlns:a14="http://schemas.microsoft.com/office/drawing/2010/main" val="0"/>
+              </a:ext>
+            </a:extLst>
+          </a:blip>
+          <a:stretch>
+            <a:fillRect/>
+          </a:stretch>
+        </p:blipFill>
+        <p:spPr>
+          <a:xfrm rot="0">
+            <a:off x="3890645" y="1287780"/>
+            <a:ext cx="1488440" cy="1348105"/>
+          </a:xfrm>
+          <a:prstGeom prst="roundRect"/>
+          <a:solidFill>
+            <a:srgbClr val="EDEDED"/>
+          </a:solidFill>
+        </p:spPr>
+      </p:pic>
+      <p:pic>
+        <p:nvPicPr>
+          <p:cNvPr id="28" name="그림 4"/>
+          <p:cNvPicPr>
+            <a:picLocks noChangeAspect="1"/>
+          </p:cNvPicPr>
+          <p:nvPr/>
+        </p:nvPicPr>
+        <p:blipFill rotWithShape="1">
+          <a:blip r:embed="rId3" cstate="hqprint">
+            <a:extLst>
+              <a:ext uri="{28A0092B-C50C-407E-A947-70E740481C1C}">
+                <a14:useLocalDpi xmlns:a14="http://schemas.microsoft.com/office/drawing/2010/main"/>
+              </a:ext>
+            </a:extLst>
+          </a:blip>
+          <a:stretch>
+            <a:fillRect/>
+          </a:stretch>
+        </p:blipFill>
+        <p:spPr>
+          <a:xfrm rot="0">
+            <a:off x="1242060" y="1263650"/>
+            <a:ext cx="2258695" cy="2702560"/>
+          </a:xfrm>
+          <a:prstGeom prst="roundRect"/>
+          <a:solidFill>
+            <a:srgbClr val="EDEDED"/>
+          </a:solidFill>
+        </p:spPr>
+      </p:pic>
+      <p:pic>
+        <p:nvPicPr>
+          <p:cNvPr id="29" name="그림 5"/>
+          <p:cNvPicPr>
+            <a:picLocks noChangeAspect="1"/>
+          </p:cNvPicPr>
+          <p:nvPr/>
+        </p:nvPicPr>
+        <p:blipFill rotWithShape="1">
+          <a:blip r:embed="rId4" cstate="print">
+            <a:extLst>
+              <a:ext uri="{28A0092B-C50C-407E-A947-70E740481C1C}">
+                <a14:useLocalDpi xmlns:a14="http://schemas.microsoft.com/office/drawing/2010/main" val="0"/>
+              </a:ext>
+            </a:extLst>
+          </a:blip>
+          <a:stretch>
+            <a:fillRect/>
+          </a:stretch>
+        </p:blipFill>
+        <p:spPr>
+          <a:xfrm rot="0">
+            <a:off x="4222750" y="3114040"/>
+            <a:ext cx="815340" cy="895985"/>
+          </a:xfrm>
+          <a:prstGeom prst="roundRect"/>
+          <a:solidFill>
+            <a:srgbClr val="EDEDED"/>
+          </a:solidFill>
+        </p:spPr>
+      </p:pic>
+      <p:cxnSp>
+        <p:nvCxnSpPr>
+          <p:cNvPr id="30" name="도형 8"/>
+          <p:cNvCxnSpPr>
+            <a:stCxn id="29" idx="0"/>
+            <a:endCxn id="27" idx="2"/>
+          </p:cNvCxnSpPr>
+          <p:nvPr/>
+        </p:nvCxnSpPr>
+        <p:spPr>
+          <a:xfrm rot="0" flipV="1">
+            <a:off x="4629785" y="2635250"/>
+            <a:ext cx="5080" cy="479425"/>
+          </a:xfrm>
+          <a:prstGeom prst="straightConnector1"/>
+          <a:ln w="6350" cap="flat" cmpd="sng">
+            <a:prstDash/>
+            <a:headEnd type="none" w="med" len="med"/>
+            <a:tailEnd type="triangle" w="med" len="med"/>
+          </a:ln>
+        </p:spPr>
+        <p:style>
+          <a:lnRef idx="1">
+            <a:schemeClr val="accent1"/>
+          </a:lnRef>
+          <a:fillRef idx="0">
+            <a:schemeClr val="accent1"/>
+          </a:fillRef>
+          <a:effectRef idx="0">
+            <a:schemeClr val="accent1"/>
+          </a:effectRef>
+          <a:fontRef idx="minor">
+            <a:schemeClr val="tx1"/>
+          </a:fontRef>
+        </p:style>
+      </p:cxnSp>
+      <p:pic>
+        <p:nvPicPr>
+          <p:cNvPr id="31" name="그림 12"/>
+          <p:cNvPicPr>
+            <a:picLocks noChangeAspect="1"/>
+          </p:cNvPicPr>
+          <p:nvPr/>
+        </p:nvPicPr>
+        <p:blipFill rotWithShape="1">
+          <a:blip r:embed="rId5" cstate="print">
+            <a:extLst>
+              <a:ext uri="{28A0092B-C50C-407E-A947-70E740481C1C}">
+                <a14:useLocalDpi xmlns:a14="http://schemas.microsoft.com/office/drawing/2010/main" val="0"/>
+              </a:ext>
+            </a:extLst>
+          </a:blip>
+          <a:stretch>
+            <a:fillRect/>
+          </a:stretch>
+        </p:blipFill>
+        <p:spPr>
+          <a:xfrm rot="0">
+            <a:off x="7980680" y="1257935"/>
+            <a:ext cx="2962275" cy="878840"/>
+          </a:xfrm>
+          <a:prstGeom prst="roundRect"/>
+          <a:solidFill>
+            <a:srgbClr val="EDEDED"/>
+          </a:solidFill>
+        </p:spPr>
+      </p:pic>
+      <p:pic>
+        <p:nvPicPr>
+          <p:cNvPr id="32" name="그림 15"/>
+          <p:cNvPicPr>
+            <a:picLocks noChangeAspect="1"/>
+          </p:cNvPicPr>
+          <p:nvPr/>
+        </p:nvPicPr>
+        <p:blipFill rotWithShape="1">
+          <a:blip r:embed="rId6" cstate="print">
+            <a:extLst>
+              <a:ext uri="{28A0092B-C50C-407E-A947-70E740481C1C}">
+                <a14:useLocalDpi xmlns:a14="http://schemas.microsoft.com/office/drawing/2010/main" val="0"/>
+              </a:ext>
+            </a:extLst>
+          </a:blip>
+          <a:stretch>
+            <a:fillRect/>
+          </a:stretch>
+        </p:blipFill>
+        <p:spPr>
+          <a:xfrm rot="0">
+            <a:off x="6821805" y="1255395"/>
+            <a:ext cx="1059815" cy="890270"/>
+          </a:xfrm>
+          <a:prstGeom prst="roundRect"/>
+          <a:solidFill>
+            <a:srgbClr val="EDEDED"/>
+          </a:solidFill>
+        </p:spPr>
+      </p:pic>
+      <p:cxnSp>
+        <p:nvCxnSpPr>
+          <p:cNvPr id="33" name="도형 16"/>
+          <p:cNvCxnSpPr/>
+          <p:nvPr/>
+        </p:nvCxnSpPr>
+        <p:spPr>
+          <a:xfrm rot="0" flipH="1">
+            <a:off x="7381875" y="1920240"/>
+            <a:ext cx="1380490" cy="142240"/>
+          </a:xfrm>
+          <a:prstGeom prst="straightConnector1"/>
+          <a:ln w="6350" cap="flat" cmpd="sng">
+            <a:prstDash/>
+            <a:headEnd type="none" w="med" len="med"/>
+            <a:tailEnd type="triangle" w="med" len="med"/>
+          </a:ln>
+        </p:spPr>
+        <p:style>
+          <a:lnRef idx="1">
+            <a:schemeClr val="accent1"/>
+          </a:lnRef>
+          <a:fillRef idx="0">
+            <a:schemeClr val="accent1"/>
+          </a:fillRef>
+          <a:effectRef idx="0">
+            <a:schemeClr val="accent1"/>
+          </a:effectRef>
+          <a:fontRef idx="minor">
+            <a:schemeClr val="tx1"/>
+          </a:fontRef>
+        </p:style>
+      </p:cxnSp>
+      <p:pic>
+        <p:nvPicPr>
+          <p:cNvPr id="34" name="그림 17"/>
+          <p:cNvPicPr>
+            <a:picLocks noChangeAspect="1"/>
+          </p:cNvPicPr>
+          <p:nvPr/>
+        </p:nvPicPr>
+        <p:blipFill rotWithShape="1">
+          <a:blip r:embed="rId7" cstate="print">
+            <a:extLst>
+              <a:ext uri="{28A0092B-C50C-407E-A947-70E740481C1C}">
+                <a14:useLocalDpi xmlns:a14="http://schemas.microsoft.com/office/drawing/2010/main" val="0"/>
+              </a:ext>
+            </a:extLst>
+          </a:blip>
+          <a:stretch>
+            <a:fillRect/>
+          </a:stretch>
+        </p:blipFill>
+        <p:spPr>
+          <a:xfrm rot="0">
+            <a:off x="6825615" y="3318510"/>
+            <a:ext cx="4114800" cy="955040"/>
+          </a:xfrm>
+          <a:prstGeom prst="roundRect"/>
+          <a:solidFill>
+            <a:srgbClr val="EDEDED"/>
+          </a:solidFill>
+        </p:spPr>
+      </p:pic>
+      <p:sp>
+        <p:nvSpPr>
+          <p:cNvPr id="35" name="텍스트 상자 20"/>
+          <p:cNvSpPr txBox="1">
+            <a:spLocks/>
+          </p:cNvSpPr>
+          <p:nvPr/>
+        </p:nvSpPr>
+        <p:spPr>
+          <a:xfrm rot="0">
+            <a:off x="6821805" y="4425315"/>
+            <a:ext cx="4116070" cy="1784985"/>
+          </a:xfrm>
+          <a:prstGeom prst="rect"/>
+          <a:noFill/>
+          <a:ln w="0">
+            <a:noFill/>
+            <a:prstDash/>
+          </a:ln>
+        </p:spPr>
+        <p:txBody>
+          <a:bodyPr wrap="square" lIns="89535" tIns="46355" rIns="89535" bIns="46355" numCol="1" vert="horz" anchor="t">
+            <a:spAutoFit/>
+          </a:bodyPr>
+          <a:lstStyle/>
+          <a:p>
+            <a:pPr marL="0" indent="0" rtl="0" algn="l" defTabSz="914400" eaLnBrk="1" latinLnBrk="0" hangingPunct="1">
+              <a:buFontTx/>
+              <a:buNone/>
+            </a:pPr>
+            <a:r>
+              <a:rPr lang="ko-KR" sz="2000" b="1">
+                <a:solidFill>
+                  <a:srgbClr val="0611F2"/>
+                </a:solidFill>
+                <a:latin typeface="맑은 고딕" charset="0"/>
+                <a:ea typeface="맑은 고딕" charset="0"/>
+              </a:rPr>
+              <a:t>13</a:t>
+            </a:r>
+            <a:r>
+              <a:rPr sz="2000" b="1">
+                <a:solidFill>
+                  <a:srgbClr val="0611F2"/>
+                </a:solidFill>
+                <a:latin typeface="맑은 고딕" charset="0"/>
+                <a:ea typeface="맑은 고딕" charset="0"/>
+              </a:rPr>
+              <a:t>.</a:t>
+            </a:r>
+            <a:r>
+              <a:rPr sz="2000">
+                <a:latin typeface="맑은 고딕" charset="0"/>
+                <a:ea typeface="맑은 고딕" charset="0"/>
+              </a:rPr>
+              <a:t> </a:t>
+            </a:r>
+            <a:r>
+              <a:rPr lang="ko-KR" sz="1800">
+                <a:latin typeface="맑은 고딕" charset="0"/>
+                <a:ea typeface="맑은 고딕" charset="0"/>
+              </a:rPr>
+              <a:t>마지막으로 Bicycle 스크립트에서 Update( ) 함수에 프레임마다 회전하는 Rotate( ) 함수를 선언합니다.</a:t>
+            </a:r>
+            <a:endParaRPr lang="ko-KR" altLang="en-US" sz="1800">
+              <a:latin typeface="맑은 고딕" charset="0"/>
+              <a:ea typeface="맑은 고딕" charset="0"/>
+            </a:endParaRPr>
+          </a:p>
+          <a:p>
+            <a:pPr marL="0" indent="0" rtl="0" algn="l" defTabSz="914400" eaLnBrk="1" latinLnBrk="0" hangingPunct="1">
+              <a:buFontTx/>
+              <a:buNone/>
+            </a:pPr>
+            <a:endParaRPr lang="ko-KR" altLang="en-US" sz="1800">
+              <a:latin typeface="맑은 고딕" charset="0"/>
+              <a:ea typeface="맑은 고딕" charset="0"/>
+            </a:endParaRPr>
+          </a:p>
+          <a:p>
+            <a:pPr marL="0" indent="0" rtl="0" algn="l" defTabSz="914400" eaLnBrk="1" latinLnBrk="0" hangingPunct="1">
+              <a:buFontTx/>
+              <a:buNone/>
+            </a:pPr>
+            <a:r>
+              <a:rPr lang="ko-KR" sz="1800">
+                <a:latin typeface="맑은 고딕" charset="0"/>
+                <a:ea typeface="맑은 고딕" charset="0"/>
+              </a:rPr>
+              <a:t>X축과 Y축 그리고 Z축의 값을 0.1로 설정하고 회전하도록 설정합니다.</a:t>
+            </a:r>
+            <a:endParaRPr lang="ko-KR" altLang="en-US" sz="1800">
+              <a:latin typeface="맑은 고딕" charset="0"/>
+              <a:ea typeface="맑은 고딕" charset="0"/>
+            </a:endParaRPr>
+          </a:p>
+        </p:txBody>
+      </p:sp>
+    </p:spTree>
+  </p:cSld>
+  <p:clrMapOvr>
+    <a:masterClrMapping/>
+  </p:clrMapOvr>
+  <mc:AlternateContent xmlns:mc="http://schemas.openxmlformats.org/markup-compatibility/2006">
+    <mc:Choice xmlns:p14="http://schemas.microsoft.com/office/powerpoint/2010/main" Requires="p14">
+      <p:transition spd="slow" p14:dur="1000"/>
+    </mc:Choice>
+    <mc:Fallback>
+      <p:transition spd="slow"/>
+    </mc:Fallback>
+  </mc:AlternateContent>
+  <p:timing>
+    <p:tnLst>
+      <p:par>
+        <p:cTn id="1" dur="indefinite" restart="never" nodeType="tmRoot"/>
+      </p:par>
+    </p:tnLst>
+  </p:timing>
+</p:sld>
+</file>
+
+<file path=ppt/slides/slide9.xml><?xml version="1.0" encoding="utf-8"?>
 <p:sld xmlns:a="http://schemas.openxmlformats.org/drawingml/2006/main" xmlns:r="http://schemas.openxmlformats.org/officeDocument/2006/relationships" xmlns:p="http://schemas.openxmlformats.org/presentationml/2006/main">
   <p:cSld>
     <p:spTree>
@@ -9243,7 +10594,7 @@
         <p:spPr>
           <a:xfrm rot="0">
             <a:off x="4344670" y="386715"/>
-            <a:ext cx="3503295" cy="554990"/>
+            <a:ext cx="3503930" cy="554990"/>
           </a:xfrm>
           <a:prstGeom prst="rect"/>
           <a:noFill/>
@@ -9270,7 +10621,7 @@
                 <a:latin typeface="맑은 고딕" charset="0"/>
                 <a:ea typeface="맑은 고딕" charset="0"/>
               </a:rPr>
-              <a:t>다섯</a:t>
+              <a:t>여</a:t>
             </a:r>
             <a:r>
               <a:rPr lang="ko-KR" sz="3000" b="1">
@@ -9280,83 +10631,12 @@
                 <a:latin typeface="맑은 고딕" charset="0"/>
                 <a:ea typeface="맑은 고딕" charset="0"/>
               </a:rPr>
-              <a:t> 번째 튜토리얼</a:t>
+              <a:t>섯 번째 튜토리얼</a:t>
             </a:r>
             <a:endParaRPr lang="ko-KR" altLang="en-US" sz="3000" b="1">
               <a:solidFill>
                 <a:schemeClr val="tx1"/>
               </a:solidFill>
-              <a:latin typeface="맑은 고딕" charset="0"/>
-              <a:ea typeface="맑은 고딕" charset="0"/>
-            </a:endParaRPr>
-          </a:p>
-        </p:txBody>
-      </p:sp>
-      <p:sp>
-        <p:nvSpPr>
-          <p:cNvPr id="5" name="Rect 0"/>
-          <p:cNvSpPr txBox="1">
-            <a:spLocks/>
-          </p:cNvSpPr>
-          <p:nvPr/>
-        </p:nvSpPr>
-        <p:spPr>
-          <a:xfrm rot="0">
-            <a:off x="6824980" y="2225040"/>
-            <a:ext cx="4116070" cy="954405"/>
-          </a:xfrm>
-          <a:prstGeom prst="rect"/>
-          <a:noFill/>
-          <a:ln w="0">
-            <a:noFill/>
-            <a:prstDash/>
-          </a:ln>
-        </p:spPr>
-        <p:txBody>
-          <a:bodyPr wrap="square" lIns="89535" tIns="46355" rIns="89535" bIns="46355" numCol="1" vert="horz" anchor="t">
-            <a:spAutoFit/>
-          </a:bodyPr>
-          <a:lstStyle/>
-          <a:p>
-            <a:pPr marL="0" indent="0" rtl="0" algn="l" defTabSz="914400" eaLnBrk="1" latinLnBrk="0" hangingPunct="1">
-              <a:buFontTx/>
-              <a:buNone/>
-            </a:pPr>
-            <a:r>
-              <a:rPr lang="ko-KR" sz="2000" b="1">
-                <a:solidFill>
-                  <a:srgbClr val="0611F2"/>
-                </a:solidFill>
-                <a:latin typeface="맑은 고딕" charset="0"/>
-                <a:ea typeface="맑은 고딕" charset="0"/>
-              </a:rPr>
-              <a:t>12</a:t>
-            </a:r>
-            <a:r>
-              <a:rPr sz="2000" b="1">
-                <a:solidFill>
-                  <a:srgbClr val="0611F2"/>
-                </a:solidFill>
-                <a:latin typeface="맑은 고딕" charset="0"/>
-                <a:ea typeface="맑은 고딕" charset="0"/>
-              </a:rPr>
-              <a:t>.</a:t>
-            </a:r>
-            <a:r>
-              <a:rPr sz="2000">
-                <a:latin typeface="맑은 고딕" charset="0"/>
-                <a:ea typeface="맑은 고딕" charset="0"/>
-              </a:rPr>
-              <a:t> </a:t>
-            </a:r>
-            <a:r>
-              <a:rPr lang="ko-KR" sz="1800">
-                <a:latin typeface="맑은 고딕" charset="0"/>
-                <a:ea typeface="맑은 고딕" charset="0"/>
-              </a:rPr>
-              <a:t>이제 Project 폴더에서 Texture에 Moon 텍스처를 Moon 오브젝트에 넣어줍니다.</a:t>
-            </a:r>
-            <a:endParaRPr lang="ko-KR" altLang="en-US" sz="1800">
               <a:latin typeface="맑은 고딕" charset="0"/>
               <a:ea typeface="맑은 고딕" charset="0"/>
             </a:endParaRPr>
@@ -9373,8 +10653,8 @@
         </p:nvSpPr>
         <p:spPr>
           <a:xfrm rot="0">
-            <a:off x="1245870" y="4147820"/>
-            <a:ext cx="4136390" cy="2061845"/>
+            <a:off x="1323975" y="4424680"/>
+            <a:ext cx="4073525" cy="1784985"/>
           </a:xfrm>
           <a:prstGeom prst="rect"/>
           <a:noFill/>
@@ -9401,7 +10681,17 @@
                 <a:latin typeface="맑은 고딕" charset="0"/>
                 <a:ea typeface="맑은 고딕" charset="0"/>
               </a:rPr>
-              <a:t>11</a:t>
+              <a:t>1</a:t>
+            </a:r>
+            <a:r>
+              <a:rPr lang="ko-KR" sz="2000" b="1">
+                <a:solidFill>
+                  <a:srgbClr val="0611F2"/>
+                </a:solidFill>
+                <a:latin typeface="맑은 고딕" charset="0"/>
+                <a:ea typeface="맑은 고딕" charset="0"/>
+              </a:rPr>
+              <a:t>4</a:t>
             </a:r>
             <a:r>
               <a:rPr sz="2000" b="1">
@@ -9425,14 +10715,14 @@
                 <a:latin typeface="맑은 고딕" charset="0"/>
                 <a:ea typeface="맑은 고딕" charset="0"/>
               </a:rPr>
-              <a:t>그런 다음 </a:t>
+              <a:t>그</a:t>
             </a:r>
             <a:r>
               <a:rPr lang="ko-KR" sz="1800">
                 <a:latin typeface="맑은 고딕" charset="0"/>
                 <a:ea typeface="맑은 고딕" charset="0"/>
               </a:rPr>
-              <a:t>3D Object에서 Sphere 오브젝트를 생성하고 Moon이라는 이름으로 정의합니다.</a:t>
+              <a:t>다음 Camera 오브젝트를 생성합니다.</a:t>
             </a:r>
             <a:endParaRPr lang="ko-KR" altLang="en-US" sz="1800">
               <a:latin typeface="맑은 고딕" charset="0"/>
@@ -9459,14 +10749,7 @@
                 <a:latin typeface="맑은 고딕" charset="0"/>
                 <a:ea typeface="맑은 고딕" charset="0"/>
               </a:rPr>
-              <a:t>그리고 Bicycle이라는 스크립트를 생성한 다음 Moon 오브젝트에 넣어줍니다.</a:t>
-            </a:r>
-            <a:r>
-              <a:rPr lang="ko-KR" sz="1800">
-                <a:latin typeface="맑은 고딕" charset="0"/>
-                <a:ea typeface="맑은 고딕" charset="0"/>
-              </a:rPr>
-              <a:t>  </a:t>
+              <a:t>그런 다음 Camera 오브젝트를 StoneMonster 오브젝트의 하위 오브젝트로 설정합니다.</a:t>
             </a:r>
             <a:endParaRPr lang="ko-KR" altLang="en-US" sz="1800">
               <a:latin typeface="맑은 고딕" charset="0"/>
@@ -9475,9 +10758,97 @@
           </a:p>
         </p:txBody>
       </p:sp>
+      <p:sp>
+        <p:nvSpPr>
+          <p:cNvPr id="35" name="Rect 0"/>
+          <p:cNvSpPr txBox="1">
+            <a:spLocks/>
+          </p:cNvSpPr>
+          <p:nvPr/>
+        </p:nvSpPr>
+        <p:spPr>
+          <a:xfrm rot="0">
+            <a:off x="6830695" y="5255260"/>
+            <a:ext cx="4102100" cy="954405"/>
+          </a:xfrm>
+          <a:prstGeom prst="rect"/>
+          <a:noFill/>
+          <a:ln w="0">
+            <a:noFill/>
+            <a:prstDash/>
+          </a:ln>
+        </p:spPr>
+        <p:txBody>
+          <a:bodyPr wrap="square" lIns="89535" tIns="46355" rIns="89535" bIns="46355" numCol="1" vert="horz" anchor="t">
+            <a:spAutoFit/>
+          </a:bodyPr>
+          <a:lstStyle/>
+          <a:p>
+            <a:pPr marL="0" indent="0" rtl="0" algn="l" defTabSz="914400" eaLnBrk="1" latinLnBrk="0" hangingPunct="1">
+              <a:buFontTx/>
+              <a:buNone/>
+            </a:pPr>
+            <a:r>
+              <a:rPr lang="ko-KR" sz="2000" b="1">
+                <a:solidFill>
+                  <a:srgbClr val="0611F2"/>
+                </a:solidFill>
+                <a:latin typeface="맑은 고딕" charset="0"/>
+                <a:ea typeface="맑은 고딕" charset="0"/>
+              </a:rPr>
+              <a:t>1</a:t>
+            </a:r>
+            <a:r>
+              <a:rPr lang="ko-KR" sz="2000" b="1">
+                <a:solidFill>
+                  <a:srgbClr val="0611F2"/>
+                </a:solidFill>
+                <a:latin typeface="맑은 고딕" charset="0"/>
+                <a:ea typeface="맑은 고딕" charset="0"/>
+              </a:rPr>
+              <a:t>5</a:t>
+            </a:r>
+            <a:r>
+              <a:rPr sz="2000" b="1">
+                <a:solidFill>
+                  <a:srgbClr val="0611F2"/>
+                </a:solidFill>
+                <a:latin typeface="맑은 고딕" charset="0"/>
+                <a:ea typeface="맑은 고딕" charset="0"/>
+              </a:rPr>
+              <a:t>.</a:t>
+            </a:r>
+            <a:r>
+              <a:rPr sz="2000">
+                <a:latin typeface="맑은 고딕" charset="0"/>
+                <a:ea typeface="맑은 고딕" charset="0"/>
+              </a:rPr>
+              <a:t> </a:t>
+            </a:r>
+            <a:r>
+              <a:rPr lang="ko-KR" sz="1800">
+                <a:latin typeface="맑은 고딕" charset="0"/>
+                <a:ea typeface="맑은 고딕" charset="0"/>
+              </a:rPr>
+              <a:t>그리고 Project 폴더에 있는 Render Texture 폴더에 Render Texture를 생성합니다.</a:t>
+            </a:r>
+            <a:r>
+              <a:rPr lang="ko-KR" sz="1800">
+                <a:latin typeface="맑은 고딕" charset="0"/>
+                <a:ea typeface="맑은 고딕" charset="0"/>
+              </a:rPr>
+              <a:t> </a:t>
+            </a:r>
+            <a:endParaRPr lang="ko-KR" altLang="en-US" sz="1800">
+              <a:latin typeface="맑은 고딕" charset="0"/>
+              <a:ea typeface="맑은 고딕" charset="0"/>
+            </a:endParaRPr>
+          </a:p>
+        </p:txBody>
+      </p:sp>
       <p:pic>
         <p:nvPicPr>
-          <p:cNvPr id="27" name="그림 1" descr="C:/Users/Admin1/AppData/Roaming/PolarisOffice/ETemp/11172_15987544/fImage40611858467.png"/>
+          <p:cNvPr id="36" name="그림 1" descr="C:/Users/Admin1/AppData/Roaming/PolarisOffice/ETemp/25808_22523168/fImage756919941.png"/>
           <p:cNvPicPr>
             <a:picLocks noChangeAspect="1"/>
           </p:cNvPicPr>
@@ -9497,8 +10868,8 @@
         </p:blipFill>
         <p:spPr>
           <a:xfrm rot="0">
-            <a:off x="3890645" y="1287780"/>
-            <a:ext cx="1488440" cy="1348105"/>
+            <a:off x="1325880" y="1297305"/>
+            <a:ext cx="2489200" cy="2975610"/>
           </a:xfrm>
           <a:prstGeom prst="roundRect"/>
           <a:solidFill>
@@ -9508,17 +10879,17 @@
       </p:pic>
       <p:pic>
         <p:nvPicPr>
-          <p:cNvPr id="28" name="그림 4" descr="C:/Users/Admin1/AppData/Roaming/PolarisOffice/ETemp/11172_15987544/fImage150911686962.png"/>
+          <p:cNvPr id="38" name="그림 7" descr="C:/Users/Admin1/AppData/Roaming/PolarisOffice/ETemp/25808_22523168/fImage421642018467.png"/>
           <p:cNvPicPr>
             <a:picLocks noChangeAspect="1"/>
           </p:cNvPicPr>
           <p:nvPr/>
         </p:nvPicPr>
         <p:blipFill rotWithShape="1">
-          <a:blip r:embed="rId3" cstate="hqprint">
+          <a:blip r:embed="rId3" cstate="print">
             <a:extLst>
               <a:ext uri="{28A0092B-C50C-407E-A947-70E740481C1C}">
-                <a14:useLocalDpi xmlns:a14="http://schemas.microsoft.com/office/drawing/2010/main"/>
+                <a14:useLocalDpi xmlns:a14="http://schemas.microsoft.com/office/drawing/2010/main" val="0"/>
               </a:ext>
             </a:extLst>
           </a:blip>
@@ -9528,8 +10899,8 @@
         </p:blipFill>
         <p:spPr>
           <a:xfrm rot="0">
-            <a:off x="1242060" y="1263650"/>
-            <a:ext cx="2258695" cy="2702560"/>
+            <a:off x="6832600" y="1297305"/>
+            <a:ext cx="4095750" cy="2894330"/>
           </a:xfrm>
           <a:prstGeom prst="roundRect"/>
           <a:solidFill>
@@ -9539,7 +10910,7 @@
       </p:pic>
       <p:pic>
         <p:nvPicPr>
-          <p:cNvPr id="29" name="그림 5" descr="C:/Users/Admin1/AppData/Roaming/PolarisOffice/ETemp/11172_15987544/fImage21101876334.png"/>
+          <p:cNvPr id="39" name="그림 10" descr="C:/Users/Admin1/AppData/Roaming/PolarisOffice/ETemp/25808_22523168/fImage40062026334.png"/>
           <p:cNvPicPr>
             <a:picLocks noChangeAspect="1"/>
           </p:cNvPicPr>
@@ -9559,8 +10930,8 @@
         </p:blipFill>
         <p:spPr>
           <a:xfrm rot="0">
-            <a:off x="4222750" y="3114040"/>
-            <a:ext cx="815340" cy="895985"/>
+            <a:off x="6832600" y="4338320"/>
+            <a:ext cx="4087495" cy="897255"/>
           </a:xfrm>
           <a:prstGeom prst="roundRect"/>
           <a:solidFill>
@@ -9568,45 +10939,9 @@
           </a:solidFill>
         </p:spPr>
       </p:pic>
-      <p:cxnSp>
-        <p:nvCxnSpPr>
-          <p:cNvPr id="30" name="도형 8"/>
-          <p:cNvCxnSpPr>
-            <a:stCxn id="29" idx="0"/>
-            <a:endCxn id="27" idx="2"/>
-          </p:cNvCxnSpPr>
-          <p:nvPr/>
-        </p:nvCxnSpPr>
-        <p:spPr>
-          <a:xfrm rot="0" flipV="1">
-            <a:off x="4629785" y="2635250"/>
-            <a:ext cx="5080" cy="479425"/>
-          </a:xfrm>
-          <a:prstGeom prst="straightConnector1"/>
-          <a:ln w="6350" cap="flat" cmpd="sng">
-            <a:prstDash/>
-            <a:headEnd type="none" w="med" len="med"/>
-            <a:tailEnd type="triangle" w="med" len="med"/>
-          </a:ln>
-        </p:spPr>
-        <p:style>
-          <a:lnRef idx="1">
-            <a:schemeClr val="accent1"/>
-          </a:lnRef>
-          <a:fillRef idx="0">
-            <a:schemeClr val="accent1"/>
-          </a:fillRef>
-          <a:effectRef idx="0">
-            <a:schemeClr val="accent1"/>
-          </a:effectRef>
-          <a:fontRef idx="minor">
-            <a:schemeClr val="tx1"/>
-          </a:fontRef>
-        </p:style>
-      </p:cxnSp>
       <p:pic>
         <p:nvPicPr>
-          <p:cNvPr id="31" name="그림 12" descr="C:/Users/Admin1/AppData/Roaming/PolarisOffice/ETemp/11172_15987544/fImage268271906500.png"/>
+          <p:cNvPr id="40" name="그림 16" descr="C:/Users/Admin1/AppData/Roaming/PolarisOffice/ETemp/25808_22523168/fImage70642126500.png"/>
           <p:cNvPicPr>
             <a:picLocks noChangeAspect="1"/>
           </p:cNvPicPr>
@@ -9626,8 +10961,8 @@
         </p:blipFill>
         <p:spPr>
           <a:xfrm rot="0">
-            <a:off x="7980680" y="1257935"/>
-            <a:ext cx="2962275" cy="878840"/>
+            <a:off x="4079875" y="1783715"/>
+            <a:ext cx="1306830" cy="1992630"/>
           </a:xfrm>
           <a:prstGeom prst="roundRect"/>
           <a:solidFill>
@@ -9635,199 +10970,6 @@
           </a:solidFill>
         </p:spPr>
       </p:pic>
-      <p:pic>
-        <p:nvPicPr>
-          <p:cNvPr id="32" name="그림 15" descr="C:/Users/Admin1/AppData/Roaming/PolarisOffice/ETemp/11172_15987544/fImage40611919169.png"/>
-          <p:cNvPicPr>
-            <a:picLocks noChangeAspect="1"/>
-          </p:cNvPicPr>
-          <p:nvPr/>
-        </p:nvPicPr>
-        <p:blipFill rotWithShape="1">
-          <a:blip r:embed="rId6" cstate="print">
-            <a:extLst>
-              <a:ext uri="{28A0092B-C50C-407E-A947-70E740481C1C}">
-                <a14:useLocalDpi xmlns:a14="http://schemas.microsoft.com/office/drawing/2010/main" val="0"/>
-              </a:ext>
-            </a:extLst>
-          </a:blip>
-          <a:stretch>
-            <a:fillRect/>
-          </a:stretch>
-        </p:blipFill>
-        <p:spPr>
-          <a:xfrm rot="0">
-            <a:off x="6821805" y="1255395"/>
-            <a:ext cx="1059815" cy="890270"/>
-          </a:xfrm>
-          <a:prstGeom prst="roundRect"/>
-          <a:solidFill>
-            <a:srgbClr val="EDEDED"/>
-          </a:solidFill>
-        </p:spPr>
-      </p:pic>
-      <p:cxnSp>
-        <p:nvCxnSpPr>
-          <p:cNvPr id="33" name="도형 16"/>
-          <p:cNvCxnSpPr/>
-          <p:nvPr/>
-        </p:nvCxnSpPr>
-        <p:spPr>
-          <a:xfrm rot="0" flipH="1">
-            <a:off x="7381875" y="1920240"/>
-            <a:ext cx="1380490" cy="142240"/>
-          </a:xfrm>
-          <a:prstGeom prst="straightConnector1"/>
-          <a:ln w="6350" cap="flat" cmpd="sng">
-            <a:prstDash/>
-            <a:headEnd type="none" w="med" len="med"/>
-            <a:tailEnd type="triangle" w="med" len="med"/>
-          </a:ln>
-        </p:spPr>
-        <p:style>
-          <a:lnRef idx="1">
-            <a:schemeClr val="accent1"/>
-          </a:lnRef>
-          <a:fillRef idx="0">
-            <a:schemeClr val="accent1"/>
-          </a:fillRef>
-          <a:effectRef idx="0">
-            <a:schemeClr val="accent1"/>
-          </a:effectRef>
-          <a:fontRef idx="minor">
-            <a:schemeClr val="tx1"/>
-          </a:fontRef>
-        </p:style>
-      </p:cxnSp>
-      <p:pic>
-        <p:nvPicPr>
-          <p:cNvPr id="34" name="그림 17" descr="C:/Users/Admin1/AppData/Roaming/PolarisOffice/ETemp/11172_15987544/fImage19521935724.png"/>
-          <p:cNvPicPr>
-            <a:picLocks noChangeAspect="1"/>
-          </p:cNvPicPr>
-          <p:nvPr/>
-        </p:nvPicPr>
-        <p:blipFill rotWithShape="1">
-          <a:blip r:embed="rId7" cstate="print">
-            <a:extLst>
-              <a:ext uri="{28A0092B-C50C-407E-A947-70E740481C1C}">
-                <a14:useLocalDpi xmlns:a14="http://schemas.microsoft.com/office/drawing/2010/main" val="0"/>
-              </a:ext>
-            </a:extLst>
-          </a:blip>
-          <a:stretch>
-            <a:fillRect/>
-          </a:stretch>
-        </p:blipFill>
-        <p:spPr>
-          <a:xfrm rot="0">
-            <a:off x="6825615" y="3318510"/>
-            <a:ext cx="4114800" cy="955040"/>
-          </a:xfrm>
-          <a:prstGeom prst="roundRect"/>
-          <a:solidFill>
-            <a:srgbClr val="EDEDED"/>
-          </a:solidFill>
-        </p:spPr>
-      </p:pic>
-      <p:sp>
-        <p:nvSpPr>
-          <p:cNvPr id="35" name="텍스트 상자 20"/>
-          <p:cNvSpPr txBox="1">
-            <a:spLocks/>
-          </p:cNvSpPr>
-          <p:nvPr/>
-        </p:nvSpPr>
-        <p:spPr>
-          <a:xfrm rot="0">
-            <a:off x="6821805" y="4425315"/>
-            <a:ext cx="4116070" cy="1784985"/>
-          </a:xfrm>
-          <a:prstGeom prst="rect"/>
-          <a:noFill/>
-          <a:ln w="0">
-            <a:noFill/>
-            <a:prstDash/>
-          </a:ln>
-        </p:spPr>
-        <p:txBody>
-          <a:bodyPr wrap="square" lIns="89535" tIns="46355" rIns="89535" bIns="46355" numCol="1" vert="horz" anchor="t">
-            <a:spAutoFit/>
-          </a:bodyPr>
-          <a:lstStyle/>
-          <a:p>
-            <a:pPr marL="0" indent="0" rtl="0" algn="l" defTabSz="914400" eaLnBrk="1" latinLnBrk="0" hangingPunct="1">
-              <a:buFontTx/>
-              <a:buNone/>
-            </a:pPr>
-            <a:r>
-              <a:rPr lang="ko-KR" sz="2000" b="1">
-                <a:solidFill>
-                  <a:srgbClr val="0611F2"/>
-                </a:solidFill>
-                <a:latin typeface="맑은 고딕" charset="0"/>
-                <a:ea typeface="맑은 고딕" charset="0"/>
-              </a:rPr>
-              <a:t>13</a:t>
-            </a:r>
-            <a:r>
-              <a:rPr sz="2000" b="1">
-                <a:solidFill>
-                  <a:srgbClr val="0611F2"/>
-                </a:solidFill>
-                <a:latin typeface="맑은 고딕" charset="0"/>
-                <a:ea typeface="맑은 고딕" charset="0"/>
-              </a:rPr>
-              <a:t>.</a:t>
-            </a:r>
-            <a:r>
-              <a:rPr sz="2000">
-                <a:latin typeface="맑은 고딕" charset="0"/>
-                <a:ea typeface="맑은 고딕" charset="0"/>
-              </a:rPr>
-              <a:t> </a:t>
-            </a:r>
-            <a:r>
-              <a:rPr lang="ko-KR" sz="1800">
-                <a:latin typeface="맑은 고딕" charset="0"/>
-                <a:ea typeface="맑은 고딕" charset="0"/>
-              </a:rPr>
-              <a:t>마지막으로 Bicycle 스크립트에서 Update( ) 함수에 프레임마다 회전하는 Rotate( ) 함수를 선언합니다.</a:t>
-            </a:r>
-            <a:endParaRPr lang="ko-KR" altLang="en-US" sz="1800">
-              <a:latin typeface="맑은 고딕" charset="0"/>
-              <a:ea typeface="맑은 고딕" charset="0"/>
-            </a:endParaRPr>
-          </a:p>
-          <a:p>
-            <a:pPr marL="0" indent="0" rtl="0" algn="l" defTabSz="914400" eaLnBrk="1" latinLnBrk="0" hangingPunct="1">
-              <a:buFontTx/>
-              <a:buNone/>
-            </a:pPr>
-            <a:endParaRPr lang="ko-KR" altLang="en-US" sz="1800">
-              <a:latin typeface="맑은 고딕" charset="0"/>
-              <a:ea typeface="맑은 고딕" charset="0"/>
-            </a:endParaRPr>
-          </a:p>
-          <a:p>
-            <a:pPr marL="0" indent="0" rtl="0" algn="l" defTabSz="914400" eaLnBrk="1" latinLnBrk="0" hangingPunct="1">
-              <a:buFontTx/>
-              <a:buNone/>
-            </a:pPr>
-            <a:r>
-              <a:rPr lang="ko-KR" sz="1800">
-                <a:latin typeface="맑은 고딕" charset="0"/>
-                <a:ea typeface="맑은 고딕" charset="0"/>
-              </a:rPr>
-              <a:t>X축과 Y축 그리고 Z축의 값을 0.1로 설정하고 회전하도록 설정합니다.</a:t>
-            </a:r>
-            <a:endParaRPr lang="ko-KR" altLang="en-US" sz="1800">
-              <a:latin typeface="맑은 고딕" charset="0"/>
-              <a:ea typeface="맑은 고딕" charset="0"/>
-            </a:endParaRPr>
-          </a:p>
-        </p:txBody>
-      </p:sp>
     </p:spTree>
   </p:cSld>
   <p:clrMapOvr>

--- a/Assets/Class/Rotation/PPT Data/Rotation Example.pptx
+++ b/Assets/Class/Rotation/PPT Data/Rotation Example.pptx
@@ -2,7 +2,7 @@
 <file path=ppt/presentation.xml><?xml version="1.0" encoding="utf-8"?>
 <p:presentation xmlns:a="http://schemas.openxmlformats.org/drawingml/2006/main" xmlns:r="http://schemas.openxmlformats.org/officeDocument/2006/relationships" xmlns:p="http://schemas.openxmlformats.org/presentationml/2006/main" xmlns:p14="http://schemas.microsoft.com/office/powerpoint/2010/main" saveSubsetFonts="1" firstSlideNum="0">
   <p:sldMasterIdLst>
-    <p:sldMasterId id="2147485396" r:id="rId12"/>
+    <p:sldMasterId id="2147485401" r:id="rId12"/>
   </p:sldMasterIdLst>
   <p:notesMasterIdLst>
     <p:notesMasterId r:id="rId14"/>
@@ -18,7 +18,8 @@
     <p:sldId id="283" r:id="rId23"/>
     <p:sldId id="284" r:id="rId24"/>
     <p:sldId id="285" r:id="rId25"/>
-    <p:sldId id="286" r:id="rId26"/>
+    <p:sldId id="287" r:id="rId26"/>
+    <p:sldId id="286" r:id="rId27"/>
   </p:sldIdLst>
   <p:sldSz cx="12192000" cy="6858000"/>
   <p:notesSz cx="6858000" cy="9144000"/>
@@ -5800,7 +5801,7 @@
 </file>
 
 <file path=ppt/slides/slide10.xml><?xml version="1.0" encoding="utf-8"?>
-<p:sld xmlns:a="http://schemas.openxmlformats.org/drawingml/2006/main" xmlns:r="http://schemas.openxmlformats.org/officeDocument/2006/relationships" xmlns:p="http://schemas.openxmlformats.org/presentationml/2006/main">
+<p:sld xmlns:a="http://schemas.openxmlformats.org/drawingml/2006/main" xmlns:r="http://schemas.openxmlformats.org/officeDocument/2006/relationships" xmlns:p="http://schemas.openxmlformats.org/presentationml/2006/main" xmlns:p14="http://schemas.microsoft.com/office/powerpoint/2010/main">
   <p:cSld>
     <p:spTree>
       <p:nvGrpSpPr>
@@ -6040,7 +6041,7 @@
       </p:sp>
       <p:pic>
         <p:nvPicPr>
-          <p:cNvPr id="39" name="Picture " descr="C:/Users/Admin1/AppData/Roaming/PolarisOffice/ETemp/25808_22523168/fImage40062099169.png"/>
+          <p:cNvPr id="39" name="Picture "/>
           <p:cNvPicPr>
             <a:picLocks noChangeAspect="1"/>
           </p:cNvPicPr>
@@ -6071,7 +6072,7 @@
       </p:pic>
       <p:pic>
         <p:nvPicPr>
-          <p:cNvPr id="40" name="그림 13" descr="C:/Users/Admin1/AppData/Roaming/PolarisOffice/ETemp/25808_22523168/fImage391082105724.png"/>
+          <p:cNvPr id="40" name="그림 13"/>
           <p:cNvPicPr>
             <a:picLocks noChangeAspect="1"/>
           </p:cNvPicPr>
@@ -6133,7 +6134,7 @@
       </p:cxnSp>
       <p:pic>
         <p:nvPicPr>
-          <p:cNvPr id="43" name="그림 22" descr="C:/Users/Admin1/AppData/Roaming/PolarisOffice/ETemp/25808_22523168/fImage125272141478.png"/>
+          <p:cNvPr id="43" name="그림 22"/>
           <p:cNvPicPr>
             <a:picLocks noChangeAspect="1"/>
           </p:cNvPicPr>
@@ -6245,7 +6246,7 @@
       </p:sp>
       <p:pic>
         <p:nvPicPr>
-          <p:cNvPr id="45" name="그림 26" descr="C:/Users/Admin1/AppData/Roaming/PolarisOffice/ETemp/25808_22523168/fImage120702169358.png"/>
+          <p:cNvPr id="45" name="그림 26"/>
           <p:cNvPicPr>
             <a:picLocks noChangeAspect="1"/>
           </p:cNvPicPr>
@@ -6325,7 +6326,7 @@
         <p:spPr>
           <a:xfrm rot="0">
             <a:off x="4344670" y="386715"/>
-            <a:ext cx="3503930" cy="554990"/>
+            <a:ext cx="3504565" cy="554990"/>
           </a:xfrm>
           <a:prstGeom prst="rect"/>
           <a:noFill/>
@@ -6385,7 +6386,7 @@
         <p:spPr>
           <a:xfrm rot="0">
             <a:off x="1315085" y="4701540"/>
-            <a:ext cx="4073525" cy="1508125"/>
+            <a:ext cx="4074160" cy="1508125"/>
           </a:xfrm>
           <a:prstGeom prst="rect"/>
           <a:noFill/>
@@ -6412,17 +6413,7 @@
                 <a:latin typeface="맑은 고딕" charset="0"/>
                 <a:ea typeface="맑은 고딕" charset="0"/>
               </a:rPr>
-              <a:t>1</a:t>
-            </a:r>
-            <a:r>
-              <a:rPr lang="ko-KR" sz="2000" b="1">
-                <a:solidFill>
-                  <a:srgbClr val="0611F2"/>
-                </a:solidFill>
-                <a:latin typeface="맑은 고딕" charset="0"/>
-                <a:ea typeface="맑은 고딕" charset="0"/>
-              </a:rPr>
-              <a:t>9</a:t>
+              <a:t>19</a:t>
             </a:r>
             <a:r>
               <a:rPr sz="2000" b="1">
@@ -6484,14 +6475,107 @@
       </p:sp>
       <p:pic>
         <p:nvPicPr>
-          <p:cNvPr id="46" name="그림 29" descr="C:/Users/Admin1/AppData/Roaming/PolarisOffice/ETemp/25808_22523168/fImage191582266962.png"/>
+          <p:cNvPr id="46" name="Picture " descr="C:/Users/Admin1/AppData/Roaming/PolarisOffice/ETemp/28884_16498880/fImage191582266962.png"/>
           <p:cNvPicPr>
             <a:picLocks noChangeAspect="1"/>
           </p:cNvPicPr>
           <p:nvPr/>
         </p:nvPicPr>
         <p:blipFill rotWithShape="1">
-          <a:blip r:embed="rId2" cstate="print">
+          <a:blip r:embed="rId2" cstate="hqprint">
+            <a:extLst>
+              <a:ext uri="{28A0092B-C50C-407E-A947-70E740481C1C}">
+                <a14:useLocalDpi xmlns:a14="http://schemas.microsoft.com/office/drawing/2010/main"/>
+              </a:ext>
+            </a:extLst>
+          </a:blip>
+          <a:stretch>
+            <a:fillRect/>
+          </a:stretch>
+        </p:blipFill>
+        <p:spPr>
+          <a:xfrm rot="0">
+            <a:off x="1336040" y="1315085"/>
+            <a:ext cx="2586990" cy="3267075"/>
+          </a:xfrm>
+          <a:prstGeom prst="roundRect"/>
+          <a:solidFill>
+            <a:srgbClr val="EDEDED"/>
+          </a:solidFill>
+        </p:spPr>
+      </p:pic>
+      <p:pic>
+        <p:nvPicPr>
+          <p:cNvPr id="47" name="Picture " descr="C:/Users/Admin1/AppData/Roaming/PolarisOffice/ETemp/28884_16498880/fImage91502274464.png"/>
+          <p:cNvPicPr>
+            <a:picLocks noChangeAspect="1"/>
+          </p:cNvPicPr>
+          <p:nvPr/>
+        </p:nvPicPr>
+        <p:blipFill rotWithShape="1">
+          <a:blip r:embed="rId3" cstate="hqprint">
+            <a:extLst>
+              <a:ext uri="{28A0092B-C50C-407E-A947-70E740481C1C}">
+                <a14:useLocalDpi xmlns:a14="http://schemas.microsoft.com/office/drawing/2010/main"/>
+              </a:ext>
+            </a:extLst>
+          </a:blip>
+          <a:stretch>
+            <a:fillRect/>
+          </a:stretch>
+        </p:blipFill>
+        <p:spPr>
+          <a:xfrm rot="0">
+            <a:off x="4069715" y="1890395"/>
+            <a:ext cx="1317625" cy="2120265"/>
+          </a:xfrm>
+          <a:prstGeom prst="roundRect"/>
+          <a:solidFill>
+            <a:srgbClr val="EDEDED"/>
+          </a:solidFill>
+        </p:spPr>
+      </p:pic>
+      <p:pic>
+        <p:nvPicPr>
+          <p:cNvPr id="48" name="Picture " descr="C:/Users/Admin1/AppData/Roaming/PolarisOffice/ETemp/28884_16498880/fImage1850021941.png"/>
+          <p:cNvPicPr>
+            <a:picLocks noChangeAspect="1"/>
+          </p:cNvPicPr>
+          <p:nvPr/>
+        </p:nvPicPr>
+        <p:blipFill rotWithShape="1">
+          <a:blip r:embed="rId4" cstate="hqprint">
+            <a:extLst>
+              <a:ext uri="{28A0092B-C50C-407E-A947-70E740481C1C}">
+                <a14:useLocalDpi xmlns:a14="http://schemas.microsoft.com/office/drawing/2010/main"/>
+              </a:ext>
+            </a:extLst>
+          </a:blip>
+          <a:stretch>
+            <a:fillRect/>
+          </a:stretch>
+        </p:blipFill>
+        <p:spPr>
+          <a:xfrm rot="0">
+            <a:off x="6816725" y="1317625"/>
+            <a:ext cx="2594610" cy="2947670"/>
+          </a:xfrm>
+          <a:prstGeom prst="roundRect"/>
+          <a:solidFill>
+            <a:srgbClr val="EDEDED"/>
+          </a:solidFill>
+        </p:spPr>
+      </p:pic>
+      <p:pic>
+        <p:nvPicPr>
+          <p:cNvPr id="49" name="Picture " descr="C:/Users/Admin1/AppData/Roaming/PolarisOffice/ETemp/28884_16498880/fImage80432208467.png"/>
+          <p:cNvPicPr>
+            <a:picLocks noChangeAspect="1"/>
+          </p:cNvPicPr>
+          <p:nvPr/>
+        </p:nvPicPr>
+        <p:blipFill rotWithShape="1">
+          <a:blip r:embed="rId5" cstate="print">
             <a:extLst>
               <a:ext uri="{28A0092B-C50C-407E-A947-70E740481C1C}">
                 <a14:useLocalDpi xmlns:a14="http://schemas.microsoft.com/office/drawing/2010/main" val="0"/>
@@ -6504,8 +6588,8 @@
         </p:blipFill>
         <p:spPr>
           <a:xfrm rot="0">
-            <a:off x="1319530" y="1315085"/>
-            <a:ext cx="2586355" cy="3266440"/>
+            <a:off x="9565640" y="1711960"/>
+            <a:ext cx="1391285" cy="2162175"/>
           </a:xfrm>
           <a:prstGeom prst="roundRect"/>
           <a:solidFill>
@@ -6513,16 +6597,292 @@
           </a:solidFill>
         </p:spPr>
       </p:pic>
+      <p:sp>
+        <p:nvSpPr>
+          <p:cNvPr id="50" name="Rect 0"/>
+          <p:cNvSpPr txBox="1">
+            <a:spLocks/>
+          </p:cNvSpPr>
+          <p:nvPr/>
+        </p:nvSpPr>
+        <p:spPr>
+          <a:xfrm rot="0">
+            <a:off x="6823710" y="4424045"/>
+            <a:ext cx="4133215" cy="1784985"/>
+          </a:xfrm>
+          <a:prstGeom prst="rect"/>
+          <a:noFill/>
+          <a:ln w="0">
+            <a:noFill/>
+            <a:prstDash/>
+          </a:ln>
+        </p:spPr>
+        <p:txBody>
+          <a:bodyPr wrap="square" lIns="89535" tIns="46355" rIns="89535" bIns="46355" numCol="1" vert="horz" anchor="t">
+            <a:spAutoFit/>
+          </a:bodyPr>
+          <a:lstStyle/>
+          <a:p>
+            <a:pPr marL="0" indent="0" rtl="0" algn="l" defTabSz="914400" eaLnBrk="1" latinLnBrk="0" hangingPunct="1">
+              <a:buFontTx/>
+              <a:buNone/>
+            </a:pPr>
+            <a:r>
+              <a:rPr lang="ko-KR" sz="2000" b="1">
+                <a:solidFill>
+                  <a:srgbClr val="0611F2"/>
+                </a:solidFill>
+                <a:latin typeface="맑은 고딕" charset="0"/>
+                <a:ea typeface="맑은 고딕" charset="0"/>
+              </a:rPr>
+              <a:t>20</a:t>
+            </a:r>
+            <a:r>
+              <a:rPr sz="2000" b="1">
+                <a:solidFill>
+                  <a:srgbClr val="0611F2"/>
+                </a:solidFill>
+                <a:latin typeface="맑은 고딕" charset="0"/>
+                <a:ea typeface="맑은 고딕" charset="0"/>
+              </a:rPr>
+              <a:t>.</a:t>
+            </a:r>
+            <a:r>
+              <a:rPr sz="2000">
+                <a:latin typeface="맑은 고딕" charset="0"/>
+                <a:ea typeface="맑은 고딕" charset="0"/>
+              </a:rPr>
+              <a:t> </a:t>
+            </a:r>
+            <a:r>
+              <a:rPr lang="ko-KR" sz="1800">
+                <a:latin typeface="맑은 고딕" charset="0"/>
+                <a:ea typeface="맑은 고딕" charset="0"/>
+              </a:rPr>
+              <a:t>그</a:t>
+            </a:r>
+            <a:r>
+              <a:rPr lang="ko-KR" sz="1800">
+                <a:latin typeface="맑은 고딕" charset="0"/>
+                <a:ea typeface="맑은 고딕" charset="0"/>
+              </a:rPr>
+              <a:t>다음으로 UI에 Image를 Navigation 하위 오브젝트에 생성합니다.</a:t>
+            </a:r>
+            <a:endParaRPr lang="ko-KR" altLang="en-US" sz="1800">
+              <a:latin typeface="맑은 고딕" charset="0"/>
+              <a:ea typeface="맑은 고딕" charset="0"/>
+            </a:endParaRPr>
+          </a:p>
+          <a:p>
+            <a:pPr marL="0" indent="0" rtl="0" algn="l" defTabSz="914400" eaLnBrk="1" latinLnBrk="0" hangingPunct="1">
+              <a:buFontTx/>
+              <a:buNone/>
+            </a:pPr>
+            <a:endParaRPr lang="ko-KR" altLang="en-US" sz="1800">
+              <a:latin typeface="맑은 고딕" charset="0"/>
+              <a:ea typeface="맑은 고딕" charset="0"/>
+            </a:endParaRPr>
+          </a:p>
+          <a:p>
+            <a:pPr marL="0" indent="0" rtl="0" algn="l" defTabSz="914400" eaLnBrk="1" latinLnBrk="0" hangingPunct="1">
+              <a:buFontTx/>
+              <a:buNone/>
+            </a:pPr>
+            <a:r>
+              <a:rPr lang="ko-KR" sz="1800">
+                <a:latin typeface="맑은 고딕" charset="0"/>
+                <a:ea typeface="맑은 고딕" charset="0"/>
+              </a:rPr>
+              <a:t>그런 다음 Image의 이름을 Border로 정의합니다.</a:t>
+            </a:r>
+            <a:endParaRPr lang="ko-KR" altLang="en-US" sz="1800">
+              <a:latin typeface="맑은 고딕" charset="0"/>
+              <a:ea typeface="맑은 고딕" charset="0"/>
+            </a:endParaRPr>
+          </a:p>
+        </p:txBody>
+      </p:sp>
+    </p:spTree>
+  </p:cSld>
+  <p:clrMapOvr>
+    <a:masterClrMapping/>
+  </p:clrMapOvr>
+  <mc:AlternateContent xmlns:mc="http://schemas.openxmlformats.org/markup-compatibility/2006">
+    <mc:Choice xmlns:p14="http://schemas.microsoft.com/office/powerpoint/2010/main" Requires="p14">
+      <p:transition spd="slow" p14:dur="1000"/>
+    </mc:Choice>
+    <mc:Fallback>
+      <p:transition spd="slow"/>
+    </mc:Fallback>
+  </mc:AlternateContent>
+  <p:timing>
+    <p:tnLst>
+      <p:par>
+        <p:cTn id="1" dur="indefinite" restart="never" nodeType="tmRoot"/>
+      </p:par>
+    </p:tnLst>
+  </p:timing>
+</p:sld>
+</file>
+
+<file path=ppt/slides/slide12.xml><?xml version="1.0" encoding="utf-8"?>
+<p:sld xmlns:a="http://schemas.openxmlformats.org/drawingml/2006/main" xmlns:r="http://schemas.openxmlformats.org/officeDocument/2006/relationships" xmlns:p="http://schemas.openxmlformats.org/presentationml/2006/main" xmlns:p14="http://schemas.microsoft.com/office/powerpoint/2010/main">
+  <p:cSld>
+    <p:spTree>
+      <p:nvGrpSpPr>
+        <p:cNvPr id="1" name=""/>
+        <p:cNvGrpSpPr/>
+        <p:nvPr/>
+      </p:nvGrpSpPr>
+      <p:grpSpPr>
+        <a:xfrm>
+          <a:off x="0" y="0"/>
+          <a:ext cx="0" cy="0"/>
+          <a:chOff x="0" y="0"/>
+          <a:chExt cx="0" cy="0"/>
+        </a:xfrm>
+      </p:grpSpPr>
+      <p:sp>
+        <p:nvSpPr>
+          <p:cNvPr id="2" name="Rect 0"/>
+          <p:cNvSpPr txBox="1">
+            <a:spLocks/>
+          </p:cNvSpPr>
+          <p:nvPr/>
+        </p:nvSpPr>
+        <p:spPr>
+          <a:xfrm>
+            <a:off x="4344670" y="386715"/>
+            <a:ext cx="3504565" cy="554990"/>
+          </a:xfrm>
+          <a:prstGeom prst="rect"/>
+          <a:noFill/>
+          <a:ln w="0">
+            <a:noFill/>
+            <a:prstDash/>
+          </a:ln>
+        </p:spPr>
+        <p:txBody>
+          <a:bodyPr wrap="square" lIns="89535" tIns="46355" rIns="89535" bIns="46355" numCol="1" vert="horz" anchor="t">
+            <a:spAutoFit/>
+          </a:bodyPr>
+          <a:lstStyle/>
+          <a:p>
+            <a:pPr marL="0" indent="0" rtl="0" algn="l" defTabSz="914400" eaLnBrk="1" latinLnBrk="0" hangingPunct="1">
+              <a:buFontTx/>
+              <a:buNone/>
+            </a:pPr>
+            <a:r>
+              <a:rPr lang="ko-KR" sz="3000" b="1">
+                <a:solidFill>
+                  <a:schemeClr val="tx1"/>
+                </a:solidFill>
+                <a:latin typeface="맑은 고딕" charset="0"/>
+                <a:ea typeface="맑은 고딕" charset="0"/>
+              </a:rPr>
+              <a:t>아홉</a:t>
+            </a:r>
+            <a:r>
+              <a:rPr lang="ko-KR" sz="3000" b="1">
+                <a:solidFill>
+                  <a:schemeClr val="tx1"/>
+                </a:solidFill>
+                <a:latin typeface="맑은 고딕" charset="0"/>
+                <a:ea typeface="맑은 고딕" charset="0"/>
+              </a:rPr>
+              <a:t> 번째 튜토리얼</a:t>
+            </a:r>
+            <a:endParaRPr lang="ko-KR" altLang="en-US" sz="3000" b="1">
+              <a:solidFill>
+                <a:schemeClr val="tx1"/>
+              </a:solidFill>
+              <a:latin typeface="맑은 고딕" charset="0"/>
+              <a:ea typeface="맑은 고딕" charset="0"/>
+            </a:endParaRPr>
+          </a:p>
+        </p:txBody>
+      </p:sp>
+      <p:sp>
+        <p:nvSpPr>
+          <p:cNvPr id="25" name="Rect 0"/>
+          <p:cNvSpPr txBox="1">
+            <a:spLocks/>
+          </p:cNvSpPr>
+          <p:nvPr/>
+        </p:nvSpPr>
+        <p:spPr>
+          <a:xfrm rot="0">
+            <a:off x="1315085" y="5200650"/>
+            <a:ext cx="4047490" cy="954405"/>
+          </a:xfrm>
+          <a:prstGeom prst="rect"/>
+          <a:noFill/>
+          <a:ln w="0">
+            <a:noFill/>
+            <a:prstDash/>
+          </a:ln>
+        </p:spPr>
+        <p:txBody>
+          <a:bodyPr wrap="square" lIns="89535" tIns="46355" rIns="89535" bIns="46355" numCol="1" vert="horz" anchor="t">
+            <a:spAutoFit/>
+          </a:bodyPr>
+          <a:lstStyle/>
+          <a:p>
+            <a:pPr marL="0" indent="0" rtl="0" algn="l" defTabSz="914400" eaLnBrk="1" latinLnBrk="0" hangingPunct="1">
+              <a:buFontTx/>
+              <a:buNone/>
+            </a:pPr>
+            <a:r>
+              <a:rPr lang="ko-KR" sz="2000" b="1">
+                <a:solidFill>
+                  <a:srgbClr val="0611F2"/>
+                </a:solidFill>
+                <a:latin typeface="맑은 고딕" charset="0"/>
+                <a:ea typeface="맑은 고딕" charset="0"/>
+              </a:rPr>
+              <a:t>21</a:t>
+            </a:r>
+            <a:r>
+              <a:rPr sz="2000" b="1">
+                <a:solidFill>
+                  <a:srgbClr val="0611F2"/>
+                </a:solidFill>
+                <a:latin typeface="맑은 고딕" charset="0"/>
+                <a:ea typeface="맑은 고딕" charset="0"/>
+              </a:rPr>
+              <a:t>.</a:t>
+            </a:r>
+            <a:r>
+              <a:rPr sz="2000">
+                <a:latin typeface="맑은 고딕" charset="0"/>
+                <a:ea typeface="맑은 고딕" charset="0"/>
+              </a:rPr>
+              <a:t> </a:t>
+            </a:r>
+            <a:r>
+              <a:rPr lang="ko-KR" sz="1800">
+                <a:latin typeface="맑은 고딕" charset="0"/>
+                <a:ea typeface="맑은 고딕" charset="0"/>
+              </a:rPr>
+              <a:t>이제 Navigation 오브젝트와 Border 오브젝트의 크기와 앵커를 설정합니다.</a:t>
+            </a:r>
+            <a:endParaRPr lang="ko-KR" altLang="en-US" sz="1800">
+              <a:latin typeface="맑은 고딕" charset="0"/>
+              <a:ea typeface="맑은 고딕" charset="0"/>
+            </a:endParaRPr>
+          </a:p>
+        </p:txBody>
+      </p:sp>
       <p:pic>
         <p:nvPicPr>
-          <p:cNvPr id="47" name="그림 32" descr="C:/Users/Admin1/AppData/Roaming/PolarisOffice/ETemp/25808_22523168/fImage91502274464.png"/>
+          <p:cNvPr id="51" name="그림 7" descr="C:/Users/Admin1/AppData/Roaming/PolarisOffice/ETemp/28884_16498880/fImage121592226334.png"/>
           <p:cNvPicPr>
             <a:picLocks noChangeAspect="1"/>
           </p:cNvPicPr>
           <p:nvPr/>
         </p:nvPicPr>
         <p:blipFill rotWithShape="1">
-          <a:blip r:embed="rId3" cstate="print">
+          <a:blip r:embed="rId4" cstate="print">
             <a:extLst>
               <a:ext uri="{28A0092B-C50C-407E-A947-70E740481C1C}">
                 <a14:useLocalDpi xmlns:a14="http://schemas.microsoft.com/office/drawing/2010/main" val="0"/>
@@ -6535,8 +6895,8 @@
         </p:blipFill>
         <p:spPr>
           <a:xfrm rot="0">
-            <a:off x="4069715" y="1890395"/>
-            <a:ext cx="1316990" cy="2119630"/>
+            <a:off x="1304925" y="1322070"/>
+            <a:ext cx="4057650" cy="1762760"/>
           </a:xfrm>
           <a:prstGeom prst="roundRect"/>
           <a:solidFill>
@@ -6544,6 +6904,210 @@
           </a:solidFill>
         </p:spPr>
       </p:pic>
+      <p:pic>
+        <p:nvPicPr>
+          <p:cNvPr id="52" name="그림 10" descr="C:/Users/Admin1/AppData/Roaming/PolarisOffice/ETemp/28884_16498880/fImage138792236500.png"/>
+          <p:cNvPicPr>
+            <a:picLocks noChangeAspect="1"/>
+          </p:cNvPicPr>
+          <p:nvPr/>
+        </p:nvPicPr>
+        <p:blipFill rotWithShape="1">
+          <a:blip r:embed="rId5" cstate="print">
+            <a:extLst>
+              <a:ext uri="{28A0092B-C50C-407E-A947-70E740481C1C}">
+                <a14:useLocalDpi xmlns:a14="http://schemas.microsoft.com/office/drawing/2010/main" val="0"/>
+              </a:ext>
+            </a:extLst>
+          </a:blip>
+          <a:stretch>
+            <a:fillRect/>
+          </a:stretch>
+        </p:blipFill>
+        <p:spPr>
+          <a:xfrm rot="0">
+            <a:off x="6833235" y="1321435"/>
+            <a:ext cx="3883025" cy="2153920"/>
+          </a:xfrm>
+          <a:prstGeom prst="roundRect"/>
+          <a:solidFill>
+            <a:srgbClr val="EDEDED"/>
+          </a:solidFill>
+        </p:spPr>
+      </p:pic>
+      <p:pic>
+        <p:nvPicPr>
+          <p:cNvPr id="53" name="그림 13" descr="C:/Users/Admin1/AppData/Roaming/PolarisOffice/ETemp/28884_16498880/fImage40062026334.png"/>
+          <p:cNvPicPr>
+            <a:picLocks noChangeAspect="1"/>
+          </p:cNvPicPr>
+          <p:nvPr/>
+        </p:nvPicPr>
+        <p:blipFill rotWithShape="1">
+          <a:blip r:embed="rId6" cstate="hqprint">
+            <a:extLst>
+              <a:ext uri="{28A0092B-C50C-407E-A947-70E740481C1C}">
+                <a14:useLocalDpi xmlns:a14="http://schemas.microsoft.com/office/drawing/2010/main"/>
+              </a:ext>
+            </a:extLst>
+          </a:blip>
+          <a:stretch>
+            <a:fillRect/>
+          </a:stretch>
+        </p:blipFill>
+        <p:spPr>
+          <a:xfrm rot="0">
+            <a:off x="6851015" y="3657600"/>
+            <a:ext cx="3865245" cy="1131570"/>
+          </a:xfrm>
+          <a:prstGeom prst="roundRect"/>
+          <a:solidFill>
+            <a:srgbClr val="EDEDED"/>
+          </a:solidFill>
+        </p:spPr>
+      </p:pic>
+      <p:sp>
+        <p:nvSpPr>
+          <p:cNvPr id="54" name="텍스트 상자 14"/>
+          <p:cNvSpPr txBox="1">
+            <a:spLocks/>
+          </p:cNvSpPr>
+          <p:nvPr/>
+        </p:nvSpPr>
+        <p:spPr>
+          <a:xfrm rot="0">
+            <a:off x="6833235" y="4919345"/>
+            <a:ext cx="3883025" cy="1231265"/>
+          </a:xfrm>
+          <a:prstGeom prst="rect"/>
+          <a:noFill/>
+          <a:ln w="0">
+            <a:noFill/>
+            <a:prstDash/>
+          </a:ln>
+        </p:spPr>
+        <p:txBody>
+          <a:bodyPr wrap="square" lIns="89535" tIns="46355" rIns="89535" bIns="46355" numCol="1" vert="horz" anchor="t">
+            <a:spAutoFit/>
+          </a:bodyPr>
+          <a:lstStyle/>
+          <a:p>
+            <a:pPr marL="0" indent="0" rtl="0" algn="l" defTabSz="914400" eaLnBrk="1" latinLnBrk="0" hangingPunct="1">
+              <a:buFontTx/>
+              <a:buNone/>
+            </a:pPr>
+            <a:r>
+              <a:rPr lang="ko-KR" sz="2000" b="1">
+                <a:solidFill>
+                  <a:srgbClr val="0611F2"/>
+                </a:solidFill>
+                <a:latin typeface="맑은 고딕" charset="0"/>
+                <a:ea typeface="맑은 고딕" charset="0"/>
+              </a:rPr>
+              <a:t>22</a:t>
+            </a:r>
+            <a:r>
+              <a:rPr sz="2000" b="1">
+                <a:solidFill>
+                  <a:srgbClr val="0611F2"/>
+                </a:solidFill>
+                <a:latin typeface="맑은 고딕" charset="0"/>
+                <a:ea typeface="맑은 고딕" charset="0"/>
+              </a:rPr>
+              <a:t>.</a:t>
+            </a:r>
+            <a:r>
+              <a:rPr sz="2000">
+                <a:latin typeface="맑은 고딕" charset="0"/>
+                <a:ea typeface="맑은 고딕" charset="0"/>
+              </a:rPr>
+              <a:t> </a:t>
+            </a:r>
+            <a:r>
+              <a:rPr lang="ko-KR" sz="1800">
+                <a:latin typeface="맑은 고딕" charset="0"/>
+                <a:ea typeface="맑은 고딕" charset="0"/>
+              </a:rPr>
+              <a:t>그</a:t>
+            </a:r>
+            <a:r>
+              <a:rPr lang="ko-KR" sz="1800">
+                <a:latin typeface="맑은 고딕" charset="0"/>
+                <a:ea typeface="맑은 고딕" charset="0"/>
+              </a:rPr>
+              <a:t>다음 Project 폴더에 있는 Render Texture 폴더에 Render Texture를 Navigation 오브젝트의 Texture 속성에 넣어줍니다.</a:t>
+            </a:r>
+            <a:endParaRPr lang="ko-KR" altLang="en-US" sz="1800">
+              <a:latin typeface="맑은 고딕" charset="0"/>
+              <a:ea typeface="맑은 고딕" charset="0"/>
+            </a:endParaRPr>
+          </a:p>
+        </p:txBody>
+      </p:sp>
+      <p:pic>
+        <p:nvPicPr>
+          <p:cNvPr id="55" name="그림 15" descr="C:/Users/Admin1/AppData/Roaming/PolarisOffice/ETemp/28884_16498880/fImage118882269169.png"/>
+          <p:cNvPicPr>
+            <a:picLocks noChangeAspect="1"/>
+          </p:cNvPicPr>
+          <p:nvPr/>
+        </p:nvPicPr>
+        <p:blipFill rotWithShape="1">
+          <a:blip r:embed="rId7" cstate="print">
+            <a:extLst>
+              <a:ext uri="{28A0092B-C50C-407E-A947-70E740481C1C}">
+                <a14:useLocalDpi xmlns:a14="http://schemas.microsoft.com/office/drawing/2010/main" val="0"/>
+              </a:ext>
+            </a:extLst>
+          </a:blip>
+          <a:stretch>
+            <a:fillRect/>
+          </a:stretch>
+        </p:blipFill>
+        <p:spPr>
+          <a:xfrm rot="0">
+            <a:off x="1313180" y="3333750"/>
+            <a:ext cx="4065905" cy="1762760"/>
+          </a:xfrm>
+          <a:prstGeom prst="roundRect"/>
+          <a:solidFill>
+            <a:srgbClr val="EDEDED"/>
+          </a:solidFill>
+        </p:spPr>
+      </p:pic>
+      <p:cxnSp>
+        <p:nvCxnSpPr>
+          <p:cNvPr id="56" name="도형 18"/>
+          <p:cNvCxnSpPr/>
+          <p:nvPr/>
+        </p:nvCxnSpPr>
+        <p:spPr>
+          <a:xfrm rot="0" flipV="1">
+            <a:off x="8080375" y="1720850"/>
+            <a:ext cx="2544445" cy="2219960"/>
+          </a:xfrm>
+          <a:prstGeom prst="straightConnector1"/>
+          <a:ln w="6350" cap="flat" cmpd="sng">
+            <a:prstDash/>
+            <a:headEnd type="none" w="med" len="med"/>
+            <a:tailEnd type="triangle" w="med" len="med"/>
+          </a:ln>
+        </p:spPr>
+        <p:style>
+          <a:lnRef idx="1">
+            <a:schemeClr val="accent1"/>
+          </a:lnRef>
+          <a:fillRef idx="0">
+            <a:schemeClr val="accent1"/>
+          </a:fillRef>
+          <a:effectRef idx="0">
+            <a:schemeClr val="accent1"/>
+          </a:effectRef>
+          <a:fontRef idx="minor">
+            <a:schemeClr val="tx1"/>
+          </a:fontRef>
+        </p:style>
+      </p:cxnSp>
     </p:spTree>
   </p:cSld>
   <p:clrMapOvr>
@@ -8076,17 +8640,17 @@
       </p:sp>
       <p:pic>
         <p:nvPicPr>
-          <p:cNvPr id="12" name="그림 55"/>
+          <p:cNvPr id="12" name="그림 55" descr="C:/Users/Admin1/AppData/Roaming/PolarisOffice/ETemp/28884_16498880/fImage105351828145.png"/>
           <p:cNvPicPr>
             <a:picLocks noChangeAspect="1"/>
           </p:cNvPicPr>
           <p:nvPr/>
         </p:nvPicPr>
         <p:blipFill rotWithShape="1">
-          <a:blip r:embed="rId2" cstate="print">
+          <a:blip r:embed="rId2" cstate="hqprint">
             <a:extLst>
               <a:ext uri="{28A0092B-C50C-407E-A947-70E740481C1C}">
-                <a14:useLocalDpi xmlns:a14="http://schemas.microsoft.com/office/drawing/2010/main" val="0"/>
+                <a14:useLocalDpi xmlns:a14="http://schemas.microsoft.com/office/drawing/2010/main"/>
               </a:ext>
             </a:extLst>
           </a:blip>
@@ -8097,7 +8661,7 @@
         <p:spPr>
           <a:xfrm rot="0">
             <a:off x="1247140" y="1271905"/>
-            <a:ext cx="4140200" cy="1139190"/>
+            <a:ext cx="4140835" cy="1347470"/>
           </a:xfrm>
           <a:prstGeom prst="roundRect"/>
           <a:solidFill>
@@ -8274,17 +8838,17 @@
       </p:pic>
       <p:pic>
         <p:nvPicPr>
-          <p:cNvPr id="19" name="그림 74"/>
+          <p:cNvPr id="19" name="그림 74" descr="C:/Users/Admin1/AppData/Roaming/PolarisOffice/ETemp/28884_16498880/fImage297631193491.png"/>
           <p:cNvPicPr>
             <a:picLocks noChangeAspect="1"/>
           </p:cNvPicPr>
           <p:nvPr/>
         </p:nvPicPr>
         <p:blipFill rotWithShape="1">
-          <a:blip r:embed="rId6" cstate="print">
+          <a:blip r:embed="rId6" cstate="hqprint">
             <a:extLst>
               <a:ext uri="{28A0092B-C50C-407E-A947-70E740481C1C}">
-                <a14:useLocalDpi xmlns:a14="http://schemas.microsoft.com/office/drawing/2010/main" val="0"/>
+                <a14:useLocalDpi xmlns:a14="http://schemas.microsoft.com/office/drawing/2010/main"/>
               </a:ext>
             </a:extLst>
           </a:blip>
@@ -8294,8 +8858,8 @@
         </p:blipFill>
         <p:spPr>
           <a:xfrm rot="0">
-            <a:off x="1245870" y="2693035"/>
-            <a:ext cx="4133215" cy="1189355"/>
+            <a:off x="1254125" y="2825750"/>
+            <a:ext cx="4133850" cy="1056640"/>
           </a:xfrm>
           <a:prstGeom prst="rect"/>
           <a:noFill/>
@@ -9677,8 +10241,8 @@
         </p:nvSpPr>
         <p:spPr>
           <a:xfrm rot="0">
-            <a:off x="6816725" y="2200275"/>
-            <a:ext cx="3974465" cy="954405"/>
+            <a:off x="6816725" y="2183765"/>
+            <a:ext cx="3975100" cy="955040"/>
           </a:xfrm>
           <a:prstGeom prst="rect"/>
           <a:noFill/>
@@ -9688,7 +10252,7 @@
           </a:ln>
         </p:spPr>
         <p:txBody>
-          <a:bodyPr wrap="square" lIns="89535" tIns="46355" rIns="89535" bIns="46355" vert="horz" anchor="t">
+          <a:bodyPr wrap="square" lIns="89535" tIns="46355" rIns="89535" bIns="46355" numCol="1" vert="horz" anchor="t">
             <a:spAutoFit/>
           </a:bodyPr>
           <a:lstStyle/>
@@ -10567,7 +11131,7 @@
 </file>
 
 <file path=ppt/slides/slide9.xml><?xml version="1.0" encoding="utf-8"?>
-<p:sld xmlns:a="http://schemas.openxmlformats.org/drawingml/2006/main" xmlns:r="http://schemas.openxmlformats.org/officeDocument/2006/relationships" xmlns:p="http://schemas.openxmlformats.org/presentationml/2006/main">
+<p:sld xmlns:a="http://schemas.openxmlformats.org/drawingml/2006/main" xmlns:r="http://schemas.openxmlformats.org/officeDocument/2006/relationships" xmlns:p="http://schemas.openxmlformats.org/presentationml/2006/main" xmlns:p14="http://schemas.microsoft.com/office/powerpoint/2010/main">
   <p:cSld>
     <p:spTree>
       <p:nvGrpSpPr>
@@ -10848,7 +11412,7 @@
       </p:sp>
       <p:pic>
         <p:nvPicPr>
-          <p:cNvPr id="36" name="그림 1" descr="C:/Users/Admin1/AppData/Roaming/PolarisOffice/ETemp/25808_22523168/fImage756919941.png"/>
+          <p:cNvPr id="36" name="그림 1"/>
           <p:cNvPicPr>
             <a:picLocks noChangeAspect="1"/>
           </p:cNvPicPr>
@@ -10879,7 +11443,7 @@
       </p:pic>
       <p:pic>
         <p:nvPicPr>
-          <p:cNvPr id="38" name="그림 7" descr="C:/Users/Admin1/AppData/Roaming/PolarisOffice/ETemp/25808_22523168/fImage421642018467.png"/>
+          <p:cNvPr id="38" name="그림 7"/>
           <p:cNvPicPr>
             <a:picLocks noChangeAspect="1"/>
           </p:cNvPicPr>
@@ -10910,7 +11474,7 @@
       </p:pic>
       <p:pic>
         <p:nvPicPr>
-          <p:cNvPr id="39" name="그림 10" descr="C:/Users/Admin1/AppData/Roaming/PolarisOffice/ETemp/25808_22523168/fImage40062026334.png"/>
+          <p:cNvPr id="39" name="그림 10"/>
           <p:cNvPicPr>
             <a:picLocks noChangeAspect="1"/>
           </p:cNvPicPr>
@@ -10941,7 +11505,7 @@
       </p:pic>
       <p:pic>
         <p:nvPicPr>
-          <p:cNvPr id="40" name="그림 16" descr="C:/Users/Admin1/AppData/Roaming/PolarisOffice/ETemp/25808_22523168/fImage70642126500.png"/>
+          <p:cNvPr id="40" name="그림 16"/>
           <p:cNvPicPr>
             <a:picLocks noChangeAspect="1"/>
           </p:cNvPicPr>

--- a/Assets/Class/Rotation/PPT Data/Rotation Example.pptx
+++ b/Assets/Class/Rotation/PPT Data/Rotation Example.pptx
@@ -2,7 +2,7 @@
 <file path=ppt/presentation.xml><?xml version="1.0" encoding="utf-8"?>
 <p:presentation xmlns:a="http://schemas.openxmlformats.org/drawingml/2006/main" xmlns:r="http://schemas.openxmlformats.org/officeDocument/2006/relationships" xmlns:p="http://schemas.openxmlformats.org/presentationml/2006/main" xmlns:p14="http://schemas.microsoft.com/office/powerpoint/2010/main" saveSubsetFonts="1" firstSlideNum="0">
   <p:sldMasterIdLst>
-    <p:sldMasterId id="2147485401" r:id="rId12"/>
+    <p:sldMasterId id="2147485410" r:id="rId12"/>
   </p:sldMasterIdLst>
   <p:notesMasterIdLst>
     <p:notesMasterId r:id="rId14"/>
@@ -5826,9 +5826,9 @@
           <p:nvPr/>
         </p:nvSpPr>
         <p:spPr>
-          <a:xfrm rot="0">
+          <a:xfrm>
             <a:off x="4344670" y="386715"/>
-            <a:ext cx="3503930" cy="554990"/>
+            <a:ext cx="3504565" cy="554990"/>
           </a:xfrm>
           <a:prstGeom prst="rect"/>
           <a:noFill/>
@@ -5855,7 +5855,7 @@
                 <a:latin typeface="맑은 고딕" charset="0"/>
                 <a:ea typeface="맑은 고딕" charset="0"/>
               </a:rPr>
-              <a:t>일곱</a:t>
+              <a:t>여덟</a:t>
             </a:r>
             <a:r>
               <a:rPr lang="ko-KR" sz="3000" b="1">
@@ -5888,7 +5888,7 @@
         <p:spPr>
           <a:xfrm rot="0">
             <a:off x="1315085" y="5255895"/>
-            <a:ext cx="4073525" cy="954405"/>
+            <a:ext cx="4074160" cy="955040"/>
           </a:xfrm>
           <a:prstGeom prst="rect"/>
           <a:noFill/>
@@ -5915,17 +5915,7 @@
                 <a:latin typeface="맑은 고딕" charset="0"/>
                 <a:ea typeface="맑은 고딕" charset="0"/>
               </a:rPr>
-              <a:t>1</a:t>
-            </a:r>
-            <a:r>
-              <a:rPr lang="ko-KR" sz="2000" b="1">
-                <a:solidFill>
-                  <a:srgbClr val="0611F2"/>
-                </a:solidFill>
-                <a:latin typeface="맑은 고딕" charset="0"/>
-                <a:ea typeface="맑은 고딕" charset="0"/>
-              </a:rPr>
-              <a:t>6</a:t>
+              <a:t>16</a:t>
             </a:r>
             <a:r>
               <a:rPr sz="2000" b="1">
@@ -6134,17 +6124,17 @@
       </p:cxnSp>
       <p:pic>
         <p:nvPicPr>
-          <p:cNvPr id="43" name="그림 22"/>
+          <p:cNvPr id="43" name="그림 22" descr="C:/Users/Admin1/AppData/Roaming/PolarisOffice/ETemp/5800_7652896/fImage125272141478.png"/>
           <p:cNvPicPr>
             <a:picLocks noChangeAspect="1"/>
           </p:cNvPicPr>
           <p:nvPr/>
         </p:nvPicPr>
         <p:blipFill rotWithShape="1">
-          <a:blip r:embed="rId4" cstate="print">
+          <a:blip r:embed="rId4" cstate="hqprint">
             <a:extLst>
               <a:ext uri="{28A0092B-C50C-407E-A947-70E740481C1C}">
-                <a14:useLocalDpi xmlns:a14="http://schemas.microsoft.com/office/drawing/2010/main" val="0"/>
+                <a14:useLocalDpi xmlns:a14="http://schemas.microsoft.com/office/drawing/2010/main"/>
               </a:ext>
             </a:extLst>
           </a:blip>
@@ -6154,8 +6144,8 @@
         </p:blipFill>
         <p:spPr>
           <a:xfrm rot="0">
-            <a:off x="6806565" y="3853180"/>
-            <a:ext cx="4109720" cy="1585595"/>
+            <a:off x="6808470" y="3856355"/>
+            <a:ext cx="4110355" cy="1586230"/>
           </a:xfrm>
           <a:prstGeom prst="roundRect"/>
           <a:solidFill>
@@ -6173,8 +6163,8 @@
         </p:nvSpPr>
         <p:spPr>
           <a:xfrm rot="0">
-            <a:off x="6800215" y="5534660"/>
-            <a:ext cx="4117340" cy="677545"/>
+            <a:off x="6802120" y="5537835"/>
+            <a:ext cx="4117975" cy="678180"/>
           </a:xfrm>
           <a:prstGeom prst="rect"/>
           <a:noFill/>
@@ -6201,17 +6191,7 @@
                 <a:latin typeface="맑은 고딕" charset="0"/>
                 <a:ea typeface="맑은 고딕" charset="0"/>
               </a:rPr>
-              <a:t>1</a:t>
-            </a:r>
-            <a:r>
-              <a:rPr lang="ko-KR" sz="2000" b="1">
-                <a:solidFill>
-                  <a:srgbClr val="0611F2"/>
-                </a:solidFill>
-                <a:latin typeface="맑은 고딕" charset="0"/>
-                <a:ea typeface="맑은 고딕" charset="0"/>
-              </a:rPr>
-              <a:t>8</a:t>
+              <a:t>18</a:t>
             </a:r>
             <a:r>
               <a:rPr sz="2000" b="1">
@@ -6299,7 +6279,7 @@
 </file>
 
 <file path=ppt/slides/slide11.xml><?xml version="1.0" encoding="utf-8"?>
-<p:sld xmlns:a="http://schemas.openxmlformats.org/drawingml/2006/main" xmlns:r="http://schemas.openxmlformats.org/officeDocument/2006/relationships" xmlns:p="http://schemas.openxmlformats.org/presentationml/2006/main">
+<p:sld xmlns:a="http://schemas.openxmlformats.org/drawingml/2006/main" xmlns:r="http://schemas.openxmlformats.org/officeDocument/2006/relationships" xmlns:p="http://schemas.openxmlformats.org/presentationml/2006/main" xmlns:p14="http://schemas.microsoft.com/office/powerpoint/2010/main">
   <p:cSld>
     <p:spTree>
       <p:nvGrpSpPr>
@@ -6326,7 +6306,7 @@
         <p:spPr>
           <a:xfrm rot="0">
             <a:off x="4344670" y="386715"/>
-            <a:ext cx="3504565" cy="554990"/>
+            <a:ext cx="3579495" cy="554990"/>
           </a:xfrm>
           <a:prstGeom prst="rect"/>
           <a:noFill/>
@@ -6353,7 +6333,7 @@
                 <a:latin typeface="맑은 고딕" charset="0"/>
                 <a:ea typeface="맑은 고딕" charset="0"/>
               </a:rPr>
-              <a:t>여덟</a:t>
+              <a:t>아홉</a:t>
             </a:r>
             <a:r>
               <a:rPr lang="ko-KR" sz="3000" b="1">
@@ -6475,7 +6455,7 @@
       </p:sp>
       <p:pic>
         <p:nvPicPr>
-          <p:cNvPr id="46" name="Picture " descr="C:/Users/Admin1/AppData/Roaming/PolarisOffice/ETemp/28884_16498880/fImage191582266962.png"/>
+          <p:cNvPr id="46" name="Picture "/>
           <p:cNvPicPr>
             <a:picLocks noChangeAspect="1"/>
           </p:cNvPicPr>
@@ -6506,7 +6486,7 @@
       </p:pic>
       <p:pic>
         <p:nvPicPr>
-          <p:cNvPr id="47" name="Picture " descr="C:/Users/Admin1/AppData/Roaming/PolarisOffice/ETemp/28884_16498880/fImage91502274464.png"/>
+          <p:cNvPr id="47" name="Picture "/>
           <p:cNvPicPr>
             <a:picLocks noChangeAspect="1"/>
           </p:cNvPicPr>
@@ -6537,7 +6517,7 @@
       </p:pic>
       <p:pic>
         <p:nvPicPr>
-          <p:cNvPr id="48" name="Picture " descr="C:/Users/Admin1/AppData/Roaming/PolarisOffice/ETemp/28884_16498880/fImage1850021941.png"/>
+          <p:cNvPr id="48" name="Picture "/>
           <p:cNvPicPr>
             <a:picLocks noChangeAspect="1"/>
           </p:cNvPicPr>
@@ -6568,7 +6548,7 @@
       </p:pic>
       <p:pic>
         <p:nvPicPr>
-          <p:cNvPr id="49" name="Picture " descr="C:/Users/Admin1/AppData/Roaming/PolarisOffice/ETemp/28884_16498880/fImage80432208467.png"/>
+          <p:cNvPr id="49" name="Picture "/>
           <p:cNvPicPr>
             <a:picLocks noChangeAspect="1"/>
           </p:cNvPicPr>
@@ -6751,9 +6731,9 @@
           <p:nvPr/>
         </p:nvSpPr>
         <p:spPr>
-          <a:xfrm>
-            <a:off x="4344670" y="386715"/>
-            <a:ext cx="3504565" cy="554990"/>
+          <a:xfrm rot="0">
+            <a:off x="4344670" y="377825"/>
+            <a:ext cx="3501390" cy="554990"/>
           </a:xfrm>
           <a:prstGeom prst="rect"/>
           <a:noFill/>
@@ -6780,7 +6760,7 @@
                 <a:latin typeface="맑은 고딕" charset="0"/>
                 <a:ea typeface="맑은 고딕" charset="0"/>
               </a:rPr>
-              <a:t>아홉</a:t>
+              <a:t>열</a:t>
             </a:r>
             <a:r>
               <a:rPr lang="ko-KR" sz="3000" b="1">
@@ -6875,7 +6855,7 @@
       </p:sp>
       <p:pic>
         <p:nvPicPr>
-          <p:cNvPr id="51" name="그림 7" descr="C:/Users/Admin1/AppData/Roaming/PolarisOffice/ETemp/28884_16498880/fImage121592226334.png"/>
+          <p:cNvPr id="51" name="그림 7"/>
           <p:cNvPicPr>
             <a:picLocks noChangeAspect="1"/>
           </p:cNvPicPr>
@@ -6906,7 +6886,7 @@
       </p:pic>
       <p:pic>
         <p:nvPicPr>
-          <p:cNvPr id="52" name="그림 10" descr="C:/Users/Admin1/AppData/Roaming/PolarisOffice/ETemp/28884_16498880/fImage138792236500.png"/>
+          <p:cNvPr id="52" name="그림 10"/>
           <p:cNvPicPr>
             <a:picLocks noChangeAspect="1"/>
           </p:cNvPicPr>
@@ -6937,7 +6917,7 @@
       </p:pic>
       <p:pic>
         <p:nvPicPr>
-          <p:cNvPr id="53" name="그림 13" descr="C:/Users/Admin1/AppData/Roaming/PolarisOffice/ETemp/28884_16498880/fImage40062026334.png"/>
+          <p:cNvPr id="53" name="그림 13"/>
           <p:cNvPicPr>
             <a:picLocks noChangeAspect="1"/>
           </p:cNvPicPr>
@@ -7046,7 +7026,7 @@
       </p:sp>
       <p:pic>
         <p:nvPicPr>
-          <p:cNvPr id="55" name="그림 15" descr="C:/Users/Admin1/AppData/Roaming/PolarisOffice/ETemp/28884_16498880/fImage118882269169.png"/>
+          <p:cNvPr id="55" name="그림 15"/>
           <p:cNvPicPr>
             <a:picLocks noChangeAspect="1"/>
           </p:cNvPicPr>
@@ -9225,8 +9205,8 @@
         </p:nvSpPr>
         <p:spPr>
           <a:xfrm rot="0">
-            <a:off x="1265555" y="2280285"/>
-            <a:ext cx="4135755" cy="1231265"/>
+            <a:off x="1256665" y="2626995"/>
+            <a:ext cx="4136390" cy="1231900"/>
           </a:xfrm>
           <a:prstGeom prst="rect"/>
           <a:noFill/>
@@ -9236,7 +9216,7 @@
           </a:ln>
         </p:spPr>
         <p:txBody>
-          <a:bodyPr wrap="square" lIns="89535" tIns="46355" rIns="89535" bIns="46355" vert="horz" anchor="t">
+          <a:bodyPr wrap="square" lIns="89535" tIns="46355" rIns="89535" bIns="46355" numCol="1" vert="horz" anchor="t">
             <a:spAutoFit/>
           </a:bodyPr>
           <a:lstStyle/>
@@ -9295,14 +9275,45 @@
       </p:sp>
       <p:pic>
         <p:nvPicPr>
-          <p:cNvPr id="19" name="그림 78"/>
+          <p:cNvPr id="20" name="그림 81" descr="C:/Users/Admin1/AppData/Roaming/PolarisOffice/ETemp/5800_7652896/fImage38052071942.png"/>
           <p:cNvPicPr>
             <a:picLocks noChangeAspect="1"/>
           </p:cNvPicPr>
           <p:nvPr/>
         </p:nvPicPr>
         <p:blipFill rotWithShape="1">
-          <a:blip r:embed="rId2" cstate="print">
+          <a:blip r:embed="rId3" cstate="hqprint">
+            <a:extLst>
+              <a:ext uri="{28A0092B-C50C-407E-A947-70E740481C1C}">
+                <a14:useLocalDpi xmlns:a14="http://schemas.microsoft.com/office/drawing/2010/main"/>
+              </a:ext>
+            </a:extLst>
+          </a:blip>
+          <a:stretch>
+            <a:fillRect/>
+          </a:stretch>
+        </p:blipFill>
+        <p:spPr>
+          <a:xfrm rot="0">
+            <a:off x="1259840" y="1271270"/>
+            <a:ext cx="1070610" cy="1145540"/>
+          </a:xfrm>
+          <a:prstGeom prst="roundRect"/>
+          <a:solidFill>
+            <a:srgbClr val="EDEDED"/>
+          </a:solidFill>
+        </p:spPr>
+      </p:pic>
+      <p:pic>
+        <p:nvPicPr>
+          <p:cNvPr id="26" name="그림 94"/>
+          <p:cNvPicPr>
+            <a:picLocks noChangeAspect="1"/>
+          </p:cNvPicPr>
+          <p:nvPr/>
+        </p:nvPicPr>
+        <p:blipFill rotWithShape="1">
+          <a:blip r:embed="rId6" cstate="print">
             <a:extLst>
               <a:ext uri="{28A0092B-C50C-407E-A947-70E740481C1C}">
                 <a14:useLocalDpi xmlns:a14="http://schemas.microsoft.com/office/drawing/2010/main" val="0"/>
@@ -9315,8 +9326,37 @@
         </p:blipFill>
         <p:spPr>
           <a:xfrm rot="0">
-            <a:off x="2834640" y="1284605"/>
-            <a:ext cx="2564130" cy="848360"/>
+            <a:off x="6824980" y="1269365"/>
+            <a:ext cx="4133850" cy="1973580"/>
+          </a:xfrm>
+          <a:prstGeom prst="rect"/>
+          <a:noFill/>
+        </p:spPr>
+      </p:pic>
+      <p:pic>
+        <p:nvPicPr>
+          <p:cNvPr id="27" name="그림 5" descr="C:/Users/Admin1/AppData/Roaming/PolarisOffice/ETemp/5800_7652896/fImage11845223292.png"/>
+          <p:cNvPicPr>
+            <a:picLocks noChangeAspect="1"/>
+          </p:cNvPicPr>
+          <p:nvPr/>
+        </p:nvPicPr>
+        <p:blipFill rotWithShape="1">
+          <a:blip r:embed="rId7" cstate="hqprint">
+            <a:extLst>
+              <a:ext uri="{28A0092B-C50C-407E-A947-70E740481C1C}">
+                <a14:useLocalDpi xmlns:a14="http://schemas.microsoft.com/office/drawing/2010/main"/>
+              </a:ext>
+            </a:extLst>
+          </a:blip>
+          <a:stretch>
+            <a:fillRect/>
+          </a:stretch>
+        </p:blipFill>
+        <p:spPr>
+          <a:xfrm rot="0">
+            <a:off x="1266190" y="4009390"/>
+            <a:ext cx="4129405" cy="1420495"/>
           </a:xfrm>
           <a:prstGeom prst="roundRect"/>
           <a:solidFill>
@@ -9324,16 +9364,101 @@
           </a:solidFill>
         </p:spPr>
       </p:pic>
+      <p:sp>
+        <p:nvSpPr>
+          <p:cNvPr id="28" name="텍스트 상자 6"/>
+          <p:cNvSpPr txBox="1">
+            <a:spLocks/>
+          </p:cNvSpPr>
+          <p:nvPr/>
+        </p:nvSpPr>
+        <p:spPr>
+          <a:xfrm rot="0">
+            <a:off x="1263015" y="5530215"/>
+            <a:ext cx="4149725" cy="677545"/>
+          </a:xfrm>
+          <a:prstGeom prst="rect"/>
+          <a:noFill/>
+          <a:ln w="0">
+            <a:noFill/>
+            <a:prstDash/>
+          </a:ln>
+        </p:spPr>
+        <p:txBody>
+          <a:bodyPr wrap="square" lIns="89535" tIns="46355" rIns="89535" bIns="46355" numCol="1" vert="horz" anchor="t">
+            <a:spAutoFit/>
+          </a:bodyPr>
+          <a:lstStyle/>
+          <a:p>
+            <a:pPr marL="0" indent="0" rtl="0" algn="l" defTabSz="914400" eaLnBrk="1" latinLnBrk="0" hangingPunct="1">
+              <a:buFontTx/>
+              <a:buNone/>
+            </a:pPr>
+            <a:r>
+              <a:rPr lang="ko-KR" sz="2000" b="1">
+                <a:solidFill>
+                  <a:srgbClr val="0611F2"/>
+                </a:solidFill>
+                <a:latin typeface="맑은 고딕" charset="0"/>
+                <a:ea typeface="맑은 고딕" charset="0"/>
+              </a:rPr>
+              <a:t>7</a:t>
+            </a:r>
+            <a:r>
+              <a:rPr sz="2000" b="1">
+                <a:solidFill>
+                  <a:srgbClr val="0611F2"/>
+                </a:solidFill>
+                <a:latin typeface="맑은 고딕" charset="0"/>
+                <a:ea typeface="맑은 고딕" charset="0"/>
+              </a:rPr>
+              <a:t>.</a:t>
+            </a:r>
+            <a:r>
+              <a:rPr sz="2000">
+                <a:latin typeface="맑은 고딕" charset="0"/>
+                <a:ea typeface="맑은 고딕" charset="0"/>
+              </a:rPr>
+              <a:t> </a:t>
+            </a:r>
+            <a:r>
+              <a:rPr lang="ko-KR" sz="1800">
+                <a:latin typeface="맑은 고딕" charset="0"/>
+                <a:ea typeface="맑은 고딕" charset="0"/>
+              </a:rPr>
+              <a:t>그다음 Earth 오브젝트</a:t>
+            </a:r>
+            <a:r>
+              <a:rPr lang="ko-KR" sz="1800">
+                <a:latin typeface="맑은 고딕" charset="0"/>
+                <a:ea typeface="맑은 고딕" charset="0"/>
+              </a:rPr>
+              <a:t>의 </a:t>
+            </a:r>
+            <a:r>
+              <a:rPr lang="ko-KR" sz="1800">
+                <a:latin typeface="맑은 고딕" charset="0"/>
+                <a:ea typeface="맑은 고딕" charset="0"/>
+              </a:rPr>
+              <a:t>위치와 크기값을 설정합니다.</a:t>
+            </a:r>
+            <a:endParaRPr lang="ko-KR" altLang="en-US" sz="1800">
+              <a:latin typeface="맑은 고딕" charset="0"/>
+              <a:ea typeface="맑은 고딕" charset="0"/>
+            </a:endParaRPr>
+          </a:p>
+        </p:txBody>
+      </p:sp>
       <p:pic>
         <p:nvPicPr>
-          <p:cNvPr id="20" name="그림 81"/>
+          <p:cNvPr id="29" name="그림 7" descr="C:/Users/Admin1/AppData/Roaming/PolarisOffice/ETemp/5800_7652896/fImage793215641.png"/>
           <p:cNvPicPr>
             <a:picLocks noChangeAspect="1"/>
           </p:cNvPicPr>
           <p:nvPr/>
         </p:nvPicPr>
         <p:blipFill rotWithShape="1">
-          <a:blip r:embed="rId3" cstate="print">
+          <a:blip r:embed="rId8" cstate="print">
             <a:extLst>
               <a:ext uri="{28A0092B-C50C-407E-A947-70E740481C1C}">
                 <a14:useLocalDpi xmlns:a14="http://schemas.microsoft.com/office/drawing/2010/main" val="0"/>
@@ -9346,8 +9471,8 @@
         </p:blipFill>
         <p:spPr>
           <a:xfrm rot="0">
-            <a:off x="1259840" y="1271270"/>
-            <a:ext cx="1210310" cy="874395"/>
+            <a:off x="2537460" y="1281430"/>
+            <a:ext cx="2866390" cy="1130935"/>
           </a:xfrm>
           <a:prstGeom prst="roundRect"/>
           <a:solidFill>
@@ -9363,13 +9488,12 @@
         </p:nvCxnSpPr>
         <p:spPr>
           <a:xfrm rot="0" flipV="1">
-            <a:off x="1804035" y="1795780"/>
-            <a:ext cx="3525520" cy="66675"/>
+            <a:off x="1732280" y="1965960"/>
+            <a:ext cx="3594100" cy="95885"/>
           </a:xfrm>
           <a:prstGeom prst="straightConnector1"/>
           <a:ln w="6350" cap="flat" cmpd="sng">
             <a:prstDash/>
-            <a:headEnd type="none" w="med" len="med"/>
             <a:tailEnd type="triangle" w="med" len="med"/>
           </a:ln>
         </p:spPr>
@@ -9388,203 +9512,6 @@
           </a:fontRef>
         </p:style>
       </p:cxnSp>
-      <p:pic>
-        <p:nvPicPr>
-          <p:cNvPr id="22" name="그림 85"/>
-          <p:cNvPicPr>
-            <a:picLocks noChangeAspect="1"/>
-          </p:cNvPicPr>
-          <p:nvPr/>
-        </p:nvPicPr>
-        <p:blipFill rotWithShape="1">
-          <a:blip r:embed="rId4" cstate="print">
-            <a:extLst>
-              <a:ext uri="{28A0092B-C50C-407E-A947-70E740481C1C}">
-                <a14:useLocalDpi xmlns:a14="http://schemas.microsoft.com/office/drawing/2010/main" val="0"/>
-              </a:ext>
-            </a:extLst>
-          </a:blip>
-          <a:stretch>
-            <a:fillRect/>
-          </a:stretch>
-        </p:blipFill>
-        <p:spPr>
-          <a:xfrm rot="0">
-            <a:off x="1262380" y="3801745"/>
-            <a:ext cx="2844800" cy="1286510"/>
-          </a:xfrm>
-          <a:prstGeom prst="roundRect"/>
-          <a:solidFill>
-            <a:srgbClr val="EDEDED"/>
-          </a:solidFill>
-        </p:spPr>
-      </p:pic>
-      <p:pic>
-        <p:nvPicPr>
-          <p:cNvPr id="23" name="그림 88"/>
-          <p:cNvPicPr>
-            <a:picLocks noChangeAspect="1"/>
-          </p:cNvPicPr>
-          <p:nvPr/>
-        </p:nvPicPr>
-        <p:blipFill rotWithShape="1">
-          <a:blip r:embed="rId5" cstate="print">
-            <a:extLst>
-              <a:ext uri="{28A0092B-C50C-407E-A947-70E740481C1C}">
-                <a14:useLocalDpi xmlns:a14="http://schemas.microsoft.com/office/drawing/2010/main" val="0"/>
-              </a:ext>
-            </a:extLst>
-          </a:blip>
-          <a:stretch>
-            <a:fillRect/>
-          </a:stretch>
-        </p:blipFill>
-        <p:spPr>
-          <a:xfrm rot="0">
-            <a:off x="4672330" y="4001135"/>
-            <a:ext cx="731520" cy="867410"/>
-          </a:xfrm>
-          <a:prstGeom prst="roundRect"/>
-          <a:solidFill>
-            <a:srgbClr val="EDEDED"/>
-          </a:solidFill>
-        </p:spPr>
-      </p:pic>
-      <p:cxnSp>
-        <p:nvCxnSpPr>
-          <p:cNvPr id="24" name="도형 91"/>
-          <p:cNvCxnSpPr>
-            <a:stCxn id="23" idx="1"/>
-          </p:cNvCxnSpPr>
-          <p:nvPr/>
-        </p:nvCxnSpPr>
-        <p:spPr>
-          <a:xfrm rot="0" flipH="1">
-            <a:off x="3766185" y="4434205"/>
-            <a:ext cx="906780" cy="5715"/>
-          </a:xfrm>
-          <a:prstGeom prst="straightConnector1"/>
-          <a:ln w="6350" cap="flat" cmpd="sng">
-            <a:prstDash/>
-            <a:headEnd type="none" w="med" len="med"/>
-            <a:tailEnd type="triangle" w="med" len="med"/>
-          </a:ln>
-        </p:spPr>
-        <p:style>
-          <a:lnRef idx="1">
-            <a:schemeClr val="accent1"/>
-          </a:lnRef>
-          <a:fillRef idx="0">
-            <a:schemeClr val="accent1"/>
-          </a:fillRef>
-          <a:effectRef idx="0">
-            <a:schemeClr val="accent1"/>
-          </a:effectRef>
-          <a:fontRef idx="minor">
-            <a:schemeClr val="tx1"/>
-          </a:fontRef>
-        </p:style>
-      </p:cxnSp>
-      <p:sp>
-        <p:nvSpPr>
-          <p:cNvPr id="25" name="텍스트 상자 92"/>
-          <p:cNvSpPr txBox="1">
-            <a:spLocks/>
-          </p:cNvSpPr>
-          <p:nvPr/>
-        </p:nvSpPr>
-        <p:spPr>
-          <a:xfrm rot="0">
-            <a:off x="1262380" y="5253355"/>
-            <a:ext cx="4135755" cy="954405"/>
-          </a:xfrm>
-          <a:prstGeom prst="rect"/>
-          <a:noFill/>
-          <a:ln w="0">
-            <a:noFill/>
-            <a:prstDash/>
-          </a:ln>
-        </p:spPr>
-        <p:txBody>
-          <a:bodyPr wrap="square" lIns="89535" tIns="46355" rIns="89535" bIns="46355" vert="horz" anchor="t">
-            <a:spAutoFit/>
-          </a:bodyPr>
-          <a:lstStyle/>
-          <a:p>
-            <a:pPr marL="0" indent="0" rtl="0" algn="l" defTabSz="914400" eaLnBrk="1" latinLnBrk="0" hangingPunct="1">
-              <a:buFontTx/>
-              <a:buNone/>
-            </a:pPr>
-            <a:r>
-              <a:rPr lang="ko-KR" sz="2000" b="1">
-                <a:solidFill>
-                  <a:srgbClr val="0611F2"/>
-                </a:solidFill>
-                <a:latin typeface="맑은 고딕" charset="0"/>
-                <a:ea typeface="맑은 고딕" charset="0"/>
-              </a:rPr>
-              <a:t>7</a:t>
-            </a:r>
-            <a:r>
-              <a:rPr sz="2000" b="1">
-                <a:solidFill>
-                  <a:srgbClr val="0611F2"/>
-                </a:solidFill>
-                <a:latin typeface="맑은 고딕" charset="0"/>
-                <a:ea typeface="맑은 고딕" charset="0"/>
-              </a:rPr>
-              <a:t>.</a:t>
-            </a:r>
-            <a:r>
-              <a:rPr sz="2000">
-                <a:latin typeface="맑은 고딕" charset="0"/>
-                <a:ea typeface="맑은 고딕" charset="0"/>
-              </a:rPr>
-              <a:t> </a:t>
-            </a:r>
-            <a:r>
-              <a:rPr lang="ko-KR" sz="1800">
-                <a:latin typeface="맑은 고딕" charset="0"/>
-                <a:ea typeface="맑은 고딕" charset="0"/>
-              </a:rPr>
-              <a:t>그런 다음 Observe 스크립트를 생성하고 StoneMonster 오브젝트에 넣어줍니다.  </a:t>
-            </a:r>
-            <a:endParaRPr lang="ko-KR" altLang="en-US" sz="1800">
-              <a:latin typeface="맑은 고딕" charset="0"/>
-              <a:ea typeface="맑은 고딕" charset="0"/>
-            </a:endParaRPr>
-          </a:p>
-        </p:txBody>
-      </p:sp>
-      <p:pic>
-        <p:nvPicPr>
-          <p:cNvPr id="26" name="그림 94"/>
-          <p:cNvPicPr>
-            <a:picLocks noChangeAspect="1"/>
-          </p:cNvPicPr>
-          <p:nvPr/>
-        </p:nvPicPr>
-        <p:blipFill rotWithShape="1">
-          <a:blip r:embed="rId6" cstate="print">
-            <a:extLst>
-              <a:ext uri="{28A0092B-C50C-407E-A947-70E740481C1C}">
-                <a14:useLocalDpi xmlns:a14="http://schemas.microsoft.com/office/drawing/2010/main" val="0"/>
-              </a:ext>
-            </a:extLst>
-          </a:blip>
-          <a:stretch>
-            <a:fillRect/>
-          </a:stretch>
-        </p:blipFill>
-        <p:spPr>
-          <a:xfrm rot="0">
-            <a:off x="6824980" y="1269365"/>
-            <a:ext cx="4133850" cy="1973580"/>
-          </a:xfrm>
-          <a:prstGeom prst="rect"/>
-          <a:noFill/>
-        </p:spPr>
-      </p:pic>
     </p:spTree>
   </p:cSld>
   <p:clrMapOvr>
@@ -10001,8 +9928,8 @@
         </p:nvSpPr>
         <p:spPr>
           <a:xfrm rot="0">
-            <a:off x="4471035" y="447040"/>
-            <a:ext cx="3241675" cy="554990"/>
+            <a:off x="4340860" y="447040"/>
+            <a:ext cx="3513455" cy="554990"/>
           </a:xfrm>
           <a:prstGeom prst="rect"/>
           <a:noFill/>
@@ -10012,7 +9939,7 @@
           </a:ln>
         </p:spPr>
         <p:txBody>
-          <a:bodyPr wrap="square" lIns="89535" tIns="46355" rIns="89535" bIns="46355" vert="horz" anchor="t">
+          <a:bodyPr wrap="square" lIns="89535" tIns="46355" rIns="89535" bIns="46355" numCol="1" vert="horz" anchor="t">
             <a:spAutoFit/>
           </a:bodyPr>
           <a:lstStyle/>
@@ -10029,56 +9956,22 @@
                 <a:latin typeface="맑은 고딕" charset="0"/>
                 <a:ea typeface="맑은 고딕" charset="0"/>
               </a:rPr>
-              <a:t>Vector3.Distance</a:t>
+              <a:t>다</a:t>
+            </a:r>
+            <a:r>
+              <a:rPr lang="ko-KR" sz="3000" b="1">
+                <a:solidFill>
+                  <a:schemeClr val="tx1"/>
+                </a:solidFill>
+                <a:latin typeface="맑은 고딕" charset="0"/>
+                <a:ea typeface="맑은 고딕" charset="0"/>
+              </a:rPr>
+              <a:t>섯 번째 튜토리얼</a:t>
             </a:r>
             <a:endParaRPr lang="ko-KR" altLang="en-US" sz="3000" b="1">
               <a:solidFill>
                 <a:schemeClr val="tx1"/>
               </a:solidFill>
-              <a:latin typeface="맑은 고딕" charset="0"/>
-              <a:ea typeface="맑은 고딕" charset="0"/>
-            </a:endParaRPr>
-          </a:p>
-        </p:txBody>
-      </p:sp>
-      <p:sp>
-        <p:nvSpPr>
-          <p:cNvPr id="4" name="텍스트 상자 10"/>
-          <p:cNvSpPr txBox="1">
-            <a:spLocks/>
-          </p:cNvSpPr>
-          <p:nvPr/>
-        </p:nvSpPr>
-        <p:spPr>
-          <a:xfrm rot="0">
-            <a:off x="1163955" y="1280795"/>
-            <a:ext cx="4224655" cy="647065"/>
-          </a:xfrm>
-          <a:prstGeom prst="rect"/>
-          <a:noFill/>
-          <a:ln w="0">
-            <a:noFill/>
-            <a:prstDash/>
-          </a:ln>
-        </p:spPr>
-        <p:txBody>
-          <a:bodyPr wrap="square" lIns="89535" tIns="46355" rIns="89535" bIns="46355" vert="horz" anchor="t">
-            <a:spAutoFit/>
-          </a:bodyPr>
-          <a:lstStyle/>
-          <a:p>
-            <a:pPr marL="0" indent="0" rtl="0" algn="l" defTabSz="914400" eaLnBrk="1" latinLnBrk="0" hangingPunct="1">
-              <a:buFontTx/>
-              <a:buNone/>
-            </a:pPr>
-            <a:r>
-              <a:rPr sz="1800">
-                <a:latin typeface="맑은 고딕" charset="0"/>
-                <a:ea typeface="맑은 고딕" charset="0"/>
-              </a:rPr>
-              <a:t>Vector3.Distance( ) 함수는 두 오브젝트 간의 거리를 구하는 함수입니다.</a:t>
-            </a:r>
-            <a:endParaRPr lang="ko-KR" altLang="en-US" sz="1800">
               <a:latin typeface="맑은 고딕" charset="0"/>
               <a:ea typeface="맑은 고딕" charset="0"/>
             </a:endParaRPr>
@@ -10095,8 +9988,8 @@
         </p:nvSpPr>
         <p:spPr>
           <a:xfrm rot="0">
-            <a:off x="1155700" y="5313045"/>
-            <a:ext cx="4230370" cy="923925"/>
+            <a:off x="1164590" y="4516120"/>
+            <a:ext cx="4213860" cy="1754505"/>
           </a:xfrm>
           <a:prstGeom prst="rect"/>
           <a:noFill/>
@@ -10120,32 +10013,291 @@
                 <a:latin typeface="맑은 고딕" charset="0"/>
                 <a:ea typeface="맑은 고딕" charset="0"/>
               </a:rPr>
-              <a:t>Vector3.Distance( )는</a:t>
-            </a:r>
-            <a:r>
-              <a:rPr lang="ko-KR" sz="1800">
-                <a:latin typeface="맑은 고딕" charset="0"/>
-                <a:ea typeface="맑은 고딕" charset="0"/>
-              </a:rPr>
-              <a:t> 오브젝트의 x축, y축, z축 전체를 계산하여 거리를 측정합니다.</a:t>
+              <a:t>Vector3.Distance( ) 함수는 두 오브젝트 간의 거리를 구하는 함수입니다.</a:t>
             </a:r>
             <a:endParaRPr lang="ko-KR" altLang="en-US" sz="1800">
               <a:latin typeface="맑은 고딕" charset="0"/>
               <a:ea typeface="맑은 고딕" charset="0"/>
             </a:endParaRPr>
           </a:p>
+          <a:p>
+            <a:pPr marL="0" indent="0" rtl="0" algn="l" defTabSz="914400" eaLnBrk="1" latinLnBrk="0" hangingPunct="1">
+              <a:buFontTx/>
+              <a:buNone/>
+            </a:pPr>
+            <a:endParaRPr lang="ko-KR" altLang="en-US" sz="1800">
+              <a:latin typeface="맑은 고딕" charset="0"/>
+              <a:ea typeface="맑은 고딕" charset="0"/>
+            </a:endParaRPr>
+          </a:p>
+          <a:p>
+            <a:pPr marL="0" indent="0" rtl="0" algn="l" defTabSz="914400" eaLnBrk="1" latinLnBrk="0" hangingPunct="1">
+              <a:buFontTx/>
+              <a:buNone/>
+            </a:pPr>
+            <a:r>
+              <a:rPr sz="1800">
+                <a:latin typeface="맑은 고딕" charset="0"/>
+                <a:ea typeface="맑은 고딕" charset="0"/>
+              </a:rPr>
+              <a:t>Vector3.Distance( )</a:t>
+            </a:r>
+            <a:r>
+              <a:rPr sz="1800">
+                <a:latin typeface="맑은 고딕" charset="0"/>
+                <a:ea typeface="맑은 고딕" charset="0"/>
+              </a:rPr>
+              <a:t> 함수</a:t>
+            </a:r>
+            <a:r>
+              <a:rPr lang="ko-KR" sz="1800">
+                <a:latin typeface="맑은 고딕" charset="0"/>
+                <a:ea typeface="맑은 고딕" charset="0"/>
+              </a:rPr>
+              <a:t>의 경우</a:t>
+            </a:r>
+            <a:r>
+              <a:rPr lang="ko-KR" sz="1800">
+                <a:latin typeface="맑은 고딕" charset="0"/>
+                <a:ea typeface="맑은 고딕" charset="0"/>
+              </a:rPr>
+              <a:t> 오브젝트의 x축, y축, z축</a:t>
+            </a:r>
+            <a:r>
+              <a:rPr lang="ko-KR" sz="1800">
+                <a:latin typeface="맑은 고딕" charset="0"/>
+                <a:ea typeface="맑은 고딕" charset="0"/>
+              </a:rPr>
+              <a:t>을</a:t>
+            </a:r>
+            <a:r>
+              <a:rPr lang="ko-KR" sz="1800">
+                <a:latin typeface="맑은 고딕" charset="0"/>
+                <a:ea typeface="맑은 고딕" charset="0"/>
+              </a:rPr>
+              <a:t> 계산하여 거리를 측정합니다.</a:t>
+            </a:r>
+            <a:endParaRPr lang="ko-KR" altLang="en-US" sz="1800">
+              <a:latin typeface="맑은 고딕" charset="0"/>
+              <a:ea typeface="맑은 고딕" charset="0"/>
+            </a:endParaRPr>
+          </a:p>
         </p:txBody>
       </p:sp>
       <p:pic>
         <p:nvPicPr>
-          <p:cNvPr id="7" name="그림 104"/>
+          <p:cNvPr id="8" name="그림 107" descr="C:/Users/Admin1/AppData/Roaming/PolarisOffice/ETemp/5800_7652896/fImage6638220153.png"/>
           <p:cNvPicPr>
             <a:picLocks noChangeAspect="1"/>
           </p:cNvPicPr>
           <p:nvPr/>
         </p:nvPicPr>
         <p:blipFill rotWithShape="1">
-          <a:blip r:embed="rId3" cstate="print">
+          <a:blip r:embed="rId4" cstate="hqprint">
+            <a:extLst>
+              <a:ext uri="{28A0092B-C50C-407E-A947-70E740481C1C}">
+                <a14:useLocalDpi xmlns:a14="http://schemas.microsoft.com/office/drawing/2010/main"/>
+              </a:ext>
+            </a:extLst>
+          </a:blip>
+          <a:stretch>
+            <a:fillRect/>
+          </a:stretch>
+        </p:blipFill>
+        <p:spPr>
+          <a:xfrm rot="0">
+            <a:off x="8087995" y="1445895"/>
+            <a:ext cx="2771140" cy="892810"/>
+          </a:xfrm>
+          <a:prstGeom prst="roundRect"/>
+          <a:solidFill>
+            <a:srgbClr val="EDEDED"/>
+          </a:solidFill>
+        </p:spPr>
+      </p:pic>
+      <p:sp>
+        <p:nvSpPr>
+          <p:cNvPr id="10" name="텍스트 상자 111"/>
+          <p:cNvSpPr txBox="1">
+            <a:spLocks/>
+          </p:cNvSpPr>
+          <p:nvPr/>
+        </p:nvSpPr>
+        <p:spPr>
+          <a:xfrm rot="0">
+            <a:off x="6807835" y="2461260"/>
+            <a:ext cx="4051300" cy="954405"/>
+          </a:xfrm>
+          <a:prstGeom prst="rect"/>
+          <a:noFill/>
+          <a:ln w="0">
+            <a:noFill/>
+            <a:prstDash/>
+          </a:ln>
+        </p:spPr>
+        <p:txBody>
+          <a:bodyPr wrap="square" lIns="89535" tIns="46355" rIns="89535" bIns="46355" numCol="1" vert="horz" anchor="t">
+            <a:spAutoFit/>
+          </a:bodyPr>
+          <a:lstStyle/>
+          <a:p>
+            <a:pPr marL="0" indent="0" rtl="0" algn="l" defTabSz="914400" eaLnBrk="1" latinLnBrk="0" hangingPunct="1">
+              <a:buFontTx/>
+              <a:buNone/>
+            </a:pPr>
+            <a:r>
+              <a:rPr lang="ko-KR" sz="2000" b="1">
+                <a:solidFill>
+                  <a:srgbClr val="0611F2"/>
+                </a:solidFill>
+                <a:latin typeface="맑은 고딕" charset="0"/>
+                <a:ea typeface="맑은 고딕" charset="0"/>
+              </a:rPr>
+              <a:t>9</a:t>
+            </a:r>
+            <a:r>
+              <a:rPr sz="2000" b="1">
+                <a:solidFill>
+                  <a:srgbClr val="0611F2"/>
+                </a:solidFill>
+                <a:latin typeface="맑은 고딕" charset="0"/>
+                <a:ea typeface="맑은 고딕" charset="0"/>
+              </a:rPr>
+              <a:t>.</a:t>
+            </a:r>
+            <a:r>
+              <a:rPr sz="2000">
+                <a:latin typeface="맑은 고딕" charset="0"/>
+                <a:ea typeface="맑은 고딕" charset="0"/>
+              </a:rPr>
+              <a:t> </a:t>
+            </a:r>
+            <a:r>
+              <a:rPr lang="ko-KR" sz="1800">
+                <a:latin typeface="맑은 고딕" charset="0"/>
+                <a:ea typeface="맑은 고딕" charset="0"/>
+              </a:rPr>
+              <a:t>마지막으로 StoneMonster의 Observe 스크립트에 Target으로 Sun 오브젝트를 넣어줍니다. </a:t>
+            </a:r>
+            <a:endParaRPr lang="ko-KR" altLang="en-US" sz="1800">
+              <a:latin typeface="맑은 고딕" charset="0"/>
+              <a:ea typeface="맑은 고딕" charset="0"/>
+            </a:endParaRPr>
+          </a:p>
+        </p:txBody>
+      </p:sp>
+      <p:pic>
+        <p:nvPicPr>
+          <p:cNvPr id="12" name="그림 113" descr="C:/Users/Admin1/AppData/Roaming/PolarisOffice/ETemp/5800_7652896/fImage112872242382.png"/>
+          <p:cNvPicPr>
+            <a:picLocks noChangeAspect="1"/>
+          </p:cNvPicPr>
+          <p:nvPr/>
+        </p:nvPicPr>
+        <p:blipFill rotWithShape="1">
+          <a:blip r:embed="rId6" cstate="hqprint">
+            <a:extLst>
+              <a:ext uri="{28A0092B-C50C-407E-A947-70E740481C1C}">
+                <a14:useLocalDpi xmlns:a14="http://schemas.microsoft.com/office/drawing/2010/main"/>
+              </a:ext>
+            </a:extLst>
+          </a:blip>
+          <a:stretch>
+            <a:fillRect/>
+          </a:stretch>
+        </p:blipFill>
+        <p:spPr>
+          <a:xfrm rot="0">
+            <a:off x="6824980" y="3558540"/>
+            <a:ext cx="4034155" cy="1663700"/>
+          </a:xfrm>
+          <a:prstGeom prst="roundRect"/>
+          <a:solidFill>
+            <a:srgbClr val="EDEDED"/>
+          </a:solidFill>
+        </p:spPr>
+      </p:pic>
+      <p:sp>
+        <p:nvSpPr>
+          <p:cNvPr id="14" name="텍스트 상자 119"/>
+          <p:cNvSpPr txBox="1">
+            <a:spLocks/>
+          </p:cNvSpPr>
+          <p:nvPr/>
+        </p:nvSpPr>
+        <p:spPr>
+          <a:xfrm rot="0">
+            <a:off x="6813550" y="5314315"/>
+            <a:ext cx="4045585" cy="954405"/>
+          </a:xfrm>
+          <a:prstGeom prst="rect"/>
+          <a:noFill/>
+          <a:ln w="0">
+            <a:noFill/>
+            <a:prstDash/>
+          </a:ln>
+        </p:spPr>
+        <p:txBody>
+          <a:bodyPr wrap="square" lIns="89535" tIns="46355" rIns="89535" bIns="46355" numCol="1" vert="horz" anchor="t">
+            <a:spAutoFit/>
+          </a:bodyPr>
+          <a:lstStyle/>
+          <a:p>
+            <a:pPr marL="0" indent="0" rtl="0" algn="l" defTabSz="914400" eaLnBrk="1" latinLnBrk="0" hangingPunct="1">
+              <a:buFontTx/>
+              <a:buNone/>
+            </a:pPr>
+            <a:r>
+              <a:rPr lang="ko-KR" sz="2000" b="1">
+                <a:solidFill>
+                  <a:srgbClr val="0611F2"/>
+                </a:solidFill>
+                <a:latin typeface="맑은 고딕" charset="0"/>
+                <a:ea typeface="맑은 고딕" charset="0"/>
+              </a:rPr>
+              <a:t>10</a:t>
+            </a:r>
+            <a:r>
+              <a:rPr sz="2000" b="1">
+                <a:solidFill>
+                  <a:srgbClr val="0611F2"/>
+                </a:solidFill>
+                <a:latin typeface="맑은 고딕" charset="0"/>
+                <a:ea typeface="맑은 고딕" charset="0"/>
+              </a:rPr>
+              <a:t>.</a:t>
+            </a:r>
+            <a:r>
+              <a:rPr sz="2000">
+                <a:latin typeface="맑은 고딕" charset="0"/>
+                <a:ea typeface="맑은 고딕" charset="0"/>
+              </a:rPr>
+              <a:t> </a:t>
+            </a:r>
+            <a:r>
+              <a:rPr lang="ko-KR" sz="1800">
+                <a:latin typeface="맑은 고딕" charset="0"/>
+                <a:ea typeface="맑은 고딕" charset="0"/>
+              </a:rPr>
+              <a:t>그다음 Earth 오브젝트와 Sun 오브젝트의 위치와 크기값을 설정합니다.</a:t>
+            </a:r>
+            <a:endParaRPr lang="ko-KR" altLang="en-US" sz="1800">
+              <a:latin typeface="맑은 고딕" charset="0"/>
+              <a:ea typeface="맑은 고딕" charset="0"/>
+            </a:endParaRPr>
+          </a:p>
+        </p:txBody>
+      </p:sp>
+      <p:pic>
+        <p:nvPicPr>
+          <p:cNvPr id="16" name="그림 4" descr="C:/Users/Admin1/AppData/Roaming/PolarisOffice/ETemp/5800_7652896/fImage1733661538467.png"/>
+          <p:cNvPicPr>
+            <a:picLocks noChangeAspect="1"/>
+          </p:cNvPicPr>
+          <p:nvPr/>
+        </p:nvPicPr>
+        <p:blipFill rotWithShape="1">
+          <a:blip r:embed="rId8" cstate="print">
             <a:extLst>
               <a:ext uri="{28A0092B-C50C-407E-A947-70E740481C1C}">
                 <a14:useLocalDpi xmlns:a14="http://schemas.microsoft.com/office/drawing/2010/main" val="0"/>
@@ -10158,25 +10310,23 @@
         </p:blipFill>
         <p:spPr>
           <a:xfrm rot="0">
-            <a:off x="6816725" y="1280795"/>
-            <a:ext cx="1295400" cy="772160"/>
-          </a:xfrm>
-          <a:prstGeom prst="roundRect"/>
-          <a:solidFill>
-            <a:srgbClr val="EDEDED"/>
-          </a:solidFill>
+            <a:off x="1159510" y="1454785"/>
+            <a:ext cx="4236085" cy="2910205"/>
+          </a:xfrm>
+          <a:prstGeom prst="rect"/>
+          <a:noFill/>
         </p:spPr>
       </p:pic>
       <p:pic>
         <p:nvPicPr>
-          <p:cNvPr id="8" name="그림 107"/>
+          <p:cNvPr id="17" name="그림 10" descr="C:/Users/Admin1/AppData/Roaming/PolarisOffice/ETemp/5800_7652896/fImage52331576334.png"/>
           <p:cNvPicPr>
             <a:picLocks noChangeAspect="1"/>
           </p:cNvPicPr>
           <p:nvPr/>
         </p:nvPicPr>
         <p:blipFill rotWithShape="1">
-          <a:blip r:embed="rId4" cstate="print">
+          <a:blip r:embed="rId9" cstate="print">
             <a:extLst>
               <a:ext uri="{28A0092B-C50C-407E-A947-70E740481C1C}">
                 <a14:useLocalDpi xmlns:a14="http://schemas.microsoft.com/office/drawing/2010/main" val="0"/>
@@ -10189,8 +10339,8 @@
         </p:blipFill>
         <p:spPr>
           <a:xfrm rot="0">
-            <a:off x="8255000" y="1278255"/>
-            <a:ext cx="2538095" cy="767080"/>
+            <a:off x="6826250" y="1445895"/>
+            <a:ext cx="1106170" cy="892810"/>
           </a:xfrm>
           <a:prstGeom prst="roundRect"/>
           <a:solidFill>
@@ -10205,14 +10355,13 @@
           <p:nvPr/>
         </p:nvCxnSpPr>
         <p:spPr>
-          <a:xfrm rot="0">
-            <a:off x="7407275" y="1820545"/>
-            <a:ext cx="3317240" cy="59055"/>
+          <a:xfrm rot="0" flipV="1">
+            <a:off x="7412355" y="2095500"/>
+            <a:ext cx="3369310" cy="165100"/>
           </a:xfrm>
           <a:prstGeom prst="straightConnector1"/>
           <a:ln w="6350" cap="flat" cmpd="sng">
             <a:prstDash/>
-            <a:headEnd type="none" w="med" len="med"/>
             <a:tailEnd type="triangle" w="med" len="med"/>
           </a:ln>
         </p:spPr>
@@ -10231,246 +10380,6 @@
           </a:fontRef>
         </p:style>
       </p:cxnSp>
-      <p:sp>
-        <p:nvSpPr>
-          <p:cNvPr id="10" name="텍스트 상자 111"/>
-          <p:cNvSpPr txBox="1">
-            <a:spLocks/>
-          </p:cNvSpPr>
-          <p:nvPr/>
-        </p:nvSpPr>
-        <p:spPr>
-          <a:xfrm rot="0">
-            <a:off x="6816725" y="2183765"/>
-            <a:ext cx="3975100" cy="955040"/>
-          </a:xfrm>
-          <a:prstGeom prst="rect"/>
-          <a:noFill/>
-          <a:ln w="0">
-            <a:noFill/>
-            <a:prstDash/>
-          </a:ln>
-        </p:spPr>
-        <p:txBody>
-          <a:bodyPr wrap="square" lIns="89535" tIns="46355" rIns="89535" bIns="46355" numCol="1" vert="horz" anchor="t">
-            <a:spAutoFit/>
-          </a:bodyPr>
-          <a:lstStyle/>
-          <a:p>
-            <a:pPr marL="0" indent="0" rtl="0" algn="l" defTabSz="914400" eaLnBrk="1" latinLnBrk="0" hangingPunct="1">
-              <a:buFontTx/>
-              <a:buNone/>
-            </a:pPr>
-            <a:r>
-              <a:rPr lang="ko-KR" sz="2000" b="1">
-                <a:solidFill>
-                  <a:srgbClr val="0611F2"/>
-                </a:solidFill>
-                <a:latin typeface="맑은 고딕" charset="0"/>
-                <a:ea typeface="맑은 고딕" charset="0"/>
-              </a:rPr>
-              <a:t>9</a:t>
-            </a:r>
-            <a:r>
-              <a:rPr sz="2000" b="1">
-                <a:solidFill>
-                  <a:srgbClr val="0611F2"/>
-                </a:solidFill>
-                <a:latin typeface="맑은 고딕" charset="0"/>
-                <a:ea typeface="맑은 고딕" charset="0"/>
-              </a:rPr>
-              <a:t>.</a:t>
-            </a:r>
-            <a:r>
-              <a:rPr sz="2000">
-                <a:latin typeface="맑은 고딕" charset="0"/>
-                <a:ea typeface="맑은 고딕" charset="0"/>
-              </a:rPr>
-              <a:t> </a:t>
-            </a:r>
-            <a:r>
-              <a:rPr lang="ko-KR" sz="1800">
-                <a:latin typeface="맑은 고딕" charset="0"/>
-                <a:ea typeface="맑은 고딕" charset="0"/>
-              </a:rPr>
-              <a:t>마지막으로 StoneMonster의 Observe 스크립트에 Target으로 Sun 오브젝트를 넣어줍니다. </a:t>
-            </a:r>
-            <a:endParaRPr lang="ko-KR" altLang="en-US" sz="1800">
-              <a:latin typeface="맑은 고딕" charset="0"/>
-              <a:ea typeface="맑은 고딕" charset="0"/>
-            </a:endParaRPr>
-          </a:p>
-        </p:txBody>
-      </p:sp>
-      <p:pic>
-        <p:nvPicPr>
-          <p:cNvPr id="11" name="그림 112"/>
-          <p:cNvPicPr>
-            <a:picLocks noChangeAspect="1"/>
-          </p:cNvPicPr>
-          <p:nvPr/>
-        </p:nvPicPr>
-        <p:blipFill rotWithShape="1">
-          <a:blip r:embed="rId5" cstate="print">
-            <a:extLst>
-              <a:ext uri="{28A0092B-C50C-407E-A947-70E740481C1C}">
-                <a14:useLocalDpi xmlns:a14="http://schemas.microsoft.com/office/drawing/2010/main" val="0"/>
-              </a:ext>
-            </a:extLst>
-          </a:blip>
-          <a:stretch>
-            <a:fillRect/>
-          </a:stretch>
-        </p:blipFill>
-        <p:spPr>
-          <a:xfrm rot="0">
-            <a:off x="6816725" y="3255010"/>
-            <a:ext cx="3982720" cy="843915"/>
-          </a:xfrm>
-          <a:prstGeom prst="roundRect"/>
-          <a:solidFill>
-            <a:srgbClr val="EDEDED"/>
-          </a:solidFill>
-        </p:spPr>
-      </p:pic>
-      <p:pic>
-        <p:nvPicPr>
-          <p:cNvPr id="12" name="그림 113"/>
-          <p:cNvPicPr>
-            <a:picLocks noChangeAspect="1"/>
-          </p:cNvPicPr>
-          <p:nvPr/>
-        </p:nvPicPr>
-        <p:blipFill rotWithShape="1">
-          <a:blip r:embed="rId6" cstate="print">
-            <a:extLst>
-              <a:ext uri="{28A0092B-C50C-407E-A947-70E740481C1C}">
-                <a14:useLocalDpi xmlns:a14="http://schemas.microsoft.com/office/drawing/2010/main" val="0"/>
-              </a:ext>
-            </a:extLst>
-          </a:blip>
-          <a:stretch>
-            <a:fillRect/>
-          </a:stretch>
-        </p:blipFill>
-        <p:spPr>
-          <a:xfrm rot="0">
-            <a:off x="6816090" y="4260850"/>
-            <a:ext cx="3982720" cy="943610"/>
-          </a:xfrm>
-          <a:prstGeom prst="roundRect"/>
-          <a:solidFill>
-            <a:srgbClr val="EDEDED"/>
-          </a:solidFill>
-        </p:spPr>
-      </p:pic>
-      <p:sp>
-        <p:nvSpPr>
-          <p:cNvPr id="14" name="텍스트 상자 119"/>
-          <p:cNvSpPr txBox="1">
-            <a:spLocks/>
-          </p:cNvSpPr>
-          <p:nvPr/>
-        </p:nvSpPr>
-        <p:spPr>
-          <a:xfrm>
-            <a:off x="6813550" y="5314315"/>
-            <a:ext cx="3975100" cy="954405"/>
-          </a:xfrm>
-          <a:prstGeom prst="rect"/>
-          <a:noFill/>
-          <a:ln w="0">
-            <a:noFill/>
-            <a:prstDash/>
-          </a:ln>
-        </p:spPr>
-        <p:txBody>
-          <a:bodyPr wrap="square" lIns="89535" tIns="46355" rIns="89535" bIns="46355" numCol="1" vert="horz" anchor="t">
-            <a:spAutoFit/>
-          </a:bodyPr>
-          <a:lstStyle/>
-          <a:p>
-            <a:pPr marL="0" indent="0" rtl="0" algn="l" defTabSz="914400" eaLnBrk="1" latinLnBrk="0" hangingPunct="1">
-              <a:buFontTx/>
-              <a:buNone/>
-            </a:pPr>
-            <a:r>
-              <a:rPr lang="ko-KR" sz="2000" b="1">
-                <a:solidFill>
-                  <a:srgbClr val="0611F2"/>
-                </a:solidFill>
-                <a:latin typeface="맑은 고딕" charset="0"/>
-                <a:ea typeface="맑은 고딕" charset="0"/>
-              </a:rPr>
-              <a:t>10</a:t>
-            </a:r>
-            <a:r>
-              <a:rPr sz="2000" b="1">
-                <a:solidFill>
-                  <a:srgbClr val="0611F2"/>
-                </a:solidFill>
-                <a:latin typeface="맑은 고딕" charset="0"/>
-                <a:ea typeface="맑은 고딕" charset="0"/>
-              </a:rPr>
-              <a:t>.</a:t>
-            </a:r>
-            <a:r>
-              <a:rPr sz="2000">
-                <a:latin typeface="맑은 고딕" charset="0"/>
-                <a:ea typeface="맑은 고딕" charset="0"/>
-              </a:rPr>
-              <a:t> </a:t>
-            </a:r>
-            <a:r>
-              <a:rPr lang="ko-KR" sz="1800">
-                <a:latin typeface="맑은 고딕" charset="0"/>
-                <a:ea typeface="맑은 고딕" charset="0"/>
-              </a:rPr>
-              <a:t>그다음</a:t>
-            </a:r>
-            <a:r>
-              <a:rPr lang="ko-KR" sz="1800">
-                <a:latin typeface="맑은 고딕" charset="0"/>
-                <a:ea typeface="맑은 고딕" charset="0"/>
-              </a:rPr>
-              <a:t> Earth 오브젝트와 Sun 오브젝트의 위치와 크기값을 설정합니다.</a:t>
-            </a:r>
-            <a:endParaRPr lang="ko-KR" altLang="en-US" sz="1800">
-              <a:latin typeface="맑은 고딕" charset="0"/>
-              <a:ea typeface="맑은 고딕" charset="0"/>
-            </a:endParaRPr>
-          </a:p>
-        </p:txBody>
-      </p:sp>
-      <p:pic>
-        <p:nvPicPr>
-          <p:cNvPr id="15" name="그림 120"/>
-          <p:cNvPicPr>
-            <a:picLocks noChangeAspect="1"/>
-          </p:cNvPicPr>
-          <p:nvPr/>
-        </p:nvPicPr>
-        <p:blipFill rotWithShape="1">
-          <a:blip r:embed="rId7" cstate="print">
-            <a:extLst>
-              <a:ext uri="{28A0092B-C50C-407E-A947-70E740481C1C}">
-                <a14:useLocalDpi xmlns:a14="http://schemas.microsoft.com/office/drawing/2010/main" val="0"/>
-              </a:ext>
-            </a:extLst>
-          </a:blip>
-          <a:stretch>
-            <a:fillRect/>
-          </a:stretch>
-        </p:blipFill>
-        <p:spPr>
-          <a:xfrm rot="0">
-            <a:off x="1163955" y="2161540"/>
-            <a:ext cx="4231640" cy="2934970"/>
-          </a:xfrm>
-          <a:prstGeom prst="rect"/>
-          <a:noFill/>
-        </p:spPr>
-      </p:pic>
     </p:spTree>
   </p:cSld>
   <p:clrMapOvr>
@@ -10522,7 +10431,7 @@
         <p:spPr>
           <a:xfrm rot="0">
             <a:off x="4344670" y="386715"/>
-            <a:ext cx="3503295" cy="554990"/>
+            <a:ext cx="3579495" cy="554990"/>
           </a:xfrm>
           <a:prstGeom prst="rect"/>
           <a:noFill/>
@@ -10549,7 +10458,7 @@
                 <a:latin typeface="맑은 고딕" charset="0"/>
                 <a:ea typeface="맑은 고딕" charset="0"/>
               </a:rPr>
-              <a:t>다섯</a:t>
+              <a:t>여</a:t>
             </a:r>
             <a:r>
               <a:rPr lang="ko-KR" sz="3000" b="1">
@@ -10559,7 +10468,7 @@
                 <a:latin typeface="맑은 고딕" charset="0"/>
                 <a:ea typeface="맑은 고딕" charset="0"/>
               </a:rPr>
-              <a:t> 번째 튜토리얼</a:t>
+              <a:t>섯 번째 튜토리얼</a:t>
             </a:r>
             <a:endParaRPr lang="ko-KR" altLang="en-US" sz="3000" b="1">
               <a:solidFill>
@@ -11156,9 +11065,9 @@
           <p:nvPr/>
         </p:nvSpPr>
         <p:spPr>
-          <a:xfrm rot="0">
+          <a:xfrm>
             <a:off x="4344670" y="386715"/>
-            <a:ext cx="3503930" cy="554990"/>
+            <a:ext cx="3504565" cy="554990"/>
           </a:xfrm>
           <a:prstGeom prst="rect"/>
           <a:noFill/>
@@ -11185,7 +11094,7 @@
                 <a:latin typeface="맑은 고딕" charset="0"/>
                 <a:ea typeface="맑은 고딕" charset="0"/>
               </a:rPr>
-              <a:t>여</a:t>
+              <a:t>일곱</a:t>
             </a:r>
             <a:r>
               <a:rPr lang="ko-KR" sz="3000" b="1">
@@ -11195,7 +11104,7 @@
                 <a:latin typeface="맑은 고딕" charset="0"/>
                 <a:ea typeface="맑은 고딕" charset="0"/>
               </a:rPr>
-              <a:t>섯 번째 튜토리얼</a:t>
+              <a:t> 번째 튜토리얼</a:t>
             </a:r>
             <a:endParaRPr lang="ko-KR" altLang="en-US" sz="3000" b="1">
               <a:solidFill>
@@ -11333,7 +11242,7 @@
         <p:spPr>
           <a:xfrm rot="0">
             <a:off x="6830695" y="5255260"/>
-            <a:ext cx="4102100" cy="954405"/>
+            <a:ext cx="3977005" cy="954405"/>
           </a:xfrm>
           <a:prstGeom prst="rect"/>
           <a:noFill/>
@@ -11360,17 +11269,7 @@
                 <a:latin typeface="맑은 고딕" charset="0"/>
                 <a:ea typeface="맑은 고딕" charset="0"/>
               </a:rPr>
-              <a:t>1</a:t>
-            </a:r>
-            <a:r>
-              <a:rPr lang="ko-KR" sz="2000" b="1">
-                <a:solidFill>
-                  <a:srgbClr val="0611F2"/>
-                </a:solidFill>
-                <a:latin typeface="맑은 고딕" charset="0"/>
-                <a:ea typeface="맑은 고딕" charset="0"/>
-              </a:rPr>
-              <a:t>5</a:t>
+              <a:t>15</a:t>
             </a:r>
             <a:r>
               <a:rPr sz="2000" b="1">
@@ -11394,14 +11293,7 @@
                 <a:latin typeface="맑은 고딕" charset="0"/>
                 <a:ea typeface="맑은 고딕" charset="0"/>
               </a:rPr>
-              <a:t>그리고 Project 폴더에 있는 Render Texture 폴더에 Render Texture를 생성합니다.</a:t>
-            </a:r>
-            <a:r>
-              <a:rPr lang="ko-KR" sz="1800">
-                <a:latin typeface="맑은 고딕" charset="0"/>
-                <a:ea typeface="맑은 고딕" charset="0"/>
-              </a:rPr>
-              <a:t> </a:t>
+              <a:t>그리고 Project 폴더에 있는 Render Texture 폴더에 Render Texture를 생성합니다. </a:t>
             </a:r>
             <a:endParaRPr lang="ko-KR" altLang="en-US" sz="1800">
               <a:latin typeface="맑은 고딕" charset="0"/>
@@ -11443,17 +11335,17 @@
       </p:pic>
       <p:pic>
         <p:nvPicPr>
-          <p:cNvPr id="38" name="그림 7"/>
+          <p:cNvPr id="38" name="그림 7" descr="C:/Users/Admin1/AppData/Roaming/PolarisOffice/ETemp/5800_7652896/fImage421642018467.png"/>
           <p:cNvPicPr>
             <a:picLocks noChangeAspect="1"/>
           </p:cNvPicPr>
           <p:nvPr/>
         </p:nvPicPr>
         <p:blipFill rotWithShape="1">
-          <a:blip r:embed="rId3" cstate="print">
+          <a:blip r:embed="rId3" cstate="hqprint">
             <a:extLst>
               <a:ext uri="{28A0092B-C50C-407E-A947-70E740481C1C}">
-                <a14:useLocalDpi xmlns:a14="http://schemas.microsoft.com/office/drawing/2010/main" val="0"/>
+                <a14:useLocalDpi xmlns:a14="http://schemas.microsoft.com/office/drawing/2010/main"/>
               </a:ext>
             </a:extLst>
           </a:blip>
@@ -11464,7 +11356,7 @@
         <p:spPr>
           <a:xfrm rot="0">
             <a:off x="6832600" y="1297305"/>
-            <a:ext cx="4095750" cy="2894330"/>
+            <a:ext cx="3966210" cy="2894965"/>
           </a:xfrm>
           <a:prstGeom prst="roundRect"/>
           <a:solidFill>
@@ -11474,17 +11366,17 @@
       </p:pic>
       <p:pic>
         <p:nvPicPr>
-          <p:cNvPr id="39" name="그림 10"/>
+          <p:cNvPr id="39" name="그림 10" descr="C:/Users/Admin1/AppData/Roaming/PolarisOffice/ETemp/5800_7652896/fImage40062026334.png"/>
           <p:cNvPicPr>
             <a:picLocks noChangeAspect="1"/>
           </p:cNvPicPr>
           <p:nvPr/>
         </p:nvPicPr>
         <p:blipFill rotWithShape="1">
-          <a:blip r:embed="rId4" cstate="print">
+          <a:blip r:embed="rId4" cstate="hqprint">
             <a:extLst>
               <a:ext uri="{28A0092B-C50C-407E-A947-70E740481C1C}">
-                <a14:useLocalDpi xmlns:a14="http://schemas.microsoft.com/office/drawing/2010/main" val="0"/>
+                <a14:useLocalDpi xmlns:a14="http://schemas.microsoft.com/office/drawing/2010/main"/>
               </a:ext>
             </a:extLst>
           </a:blip>
@@ -11494,8 +11386,8 @@
         </p:blipFill>
         <p:spPr>
           <a:xfrm rot="0">
-            <a:off x="6832600" y="4338320"/>
-            <a:ext cx="4087495" cy="897255"/>
+            <a:off x="6832600" y="4304030"/>
+            <a:ext cx="3966210" cy="897890"/>
           </a:xfrm>
           <a:prstGeom prst="roundRect"/>
           <a:solidFill>

--- a/Assets/Class/Rotation/PPT Data/Rotation Example.pptx
+++ b/Assets/Class/Rotation/PPT Data/Rotation Example.pptx
@@ -2,14 +2,14 @@
 <file path=ppt/presentation.xml><?xml version="1.0" encoding="utf-8"?>
 <p:presentation xmlns:a="http://schemas.openxmlformats.org/drawingml/2006/main" xmlns:r="http://schemas.openxmlformats.org/officeDocument/2006/relationships" xmlns:p="http://schemas.openxmlformats.org/presentationml/2006/main" xmlns:p14="http://schemas.microsoft.com/office/powerpoint/2010/main" saveSubsetFonts="1" firstSlideNum="0">
   <p:sldMasterIdLst>
-    <p:sldMasterId id="2147485410" r:id="rId12"/>
+    <p:sldMasterId id="2147485411" r:id="rId12"/>
   </p:sldMasterIdLst>
   <p:notesMasterIdLst>
     <p:notesMasterId r:id="rId14"/>
   </p:notesMasterIdLst>
   <p:sldIdLst>
-    <p:sldId id="279" r:id="rId16"/>
-    <p:sldId id="276" r:id="rId17"/>
+    <p:sldId id="276" r:id="rId16"/>
+    <p:sldId id="279" r:id="rId17"/>
     <p:sldId id="280" r:id="rId18"/>
     <p:sldId id="281" r:id="rId19"/>
     <p:sldId id="282" r:id="rId20"/>
@@ -5382,7 +5382,7 @@
       </p:grpSpPr>
       <p:sp>
         <p:nvSpPr>
-          <p:cNvPr id="2" name="텍스트 상자 21"/>
+          <p:cNvPr id="2" name="텍스트 상자 1"/>
           <p:cNvSpPr txBox="1">
             <a:spLocks/>
           </p:cNvSpPr>
@@ -5390,8 +5390,8 @@
         </p:nvSpPr>
         <p:spPr>
           <a:xfrm rot="0">
-            <a:off x="5226685" y="421005"/>
-            <a:ext cx="1744345" cy="555625"/>
+            <a:off x="4519295" y="386715"/>
+            <a:ext cx="3146425" cy="554990"/>
           </a:xfrm>
           <a:prstGeom prst="rect"/>
           <a:noFill/>
@@ -5401,7 +5401,7 @@
           </a:ln>
         </p:spPr>
         <p:txBody>
-          <a:bodyPr wrap="square" lIns="89535" tIns="46355" rIns="89535" bIns="46355" vert="horz" anchor="t">
+          <a:bodyPr wrap="square" lIns="89535" tIns="46355" rIns="89535" bIns="46355" numCol="1" vert="horz" anchor="t">
             <a:spAutoFit/>
           </a:bodyPr>
           <a:lstStyle/>
@@ -5411,14 +5411,54 @@
               <a:buNone/>
             </a:pPr>
             <a:r>
-              <a:rPr sz="3000" b="1">
+              <a:rPr lang="ko-KR" sz="3000" b="1">
                 <a:solidFill>
                   <a:schemeClr val="tx1"/>
                 </a:solidFill>
                 <a:latin typeface="맑은 고딕" charset="0"/>
                 <a:ea typeface="맑은 고딕" charset="0"/>
               </a:rPr>
-              <a:t>Rotation</a:t>
+              <a:t>첫</a:t>
+            </a:r>
+            <a:r>
+              <a:rPr lang="ko-KR" sz="3000" b="1">
+                <a:solidFill>
+                  <a:schemeClr val="tx1"/>
+                </a:solidFill>
+                <a:latin typeface="맑은 고딕" charset="0"/>
+                <a:ea typeface="맑은 고딕" charset="0"/>
+              </a:rPr>
+              <a:t> </a:t>
+            </a:r>
+            <a:r>
+              <a:rPr lang="ko-KR" sz="3000" b="1">
+                <a:solidFill>
+                  <a:schemeClr val="tx1"/>
+                </a:solidFill>
+                <a:latin typeface="맑은 고딕" charset="0"/>
+                <a:ea typeface="맑은 고딕" charset="0"/>
+              </a:rPr>
+              <a:t>번째</a:t>
+            </a:r>
+            <a:r>
+              <a:rPr lang="ko-KR" sz="3000" b="1">
+                <a:solidFill>
+                  <a:schemeClr val="tx1"/>
+                </a:solidFill>
+                <a:latin typeface="맑은 고딕" charset="0"/>
+                <a:ea typeface="맑은 고딕" charset="0"/>
+              </a:rPr>
+              <a:t> </a:t>
+            </a:r>
+            <a:r>
+              <a:rPr lang="ko-KR" sz="3000" b="1">
+                <a:solidFill>
+                  <a:schemeClr val="tx1"/>
+                </a:solidFill>
+                <a:latin typeface="맑은 고딕" charset="0"/>
+                <a:ea typeface="맑은 고딕" charset="0"/>
+              </a:rPr>
+              <a:t>튜토리얼</a:t>
             </a:r>
             <a:endParaRPr lang="ko-KR" altLang="en-US" sz="3000" b="1">
               <a:solidFill>
@@ -5432,7 +5472,7 @@
       </p:sp>
       <p:sp>
         <p:nvSpPr>
-          <p:cNvPr id="3" name="텍스트 상자 22"/>
+          <p:cNvPr id="10" name="텍스트 상자 13"/>
           <p:cNvSpPr txBox="1">
             <a:spLocks/>
           </p:cNvSpPr>
@@ -5440,8 +5480,8 @@
         </p:nvSpPr>
         <p:spPr>
           <a:xfrm rot="0">
-            <a:off x="984250" y="1197610"/>
-            <a:ext cx="4404995" cy="924560"/>
+            <a:off x="1438275" y="2687955"/>
+            <a:ext cx="3924935" cy="955040"/>
           </a:xfrm>
           <a:prstGeom prst="rect"/>
           <a:noFill/>
@@ -5451,7 +5491,7 @@
           </a:ln>
         </p:spPr>
         <p:txBody>
-          <a:bodyPr wrap="square" lIns="89535" tIns="46355" rIns="89535" bIns="46355" vert="horz" anchor="t">
+          <a:bodyPr wrap="square" lIns="89535" tIns="46355" rIns="89535" bIns="46355" numCol="1" vert="horz" anchor="t">
             <a:spAutoFit/>
           </a:bodyPr>
           <a:lstStyle/>
@@ -5461,11 +5501,31 @@
               <a:buNone/>
             </a:pPr>
             <a:r>
-              <a:rPr sz="1800">
-                <a:latin typeface="맑은 고딕" charset="0"/>
-                <a:ea typeface="맑은 고딕" charset="0"/>
-              </a:rPr>
-              <a:t>유니티는 오일러 각을 이용하여 회전을 직관적으로 조작할 수 있도록 인스펙터 뷰에서 표시하고 있습니다. </a:t>
+              <a:rPr sz="2000" b="1">
+                <a:solidFill>
+                  <a:srgbClr val="0611F2"/>
+                </a:solidFill>
+                <a:latin typeface="맑은 고딕" charset="0"/>
+                <a:ea typeface="맑은 고딕" charset="0"/>
+              </a:rPr>
+              <a:t>1.</a:t>
+            </a:r>
+            <a:r>
+              <a:rPr lang="ko-KR" sz="2000" b="1">
+                <a:solidFill>
+                  <a:srgbClr val="0611F2"/>
+                </a:solidFill>
+                <a:latin typeface="맑은 고딕" charset="0"/>
+                <a:ea typeface="맑은 고딕" charset="0"/>
+              </a:rPr>
+              <a:t> </a:t>
+            </a:r>
+            <a:r>
+              <a:rPr lang="ko-KR" sz="1800">
+                <a:latin typeface="맑은 고딕" charset="0"/>
+                <a:ea typeface="맑은 고딕" charset="0"/>
+              </a:rPr>
+              <a:t>첫 번째로 Main Camera를 선택하고 위치와 회전 값을 설정합니다.</a:t>
             </a:r>
             <a:endParaRPr lang="ko-KR" altLang="en-US" sz="1800">
               <a:latin typeface="맑은 고딕" charset="0"/>
@@ -5476,7 +5536,7 @@
       </p:sp>
       <p:sp>
         <p:nvSpPr>
-          <p:cNvPr id="4" name="텍스트 상자 23"/>
+          <p:cNvPr id="20" name="텍스트 상자 18"/>
           <p:cNvSpPr txBox="1">
             <a:spLocks/>
           </p:cNvSpPr>
@@ -5484,8 +5544,8 @@
         </p:nvSpPr>
         <p:spPr>
           <a:xfrm rot="0">
-            <a:off x="981710" y="4239260"/>
-            <a:ext cx="4406900" cy="1755775"/>
+            <a:off x="6816725" y="2673985"/>
+            <a:ext cx="4149090" cy="954405"/>
           </a:xfrm>
           <a:prstGeom prst="rect"/>
           <a:noFill/>
@@ -5505,49 +5565,59 @@
               <a:buNone/>
             </a:pPr>
             <a:r>
-              <a:rPr sz="1800">
-                <a:latin typeface="맑은 고딕" charset="0"/>
-                <a:ea typeface="맑은 고딕" charset="0"/>
-              </a:rPr>
-              <a:t>하지만, 오일러 각으로 회전시키게 되면 짐벌락 현상이 발생할 수 있습니다.</a:t>
+              <a:rPr lang="ko-KR" sz="2000" b="1">
+                <a:solidFill>
+                  <a:srgbClr val="0611F2"/>
+                </a:solidFill>
+                <a:latin typeface="맑은 고딕" charset="0"/>
+                <a:ea typeface="맑은 고딕" charset="0"/>
+              </a:rPr>
+              <a:t>3</a:t>
+            </a:r>
+            <a:r>
+              <a:rPr sz="2000" b="1">
+                <a:solidFill>
+                  <a:srgbClr val="0611F2"/>
+                </a:solidFill>
+                <a:latin typeface="맑은 고딕" charset="0"/>
+                <a:ea typeface="맑은 고딕" charset="0"/>
+              </a:rPr>
+              <a:t>.</a:t>
+            </a:r>
+            <a:r>
+              <a:rPr lang="ko-KR" sz="2000" b="1">
+                <a:solidFill>
+                  <a:srgbClr val="0611F2"/>
+                </a:solidFill>
+                <a:latin typeface="맑은 고딕" charset="0"/>
+                <a:ea typeface="맑은 고딕" charset="0"/>
+              </a:rPr>
+              <a:t> </a:t>
+            </a:r>
+            <a:r>
+              <a:rPr lang="ko-KR" sz="1800">
+                <a:latin typeface="맑은 고딕" charset="0"/>
+                <a:ea typeface="맑은 고딕" charset="0"/>
+              </a:rPr>
+              <a:t>그런 다음 </a:t>
+            </a:r>
+            <a:r>
+              <a:rPr lang="ko-KR" sz="1800">
+                <a:latin typeface="맑은 고딕" charset="0"/>
+                <a:ea typeface="맑은 고딕" charset="0"/>
+              </a:rPr>
+              <a:t>StoneMonster 오브젝트의 위치와 회전값을 설정합니다.</a:t>
             </a:r>
             <a:endParaRPr lang="ko-KR" altLang="en-US" sz="1800">
               <a:latin typeface="맑은 고딕" charset="0"/>
               <a:ea typeface="맑은 고딕" charset="0"/>
             </a:endParaRPr>
           </a:p>
-          <a:p>
-            <a:pPr marL="0" indent="0" rtl="0" algn="l" defTabSz="914400" eaLnBrk="1" latinLnBrk="0" hangingPunct="1">
-              <a:buFontTx/>
-              <a:buNone/>
-            </a:pPr>
-            <a:endParaRPr lang="ko-KR" altLang="en-US" sz="1800">
-              <a:latin typeface="맑은 고딕" charset="0"/>
-              <a:ea typeface="맑은 고딕" charset="0"/>
-            </a:endParaRPr>
-          </a:p>
-          <a:p>
-            <a:pPr marL="0" indent="0" rtl="0" algn="l" defTabSz="914400" eaLnBrk="1" latinLnBrk="0" hangingPunct="1">
-              <a:buFontTx/>
-              <a:buNone/>
-            </a:pPr>
-            <a:r>
-              <a:rPr sz="1800">
-                <a:latin typeface="맑은 고딕" charset="0"/>
-                <a:ea typeface="맑은 고딕" charset="0"/>
-              </a:rPr>
-              <a:t>짐벌락 현상은 특정 축이 회전했을 때 나머지 두 축이 겹쳐져서 한 축의 역할이 사라지는 현상입니다.</a:t>
-            </a:r>
-            <a:endParaRPr lang="ko-KR" altLang="en-US" sz="1800">
-              <a:latin typeface="맑은 고딕" charset="0"/>
-              <a:ea typeface="맑은 고딕" charset="0"/>
-            </a:endParaRPr>
-          </a:p>
         </p:txBody>
       </p:sp>
       <p:sp>
         <p:nvSpPr>
-          <p:cNvPr id="5" name="텍스트 상자 24"/>
+          <p:cNvPr id="34" name="텍스트 상자 26"/>
           <p:cNvSpPr txBox="1">
             <a:spLocks/>
           </p:cNvSpPr>
@@ -5555,8 +5625,8 @@
         </p:nvSpPr>
         <p:spPr>
           <a:xfrm rot="0">
-            <a:off x="6863715" y="1200785"/>
-            <a:ext cx="4417695" cy="647065"/>
+            <a:off x="1435100" y="5120640"/>
+            <a:ext cx="3924935" cy="954405"/>
           </a:xfrm>
           <a:prstGeom prst="rect"/>
           <a:noFill/>
@@ -5576,11 +5646,52 @@
               <a:buNone/>
             </a:pPr>
             <a:r>
-              <a:rPr sz="1800">
-                <a:latin typeface="맑은 고딕" charset="0"/>
-                <a:ea typeface="맑은 고딕" charset="0"/>
-              </a:rPr>
-              <a:t>짐벌락 현상에 대한 문제 해결하기 위해 회전에 대한 값은 쿼터니언을 사용합니다.</a:t>
+              <a:rPr sz="2000" b="1">
+                <a:solidFill>
+                  <a:srgbClr val="0611F2"/>
+                </a:solidFill>
+                <a:latin typeface="맑은 고딕" charset="0"/>
+                <a:ea typeface="맑은 고딕" charset="0"/>
+              </a:rPr>
+              <a:t>2.</a:t>
+            </a:r>
+            <a:r>
+              <a:rPr lang="ko-KR" sz="2000" b="1">
+                <a:solidFill>
+                  <a:srgbClr val="0611F2"/>
+                </a:solidFill>
+                <a:latin typeface="맑은 고딕" charset="0"/>
+                <a:ea typeface="맑은 고딕" charset="0"/>
+              </a:rPr>
+              <a:t> </a:t>
+            </a:r>
+            <a:r>
+              <a:rPr lang="ko-KR" sz="1800">
+                <a:latin typeface="맑은 고딕" charset="0"/>
+                <a:ea typeface="맑은 고딕" charset="0"/>
+              </a:rPr>
+              <a:t>그</a:t>
+            </a:r>
+            <a:r>
+              <a:rPr lang="ko-KR" sz="1800">
+                <a:latin typeface="맑은 고딕" charset="0"/>
+                <a:ea typeface="맑은 고딕" charset="0"/>
+              </a:rPr>
+              <a:t>리고</a:t>
+            </a:r>
+            <a:r>
+              <a:rPr lang="ko-KR" sz="1800">
+                <a:latin typeface="맑은 고딕" charset="0"/>
+                <a:ea typeface="맑은 고딕" charset="0"/>
+              </a:rPr>
+              <a:t> </a:t>
+            </a:r>
+            <a:r>
+              <a:rPr lang="ko-KR" sz="1800">
+                <a:latin typeface="맑은 고딕" charset="0"/>
+                <a:ea typeface="맑은 고딕" charset="0"/>
+              </a:rPr>
+              <a:t>Project 폴더에서 Model에 StoneMonster 모델을 선택하고 게임 월드 공간에 배치합니다.</a:t>
             </a:r>
             <a:endParaRPr lang="ko-KR" altLang="en-US" sz="1800">
               <a:latin typeface="맑은 고딕" charset="0"/>
@@ -5591,17 +5702,17 @@
       </p:sp>
       <p:pic>
         <p:nvPicPr>
-          <p:cNvPr id="6" name="그림 25"/>
+          <p:cNvPr id="35" name="그림 5"/>
           <p:cNvPicPr>
             <a:picLocks noChangeAspect="1"/>
           </p:cNvPicPr>
           <p:nvPr/>
         </p:nvPicPr>
         <p:blipFill rotWithShape="1">
-          <a:blip r:embed="rId2" cstate="hqprint">
+          <a:blip r:embed="rId24" cstate="print">
             <a:extLst>
               <a:ext uri="{28A0092B-C50C-407E-A947-70E740481C1C}">
-                <a14:useLocalDpi xmlns:a14="http://schemas.microsoft.com/office/drawing/2010/main"/>
+                <a14:useLocalDpi xmlns:a14="http://schemas.microsoft.com/office/drawing/2010/main" val="0"/>
               </a:ext>
             </a:extLst>
           </a:blip>
@@ -5611,8 +5722,8 @@
         </p:blipFill>
         <p:spPr>
           <a:xfrm rot="0">
-            <a:off x="977265" y="2259965"/>
-            <a:ext cx="4407535" cy="1811655"/>
+            <a:off x="1436370" y="1562735"/>
+            <a:ext cx="1099820" cy="756920"/>
           </a:xfrm>
           <a:prstGeom prst="roundRect"/>
           <a:solidFill>
@@ -5622,17 +5733,17 @@
       </p:pic>
       <p:pic>
         <p:nvPicPr>
-          <p:cNvPr id="7" name="그림 26"/>
+          <p:cNvPr id="36" name="그림 8"/>
           <p:cNvPicPr>
             <a:picLocks noChangeAspect="1"/>
           </p:cNvPicPr>
           <p:nvPr/>
         </p:nvPicPr>
         <p:blipFill rotWithShape="1">
-          <a:blip r:embed="rId3" cstate="hqprint">
+          <a:blip r:embed="rId25" cstate="print">
             <a:extLst>
               <a:ext uri="{28A0092B-C50C-407E-A947-70E740481C1C}">
-                <a14:useLocalDpi xmlns:a14="http://schemas.microsoft.com/office/drawing/2010/main"/>
+                <a14:useLocalDpi xmlns:a14="http://schemas.microsoft.com/office/drawing/2010/main" val="0"/>
               </a:ext>
             </a:extLst>
           </a:blip>
@@ -5642,8 +5753,8 @@
         </p:blipFill>
         <p:spPr>
           <a:xfrm rot="0">
-            <a:off x="6903085" y="2106295"/>
-            <a:ext cx="1950720" cy="1576705"/>
+            <a:off x="2693670" y="1296670"/>
+            <a:ext cx="2677160" cy="1280795"/>
           </a:xfrm>
           <a:prstGeom prst="roundRect"/>
           <a:solidFill>
@@ -5653,17 +5764,17 @@
       </p:pic>
       <p:pic>
         <p:nvPicPr>
-          <p:cNvPr id="8" name="그림 27"/>
+          <p:cNvPr id="37" name="그림 11"/>
           <p:cNvPicPr>
             <a:picLocks noChangeAspect="1"/>
           </p:cNvPicPr>
           <p:nvPr/>
         </p:nvPicPr>
         <p:blipFill rotWithShape="1">
-          <a:blip r:embed="rId4" cstate="hqprint">
+          <a:blip r:embed="rId26" cstate="print">
             <a:extLst>
               <a:ext uri="{28A0092B-C50C-407E-A947-70E740481C1C}">
-                <a14:useLocalDpi xmlns:a14="http://schemas.microsoft.com/office/drawing/2010/main"/>
+                <a14:useLocalDpi xmlns:a14="http://schemas.microsoft.com/office/drawing/2010/main" val="0"/>
               </a:ext>
             </a:extLst>
           </a:blip>
@@ -5673,8 +5784,8 @@
         </p:blipFill>
         <p:spPr>
           <a:xfrm rot="0">
-            <a:off x="9319260" y="2094865"/>
-            <a:ext cx="1962150" cy="1588135"/>
+            <a:off x="2976245" y="3851275"/>
+            <a:ext cx="2390140" cy="1136015"/>
           </a:xfrm>
           <a:prstGeom prst="roundRect"/>
           <a:solidFill>
@@ -5682,9 +5793,199 @@
           </a:solidFill>
         </p:spPr>
       </p:pic>
+      <p:pic>
+        <p:nvPicPr>
+          <p:cNvPr id="38" name="그림 15"/>
+          <p:cNvPicPr>
+            <a:picLocks noChangeAspect="1"/>
+          </p:cNvPicPr>
+          <p:nvPr/>
+        </p:nvPicPr>
+        <p:blipFill rotWithShape="1">
+          <a:blip r:embed="rId27" cstate="print">
+            <a:extLst>
+              <a:ext uri="{28A0092B-C50C-407E-A947-70E740481C1C}">
+                <a14:useLocalDpi xmlns:a14="http://schemas.microsoft.com/office/drawing/2010/main" val="0"/>
+              </a:ext>
+            </a:extLst>
+          </a:blip>
+          <a:stretch>
+            <a:fillRect/>
+          </a:stretch>
+        </p:blipFill>
+        <p:spPr>
+          <a:xfrm rot="0">
+            <a:off x="1442720" y="4088765"/>
+            <a:ext cx="1210310" cy="782320"/>
+          </a:xfrm>
+          <a:prstGeom prst="roundRect"/>
+          <a:solidFill>
+            <a:srgbClr val="EDEDED"/>
+          </a:solidFill>
+        </p:spPr>
+      </p:pic>
+      <p:cxnSp>
+        <p:nvCxnSpPr>
+          <p:cNvPr id="39" name="도형 18"/>
+          <p:cNvCxnSpPr/>
+          <p:nvPr/>
+        </p:nvCxnSpPr>
+        <p:spPr>
+          <a:xfrm rot="0" flipH="1">
+            <a:off x="2535555" y="4479925"/>
+            <a:ext cx="557530" cy="224790"/>
+          </a:xfrm>
+          <a:prstGeom prst="straightConnector1"/>
+          <a:ln w="6350" cap="flat" cmpd="sng">
+            <a:prstDash/>
+            <a:headEnd type="none" w="med" len="med"/>
+            <a:tailEnd type="triangle" w="med" len="med"/>
+          </a:ln>
+        </p:spPr>
+        <p:style>
+          <a:lnRef idx="1">
+            <a:schemeClr val="accent1"/>
+          </a:lnRef>
+          <a:fillRef idx="0">
+            <a:schemeClr val="accent1"/>
+          </a:fillRef>
+          <a:effectRef idx="0">
+            <a:schemeClr val="accent1"/>
+          </a:effectRef>
+          <a:fontRef idx="minor">
+            <a:schemeClr val="tx1"/>
+          </a:fontRef>
+        </p:style>
+      </p:cxnSp>
+      <p:pic>
+        <p:nvPicPr>
+          <p:cNvPr id="40" name="그림 19"/>
+          <p:cNvPicPr>
+            <a:picLocks noChangeAspect="1"/>
+          </p:cNvPicPr>
+          <p:nvPr/>
+        </p:nvPicPr>
+        <p:blipFill rotWithShape="1">
+          <a:blip r:embed="rId28" cstate="print">
+            <a:extLst>
+              <a:ext uri="{28A0092B-C50C-407E-A947-70E740481C1C}">
+                <a14:useLocalDpi xmlns:a14="http://schemas.microsoft.com/office/drawing/2010/main" val="0"/>
+              </a:ext>
+            </a:extLst>
+          </a:blip>
+          <a:stretch>
+            <a:fillRect/>
+          </a:stretch>
+        </p:blipFill>
+        <p:spPr>
+          <a:xfrm rot="0">
+            <a:off x="6816725" y="1297305"/>
+            <a:ext cx="4149090" cy="1280160"/>
+          </a:xfrm>
+          <a:prstGeom prst="roundRect"/>
+          <a:solidFill>
+            <a:srgbClr val="EDEDED"/>
+          </a:solidFill>
+        </p:spPr>
+      </p:pic>
+      <p:pic>
+        <p:nvPicPr>
+          <p:cNvPr id="41" name="그림 22"/>
+          <p:cNvPicPr>
+            <a:picLocks noChangeAspect="1"/>
+          </p:cNvPicPr>
+          <p:nvPr/>
+        </p:nvPicPr>
+        <p:blipFill rotWithShape="1">
+          <a:blip r:embed="rId29" cstate="print">
+            <a:extLst>
+              <a:ext uri="{28A0092B-C50C-407E-A947-70E740481C1C}">
+                <a14:useLocalDpi xmlns:a14="http://schemas.microsoft.com/office/drawing/2010/main" val="0"/>
+              </a:ext>
+            </a:extLst>
+          </a:blip>
+          <a:stretch>
+            <a:fillRect/>
+          </a:stretch>
+        </p:blipFill>
+        <p:spPr>
+          <a:xfrm rot="0">
+            <a:off x="6821170" y="3807460"/>
+            <a:ext cx="2432050" cy="1197610"/>
+          </a:xfrm>
+          <a:prstGeom prst="roundRect"/>
+          <a:solidFill>
+            <a:srgbClr val="EDEDED"/>
+          </a:solidFill>
+        </p:spPr>
+      </p:pic>
+      <p:pic>
+        <p:nvPicPr>
+          <p:cNvPr id="42" name="그림 26"/>
+          <p:cNvPicPr>
+            <a:picLocks noChangeAspect="1"/>
+          </p:cNvPicPr>
+          <p:nvPr/>
+        </p:nvPicPr>
+        <p:blipFill rotWithShape="1">
+          <a:blip r:embed="rId30" cstate="print">
+            <a:extLst>
+              <a:ext uri="{28A0092B-C50C-407E-A947-70E740481C1C}">
+                <a14:useLocalDpi xmlns:a14="http://schemas.microsoft.com/office/drawing/2010/main" val="0"/>
+              </a:ext>
+            </a:extLst>
+          </a:blip>
+          <a:stretch>
+            <a:fillRect/>
+          </a:stretch>
+        </p:blipFill>
+        <p:spPr>
+          <a:xfrm rot="0">
+            <a:off x="10166985" y="4014470"/>
+            <a:ext cx="795655" cy="774065"/>
+          </a:xfrm>
+          <a:prstGeom prst="roundRect"/>
+          <a:solidFill>
+            <a:srgbClr val="EDEDED"/>
+          </a:solidFill>
+        </p:spPr>
+      </p:pic>
+      <p:cxnSp>
+        <p:nvCxnSpPr>
+          <p:cNvPr id="43" name="도형 29"/>
+          <p:cNvCxnSpPr/>
+          <p:nvPr/>
+        </p:nvCxnSpPr>
+        <p:spPr>
+          <a:xfrm rot="0" flipH="1">
+            <a:off x="8961755" y="4401185"/>
+            <a:ext cx="1205865" cy="346075"/>
+          </a:xfrm>
+          <a:prstGeom prst="straightConnector1"/>
+          <a:ln w="6350" cap="flat" cmpd="sng">
+            <a:prstDash/>
+            <a:headEnd type="none" w="med" len="med"/>
+            <a:tailEnd type="triangle" w="med" len="med"/>
+          </a:ln>
+        </p:spPr>
+        <p:style>
+          <a:lnRef idx="1">
+            <a:schemeClr val="accent1"/>
+          </a:lnRef>
+          <a:fillRef idx="0">
+            <a:schemeClr val="accent1"/>
+          </a:fillRef>
+          <a:effectRef idx="0">
+            <a:schemeClr val="accent1"/>
+          </a:effectRef>
+          <a:fontRef idx="minor">
+            <a:schemeClr val="tx1"/>
+          </a:fontRef>
+        </p:style>
+      </p:cxnSp>
       <p:sp>
         <p:nvSpPr>
-          <p:cNvPr id="9" name="텍스트 상자 28"/>
+          <p:cNvPr id="44" name="텍스트 상자 30"/>
           <p:cNvSpPr txBox="1">
             <a:spLocks/>
           </p:cNvSpPr>
@@ -5692,8 +5993,8 @@
         </p:nvSpPr>
         <p:spPr>
           <a:xfrm rot="0">
-            <a:off x="6866890" y="3959860"/>
-            <a:ext cx="4422775" cy="2031365"/>
+            <a:off x="6813550" y="5131435"/>
+            <a:ext cx="4160520" cy="954405"/>
           </a:xfrm>
           <a:prstGeom prst="rect"/>
           <a:noFill/>
@@ -5713,62 +6014,62 @@
               <a:buNone/>
             </a:pPr>
             <a:r>
-              <a:rPr sz="1800">
-                <a:latin typeface="맑은 고딕" charset="0"/>
-                <a:ea typeface="맑은 고딕" charset="0"/>
-              </a:rPr>
-              <a:t>쿼터니언은 3개의 축을 동시에 회전시킬 수 있</a:t>
+              <a:rPr lang="ko-KR" sz="2000" b="1">
+                <a:solidFill>
+                  <a:srgbClr val="0611F2"/>
+                </a:solidFill>
+                <a:latin typeface="맑은 고딕" charset="0"/>
+                <a:ea typeface="맑은 고딕" charset="0"/>
+              </a:rPr>
+              <a:t>4</a:t>
+            </a:r>
+            <a:r>
+              <a:rPr sz="2000" b="1">
+                <a:solidFill>
+                  <a:srgbClr val="0611F2"/>
+                </a:solidFill>
+                <a:latin typeface="맑은 고딕" charset="0"/>
+                <a:ea typeface="맑은 고딕" charset="0"/>
+              </a:rPr>
+              <a:t>.</a:t>
+            </a:r>
+            <a:r>
+              <a:rPr lang="ko-KR" sz="2000" b="1">
+                <a:solidFill>
+                  <a:srgbClr val="0611F2"/>
+                </a:solidFill>
+                <a:latin typeface="맑은 고딕" charset="0"/>
+                <a:ea typeface="맑은 고딕" charset="0"/>
+              </a:rPr>
+              <a:t> </a:t>
             </a:r>
             <a:r>
               <a:rPr lang="ko-KR" sz="1800">
                 <a:latin typeface="맑은 고딕" charset="0"/>
                 <a:ea typeface="맑은 고딕" charset="0"/>
               </a:rPr>
-              <a:t>어 짐벌락에 대한 문제점을 해결할 수 있습니다.</a:t>
-            </a:r>
-            <a:endParaRPr lang="ko-KR" altLang="en-US" sz="1800">
-              <a:latin typeface="맑은 고딕" charset="0"/>
-              <a:ea typeface="맑은 고딕" charset="0"/>
-            </a:endParaRPr>
-          </a:p>
-          <a:p>
-            <a:pPr marL="0" indent="0" rtl="0" algn="l" defTabSz="914400" eaLnBrk="1" latinLnBrk="0" hangingPunct="1">
-              <a:buFontTx/>
-              <a:buNone/>
-            </a:pPr>
-            <a:endParaRPr lang="ko-KR" altLang="en-US" sz="1800">
-              <a:latin typeface="맑은 고딕" charset="0"/>
-              <a:ea typeface="맑은 고딕" charset="0"/>
-            </a:endParaRPr>
-          </a:p>
-          <a:p>
-            <a:pPr marL="0" indent="0" rtl="0" algn="l" defTabSz="914400" eaLnBrk="1" latinLnBrk="0" hangingPunct="1">
-              <a:buFontTx/>
-              <a:buNone/>
-            </a:pPr>
-            <a:r>
-              <a:rPr sz="1800">
-                <a:latin typeface="맑은 고딕" charset="0"/>
-                <a:ea typeface="맑은 고딕" charset="0"/>
-              </a:rPr>
-              <a:t>하지만, 하나의 방향에서 다른 방향으로 측정되기에 180</a:t>
-            </a:r>
-            <a:r>
-              <a:rPr sz="1800" i="0" b="0">
-                <a:solidFill>
-                  <a:srgbClr val="202124"/>
-                </a:solidFill>
-                <a:latin typeface="맑은 고딕" charset="0"/>
-                <a:ea typeface="맑은 고딕" charset="0"/>
-              </a:rPr>
-              <a:t>°</a:t>
-            </a:r>
-            <a:r>
-              <a:rPr sz="1800">
-                <a:latin typeface="맑은 고딕" charset="0"/>
-                <a:ea typeface="맑은 고딕" charset="0"/>
-              </a:rPr>
-              <a:t>보다 큰 회전은 표현할 수 없습니다.</a:t>
+              <a:t>그</a:t>
+            </a:r>
+            <a:r>
+              <a:rPr lang="ko-KR" sz="1800">
+                <a:latin typeface="맑은 고딕" charset="0"/>
+                <a:ea typeface="맑은 고딕" charset="0"/>
+              </a:rPr>
+              <a:t>다음</a:t>
+            </a:r>
+            <a:r>
+              <a:rPr lang="ko-KR" sz="1800">
+                <a:latin typeface="맑은 고딕" charset="0"/>
+                <a:ea typeface="맑은 고딕" charset="0"/>
+              </a:rPr>
+              <a:t> </a:t>
+            </a:r>
+            <a:r>
+              <a:rPr lang="ko-KR" sz="1800">
+                <a:latin typeface="맑은 고딕" charset="0"/>
+                <a:ea typeface="맑은 고딕" charset="0"/>
+              </a:rPr>
+              <a:t>Observe라는 스크립트를 생성하고 StoneMonster 오브젝트에 넣어줍니다.</a:t>
             </a:r>
             <a:endParaRPr lang="ko-KR" altLang="en-US" sz="1800">
               <a:latin typeface="맑은 고딕" charset="0"/>
@@ -7130,7 +7431,7 @@
       </p:grpSpPr>
       <p:sp>
         <p:nvSpPr>
-          <p:cNvPr id="2" name="텍스트 상자 1"/>
+          <p:cNvPr id="2" name="텍스트 상자 21"/>
           <p:cNvSpPr txBox="1">
             <a:spLocks/>
           </p:cNvSpPr>
@@ -7138,8 +7439,8 @@
         </p:nvSpPr>
         <p:spPr>
           <a:xfrm rot="0">
-            <a:off x="4519295" y="386715"/>
-            <a:ext cx="3146425" cy="554990"/>
+            <a:off x="5226685" y="421005"/>
+            <a:ext cx="1744345" cy="555625"/>
           </a:xfrm>
           <a:prstGeom prst="rect"/>
           <a:noFill/>
@@ -7149,7 +7450,7 @@
           </a:ln>
         </p:spPr>
         <p:txBody>
-          <a:bodyPr wrap="square" lIns="89535" tIns="46355" rIns="89535" bIns="46355" numCol="1" vert="horz" anchor="t">
+          <a:bodyPr wrap="square" lIns="89535" tIns="46355" rIns="89535" bIns="46355" vert="horz" anchor="t">
             <a:spAutoFit/>
           </a:bodyPr>
           <a:lstStyle/>
@@ -7159,54 +7460,14 @@
               <a:buNone/>
             </a:pPr>
             <a:r>
-              <a:rPr lang="ko-KR" sz="3000" b="1">
+              <a:rPr sz="3000" b="1">
                 <a:solidFill>
                   <a:schemeClr val="tx1"/>
                 </a:solidFill>
                 <a:latin typeface="맑은 고딕" charset="0"/>
                 <a:ea typeface="맑은 고딕" charset="0"/>
               </a:rPr>
-              <a:t>첫</a:t>
-            </a:r>
-            <a:r>
-              <a:rPr lang="ko-KR" sz="3000" b="1">
-                <a:solidFill>
-                  <a:schemeClr val="tx1"/>
-                </a:solidFill>
-                <a:latin typeface="맑은 고딕" charset="0"/>
-                <a:ea typeface="맑은 고딕" charset="0"/>
-              </a:rPr>
-              <a:t> </a:t>
-            </a:r>
-            <a:r>
-              <a:rPr lang="ko-KR" sz="3000" b="1">
-                <a:solidFill>
-                  <a:schemeClr val="tx1"/>
-                </a:solidFill>
-                <a:latin typeface="맑은 고딕" charset="0"/>
-                <a:ea typeface="맑은 고딕" charset="0"/>
-              </a:rPr>
-              <a:t>번째</a:t>
-            </a:r>
-            <a:r>
-              <a:rPr lang="ko-KR" sz="3000" b="1">
-                <a:solidFill>
-                  <a:schemeClr val="tx1"/>
-                </a:solidFill>
-                <a:latin typeface="맑은 고딕" charset="0"/>
-                <a:ea typeface="맑은 고딕" charset="0"/>
-              </a:rPr>
-              <a:t> </a:t>
-            </a:r>
-            <a:r>
-              <a:rPr lang="ko-KR" sz="3000" b="1">
-                <a:solidFill>
-                  <a:schemeClr val="tx1"/>
-                </a:solidFill>
-                <a:latin typeface="맑은 고딕" charset="0"/>
-                <a:ea typeface="맑은 고딕" charset="0"/>
-              </a:rPr>
-              <a:t>튜토리얼</a:t>
+              <a:t>Rotation</a:t>
             </a:r>
             <a:endParaRPr lang="ko-KR" altLang="en-US" sz="3000" b="1">
               <a:solidFill>
@@ -7220,7 +7481,7 @@
       </p:sp>
       <p:sp>
         <p:nvSpPr>
-          <p:cNvPr id="10" name="텍스트 상자 13"/>
+          <p:cNvPr id="3" name="텍스트 상자 22"/>
           <p:cNvSpPr txBox="1">
             <a:spLocks/>
           </p:cNvSpPr>
@@ -7228,8 +7489,8 @@
         </p:nvSpPr>
         <p:spPr>
           <a:xfrm rot="0">
-            <a:off x="1438275" y="2687955"/>
-            <a:ext cx="3924935" cy="955040"/>
+            <a:off x="984250" y="1197610"/>
+            <a:ext cx="4404995" cy="924560"/>
           </a:xfrm>
           <a:prstGeom prst="rect"/>
           <a:noFill/>
@@ -7239,7 +7500,7 @@
           </a:ln>
         </p:spPr>
         <p:txBody>
-          <a:bodyPr wrap="square" lIns="89535" tIns="46355" rIns="89535" bIns="46355" numCol="1" vert="horz" anchor="t">
+          <a:bodyPr wrap="square" lIns="89535" tIns="46355" rIns="89535" bIns="46355" vert="horz" anchor="t">
             <a:spAutoFit/>
           </a:bodyPr>
           <a:lstStyle/>
@@ -7249,31 +7510,11 @@
               <a:buNone/>
             </a:pPr>
             <a:r>
-              <a:rPr sz="2000" b="1">
-                <a:solidFill>
-                  <a:srgbClr val="0611F2"/>
-                </a:solidFill>
-                <a:latin typeface="맑은 고딕" charset="0"/>
-                <a:ea typeface="맑은 고딕" charset="0"/>
-              </a:rPr>
-              <a:t>1.</a:t>
-            </a:r>
-            <a:r>
-              <a:rPr lang="ko-KR" sz="2000" b="1">
-                <a:solidFill>
-                  <a:srgbClr val="0611F2"/>
-                </a:solidFill>
-                <a:latin typeface="맑은 고딕" charset="0"/>
-                <a:ea typeface="맑은 고딕" charset="0"/>
-              </a:rPr>
-              <a:t> </a:t>
-            </a:r>
-            <a:r>
-              <a:rPr lang="ko-KR" sz="1800">
-                <a:latin typeface="맑은 고딕" charset="0"/>
-                <a:ea typeface="맑은 고딕" charset="0"/>
-              </a:rPr>
-              <a:t>첫 번째로 Main Camera를 선택하고 위치와 회전 값을 설정합니다.</a:t>
+              <a:rPr sz="1800">
+                <a:latin typeface="맑은 고딕" charset="0"/>
+                <a:ea typeface="맑은 고딕" charset="0"/>
+              </a:rPr>
+              <a:t>유니티는 오일러 각을 이용하여 회전을 직관적으로 조작할 수 있도록 인스펙터 뷰에서 표시하고 있습니다. </a:t>
             </a:r>
             <a:endParaRPr lang="ko-KR" altLang="en-US" sz="1800">
               <a:latin typeface="맑은 고딕" charset="0"/>
@@ -7284,7 +7525,7 @@
       </p:sp>
       <p:sp>
         <p:nvSpPr>
-          <p:cNvPr id="20" name="텍스트 상자 18"/>
+          <p:cNvPr id="4" name="텍스트 상자 23"/>
           <p:cNvSpPr txBox="1">
             <a:spLocks/>
           </p:cNvSpPr>
@@ -7292,8 +7533,8 @@
         </p:nvSpPr>
         <p:spPr>
           <a:xfrm rot="0">
-            <a:off x="6816725" y="2673985"/>
-            <a:ext cx="4149090" cy="954405"/>
+            <a:off x="981710" y="4239260"/>
+            <a:ext cx="4406900" cy="1755775"/>
           </a:xfrm>
           <a:prstGeom prst="rect"/>
           <a:noFill/>
@@ -7313,59 +7554,49 @@
               <a:buNone/>
             </a:pPr>
             <a:r>
-              <a:rPr lang="ko-KR" sz="2000" b="1">
-                <a:solidFill>
-                  <a:srgbClr val="0611F2"/>
-                </a:solidFill>
-                <a:latin typeface="맑은 고딕" charset="0"/>
-                <a:ea typeface="맑은 고딕" charset="0"/>
-              </a:rPr>
-              <a:t>3</a:t>
-            </a:r>
-            <a:r>
-              <a:rPr sz="2000" b="1">
-                <a:solidFill>
-                  <a:srgbClr val="0611F2"/>
-                </a:solidFill>
-                <a:latin typeface="맑은 고딕" charset="0"/>
-                <a:ea typeface="맑은 고딕" charset="0"/>
-              </a:rPr>
-              <a:t>.</a:t>
-            </a:r>
-            <a:r>
-              <a:rPr lang="ko-KR" sz="2000" b="1">
-                <a:solidFill>
-                  <a:srgbClr val="0611F2"/>
-                </a:solidFill>
-                <a:latin typeface="맑은 고딕" charset="0"/>
-                <a:ea typeface="맑은 고딕" charset="0"/>
-              </a:rPr>
-              <a:t> </a:t>
-            </a:r>
-            <a:r>
-              <a:rPr lang="ko-KR" sz="1800">
-                <a:latin typeface="맑은 고딕" charset="0"/>
-                <a:ea typeface="맑은 고딕" charset="0"/>
-              </a:rPr>
-              <a:t>그런 다음 </a:t>
-            </a:r>
-            <a:r>
-              <a:rPr lang="ko-KR" sz="1800">
-                <a:latin typeface="맑은 고딕" charset="0"/>
-                <a:ea typeface="맑은 고딕" charset="0"/>
-              </a:rPr>
-              <a:t>StoneMonster 오브젝트의 위치와 회전값을 설정합니다.</a:t>
+              <a:rPr sz="1800">
+                <a:latin typeface="맑은 고딕" charset="0"/>
+                <a:ea typeface="맑은 고딕" charset="0"/>
+              </a:rPr>
+              <a:t>하지만, 오일러 각으로 회전시키게 되면 짐벌락 현상이 발생할 수 있습니다.</a:t>
             </a:r>
             <a:endParaRPr lang="ko-KR" altLang="en-US" sz="1800">
               <a:latin typeface="맑은 고딕" charset="0"/>
               <a:ea typeface="맑은 고딕" charset="0"/>
             </a:endParaRPr>
           </a:p>
+          <a:p>
+            <a:pPr marL="0" indent="0" rtl="0" algn="l" defTabSz="914400" eaLnBrk="1" latinLnBrk="0" hangingPunct="1">
+              <a:buFontTx/>
+              <a:buNone/>
+            </a:pPr>
+            <a:endParaRPr lang="ko-KR" altLang="en-US" sz="1800">
+              <a:latin typeface="맑은 고딕" charset="0"/>
+              <a:ea typeface="맑은 고딕" charset="0"/>
+            </a:endParaRPr>
+          </a:p>
+          <a:p>
+            <a:pPr marL="0" indent="0" rtl="0" algn="l" defTabSz="914400" eaLnBrk="1" latinLnBrk="0" hangingPunct="1">
+              <a:buFontTx/>
+              <a:buNone/>
+            </a:pPr>
+            <a:r>
+              <a:rPr sz="1800">
+                <a:latin typeface="맑은 고딕" charset="0"/>
+                <a:ea typeface="맑은 고딕" charset="0"/>
+              </a:rPr>
+              <a:t>짐벌락 현상은 특정 축이 회전했을 때 나머지 두 축이 겹쳐져서 한 축의 역할이 사라지는 현상입니다.</a:t>
+            </a:r>
+            <a:endParaRPr lang="ko-KR" altLang="en-US" sz="1800">
+              <a:latin typeface="맑은 고딕" charset="0"/>
+              <a:ea typeface="맑은 고딕" charset="0"/>
+            </a:endParaRPr>
+          </a:p>
         </p:txBody>
       </p:sp>
       <p:sp>
         <p:nvSpPr>
-          <p:cNvPr id="34" name="텍스트 상자 26"/>
+          <p:cNvPr id="5" name="텍스트 상자 24"/>
           <p:cNvSpPr txBox="1">
             <a:spLocks/>
           </p:cNvSpPr>
@@ -7373,8 +7604,8 @@
         </p:nvSpPr>
         <p:spPr>
           <a:xfrm rot="0">
-            <a:off x="1435100" y="5120640"/>
-            <a:ext cx="3924935" cy="954405"/>
+            <a:off x="6863715" y="1200785"/>
+            <a:ext cx="4417695" cy="647065"/>
           </a:xfrm>
           <a:prstGeom prst="rect"/>
           <a:noFill/>
@@ -7394,52 +7625,11 @@
               <a:buNone/>
             </a:pPr>
             <a:r>
-              <a:rPr sz="2000" b="1">
-                <a:solidFill>
-                  <a:srgbClr val="0611F2"/>
-                </a:solidFill>
-                <a:latin typeface="맑은 고딕" charset="0"/>
-                <a:ea typeface="맑은 고딕" charset="0"/>
-              </a:rPr>
-              <a:t>2.</a:t>
-            </a:r>
-            <a:r>
-              <a:rPr lang="ko-KR" sz="2000" b="1">
-                <a:solidFill>
-                  <a:srgbClr val="0611F2"/>
-                </a:solidFill>
-                <a:latin typeface="맑은 고딕" charset="0"/>
-                <a:ea typeface="맑은 고딕" charset="0"/>
-              </a:rPr>
-              <a:t> </a:t>
-            </a:r>
-            <a:r>
-              <a:rPr lang="ko-KR" sz="1800">
-                <a:latin typeface="맑은 고딕" charset="0"/>
-                <a:ea typeface="맑은 고딕" charset="0"/>
-              </a:rPr>
-              <a:t>그</a:t>
-            </a:r>
-            <a:r>
-              <a:rPr lang="ko-KR" sz="1800">
-                <a:latin typeface="맑은 고딕" charset="0"/>
-                <a:ea typeface="맑은 고딕" charset="0"/>
-              </a:rPr>
-              <a:t>리고</a:t>
-            </a:r>
-            <a:r>
-              <a:rPr lang="ko-KR" sz="1800">
-                <a:latin typeface="맑은 고딕" charset="0"/>
-                <a:ea typeface="맑은 고딕" charset="0"/>
-              </a:rPr>
-              <a:t> </a:t>
-            </a:r>
-            <a:r>
-              <a:rPr lang="ko-KR" sz="1800">
-                <a:latin typeface="맑은 고딕" charset="0"/>
-                <a:ea typeface="맑은 고딕" charset="0"/>
-              </a:rPr>
-              <a:t>Project 폴더에서 Model에 StoneMonster 모델을 선택하고 게임 월드 공간에 배치합니다.</a:t>
+              <a:rPr sz="1800">
+                <a:latin typeface="맑은 고딕" charset="0"/>
+                <a:ea typeface="맑은 고딕" charset="0"/>
+              </a:rPr>
+              <a:t>짐벌락 현상에 대한 문제 해결하기 위해 회전에 대한 값은 쿼터니언을 사용합니다.</a:t>
             </a:r>
             <a:endParaRPr lang="ko-KR" altLang="en-US" sz="1800">
               <a:latin typeface="맑은 고딕" charset="0"/>
@@ -7450,17 +7640,17 @@
       </p:sp>
       <p:pic>
         <p:nvPicPr>
-          <p:cNvPr id="35" name="그림 5"/>
+          <p:cNvPr id="6" name="그림 25"/>
           <p:cNvPicPr>
             <a:picLocks noChangeAspect="1"/>
           </p:cNvPicPr>
           <p:nvPr/>
         </p:nvPicPr>
         <p:blipFill rotWithShape="1">
-          <a:blip r:embed="rId24" cstate="print">
+          <a:blip r:embed="rId2" cstate="hqprint">
             <a:extLst>
               <a:ext uri="{28A0092B-C50C-407E-A947-70E740481C1C}">
-                <a14:useLocalDpi xmlns:a14="http://schemas.microsoft.com/office/drawing/2010/main" val="0"/>
+                <a14:useLocalDpi xmlns:a14="http://schemas.microsoft.com/office/drawing/2010/main"/>
               </a:ext>
             </a:extLst>
           </a:blip>
@@ -7470,8 +7660,8 @@
         </p:blipFill>
         <p:spPr>
           <a:xfrm rot="0">
-            <a:off x="1436370" y="1562735"/>
-            <a:ext cx="1099820" cy="756920"/>
+            <a:off x="977265" y="2259965"/>
+            <a:ext cx="4407535" cy="1811655"/>
           </a:xfrm>
           <a:prstGeom prst="roundRect"/>
           <a:solidFill>
@@ -7481,17 +7671,17 @@
       </p:pic>
       <p:pic>
         <p:nvPicPr>
-          <p:cNvPr id="36" name="그림 8"/>
+          <p:cNvPr id="7" name="그림 26"/>
           <p:cNvPicPr>
             <a:picLocks noChangeAspect="1"/>
           </p:cNvPicPr>
           <p:nvPr/>
         </p:nvPicPr>
         <p:blipFill rotWithShape="1">
-          <a:blip r:embed="rId25" cstate="print">
+          <a:blip r:embed="rId3" cstate="hqprint">
             <a:extLst>
               <a:ext uri="{28A0092B-C50C-407E-A947-70E740481C1C}">
-                <a14:useLocalDpi xmlns:a14="http://schemas.microsoft.com/office/drawing/2010/main" val="0"/>
+                <a14:useLocalDpi xmlns:a14="http://schemas.microsoft.com/office/drawing/2010/main"/>
               </a:ext>
             </a:extLst>
           </a:blip>
@@ -7501,8 +7691,8 @@
         </p:blipFill>
         <p:spPr>
           <a:xfrm rot="0">
-            <a:off x="2693670" y="1296670"/>
-            <a:ext cx="2677160" cy="1280795"/>
+            <a:off x="6903085" y="2106295"/>
+            <a:ext cx="1950720" cy="1576705"/>
           </a:xfrm>
           <a:prstGeom prst="roundRect"/>
           <a:solidFill>
@@ -7512,17 +7702,17 @@
       </p:pic>
       <p:pic>
         <p:nvPicPr>
-          <p:cNvPr id="37" name="그림 11"/>
+          <p:cNvPr id="8" name="그림 27"/>
           <p:cNvPicPr>
             <a:picLocks noChangeAspect="1"/>
           </p:cNvPicPr>
           <p:nvPr/>
         </p:nvPicPr>
         <p:blipFill rotWithShape="1">
-          <a:blip r:embed="rId26" cstate="print">
+          <a:blip r:embed="rId4" cstate="hqprint">
             <a:extLst>
               <a:ext uri="{28A0092B-C50C-407E-A947-70E740481C1C}">
-                <a14:useLocalDpi xmlns:a14="http://schemas.microsoft.com/office/drawing/2010/main" val="0"/>
+                <a14:useLocalDpi xmlns:a14="http://schemas.microsoft.com/office/drawing/2010/main"/>
               </a:ext>
             </a:extLst>
           </a:blip>
@@ -7532,8 +7722,8 @@
         </p:blipFill>
         <p:spPr>
           <a:xfrm rot="0">
-            <a:off x="2976245" y="3851275"/>
-            <a:ext cx="2390140" cy="1136015"/>
+            <a:off x="9319260" y="2094865"/>
+            <a:ext cx="1962150" cy="1588135"/>
           </a:xfrm>
           <a:prstGeom prst="roundRect"/>
           <a:solidFill>
@@ -7541,199 +7731,9 @@
           </a:solidFill>
         </p:spPr>
       </p:pic>
-      <p:pic>
-        <p:nvPicPr>
-          <p:cNvPr id="38" name="그림 15"/>
-          <p:cNvPicPr>
-            <a:picLocks noChangeAspect="1"/>
-          </p:cNvPicPr>
-          <p:nvPr/>
-        </p:nvPicPr>
-        <p:blipFill rotWithShape="1">
-          <a:blip r:embed="rId27" cstate="print">
-            <a:extLst>
-              <a:ext uri="{28A0092B-C50C-407E-A947-70E740481C1C}">
-                <a14:useLocalDpi xmlns:a14="http://schemas.microsoft.com/office/drawing/2010/main" val="0"/>
-              </a:ext>
-            </a:extLst>
-          </a:blip>
-          <a:stretch>
-            <a:fillRect/>
-          </a:stretch>
-        </p:blipFill>
-        <p:spPr>
-          <a:xfrm rot="0">
-            <a:off x="1442720" y="4088765"/>
-            <a:ext cx="1210310" cy="782320"/>
-          </a:xfrm>
-          <a:prstGeom prst="roundRect"/>
-          <a:solidFill>
-            <a:srgbClr val="EDEDED"/>
-          </a:solidFill>
-        </p:spPr>
-      </p:pic>
-      <p:cxnSp>
-        <p:nvCxnSpPr>
-          <p:cNvPr id="39" name="도형 18"/>
-          <p:cNvCxnSpPr/>
-          <p:nvPr/>
-        </p:nvCxnSpPr>
-        <p:spPr>
-          <a:xfrm rot="0" flipH="1">
-            <a:off x="2535555" y="4479925"/>
-            <a:ext cx="557530" cy="224790"/>
-          </a:xfrm>
-          <a:prstGeom prst="straightConnector1"/>
-          <a:ln w="6350" cap="flat" cmpd="sng">
-            <a:prstDash/>
-            <a:headEnd type="none" w="med" len="med"/>
-            <a:tailEnd type="triangle" w="med" len="med"/>
-          </a:ln>
-        </p:spPr>
-        <p:style>
-          <a:lnRef idx="1">
-            <a:schemeClr val="accent1"/>
-          </a:lnRef>
-          <a:fillRef idx="0">
-            <a:schemeClr val="accent1"/>
-          </a:fillRef>
-          <a:effectRef idx="0">
-            <a:schemeClr val="accent1"/>
-          </a:effectRef>
-          <a:fontRef idx="minor">
-            <a:schemeClr val="tx1"/>
-          </a:fontRef>
-        </p:style>
-      </p:cxnSp>
-      <p:pic>
-        <p:nvPicPr>
-          <p:cNvPr id="40" name="그림 19"/>
-          <p:cNvPicPr>
-            <a:picLocks noChangeAspect="1"/>
-          </p:cNvPicPr>
-          <p:nvPr/>
-        </p:nvPicPr>
-        <p:blipFill rotWithShape="1">
-          <a:blip r:embed="rId28" cstate="print">
-            <a:extLst>
-              <a:ext uri="{28A0092B-C50C-407E-A947-70E740481C1C}">
-                <a14:useLocalDpi xmlns:a14="http://schemas.microsoft.com/office/drawing/2010/main" val="0"/>
-              </a:ext>
-            </a:extLst>
-          </a:blip>
-          <a:stretch>
-            <a:fillRect/>
-          </a:stretch>
-        </p:blipFill>
-        <p:spPr>
-          <a:xfrm rot="0">
-            <a:off x="6816725" y="1297305"/>
-            <a:ext cx="4149090" cy="1280160"/>
-          </a:xfrm>
-          <a:prstGeom prst="roundRect"/>
-          <a:solidFill>
-            <a:srgbClr val="EDEDED"/>
-          </a:solidFill>
-        </p:spPr>
-      </p:pic>
-      <p:pic>
-        <p:nvPicPr>
-          <p:cNvPr id="41" name="그림 22"/>
-          <p:cNvPicPr>
-            <a:picLocks noChangeAspect="1"/>
-          </p:cNvPicPr>
-          <p:nvPr/>
-        </p:nvPicPr>
-        <p:blipFill rotWithShape="1">
-          <a:blip r:embed="rId29" cstate="print">
-            <a:extLst>
-              <a:ext uri="{28A0092B-C50C-407E-A947-70E740481C1C}">
-                <a14:useLocalDpi xmlns:a14="http://schemas.microsoft.com/office/drawing/2010/main" val="0"/>
-              </a:ext>
-            </a:extLst>
-          </a:blip>
-          <a:stretch>
-            <a:fillRect/>
-          </a:stretch>
-        </p:blipFill>
-        <p:spPr>
-          <a:xfrm rot="0">
-            <a:off x="6821170" y="3807460"/>
-            <a:ext cx="2432050" cy="1197610"/>
-          </a:xfrm>
-          <a:prstGeom prst="roundRect"/>
-          <a:solidFill>
-            <a:srgbClr val="EDEDED"/>
-          </a:solidFill>
-        </p:spPr>
-      </p:pic>
-      <p:pic>
-        <p:nvPicPr>
-          <p:cNvPr id="42" name="그림 26"/>
-          <p:cNvPicPr>
-            <a:picLocks noChangeAspect="1"/>
-          </p:cNvPicPr>
-          <p:nvPr/>
-        </p:nvPicPr>
-        <p:blipFill rotWithShape="1">
-          <a:blip r:embed="rId30" cstate="print">
-            <a:extLst>
-              <a:ext uri="{28A0092B-C50C-407E-A947-70E740481C1C}">
-                <a14:useLocalDpi xmlns:a14="http://schemas.microsoft.com/office/drawing/2010/main" val="0"/>
-              </a:ext>
-            </a:extLst>
-          </a:blip>
-          <a:stretch>
-            <a:fillRect/>
-          </a:stretch>
-        </p:blipFill>
-        <p:spPr>
-          <a:xfrm rot="0">
-            <a:off x="10166985" y="4014470"/>
-            <a:ext cx="795655" cy="774065"/>
-          </a:xfrm>
-          <a:prstGeom prst="roundRect"/>
-          <a:solidFill>
-            <a:srgbClr val="EDEDED"/>
-          </a:solidFill>
-        </p:spPr>
-      </p:pic>
-      <p:cxnSp>
-        <p:nvCxnSpPr>
-          <p:cNvPr id="43" name="도형 29"/>
-          <p:cNvCxnSpPr/>
-          <p:nvPr/>
-        </p:nvCxnSpPr>
-        <p:spPr>
-          <a:xfrm rot="0" flipH="1">
-            <a:off x="8961755" y="4401185"/>
-            <a:ext cx="1205865" cy="346075"/>
-          </a:xfrm>
-          <a:prstGeom prst="straightConnector1"/>
-          <a:ln w="6350" cap="flat" cmpd="sng">
-            <a:prstDash/>
-            <a:headEnd type="none" w="med" len="med"/>
-            <a:tailEnd type="triangle" w="med" len="med"/>
-          </a:ln>
-        </p:spPr>
-        <p:style>
-          <a:lnRef idx="1">
-            <a:schemeClr val="accent1"/>
-          </a:lnRef>
-          <a:fillRef idx="0">
-            <a:schemeClr val="accent1"/>
-          </a:fillRef>
-          <a:effectRef idx="0">
-            <a:schemeClr val="accent1"/>
-          </a:effectRef>
-          <a:fontRef idx="minor">
-            <a:schemeClr val="tx1"/>
-          </a:fontRef>
-        </p:style>
-      </p:cxnSp>
       <p:sp>
         <p:nvSpPr>
-          <p:cNvPr id="44" name="텍스트 상자 30"/>
+          <p:cNvPr id="9" name="텍스트 상자 28"/>
           <p:cNvSpPr txBox="1">
             <a:spLocks/>
           </p:cNvSpPr>
@@ -7741,8 +7741,8 @@
         </p:nvSpPr>
         <p:spPr>
           <a:xfrm rot="0">
-            <a:off x="6813550" y="5131435"/>
-            <a:ext cx="4160520" cy="954405"/>
+            <a:off x="6866890" y="3959860"/>
+            <a:ext cx="4422775" cy="2031365"/>
           </a:xfrm>
           <a:prstGeom prst="rect"/>
           <a:noFill/>
@@ -7762,62 +7762,62 @@
               <a:buNone/>
             </a:pPr>
             <a:r>
-              <a:rPr lang="ko-KR" sz="2000" b="1">
+              <a:rPr sz="1800">
+                <a:latin typeface="맑은 고딕" charset="0"/>
+                <a:ea typeface="맑은 고딕" charset="0"/>
+              </a:rPr>
+              <a:t>쿼터니언은 3개의 축을 동시에 회전시킬 수 있</a:t>
+            </a:r>
+            <a:r>
+              <a:rPr lang="ko-KR" sz="1800">
+                <a:latin typeface="맑은 고딕" charset="0"/>
+                <a:ea typeface="맑은 고딕" charset="0"/>
+              </a:rPr>
+              <a:t>어 짐벌락에 대한 문제점을 해결할 수 있습니다.</a:t>
+            </a:r>
+            <a:endParaRPr lang="ko-KR" altLang="en-US" sz="1800">
+              <a:latin typeface="맑은 고딕" charset="0"/>
+              <a:ea typeface="맑은 고딕" charset="0"/>
+            </a:endParaRPr>
+          </a:p>
+          <a:p>
+            <a:pPr marL="0" indent="0" rtl="0" algn="l" defTabSz="914400" eaLnBrk="1" latinLnBrk="0" hangingPunct="1">
+              <a:buFontTx/>
+              <a:buNone/>
+            </a:pPr>
+            <a:endParaRPr lang="ko-KR" altLang="en-US" sz="1800">
+              <a:latin typeface="맑은 고딕" charset="0"/>
+              <a:ea typeface="맑은 고딕" charset="0"/>
+            </a:endParaRPr>
+          </a:p>
+          <a:p>
+            <a:pPr marL="0" indent="0" rtl="0" algn="l" defTabSz="914400" eaLnBrk="1" latinLnBrk="0" hangingPunct="1">
+              <a:buFontTx/>
+              <a:buNone/>
+            </a:pPr>
+            <a:r>
+              <a:rPr sz="1800">
+                <a:latin typeface="맑은 고딕" charset="0"/>
+                <a:ea typeface="맑은 고딕" charset="0"/>
+              </a:rPr>
+              <a:t>하지만, 하나의 방향에서 다른 방향으로 측정되기에 180</a:t>
+            </a:r>
+            <a:r>
+              <a:rPr sz="1800" i="0" b="0">
                 <a:solidFill>
-                  <a:srgbClr val="0611F2"/>
+                  <a:srgbClr val="202124"/>
                 </a:solidFill>
                 <a:latin typeface="맑은 고딕" charset="0"/>
                 <a:ea typeface="맑은 고딕" charset="0"/>
               </a:rPr>
-              <a:t>4</a:t>
-            </a:r>
-            <a:r>
-              <a:rPr sz="2000" b="1">
-                <a:solidFill>
-                  <a:srgbClr val="0611F2"/>
-                </a:solidFill>
-                <a:latin typeface="맑은 고딕" charset="0"/>
-                <a:ea typeface="맑은 고딕" charset="0"/>
-              </a:rPr>
-              <a:t>.</a:t>
-            </a:r>
-            <a:r>
-              <a:rPr lang="ko-KR" sz="2000" b="1">
-                <a:solidFill>
-                  <a:srgbClr val="0611F2"/>
-                </a:solidFill>
-                <a:latin typeface="맑은 고딕" charset="0"/>
-                <a:ea typeface="맑은 고딕" charset="0"/>
-              </a:rPr>
-              <a:t> </a:t>
-            </a:r>
-            <a:r>
-              <a:rPr lang="ko-KR" sz="1800">
-                <a:latin typeface="맑은 고딕" charset="0"/>
-                <a:ea typeface="맑은 고딕" charset="0"/>
-              </a:rPr>
-              <a:t>그</a:t>
-            </a:r>
-            <a:r>
-              <a:rPr lang="ko-KR" sz="1800">
-                <a:latin typeface="맑은 고딕" charset="0"/>
-                <a:ea typeface="맑은 고딕" charset="0"/>
-              </a:rPr>
-              <a:t>다음</a:t>
-            </a:r>
-            <a:r>
-              <a:rPr lang="ko-KR" sz="1800">
-                <a:latin typeface="맑은 고딕" charset="0"/>
-                <a:ea typeface="맑은 고딕" charset="0"/>
-              </a:rPr>
-              <a:t> </a:t>
-            </a:r>
-            <a:r>
-              <a:rPr lang="ko-KR" sz="1800">
-                <a:latin typeface="맑은 고딕" charset="0"/>
-                <a:ea typeface="맑은 고딕" charset="0"/>
-              </a:rPr>
-              <a:t>Observe라는 스크립트를 생성하고 StoneMonster 오브젝트에 넣어줍니다.</a:t>
+              <a:t>°</a:t>
+            </a:r>
+            <a:r>
+              <a:rPr sz="1800">
+                <a:latin typeface="맑은 고딕" charset="0"/>
+                <a:ea typeface="맑은 고딕" charset="0"/>
+              </a:rPr>
+              <a:t>보다 큰 회전은 표현할 수 없습니다.</a:t>
             </a:r>
             <a:endParaRPr lang="ko-KR" altLang="en-US" sz="1800">
               <a:latin typeface="맑은 고딕" charset="0"/>

--- a/Assets/Class/Rotation/PPT Data/Rotation Example.pptx
+++ b/Assets/Class/Rotation/PPT Data/Rotation Example.pptx
@@ -2,7 +2,7 @@
 <file path=ppt/presentation.xml><?xml version="1.0" encoding="utf-8"?>
 <p:presentation xmlns:a="http://schemas.openxmlformats.org/drawingml/2006/main" xmlns:r="http://schemas.openxmlformats.org/officeDocument/2006/relationships" xmlns:p="http://schemas.openxmlformats.org/presentationml/2006/main" xmlns:p14="http://schemas.microsoft.com/office/powerpoint/2010/main" saveSubsetFonts="1" firstSlideNum="0">
   <p:sldMasterIdLst>
-    <p:sldMasterId id="2147485411" r:id="rId12"/>
+    <p:sldMasterId id="2147485421" r:id="rId12"/>
   </p:sldMasterIdLst>
   <p:notesMasterIdLst>
     <p:notesMasterId r:id="rId14"/>
@@ -5480,8 +5480,8 @@
         </p:nvSpPr>
         <p:spPr>
           <a:xfrm rot="0">
-            <a:off x="1438275" y="2687955"/>
-            <a:ext cx="3924935" cy="955040"/>
+            <a:off x="1229360" y="2791460"/>
+            <a:ext cx="4134485" cy="954405"/>
           </a:xfrm>
           <a:prstGeom prst="rect"/>
           <a:noFill/>
@@ -5525,7 +5525,119 @@
                 <a:latin typeface="맑은 고딕" charset="0"/>
                 <a:ea typeface="맑은 고딕" charset="0"/>
               </a:rPr>
-              <a:t>첫 번째로 Main Camera를 선택하고 위치와 회전 값을 설정합니다.</a:t>
+              <a:t>첫</a:t>
+            </a:r>
+            <a:r>
+              <a:rPr lang="ko-KR" sz="1800">
+                <a:latin typeface="맑은 고딕" charset="0"/>
+                <a:ea typeface="맑은 고딕" charset="0"/>
+              </a:rPr>
+              <a:t> </a:t>
+            </a:r>
+            <a:r>
+              <a:rPr lang="ko-KR" sz="1800">
+                <a:latin typeface="맑은 고딕" charset="0"/>
+                <a:ea typeface="맑은 고딕" charset="0"/>
+              </a:rPr>
+              <a:t>번째로</a:t>
+            </a:r>
+            <a:r>
+              <a:rPr lang="ko-KR" sz="1800">
+                <a:latin typeface="맑은 고딕" charset="0"/>
+                <a:ea typeface="맑은 고딕" charset="0"/>
+              </a:rPr>
+              <a:t> </a:t>
+            </a:r>
+            <a:r>
+              <a:rPr lang="ko-KR" sz="1800">
+                <a:latin typeface="맑은 고딕" charset="0"/>
+                <a:ea typeface="맑은 고딕" charset="0"/>
+              </a:rPr>
+              <a:t>Main</a:t>
+            </a:r>
+            <a:r>
+              <a:rPr lang="ko-KR" sz="1800">
+                <a:latin typeface="맑은 고딕" charset="0"/>
+                <a:ea typeface="맑은 고딕" charset="0"/>
+              </a:rPr>
+              <a:t> </a:t>
+            </a:r>
+            <a:r>
+              <a:rPr lang="ko-KR" sz="1800">
+                <a:latin typeface="맑은 고딕" charset="0"/>
+                <a:ea typeface="맑은 고딕" charset="0"/>
+              </a:rPr>
+              <a:t>Camera를</a:t>
+            </a:r>
+            <a:r>
+              <a:rPr lang="ko-KR" sz="1800">
+                <a:latin typeface="맑은 고딕" charset="0"/>
+                <a:ea typeface="맑은 고딕" charset="0"/>
+              </a:rPr>
+              <a:t> </a:t>
+            </a:r>
+            <a:r>
+              <a:rPr lang="ko-KR" sz="1800">
+                <a:latin typeface="맑은 고딕" charset="0"/>
+                <a:ea typeface="맑은 고딕" charset="0"/>
+              </a:rPr>
+              <a:t>선택하고</a:t>
+            </a:r>
+            <a:r>
+              <a:rPr lang="ko-KR" sz="1800">
+                <a:latin typeface="맑은 고딕" charset="0"/>
+                <a:ea typeface="맑은 고딕" charset="0"/>
+              </a:rPr>
+              <a:t> </a:t>
+            </a:r>
+            <a:r>
+              <a:rPr lang="ko-KR" sz="1800">
+                <a:latin typeface="맑은 고딕" charset="0"/>
+                <a:ea typeface="맑은 고딕" charset="0"/>
+              </a:rPr>
+              <a:t>위치와</a:t>
+            </a:r>
+            <a:r>
+              <a:rPr lang="ko-KR" sz="1800">
+                <a:latin typeface="맑은 고딕" charset="0"/>
+                <a:ea typeface="맑은 고딕" charset="0"/>
+              </a:rPr>
+              <a:t> </a:t>
+            </a:r>
+            <a:r>
+              <a:rPr lang="ko-KR" sz="1800">
+                <a:latin typeface="맑은 고딕" charset="0"/>
+                <a:ea typeface="맑은 고딕" charset="0"/>
+              </a:rPr>
+              <a:t>회전</a:t>
+            </a:r>
+            <a:r>
+              <a:rPr lang="ko-KR" sz="1800">
+                <a:latin typeface="맑은 고딕" charset="0"/>
+                <a:ea typeface="맑은 고딕" charset="0"/>
+              </a:rPr>
+              <a:t> </a:t>
+            </a:r>
+            <a:r>
+              <a:rPr lang="ko-KR" sz="1800">
+                <a:latin typeface="맑은 고딕" charset="0"/>
+                <a:ea typeface="맑은 고딕" charset="0"/>
+              </a:rPr>
+              <a:t>값을</a:t>
+            </a:r>
+            <a:r>
+              <a:rPr lang="ko-KR" sz="1800">
+                <a:latin typeface="맑은 고딕" charset="0"/>
+                <a:ea typeface="맑은 고딕" charset="0"/>
+              </a:rPr>
+              <a:t> </a:t>
+            </a:r>
+            <a:r>
+              <a:rPr lang="ko-KR" sz="1800">
+                <a:latin typeface="맑은 고딕" charset="0"/>
+                <a:ea typeface="맑은 고딕" charset="0"/>
+              </a:rPr>
+              <a:t>설정합니다.</a:t>
             </a:r>
             <a:endParaRPr lang="ko-KR" altLang="en-US" sz="1800">
               <a:latin typeface="맑은 고딕" charset="0"/>
@@ -5544,8 +5656,8 @@
         </p:nvSpPr>
         <p:spPr>
           <a:xfrm rot="0">
-            <a:off x="6816725" y="2673985"/>
-            <a:ext cx="4149090" cy="954405"/>
+            <a:off x="6816725" y="2682875"/>
+            <a:ext cx="4149725" cy="955040"/>
           </a:xfrm>
           <a:prstGeom prst="rect"/>
           <a:noFill/>
@@ -5599,14 +5711,7 @@
                 <a:latin typeface="맑은 고딕" charset="0"/>
                 <a:ea typeface="맑은 고딕" charset="0"/>
               </a:rPr>
-              <a:t>그런 다음 </a:t>
-            </a:r>
-            <a:r>
-              <a:rPr lang="ko-KR" sz="1800">
-                <a:latin typeface="맑은 고딕" charset="0"/>
-                <a:ea typeface="맑은 고딕" charset="0"/>
-              </a:rPr>
-              <a:t>StoneMonster 오브젝트의 위치와 회전값을 설정합니다.</a:t>
+              <a:t>그런 다음 StoneMonster 오브젝트의 위치와 회전값을 설정합니다.</a:t>
             </a:r>
             <a:endParaRPr lang="ko-KR" altLang="en-US" sz="1800">
               <a:latin typeface="맑은 고딕" charset="0"/>
@@ -5625,8 +5730,8 @@
         </p:nvSpPr>
         <p:spPr>
           <a:xfrm rot="0">
-            <a:off x="1435100" y="5120640"/>
-            <a:ext cx="3924935" cy="954405"/>
+            <a:off x="1221105" y="5259070"/>
+            <a:ext cx="4139565" cy="954405"/>
           </a:xfrm>
           <a:prstGeom prst="rect"/>
           <a:noFill/>
@@ -5670,28 +5775,49 @@
                 <a:latin typeface="맑은 고딕" charset="0"/>
                 <a:ea typeface="맑은 고딕" charset="0"/>
               </a:rPr>
-              <a:t>그</a:t>
+              <a:t>그리고 Project 폴더</a:t>
             </a:r>
             <a:r>
               <a:rPr lang="ko-KR" sz="1800">
                 <a:latin typeface="맑은 고딕" charset="0"/>
                 <a:ea typeface="맑은 고딕" charset="0"/>
               </a:rPr>
-              <a:t>리고</a:t>
+              <a:t> 아래에 있는</a:t>
             </a:r>
             <a:r>
               <a:rPr lang="ko-KR" sz="1800">
                 <a:latin typeface="맑은 고딕" charset="0"/>
                 <a:ea typeface="맑은 고딕" charset="0"/>
               </a:rPr>
-              <a:t> </a:t>
+              <a:t> Model</a:t>
             </a:r>
             <a:r>
               <a:rPr lang="ko-KR" sz="1800">
                 <a:latin typeface="맑은 고딕" charset="0"/>
                 <a:ea typeface="맑은 고딕" charset="0"/>
               </a:rPr>
-              <a:t>Project 폴더에서 Model에 StoneMonster 모델을 선택하고 게임 월드 공간에 배치합니다.</a:t>
+              <a:t> 폴더</a:t>
+            </a:r>
+            <a:r>
+              <a:rPr lang="ko-KR" sz="1800">
+                <a:latin typeface="맑은 고딕" charset="0"/>
+                <a:ea typeface="맑은 고딕" charset="0"/>
+              </a:rPr>
+              <a:t>에 StoneMonster</a:t>
+            </a:r>
+            <a:r>
+              <a:rPr lang="ko-KR" sz="1800">
+                <a:latin typeface="맑은 고딕" charset="0"/>
+                <a:ea typeface="맑은 고딕" charset="0"/>
+              </a:rPr>
+              <a:t>를</a:t>
+            </a:r>
+            <a:r>
+              <a:rPr lang="ko-KR" sz="1800">
+                <a:latin typeface="맑은 고딕" charset="0"/>
+                <a:ea typeface="맑은 고딕" charset="0"/>
+              </a:rPr>
+              <a:t> 선택하고 월드 공간에 배치합니다.</a:t>
             </a:r>
             <a:endParaRPr lang="ko-KR" altLang="en-US" sz="1800">
               <a:latin typeface="맑은 고딕" charset="0"/>
@@ -5702,14 +5828,212 @@
       </p:sp>
       <p:pic>
         <p:nvPicPr>
-          <p:cNvPr id="35" name="그림 5"/>
+          <p:cNvPr id="36" name="그림 8" descr="C:/Users/Admin1/AppData/Roaming/PolarisOffice/ETemp/11968_23123384/fImage12394608467.png"/>
           <p:cNvPicPr>
             <a:picLocks noChangeAspect="1"/>
           </p:cNvPicPr>
           <p:nvPr/>
         </p:nvPicPr>
         <p:blipFill rotWithShape="1">
-          <a:blip r:embed="rId24" cstate="print">
+          <a:blip r:embed="rId25" cstate="hqprint">
+            <a:extLst>
+              <a:ext uri="{28A0092B-C50C-407E-A947-70E740481C1C}">
+                <a14:useLocalDpi xmlns:a14="http://schemas.microsoft.com/office/drawing/2010/main"/>
+              </a:ext>
+            </a:extLst>
+          </a:blip>
+          <a:stretch>
+            <a:fillRect/>
+          </a:stretch>
+        </p:blipFill>
+        <p:spPr>
+          <a:xfrm rot="0">
+            <a:off x="2571750" y="1299210"/>
+            <a:ext cx="2814955" cy="1429385"/>
+          </a:xfrm>
+          <a:prstGeom prst="roundRect"/>
+          <a:solidFill>
+            <a:srgbClr val="EDEDED"/>
+          </a:solidFill>
+        </p:spPr>
+      </p:pic>
+      <p:pic>
+        <p:nvPicPr>
+          <p:cNvPr id="37" name="그림 11" descr="C:/Users/Admin1/AppData/Roaming/PolarisOffice/ETemp/11968_23123384/fImage6508616334.png"/>
+          <p:cNvPicPr>
+            <a:picLocks noChangeAspect="1"/>
+          </p:cNvPicPr>
+          <p:nvPr/>
+        </p:nvPicPr>
+        <p:blipFill rotWithShape="1">
+          <a:blip r:embed="rId26" cstate="hqprint">
+            <a:extLst>
+              <a:ext uri="{28A0092B-C50C-407E-A947-70E740481C1C}">
+                <a14:useLocalDpi xmlns:a14="http://schemas.microsoft.com/office/drawing/2010/main"/>
+              </a:ext>
+            </a:extLst>
+          </a:blip>
+          <a:stretch>
+            <a:fillRect/>
+          </a:stretch>
+        </p:blipFill>
+        <p:spPr>
+          <a:xfrm rot="0">
+            <a:off x="2571115" y="3860165"/>
+            <a:ext cx="2813050" cy="1266825"/>
+          </a:xfrm>
+          <a:prstGeom prst="roundRect"/>
+          <a:solidFill>
+            <a:srgbClr val="EDEDED"/>
+          </a:solidFill>
+        </p:spPr>
+      </p:pic>
+      <p:pic>
+        <p:nvPicPr>
+          <p:cNvPr id="40" name="그림 19" descr="C:/Users/Admin1/AppData/Roaming/PolarisOffice/ETemp/11968_23123384/fImage12851659169.png"/>
+          <p:cNvPicPr>
+            <a:picLocks noChangeAspect="1"/>
+          </p:cNvPicPr>
+          <p:nvPr/>
+        </p:nvPicPr>
+        <p:blipFill rotWithShape="1">
+          <a:blip r:embed="rId28" cstate="hqprint">
+            <a:extLst>
+              <a:ext uri="{28A0092B-C50C-407E-A947-70E740481C1C}">
+                <a14:useLocalDpi xmlns:a14="http://schemas.microsoft.com/office/drawing/2010/main"/>
+              </a:ext>
+            </a:extLst>
+          </a:blip>
+          <a:stretch>
+            <a:fillRect/>
+          </a:stretch>
+        </p:blipFill>
+        <p:spPr>
+          <a:xfrm rot="0">
+            <a:off x="6823710" y="1297305"/>
+            <a:ext cx="4139565" cy="1280795"/>
+          </a:xfrm>
+          <a:prstGeom prst="roundRect"/>
+          <a:solidFill>
+            <a:srgbClr val="EDEDED"/>
+          </a:solidFill>
+        </p:spPr>
+      </p:pic>
+      <p:pic>
+        <p:nvPicPr>
+          <p:cNvPr id="42" name="그림 26" descr="C:/Users/Admin1/AppData/Roaming/PolarisOffice/ETemp/11968_23123384/fImage2177681478.png"/>
+          <p:cNvPicPr>
+            <a:picLocks noChangeAspect="1"/>
+          </p:cNvPicPr>
+          <p:nvPr/>
+        </p:nvPicPr>
+        <p:blipFill rotWithShape="1">
+          <a:blip r:embed="rId30" cstate="hqprint">
+            <a:extLst>
+              <a:ext uri="{28A0092B-C50C-407E-A947-70E740481C1C}">
+                <a14:useLocalDpi xmlns:a14="http://schemas.microsoft.com/office/drawing/2010/main"/>
+              </a:ext>
+            </a:extLst>
+          </a:blip>
+          <a:stretch>
+            <a:fillRect/>
+          </a:stretch>
+        </p:blipFill>
+        <p:spPr>
+          <a:xfrm rot="0">
+            <a:off x="10122535" y="3997325"/>
+            <a:ext cx="840740" cy="965200"/>
+          </a:xfrm>
+          <a:prstGeom prst="roundRect"/>
+          <a:solidFill>
+            <a:srgbClr val="EDEDED"/>
+          </a:solidFill>
+        </p:spPr>
+      </p:pic>
+      <p:sp>
+        <p:nvSpPr>
+          <p:cNvPr id="44" name="텍스트 상자 30"/>
+          <p:cNvSpPr txBox="1">
+            <a:spLocks/>
+          </p:cNvSpPr>
+          <p:nvPr/>
+        </p:nvSpPr>
+        <p:spPr>
+          <a:xfrm rot="0">
+            <a:off x="6813550" y="5261610"/>
+            <a:ext cx="4161155" cy="955040"/>
+          </a:xfrm>
+          <a:prstGeom prst="rect"/>
+          <a:noFill/>
+          <a:ln w="0">
+            <a:noFill/>
+            <a:prstDash/>
+          </a:ln>
+        </p:spPr>
+        <p:txBody>
+          <a:bodyPr wrap="square" lIns="89535" tIns="46355" rIns="89535" bIns="46355" numCol="1" vert="horz" anchor="t">
+            <a:spAutoFit/>
+          </a:bodyPr>
+          <a:lstStyle/>
+          <a:p>
+            <a:pPr marL="0" indent="0" rtl="0" algn="l" defTabSz="914400" eaLnBrk="1" latinLnBrk="0" hangingPunct="1">
+              <a:buFontTx/>
+              <a:buNone/>
+            </a:pPr>
+            <a:r>
+              <a:rPr lang="ko-KR" sz="2000" b="1">
+                <a:solidFill>
+                  <a:srgbClr val="0611F2"/>
+                </a:solidFill>
+                <a:latin typeface="맑은 고딕" charset="0"/>
+                <a:ea typeface="맑은 고딕" charset="0"/>
+              </a:rPr>
+              <a:t>4</a:t>
+            </a:r>
+            <a:r>
+              <a:rPr sz="2000" b="1">
+                <a:solidFill>
+                  <a:srgbClr val="0611F2"/>
+                </a:solidFill>
+                <a:latin typeface="맑은 고딕" charset="0"/>
+                <a:ea typeface="맑은 고딕" charset="0"/>
+              </a:rPr>
+              <a:t>.</a:t>
+            </a:r>
+            <a:r>
+              <a:rPr lang="ko-KR" sz="2000" b="1">
+                <a:solidFill>
+                  <a:srgbClr val="0611F2"/>
+                </a:solidFill>
+                <a:latin typeface="맑은 고딕" charset="0"/>
+                <a:ea typeface="맑은 고딕" charset="0"/>
+              </a:rPr>
+              <a:t> </a:t>
+            </a:r>
+            <a:r>
+              <a:rPr lang="ko-KR" sz="1800">
+                <a:latin typeface="맑은 고딕" charset="0"/>
+                <a:ea typeface="맑은 고딕" charset="0"/>
+              </a:rPr>
+              <a:t>그다음 Observe라는 스크립트를 생성하고 StoneMonster 오브젝트에 넣어줍니다.</a:t>
+            </a:r>
+            <a:endParaRPr lang="ko-KR" altLang="en-US" sz="1800">
+              <a:latin typeface="맑은 고딕" charset="0"/>
+              <a:ea typeface="맑은 고딕" charset="0"/>
+            </a:endParaRPr>
+          </a:p>
+        </p:txBody>
+      </p:sp>
+      <p:pic>
+        <p:nvPicPr>
+          <p:cNvPr id="45" name="그림 1" descr="C:/Users/Admin1/AppData/Roaming/PolarisOffice/ETemp/11968_23123384/fImage383514641.png"/>
+          <p:cNvPicPr>
+            <a:picLocks noChangeAspect="1"/>
+          </p:cNvPicPr>
+          <p:nvPr/>
+        </p:nvPicPr>
+        <p:blipFill rotWithShape="1">
+          <a:blip r:embed="rId31" cstate="print">
             <a:extLst>
               <a:ext uri="{28A0092B-C50C-407E-A947-70E740481C1C}">
                 <a14:useLocalDpi xmlns:a14="http://schemas.microsoft.com/office/drawing/2010/main" val="0"/>
@@ -5722,8 +6046,8 @@
         </p:blipFill>
         <p:spPr>
           <a:xfrm rot="0">
-            <a:off x="1436370" y="1562735"/>
-            <a:ext cx="1099820" cy="756920"/>
+            <a:off x="1229360" y="1575435"/>
+            <a:ext cx="1187450" cy="883920"/>
           </a:xfrm>
           <a:prstGeom prst="roundRect"/>
           <a:solidFill>
@@ -5733,14 +6057,14 @@
       </p:pic>
       <p:pic>
         <p:nvPicPr>
-          <p:cNvPr id="36" name="그림 8"/>
+          <p:cNvPr id="46" name="그림 4" descr="C:/Users/Admin1/AppData/Roaming/PolarisOffice/ETemp/11968_23123384/fImage45811478467.png"/>
           <p:cNvPicPr>
             <a:picLocks noChangeAspect="1"/>
           </p:cNvPicPr>
           <p:nvPr/>
         </p:nvPicPr>
         <p:blipFill rotWithShape="1">
-          <a:blip r:embed="rId25" cstate="print">
+          <a:blip r:embed="rId32" cstate="print">
             <a:extLst>
               <a:ext uri="{28A0092B-C50C-407E-A947-70E740481C1C}">
                 <a14:useLocalDpi xmlns:a14="http://schemas.microsoft.com/office/drawing/2010/main" val="0"/>
@@ -5753,70 +6077,8 @@
         </p:blipFill>
         <p:spPr>
           <a:xfrm rot="0">
-            <a:off x="2693670" y="1296670"/>
-            <a:ext cx="2677160" cy="1280795"/>
-          </a:xfrm>
-          <a:prstGeom prst="roundRect"/>
-          <a:solidFill>
-            <a:srgbClr val="EDEDED"/>
-          </a:solidFill>
-        </p:spPr>
-      </p:pic>
-      <p:pic>
-        <p:nvPicPr>
-          <p:cNvPr id="37" name="그림 11"/>
-          <p:cNvPicPr>
-            <a:picLocks noChangeAspect="1"/>
-          </p:cNvPicPr>
-          <p:nvPr/>
-        </p:nvPicPr>
-        <p:blipFill rotWithShape="1">
-          <a:blip r:embed="rId26" cstate="print">
-            <a:extLst>
-              <a:ext uri="{28A0092B-C50C-407E-A947-70E740481C1C}">
-                <a14:useLocalDpi xmlns:a14="http://schemas.microsoft.com/office/drawing/2010/main" val="0"/>
-              </a:ext>
-            </a:extLst>
-          </a:blip>
-          <a:stretch>
-            <a:fillRect/>
-          </a:stretch>
-        </p:blipFill>
-        <p:spPr>
-          <a:xfrm rot="0">
-            <a:off x="2976245" y="3851275"/>
-            <a:ext cx="2390140" cy="1136015"/>
-          </a:xfrm>
-          <a:prstGeom prst="roundRect"/>
-          <a:solidFill>
-            <a:srgbClr val="EDEDED"/>
-          </a:solidFill>
-        </p:spPr>
-      </p:pic>
-      <p:pic>
-        <p:nvPicPr>
-          <p:cNvPr id="38" name="그림 15"/>
-          <p:cNvPicPr>
-            <a:picLocks noChangeAspect="1"/>
-          </p:cNvPicPr>
-          <p:nvPr/>
-        </p:nvPicPr>
-        <p:blipFill rotWithShape="1">
-          <a:blip r:embed="rId27" cstate="print">
-            <a:extLst>
-              <a:ext uri="{28A0092B-C50C-407E-A947-70E740481C1C}">
-                <a14:useLocalDpi xmlns:a14="http://schemas.microsoft.com/office/drawing/2010/main" val="0"/>
-              </a:ext>
-            </a:extLst>
-          </a:blip>
-          <a:stretch>
-            <a:fillRect/>
-          </a:stretch>
-        </p:blipFill>
-        <p:spPr>
-          <a:xfrm rot="0">
-            <a:off x="1442720" y="4088765"/>
-            <a:ext cx="1210310" cy="782320"/>
+            <a:off x="1226820" y="3957320"/>
+            <a:ext cx="1181100" cy="1042035"/>
           </a:xfrm>
           <a:prstGeom prst="roundRect"/>
           <a:solidFill>
@@ -5832,13 +6094,12 @@
         </p:nvCxnSpPr>
         <p:spPr>
           <a:xfrm rot="0" flipH="1">
-            <a:off x="2535555" y="4479925"/>
-            <a:ext cx="557530" cy="224790"/>
+            <a:off x="2277745" y="4511675"/>
+            <a:ext cx="450850" cy="329565"/>
           </a:xfrm>
           <a:prstGeom prst="straightConnector1"/>
           <a:ln w="6350" cap="flat" cmpd="sng">
             <a:prstDash/>
-            <a:headEnd type="none" w="med" len="med"/>
             <a:tailEnd type="triangle" w="med" len="med"/>
           </a:ln>
         </p:spPr>
@@ -5859,14 +6120,14 @@
       </p:cxnSp>
       <p:pic>
         <p:nvPicPr>
-          <p:cNvPr id="40" name="그림 19"/>
+          <p:cNvPr id="47" name="그림 7" descr="C:/Users/Admin1/AppData/Roaming/PolarisOffice/ETemp/11968_23123384/fImage45811486334.png"/>
           <p:cNvPicPr>
             <a:picLocks noChangeAspect="1"/>
           </p:cNvPicPr>
           <p:nvPr/>
         </p:nvPicPr>
         <p:blipFill rotWithShape="1">
-          <a:blip r:embed="rId28" cstate="print">
+          <a:blip r:embed="rId33" cstate="print">
             <a:extLst>
               <a:ext uri="{28A0092B-C50C-407E-A947-70E740481C1C}">
                 <a14:useLocalDpi xmlns:a14="http://schemas.microsoft.com/office/drawing/2010/main" val="0"/>
@@ -5879,70 +6140,8 @@
         </p:blipFill>
         <p:spPr>
           <a:xfrm rot="0">
-            <a:off x="6816725" y="1297305"/>
-            <a:ext cx="4149090" cy="1280160"/>
-          </a:xfrm>
-          <a:prstGeom prst="roundRect"/>
-          <a:solidFill>
-            <a:srgbClr val="EDEDED"/>
-          </a:solidFill>
-        </p:spPr>
-      </p:pic>
-      <p:pic>
-        <p:nvPicPr>
-          <p:cNvPr id="41" name="그림 22"/>
-          <p:cNvPicPr>
-            <a:picLocks noChangeAspect="1"/>
-          </p:cNvPicPr>
-          <p:nvPr/>
-        </p:nvPicPr>
-        <p:blipFill rotWithShape="1">
-          <a:blip r:embed="rId29" cstate="print">
-            <a:extLst>
-              <a:ext uri="{28A0092B-C50C-407E-A947-70E740481C1C}">
-                <a14:useLocalDpi xmlns:a14="http://schemas.microsoft.com/office/drawing/2010/main" val="0"/>
-              </a:ext>
-            </a:extLst>
-          </a:blip>
-          <a:stretch>
-            <a:fillRect/>
-          </a:stretch>
-        </p:blipFill>
-        <p:spPr>
-          <a:xfrm rot="0">
-            <a:off x="6821170" y="3807460"/>
-            <a:ext cx="2432050" cy="1197610"/>
-          </a:xfrm>
-          <a:prstGeom prst="roundRect"/>
-          <a:solidFill>
-            <a:srgbClr val="EDEDED"/>
-          </a:solidFill>
-        </p:spPr>
-      </p:pic>
-      <p:pic>
-        <p:nvPicPr>
-          <p:cNvPr id="42" name="그림 26"/>
-          <p:cNvPicPr>
-            <a:picLocks noChangeAspect="1"/>
-          </p:cNvPicPr>
-          <p:nvPr/>
-        </p:nvPicPr>
-        <p:blipFill rotWithShape="1">
-          <a:blip r:embed="rId30" cstate="print">
-            <a:extLst>
-              <a:ext uri="{28A0092B-C50C-407E-A947-70E740481C1C}">
-                <a14:useLocalDpi xmlns:a14="http://schemas.microsoft.com/office/drawing/2010/main" val="0"/>
-              </a:ext>
-            </a:extLst>
-          </a:blip>
-          <a:stretch>
-            <a:fillRect/>
-          </a:stretch>
-        </p:blipFill>
-        <p:spPr>
-          <a:xfrm rot="0">
-            <a:off x="10166985" y="4014470"/>
-            <a:ext cx="795655" cy="774065"/>
+            <a:off x="6814820" y="3775710"/>
+            <a:ext cx="2945130" cy="1360170"/>
           </a:xfrm>
           <a:prstGeom prst="roundRect"/>
           <a:solidFill>
@@ -5958,13 +6157,12 @@
         </p:nvCxnSpPr>
         <p:spPr>
           <a:xfrm rot="0" flipH="1">
-            <a:off x="8961755" y="4401185"/>
-            <a:ext cx="1205865" cy="346075"/>
+            <a:off x="9395460" y="4479290"/>
+            <a:ext cx="727710" cy="466090"/>
           </a:xfrm>
           <a:prstGeom prst="straightConnector1"/>
           <a:ln w="6350" cap="flat" cmpd="sng">
             <a:prstDash/>
-            <a:headEnd type="none" w="med" len="med"/>
             <a:tailEnd type="triangle" w="med" len="med"/>
           </a:ln>
         </p:spPr>
@@ -5983,101 +6181,6 @@
           </a:fontRef>
         </p:style>
       </p:cxnSp>
-      <p:sp>
-        <p:nvSpPr>
-          <p:cNvPr id="44" name="텍스트 상자 30"/>
-          <p:cNvSpPr txBox="1">
-            <a:spLocks/>
-          </p:cNvSpPr>
-          <p:nvPr/>
-        </p:nvSpPr>
-        <p:spPr>
-          <a:xfrm rot="0">
-            <a:off x="6813550" y="5131435"/>
-            <a:ext cx="4160520" cy="954405"/>
-          </a:xfrm>
-          <a:prstGeom prst="rect"/>
-          <a:noFill/>
-          <a:ln w="0">
-            <a:noFill/>
-            <a:prstDash/>
-          </a:ln>
-        </p:spPr>
-        <p:txBody>
-          <a:bodyPr wrap="square" lIns="89535" tIns="46355" rIns="89535" bIns="46355" numCol="1" vert="horz" anchor="t">
-            <a:spAutoFit/>
-          </a:bodyPr>
-          <a:lstStyle/>
-          <a:p>
-            <a:pPr marL="0" indent="0" rtl="0" algn="l" defTabSz="914400" eaLnBrk="1" latinLnBrk="0" hangingPunct="1">
-              <a:buFontTx/>
-              <a:buNone/>
-            </a:pPr>
-            <a:r>
-              <a:rPr lang="ko-KR" sz="2000" b="1">
-                <a:solidFill>
-                  <a:srgbClr val="0611F2"/>
-                </a:solidFill>
-                <a:latin typeface="맑은 고딕" charset="0"/>
-                <a:ea typeface="맑은 고딕" charset="0"/>
-              </a:rPr>
-              <a:t>4</a:t>
-            </a:r>
-            <a:r>
-              <a:rPr sz="2000" b="1">
-                <a:solidFill>
-                  <a:srgbClr val="0611F2"/>
-                </a:solidFill>
-                <a:latin typeface="맑은 고딕" charset="0"/>
-                <a:ea typeface="맑은 고딕" charset="0"/>
-              </a:rPr>
-              <a:t>.</a:t>
-            </a:r>
-            <a:r>
-              <a:rPr lang="ko-KR" sz="2000" b="1">
-                <a:solidFill>
-                  <a:srgbClr val="0611F2"/>
-                </a:solidFill>
-                <a:latin typeface="맑은 고딕" charset="0"/>
-                <a:ea typeface="맑은 고딕" charset="0"/>
-              </a:rPr>
-              <a:t> </a:t>
-            </a:r>
-            <a:r>
-              <a:rPr lang="ko-KR" sz="1800">
-                <a:latin typeface="맑은 고딕" charset="0"/>
-                <a:ea typeface="맑은 고딕" charset="0"/>
-              </a:rPr>
-              <a:t>그</a:t>
-            </a:r>
-            <a:r>
-              <a:rPr lang="ko-KR" sz="1800">
-                <a:latin typeface="맑은 고딕" charset="0"/>
-                <a:ea typeface="맑은 고딕" charset="0"/>
-              </a:rPr>
-              <a:t>다음</a:t>
-            </a:r>
-            <a:r>
-              <a:rPr lang="ko-KR" sz="1800">
-                <a:latin typeface="맑은 고딕" charset="0"/>
-                <a:ea typeface="맑은 고딕" charset="0"/>
-              </a:rPr>
-              <a:t> </a:t>
-            </a:r>
-            <a:r>
-              <a:rPr lang="ko-KR" sz="1800">
-                <a:latin typeface="맑은 고딕" charset="0"/>
-                <a:ea typeface="맑은 고딕" charset="0"/>
-              </a:rPr>
-              <a:t>Observe라는 스크립트를 생성하고 StoneMonster 오브젝트에 넣어줍니다.</a:t>
-            </a:r>
-            <a:endParaRPr lang="ko-KR" altLang="en-US" sz="1800">
-              <a:latin typeface="맑은 고딕" charset="0"/>
-              <a:ea typeface="맑은 고딕" charset="0"/>
-            </a:endParaRPr>
-          </a:p>
-        </p:txBody>
-      </p:sp>
     </p:spTree>
   </p:cSld>
   <p:clrMapOvr>
@@ -7489,8 +7592,8 @@
         </p:nvSpPr>
         <p:spPr>
           <a:xfrm rot="0">
-            <a:off x="984250" y="1197610"/>
-            <a:ext cx="4404995" cy="924560"/>
+            <a:off x="984250" y="1351915"/>
+            <a:ext cx="4405630" cy="925195"/>
           </a:xfrm>
           <a:prstGeom prst="rect"/>
           <a:noFill/>
@@ -7500,7 +7603,7 @@
           </a:ln>
         </p:spPr>
         <p:txBody>
-          <a:bodyPr wrap="square" lIns="89535" tIns="46355" rIns="89535" bIns="46355" vert="horz" anchor="t">
+          <a:bodyPr wrap="square" lIns="89535" tIns="46355" rIns="89535" bIns="46355" numCol="1" vert="horz" anchor="t">
             <a:spAutoFit/>
           </a:bodyPr>
           <a:lstStyle/>
@@ -7533,8 +7636,8 @@
         </p:nvSpPr>
         <p:spPr>
           <a:xfrm rot="0">
-            <a:off x="981710" y="4239260"/>
-            <a:ext cx="4406900" cy="1755775"/>
+            <a:off x="981710" y="4393565"/>
+            <a:ext cx="4407535" cy="1756410"/>
           </a:xfrm>
           <a:prstGeom prst="rect"/>
           <a:noFill/>
@@ -7604,8 +7707,8 @@
         </p:nvSpPr>
         <p:spPr>
           <a:xfrm rot="0">
-            <a:off x="6863715" y="1200785"/>
-            <a:ext cx="4417695" cy="647065"/>
+            <a:off x="6863715" y="1355090"/>
+            <a:ext cx="4418330" cy="647700"/>
           </a:xfrm>
           <a:prstGeom prst="rect"/>
           <a:noFill/>
@@ -7640,7 +7743,7 @@
       </p:sp>
       <p:pic>
         <p:nvPicPr>
-          <p:cNvPr id="6" name="그림 25"/>
+          <p:cNvPr id="6" name="그림 25" descr="C:/Users/Admin1/AppData/Roaming/PolarisOffice/ETemp/11968_23123384/fImage8382821941.png"/>
           <p:cNvPicPr>
             <a:picLocks noChangeAspect="1"/>
           </p:cNvPicPr>
@@ -7660,8 +7763,8 @@
         </p:blipFill>
         <p:spPr>
           <a:xfrm rot="0">
-            <a:off x="977265" y="2259965"/>
-            <a:ext cx="4407535" cy="1811655"/>
+            <a:off x="977265" y="2414270"/>
+            <a:ext cx="4408170" cy="1812290"/>
           </a:xfrm>
           <a:prstGeom prst="roundRect"/>
           <a:solidFill>
@@ -7671,7 +7774,7 @@
       </p:pic>
       <p:pic>
         <p:nvPicPr>
-          <p:cNvPr id="7" name="그림 26"/>
+          <p:cNvPr id="7" name="그림 26" descr="C:/Users/Admin1/AppData/Roaming/PolarisOffice/ETemp/11968_23123384/fImage320442208467.png"/>
           <p:cNvPicPr>
             <a:picLocks noChangeAspect="1"/>
           </p:cNvPicPr>
@@ -7691,8 +7794,8 @@
         </p:blipFill>
         <p:spPr>
           <a:xfrm rot="0">
-            <a:off x="6903085" y="2106295"/>
-            <a:ext cx="1950720" cy="1576705"/>
+            <a:off x="6903085" y="2260600"/>
+            <a:ext cx="1951355" cy="1577340"/>
           </a:xfrm>
           <a:prstGeom prst="roundRect"/>
           <a:solidFill>
@@ -7702,7 +7805,7 @@
       </p:pic>
       <p:pic>
         <p:nvPicPr>
-          <p:cNvPr id="8" name="그림 27"/>
+          <p:cNvPr id="8" name="그림 27" descr="C:/Users/Admin1/AppData/Roaming/PolarisOffice/ETemp/11968_23123384/fImage42642216334.png"/>
           <p:cNvPicPr>
             <a:picLocks noChangeAspect="1"/>
           </p:cNvPicPr>
@@ -7722,8 +7825,8 @@
         </p:blipFill>
         <p:spPr>
           <a:xfrm rot="0">
-            <a:off x="9319260" y="2094865"/>
-            <a:ext cx="1962150" cy="1588135"/>
+            <a:off x="9319260" y="2249170"/>
+            <a:ext cx="1962785" cy="1588770"/>
           </a:xfrm>
           <a:prstGeom prst="roundRect"/>
           <a:solidFill>
@@ -7741,8 +7844,8 @@
         </p:nvSpPr>
         <p:spPr>
           <a:xfrm rot="0">
-            <a:off x="6866890" y="3959860"/>
-            <a:ext cx="4422775" cy="2031365"/>
+            <a:off x="6866890" y="4114165"/>
+            <a:ext cx="4423410" cy="2032000"/>
           </a:xfrm>
           <a:prstGeom prst="rect"/>
           <a:noFill/>
@@ -7966,8 +8069,8 @@
         </p:nvSpPr>
         <p:spPr>
           <a:xfrm rot="0">
-            <a:off x="1189355" y="1280795"/>
-            <a:ext cx="4190365" cy="647700"/>
+            <a:off x="1188720" y="1494155"/>
+            <a:ext cx="4191000" cy="648335"/>
           </a:xfrm>
           <a:prstGeom prst="rect"/>
           <a:noFill/>
@@ -7977,7 +8080,7 @@
           </a:ln>
         </p:spPr>
         <p:txBody>
-          <a:bodyPr wrap="square" lIns="89535" tIns="46355" rIns="89535" bIns="46355" vert="horz" anchor="t">
+          <a:bodyPr wrap="square" lIns="89535" tIns="46355" rIns="89535" bIns="46355" numCol="1" vert="horz" anchor="t">
             <a:spAutoFit/>
           </a:bodyPr>
           <a:lstStyle/>
@@ -8065,9 +8168,9 @@
           <p:nvPr/>
         </p:nvSpPr>
         <p:spPr>
-          <a:xfrm>
-            <a:off x="6838315" y="3596640"/>
-            <a:ext cx="4136390" cy="2615565"/>
+          <a:xfrm rot="0">
+            <a:off x="6845935" y="4255770"/>
+            <a:ext cx="4116705" cy="2061845"/>
           </a:xfrm>
           <a:prstGeom prst="rect"/>
           <a:noFill/>
@@ -8094,17 +8197,7 @@
                 <a:latin typeface="맑은 고딕" charset="0"/>
                 <a:ea typeface="맑은 고딕" charset="0"/>
               </a:rPr>
-              <a:t>5</a:t>
-            </a:r>
-            <a:r>
-              <a:rPr sz="2000" b="1">
-                <a:solidFill>
-                  <a:srgbClr val="0611F2"/>
-                </a:solidFill>
-                <a:latin typeface="맑은 고딕" charset="0"/>
-                <a:ea typeface="맑은 고딕" charset="0"/>
-              </a:rPr>
-              <a:t>.</a:t>
+              <a:t>5.</a:t>
             </a:r>
             <a:r>
               <a:rPr sz="2000">
@@ -8132,14 +8225,35 @@
                 <a:latin typeface="맑은 고딕" charset="0"/>
                 <a:ea typeface="맑은 고딕" charset="0"/>
               </a:rPr>
-              <a:t> Sphere를 2개 생성합니</a:t>
+              <a:t> Sphere를 2개 생성</a:t>
             </a:r>
             <a:r>
               <a:rPr lang="ko-KR" sz="1800">
                 <a:latin typeface="맑은 고딕" charset="0"/>
                 <a:ea typeface="맑은 고딕" charset="0"/>
               </a:rPr>
-              <a:t>다.</a:t>
+              <a:t>하고</a:t>
+            </a:r>
+            <a:r>
+              <a:rPr sz="1800">
+                <a:latin typeface="맑은 고딕" charset="0"/>
+                <a:ea typeface="맑은 고딕" charset="0"/>
+              </a:rPr>
+              <a:t> 각각의 이름을 Sun</a:t>
+            </a:r>
+            <a:r>
+              <a:rPr lang="ko-KR" sz="1800">
+                <a:latin typeface="맑은 고딕" charset="0"/>
+                <a:ea typeface="맑은 고딕" charset="0"/>
+              </a:rPr>
+              <a:t>과</a:t>
+            </a:r>
+            <a:r>
+              <a:rPr sz="1800">
+                <a:latin typeface="맑은 고딕" charset="0"/>
+                <a:ea typeface="맑은 고딕" charset="0"/>
+              </a:rPr>
+              <a:t> Earth로 정의합니다.</a:t>
             </a:r>
             <a:endParaRPr lang="ko-KR" altLang="en-US" sz="1800">
               <a:latin typeface="맑은 고딕" charset="0"/>
@@ -8162,77 +8276,43 @@
               <a:buNone/>
             </a:pPr>
             <a:r>
+              <a:rPr sz="1800">
+                <a:latin typeface="맑은 고딕" charset="0"/>
+                <a:ea typeface="맑은 고딕" charset="0"/>
+              </a:rPr>
+              <a:t>그</a:t>
+            </a:r>
+            <a:r>
               <a:rPr lang="ko-KR" sz="1800">
                 <a:latin typeface="맑은 고딕" charset="0"/>
                 <a:ea typeface="맑은 고딕" charset="0"/>
               </a:rPr>
-              <a:t>그리고</a:t>
-            </a:r>
-            <a:r>
-              <a:rPr sz="1800">
-                <a:latin typeface="맑은 고딕" charset="0"/>
-                <a:ea typeface="맑은 고딕" charset="0"/>
-              </a:rPr>
-              <a:t> 각각의 이름을 Sun</a:t>
+              <a:t>다음</a:t>
             </a:r>
             <a:r>
               <a:rPr lang="ko-KR" sz="1800">
                 <a:latin typeface="맑은 고딕" charset="0"/>
                 <a:ea typeface="맑은 고딕" charset="0"/>
               </a:rPr>
-              <a:t>과</a:t>
-            </a:r>
-            <a:r>
-              <a:rPr sz="1800">
-                <a:latin typeface="맑은 고딕" charset="0"/>
-                <a:ea typeface="맑은 고딕" charset="0"/>
-              </a:rPr>
-              <a:t> Earth로 정의합니다.</a:t>
+              <a:t>으로</a:t>
+            </a:r>
+            <a:r>
+              <a:rPr lang="ko-KR" sz="1800">
+                <a:latin typeface="맑은 고딕" charset="0"/>
+                <a:ea typeface="맑은 고딕" charset="0"/>
+              </a:rPr>
+              <a:t> Revolution 스크립트를 생성하여 Earth 오브젝트에 넣어줍니다.</a:t>
             </a:r>
             <a:endParaRPr lang="ko-KR" altLang="en-US" sz="1800">
               <a:latin typeface="맑은 고딕" charset="0"/>
               <a:ea typeface="맑은 고딕" charset="0"/>
             </a:endParaRPr>
           </a:p>
-          <a:p>
-            <a:pPr marL="0" indent="0" rtl="0" algn="l" defTabSz="914400" eaLnBrk="1" latinLnBrk="0" hangingPunct="1">
-              <a:buFontTx/>
-              <a:buNone/>
-            </a:pPr>
-            <a:endParaRPr lang="ko-KR" altLang="en-US" sz="1800">
-              <a:latin typeface="맑은 고딕" charset="0"/>
-              <a:ea typeface="맑은 고딕" charset="0"/>
-            </a:endParaRPr>
-          </a:p>
-          <a:p>
-            <a:pPr marL="0" indent="0" rtl="0" algn="l" defTabSz="914400" eaLnBrk="1" latinLnBrk="0" hangingPunct="1">
-              <a:buFontTx/>
-              <a:buNone/>
-            </a:pPr>
-            <a:r>
-              <a:rPr sz="1800">
-                <a:latin typeface="맑은 고딕" charset="0"/>
-                <a:ea typeface="맑은 고딕" charset="0"/>
-              </a:rPr>
-              <a:t>그</a:t>
-            </a:r>
-            <a:r>
-              <a:rPr lang="ko-KR" sz="1800">
-                <a:latin typeface="맑은 고딕" charset="0"/>
-                <a:ea typeface="맑은 고딕" charset="0"/>
-              </a:rPr>
-              <a:t>다음 Revolution 스크립트를 생성하여 Earth 오브젝트에 넣어줍니다.</a:t>
-            </a:r>
-            <a:endParaRPr lang="ko-KR" altLang="en-US" sz="1800">
-              <a:latin typeface="맑은 고딕" charset="0"/>
-              <a:ea typeface="맑은 고딕" charset="0"/>
-            </a:endParaRPr>
-          </a:p>
         </p:txBody>
       </p:sp>
       <p:pic>
         <p:nvPicPr>
-          <p:cNvPr id="7" name="그림 41"/>
+          <p:cNvPr id="7" name="그림 41" descr="C:/Users/Admin1/AppData/Roaming/PolarisOffice/ETemp/11968_23123384/fImage571511679358.png"/>
           <p:cNvPicPr>
             <a:picLocks noChangeAspect="1"/>
           </p:cNvPicPr>
@@ -8252,8 +8332,8 @@
         </p:blipFill>
         <p:spPr>
           <a:xfrm rot="0">
-            <a:off x="1188720" y="2219325"/>
-            <a:ext cx="4182110" cy="3134995"/>
+            <a:off x="1198245" y="2314575"/>
+            <a:ext cx="4182745" cy="3030855"/>
           </a:xfrm>
           <a:prstGeom prst="roundRect"/>
           <a:solidFill>
@@ -8263,7 +8343,7 @@
       </p:pic>
       <p:pic>
         <p:nvPicPr>
-          <p:cNvPr id="8" name="그림 42"/>
+          <p:cNvPr id="8" name="그림 42" descr="C:/Users/Admin1/AppData/Roaming/PolarisOffice/ETemp/11968_23123384/fImage150911686962.png"/>
           <p:cNvPicPr>
             <a:picLocks noChangeAspect="1"/>
           </p:cNvPicPr>
@@ -8283,8 +8363,8 @@
         </p:blipFill>
         <p:spPr>
           <a:xfrm rot="0">
-            <a:off x="6845300" y="1280160"/>
-            <a:ext cx="2258060" cy="2203450"/>
+            <a:off x="6845300" y="1495425"/>
+            <a:ext cx="2594610" cy="2607310"/>
           </a:xfrm>
           <a:prstGeom prst="roundRect"/>
           <a:solidFill>
@@ -8294,17 +8374,17 @@
       </p:pic>
       <p:pic>
         <p:nvPicPr>
-          <p:cNvPr id="9" name="그림 46"/>
+          <p:cNvPr id="10" name="그림 49" descr="C:/Users/Admin1/AppData/Roaming/PolarisOffice/ETemp/11968_23123384/fImage21661715705.png"/>
           <p:cNvPicPr>
             <a:picLocks noChangeAspect="1"/>
           </p:cNvPicPr>
           <p:nvPr/>
         </p:nvPicPr>
         <p:blipFill rotWithShape="1">
-          <a:blip r:embed="rId4" cstate="print">
+          <a:blip r:embed="rId5" cstate="hqprint">
             <a:extLst>
               <a:ext uri="{28A0092B-C50C-407E-A947-70E740481C1C}">
-                <a14:useLocalDpi xmlns:a14="http://schemas.microsoft.com/office/drawing/2010/main" val="0"/>
+                <a14:useLocalDpi xmlns:a14="http://schemas.microsoft.com/office/drawing/2010/main"/>
               </a:ext>
             </a:extLst>
           </a:blip>
@@ -8314,39 +8394,8 @@
         </p:blipFill>
         <p:spPr>
           <a:xfrm rot="0">
-            <a:off x="9568815" y="1280160"/>
-            <a:ext cx="1350645" cy="1164590"/>
-          </a:xfrm>
-          <a:prstGeom prst="roundRect"/>
-          <a:solidFill>
-            <a:srgbClr val="EDEDED"/>
-          </a:solidFill>
-        </p:spPr>
-      </p:pic>
-      <p:pic>
-        <p:nvPicPr>
-          <p:cNvPr id="10" name="그림 49"/>
-          <p:cNvPicPr>
-            <a:picLocks noChangeAspect="1"/>
-          </p:cNvPicPr>
-          <p:nvPr/>
-        </p:nvPicPr>
-        <p:blipFill rotWithShape="1">
-          <a:blip r:embed="rId5" cstate="print">
-            <a:extLst>
-              <a:ext uri="{28A0092B-C50C-407E-A947-70E740481C1C}">
-                <a14:useLocalDpi xmlns:a14="http://schemas.microsoft.com/office/drawing/2010/main" val="0"/>
-              </a:ext>
-            </a:extLst>
-          </a:blip>
-          <a:stretch>
-            <a:fillRect/>
-          </a:stretch>
-        </p:blipFill>
-        <p:spPr>
-          <a:xfrm rot="0">
-            <a:off x="9859645" y="2668270"/>
-            <a:ext cx="765175" cy="813435"/>
+            <a:off x="9963150" y="3290570"/>
+            <a:ext cx="719455" cy="746125"/>
           </a:xfrm>
           <a:prstGeom prst="roundRect"/>
           <a:solidFill>
@@ -8359,19 +8408,18 @@
           <p:cNvPr id="11" name="도형 54"/>
           <p:cNvCxnSpPr>
             <a:stCxn id="10" idx="0"/>
-            <a:endCxn id="9" idx="2"/>
+            <a:endCxn id="12" idx="2"/>
           </p:cNvCxnSpPr>
           <p:nvPr/>
         </p:nvCxnSpPr>
         <p:spPr>
-          <a:xfrm rot="0" flipV="1">
-            <a:off x="10241915" y="2444115"/>
-            <a:ext cx="2540" cy="224790"/>
+          <a:xfrm rot="0" flipH="1" flipV="1">
+            <a:off x="10314305" y="2909570"/>
+            <a:ext cx="8890" cy="381635"/>
           </a:xfrm>
           <a:prstGeom prst="straightConnector1"/>
           <a:ln w="6350" cap="flat" cmpd="sng">
             <a:prstDash/>
-            <a:headEnd type="none" w="med" len="med"/>
             <a:tailEnd type="triangle" w="med" len="med"/>
           </a:ln>
         </p:spPr>
@@ -8390,6 +8438,37 @@
           </a:fontRef>
         </p:style>
       </p:cxnSp>
+      <p:pic>
+        <p:nvPicPr>
+          <p:cNvPr id="12" name="그림 15" descr="C:/Users/Admin1/AppData/Roaming/PolarisOffice/ETemp/11968_23123384/fImage52601516500.png"/>
+          <p:cNvPicPr>
+            <a:picLocks noChangeAspect="1"/>
+          </p:cNvPicPr>
+          <p:nvPr/>
+        </p:nvPicPr>
+        <p:blipFill rotWithShape="1">
+          <a:blip r:embed="rId6" cstate="print">
+            <a:extLst>
+              <a:ext uri="{28A0092B-C50C-407E-A947-70E740481C1C}">
+                <a14:useLocalDpi xmlns:a14="http://schemas.microsoft.com/office/drawing/2010/main" val="0"/>
+              </a:ext>
+            </a:extLst>
+          </a:blip>
+          <a:stretch>
+            <a:fillRect/>
+          </a:stretch>
+        </p:blipFill>
+        <p:spPr>
+          <a:xfrm rot="0">
+            <a:off x="9648825" y="1495425"/>
+            <a:ext cx="1331595" cy="1414780"/>
+          </a:xfrm>
+          <a:prstGeom prst="roundRect"/>
+          <a:solidFill>
+            <a:srgbClr val="EDEDED"/>
+          </a:solidFill>
+        </p:spPr>
+      </p:pic>
     </p:spTree>
   </p:cSld>
   <p:clrMapOvr>
@@ -8530,8 +8609,8 @@
         </p:nvSpPr>
         <p:spPr>
           <a:xfrm rot="0">
-            <a:off x="6824980" y="4328160"/>
-            <a:ext cx="4082415" cy="2061845"/>
+            <a:off x="6824980" y="4194810"/>
+            <a:ext cx="4129405" cy="2061845"/>
           </a:xfrm>
           <a:prstGeom prst="rect"/>
           <a:noFill/>
@@ -8541,7 +8620,7 @@
           </a:ln>
         </p:spPr>
         <p:txBody>
-          <a:bodyPr wrap="square" lIns="89535" tIns="46355" rIns="89535" bIns="46355" vert="horz" anchor="t">
+          <a:bodyPr wrap="square" lIns="89535" tIns="46355" rIns="89535" bIns="46355" numCol="1" vert="horz" anchor="t">
             <a:spAutoFit/>
           </a:bodyPr>
           <a:lstStyle/>
@@ -8618,16 +8697,121 @@
           </a:p>
         </p:txBody>
       </p:sp>
+      <p:sp>
+        <p:nvSpPr>
+          <p:cNvPr id="13" name="텍스트 상자 57"/>
+          <p:cNvSpPr txBox="1">
+            <a:spLocks/>
+          </p:cNvSpPr>
+          <p:nvPr/>
+        </p:nvSpPr>
+        <p:spPr>
+          <a:xfrm rot="0">
+            <a:off x="1257935" y="3919855"/>
+            <a:ext cx="4112260" cy="2338705"/>
+          </a:xfrm>
+          <a:prstGeom prst="rect"/>
+          <a:noFill/>
+          <a:ln w="0">
+            <a:noFill/>
+            <a:prstDash/>
+          </a:ln>
+        </p:spPr>
+        <p:txBody>
+          <a:bodyPr wrap="square" lIns="89535" tIns="46355" rIns="89535" bIns="46355" numCol="1" vert="horz" anchor="t">
+            <a:spAutoFit/>
+          </a:bodyPr>
+          <a:lstStyle/>
+          <a:p>
+            <a:pPr marL="0" indent="0" rtl="0" algn="l" defTabSz="914400" eaLnBrk="1" latinLnBrk="0" hangingPunct="1">
+              <a:buFontTx/>
+              <a:buNone/>
+            </a:pPr>
+            <a:r>
+              <a:rPr lang="ko-KR" sz="2000" b="1">
+                <a:solidFill>
+                  <a:srgbClr val="0611F2"/>
+                </a:solidFill>
+                <a:latin typeface="맑은 고딕" charset="0"/>
+                <a:ea typeface="맑은 고딕" charset="0"/>
+              </a:rPr>
+              <a:t>4</a:t>
+            </a:r>
+            <a:r>
+              <a:rPr sz="2000" b="1">
+                <a:solidFill>
+                  <a:srgbClr val="0611F2"/>
+                </a:solidFill>
+                <a:latin typeface="맑은 고딕" charset="0"/>
+                <a:ea typeface="맑은 고딕" charset="0"/>
+              </a:rPr>
+              <a:t>.</a:t>
+            </a:r>
+            <a:r>
+              <a:rPr sz="2000">
+                <a:latin typeface="맑은 고딕" charset="0"/>
+                <a:ea typeface="맑은 고딕" charset="0"/>
+              </a:rPr>
+              <a:t> </a:t>
+            </a:r>
+            <a:r>
+              <a:rPr sz="1800">
+                <a:latin typeface="맑은 고딕" charset="0"/>
+                <a:ea typeface="맑은 고딕" charset="0"/>
+              </a:rPr>
+              <a:t>이</a:t>
+            </a:r>
+            <a:r>
+              <a:rPr lang="ko-KR" sz="1800">
+                <a:latin typeface="맑은 고딕" charset="0"/>
+                <a:ea typeface="맑은 고딕" charset="0"/>
+              </a:rPr>
+              <a:t>제 Revolution 스크립트에서 기준 축이 되기 위한 게임 오브젝트 변수와 속도를 지정할 float 변수를 선언합니다.</a:t>
+            </a:r>
+            <a:endParaRPr lang="ko-KR" altLang="en-US" sz="1800">
+              <a:latin typeface="맑은 고딕" charset="0"/>
+              <a:ea typeface="맑은 고딕" charset="0"/>
+            </a:endParaRPr>
+          </a:p>
+          <a:p>
+            <a:pPr marL="0" indent="0" rtl="0" algn="l" defTabSz="914400" eaLnBrk="1" latinLnBrk="0" hangingPunct="1">
+              <a:buFontTx/>
+              <a:buNone/>
+            </a:pPr>
+            <a:endParaRPr lang="ko-KR" altLang="en-US" sz="1800">
+              <a:latin typeface="맑은 고딕" charset="0"/>
+              <a:ea typeface="맑은 고딕" charset="0"/>
+            </a:endParaRPr>
+          </a:p>
+          <a:p>
+            <a:pPr marL="0" indent="0" rtl="0" algn="l" defTabSz="914400" eaLnBrk="1" latinLnBrk="0" hangingPunct="1">
+              <a:buFontTx/>
+              <a:buNone/>
+            </a:pPr>
+            <a:r>
+              <a:rPr lang="ko-KR" sz="1800">
+                <a:latin typeface="맑은 고딕" charset="0"/>
+                <a:ea typeface="맑은 고딕" charset="0"/>
+              </a:rPr>
+              <a:t>그런 다음 회전을 축이 될 게임 오브젝트를 설정하고 회전할 축을 지정하고 회전 속도를 설정합니다. </a:t>
+            </a:r>
+            <a:endParaRPr lang="ko-KR" altLang="en-US" sz="1800">
+              <a:latin typeface="맑은 고딕" charset="0"/>
+              <a:ea typeface="맑은 고딕" charset="0"/>
+            </a:endParaRPr>
+          </a:p>
+        </p:txBody>
+      </p:sp>
       <p:pic>
         <p:nvPicPr>
-          <p:cNvPr id="12" name="그림 55" descr="C:/Users/Admin1/AppData/Roaming/PolarisOffice/ETemp/28884_16498880/fImage105351828145.png"/>
+          <p:cNvPr id="18" name="그림 68" descr="C:/Users/Admin1/AppData/Roaming/PolarisOffice/ETemp/11968_23123384/fImage2088951919961.png"/>
           <p:cNvPicPr>
             <a:picLocks noChangeAspect="1"/>
           </p:cNvPicPr>
           <p:nvPr/>
         </p:nvPicPr>
         <p:blipFill rotWithShape="1">
-          <a:blip r:embed="rId2" cstate="hqprint">
+          <a:blip r:embed="rId5" cstate="hqprint">
             <a:extLst>
               <a:ext uri="{28A0092B-C50C-407E-A947-70E740481C1C}">
                 <a14:useLocalDpi xmlns:a14="http://schemas.microsoft.com/office/drawing/2010/main"/>
@@ -8640,8 +8824,8 @@
         </p:blipFill>
         <p:spPr>
           <a:xfrm rot="0">
-            <a:off x="1247140" y="1271905"/>
-            <a:ext cx="4140835" cy="1347470"/>
+            <a:off x="6875145" y="2790825"/>
+            <a:ext cx="4079240" cy="1276985"/>
           </a:xfrm>
           <a:prstGeom prst="roundRect"/>
           <a:solidFill>
@@ -8649,121 +8833,47 @@
           </a:solidFill>
         </p:spPr>
       </p:pic>
-      <p:sp>
-        <p:nvSpPr>
-          <p:cNvPr id="13" name="텍스트 상자 57"/>
-          <p:cNvSpPr txBox="1">
-            <a:spLocks/>
-          </p:cNvSpPr>
-          <p:nvPr/>
-        </p:nvSpPr>
-        <p:spPr>
-          <a:xfrm rot="0">
-            <a:off x="1257300" y="4050665"/>
-            <a:ext cx="4135755" cy="2338705"/>
-          </a:xfrm>
-          <a:prstGeom prst="rect"/>
-          <a:noFill/>
-          <a:ln w="0">
-            <a:noFill/>
-            <a:prstDash/>
-          </a:ln>
-        </p:spPr>
-        <p:txBody>
-          <a:bodyPr wrap="square" lIns="89535" tIns="46355" rIns="89535" bIns="46355" vert="horz" anchor="t">
-            <a:spAutoFit/>
-          </a:bodyPr>
-          <a:lstStyle/>
-          <a:p>
-            <a:pPr marL="0" indent="0" rtl="0" algn="l" defTabSz="914400" eaLnBrk="1" latinLnBrk="0" hangingPunct="1">
-              <a:buFontTx/>
-              <a:buNone/>
-            </a:pPr>
-            <a:r>
-              <a:rPr lang="ko-KR" sz="2000" b="1">
-                <a:solidFill>
-                  <a:srgbClr val="0611F2"/>
-                </a:solidFill>
-                <a:latin typeface="맑은 고딕" charset="0"/>
-                <a:ea typeface="맑은 고딕" charset="0"/>
-              </a:rPr>
-              <a:t>4</a:t>
-            </a:r>
-            <a:r>
-              <a:rPr sz="2000" b="1">
-                <a:solidFill>
-                  <a:srgbClr val="0611F2"/>
-                </a:solidFill>
-                <a:latin typeface="맑은 고딕" charset="0"/>
-                <a:ea typeface="맑은 고딕" charset="0"/>
-              </a:rPr>
-              <a:t>.</a:t>
-            </a:r>
-            <a:r>
-              <a:rPr sz="2000">
-                <a:latin typeface="맑은 고딕" charset="0"/>
-                <a:ea typeface="맑은 고딕" charset="0"/>
-              </a:rPr>
-              <a:t> </a:t>
-            </a:r>
-            <a:r>
-              <a:rPr sz="1800">
-                <a:latin typeface="맑은 고딕" charset="0"/>
-                <a:ea typeface="맑은 고딕" charset="0"/>
-              </a:rPr>
-              <a:t>이</a:t>
-            </a:r>
-            <a:r>
-              <a:rPr lang="ko-KR" sz="1800">
-                <a:latin typeface="맑은 고딕" charset="0"/>
-                <a:ea typeface="맑은 고딕" charset="0"/>
-              </a:rPr>
-              <a:t>제 Revolution 스크립트에서 기준 축이 되기 위한 게임 오브젝트 변수와 속도를 지정할 float 변수를 선언합니다.</a:t>
-            </a:r>
-            <a:endParaRPr lang="ko-KR" altLang="en-US" sz="1800">
-              <a:latin typeface="맑은 고딕" charset="0"/>
-              <a:ea typeface="맑은 고딕" charset="0"/>
-            </a:endParaRPr>
-          </a:p>
-          <a:p>
-            <a:pPr marL="0" indent="0" rtl="0" algn="l" defTabSz="914400" eaLnBrk="1" latinLnBrk="0" hangingPunct="1">
-              <a:buFontTx/>
-              <a:buNone/>
-            </a:pPr>
-            <a:endParaRPr lang="ko-KR" altLang="en-US" sz="1800">
-              <a:latin typeface="맑은 고딕" charset="0"/>
-              <a:ea typeface="맑은 고딕" charset="0"/>
-            </a:endParaRPr>
-          </a:p>
-          <a:p>
-            <a:pPr marL="0" indent="0" rtl="0" algn="l" defTabSz="914400" eaLnBrk="1" latinLnBrk="0" hangingPunct="1">
-              <a:buFontTx/>
-              <a:buNone/>
-            </a:pPr>
-            <a:r>
-              <a:rPr lang="ko-KR" sz="1800">
-                <a:latin typeface="맑은 고딕" charset="0"/>
-                <a:ea typeface="맑은 고딕" charset="0"/>
-              </a:rPr>
-              <a:t>그런 다음 회전을 축이 될 게임 오브젝트를 설정하고 회전할 축을 지정하고 회전 속도를 설정합니다. </a:t>
-            </a:r>
-            <a:endParaRPr lang="ko-KR" altLang="en-US" sz="1800">
-              <a:latin typeface="맑은 고딕" charset="0"/>
-              <a:ea typeface="맑은 고딕" charset="0"/>
-            </a:endParaRPr>
-          </a:p>
-        </p:txBody>
-      </p:sp>
       <p:pic>
         <p:nvPicPr>
-          <p:cNvPr id="14" name="그림 61"/>
+          <p:cNvPr id="20" name="그림 9" descr="C:/Users/Admin1/AppData/Roaming/PolarisOffice/ETemp/11968_23123384/fImage2669918941.png"/>
           <p:cNvPicPr>
             <a:picLocks noChangeAspect="1"/>
           </p:cNvPicPr>
           <p:nvPr/>
         </p:nvPicPr>
         <p:blipFill rotWithShape="1">
-          <a:blip r:embed="rId3" cstate="print">
+          <a:blip r:embed="rId7" cstate="hqprint">
+            <a:extLst>
+              <a:ext uri="{28A0092B-C50C-407E-A947-70E740481C1C}">
+                <a14:useLocalDpi xmlns:a14="http://schemas.microsoft.com/office/drawing/2010/main"/>
+              </a:ext>
+            </a:extLst>
+          </a:blip>
+          <a:stretch>
+            <a:fillRect/>
+          </a:stretch>
+        </p:blipFill>
+        <p:spPr>
+          <a:xfrm rot="0">
+            <a:off x="8221345" y="1380490"/>
+            <a:ext cx="2733040" cy="1201420"/>
+          </a:xfrm>
+          <a:prstGeom prst="roundRect"/>
+          <a:solidFill>
+            <a:srgbClr val="EDEDED"/>
+          </a:solidFill>
+        </p:spPr>
+      </p:pic>
+      <p:pic>
+        <p:nvPicPr>
+          <p:cNvPr id="21" name="그림 12" descr="C:/Users/Admin1/AppData/Roaming/PolarisOffice/ETemp/11968_23123384/fImage480851509169.png"/>
+          <p:cNvPicPr>
+            <a:picLocks noChangeAspect="1"/>
+          </p:cNvPicPr>
+          <p:nvPr/>
+        </p:nvPicPr>
+        <p:blipFill rotWithShape="1">
+          <a:blip r:embed="rId8" cstate="print">
             <a:extLst>
               <a:ext uri="{28A0092B-C50C-407E-A947-70E740481C1C}">
                 <a14:useLocalDpi xmlns:a14="http://schemas.microsoft.com/office/drawing/2010/main" val="0"/>
@@ -8776,8 +8886,8 @@
         </p:blipFill>
         <p:spPr>
           <a:xfrm rot="0">
-            <a:off x="6825615" y="1363345"/>
-            <a:ext cx="1180465" cy="915035"/>
+            <a:off x="1257300" y="1400175"/>
+            <a:ext cx="4115435" cy="2391410"/>
           </a:xfrm>
           <a:prstGeom prst="roundRect"/>
           <a:solidFill>
@@ -8787,14 +8897,14 @@
       </p:pic>
       <p:pic>
         <p:nvPicPr>
-          <p:cNvPr id="18" name="그림 68"/>
+          <p:cNvPr id="22" name="그림 18" descr="C:/Users/Admin1/AppData/Roaming/PolarisOffice/ETemp/11968_23123384/fImage52601525724.png"/>
           <p:cNvPicPr>
             <a:picLocks noChangeAspect="1"/>
           </p:cNvPicPr>
           <p:nvPr/>
         </p:nvPicPr>
         <p:blipFill rotWithShape="1">
-          <a:blip r:embed="rId5" cstate="print">
+          <a:blip r:embed="rId9" cstate="print">
             <a:extLst>
               <a:ext uri="{28A0092B-C50C-407E-A947-70E740481C1C}">
                 <a14:useLocalDpi xmlns:a14="http://schemas.microsoft.com/office/drawing/2010/main" val="0"/>
@@ -8807,68 +8917,8 @@
         </p:blipFill>
         <p:spPr>
           <a:xfrm rot="0">
-            <a:off x="6827520" y="2660650"/>
-            <a:ext cx="4079875" cy="1537970"/>
-          </a:xfrm>
-          <a:prstGeom prst="roundRect"/>
-          <a:solidFill>
-            <a:srgbClr val="EDEDED"/>
-          </a:solidFill>
-        </p:spPr>
-      </p:pic>
-      <p:pic>
-        <p:nvPicPr>
-          <p:cNvPr id="19" name="그림 74" descr="C:/Users/Admin1/AppData/Roaming/PolarisOffice/ETemp/28884_16498880/fImage297631193491.png"/>
-          <p:cNvPicPr>
-            <a:picLocks noChangeAspect="1"/>
-          </p:cNvPicPr>
-          <p:nvPr/>
-        </p:nvPicPr>
-        <p:blipFill rotWithShape="1">
-          <a:blip r:embed="rId6" cstate="hqprint">
-            <a:extLst>
-              <a:ext uri="{28A0092B-C50C-407E-A947-70E740481C1C}">
-                <a14:useLocalDpi xmlns:a14="http://schemas.microsoft.com/office/drawing/2010/main"/>
-              </a:ext>
-            </a:extLst>
-          </a:blip>
-          <a:stretch>
-            <a:fillRect/>
-          </a:stretch>
-        </p:blipFill>
-        <p:spPr>
-          <a:xfrm rot="0">
-            <a:off x="1254125" y="2825750"/>
-            <a:ext cx="4133850" cy="1056640"/>
-          </a:xfrm>
-          <a:prstGeom prst="rect"/>
-          <a:noFill/>
-        </p:spPr>
-      </p:pic>
-      <p:pic>
-        <p:nvPicPr>
-          <p:cNvPr id="20" name="그림 9"/>
-          <p:cNvPicPr>
-            <a:picLocks noChangeAspect="1"/>
-          </p:cNvPicPr>
-          <p:nvPr/>
-        </p:nvPicPr>
-        <p:blipFill rotWithShape="1">
-          <a:blip r:embed="rId7" cstate="print">
-            <a:extLst>
-              <a:ext uri="{28A0092B-C50C-407E-A947-70E740481C1C}">
-                <a14:useLocalDpi xmlns:a14="http://schemas.microsoft.com/office/drawing/2010/main" val="0"/>
-              </a:ext>
-            </a:extLst>
-          </a:blip>
-          <a:stretch>
-            <a:fillRect/>
-          </a:stretch>
-        </p:blipFill>
-        <p:spPr>
-          <a:xfrm rot="0">
-            <a:off x="8221345" y="1266190"/>
-            <a:ext cx="2688590" cy="1200785"/>
+            <a:off x="6877050" y="1381125"/>
+            <a:ext cx="1210310" cy="1219835"/>
           </a:xfrm>
           <a:prstGeom prst="roundRect"/>
           <a:solidFill>
@@ -8884,8 +8934,8 @@
         </p:nvCxnSpPr>
         <p:spPr>
           <a:xfrm rot="0" flipH="1">
-            <a:off x="7415530" y="2161540"/>
-            <a:ext cx="906780" cy="635"/>
+            <a:off x="7505700" y="2314575"/>
+            <a:ext cx="810260" cy="191135"/>
           </a:xfrm>
           <a:prstGeom prst="straightConnector1"/>
           <a:ln w="6350" cap="flat" cmpd="sng">
@@ -8915,9 +8965,9 @@
           <p:nvPr/>
         </p:nvCxnSpPr>
         <p:spPr>
-          <a:xfrm rot="0" flipH="1" flipV="1">
-            <a:off x="7365365" y="1970405"/>
-            <a:ext cx="2851785" cy="8890"/>
+          <a:xfrm rot="0" flipH="1">
+            <a:off x="7505700" y="2076450"/>
+            <a:ext cx="2743835" cy="210185"/>
           </a:xfrm>
           <a:prstGeom prst="straightConnector1"/>
           <a:ln w="6350" cap="flat" cmpd="sng">
@@ -9080,8 +9130,8 @@
         </p:nvSpPr>
         <p:spPr>
           <a:xfrm rot="0">
-            <a:off x="6824980" y="3314065"/>
-            <a:ext cx="4115435" cy="2892425"/>
+            <a:off x="6824980" y="3609340"/>
+            <a:ext cx="4110355" cy="2615565"/>
           </a:xfrm>
           <a:prstGeom prst="rect"/>
           <a:noFill/>
@@ -9091,7 +9141,7 @@
           </a:ln>
         </p:spPr>
         <p:txBody>
-          <a:bodyPr wrap="square" lIns="89535" tIns="46355" rIns="89535" bIns="46355" vert="horz" anchor="t">
+          <a:bodyPr wrap="square" lIns="89535" tIns="46355" rIns="89535" bIns="46355" numCol="1" vert="horz" anchor="t">
             <a:spAutoFit/>
           </a:bodyPr>
           <a:lstStyle/>
@@ -9132,7 +9182,7 @@
                 <a:latin typeface="맑은 고딕" charset="0"/>
                 <a:ea typeface="맑은 고딕" charset="0"/>
               </a:rPr>
-              <a:t>그리고 Observe 스크립트에서 바라보기 위한 게임 오브젝트 변수를 선언합니다.</a:t>
+              <a:t>그리고 Observe 스크립트에서  게임 오브젝트 변수를 선언합니다.</a:t>
             </a:r>
             <a:endParaRPr lang="ko-KR" altLang="en-US" sz="1800">
               <a:latin typeface="맑은 고딕" charset="0"/>
@@ -9205,8 +9255,8 @@
         </p:nvSpPr>
         <p:spPr>
           <a:xfrm rot="0">
-            <a:off x="1256665" y="2626995"/>
-            <a:ext cx="4136390" cy="1231900"/>
+            <a:off x="1256665" y="2760345"/>
+            <a:ext cx="4137025" cy="1232535"/>
           </a:xfrm>
           <a:prstGeom prst="rect"/>
           <a:noFill/>
@@ -9275,14 +9325,14 @@
       </p:sp>
       <p:pic>
         <p:nvPicPr>
-          <p:cNvPr id="20" name="그림 81" descr="C:/Users/Admin1/AppData/Roaming/PolarisOffice/ETemp/5800_7652896/fImage38052071942.png"/>
+          <p:cNvPr id="26" name="그림 94" descr="C:/Users/Admin1/AppData/Roaming/PolarisOffice/ETemp/11968_23123384/fImage136652142391.png"/>
           <p:cNvPicPr>
             <a:picLocks noChangeAspect="1"/>
           </p:cNvPicPr>
           <p:nvPr/>
         </p:nvPicPr>
         <p:blipFill rotWithShape="1">
-          <a:blip r:embed="rId3" cstate="hqprint">
+          <a:blip r:embed="rId6" cstate="hqprint">
             <a:extLst>
               <a:ext uri="{28A0092B-C50C-407E-A947-70E740481C1C}">
                 <a14:useLocalDpi xmlns:a14="http://schemas.microsoft.com/office/drawing/2010/main"/>
@@ -9295,47 +9345,16 @@
         </p:blipFill>
         <p:spPr>
           <a:xfrm rot="0">
-            <a:off x="1259840" y="1271270"/>
-            <a:ext cx="1070610" cy="1145540"/>
-          </a:xfrm>
-          <a:prstGeom prst="roundRect"/>
-          <a:solidFill>
-            <a:srgbClr val="EDEDED"/>
-          </a:solidFill>
+            <a:off x="6805930" y="1485900"/>
+            <a:ext cx="4134485" cy="2010410"/>
+          </a:xfrm>
+          <a:prstGeom prst="rect"/>
+          <a:noFill/>
         </p:spPr>
       </p:pic>
       <p:pic>
         <p:nvPicPr>
-          <p:cNvPr id="26" name="그림 94"/>
-          <p:cNvPicPr>
-            <a:picLocks noChangeAspect="1"/>
-          </p:cNvPicPr>
-          <p:nvPr/>
-        </p:nvPicPr>
-        <p:blipFill rotWithShape="1">
-          <a:blip r:embed="rId6" cstate="print">
-            <a:extLst>
-              <a:ext uri="{28A0092B-C50C-407E-A947-70E740481C1C}">
-                <a14:useLocalDpi xmlns:a14="http://schemas.microsoft.com/office/drawing/2010/main" val="0"/>
-              </a:ext>
-            </a:extLst>
-          </a:blip>
-          <a:stretch>
-            <a:fillRect/>
-          </a:stretch>
-        </p:blipFill>
-        <p:spPr>
-          <a:xfrm rot="0">
-            <a:off x="6824980" y="1269365"/>
-            <a:ext cx="4133850" cy="1973580"/>
-          </a:xfrm>
-          <a:prstGeom prst="rect"/>
-          <a:noFill/>
-        </p:spPr>
-      </p:pic>
-      <p:pic>
-        <p:nvPicPr>
-          <p:cNvPr id="27" name="그림 5" descr="C:/Users/Admin1/AppData/Roaming/PolarisOffice/ETemp/5800_7652896/fImage11845223292.png"/>
+          <p:cNvPr id="27" name="그림 5" descr="C:/Users/Admin1/AppData/Roaming/PolarisOffice/ETemp/11968_23123384/fImage11845223292.png"/>
           <p:cNvPicPr>
             <a:picLocks noChangeAspect="1"/>
           </p:cNvPicPr>
@@ -9355,8 +9374,8 @@
         </p:blipFill>
         <p:spPr>
           <a:xfrm rot="0">
-            <a:off x="1266190" y="4009390"/>
-            <a:ext cx="4129405" cy="1420495"/>
+            <a:off x="1266190" y="4124325"/>
+            <a:ext cx="4130040" cy="1325245"/>
           </a:xfrm>
           <a:prstGeom prst="roundRect"/>
           <a:solidFill>
@@ -9451,14 +9470,14 @@
       </p:sp>
       <p:pic>
         <p:nvPicPr>
-          <p:cNvPr id="29" name="그림 7" descr="C:/Users/Admin1/AppData/Roaming/PolarisOffice/ETemp/5800_7652896/fImage793215641.png"/>
+          <p:cNvPr id="29" name="그림 21" descr="C:/Users/Admin1/AppData/Roaming/PolarisOffice/ETemp/11968_23123384/fImage73831531478.png"/>
           <p:cNvPicPr>
             <a:picLocks noChangeAspect="1"/>
           </p:cNvPicPr>
           <p:nvPr/>
         </p:nvPicPr>
         <p:blipFill rotWithShape="1">
-          <a:blip r:embed="rId8" cstate="print">
+          <a:blip r:embed="rId9" cstate="print">
             <a:extLst>
               <a:ext uri="{28A0092B-C50C-407E-A947-70E740481C1C}">
                 <a14:useLocalDpi xmlns:a14="http://schemas.microsoft.com/office/drawing/2010/main" val="0"/>
@@ -9471,8 +9490,39 @@
         </p:blipFill>
         <p:spPr>
           <a:xfrm rot="0">
-            <a:off x="2537460" y="1281430"/>
-            <a:ext cx="2866390" cy="1130935"/>
+            <a:off x="2466975" y="1485900"/>
+            <a:ext cx="2915285" cy="1191260"/>
+          </a:xfrm>
+          <a:prstGeom prst="roundRect"/>
+          <a:solidFill>
+            <a:srgbClr val="EDEDED"/>
+          </a:solidFill>
+        </p:spPr>
+      </p:pic>
+      <p:pic>
+        <p:nvPicPr>
+          <p:cNvPr id="30" name="그림 26" descr="C:/Users/Admin1/AppData/Roaming/PolarisOffice/ETemp/11968_23123384/fImage52101549358.png"/>
+          <p:cNvPicPr>
+            <a:picLocks noChangeAspect="1"/>
+          </p:cNvPicPr>
+          <p:nvPr/>
+        </p:nvPicPr>
+        <p:blipFill rotWithShape="1">
+          <a:blip r:embed="rId10" cstate="print">
+            <a:extLst>
+              <a:ext uri="{28A0092B-C50C-407E-A947-70E740481C1C}">
+                <a14:useLocalDpi xmlns:a14="http://schemas.microsoft.com/office/drawing/2010/main" val="0"/>
+              </a:ext>
+            </a:extLst>
+          </a:blip>
+          <a:stretch>
+            <a:fillRect/>
+          </a:stretch>
+        </p:blipFill>
+        <p:spPr>
+          <a:xfrm rot="0">
+            <a:off x="1247775" y="1485900"/>
+            <a:ext cx="1124585" cy="1180465"/>
           </a:xfrm>
           <a:prstGeom prst="roundRect"/>
           <a:solidFill>
@@ -9488,8 +9538,8 @@
         </p:nvCxnSpPr>
         <p:spPr>
           <a:xfrm rot="0" flipV="1">
-            <a:off x="1732280" y="1965960"/>
-            <a:ext cx="3594100" cy="95885"/>
+            <a:off x="1800225" y="2200275"/>
+            <a:ext cx="3477260" cy="143510"/>
           </a:xfrm>
           <a:prstGeom prst="straightConnector1"/>
           <a:ln w="6350" cap="flat" cmpd="sng">
@@ -9612,8 +9662,8 @@
         </p:nvSpPr>
         <p:spPr>
           <a:xfrm rot="0">
-            <a:off x="1296670" y="1197610"/>
-            <a:ext cx="4145280" cy="923925"/>
+            <a:off x="1247775" y="1407160"/>
+            <a:ext cx="4144010" cy="923925"/>
           </a:xfrm>
           <a:prstGeom prst="rect"/>
           <a:noFill/>
@@ -9670,8 +9720,8 @@
         </p:nvSpPr>
         <p:spPr>
           <a:xfrm rot="0">
-            <a:off x="6841490" y="2857500"/>
-            <a:ext cx="4140835" cy="3138805"/>
+            <a:off x="6841490" y="3028950"/>
+            <a:ext cx="4141470" cy="3139440"/>
           </a:xfrm>
           <a:prstGeom prst="rect"/>
           <a:noFill/>
@@ -9767,7 +9817,7 @@
       </p:sp>
       <p:pic>
         <p:nvPicPr>
-          <p:cNvPr id="5" name="그림 8"/>
+          <p:cNvPr id="5" name="그림 8" descr="C:/Users/Admin1/AppData/Roaming/PolarisOffice/ETemp/11968_23123384/fImage179831186500.png"/>
           <p:cNvPicPr>
             <a:picLocks noChangeAspect="1"/>
           </p:cNvPicPr>
@@ -9787,8 +9837,8 @@
         </p:blipFill>
         <p:spPr>
           <a:xfrm rot="0">
-            <a:off x="1296670" y="2352040"/>
-            <a:ext cx="4145280" cy="2287270"/>
+            <a:off x="1237615" y="2476500"/>
+            <a:ext cx="4154170" cy="2343785"/>
           </a:xfrm>
           <a:prstGeom prst="roundRect"/>
           <a:solidFill>
@@ -9806,8 +9856,8 @@
         </p:nvSpPr>
         <p:spPr>
           <a:xfrm rot="0">
-            <a:off x="1310640" y="4791710"/>
-            <a:ext cx="4136390" cy="1200785"/>
+            <a:off x="1228725" y="4972685"/>
+            <a:ext cx="4163060" cy="1200785"/>
           </a:xfrm>
           <a:prstGeom prst="rect"/>
           <a:noFill/>
@@ -9849,17 +9899,17 @@
       </p:sp>
       <p:pic>
         <p:nvPicPr>
-          <p:cNvPr id="7" name="그림 96"/>
+          <p:cNvPr id="7" name="그림 96" descr="C:/Users/Admin1/AppData/Roaming/PolarisOffice/ETemp/11968_23123384/fImage64702164604.png"/>
           <p:cNvPicPr>
             <a:picLocks noChangeAspect="1"/>
           </p:cNvPicPr>
           <p:nvPr/>
         </p:nvPicPr>
         <p:blipFill rotWithShape="1">
-          <a:blip r:embed="rId20" cstate="print">
+          <a:blip r:embed="rId20" cstate="hqprint">
             <a:extLst>
               <a:ext uri="{28A0092B-C50C-407E-A947-70E740481C1C}">
-                <a14:useLocalDpi xmlns:a14="http://schemas.microsoft.com/office/drawing/2010/main" val="0"/>
+                <a14:useLocalDpi xmlns:a14="http://schemas.microsoft.com/office/drawing/2010/main"/>
               </a:ext>
             </a:extLst>
           </a:blip>
@@ -9869,8 +9919,8 @@
         </p:blipFill>
         <p:spPr>
           <a:xfrm rot="0">
-            <a:off x="6841490" y="1196975"/>
-            <a:ext cx="4140835" cy="1571625"/>
+            <a:off x="6841490" y="1409700"/>
+            <a:ext cx="4141470" cy="1429385"/>
           </a:xfrm>
           <a:prstGeom prst="roundRect"/>
           <a:solidFill>

--- a/Assets/Class/Rotation/PPT Data/Rotation Example.pptx
+++ b/Assets/Class/Rotation/PPT Data/Rotation Example.pptx
@@ -2,7 +2,7 @@
 <file path=ppt/presentation.xml><?xml version="1.0" encoding="utf-8"?>
 <p:presentation xmlns:a="http://schemas.openxmlformats.org/drawingml/2006/main" xmlns:r="http://schemas.openxmlformats.org/officeDocument/2006/relationships" xmlns:p="http://schemas.openxmlformats.org/presentationml/2006/main" xmlns:p14="http://schemas.microsoft.com/office/powerpoint/2010/main" saveSubsetFonts="1" firstSlideNum="0">
   <p:sldMasterIdLst>
-    <p:sldMasterId id="2147485421" r:id="rId12"/>
+    <p:sldMasterId id="2147485451" r:id="rId12"/>
   </p:sldMasterIdLst>
   <p:notesMasterIdLst>
     <p:notesMasterId r:id="rId14"/>
@@ -5657,7 +5657,7 @@
         <p:spPr>
           <a:xfrm rot="0">
             <a:off x="6816725" y="2682875"/>
-            <a:ext cx="4149725" cy="955040"/>
+            <a:ext cx="4140835" cy="954405"/>
           </a:xfrm>
           <a:prstGeom prst="rect"/>
           <a:noFill/>
@@ -5828,7 +5828,7 @@
       </p:sp>
       <p:pic>
         <p:nvPicPr>
-          <p:cNvPr id="36" name="그림 8" descr="C:/Users/Admin1/AppData/Roaming/PolarisOffice/ETemp/11968_23123384/fImage12394608467.png"/>
+          <p:cNvPr id="36" name="그림 8" descr="C:/Users/Admin1/AppData/Roaming/PolarisOffice/ETemp/26060_11593280/fImage12394608467.png"/>
           <p:cNvPicPr>
             <a:picLocks noChangeAspect="1"/>
           </p:cNvPicPr>
@@ -5848,8 +5848,8 @@
         </p:blipFill>
         <p:spPr>
           <a:xfrm rot="0">
-            <a:off x="2571750" y="1299210"/>
-            <a:ext cx="2814955" cy="1429385"/>
+            <a:off x="2571750" y="1446530"/>
+            <a:ext cx="2815590" cy="1282700"/>
           </a:xfrm>
           <a:prstGeom prst="roundRect"/>
           <a:solidFill>
@@ -5859,7 +5859,7 @@
       </p:pic>
       <p:pic>
         <p:nvPicPr>
-          <p:cNvPr id="37" name="그림 11" descr="C:/Users/Admin1/AppData/Roaming/PolarisOffice/ETemp/11968_23123384/fImage6508616334.png"/>
+          <p:cNvPr id="37" name="그림 11"/>
           <p:cNvPicPr>
             <a:picLocks noChangeAspect="1"/>
           </p:cNvPicPr>
@@ -5890,7 +5890,7 @@
       </p:pic>
       <p:pic>
         <p:nvPicPr>
-          <p:cNvPr id="40" name="그림 19" descr="C:/Users/Admin1/AppData/Roaming/PolarisOffice/ETemp/11968_23123384/fImage12851659169.png"/>
+          <p:cNvPr id="40" name="그림 19" descr="C:/Users/Admin1/AppData/Roaming/PolarisOffice/ETemp/26060_11593280/fImage12851659169.png"/>
           <p:cNvPicPr>
             <a:picLocks noChangeAspect="1"/>
           </p:cNvPicPr>
@@ -5910,8 +5910,8 @@
         </p:blipFill>
         <p:spPr>
           <a:xfrm rot="0">
-            <a:off x="6823710" y="1297305"/>
-            <a:ext cx="4139565" cy="1280795"/>
+            <a:off x="6823710" y="1446530"/>
+            <a:ext cx="4140200" cy="1132205"/>
           </a:xfrm>
           <a:prstGeom prst="roundRect"/>
           <a:solidFill>
@@ -5921,7 +5921,7 @@
       </p:pic>
       <p:pic>
         <p:nvPicPr>
-          <p:cNvPr id="42" name="그림 26" descr="C:/Users/Admin1/AppData/Roaming/PolarisOffice/ETemp/11968_23123384/fImage2177681478.png"/>
+          <p:cNvPr id="42" name="그림 26"/>
           <p:cNvPicPr>
             <a:picLocks noChangeAspect="1"/>
           </p:cNvPicPr>
@@ -6026,17 +6026,17 @@
       </p:sp>
       <p:pic>
         <p:nvPicPr>
-          <p:cNvPr id="45" name="그림 1" descr="C:/Users/Admin1/AppData/Roaming/PolarisOffice/ETemp/11968_23123384/fImage383514641.png"/>
+          <p:cNvPr id="45" name="그림 1" descr="C:/Users/Admin1/AppData/Roaming/PolarisOffice/ETemp/26060_11593280/fImage383514641.png"/>
           <p:cNvPicPr>
             <a:picLocks noChangeAspect="1"/>
           </p:cNvPicPr>
           <p:nvPr/>
         </p:nvPicPr>
         <p:blipFill rotWithShape="1">
-          <a:blip r:embed="rId31" cstate="print">
+          <a:blip r:embed="rId31" cstate="hqprint">
             <a:extLst>
               <a:ext uri="{28A0092B-C50C-407E-A947-70E740481C1C}">
-                <a14:useLocalDpi xmlns:a14="http://schemas.microsoft.com/office/drawing/2010/main" val="0"/>
+                <a14:useLocalDpi xmlns:a14="http://schemas.microsoft.com/office/drawing/2010/main"/>
               </a:ext>
             </a:extLst>
           </a:blip>
@@ -6046,8 +6046,8 @@
         </p:blipFill>
         <p:spPr>
           <a:xfrm rot="0">
-            <a:off x="1229360" y="1575435"/>
-            <a:ext cx="1187450" cy="883920"/>
+            <a:off x="1229360" y="1616710"/>
+            <a:ext cx="1188085" cy="918845"/>
           </a:xfrm>
           <a:prstGeom prst="roundRect"/>
           <a:solidFill>
@@ -6057,7 +6057,7 @@
       </p:pic>
       <p:pic>
         <p:nvPicPr>
-          <p:cNvPr id="46" name="그림 4" descr="C:/Users/Admin1/AppData/Roaming/PolarisOffice/ETemp/11968_23123384/fImage45811478467.png"/>
+          <p:cNvPr id="46" name="그림 4"/>
           <p:cNvPicPr>
             <a:picLocks noChangeAspect="1"/>
           </p:cNvPicPr>
@@ -6094,8 +6094,8 @@
         </p:nvCxnSpPr>
         <p:spPr>
           <a:xfrm rot="0" flipH="1">
-            <a:off x="2277745" y="4511675"/>
-            <a:ext cx="450850" cy="329565"/>
+            <a:off x="2286000" y="4447540"/>
+            <a:ext cx="416560" cy="394335"/>
           </a:xfrm>
           <a:prstGeom prst="straightConnector1"/>
           <a:ln w="6350" cap="flat" cmpd="sng">
@@ -6120,17 +6120,17 @@
       </p:cxnSp>
       <p:pic>
         <p:nvPicPr>
-          <p:cNvPr id="47" name="그림 7" descr="C:/Users/Admin1/AppData/Roaming/PolarisOffice/ETemp/11968_23123384/fImage45811486334.png"/>
+          <p:cNvPr id="47" name="그림 7" descr="C:/Users/Admin1/AppData/Roaming/PolarisOffice/ETemp/26060_11593280/fImage45811486334.png"/>
           <p:cNvPicPr>
             <a:picLocks noChangeAspect="1"/>
           </p:cNvPicPr>
           <p:nvPr/>
         </p:nvPicPr>
         <p:blipFill rotWithShape="1">
-          <a:blip r:embed="rId33" cstate="print">
+          <a:blip r:embed="rId33" cstate="hqprint">
             <a:extLst>
               <a:ext uri="{28A0092B-C50C-407E-A947-70E740481C1C}">
-                <a14:useLocalDpi xmlns:a14="http://schemas.microsoft.com/office/drawing/2010/main" val="0"/>
+                <a14:useLocalDpi xmlns:a14="http://schemas.microsoft.com/office/drawing/2010/main"/>
               </a:ext>
             </a:extLst>
           </a:blip>
@@ -6140,8 +6140,8 @@
         </p:blipFill>
         <p:spPr>
           <a:xfrm rot="0">
-            <a:off x="6814820" y="3775710"/>
-            <a:ext cx="2945130" cy="1360170"/>
+            <a:off x="6814820" y="3799205"/>
+            <a:ext cx="2945765" cy="1337310"/>
           </a:xfrm>
           <a:prstGeom prst="roundRect"/>
           <a:solidFill>
@@ -6232,7 +6232,7 @@
         <p:spPr>
           <a:xfrm>
             <a:off x="4344670" y="386715"/>
-            <a:ext cx="3504565" cy="554990"/>
+            <a:ext cx="3505200" cy="554990"/>
           </a:xfrm>
           <a:prstGeom prst="rect"/>
           <a:noFill/>
@@ -6259,7 +6259,7 @@
                 <a:latin typeface="맑은 고딕" charset="0"/>
                 <a:ea typeface="맑은 고딕" charset="0"/>
               </a:rPr>
-              <a:t>여덟</a:t>
+              <a:t>일곱</a:t>
             </a:r>
             <a:r>
               <a:rPr lang="ko-KR" sz="3000" b="1">
@@ -6528,7 +6528,7 @@
       </p:cxnSp>
       <p:pic>
         <p:nvPicPr>
-          <p:cNvPr id="43" name="그림 22" descr="C:/Users/Admin1/AppData/Roaming/PolarisOffice/ETemp/5800_7652896/fImage125272141478.png"/>
+          <p:cNvPr id="43" name="그림 22"/>
           <p:cNvPicPr>
             <a:picLocks noChangeAspect="1"/>
           </p:cNvPicPr>
@@ -6708,9 +6708,9 @@
           <p:nvPr/>
         </p:nvSpPr>
         <p:spPr>
-          <a:xfrm rot="0">
+          <a:xfrm>
             <a:off x="4344670" y="386715"/>
-            <a:ext cx="3579495" cy="554990"/>
+            <a:ext cx="3580130" cy="554990"/>
           </a:xfrm>
           <a:prstGeom prst="rect"/>
           <a:noFill/>
@@ -6737,7 +6737,7 @@
                 <a:latin typeface="맑은 고딕" charset="0"/>
                 <a:ea typeface="맑은 고딕" charset="0"/>
               </a:rPr>
-              <a:t>아홉</a:t>
+              <a:t>여덟</a:t>
             </a:r>
             <a:r>
               <a:rPr lang="ko-KR" sz="3000" b="1">
@@ -7135,9 +7135,9 @@
           <p:nvPr/>
         </p:nvSpPr>
         <p:spPr>
-          <a:xfrm rot="0">
+          <a:xfrm>
             <a:off x="4344670" y="377825"/>
-            <a:ext cx="3501390" cy="554990"/>
+            <a:ext cx="3502025" cy="554990"/>
           </a:xfrm>
           <a:prstGeom prst="rect"/>
           <a:noFill/>
@@ -7164,7 +7164,7 @@
                 <a:latin typeface="맑은 고딕" charset="0"/>
                 <a:ea typeface="맑은 고딕" charset="0"/>
               </a:rPr>
-              <a:t>열</a:t>
+              <a:t>아홉</a:t>
             </a:r>
             <a:r>
               <a:rPr lang="ko-KR" sz="3000" b="1">
@@ -7259,17 +7259,17 @@
       </p:sp>
       <p:pic>
         <p:nvPicPr>
-          <p:cNvPr id="51" name="그림 7"/>
+          <p:cNvPr id="51" name="그림 7" descr="C:/Users/Admin1/AppData/Roaming/PolarisOffice/ETemp/26060_11593280/fImage121592226334.png"/>
           <p:cNvPicPr>
             <a:picLocks noChangeAspect="1"/>
           </p:cNvPicPr>
           <p:nvPr/>
         </p:nvPicPr>
         <p:blipFill rotWithShape="1">
-          <a:blip r:embed="rId4" cstate="print">
+          <a:blip r:embed="rId4" cstate="hqprint">
             <a:extLst>
               <a:ext uri="{28A0092B-C50C-407E-A947-70E740481C1C}">
-                <a14:useLocalDpi xmlns:a14="http://schemas.microsoft.com/office/drawing/2010/main" val="0"/>
+                <a14:useLocalDpi xmlns:a14="http://schemas.microsoft.com/office/drawing/2010/main"/>
               </a:ext>
             </a:extLst>
           </a:blip>
@@ -7279,8 +7279,8 @@
         </p:blipFill>
         <p:spPr>
           <a:xfrm rot="0">
-            <a:off x="1304925" y="1322070"/>
-            <a:ext cx="4057650" cy="1762760"/>
+            <a:off x="1304925" y="1454785"/>
+            <a:ext cx="4058285" cy="1630680"/>
           </a:xfrm>
           <a:prstGeom prst="roundRect"/>
           <a:solidFill>
@@ -7290,17 +7290,17 @@
       </p:pic>
       <p:pic>
         <p:nvPicPr>
-          <p:cNvPr id="52" name="그림 10"/>
+          <p:cNvPr id="52" name="그림 10" descr="C:/Users/Admin1/AppData/Roaming/PolarisOffice/ETemp/26060_11593280/fImage138792236500.png"/>
           <p:cNvPicPr>
             <a:picLocks noChangeAspect="1"/>
           </p:cNvPicPr>
           <p:nvPr/>
         </p:nvPicPr>
         <p:blipFill rotWithShape="1">
-          <a:blip r:embed="rId5" cstate="print">
+          <a:blip r:embed="rId5" cstate="hqprint">
             <a:extLst>
               <a:ext uri="{28A0092B-C50C-407E-A947-70E740481C1C}">
-                <a14:useLocalDpi xmlns:a14="http://schemas.microsoft.com/office/drawing/2010/main" val="0"/>
+                <a14:useLocalDpi xmlns:a14="http://schemas.microsoft.com/office/drawing/2010/main"/>
               </a:ext>
             </a:extLst>
           </a:blip>
@@ -7310,8 +7310,8 @@
         </p:blipFill>
         <p:spPr>
           <a:xfrm rot="0">
-            <a:off x="6833235" y="1321435"/>
-            <a:ext cx="3883025" cy="2153920"/>
+            <a:off x="6823710" y="1454785"/>
+            <a:ext cx="4130675" cy="2021205"/>
           </a:xfrm>
           <a:prstGeom prst="roundRect"/>
           <a:solidFill>
@@ -7321,7 +7321,7 @@
       </p:pic>
       <p:pic>
         <p:nvPicPr>
-          <p:cNvPr id="53" name="그림 13"/>
+          <p:cNvPr id="53" name="그림 13" descr="C:/Users/Admin1/AppData/Roaming/PolarisOffice/ETemp/26060_11593280/fImage40062026334.png"/>
           <p:cNvPicPr>
             <a:picLocks noChangeAspect="1"/>
           </p:cNvPicPr>
@@ -7341,8 +7341,8 @@
         </p:blipFill>
         <p:spPr>
           <a:xfrm rot="0">
-            <a:off x="6851015" y="3657600"/>
-            <a:ext cx="3865245" cy="1131570"/>
+            <a:off x="6851015" y="3691890"/>
+            <a:ext cx="4095115" cy="1079500"/>
           </a:xfrm>
           <a:prstGeom prst="roundRect"/>
           <a:solidFill>
@@ -7430,17 +7430,17 @@
       </p:sp>
       <p:pic>
         <p:nvPicPr>
-          <p:cNvPr id="55" name="그림 15"/>
+          <p:cNvPr id="55" name="그림 15" descr="C:/Users/Admin1/AppData/Roaming/PolarisOffice/ETemp/26060_11593280/fImage118882269169.png"/>
           <p:cNvPicPr>
             <a:picLocks noChangeAspect="1"/>
           </p:cNvPicPr>
           <p:nvPr/>
         </p:nvPicPr>
         <p:blipFill rotWithShape="1">
-          <a:blip r:embed="rId7" cstate="print">
+          <a:blip r:embed="rId7" cstate="hqprint">
             <a:extLst>
               <a:ext uri="{28A0092B-C50C-407E-A947-70E740481C1C}">
-                <a14:useLocalDpi xmlns:a14="http://schemas.microsoft.com/office/drawing/2010/main" val="0"/>
+                <a14:useLocalDpi xmlns:a14="http://schemas.microsoft.com/office/drawing/2010/main"/>
               </a:ext>
             </a:extLst>
           </a:blip>
@@ -7450,8 +7450,8 @@
         </p:blipFill>
         <p:spPr>
           <a:xfrm rot="0">
-            <a:off x="1313180" y="3333750"/>
-            <a:ext cx="4065905" cy="1762760"/>
+            <a:off x="1296035" y="3411855"/>
+            <a:ext cx="4056380" cy="1628775"/>
           </a:xfrm>
           <a:prstGeom prst="roundRect"/>
           <a:solidFill>
@@ -7467,13 +7467,12 @@
         </p:nvCxnSpPr>
         <p:spPr>
           <a:xfrm rot="0" flipV="1">
-            <a:off x="8080375" y="1720850"/>
-            <a:ext cx="2544445" cy="2219960"/>
+            <a:off x="8157210" y="1826895"/>
+            <a:ext cx="2719705" cy="2390775"/>
           </a:xfrm>
           <a:prstGeom prst="straightConnector1"/>
           <a:ln w="6350" cap="flat" cmpd="sng">
             <a:prstDash/>
-            <a:headEnd type="none" w="med" len="med"/>
             <a:tailEnd type="triangle" w="med" len="med"/>
           </a:ln>
         </p:spPr>
@@ -7592,8 +7591,8 @@
         </p:nvSpPr>
         <p:spPr>
           <a:xfrm rot="0">
-            <a:off x="984250" y="1351915"/>
-            <a:ext cx="4405630" cy="925195"/>
+            <a:off x="984250" y="1426845"/>
+            <a:ext cx="4386580" cy="923925"/>
           </a:xfrm>
           <a:prstGeom prst="rect"/>
           <a:noFill/>
@@ -7637,7 +7636,7 @@
         <p:spPr>
           <a:xfrm rot="0">
             <a:off x="981710" y="4393565"/>
-            <a:ext cx="4407535" cy="1756410"/>
+            <a:ext cx="4389120" cy="1754505"/>
           </a:xfrm>
           <a:prstGeom prst="rect"/>
           <a:noFill/>
@@ -7707,8 +7706,8 @@
         </p:nvSpPr>
         <p:spPr>
           <a:xfrm rot="0">
-            <a:off x="6863715" y="1355090"/>
-            <a:ext cx="4418330" cy="647700"/>
+            <a:off x="6824980" y="1430020"/>
+            <a:ext cx="4132580" cy="923925"/>
           </a:xfrm>
           <a:prstGeom prst="rect"/>
           <a:noFill/>
@@ -7743,7 +7742,7 @@
       </p:sp>
       <p:pic>
         <p:nvPicPr>
-          <p:cNvPr id="6" name="그림 25" descr="C:/Users/Admin1/AppData/Roaming/PolarisOffice/ETemp/11968_23123384/fImage8382821941.png"/>
+          <p:cNvPr id="6" name="그림 25" descr="C:/Users/Admin1/AppData/Roaming/PolarisOffice/ETemp/26060_11593280/fImage8382821941.png"/>
           <p:cNvPicPr>
             <a:picLocks noChangeAspect="1"/>
           </p:cNvPicPr>
@@ -7763,8 +7762,8 @@
         </p:blipFill>
         <p:spPr>
           <a:xfrm rot="0">
-            <a:off x="977265" y="2414270"/>
-            <a:ext cx="4408170" cy="1812290"/>
+            <a:off x="977265" y="2501900"/>
+            <a:ext cx="4401820" cy="1733550"/>
           </a:xfrm>
           <a:prstGeom prst="roundRect"/>
           <a:solidFill>
@@ -7774,7 +7773,7 @@
       </p:pic>
       <p:pic>
         <p:nvPicPr>
-          <p:cNvPr id="7" name="그림 26" descr="C:/Users/Admin1/AppData/Roaming/PolarisOffice/ETemp/11968_23123384/fImage320442208467.png"/>
+          <p:cNvPr id="7" name="그림 26" descr="C:/Users/Admin1/AppData/Roaming/PolarisOffice/ETemp/26060_11593280/fImage320442208467.png"/>
           <p:cNvPicPr>
             <a:picLocks noChangeAspect="1"/>
           </p:cNvPicPr>
@@ -7794,8 +7793,8 @@
         </p:blipFill>
         <p:spPr>
           <a:xfrm rot="0">
-            <a:off x="6903085" y="2260600"/>
-            <a:ext cx="1951355" cy="1577340"/>
+            <a:off x="6837045" y="2584450"/>
+            <a:ext cx="1984375" cy="1336675"/>
           </a:xfrm>
           <a:prstGeom prst="roundRect"/>
           <a:solidFill>
@@ -7805,7 +7804,7 @@
       </p:pic>
       <p:pic>
         <p:nvPicPr>
-          <p:cNvPr id="8" name="그림 27" descr="C:/Users/Admin1/AppData/Roaming/PolarisOffice/ETemp/11968_23123384/fImage42642216334.png"/>
+          <p:cNvPr id="8" name="그림 27" descr="C:/Users/Admin1/AppData/Roaming/PolarisOffice/ETemp/26060_11593280/fImage42642216334.png"/>
           <p:cNvPicPr>
             <a:picLocks noChangeAspect="1"/>
           </p:cNvPicPr>
@@ -7825,8 +7824,8 @@
         </p:blipFill>
         <p:spPr>
           <a:xfrm rot="0">
-            <a:off x="9319260" y="2249170"/>
-            <a:ext cx="1962785" cy="1588770"/>
+            <a:off x="8970010" y="2576195"/>
+            <a:ext cx="1995805" cy="1344930"/>
           </a:xfrm>
           <a:prstGeom prst="roundRect"/>
           <a:solidFill>
@@ -7844,8 +7843,8 @@
         </p:nvSpPr>
         <p:spPr>
           <a:xfrm rot="0">
-            <a:off x="6866890" y="4114165"/>
-            <a:ext cx="4423410" cy="2032000"/>
+            <a:off x="6833235" y="4114165"/>
+            <a:ext cx="4457700" cy="2031365"/>
           </a:xfrm>
           <a:prstGeom prst="rect"/>
           <a:noFill/>
@@ -8069,8 +8068,8 @@
         </p:nvSpPr>
         <p:spPr>
           <a:xfrm rot="0">
-            <a:off x="1188720" y="1494155"/>
-            <a:ext cx="4191000" cy="648335"/>
+            <a:off x="1222375" y="1502410"/>
+            <a:ext cx="4157980" cy="647065"/>
           </a:xfrm>
           <a:prstGeom prst="rect"/>
           <a:noFill/>
@@ -8119,8 +8118,8 @@
         </p:nvSpPr>
         <p:spPr>
           <a:xfrm rot="0">
-            <a:off x="1191895" y="5559425"/>
-            <a:ext cx="4187190" cy="647700"/>
+            <a:off x="1222375" y="5559425"/>
+            <a:ext cx="4157345" cy="647065"/>
           </a:xfrm>
           <a:prstGeom prst="rect"/>
           <a:noFill/>
@@ -8130,7 +8129,7 @@
           </a:ln>
         </p:spPr>
         <p:txBody>
-          <a:bodyPr wrap="square" lIns="89535" tIns="46355" rIns="89535" bIns="46355" vert="horz" anchor="t">
+          <a:bodyPr wrap="square" lIns="89535" tIns="46355" rIns="89535" bIns="46355" numCol="1" vert="horz" anchor="t">
             <a:spAutoFit/>
           </a:bodyPr>
           <a:lstStyle/>
@@ -8168,9 +8167,9 @@
           <p:nvPr/>
         </p:nvSpPr>
         <p:spPr>
-          <a:xfrm rot="0">
+          <a:xfrm>
             <a:off x="6845935" y="4255770"/>
-            <a:ext cx="4116705" cy="2061845"/>
+            <a:ext cx="4117340" cy="2061845"/>
           </a:xfrm>
           <a:prstGeom prst="rect"/>
           <a:noFill/>
@@ -8207,6 +8206,20 @@
               <a:t> </a:t>
             </a:r>
             <a:r>
+              <a:rPr sz="2000">
+                <a:latin typeface="맑은 고딕" charset="0"/>
+                <a:ea typeface="맑은 고딕" charset="0"/>
+              </a:rPr>
+              <a:t>이</a:t>
+            </a:r>
+            <a:r>
+              <a:rPr lang="ko-KR" sz="2000">
+                <a:latin typeface="맑은 고딕" charset="0"/>
+                <a:ea typeface="맑은 고딕" charset="0"/>
+              </a:rPr>
+              <a:t>제 </a:t>
+            </a:r>
+            <a:r>
               <a:rPr sz="1800">
                 <a:latin typeface="맑은 고딕" charset="0"/>
                 <a:ea typeface="맑은 고딕" charset="0"/>
@@ -8287,21 +8300,7 @@
                 <a:latin typeface="맑은 고딕" charset="0"/>
                 <a:ea typeface="맑은 고딕" charset="0"/>
               </a:rPr>
-              <a:t>다음</a:t>
-            </a:r>
-            <a:r>
-              <a:rPr lang="ko-KR" sz="1800">
-                <a:latin typeface="맑은 고딕" charset="0"/>
-                <a:ea typeface="맑은 고딕" charset="0"/>
-              </a:rPr>
-              <a:t>으로</a:t>
-            </a:r>
-            <a:r>
-              <a:rPr lang="ko-KR" sz="1800">
-                <a:latin typeface="맑은 고딕" charset="0"/>
-                <a:ea typeface="맑은 고딕" charset="0"/>
-              </a:rPr>
-              <a:t> Revolution 스크립트를 생성하여 Earth 오브젝트에 넣어줍니다.</a:t>
+              <a:t>다음으로 Revolution 스크립트를 생성하여 Earth 오브젝트에 넣어줍니다.</a:t>
             </a:r>
             <a:endParaRPr lang="ko-KR" altLang="en-US" sz="1800">
               <a:latin typeface="맑은 고딕" charset="0"/>
@@ -8312,7 +8311,7 @@
       </p:sp>
       <p:pic>
         <p:nvPicPr>
-          <p:cNvPr id="7" name="그림 41" descr="C:/Users/Admin1/AppData/Roaming/PolarisOffice/ETemp/11968_23123384/fImage571511679358.png"/>
+          <p:cNvPr id="7" name="그림 41" descr="C:/Users/Admin1/AppData/Roaming/PolarisOffice/ETemp/26060_11593280/fImage571511679358.png"/>
           <p:cNvPicPr>
             <a:picLocks noChangeAspect="1"/>
           </p:cNvPicPr>
@@ -8332,8 +8331,8 @@
         </p:blipFill>
         <p:spPr>
           <a:xfrm rot="0">
-            <a:off x="1198245" y="2314575"/>
-            <a:ext cx="4182745" cy="3030855"/>
+            <a:off x="1230630" y="2306320"/>
+            <a:ext cx="4150995" cy="3031490"/>
           </a:xfrm>
           <a:prstGeom prst="roundRect"/>
           <a:solidFill>
@@ -8343,7 +8342,7 @@
       </p:pic>
       <p:pic>
         <p:nvPicPr>
-          <p:cNvPr id="8" name="그림 42" descr="C:/Users/Admin1/AppData/Roaming/PolarisOffice/ETemp/11968_23123384/fImage150911686962.png"/>
+          <p:cNvPr id="8" name="그림 42"/>
           <p:cNvPicPr>
             <a:picLocks noChangeAspect="1"/>
           </p:cNvPicPr>
@@ -8374,7 +8373,7 @@
       </p:pic>
       <p:pic>
         <p:nvPicPr>
-          <p:cNvPr id="10" name="그림 49" descr="C:/Users/Admin1/AppData/Roaming/PolarisOffice/ETemp/11968_23123384/fImage21661715705.png"/>
+          <p:cNvPr id="10" name="그림 49" descr="C:/Users/Admin1/AppData/Roaming/PolarisOffice/ETemp/26060_11593280/fImage21661715705.png"/>
           <p:cNvPicPr>
             <a:picLocks noChangeAspect="1"/>
           </p:cNvPicPr>
@@ -8394,8 +8393,8 @@
         </p:blipFill>
         <p:spPr>
           <a:xfrm rot="0">
-            <a:off x="9963150" y="3290570"/>
-            <a:ext cx="719455" cy="746125"/>
+            <a:off x="9963150" y="3357245"/>
+            <a:ext cx="720090" cy="746760"/>
           </a:xfrm>
           <a:prstGeom prst="roundRect"/>
           <a:solidFill>
@@ -8414,8 +8413,8 @@
         </p:nvCxnSpPr>
         <p:spPr>
           <a:xfrm rot="0" flipH="1" flipV="1">
-            <a:off x="10314305" y="2909570"/>
-            <a:ext cx="8890" cy="381635"/>
+            <a:off x="10314305" y="2910205"/>
+            <a:ext cx="8890" cy="447675"/>
           </a:xfrm>
           <a:prstGeom prst="straightConnector1"/>
           <a:ln w="6350" cap="flat" cmpd="sng">
@@ -8440,7 +8439,7 @@
       </p:cxnSp>
       <p:pic>
         <p:nvPicPr>
-          <p:cNvPr id="12" name="그림 15" descr="C:/Users/Admin1/AppData/Roaming/PolarisOffice/ETemp/11968_23123384/fImage52601516500.png"/>
+          <p:cNvPr id="12" name="그림 15"/>
           <p:cNvPicPr>
             <a:picLocks noChangeAspect="1"/>
           </p:cNvPicPr>
@@ -8609,8 +8608,8 @@
         </p:nvSpPr>
         <p:spPr>
           <a:xfrm rot="0">
-            <a:off x="6824980" y="4194810"/>
-            <a:ext cx="4129405" cy="2061845"/>
+            <a:off x="6842125" y="2776855"/>
+            <a:ext cx="4130040" cy="954405"/>
           </a:xfrm>
           <a:prstGeom prst="rect"/>
           <a:noFill/>
@@ -8637,7 +8636,7 @@
                 <a:latin typeface="맑은 고딕" charset="0"/>
                 <a:ea typeface="맑은 고딕" charset="0"/>
               </a:rPr>
-              <a:t>5</a:t>
+              <a:t>8</a:t>
             </a:r>
             <a:r>
               <a:rPr sz="2000" b="1">
@@ -8661,34 +8660,70 @@
                 <a:latin typeface="맑은 고딕" charset="0"/>
                 <a:ea typeface="맑은 고딕" charset="0"/>
               </a:rPr>
-              <a:t>그리고 Project 폴더에서 Texture에 Earth 텍스처와 Sun 텍스처를 선택합니다.</a:t>
-            </a:r>
-            <a:endParaRPr lang="ko-KR" altLang="en-US" sz="1800">
-              <a:latin typeface="맑은 고딕" charset="0"/>
-              <a:ea typeface="맑은 고딕" charset="0"/>
-            </a:endParaRPr>
-          </a:p>
-          <a:p>
-            <a:pPr marL="0" indent="0" rtl="0" algn="l" defTabSz="914400" eaLnBrk="1" latinLnBrk="0" hangingPunct="1">
-              <a:buFontTx/>
-              <a:buNone/>
-            </a:pPr>
-            <a:endParaRPr lang="ko-KR" altLang="en-US" sz="1800">
-              <a:latin typeface="맑은 고딕" charset="0"/>
-              <a:ea typeface="맑은 고딕" charset="0"/>
-            </a:endParaRPr>
-          </a:p>
-          <a:p>
-            <a:pPr marL="0" indent="0" rtl="0" algn="l" defTabSz="914400" eaLnBrk="1" latinLnBrk="0" hangingPunct="1">
-              <a:buFontTx/>
-              <a:buNone/>
-            </a:pPr>
+              <a:t>그</a:t>
+            </a:r>
             <a:r>
               <a:rPr lang="ko-KR" sz="1800">
                 <a:latin typeface="맑은 고딕" charset="0"/>
                 <a:ea typeface="맑은 고딕" charset="0"/>
               </a:rPr>
-              <a:t>그다음 Sun 오브젝트에 Sun 텍스처를 넣어주고 Earth 오브젝트에는 Earth 텍스처를 넣어줍니다.</a:t>
+              <a:t>러고 나서</a:t>
+            </a:r>
+            <a:r>
+              <a:rPr lang="ko-KR" sz="1800">
+                <a:latin typeface="맑은 고딕" charset="0"/>
+                <a:ea typeface="맑은 고딕" charset="0"/>
+              </a:rPr>
+              <a:t> Project 폴더</a:t>
+            </a:r>
+            <a:r>
+              <a:rPr lang="ko-KR" sz="1800">
+                <a:latin typeface="맑은 고딕" charset="0"/>
+                <a:ea typeface="맑은 고딕" charset="0"/>
+              </a:rPr>
+              <a:t> 아래에 있는 </a:t>
+            </a:r>
+            <a:r>
+              <a:rPr lang="ko-KR" sz="1800">
+                <a:latin typeface="맑은 고딕" charset="0"/>
+                <a:ea typeface="맑은 고딕" charset="0"/>
+              </a:rPr>
+              <a:t>Texture</a:t>
+            </a:r>
+            <a:r>
+              <a:rPr lang="ko-KR" sz="1800">
+                <a:latin typeface="맑은 고딕" charset="0"/>
+                <a:ea typeface="맑은 고딕" charset="0"/>
+              </a:rPr>
+              <a:t> 폴더</a:t>
+            </a:r>
+            <a:r>
+              <a:rPr lang="ko-KR" sz="1800">
+                <a:latin typeface="맑은 고딕" charset="0"/>
+                <a:ea typeface="맑은 고딕" charset="0"/>
+              </a:rPr>
+              <a:t>에</a:t>
+            </a:r>
+            <a:r>
+              <a:rPr lang="ko-KR" sz="1800">
+                <a:latin typeface="맑은 고딕" charset="0"/>
+                <a:ea typeface="맑은 고딕" charset="0"/>
+              </a:rPr>
+              <a:t> Sun </a:t>
+            </a:r>
+            <a:r>
+              <a:rPr lang="ko-KR" sz="1800">
+                <a:latin typeface="맑은 고딕" charset="0"/>
+                <a:ea typeface="맑은 고딕" charset="0"/>
+              </a:rPr>
+              <a:t>텍스처</a:t>
+            </a:r>
+            <a:r>
+              <a:rPr lang="ko-KR" sz="1800">
+                <a:latin typeface="맑은 고딕" charset="0"/>
+                <a:ea typeface="맑은 고딕" charset="0"/>
+              </a:rPr>
+              <a:t>를 선택하고 Sun 오브젝트에 넣어줍니다.</a:t>
             </a:r>
             <a:endParaRPr lang="ko-KR" altLang="en-US" sz="1800">
               <a:latin typeface="맑은 고딕" charset="0"/>
@@ -8707,8 +8742,8 @@
         </p:nvSpPr>
         <p:spPr>
           <a:xfrm rot="0">
-            <a:off x="1257935" y="3919855"/>
-            <a:ext cx="4112260" cy="2338705"/>
+            <a:off x="1257935" y="3006090"/>
+            <a:ext cx="4112895" cy="954405"/>
           </a:xfrm>
           <a:prstGeom prst="rect"/>
           <a:noFill/>
@@ -8735,7 +8770,7 @@
                 <a:latin typeface="맑은 고딕" charset="0"/>
                 <a:ea typeface="맑은 고딕" charset="0"/>
               </a:rPr>
-              <a:t>4</a:t>
+              <a:t>6</a:t>
             </a:r>
             <a:r>
               <a:rPr sz="2000" b="1">
@@ -8759,59 +8794,98 @@
                 <a:latin typeface="맑은 고딕" charset="0"/>
                 <a:ea typeface="맑은 고딕" charset="0"/>
               </a:rPr>
-              <a:t>이</a:t>
+              <a:t>그리</a:t>
             </a:r>
             <a:r>
               <a:rPr lang="ko-KR" sz="1800">
                 <a:latin typeface="맑은 고딕" charset="0"/>
                 <a:ea typeface="맑은 고딕" charset="0"/>
               </a:rPr>
-              <a:t>제 Revolution 스크립트에서 기준 축이 되기 위한 게임 오브젝트 변수와 속도를 지정할 float 변수를 선언합니다.</a:t>
+              <a:t>고</a:t>
+            </a:r>
+            <a:r>
+              <a:rPr lang="ko-KR" sz="1800">
+                <a:latin typeface="맑은 고딕" charset="0"/>
+                <a:ea typeface="맑은 고딕" charset="0"/>
+              </a:rPr>
+              <a:t> Revolution 스크립트에서</a:t>
+            </a:r>
+            <a:r>
+              <a:rPr lang="ko-KR" sz="1800">
+                <a:latin typeface="맑은 고딕" charset="0"/>
+                <a:ea typeface="맑은 고딕" charset="0"/>
+              </a:rPr>
+              <a:t> </a:t>
+            </a:r>
+            <a:r>
+              <a:rPr lang="ko-KR" sz="1800">
+                <a:latin typeface="맑은 고딕" charset="0"/>
+                <a:ea typeface="맑은 고딕" charset="0"/>
+              </a:rPr>
+              <a:t> float 변수</a:t>
+            </a:r>
+            <a:r>
+              <a:rPr lang="ko-KR" sz="1800">
+                <a:latin typeface="맑은 고딕" charset="0"/>
+                <a:ea typeface="맑은 고딕" charset="0"/>
+              </a:rPr>
+              <a:t>와 GameObject 변수 2개를</a:t>
+            </a:r>
+            <a:r>
+              <a:rPr lang="ko-KR" sz="1800">
+                <a:latin typeface="맑은 고딕" charset="0"/>
+                <a:ea typeface="맑은 고딕" charset="0"/>
+              </a:rPr>
+              <a:t> 선언합니다. </a:t>
             </a:r>
             <a:endParaRPr lang="ko-KR" altLang="en-US" sz="1800">
               <a:latin typeface="맑은 고딕" charset="0"/>
               <a:ea typeface="맑은 고딕" charset="0"/>
             </a:endParaRPr>
           </a:p>
-          <a:p>
-            <a:pPr marL="0" indent="0" rtl="0" algn="l" defTabSz="914400" eaLnBrk="1" latinLnBrk="0" hangingPunct="1">
-              <a:buFontTx/>
-              <a:buNone/>
-            </a:pPr>
-            <a:endParaRPr lang="ko-KR" altLang="en-US" sz="1800">
-              <a:latin typeface="맑은 고딕" charset="0"/>
-              <a:ea typeface="맑은 고딕" charset="0"/>
-            </a:endParaRPr>
-          </a:p>
-          <a:p>
-            <a:pPr marL="0" indent="0" rtl="0" algn="l" defTabSz="914400" eaLnBrk="1" latinLnBrk="0" hangingPunct="1">
-              <a:buFontTx/>
-              <a:buNone/>
-            </a:pPr>
-            <a:r>
-              <a:rPr lang="ko-KR" sz="1800">
-                <a:latin typeface="맑은 고딕" charset="0"/>
-                <a:ea typeface="맑은 고딕" charset="0"/>
-              </a:rPr>
-              <a:t>그런 다음 회전을 축이 될 게임 오브젝트를 설정하고 회전할 축을 지정하고 회전 속도를 설정합니다. </a:t>
-            </a:r>
-            <a:endParaRPr lang="ko-KR" altLang="en-US" sz="1800">
-              <a:latin typeface="맑은 고딕" charset="0"/>
-              <a:ea typeface="맑은 고딕" charset="0"/>
-            </a:endParaRPr>
-          </a:p>
         </p:txBody>
       </p:sp>
       <p:pic>
         <p:nvPicPr>
-          <p:cNvPr id="18" name="그림 68" descr="C:/Users/Admin1/AppData/Roaming/PolarisOffice/ETemp/11968_23123384/fImage2088951919961.png"/>
+          <p:cNvPr id="23" name="그림 1" descr="C:/Users/Admin1/AppData/Roaming/PolarisOffice/ETemp/26060_11593280/fImage2465214541.png"/>
           <p:cNvPicPr>
             <a:picLocks noChangeAspect="1"/>
           </p:cNvPicPr>
           <p:nvPr/>
         </p:nvPicPr>
         <p:blipFill rotWithShape="1">
-          <a:blip r:embed="rId5" cstate="hqprint">
+          <a:blip r:embed="rId10" cstate="print">
+            <a:extLst>
+              <a:ext uri="{28A0092B-C50C-407E-A947-70E740481C1C}">
+                <a14:useLocalDpi xmlns:a14="http://schemas.microsoft.com/office/drawing/2010/main" val="0"/>
+              </a:ext>
+            </a:extLst>
+          </a:blip>
+          <a:stretch>
+            <a:fillRect/>
+          </a:stretch>
+        </p:blipFill>
+        <p:spPr>
+          <a:xfrm rot="0">
+            <a:off x="1230630" y="1454785"/>
+            <a:ext cx="4140200" cy="1438910"/>
+          </a:xfrm>
+          <a:prstGeom prst="roundRect"/>
+          <a:solidFill>
+            <a:srgbClr val="EDEDED"/>
+          </a:solidFill>
+        </p:spPr>
+      </p:pic>
+      <p:pic>
+        <p:nvPicPr>
+          <p:cNvPr id="24" name="그림 4" descr="C:/Users/Admin1/AppData/Roaming/PolarisOffice/ETemp/26060_11593280/fImage11845223292.png"/>
+          <p:cNvPicPr>
+            <a:picLocks noChangeAspect="1"/>
+          </p:cNvPicPr>
+          <p:nvPr/>
+        </p:nvPicPr>
+        <p:blipFill rotWithShape="1">
+          <a:blip r:embed="rId11" cstate="hqprint">
             <a:extLst>
               <a:ext uri="{28A0092B-C50C-407E-A947-70E740481C1C}">
                 <a14:useLocalDpi xmlns:a14="http://schemas.microsoft.com/office/drawing/2010/main"/>
@@ -8824,8 +8898,8 @@
         </p:blipFill>
         <p:spPr>
           <a:xfrm rot="0">
-            <a:off x="6875145" y="2790825"/>
-            <a:ext cx="4079240" cy="1276985"/>
+            <a:off x="1257935" y="4116070"/>
+            <a:ext cx="4112895" cy="1325880"/>
           </a:xfrm>
           <a:prstGeom prst="roundRect"/>
           <a:solidFill>
@@ -8833,47 +8907,101 @@
           </a:solidFill>
         </p:spPr>
       </p:pic>
+      <p:sp>
+        <p:nvSpPr>
+          <p:cNvPr id="25" name="텍스트 상자 5"/>
+          <p:cNvSpPr txBox="1">
+            <a:spLocks/>
+          </p:cNvSpPr>
+          <p:nvPr/>
+        </p:nvSpPr>
+        <p:spPr>
+          <a:xfrm rot="0">
+            <a:off x="1263015" y="5580380"/>
+            <a:ext cx="4150360" cy="677545"/>
+          </a:xfrm>
+          <a:prstGeom prst="rect"/>
+          <a:noFill/>
+          <a:ln w="0">
+            <a:noFill/>
+            <a:prstDash/>
+          </a:ln>
+        </p:spPr>
+        <p:txBody>
+          <a:bodyPr wrap="square" lIns="89535" tIns="46355" rIns="89535" bIns="46355" numCol="1" vert="horz" anchor="t">
+            <a:spAutoFit/>
+          </a:bodyPr>
+          <a:lstStyle/>
+          <a:p>
+            <a:pPr marL="0" indent="0" rtl="0" algn="l" defTabSz="914400" eaLnBrk="1" latinLnBrk="0" hangingPunct="1">
+              <a:buFontTx/>
+              <a:buNone/>
+            </a:pPr>
+            <a:r>
+              <a:rPr lang="ko-KR" sz="2000" b="1">
+                <a:solidFill>
+                  <a:srgbClr val="0611F2"/>
+                </a:solidFill>
+                <a:latin typeface="맑은 고딕" charset="0"/>
+                <a:ea typeface="맑은 고딕" charset="0"/>
+              </a:rPr>
+              <a:t>7</a:t>
+            </a:r>
+            <a:r>
+              <a:rPr sz="2000" b="1">
+                <a:solidFill>
+                  <a:srgbClr val="0611F2"/>
+                </a:solidFill>
+                <a:latin typeface="맑은 고딕" charset="0"/>
+                <a:ea typeface="맑은 고딕" charset="0"/>
+              </a:rPr>
+              <a:t>.</a:t>
+            </a:r>
+            <a:r>
+              <a:rPr sz="2000">
+                <a:latin typeface="맑은 고딕" charset="0"/>
+                <a:ea typeface="맑은 고딕" charset="0"/>
+              </a:rPr>
+              <a:t> </a:t>
+            </a:r>
+            <a:r>
+              <a:rPr lang="ko-KR" sz="1800">
+                <a:latin typeface="맑은 고딕" charset="0"/>
+                <a:ea typeface="맑은 고딕" charset="0"/>
+              </a:rPr>
+              <a:t>그</a:t>
+            </a:r>
+            <a:r>
+              <a:rPr lang="ko-KR" sz="1800">
+                <a:latin typeface="맑은 고딕" charset="0"/>
+                <a:ea typeface="맑은 고딕" charset="0"/>
+              </a:rPr>
+              <a:t>런 다음</a:t>
+            </a:r>
+            <a:r>
+              <a:rPr lang="ko-KR" sz="1800">
+                <a:latin typeface="맑은 고딕" charset="0"/>
+                <a:ea typeface="맑은 고딕" charset="0"/>
+              </a:rPr>
+              <a:t> Earth 오브젝트의 위치와 크기값을 설정합니다.</a:t>
+            </a:r>
+            <a:endParaRPr lang="ko-KR" altLang="en-US" sz="1800">
+              <a:latin typeface="맑은 고딕" charset="0"/>
+              <a:ea typeface="맑은 고딕" charset="0"/>
+            </a:endParaRPr>
+          </a:p>
+        </p:txBody>
+      </p:sp>
       <p:pic>
         <p:nvPicPr>
-          <p:cNvPr id="20" name="그림 9" descr="C:/Users/Admin1/AppData/Roaming/PolarisOffice/ETemp/11968_23123384/fImage2669918941.png"/>
+          <p:cNvPr id="26" name="그림 29" descr="C:/Users/Admin1/AppData/Roaming/PolarisOffice/ETemp/26060_11593280/fImage52131638467.png"/>
           <p:cNvPicPr>
             <a:picLocks noChangeAspect="1"/>
           </p:cNvPicPr>
           <p:nvPr/>
         </p:nvPicPr>
         <p:blipFill rotWithShape="1">
-          <a:blip r:embed="rId7" cstate="hqprint">
-            <a:extLst>
-              <a:ext uri="{28A0092B-C50C-407E-A947-70E740481C1C}">
-                <a14:useLocalDpi xmlns:a14="http://schemas.microsoft.com/office/drawing/2010/main"/>
-              </a:ext>
-            </a:extLst>
-          </a:blip>
-          <a:stretch>
-            <a:fillRect/>
-          </a:stretch>
-        </p:blipFill>
-        <p:spPr>
-          <a:xfrm rot="0">
-            <a:off x="8221345" y="1380490"/>
-            <a:ext cx="2733040" cy="1201420"/>
-          </a:xfrm>
-          <a:prstGeom prst="roundRect"/>
-          <a:solidFill>
-            <a:srgbClr val="EDEDED"/>
-          </a:solidFill>
-        </p:spPr>
-      </p:pic>
-      <p:pic>
-        <p:nvPicPr>
-          <p:cNvPr id="21" name="그림 12" descr="C:/Users/Admin1/AppData/Roaming/PolarisOffice/ETemp/11968_23123384/fImage480851509169.png"/>
-          <p:cNvPicPr>
-            <a:picLocks noChangeAspect="1"/>
-          </p:cNvPicPr>
-          <p:nvPr/>
-        </p:nvPicPr>
-        <p:blipFill rotWithShape="1">
-          <a:blip r:embed="rId8" cstate="print">
+          <a:blip r:embed="rId12" cstate="print">
             <a:extLst>
               <a:ext uri="{28A0092B-C50C-407E-A947-70E740481C1C}">
                 <a14:useLocalDpi xmlns:a14="http://schemas.microsoft.com/office/drawing/2010/main" val="0"/>
@@ -8886,8 +9014,8 @@
         </p:blipFill>
         <p:spPr>
           <a:xfrm rot="0">
-            <a:off x="1257300" y="1400175"/>
-            <a:ext cx="4115435" cy="2391410"/>
+            <a:off x="6823710" y="1445895"/>
+            <a:ext cx="1247140" cy="1187450"/>
           </a:xfrm>
           <a:prstGeom prst="roundRect"/>
           <a:solidFill>
@@ -8897,14 +9025,14 @@
       </p:pic>
       <p:pic>
         <p:nvPicPr>
-          <p:cNvPr id="22" name="그림 18" descr="C:/Users/Admin1/AppData/Roaming/PolarisOffice/ETemp/11968_23123384/fImage52601525724.png"/>
+          <p:cNvPr id="27" name="그림 32" descr="C:/Users/Admin1/AppData/Roaming/PolarisOffice/ETemp/26060_11593280/fImage319151646334.png"/>
           <p:cNvPicPr>
             <a:picLocks noChangeAspect="1"/>
           </p:cNvPicPr>
           <p:nvPr/>
         </p:nvPicPr>
         <p:blipFill rotWithShape="1">
-          <a:blip r:embed="rId9" cstate="print">
+          <a:blip r:embed="rId13" cstate="print">
             <a:extLst>
               <a:ext uri="{28A0092B-C50C-407E-A947-70E740481C1C}">
                 <a14:useLocalDpi xmlns:a14="http://schemas.microsoft.com/office/drawing/2010/main" val="0"/>
@@ -8917,8 +9045,8 @@
         </p:blipFill>
         <p:spPr>
           <a:xfrm rot="0">
-            <a:off x="6877050" y="1381125"/>
-            <a:ext cx="1210310" cy="1219835"/>
+            <a:off x="8235315" y="1445895"/>
+            <a:ext cx="2727960" cy="1195705"/>
           </a:xfrm>
           <a:prstGeom prst="roundRect"/>
           <a:solidFill>
@@ -8928,18 +9056,19 @@
       </p:pic>
       <p:cxnSp>
         <p:nvCxnSpPr>
-          <p:cNvPr id="16" name="도형 66"/>
+          <p:cNvPr id="28" name="도형 35"/>
           <p:cNvCxnSpPr/>
           <p:nvPr/>
         </p:nvCxnSpPr>
         <p:spPr>
           <a:xfrm rot="0" flipH="1">
-            <a:off x="7505700" y="2314575"/>
-            <a:ext cx="810260" cy="191135"/>
+            <a:off x="7412355" y="2061210"/>
+            <a:ext cx="2572385" cy="277495"/>
           </a:xfrm>
           <a:prstGeom prst="straightConnector1"/>
           <a:ln w="6350" cap="flat" cmpd="sng">
             <a:prstDash/>
+            <a:headEnd type="none" w="med" len="med"/>
             <a:tailEnd type="triangle" w="med" len="med"/>
           </a:ln>
         </p:spPr>
@@ -8958,20 +9087,210 @@
           </a:fontRef>
         </p:style>
       </p:cxnSp>
+      <p:pic>
+        <p:nvPicPr>
+          <p:cNvPr id="29" name="그림 36" descr="C:/Users/Admin1/AppData/Roaming/PolarisOffice/ETemp/26060_11593280/fImage52401666500.png"/>
+          <p:cNvPicPr>
+            <a:picLocks noChangeAspect="1"/>
+          </p:cNvPicPr>
+          <p:nvPr/>
+        </p:nvPicPr>
+        <p:blipFill rotWithShape="1">
+          <a:blip r:embed="rId14" cstate="print">
+            <a:extLst>
+              <a:ext uri="{28A0092B-C50C-407E-A947-70E740481C1C}">
+                <a14:useLocalDpi xmlns:a14="http://schemas.microsoft.com/office/drawing/2010/main" val="0"/>
+              </a:ext>
+            </a:extLst>
+          </a:blip>
+          <a:stretch>
+            <a:fillRect/>
+          </a:stretch>
+        </p:blipFill>
+        <p:spPr>
+          <a:xfrm rot="0">
+            <a:off x="6823710" y="3914140"/>
+            <a:ext cx="1238885" cy="1273175"/>
+          </a:xfrm>
+          <a:prstGeom prst="roundRect"/>
+          <a:solidFill>
+            <a:srgbClr val="EDEDED"/>
+          </a:solidFill>
+        </p:spPr>
+      </p:pic>
+      <p:sp>
+        <p:nvSpPr>
+          <p:cNvPr id="30" name="텍스트 상자 39"/>
+          <p:cNvSpPr txBox="1">
+            <a:spLocks/>
+          </p:cNvSpPr>
+          <p:nvPr/>
+        </p:nvSpPr>
+        <p:spPr>
+          <a:xfrm rot="0">
+            <a:off x="6840855" y="5299075"/>
+            <a:ext cx="4157345" cy="954405"/>
+          </a:xfrm>
+          <a:prstGeom prst="rect"/>
+          <a:noFill/>
+          <a:ln w="0">
+            <a:noFill/>
+            <a:prstDash/>
+          </a:ln>
+        </p:spPr>
+        <p:txBody>
+          <a:bodyPr wrap="square" lIns="89535" tIns="46355" rIns="89535" bIns="46355" numCol="1" vert="horz" anchor="t">
+            <a:spAutoFit/>
+          </a:bodyPr>
+          <a:lstStyle/>
+          <a:p>
+            <a:pPr marL="0" indent="0" rtl="0" algn="l" defTabSz="914400" eaLnBrk="1" latinLnBrk="0" hangingPunct="1">
+              <a:buFontTx/>
+              <a:buNone/>
+            </a:pPr>
+            <a:r>
+              <a:rPr lang="ko-KR" sz="2000" b="1">
+                <a:solidFill>
+                  <a:srgbClr val="0611F2"/>
+                </a:solidFill>
+                <a:latin typeface="맑은 고딕" charset="0"/>
+                <a:ea typeface="맑은 고딕" charset="0"/>
+              </a:rPr>
+              <a:t>9</a:t>
+            </a:r>
+            <a:r>
+              <a:rPr sz="2000" b="1">
+                <a:solidFill>
+                  <a:srgbClr val="0611F2"/>
+                </a:solidFill>
+                <a:latin typeface="맑은 고딕" charset="0"/>
+                <a:ea typeface="맑은 고딕" charset="0"/>
+              </a:rPr>
+              <a:t>.</a:t>
+            </a:r>
+            <a:r>
+              <a:rPr sz="2000">
+                <a:latin typeface="맑은 고딕" charset="0"/>
+                <a:ea typeface="맑은 고딕" charset="0"/>
+              </a:rPr>
+              <a:t> </a:t>
+            </a:r>
+            <a:r>
+              <a:rPr lang="ko-KR" sz="1800">
+                <a:latin typeface="맑은 고딕" charset="0"/>
+                <a:ea typeface="맑은 고딕" charset="0"/>
+              </a:rPr>
+              <a:t>이제</a:t>
+            </a:r>
+            <a:r>
+              <a:rPr lang="ko-KR" sz="1800">
+                <a:latin typeface="맑은 고딕" charset="0"/>
+                <a:ea typeface="맑은 고딕" charset="0"/>
+              </a:rPr>
+              <a:t> Project 폴더</a:t>
+            </a:r>
+            <a:r>
+              <a:rPr lang="ko-KR" sz="1800">
+                <a:latin typeface="맑은 고딕" charset="0"/>
+                <a:ea typeface="맑은 고딕" charset="0"/>
+              </a:rPr>
+              <a:t> 아래에 있는 </a:t>
+            </a:r>
+            <a:r>
+              <a:rPr lang="ko-KR" sz="1800">
+                <a:latin typeface="맑은 고딕" charset="0"/>
+                <a:ea typeface="맑은 고딕" charset="0"/>
+              </a:rPr>
+              <a:t>Texture</a:t>
+            </a:r>
+            <a:r>
+              <a:rPr lang="ko-KR" sz="1800">
+                <a:latin typeface="맑은 고딕" charset="0"/>
+                <a:ea typeface="맑은 고딕" charset="0"/>
+              </a:rPr>
+              <a:t> 폴더</a:t>
+            </a:r>
+            <a:r>
+              <a:rPr lang="ko-KR" sz="1800">
+                <a:latin typeface="맑은 고딕" charset="0"/>
+                <a:ea typeface="맑은 고딕" charset="0"/>
+              </a:rPr>
+              <a:t>에</a:t>
+            </a:r>
+            <a:r>
+              <a:rPr lang="ko-KR" sz="1800">
+                <a:latin typeface="맑은 고딕" charset="0"/>
+                <a:ea typeface="맑은 고딕" charset="0"/>
+              </a:rPr>
+              <a:t> Earth </a:t>
+            </a:r>
+            <a:r>
+              <a:rPr lang="ko-KR" sz="1800">
+                <a:latin typeface="맑은 고딕" charset="0"/>
+                <a:ea typeface="맑은 고딕" charset="0"/>
+              </a:rPr>
+              <a:t>텍스처</a:t>
+            </a:r>
+            <a:r>
+              <a:rPr lang="ko-KR" sz="1800">
+                <a:latin typeface="맑은 고딕" charset="0"/>
+                <a:ea typeface="맑은 고딕" charset="0"/>
+              </a:rPr>
+              <a:t>를 선택하고 Earth 오브젝트에 넣어줍니다.</a:t>
+            </a:r>
+            <a:endParaRPr lang="ko-KR" altLang="en-US" sz="1800">
+              <a:latin typeface="맑은 고딕" charset="0"/>
+              <a:ea typeface="맑은 고딕" charset="0"/>
+            </a:endParaRPr>
+          </a:p>
+        </p:txBody>
+      </p:sp>
+      <p:pic>
+        <p:nvPicPr>
+          <p:cNvPr id="31" name="그림 40" descr="C:/Users/Admin1/AppData/Roaming/PolarisOffice/ETemp/26060_11593280/fImage318351689169.png"/>
+          <p:cNvPicPr>
+            <a:picLocks noChangeAspect="1"/>
+          </p:cNvPicPr>
+          <p:nvPr/>
+        </p:nvPicPr>
+        <p:blipFill rotWithShape="1">
+          <a:blip r:embed="rId15" cstate="print">
+            <a:extLst>
+              <a:ext uri="{28A0092B-C50C-407E-A947-70E740481C1C}">
+                <a14:useLocalDpi xmlns:a14="http://schemas.microsoft.com/office/drawing/2010/main" val="0"/>
+              </a:ext>
+            </a:extLst>
+          </a:blip>
+          <a:stretch>
+            <a:fillRect/>
+          </a:stretch>
+        </p:blipFill>
+        <p:spPr>
+          <a:xfrm rot="0">
+            <a:off x="8243570" y="3905250"/>
+            <a:ext cx="2732405" cy="1273810"/>
+          </a:xfrm>
+          <a:prstGeom prst="roundRect"/>
+          <a:solidFill>
+            <a:srgbClr val="EDEDED"/>
+          </a:solidFill>
+        </p:spPr>
+      </p:pic>
       <p:cxnSp>
         <p:nvCxnSpPr>
-          <p:cNvPr id="17" name="도형 67"/>
+          <p:cNvPr id="32" name="도형 43"/>
           <p:cNvCxnSpPr/>
           <p:nvPr/>
         </p:nvCxnSpPr>
         <p:spPr>
           <a:xfrm rot="0" flipH="1">
-            <a:off x="7505700" y="2076450"/>
-            <a:ext cx="2743835" cy="210185"/>
+            <a:off x="7473315" y="4650105"/>
+            <a:ext cx="840105" cy="390525"/>
           </a:xfrm>
           <a:prstGeom prst="straightConnector1"/>
           <a:ln w="6350" cap="flat" cmpd="sng">
             <a:prstDash/>
+            <a:headEnd type="none" w="med" len="med"/>
             <a:tailEnd type="triangle" w="med" len="med"/>
           </a:ln>
         </p:spPr>
@@ -9130,8 +9449,8 @@
         </p:nvSpPr>
         <p:spPr>
           <a:xfrm rot="0">
-            <a:off x="6824980" y="3609340"/>
-            <a:ext cx="4110355" cy="2615565"/>
+            <a:off x="6816725" y="4168140"/>
+            <a:ext cx="4146550" cy="2061845"/>
           </a:xfrm>
           <a:prstGeom prst="rect"/>
           <a:noFill/>
@@ -9158,7 +9477,7 @@
                 <a:latin typeface="맑은 고딕" charset="0"/>
                 <a:ea typeface="맑은 고딕" charset="0"/>
               </a:rPr>
-              <a:t>8</a:t>
+              <a:t>12</a:t>
             </a:r>
             <a:r>
               <a:rPr sz="2000" b="1">
@@ -9182,7 +9501,21 @@
                 <a:latin typeface="맑은 고딕" charset="0"/>
                 <a:ea typeface="맑은 고딕" charset="0"/>
               </a:rPr>
-              <a:t>그리고 Observe 스크립트에서  게임 오브젝트 변수를 선언합니다.</a:t>
+              <a:t>그</a:t>
+            </a:r>
+            <a:r>
+              <a:rPr lang="ko-KR" sz="1800">
+                <a:latin typeface="맑은 고딕" charset="0"/>
+                <a:ea typeface="맑은 고딕" charset="0"/>
+              </a:rPr>
+              <a:t>런 다음</a:t>
+            </a:r>
+            <a:r>
+              <a:rPr lang="ko-KR" sz="1800">
+                <a:latin typeface="맑은 고딕" charset="0"/>
+                <a:ea typeface="맑은 고딕" charset="0"/>
+              </a:rPr>
+              <a:t> Observe 스크립트에서  게임 오브젝트 변수를 선언합니다.</a:t>
             </a:r>
             <a:endParaRPr lang="ko-KR" altLang="en-US" sz="1800">
               <a:latin typeface="맑은 고딕" charset="0"/>
@@ -9209,34 +9542,21 @@
                 <a:latin typeface="맑은 고딕" charset="0"/>
                 <a:ea typeface="맑은 고딕" charset="0"/>
               </a:rPr>
-              <a:t>그다음 Update( ) 함수에서 바라보기 위한 게임 오브젝트와 자기 자신의 거리를 비교합니다.</a:t>
-            </a:r>
-            <a:endParaRPr lang="ko-KR" altLang="en-US" sz="1800">
-              <a:latin typeface="맑은 고딕" charset="0"/>
-              <a:ea typeface="맑은 고딕" charset="0"/>
-            </a:endParaRPr>
-          </a:p>
-          <a:p>
-            <a:pPr marL="0" indent="0" rtl="0" algn="l" defTabSz="914400" eaLnBrk="1" latinLnBrk="0" hangingPunct="1">
-              <a:buFontTx/>
-              <a:buNone/>
-            </a:pPr>
-            <a:endParaRPr lang="ko-KR" altLang="en-US" sz="1800">
-              <a:latin typeface="맑은 고딕" charset="0"/>
-              <a:ea typeface="맑은 고딕" charset="0"/>
-            </a:endParaRPr>
-          </a:p>
-          <a:p>
-            <a:pPr marL="0" indent="0" rtl="0" algn="l" defTabSz="914400" eaLnBrk="1" latinLnBrk="0" hangingPunct="1">
-              <a:buFontTx/>
-              <a:buNone/>
-            </a:pPr>
+              <a:t>마지막으로</a:t>
+            </a:r>
             <a:r>
               <a:rPr lang="ko-KR" sz="1800">
                 <a:latin typeface="맑은 고딕" charset="0"/>
                 <a:ea typeface="맑은 고딕" charset="0"/>
               </a:rPr>
-              <a:t>그런 다음 특정 거리가 되면 바라보도록 설정합니다.</a:t>
+              <a:t> </a:t>
+            </a:r>
+            <a:r>
+              <a:rPr lang="ko-KR" sz="1800">
+                <a:latin typeface="맑은 고딕" charset="0"/>
+                <a:ea typeface="맑은 고딕" charset="0"/>
+              </a:rPr>
+              <a:t>LookCoroutine( ) 코루틴 함수를 선언하고 EarthObservation( ) 함수를 생성한 다음 LookCoroutine( ) 코루틴 함수를 호출하도록 정의합니다.</a:t>
             </a:r>
             <a:endParaRPr lang="ko-KR" altLang="en-US" sz="1800">
               <a:latin typeface="맑은 고딕" charset="0"/>
@@ -9255,8 +9575,8 @@
         </p:nvSpPr>
         <p:spPr>
           <a:xfrm rot="0">
-            <a:off x="1256665" y="2760345"/>
-            <a:ext cx="4137025" cy="1232535"/>
+            <a:off x="1222375" y="2719070"/>
+            <a:ext cx="4163695" cy="954405"/>
           </a:xfrm>
           <a:prstGeom prst="rect"/>
           <a:noFill/>
@@ -9283,7 +9603,7 @@
                 <a:latin typeface="맑은 고딕" charset="0"/>
                 <a:ea typeface="맑은 고딕" charset="0"/>
               </a:rPr>
-              <a:t>6</a:t>
+              <a:t>10</a:t>
             </a:r>
             <a:r>
               <a:rPr sz="2000" b="1">
@@ -9303,18 +9623,18 @@
               <a:t> </a:t>
             </a:r>
             <a:r>
-              <a:rPr sz="1800">
-                <a:latin typeface="맑은 고딕" charset="0"/>
-                <a:ea typeface="맑은 고딕" charset="0"/>
-              </a:rPr>
-              <a:t>이</a:t>
-            </a:r>
-            <a:r>
               <a:rPr lang="ko-KR" sz="1800">
                 <a:latin typeface="맑은 고딕" charset="0"/>
                 <a:ea typeface="맑은 고딕" charset="0"/>
               </a:rPr>
-              <a:t>제 Earth 오브젝트를 선택하고 Revolution 스크립트의 Origin에 Sun 오브젝트를 넣어준 다음 Speed를 100으로 설정합니다.</a:t>
+              <a:t>그다음</a:t>
+            </a:r>
+            <a:r>
+              <a:rPr lang="ko-KR" sz="1800">
+                <a:latin typeface="맑은 고딕" charset="0"/>
+                <a:ea typeface="맑은 고딕" charset="0"/>
+              </a:rPr>
+              <a:t> Earth 오브젝트를 선택하고  Origin에 Sun 오브젝트를 넣어준 다음 Speed를 100으로 설정합니다.</a:t>
             </a:r>
             <a:endParaRPr lang="ko-KR" altLang="en-US" sz="1800">
               <a:latin typeface="맑은 고딕" charset="0"/>
@@ -9325,14 +9645,14 @@
       </p:sp>
       <p:pic>
         <p:nvPicPr>
-          <p:cNvPr id="26" name="그림 94" descr="C:/Users/Admin1/AppData/Roaming/PolarisOffice/ETemp/11968_23123384/fImage136652142391.png"/>
+          <p:cNvPr id="30" name="그림 26" descr="C:/Users/Admin1/AppData/Roaming/PolarisOffice/ETemp/26060_11593280/fImage52101549358.png"/>
           <p:cNvPicPr>
             <a:picLocks noChangeAspect="1"/>
           </p:cNvPicPr>
           <p:nvPr/>
         </p:nvPicPr>
         <p:blipFill rotWithShape="1">
-          <a:blip r:embed="rId6" cstate="hqprint">
+          <a:blip r:embed="rId10" cstate="hqprint">
             <a:extLst>
               <a:ext uri="{28A0092B-C50C-407E-A947-70E740481C1C}">
                 <a14:useLocalDpi xmlns:a14="http://schemas.microsoft.com/office/drawing/2010/main"/>
@@ -9345,37 +9665,8 @@
         </p:blipFill>
         <p:spPr>
           <a:xfrm rot="0">
-            <a:off x="6805930" y="1485900"/>
-            <a:ext cx="4134485" cy="2010410"/>
-          </a:xfrm>
-          <a:prstGeom prst="rect"/>
-          <a:noFill/>
-        </p:spPr>
-      </p:pic>
-      <p:pic>
-        <p:nvPicPr>
-          <p:cNvPr id="27" name="그림 5" descr="C:/Users/Admin1/AppData/Roaming/PolarisOffice/ETemp/11968_23123384/fImage11845223292.png"/>
-          <p:cNvPicPr>
-            <a:picLocks noChangeAspect="1"/>
-          </p:cNvPicPr>
-          <p:nvPr/>
-        </p:nvPicPr>
-        <p:blipFill rotWithShape="1">
-          <a:blip r:embed="rId7" cstate="hqprint">
-            <a:extLst>
-              <a:ext uri="{28A0092B-C50C-407E-A947-70E740481C1C}">
-                <a14:useLocalDpi xmlns:a14="http://schemas.microsoft.com/office/drawing/2010/main"/>
-              </a:ext>
-            </a:extLst>
-          </a:blip>
-          <a:stretch>
-            <a:fillRect/>
-          </a:stretch>
-        </p:blipFill>
-        <p:spPr>
-          <a:xfrm rot="0">
-            <a:off x="1266190" y="4124325"/>
-            <a:ext cx="4130040" cy="1325245"/>
+            <a:off x="1222375" y="1454785"/>
+            <a:ext cx="1150620" cy="1153795"/>
           </a:xfrm>
           <a:prstGeom prst="roundRect"/>
           <a:solidFill>
@@ -9383,101 +9674,16 @@
           </a:solidFill>
         </p:spPr>
       </p:pic>
-      <p:sp>
-        <p:nvSpPr>
-          <p:cNvPr id="28" name="텍스트 상자 6"/>
-          <p:cNvSpPr txBox="1">
-            <a:spLocks/>
-          </p:cNvSpPr>
-          <p:nvPr/>
-        </p:nvSpPr>
-        <p:spPr>
-          <a:xfrm rot="0">
-            <a:off x="1263015" y="5530215"/>
-            <a:ext cx="4149725" cy="677545"/>
-          </a:xfrm>
-          <a:prstGeom prst="rect"/>
-          <a:noFill/>
-          <a:ln w="0">
-            <a:noFill/>
-            <a:prstDash/>
-          </a:ln>
-        </p:spPr>
-        <p:txBody>
-          <a:bodyPr wrap="square" lIns="89535" tIns="46355" rIns="89535" bIns="46355" numCol="1" vert="horz" anchor="t">
-            <a:spAutoFit/>
-          </a:bodyPr>
-          <a:lstStyle/>
-          <a:p>
-            <a:pPr marL="0" indent="0" rtl="0" algn="l" defTabSz="914400" eaLnBrk="1" latinLnBrk="0" hangingPunct="1">
-              <a:buFontTx/>
-              <a:buNone/>
-            </a:pPr>
-            <a:r>
-              <a:rPr lang="ko-KR" sz="2000" b="1">
-                <a:solidFill>
-                  <a:srgbClr val="0611F2"/>
-                </a:solidFill>
-                <a:latin typeface="맑은 고딕" charset="0"/>
-                <a:ea typeface="맑은 고딕" charset="0"/>
-              </a:rPr>
-              <a:t>7</a:t>
-            </a:r>
-            <a:r>
-              <a:rPr sz="2000" b="1">
-                <a:solidFill>
-                  <a:srgbClr val="0611F2"/>
-                </a:solidFill>
-                <a:latin typeface="맑은 고딕" charset="0"/>
-                <a:ea typeface="맑은 고딕" charset="0"/>
-              </a:rPr>
-              <a:t>.</a:t>
-            </a:r>
-            <a:r>
-              <a:rPr sz="2000">
-                <a:latin typeface="맑은 고딕" charset="0"/>
-                <a:ea typeface="맑은 고딕" charset="0"/>
-              </a:rPr>
-              <a:t> </a:t>
-            </a:r>
-            <a:r>
-              <a:rPr lang="ko-KR" sz="1800">
-                <a:latin typeface="맑은 고딕" charset="0"/>
-                <a:ea typeface="맑은 고딕" charset="0"/>
-              </a:rPr>
-              <a:t>그다음 Earth 오브젝트</a:t>
-            </a:r>
-            <a:r>
-              <a:rPr lang="ko-KR" sz="1800">
-                <a:latin typeface="맑은 고딕" charset="0"/>
-                <a:ea typeface="맑은 고딕" charset="0"/>
-              </a:rPr>
-              <a:t>의 </a:t>
-            </a:r>
-            <a:r>
-              <a:rPr lang="ko-KR" sz="1800">
-                <a:latin typeface="맑은 고딕" charset="0"/>
-                <a:ea typeface="맑은 고딕" charset="0"/>
-              </a:rPr>
-              <a:t>위치와 크기값을 설정합니다.</a:t>
-            </a:r>
-            <a:endParaRPr lang="ko-KR" altLang="en-US" sz="1800">
-              <a:latin typeface="맑은 고딕" charset="0"/>
-              <a:ea typeface="맑은 고딕" charset="0"/>
-            </a:endParaRPr>
-          </a:p>
-        </p:txBody>
-      </p:sp>
       <p:pic>
         <p:nvPicPr>
-          <p:cNvPr id="29" name="그림 21" descr="C:/Users/Admin1/AppData/Roaming/PolarisOffice/ETemp/11968_23123384/fImage73831531478.png"/>
+          <p:cNvPr id="31" name="그림 6" descr="C:/Users/Admin1/AppData/Roaming/PolarisOffice/ETemp/26060_11593280/fImage96171485724.png"/>
           <p:cNvPicPr>
             <a:picLocks noChangeAspect="1"/>
           </p:cNvPicPr>
           <p:nvPr/>
         </p:nvPicPr>
         <p:blipFill rotWithShape="1">
-          <a:blip r:embed="rId9" cstate="print">
+          <a:blip r:embed="rId11" cstate="print">
             <a:extLst>
               <a:ext uri="{28A0092B-C50C-407E-A947-70E740481C1C}">
                 <a14:useLocalDpi xmlns:a14="http://schemas.microsoft.com/office/drawing/2010/main" val="0"/>
@@ -9490,39 +9696,8 @@
         </p:blipFill>
         <p:spPr>
           <a:xfrm rot="0">
-            <a:off x="2466975" y="1485900"/>
-            <a:ext cx="2915285" cy="1191260"/>
-          </a:xfrm>
-          <a:prstGeom prst="roundRect"/>
-          <a:solidFill>
-            <a:srgbClr val="EDEDED"/>
-          </a:solidFill>
-        </p:spPr>
-      </p:pic>
-      <p:pic>
-        <p:nvPicPr>
-          <p:cNvPr id="30" name="그림 26" descr="C:/Users/Admin1/AppData/Roaming/PolarisOffice/ETemp/11968_23123384/fImage52101549358.png"/>
-          <p:cNvPicPr>
-            <a:picLocks noChangeAspect="1"/>
-          </p:cNvPicPr>
-          <p:nvPr/>
-        </p:nvPicPr>
-        <p:blipFill rotWithShape="1">
-          <a:blip r:embed="rId10" cstate="print">
-            <a:extLst>
-              <a:ext uri="{28A0092B-C50C-407E-A947-70E740481C1C}">
-                <a14:useLocalDpi xmlns:a14="http://schemas.microsoft.com/office/drawing/2010/main" val="0"/>
-              </a:ext>
-            </a:extLst>
-          </a:blip>
-          <a:stretch>
-            <a:fillRect/>
-          </a:stretch>
-        </p:blipFill>
-        <p:spPr>
-          <a:xfrm rot="0">
-            <a:off x="1247775" y="1485900"/>
-            <a:ext cx="1124585" cy="1180465"/>
+            <a:off x="2543810" y="1454785"/>
+            <a:ext cx="2818765" cy="1148080"/>
           </a:xfrm>
           <a:prstGeom prst="roundRect"/>
           <a:solidFill>
@@ -9538,8 +9713,8 @@
         </p:nvCxnSpPr>
         <p:spPr>
           <a:xfrm rot="0" flipV="1">
-            <a:off x="1800225" y="2200275"/>
-            <a:ext cx="3477260" cy="143510"/>
+            <a:off x="1787525" y="2227580"/>
+            <a:ext cx="3475355" cy="83820"/>
           </a:xfrm>
           <a:prstGeom prst="straightConnector1"/>
           <a:ln w="6350" cap="flat" cmpd="sng">
@@ -9562,6 +9737,163 @@
           </a:fontRef>
         </p:style>
       </p:cxnSp>
+      <p:pic>
+        <p:nvPicPr>
+          <p:cNvPr id="32" name="그림 9" descr="C:/Users/Admin1/AppData/Roaming/PolarisOffice/ETemp/26060_11593280/fImage112872242382.png"/>
+          <p:cNvPicPr>
+            <a:picLocks noChangeAspect="1"/>
+          </p:cNvPicPr>
+          <p:nvPr/>
+        </p:nvPicPr>
+        <p:blipFill rotWithShape="1">
+          <a:blip r:embed="rId12" cstate="hqprint">
+            <a:extLst>
+              <a:ext uri="{28A0092B-C50C-407E-A947-70E740481C1C}">
+                <a14:useLocalDpi xmlns:a14="http://schemas.microsoft.com/office/drawing/2010/main"/>
+              </a:ext>
+            </a:extLst>
+          </a:blip>
+          <a:stretch>
+            <a:fillRect/>
+          </a:stretch>
+        </p:blipFill>
+        <p:spPr>
+          <a:xfrm rot="0">
+            <a:off x="1221740" y="3815715"/>
+            <a:ext cx="4149090" cy="1347470"/>
+          </a:xfrm>
+          <a:prstGeom prst="roundRect"/>
+          <a:solidFill>
+            <a:srgbClr val="EDEDED"/>
+          </a:solidFill>
+        </p:spPr>
+      </p:pic>
+      <p:sp>
+        <p:nvSpPr>
+          <p:cNvPr id="33" name="텍스트 상자 10"/>
+          <p:cNvSpPr txBox="1">
+            <a:spLocks/>
+          </p:cNvSpPr>
+          <p:nvPr/>
+        </p:nvSpPr>
+        <p:spPr>
+          <a:xfrm rot="0">
+            <a:off x="1219200" y="5272405"/>
+            <a:ext cx="4135120" cy="954405"/>
+          </a:xfrm>
+          <a:prstGeom prst="rect"/>
+          <a:noFill/>
+          <a:ln w="0">
+            <a:noFill/>
+            <a:prstDash/>
+          </a:ln>
+        </p:spPr>
+        <p:txBody>
+          <a:bodyPr wrap="square" lIns="89535" tIns="46355" rIns="89535" bIns="46355" numCol="1" vert="horz" anchor="t">
+            <a:spAutoFit/>
+          </a:bodyPr>
+          <a:lstStyle/>
+          <a:p>
+            <a:pPr marL="0" indent="0" rtl="0" algn="l" defTabSz="914400" eaLnBrk="1" latinLnBrk="0" hangingPunct="1">
+              <a:buFontTx/>
+              <a:buNone/>
+            </a:pPr>
+            <a:r>
+              <a:rPr lang="ko-KR" sz="2000" b="1">
+                <a:solidFill>
+                  <a:srgbClr val="0611F2"/>
+                </a:solidFill>
+                <a:latin typeface="맑은 고딕" charset="0"/>
+                <a:ea typeface="맑은 고딕" charset="0"/>
+              </a:rPr>
+              <a:t>1</a:t>
+            </a:r>
+            <a:r>
+              <a:rPr lang="ko-KR" sz="2000" b="1">
+                <a:solidFill>
+                  <a:srgbClr val="0611F2"/>
+                </a:solidFill>
+                <a:latin typeface="맑은 고딕" charset="0"/>
+                <a:ea typeface="맑은 고딕" charset="0"/>
+              </a:rPr>
+              <a:t>1</a:t>
+            </a:r>
+            <a:r>
+              <a:rPr sz="2000" b="1">
+                <a:solidFill>
+                  <a:srgbClr val="0611F2"/>
+                </a:solidFill>
+                <a:latin typeface="맑은 고딕" charset="0"/>
+                <a:ea typeface="맑은 고딕" charset="0"/>
+              </a:rPr>
+              <a:t>.</a:t>
+            </a:r>
+            <a:r>
+              <a:rPr sz="2000">
+                <a:latin typeface="맑은 고딕" charset="0"/>
+                <a:ea typeface="맑은 고딕" charset="0"/>
+              </a:rPr>
+              <a:t> </a:t>
+            </a:r>
+            <a:r>
+              <a:rPr lang="ko-KR" sz="1800">
+                <a:latin typeface="맑은 고딕" charset="0"/>
+                <a:ea typeface="맑은 고딕" charset="0"/>
+              </a:rPr>
+              <a:t>그</a:t>
+            </a:r>
+            <a:r>
+              <a:rPr lang="ko-KR" sz="1800">
+                <a:latin typeface="맑은 고딕" charset="0"/>
+                <a:ea typeface="맑은 고딕" charset="0"/>
+              </a:rPr>
+              <a:t>리고</a:t>
+            </a:r>
+            <a:r>
+              <a:rPr lang="ko-KR" sz="1800">
+                <a:latin typeface="맑은 고딕" charset="0"/>
+                <a:ea typeface="맑은 고딕" charset="0"/>
+              </a:rPr>
+              <a:t> Earth 오브젝트와 Sun 오브젝트의 위치와 크기값을 설정합니다.</a:t>
+            </a:r>
+            <a:endParaRPr lang="ko-KR" altLang="en-US" sz="1800">
+              <a:latin typeface="맑은 고딕" charset="0"/>
+              <a:ea typeface="맑은 고딕" charset="0"/>
+            </a:endParaRPr>
+          </a:p>
+        </p:txBody>
+      </p:sp>
+      <p:pic>
+        <p:nvPicPr>
+          <p:cNvPr id="34" name="그림 11" descr="C:/Users/Admin1/AppData/Roaming/PolarisOffice/ETemp/26060_11593280/fImage443601511478.png"/>
+          <p:cNvPicPr>
+            <a:picLocks noChangeAspect="1"/>
+          </p:cNvPicPr>
+          <p:nvPr/>
+        </p:nvPicPr>
+        <p:blipFill rotWithShape="1">
+          <a:blip r:embed="rId13" cstate="print">
+            <a:extLst>
+              <a:ext uri="{28A0092B-C50C-407E-A947-70E740481C1C}">
+                <a14:useLocalDpi xmlns:a14="http://schemas.microsoft.com/office/drawing/2010/main" val="0"/>
+              </a:ext>
+            </a:extLst>
+          </a:blip>
+          <a:stretch>
+            <a:fillRect/>
+          </a:stretch>
+        </p:blipFill>
+        <p:spPr>
+          <a:xfrm rot="0">
+            <a:off x="6816725" y="1445895"/>
+            <a:ext cx="4149090" cy="2569845"/>
+          </a:xfrm>
+          <a:prstGeom prst="roundRect"/>
+          <a:solidFill>
+            <a:srgbClr val="EDEDED"/>
+          </a:solidFill>
+        </p:spPr>
+      </p:pic>
     </p:spTree>
   </p:cSld>
   <p:clrMapOvr>
@@ -9662,8 +9994,8 @@
         </p:nvSpPr>
         <p:spPr>
           <a:xfrm rot="0">
-            <a:off x="1247775" y="1407160"/>
-            <a:ext cx="4144010" cy="923925"/>
+            <a:off x="1238250" y="1473835"/>
+            <a:ext cx="4170680" cy="923925"/>
           </a:xfrm>
           <a:prstGeom prst="rect"/>
           <a:noFill/>
@@ -9720,8 +10052,8 @@
         </p:nvSpPr>
         <p:spPr>
           <a:xfrm rot="0">
-            <a:off x="6841490" y="3028950"/>
-            <a:ext cx="4141470" cy="3139440"/>
+            <a:off x="6841490" y="4234180"/>
+            <a:ext cx="4132580" cy="2031365"/>
           </a:xfrm>
           <a:prstGeom prst="rect"/>
           <a:noFill/>
@@ -9741,18 +10073,11 @@
               <a:buNone/>
             </a:pPr>
             <a:r>
-              <a:rPr sz="1800">
-                <a:latin typeface="맑은 고딕" charset="0"/>
-                <a:ea typeface="맑은 고딕" charset="0"/>
-              </a:rPr>
-              <a:t>LookAt( ) 함수</a:t>
-            </a:r>
-            <a:r>
               <a:rPr lang="ko-KR" sz="1800">
                 <a:latin typeface="맑은 고딕" charset="0"/>
                 <a:ea typeface="맑은 고딕" charset="0"/>
               </a:rPr>
-              <a:t>의 원리는 (목표물의 위치 - 카메라의 위치)를 정규화하여 앞 방향벡터를 구합니다.</a:t>
+              <a:t>그리고 앞 방향벡터와 월드의 위 방향벡터를 외적 하여 오른쪽 방향벡터를 구합니다.</a:t>
             </a:r>
             <a:endParaRPr lang="ko-KR" altLang="en-US" sz="1800">
               <a:latin typeface="맑은 고딕" charset="0"/>
@@ -9779,45 +10104,18 @@
                 <a:latin typeface="맑은 고딕" charset="0"/>
                 <a:ea typeface="맑은 고딕" charset="0"/>
               </a:rPr>
-              <a:t>그리고 앞 방향벡터와 월드의 위 방향벡터를 외적 하여 오른쪽 방향벡터를 구합니다.</a:t>
+              <a:t>마지막으로 앞 방향벡터와 오른쪽 방향벡터를 외적 하면 카메라의 위 방향벡터도 함께 구합니다.</a:t>
             </a:r>
             <a:endParaRPr lang="ko-KR" altLang="en-US" sz="1800">
               <a:latin typeface="맑은 고딕" charset="0"/>
               <a:ea typeface="맑은 고딕" charset="0"/>
             </a:endParaRPr>
           </a:p>
-          <a:p>
-            <a:pPr marL="0" indent="0" rtl="0" algn="l" defTabSz="914400" eaLnBrk="1" latinLnBrk="0" hangingPunct="1">
-              <a:buFontTx/>
-              <a:buNone/>
-            </a:pPr>
-            <a:endParaRPr lang="ko-KR" altLang="en-US" sz="1800">
-              <a:latin typeface="맑은 고딕" charset="0"/>
-              <a:ea typeface="맑은 고딕" charset="0"/>
-            </a:endParaRPr>
-          </a:p>
-          <a:p>
-            <a:pPr marL="0" indent="0" rtl="0" algn="l" defTabSz="914400" eaLnBrk="1" latinLnBrk="0" hangingPunct="1">
-              <a:buFontTx/>
-              <a:buNone/>
-            </a:pPr>
-            <a:r>
-              <a:rPr lang="ko-KR" sz="1800">
-                <a:latin typeface="맑은 고딕" charset="0"/>
-                <a:ea typeface="맑은 고딕" charset="0"/>
-              </a:rPr>
-              <a:t>마지막으로 앞 방향벡터와 오른쪽 방향벡터를 외적 하면 카메라의 위 방향벡터도 함께 구합니다.</a:t>
-            </a:r>
-            <a:endParaRPr lang="ko-KR" altLang="en-US" sz="1800">
-              <a:latin typeface="맑은 고딕" charset="0"/>
-              <a:ea typeface="맑은 고딕" charset="0"/>
-            </a:endParaRPr>
-          </a:p>
         </p:txBody>
       </p:sp>
       <p:pic>
         <p:nvPicPr>
-          <p:cNvPr id="5" name="그림 8" descr="C:/Users/Admin1/AppData/Roaming/PolarisOffice/ETemp/11968_23123384/fImage179831186500.png"/>
+          <p:cNvPr id="5" name="그림 8" descr="C:/Users/Admin1/AppData/Roaming/PolarisOffice/ETemp/26060_11593280/fImage179831186500.png"/>
           <p:cNvPicPr>
             <a:picLocks noChangeAspect="1"/>
           </p:cNvPicPr>
@@ -9837,8 +10135,8 @@
         </p:blipFill>
         <p:spPr>
           <a:xfrm rot="0">
-            <a:off x="1237615" y="2476500"/>
-            <a:ext cx="4154170" cy="2343785"/>
+            <a:off x="1237615" y="2543810"/>
+            <a:ext cx="4154805" cy="2310130"/>
           </a:xfrm>
           <a:prstGeom prst="roundRect"/>
           <a:solidFill>
@@ -9856,8 +10154,8 @@
         </p:nvSpPr>
         <p:spPr>
           <a:xfrm rot="0">
-            <a:off x="1228725" y="4972685"/>
-            <a:ext cx="4163060" cy="1200785"/>
+            <a:off x="1187450" y="5064125"/>
+            <a:ext cx="4163695" cy="1201420"/>
           </a:xfrm>
           <a:prstGeom prst="rect"/>
           <a:noFill/>
@@ -9899,7 +10197,7 @@
       </p:sp>
       <p:pic>
         <p:nvPicPr>
-          <p:cNvPr id="7" name="그림 96" descr="C:/Users/Admin1/AppData/Roaming/PolarisOffice/ETemp/11968_23123384/fImage64702164604.png"/>
+          <p:cNvPr id="7" name="그림 96" descr="C:/Users/Admin1/AppData/Roaming/PolarisOffice/ETemp/26060_11593280/fImage64702164604.png"/>
           <p:cNvPicPr>
             <a:picLocks noChangeAspect="1"/>
           </p:cNvPicPr>
@@ -9919,8 +10217,8 @@
         </p:blipFill>
         <p:spPr>
           <a:xfrm rot="0">
-            <a:off x="6841490" y="1409700"/>
-            <a:ext cx="4141470" cy="1429385"/>
+            <a:off x="6841490" y="2585085"/>
+            <a:ext cx="4132580" cy="1485265"/>
           </a:xfrm>
           <a:prstGeom prst="roundRect"/>
           <a:solidFill>
@@ -9928,6 +10226,57 @@
           </a:solidFill>
         </p:spPr>
       </p:pic>
+      <p:sp>
+        <p:nvSpPr>
+          <p:cNvPr id="8" name="텍스트 상자 16"/>
+          <p:cNvSpPr txBox="1">
+            <a:spLocks/>
+          </p:cNvSpPr>
+          <p:nvPr/>
+        </p:nvSpPr>
+        <p:spPr>
+          <a:xfrm rot="0">
+            <a:off x="6837680" y="1462405"/>
+            <a:ext cx="4128135" cy="923925"/>
+          </a:xfrm>
+          <a:prstGeom prst="rect"/>
+          <a:noFill/>
+          <a:ln w="0">
+            <a:noFill/>
+            <a:prstDash/>
+          </a:ln>
+        </p:spPr>
+        <p:txBody>
+          <a:bodyPr wrap="square" lIns="89535" tIns="46355" rIns="89535" bIns="46355" numCol="1" vert="horz" anchor="t">
+            <a:spAutoFit/>
+          </a:bodyPr>
+          <a:lstStyle/>
+          <a:p>
+            <a:pPr marL="0" indent="0" rtl="0" algn="l" defTabSz="914400" eaLnBrk="1" latinLnBrk="0" hangingPunct="1">
+              <a:buFontTx/>
+              <a:buNone/>
+            </a:pPr>
+            <a:r>
+              <a:rPr sz="1800">
+                <a:latin typeface="맑은 고딕" charset="0"/>
+                <a:ea typeface="맑은 고딕" charset="0"/>
+              </a:rPr>
+              <a:t>LookAt( ) 함수</a:t>
+            </a:r>
+            <a:r>
+              <a:rPr lang="ko-KR" sz="1800">
+                <a:latin typeface="맑은 고딕" charset="0"/>
+                <a:ea typeface="맑은 고딕" charset="0"/>
+              </a:rPr>
+              <a:t>의 원리는 (목표물의 위치 - 카메라의 위치)를 정규화하여 앞 방향벡터를 구합니다.</a:t>
+            </a:r>
+            <a:endParaRPr lang="ko-KR" altLang="en-US" sz="1800">
+              <a:latin typeface="맑은 고딕" charset="0"/>
+              <a:ea typeface="맑은 고딕" charset="0"/>
+            </a:endParaRPr>
+          </a:p>
+        </p:txBody>
+      </p:sp>
     </p:spTree>
   </p:cSld>
   <p:clrMapOvr>
@@ -10028,115 +10377,9 @@
           </a:p>
         </p:txBody>
       </p:sp>
-      <p:sp>
-        <p:nvSpPr>
-          <p:cNvPr id="5" name="텍스트 상자 11"/>
-          <p:cNvSpPr txBox="1">
-            <a:spLocks/>
-          </p:cNvSpPr>
-          <p:nvPr/>
-        </p:nvSpPr>
-        <p:spPr>
-          <a:xfrm rot="0">
-            <a:off x="1164590" y="4516120"/>
-            <a:ext cx="4213860" cy="1754505"/>
-          </a:xfrm>
-          <a:prstGeom prst="rect"/>
-          <a:noFill/>
-          <a:ln w="0">
-            <a:noFill/>
-            <a:prstDash/>
-          </a:ln>
-        </p:spPr>
-        <p:txBody>
-          <a:bodyPr wrap="square" lIns="89535" tIns="46355" rIns="89535" bIns="46355" numCol="1" vert="horz" anchor="t">
-            <a:spAutoFit/>
-          </a:bodyPr>
-          <a:lstStyle/>
-          <a:p>
-            <a:pPr marL="0" indent="0" rtl="0" algn="l" defTabSz="914400" eaLnBrk="1" latinLnBrk="0" hangingPunct="1">
-              <a:buFontTx/>
-              <a:buNone/>
-            </a:pPr>
-            <a:r>
-              <a:rPr sz="1800">
-                <a:latin typeface="맑은 고딕" charset="0"/>
-                <a:ea typeface="맑은 고딕" charset="0"/>
-              </a:rPr>
-              <a:t>Vector3.Distance( ) 함수는 두 오브젝트 간의 거리를 구하는 함수입니다.</a:t>
-            </a:r>
-            <a:endParaRPr lang="ko-KR" altLang="en-US" sz="1800">
-              <a:latin typeface="맑은 고딕" charset="0"/>
-              <a:ea typeface="맑은 고딕" charset="0"/>
-            </a:endParaRPr>
-          </a:p>
-          <a:p>
-            <a:pPr marL="0" indent="0" rtl="0" algn="l" defTabSz="914400" eaLnBrk="1" latinLnBrk="0" hangingPunct="1">
-              <a:buFontTx/>
-              <a:buNone/>
-            </a:pPr>
-            <a:endParaRPr lang="ko-KR" altLang="en-US" sz="1800">
-              <a:latin typeface="맑은 고딕" charset="0"/>
-              <a:ea typeface="맑은 고딕" charset="0"/>
-            </a:endParaRPr>
-          </a:p>
-          <a:p>
-            <a:pPr marL="0" indent="0" rtl="0" algn="l" defTabSz="914400" eaLnBrk="1" latinLnBrk="0" hangingPunct="1">
-              <a:buFontTx/>
-              <a:buNone/>
-            </a:pPr>
-            <a:r>
-              <a:rPr sz="1800">
-                <a:latin typeface="맑은 고딕" charset="0"/>
-                <a:ea typeface="맑은 고딕" charset="0"/>
-              </a:rPr>
-              <a:t>Vector3.Distance( )</a:t>
-            </a:r>
-            <a:r>
-              <a:rPr sz="1800">
-                <a:latin typeface="맑은 고딕" charset="0"/>
-                <a:ea typeface="맑은 고딕" charset="0"/>
-              </a:rPr>
-              <a:t> 함수</a:t>
-            </a:r>
-            <a:r>
-              <a:rPr lang="ko-KR" sz="1800">
-                <a:latin typeface="맑은 고딕" charset="0"/>
-                <a:ea typeface="맑은 고딕" charset="0"/>
-              </a:rPr>
-              <a:t>의 경우</a:t>
-            </a:r>
-            <a:r>
-              <a:rPr lang="ko-KR" sz="1800">
-                <a:latin typeface="맑은 고딕" charset="0"/>
-                <a:ea typeface="맑은 고딕" charset="0"/>
-              </a:rPr>
-              <a:t> 오브젝트의 x축, y축, z축</a:t>
-            </a:r>
-            <a:r>
-              <a:rPr lang="ko-KR" sz="1800">
-                <a:latin typeface="맑은 고딕" charset="0"/>
-                <a:ea typeface="맑은 고딕" charset="0"/>
-              </a:rPr>
-              <a:t>을</a:t>
-            </a:r>
-            <a:r>
-              <a:rPr lang="ko-KR" sz="1800">
-                <a:latin typeface="맑은 고딕" charset="0"/>
-                <a:ea typeface="맑은 고딕" charset="0"/>
-              </a:rPr>
-              <a:t> 계산하여 거리를 측정합니다.</a:t>
-            </a:r>
-            <a:endParaRPr lang="ko-KR" altLang="en-US" sz="1800">
-              <a:latin typeface="맑은 고딕" charset="0"/>
-              <a:ea typeface="맑은 고딕" charset="0"/>
-            </a:endParaRPr>
-          </a:p>
-        </p:txBody>
-      </p:sp>
       <p:pic>
         <p:nvPicPr>
-          <p:cNvPr id="8" name="그림 107" descr="C:/Users/Admin1/AppData/Roaming/PolarisOffice/ETemp/5800_7652896/fImage6638220153.png"/>
+          <p:cNvPr id="8" name="그림 107" descr="C:/Users/Admin1/AppData/Roaming/PolarisOffice/ETemp/26060_11593280/fImage6638220153.png"/>
           <p:cNvPicPr>
             <a:picLocks noChangeAspect="1"/>
           </p:cNvPicPr>
@@ -10156,8 +10399,8 @@
         </p:blipFill>
         <p:spPr>
           <a:xfrm rot="0">
-            <a:off x="8087995" y="1445895"/>
-            <a:ext cx="2771140" cy="892810"/>
+            <a:off x="8087995" y="1446530"/>
+            <a:ext cx="2877820" cy="1256030"/>
           </a:xfrm>
           <a:prstGeom prst="roundRect"/>
           <a:solidFill>
@@ -10175,8 +10418,8 @@
         </p:nvSpPr>
         <p:spPr>
           <a:xfrm rot="0">
-            <a:off x="6807835" y="2461260"/>
-            <a:ext cx="4051300" cy="954405"/>
+            <a:off x="6824980" y="2809875"/>
+            <a:ext cx="4140835" cy="954405"/>
           </a:xfrm>
           <a:prstGeom prst="rect"/>
           <a:noFill/>
@@ -10203,7 +10446,7 @@
                 <a:latin typeface="맑은 고딕" charset="0"/>
                 <a:ea typeface="맑은 고딕" charset="0"/>
               </a:rPr>
-              <a:t>9</a:t>
+              <a:t>14</a:t>
             </a:r>
             <a:r>
               <a:rPr sz="2000" b="1">
@@ -10227,7 +10470,14 @@
                 <a:latin typeface="맑은 고딕" charset="0"/>
                 <a:ea typeface="맑은 고딕" charset="0"/>
               </a:rPr>
-              <a:t>마지막으로 StoneMonster의 Observe 스크립트에 Target으로 Sun 오브젝트를 넣어줍니다. </a:t>
+              <a:t>그리고</a:t>
+            </a:r>
+            <a:r>
+              <a:rPr lang="ko-KR" sz="1800">
+                <a:latin typeface="맑은 고딕" charset="0"/>
+                <a:ea typeface="맑은 고딕" charset="0"/>
+              </a:rPr>
+              <a:t> StoneMonster의 Observe 스크립트에 Target으로 Sun 오브젝트를 넣어줍니다. </a:t>
             </a:r>
             <a:endParaRPr lang="ko-KR" altLang="en-US" sz="1800">
               <a:latin typeface="맑은 고딕" charset="0"/>
@@ -10236,16 +10486,104 @@
           </a:p>
         </p:txBody>
       </p:sp>
+      <p:sp>
+        <p:nvSpPr>
+          <p:cNvPr id="18" name="텍스트 상자 14"/>
+          <p:cNvSpPr txBox="1">
+            <a:spLocks/>
+          </p:cNvSpPr>
+          <p:nvPr/>
+        </p:nvSpPr>
+        <p:spPr>
+          <a:xfrm rot="0">
+            <a:off x="1238885" y="5236845"/>
+            <a:ext cx="4131945" cy="954405"/>
+          </a:xfrm>
+          <a:prstGeom prst="rect"/>
+          <a:noFill/>
+          <a:ln w="0">
+            <a:noFill/>
+            <a:prstDash/>
+          </a:ln>
+        </p:spPr>
+        <p:txBody>
+          <a:bodyPr wrap="square" lIns="89535" tIns="46355" rIns="89535" bIns="46355" numCol="1" vert="horz" anchor="t">
+            <a:spAutoFit/>
+          </a:bodyPr>
+          <a:lstStyle/>
+          <a:p>
+            <a:pPr marL="0" indent="0" rtl="0" algn="l" defTabSz="914400" eaLnBrk="1" latinLnBrk="0" hangingPunct="1">
+              <a:buFontTx/>
+              <a:buNone/>
+            </a:pPr>
+            <a:r>
+              <a:rPr lang="ko-KR" sz="2000" b="1">
+                <a:solidFill>
+                  <a:srgbClr val="0611F2"/>
+                </a:solidFill>
+                <a:latin typeface="맑은 고딕" charset="0"/>
+                <a:ea typeface="맑은 고딕" charset="0"/>
+              </a:rPr>
+              <a:t>1</a:t>
+            </a:r>
+            <a:r>
+              <a:rPr lang="ko-KR" sz="2000" b="1">
+                <a:solidFill>
+                  <a:srgbClr val="0611F2"/>
+                </a:solidFill>
+                <a:latin typeface="맑은 고딕" charset="0"/>
+                <a:ea typeface="맑은 고딕" charset="0"/>
+              </a:rPr>
+              <a:t>3</a:t>
+            </a:r>
+            <a:r>
+              <a:rPr sz="2000" b="1">
+                <a:solidFill>
+                  <a:srgbClr val="0611F2"/>
+                </a:solidFill>
+                <a:latin typeface="맑은 고딕" charset="0"/>
+                <a:ea typeface="맑은 고딕" charset="0"/>
+              </a:rPr>
+              <a:t>.</a:t>
+            </a:r>
+            <a:r>
+              <a:rPr sz="2000">
+                <a:latin typeface="맑은 고딕" charset="0"/>
+                <a:ea typeface="맑은 고딕" charset="0"/>
+              </a:rPr>
+              <a:t> </a:t>
+            </a:r>
+            <a:r>
+              <a:rPr lang="ko-KR" sz="1800">
+                <a:latin typeface="맑은 고딕" charset="0"/>
+                <a:ea typeface="맑은 고딕" charset="0"/>
+              </a:rPr>
+              <a:t>이제</a:t>
+            </a:r>
+            <a:r>
+              <a:rPr lang="ko-KR" sz="1800">
+                <a:latin typeface="맑은 고딕" charset="0"/>
+                <a:ea typeface="맑은 고딕" charset="0"/>
+              </a:rPr>
+              <a:t> 3D Object에서 Sphere 오브젝트를 생성하고 Moon이라는 이름으로 정의합니다.</a:t>
+            </a:r>
+            <a:endParaRPr lang="ko-KR" altLang="en-US" sz="1800">
+              <a:latin typeface="맑은 고딕" charset="0"/>
+              <a:ea typeface="맑은 고딕" charset="0"/>
+            </a:endParaRPr>
+          </a:p>
+        </p:txBody>
+      </p:sp>
       <p:pic>
         <p:nvPicPr>
-          <p:cNvPr id="12" name="그림 113" descr="C:/Users/Admin1/AppData/Roaming/PolarisOffice/ETemp/5800_7652896/fImage112872242382.png"/>
+          <p:cNvPr id="19" name="그림 15" descr="C:/Users/Admin1/AppData/Roaming/PolarisOffice/ETemp/26060_11593280/fImage150911686962.png"/>
           <p:cNvPicPr>
             <a:picLocks noChangeAspect="1"/>
           </p:cNvPicPr>
           <p:nvPr/>
         </p:nvPicPr>
         <p:blipFill rotWithShape="1">
-          <a:blip r:embed="rId6" cstate="hqprint">
+          <a:blip r:embed="rId10" cstate="hqprint">
             <a:extLst>
               <a:ext uri="{28A0092B-C50C-407E-A947-70E740481C1C}">
                 <a14:useLocalDpi xmlns:a14="http://schemas.microsoft.com/office/drawing/2010/main"/>
@@ -10258,8 +10596,8 @@
         </p:blipFill>
         <p:spPr>
           <a:xfrm rot="0">
-            <a:off x="6824980" y="3558540"/>
-            <a:ext cx="4034155" cy="1663700"/>
+            <a:off x="1247140" y="1438275"/>
+            <a:ext cx="2494280" cy="3591560"/>
           </a:xfrm>
           <a:prstGeom prst="roundRect"/>
           <a:solidFill>
@@ -10267,87 +10605,16 @@
           </a:solidFill>
         </p:spPr>
       </p:pic>
-      <p:sp>
-        <p:nvSpPr>
-          <p:cNvPr id="14" name="텍스트 상자 119"/>
-          <p:cNvSpPr txBox="1">
-            <a:spLocks/>
-          </p:cNvSpPr>
-          <p:nvPr/>
-        </p:nvSpPr>
-        <p:spPr>
-          <a:xfrm rot="0">
-            <a:off x="6813550" y="5314315"/>
-            <a:ext cx="4045585" cy="954405"/>
-          </a:xfrm>
-          <a:prstGeom prst="rect"/>
-          <a:noFill/>
-          <a:ln w="0">
-            <a:noFill/>
-            <a:prstDash/>
-          </a:ln>
-        </p:spPr>
-        <p:txBody>
-          <a:bodyPr wrap="square" lIns="89535" tIns="46355" rIns="89535" bIns="46355" numCol="1" vert="horz" anchor="t">
-            <a:spAutoFit/>
-          </a:bodyPr>
-          <a:lstStyle/>
-          <a:p>
-            <a:pPr marL="0" indent="0" rtl="0" algn="l" defTabSz="914400" eaLnBrk="1" latinLnBrk="0" hangingPunct="1">
-              <a:buFontTx/>
-              <a:buNone/>
-            </a:pPr>
-            <a:r>
-              <a:rPr lang="ko-KR" sz="2000" b="1">
-                <a:solidFill>
-                  <a:srgbClr val="0611F2"/>
-                </a:solidFill>
-                <a:latin typeface="맑은 고딕" charset="0"/>
-                <a:ea typeface="맑은 고딕" charset="0"/>
-              </a:rPr>
-              <a:t>10</a:t>
-            </a:r>
-            <a:r>
-              <a:rPr sz="2000" b="1">
-                <a:solidFill>
-                  <a:srgbClr val="0611F2"/>
-                </a:solidFill>
-                <a:latin typeface="맑은 고딕" charset="0"/>
-                <a:ea typeface="맑은 고딕" charset="0"/>
-              </a:rPr>
-              <a:t>.</a:t>
-            </a:r>
-            <a:r>
-              <a:rPr sz="2000">
-                <a:latin typeface="맑은 고딕" charset="0"/>
-                <a:ea typeface="맑은 고딕" charset="0"/>
-              </a:rPr>
-              <a:t> </a:t>
-            </a:r>
-            <a:r>
-              <a:rPr lang="ko-KR" sz="1800">
-                <a:latin typeface="맑은 고딕" charset="0"/>
-                <a:ea typeface="맑은 고딕" charset="0"/>
-              </a:rPr>
-              <a:t>그다음 Earth 오브젝트와 Sun 오브젝트의 위치와 크기값을 설정합니다.</a:t>
-            </a:r>
-            <a:endParaRPr lang="ko-KR" altLang="en-US" sz="1800">
-              <a:latin typeface="맑은 고딕" charset="0"/>
-              <a:ea typeface="맑은 고딕" charset="0"/>
-            </a:endParaRPr>
-          </a:p>
-        </p:txBody>
-      </p:sp>
       <p:pic>
         <p:nvPicPr>
-          <p:cNvPr id="16" name="그림 4" descr="C:/Users/Admin1/AppData/Roaming/PolarisOffice/ETemp/5800_7652896/fImage1733661538467.png"/>
+          <p:cNvPr id="20" name="그림 17" descr="C:/Users/Admin1/AppData/Roaming/PolarisOffice/ETemp/26060_11593280/fImage55991559358.png"/>
           <p:cNvPicPr>
             <a:picLocks noChangeAspect="1"/>
           </p:cNvPicPr>
           <p:nvPr/>
         </p:nvPicPr>
         <p:blipFill rotWithShape="1">
-          <a:blip r:embed="rId8" cstate="print">
+          <a:blip r:embed="rId11" cstate="print">
             <a:extLst>
               <a:ext uri="{28A0092B-C50C-407E-A947-70E740481C1C}">
                 <a14:useLocalDpi xmlns:a14="http://schemas.microsoft.com/office/drawing/2010/main" val="0"/>
@@ -10360,23 +10627,25 @@
         </p:blipFill>
         <p:spPr>
           <a:xfrm rot="0">
-            <a:off x="1159510" y="1454785"/>
-            <a:ext cx="4236085" cy="2910205"/>
-          </a:xfrm>
-          <a:prstGeom prst="rect"/>
-          <a:noFill/>
+            <a:off x="3908425" y="2160905"/>
+            <a:ext cx="1462405" cy="2162175"/>
+          </a:xfrm>
+          <a:prstGeom prst="roundRect"/>
+          <a:solidFill>
+            <a:srgbClr val="EDEDED"/>
+          </a:solidFill>
         </p:spPr>
       </p:pic>
       <p:pic>
         <p:nvPicPr>
-          <p:cNvPr id="17" name="그림 10" descr="C:/Users/Admin1/AppData/Roaming/PolarisOffice/ETemp/5800_7652896/fImage52331576334.png"/>
+          <p:cNvPr id="21" name="그림 20" descr="C:/Users/Admin1/AppData/Roaming/PolarisOffice/ETemp/26060_11593280/fImage56171566962.png"/>
           <p:cNvPicPr>
             <a:picLocks noChangeAspect="1"/>
           </p:cNvPicPr>
           <p:nvPr/>
         </p:nvPicPr>
         <p:blipFill rotWithShape="1">
-          <a:blip r:embed="rId9" cstate="print">
+          <a:blip r:embed="rId12" cstate="print">
             <a:extLst>
               <a:ext uri="{28A0092B-C50C-407E-A947-70E740481C1C}">
                 <a14:useLocalDpi xmlns:a14="http://schemas.microsoft.com/office/drawing/2010/main" val="0"/>
@@ -10389,8 +10658,8 @@
         </p:blipFill>
         <p:spPr>
           <a:xfrm rot="0">
-            <a:off x="6826250" y="1445895"/>
-            <a:ext cx="1106170" cy="892810"/>
+            <a:off x="6833235" y="1438275"/>
+            <a:ext cx="1106170" cy="1261745"/>
           </a:xfrm>
           <a:prstGeom prst="roundRect"/>
           <a:solidFill>
@@ -10405,13 +10674,238 @@
           <p:nvPr/>
         </p:nvCxnSpPr>
         <p:spPr>
-          <a:xfrm rot="0" flipV="1">
-            <a:off x="7412355" y="2095500"/>
-            <a:ext cx="3369310" cy="165100"/>
+          <a:xfrm rot="0">
+            <a:off x="7390130" y="2410460"/>
+            <a:ext cx="3500755" cy="17780"/>
           </a:xfrm>
           <a:prstGeom prst="straightConnector1"/>
           <a:ln w="6350" cap="flat" cmpd="sng">
             <a:prstDash/>
+            <a:tailEnd type="triangle" w="med" len="med"/>
+          </a:ln>
+        </p:spPr>
+        <p:style>
+          <a:lnRef idx="1">
+            <a:schemeClr val="accent1"/>
+          </a:lnRef>
+          <a:fillRef idx="0">
+            <a:schemeClr val="accent1"/>
+          </a:fillRef>
+          <a:effectRef idx="0">
+            <a:schemeClr val="accent1"/>
+          </a:effectRef>
+          <a:fontRef idx="minor">
+            <a:schemeClr val="tx1"/>
+          </a:fontRef>
+        </p:style>
+      </p:cxnSp>
+      <p:sp>
+        <p:nvSpPr>
+          <p:cNvPr id="22" name="텍스트 상자 23"/>
+          <p:cNvSpPr txBox="1">
+            <a:spLocks/>
+          </p:cNvSpPr>
+          <p:nvPr/>
+        </p:nvSpPr>
+        <p:spPr>
+          <a:xfrm rot="0">
+            <a:off x="6824980" y="5234305"/>
+            <a:ext cx="4140835" cy="954405"/>
+          </a:xfrm>
+          <a:prstGeom prst="rect"/>
+          <a:noFill/>
+          <a:ln w="0">
+            <a:noFill/>
+            <a:prstDash/>
+          </a:ln>
+        </p:spPr>
+        <p:txBody>
+          <a:bodyPr wrap="square" lIns="89535" tIns="46355" rIns="89535" bIns="46355" numCol="1" vert="horz" anchor="t">
+            <a:spAutoFit/>
+          </a:bodyPr>
+          <a:lstStyle/>
+          <a:p>
+            <a:pPr marL="0" indent="0" rtl="0" algn="l" defTabSz="914400" eaLnBrk="1" latinLnBrk="0" hangingPunct="1">
+              <a:buFontTx/>
+              <a:buNone/>
+            </a:pPr>
+            <a:r>
+              <a:rPr lang="ko-KR" sz="2000" b="1">
+                <a:solidFill>
+                  <a:srgbClr val="0611F2"/>
+                </a:solidFill>
+                <a:latin typeface="맑은 고딕" charset="0"/>
+                <a:ea typeface="맑은 고딕" charset="0"/>
+              </a:rPr>
+              <a:t>1</a:t>
+            </a:r>
+            <a:r>
+              <a:rPr lang="ko-KR" sz="2000" b="1">
+                <a:solidFill>
+                  <a:srgbClr val="0611F2"/>
+                </a:solidFill>
+                <a:latin typeface="맑은 고딕" charset="0"/>
+                <a:ea typeface="맑은 고딕" charset="0"/>
+              </a:rPr>
+              <a:t>5</a:t>
+            </a:r>
+            <a:r>
+              <a:rPr sz="2000" b="1">
+                <a:solidFill>
+                  <a:srgbClr val="0611F2"/>
+                </a:solidFill>
+                <a:latin typeface="맑은 고딕" charset="0"/>
+                <a:ea typeface="맑은 고딕" charset="0"/>
+              </a:rPr>
+              <a:t>.</a:t>
+            </a:r>
+            <a:r>
+              <a:rPr sz="2000">
+                <a:latin typeface="맑은 고딕" charset="0"/>
+                <a:ea typeface="맑은 고딕" charset="0"/>
+              </a:rPr>
+              <a:t> </a:t>
+            </a:r>
+            <a:r>
+              <a:rPr lang="ko-KR" sz="1800">
+                <a:latin typeface="맑은 고딕" charset="0"/>
+                <a:ea typeface="맑은 고딕" charset="0"/>
+              </a:rPr>
+              <a:t>그다음</a:t>
+            </a:r>
+            <a:r>
+              <a:rPr lang="ko-KR" sz="1800">
+                <a:latin typeface="맑은 고딕" charset="0"/>
+                <a:ea typeface="맑은 고딕" charset="0"/>
+              </a:rPr>
+              <a:t> Project 폴더</a:t>
+            </a:r>
+            <a:r>
+              <a:rPr lang="ko-KR" sz="1800">
+                <a:latin typeface="맑은 고딕" charset="0"/>
+                <a:ea typeface="맑은 고딕" charset="0"/>
+              </a:rPr>
+              <a:t> 아래에 있는</a:t>
+            </a:r>
+            <a:r>
+              <a:rPr lang="ko-KR" sz="1800">
+                <a:latin typeface="맑은 고딕" charset="0"/>
+                <a:ea typeface="맑은 고딕" charset="0"/>
+              </a:rPr>
+              <a:t> Texture</a:t>
+            </a:r>
+            <a:r>
+              <a:rPr lang="ko-KR" sz="1800">
+                <a:latin typeface="맑은 고딕" charset="0"/>
+                <a:ea typeface="맑은 고딕" charset="0"/>
+              </a:rPr>
+              <a:t> 폴더</a:t>
+            </a:r>
+            <a:r>
+              <a:rPr lang="ko-KR" sz="1800">
+                <a:latin typeface="맑은 고딕" charset="0"/>
+                <a:ea typeface="맑은 고딕" charset="0"/>
+              </a:rPr>
+              <a:t>에 Moon 텍스처를</a:t>
+            </a:r>
+            <a:r>
+              <a:rPr lang="ko-KR" sz="1800">
+                <a:latin typeface="맑은 고딕" charset="0"/>
+                <a:ea typeface="맑은 고딕" charset="0"/>
+              </a:rPr>
+              <a:t> 선택한 다음</a:t>
+            </a:r>
+            <a:r>
+              <a:rPr lang="ko-KR" sz="1800">
+                <a:latin typeface="맑은 고딕" charset="0"/>
+                <a:ea typeface="맑은 고딕" charset="0"/>
+              </a:rPr>
+              <a:t> Moon 오브젝트에 넣어줍니다.</a:t>
+            </a:r>
+            <a:endParaRPr lang="ko-KR" altLang="en-US" sz="1800">
+              <a:latin typeface="맑은 고딕" charset="0"/>
+              <a:ea typeface="맑은 고딕" charset="0"/>
+            </a:endParaRPr>
+          </a:p>
+        </p:txBody>
+      </p:sp>
+      <p:pic>
+        <p:nvPicPr>
+          <p:cNvPr id="23" name="그림 24" descr="C:/Users/Admin1/AppData/Roaming/PolarisOffice/ETemp/26060_11593280/fImage268271906500.png"/>
+          <p:cNvPicPr>
+            <a:picLocks noChangeAspect="1"/>
+          </p:cNvPicPr>
+          <p:nvPr/>
+        </p:nvPicPr>
+        <p:blipFill rotWithShape="1">
+          <a:blip r:embed="rId13" cstate="hqprint">
+            <a:extLst>
+              <a:ext uri="{28A0092B-C50C-407E-A947-70E740481C1C}">
+                <a14:useLocalDpi xmlns:a14="http://schemas.microsoft.com/office/drawing/2010/main"/>
+              </a:ext>
+            </a:extLst>
+          </a:blip>
+          <a:stretch>
+            <a:fillRect/>
+          </a:stretch>
+        </p:blipFill>
+        <p:spPr>
+          <a:xfrm rot="0">
+            <a:off x="8180070" y="3915410"/>
+            <a:ext cx="2785745" cy="1205865"/>
+          </a:xfrm>
+          <a:prstGeom prst="roundRect"/>
+          <a:solidFill>
+            <a:srgbClr val="EDEDED"/>
+          </a:solidFill>
+        </p:spPr>
+      </p:pic>
+      <p:pic>
+        <p:nvPicPr>
+          <p:cNvPr id="24" name="그림 25" descr="C:/Users/Admin1/AppData/Roaming/PolarisOffice/ETemp/26060_11593280/fImage55991594464.png"/>
+          <p:cNvPicPr>
+            <a:picLocks noChangeAspect="1"/>
+          </p:cNvPicPr>
+          <p:nvPr/>
+        </p:nvPicPr>
+        <p:blipFill rotWithShape="1">
+          <a:blip r:embed="rId14" cstate="print">
+            <a:extLst>
+              <a:ext uri="{28A0092B-C50C-407E-A947-70E740481C1C}">
+                <a14:useLocalDpi xmlns:a14="http://schemas.microsoft.com/office/drawing/2010/main" val="0"/>
+              </a:ext>
+            </a:extLst>
+          </a:blip>
+          <a:stretch>
+            <a:fillRect/>
+          </a:stretch>
+        </p:blipFill>
+        <p:spPr>
+          <a:xfrm rot="0">
+            <a:off x="6858000" y="3912235"/>
+            <a:ext cx="1172845" cy="1217930"/>
+          </a:xfrm>
+          <a:prstGeom prst="roundRect"/>
+          <a:solidFill>
+            <a:srgbClr val="EDEDED"/>
+          </a:solidFill>
+        </p:spPr>
+      </p:pic>
+      <p:cxnSp>
+        <p:nvCxnSpPr>
+          <p:cNvPr id="25" name="도형 26"/>
+          <p:cNvCxnSpPr/>
+          <p:nvPr/>
+        </p:nvCxnSpPr>
+        <p:spPr>
+          <a:xfrm rot="0" flipH="1">
+            <a:off x="7465060" y="4671060"/>
+            <a:ext cx="1447165" cy="358775"/>
+          </a:xfrm>
+          <a:prstGeom prst="straightConnector1"/>
+          <a:ln w="6350" cap="flat" cmpd="sng">
+            <a:prstDash/>
+            <a:headEnd type="none" w="med" len="med"/>
             <a:tailEnd type="triangle" w="med" len="med"/>
           </a:ln>
         </p:spPr>
@@ -10480,8 +10974,8 @@
         </p:nvSpPr>
         <p:spPr>
           <a:xfrm rot="0">
-            <a:off x="4344670" y="386715"/>
-            <a:ext cx="3579495" cy="554990"/>
+            <a:off x="4310380" y="464820"/>
+            <a:ext cx="3580130" cy="554990"/>
           </a:xfrm>
           <a:prstGeom prst="rect"/>
           <a:noFill/>
@@ -10496,7 +10990,7 @@
           </a:bodyPr>
           <a:lstStyle/>
           <a:p>
-            <a:pPr marL="0" indent="0" rtl="0" algn="l" defTabSz="914400" eaLnBrk="1" latinLnBrk="0" hangingPunct="1">
+            <a:pPr marL="0" indent="0" rtl="0" algn="ctr" defTabSz="914400" eaLnBrk="1" latinLnBrk="0" hangingPunct="1">
               <a:buFontTx/>
               <a:buNone/>
             </a:pPr>
@@ -10508,17 +11002,7 @@
                 <a:latin typeface="맑은 고딕" charset="0"/>
                 <a:ea typeface="맑은 고딕" charset="0"/>
               </a:rPr>
-              <a:t>여</a:t>
-            </a:r>
-            <a:r>
-              <a:rPr lang="ko-KR" sz="3000" b="1">
-                <a:solidFill>
-                  <a:schemeClr val="tx1"/>
-                </a:solidFill>
-                <a:latin typeface="맑은 고딕" charset="0"/>
-                <a:ea typeface="맑은 고딕" charset="0"/>
-              </a:rPr>
-              <a:t>섯 번째 튜토리얼</a:t>
+              <a:t>Coroutine</a:t>
             </a:r>
             <a:endParaRPr lang="ko-KR" altLang="en-US" sz="3000" b="1">
               <a:solidFill>
@@ -10532,7 +11016,7 @@
       </p:sp>
       <p:sp>
         <p:nvSpPr>
-          <p:cNvPr id="5" name="Rect 0"/>
+          <p:cNvPr id="3" name="텍스트 상자 27"/>
           <p:cNvSpPr txBox="1">
             <a:spLocks/>
           </p:cNvSpPr>
@@ -10540,8 +11024,8 @@
         </p:nvSpPr>
         <p:spPr>
           <a:xfrm rot="0">
-            <a:off x="6824980" y="2225040"/>
-            <a:ext cx="4116070" cy="954405"/>
+            <a:off x="1229995" y="4949190"/>
+            <a:ext cx="4139565" cy="1200785"/>
           </a:xfrm>
           <a:prstGeom prst="rect"/>
           <a:noFill/>
@@ -10551,7 +11035,7 @@
           </a:ln>
         </p:spPr>
         <p:txBody>
-          <a:bodyPr wrap="square" lIns="89535" tIns="46355" rIns="89535" bIns="46355" numCol="1" vert="horz" anchor="t">
+          <a:bodyPr wrap="square" lIns="89535" tIns="46355" rIns="89535" bIns="46355" vert="horz" anchor="t">
             <a:spAutoFit/>
           </a:bodyPr>
           <a:lstStyle/>
@@ -10561,38 +11045,11 @@
               <a:buNone/>
             </a:pPr>
             <a:r>
-              <a:rPr lang="ko-KR" sz="2000" b="1">
-                <a:solidFill>
-                  <a:srgbClr val="0611F2"/>
-                </a:solidFill>
-                <a:latin typeface="맑은 고딕" charset="0"/>
-                <a:ea typeface="맑은 고딕" charset="0"/>
-              </a:rPr>
-              <a:t>12</a:t>
-            </a:r>
-            <a:r>
-              <a:rPr sz="2000" b="1">
-                <a:solidFill>
-                  <a:srgbClr val="0611F2"/>
-                </a:solidFill>
-                <a:latin typeface="맑은 고딕" charset="0"/>
-                <a:ea typeface="맑은 고딕" charset="0"/>
-              </a:rPr>
-              <a:t>.</a:t>
-            </a:r>
-            <a:r>
-              <a:rPr sz="2000">
-                <a:latin typeface="맑은 고딕" charset="0"/>
-                <a:ea typeface="맑은 고딕" charset="0"/>
-              </a:rPr>
-              <a:t> </a:t>
-            </a:r>
-            <a:r>
-              <a:rPr lang="ko-KR" sz="1800">
-                <a:latin typeface="맑은 고딕" charset="0"/>
-                <a:ea typeface="맑은 고딕" charset="0"/>
-              </a:rPr>
-              <a:t>이제 Project 폴더에서 Texture에 Moon 텍스처를 Moon 오브젝트에 넣어줍니다.</a:t>
+              <a:rPr sz="1800">
+                <a:latin typeface="맑은 고딕" charset="0"/>
+                <a:ea typeface="맑은 고딕" charset="0"/>
+              </a:rPr>
+              <a:t>그다음 계속 실행할 때는 다음 프레임에서 실행을 멈춘 위치부터 실행을 계속할 수 있도록 진행해주는 함수입니다.</a:t>
             </a:r>
             <a:endParaRPr lang="ko-KR" altLang="en-US" sz="1800">
               <a:latin typeface="맑은 고딕" charset="0"/>
@@ -10601,159 +11058,16 @@
           </a:p>
         </p:txBody>
       </p:sp>
-      <p:sp>
-        <p:nvSpPr>
-          <p:cNvPr id="25" name="Rect 0"/>
-          <p:cNvSpPr txBox="1">
-            <a:spLocks/>
-          </p:cNvSpPr>
-          <p:nvPr/>
-        </p:nvSpPr>
-        <p:spPr>
-          <a:xfrm rot="0">
-            <a:off x="1245870" y="4147820"/>
-            <a:ext cx="4136390" cy="2061845"/>
-          </a:xfrm>
-          <a:prstGeom prst="rect"/>
-          <a:noFill/>
-          <a:ln w="0">
-            <a:noFill/>
-            <a:prstDash/>
-          </a:ln>
-        </p:spPr>
-        <p:txBody>
-          <a:bodyPr wrap="square" lIns="89535" tIns="46355" rIns="89535" bIns="46355" numCol="1" vert="horz" anchor="t">
-            <a:spAutoFit/>
-          </a:bodyPr>
-          <a:lstStyle/>
-          <a:p>
-            <a:pPr marL="0" indent="0" rtl="0" algn="l" defTabSz="914400" eaLnBrk="1" latinLnBrk="0" hangingPunct="1">
-              <a:buFontTx/>
-              <a:buNone/>
-            </a:pPr>
-            <a:r>
-              <a:rPr lang="ko-KR" sz="2000" b="1">
-                <a:solidFill>
-                  <a:srgbClr val="0611F2"/>
-                </a:solidFill>
-                <a:latin typeface="맑은 고딕" charset="0"/>
-                <a:ea typeface="맑은 고딕" charset="0"/>
-              </a:rPr>
-              <a:t>11</a:t>
-            </a:r>
-            <a:r>
-              <a:rPr sz="2000" b="1">
-                <a:solidFill>
-                  <a:srgbClr val="0611F2"/>
-                </a:solidFill>
-                <a:latin typeface="맑은 고딕" charset="0"/>
-                <a:ea typeface="맑은 고딕" charset="0"/>
-              </a:rPr>
-              <a:t>.</a:t>
-            </a:r>
-            <a:r>
-              <a:rPr sz="2000">
-                <a:latin typeface="맑은 고딕" charset="0"/>
-                <a:ea typeface="맑은 고딕" charset="0"/>
-              </a:rPr>
-              <a:t> </a:t>
-            </a:r>
-            <a:r>
-              <a:rPr lang="ko-KR" sz="1800">
-                <a:latin typeface="맑은 고딕" charset="0"/>
-                <a:ea typeface="맑은 고딕" charset="0"/>
-              </a:rPr>
-              <a:t>그런 다음 </a:t>
-            </a:r>
-            <a:r>
-              <a:rPr lang="ko-KR" sz="1800">
-                <a:latin typeface="맑은 고딕" charset="0"/>
-                <a:ea typeface="맑은 고딕" charset="0"/>
-              </a:rPr>
-              <a:t>3D Object에서 Sphere 오브젝트를 생성하고 Moon이라는 이름으로 정의합니다.</a:t>
-            </a:r>
-            <a:endParaRPr lang="ko-KR" altLang="en-US" sz="1800">
-              <a:latin typeface="맑은 고딕" charset="0"/>
-              <a:ea typeface="맑은 고딕" charset="0"/>
-            </a:endParaRPr>
-          </a:p>
-          <a:p>
-            <a:pPr marL="0" indent="0" rtl="0" algn="l" defTabSz="914400" eaLnBrk="1" latinLnBrk="0" hangingPunct="1">
-              <a:buFontTx/>
-              <a:buNone/>
-            </a:pPr>
-            <a:endParaRPr lang="ko-KR" altLang="en-US" sz="1800">
-              <a:latin typeface="맑은 고딕" charset="0"/>
-              <a:ea typeface="맑은 고딕" charset="0"/>
-            </a:endParaRPr>
-          </a:p>
-          <a:p>
-            <a:pPr marL="0" indent="0" rtl="0" algn="l" defTabSz="914400" eaLnBrk="1" latinLnBrk="0" hangingPunct="1">
-              <a:buFontTx/>
-              <a:buNone/>
-            </a:pPr>
-            <a:r>
-              <a:rPr lang="ko-KR" sz="1800">
-                <a:latin typeface="맑은 고딕" charset="0"/>
-                <a:ea typeface="맑은 고딕" charset="0"/>
-              </a:rPr>
-              <a:t>그리고 Bicycle이라는 스크립트를 생성한 다음 Moon 오브젝트에 넣어줍니다.</a:t>
-            </a:r>
-            <a:r>
-              <a:rPr lang="ko-KR" sz="1800">
-                <a:latin typeface="맑은 고딕" charset="0"/>
-                <a:ea typeface="맑은 고딕" charset="0"/>
-              </a:rPr>
-              <a:t>  </a:t>
-            </a:r>
-            <a:endParaRPr lang="ko-KR" altLang="en-US" sz="1800">
-              <a:latin typeface="맑은 고딕" charset="0"/>
-              <a:ea typeface="맑은 고딕" charset="0"/>
-            </a:endParaRPr>
-          </a:p>
-        </p:txBody>
-      </p:sp>
       <p:pic>
         <p:nvPicPr>
-          <p:cNvPr id="27" name="그림 1"/>
+          <p:cNvPr id="4" name="그림 28" descr="C:/Users/Admin1/AppData/Roaming/PolarisOffice/ETemp/26060_11593280/fImage121271625705.png"/>
           <p:cNvPicPr>
             <a:picLocks noChangeAspect="1"/>
           </p:cNvPicPr>
           <p:nvPr/>
         </p:nvPicPr>
         <p:blipFill rotWithShape="1">
-          <a:blip r:embed="rId2" cstate="print">
-            <a:extLst>
-              <a:ext uri="{28A0092B-C50C-407E-A947-70E740481C1C}">
-                <a14:useLocalDpi xmlns:a14="http://schemas.microsoft.com/office/drawing/2010/main" val="0"/>
-              </a:ext>
-            </a:extLst>
-          </a:blip>
-          <a:stretch>
-            <a:fillRect/>
-          </a:stretch>
-        </p:blipFill>
-        <p:spPr>
-          <a:xfrm rot="0">
-            <a:off x="3890645" y="1287780"/>
-            <a:ext cx="1488440" cy="1348105"/>
-          </a:xfrm>
-          <a:prstGeom prst="roundRect"/>
-          <a:solidFill>
-            <a:srgbClr val="EDEDED"/>
-          </a:solidFill>
-        </p:spPr>
-      </p:pic>
-      <p:pic>
-        <p:nvPicPr>
-          <p:cNvPr id="28" name="그림 4"/>
-          <p:cNvPicPr>
-            <a:picLocks noChangeAspect="1"/>
-          </p:cNvPicPr>
-          <p:nvPr/>
-        </p:nvPicPr>
-        <p:blipFill rotWithShape="1">
-          <a:blip r:embed="rId3" cstate="hqprint">
+          <a:blip r:embed="rId8" cstate="hqprint">
             <a:extLst>
               <a:ext uri="{28A0092B-C50C-407E-A947-70E740481C1C}">
                 <a14:useLocalDpi xmlns:a14="http://schemas.microsoft.com/office/drawing/2010/main"/>
@@ -10766,8 +11080,8 @@
         </p:blipFill>
         <p:spPr>
           <a:xfrm rot="0">
-            <a:off x="1242060" y="1263650"/>
-            <a:ext cx="2258695" cy="2702560"/>
+            <a:off x="1236345" y="2874645"/>
+            <a:ext cx="4142105" cy="1844675"/>
           </a:xfrm>
           <a:prstGeom prst="roundRect"/>
           <a:solidFill>
@@ -10775,202 +11089,9 @@
           </a:solidFill>
         </p:spPr>
       </p:pic>
-      <p:pic>
-        <p:nvPicPr>
-          <p:cNvPr id="29" name="그림 5"/>
-          <p:cNvPicPr>
-            <a:picLocks noChangeAspect="1"/>
-          </p:cNvPicPr>
-          <p:nvPr/>
-        </p:nvPicPr>
-        <p:blipFill rotWithShape="1">
-          <a:blip r:embed="rId4" cstate="print">
-            <a:extLst>
-              <a:ext uri="{28A0092B-C50C-407E-A947-70E740481C1C}">
-                <a14:useLocalDpi xmlns:a14="http://schemas.microsoft.com/office/drawing/2010/main" val="0"/>
-              </a:ext>
-            </a:extLst>
-          </a:blip>
-          <a:stretch>
-            <a:fillRect/>
-          </a:stretch>
-        </p:blipFill>
-        <p:spPr>
-          <a:xfrm rot="0">
-            <a:off x="4222750" y="3114040"/>
-            <a:ext cx="815340" cy="895985"/>
-          </a:xfrm>
-          <a:prstGeom prst="roundRect"/>
-          <a:solidFill>
-            <a:srgbClr val="EDEDED"/>
-          </a:solidFill>
-        </p:spPr>
-      </p:pic>
-      <p:cxnSp>
-        <p:nvCxnSpPr>
-          <p:cNvPr id="30" name="도형 8"/>
-          <p:cNvCxnSpPr>
-            <a:stCxn id="29" idx="0"/>
-            <a:endCxn id="27" idx="2"/>
-          </p:cNvCxnSpPr>
-          <p:nvPr/>
-        </p:nvCxnSpPr>
-        <p:spPr>
-          <a:xfrm rot="0" flipV="1">
-            <a:off x="4629785" y="2635250"/>
-            <a:ext cx="5080" cy="479425"/>
-          </a:xfrm>
-          <a:prstGeom prst="straightConnector1"/>
-          <a:ln w="6350" cap="flat" cmpd="sng">
-            <a:prstDash/>
-            <a:headEnd type="none" w="med" len="med"/>
-            <a:tailEnd type="triangle" w="med" len="med"/>
-          </a:ln>
-        </p:spPr>
-        <p:style>
-          <a:lnRef idx="1">
-            <a:schemeClr val="accent1"/>
-          </a:lnRef>
-          <a:fillRef idx="0">
-            <a:schemeClr val="accent1"/>
-          </a:fillRef>
-          <a:effectRef idx="0">
-            <a:schemeClr val="accent1"/>
-          </a:effectRef>
-          <a:fontRef idx="minor">
-            <a:schemeClr val="tx1"/>
-          </a:fontRef>
-        </p:style>
-      </p:cxnSp>
-      <p:pic>
-        <p:nvPicPr>
-          <p:cNvPr id="31" name="그림 12"/>
-          <p:cNvPicPr>
-            <a:picLocks noChangeAspect="1"/>
-          </p:cNvPicPr>
-          <p:nvPr/>
-        </p:nvPicPr>
-        <p:blipFill rotWithShape="1">
-          <a:blip r:embed="rId5" cstate="print">
-            <a:extLst>
-              <a:ext uri="{28A0092B-C50C-407E-A947-70E740481C1C}">
-                <a14:useLocalDpi xmlns:a14="http://schemas.microsoft.com/office/drawing/2010/main" val="0"/>
-              </a:ext>
-            </a:extLst>
-          </a:blip>
-          <a:stretch>
-            <a:fillRect/>
-          </a:stretch>
-        </p:blipFill>
-        <p:spPr>
-          <a:xfrm rot="0">
-            <a:off x="7980680" y="1257935"/>
-            <a:ext cx="2962275" cy="878840"/>
-          </a:xfrm>
-          <a:prstGeom prst="roundRect"/>
-          <a:solidFill>
-            <a:srgbClr val="EDEDED"/>
-          </a:solidFill>
-        </p:spPr>
-      </p:pic>
-      <p:pic>
-        <p:nvPicPr>
-          <p:cNvPr id="32" name="그림 15"/>
-          <p:cNvPicPr>
-            <a:picLocks noChangeAspect="1"/>
-          </p:cNvPicPr>
-          <p:nvPr/>
-        </p:nvPicPr>
-        <p:blipFill rotWithShape="1">
-          <a:blip r:embed="rId6" cstate="print">
-            <a:extLst>
-              <a:ext uri="{28A0092B-C50C-407E-A947-70E740481C1C}">
-                <a14:useLocalDpi xmlns:a14="http://schemas.microsoft.com/office/drawing/2010/main" val="0"/>
-              </a:ext>
-            </a:extLst>
-          </a:blip>
-          <a:stretch>
-            <a:fillRect/>
-          </a:stretch>
-        </p:blipFill>
-        <p:spPr>
-          <a:xfrm rot="0">
-            <a:off x="6821805" y="1255395"/>
-            <a:ext cx="1059815" cy="890270"/>
-          </a:xfrm>
-          <a:prstGeom prst="roundRect"/>
-          <a:solidFill>
-            <a:srgbClr val="EDEDED"/>
-          </a:solidFill>
-        </p:spPr>
-      </p:pic>
-      <p:cxnSp>
-        <p:nvCxnSpPr>
-          <p:cNvPr id="33" name="도형 16"/>
-          <p:cNvCxnSpPr/>
-          <p:nvPr/>
-        </p:nvCxnSpPr>
-        <p:spPr>
-          <a:xfrm rot="0" flipH="1">
-            <a:off x="7381875" y="1920240"/>
-            <a:ext cx="1380490" cy="142240"/>
-          </a:xfrm>
-          <a:prstGeom prst="straightConnector1"/>
-          <a:ln w="6350" cap="flat" cmpd="sng">
-            <a:prstDash/>
-            <a:headEnd type="none" w="med" len="med"/>
-            <a:tailEnd type="triangle" w="med" len="med"/>
-          </a:ln>
-        </p:spPr>
-        <p:style>
-          <a:lnRef idx="1">
-            <a:schemeClr val="accent1"/>
-          </a:lnRef>
-          <a:fillRef idx="0">
-            <a:schemeClr val="accent1"/>
-          </a:fillRef>
-          <a:effectRef idx="0">
-            <a:schemeClr val="accent1"/>
-          </a:effectRef>
-          <a:fontRef idx="minor">
-            <a:schemeClr val="tx1"/>
-          </a:fontRef>
-        </p:style>
-      </p:cxnSp>
-      <p:pic>
-        <p:nvPicPr>
-          <p:cNvPr id="34" name="그림 17"/>
-          <p:cNvPicPr>
-            <a:picLocks noChangeAspect="1"/>
-          </p:cNvPicPr>
-          <p:nvPr/>
-        </p:nvPicPr>
-        <p:blipFill rotWithShape="1">
-          <a:blip r:embed="rId7" cstate="print">
-            <a:extLst>
-              <a:ext uri="{28A0092B-C50C-407E-A947-70E740481C1C}">
-                <a14:useLocalDpi xmlns:a14="http://schemas.microsoft.com/office/drawing/2010/main" val="0"/>
-              </a:ext>
-            </a:extLst>
-          </a:blip>
-          <a:stretch>
-            <a:fillRect/>
-          </a:stretch>
-        </p:blipFill>
-        <p:spPr>
-          <a:xfrm rot="0">
-            <a:off x="6825615" y="3318510"/>
-            <a:ext cx="4114800" cy="955040"/>
-          </a:xfrm>
-          <a:prstGeom prst="roundRect"/>
-          <a:solidFill>
-            <a:srgbClr val="EDEDED"/>
-          </a:solidFill>
-        </p:spPr>
-      </p:pic>
       <p:sp>
         <p:nvSpPr>
-          <p:cNvPr id="35" name="텍스트 상자 20"/>
+          <p:cNvPr id="5" name="텍스트 상자 44"/>
           <p:cNvSpPr txBox="1">
             <a:spLocks/>
           </p:cNvSpPr>
@@ -10978,8 +11099,8 @@
         </p:nvSpPr>
         <p:spPr>
           <a:xfrm rot="0">
-            <a:off x="6821805" y="4425315"/>
-            <a:ext cx="4116070" cy="1784985"/>
+            <a:off x="1238250" y="1436370"/>
+            <a:ext cx="4140200" cy="1200785"/>
           </a:xfrm>
           <a:prstGeom prst="rect"/>
           <a:noFill/>
@@ -10989,7 +11110,7 @@
           </a:ln>
         </p:spPr>
         <p:txBody>
-          <a:bodyPr wrap="square" lIns="89535" tIns="46355" rIns="89535" bIns="46355" numCol="1" vert="horz" anchor="t">
+          <a:bodyPr wrap="square" lIns="89535" tIns="46355" rIns="89535" bIns="46355" vert="horz" anchor="t">
             <a:spAutoFit/>
           </a:bodyPr>
           <a:lstStyle/>
@@ -10999,38 +11120,11 @@
               <a:buNone/>
             </a:pPr>
             <a:r>
-              <a:rPr lang="ko-KR" sz="2000" b="1">
-                <a:solidFill>
-                  <a:srgbClr val="0611F2"/>
-                </a:solidFill>
-                <a:latin typeface="맑은 고딕" charset="0"/>
-                <a:ea typeface="맑은 고딕" charset="0"/>
-              </a:rPr>
-              <a:t>13</a:t>
-            </a:r>
-            <a:r>
-              <a:rPr sz="2000" b="1">
-                <a:solidFill>
-                  <a:srgbClr val="0611F2"/>
-                </a:solidFill>
-                <a:latin typeface="맑은 고딕" charset="0"/>
-                <a:ea typeface="맑은 고딕" charset="0"/>
-              </a:rPr>
-              <a:t>.</a:t>
-            </a:r>
-            <a:r>
-              <a:rPr sz="2000">
-                <a:latin typeface="맑은 고딕" charset="0"/>
-                <a:ea typeface="맑은 고딕" charset="0"/>
-              </a:rPr>
-              <a:t> </a:t>
-            </a:r>
-            <a:r>
-              <a:rPr lang="ko-KR" sz="1800">
-                <a:latin typeface="맑은 고딕" charset="0"/>
-                <a:ea typeface="맑은 고딕" charset="0"/>
-              </a:rPr>
-              <a:t>마지막으로 Bicycle 스크립트에서 Update( ) 함수에 프레임마다 회전하는 Rotate( ) 함수를 선언합니다.</a:t>
+              <a:rPr sz="1800">
+                <a:latin typeface="맑은 고딕" charset="0"/>
+                <a:ea typeface="맑은 고딕" charset="0"/>
+              </a:rPr>
+              <a:t>코루틴 함수란?</a:t>
             </a:r>
             <a:endParaRPr lang="ko-KR" altLang="en-US" sz="1800">
               <a:latin typeface="맑은 고딕" charset="0"/>
@@ -11042,22 +11136,19 @@
               <a:buFontTx/>
               <a:buNone/>
             </a:pPr>
-            <a:endParaRPr lang="ko-KR" altLang="en-US" sz="1800">
-              <a:latin typeface="맑은 고딕" charset="0"/>
-              <a:ea typeface="맑은 고딕" charset="0"/>
-            </a:endParaRPr>
-          </a:p>
-          <a:p>
-            <a:pPr marL="0" indent="0" rtl="0" algn="l" defTabSz="914400" eaLnBrk="1" latinLnBrk="0" hangingPunct="1">
-              <a:buFontTx/>
-              <a:buNone/>
-            </a:pPr>
+            <a:r>
+              <a:rPr sz="1800">
+                <a:latin typeface="맑은 고딕" charset="0"/>
+                <a:ea typeface="맑은 고딕" charset="0"/>
+              </a:rPr>
+              <a:t>특정한 위치에서 실행을 정지하고 Unity에</a:t>
+            </a:r>
             <a:r>
               <a:rPr lang="ko-KR" sz="1800">
                 <a:latin typeface="맑은 고딕" charset="0"/>
                 <a:ea typeface="맑은 고딕" charset="0"/>
               </a:rPr>
-              <a:t>X축과 Y축 그리고 Z축의 값을 0.1로 설정하고 회전하도록 설정합니다.</a:t>
+              <a:t>게 제어권을 돌려주는 함수입니다.</a:t>
             </a:r>
             <a:endParaRPr lang="ko-KR" altLang="en-US" sz="1800">
               <a:latin typeface="맑은 고딕" charset="0"/>
@@ -11115,9 +11206,9 @@
           <p:nvPr/>
         </p:nvSpPr>
         <p:spPr>
-          <a:xfrm>
-            <a:off x="4344670" y="386715"/>
-            <a:ext cx="3504565" cy="554990"/>
+          <a:xfrm rot="0">
+            <a:off x="3848735" y="403225"/>
+            <a:ext cx="4491355" cy="554990"/>
           </a:xfrm>
           <a:prstGeom prst="rect"/>
           <a:noFill/>
@@ -11132,7 +11223,7 @@
           </a:bodyPr>
           <a:lstStyle/>
           <a:p>
-            <a:pPr marL="0" indent="0" rtl="0" algn="l" defTabSz="914400" eaLnBrk="1" latinLnBrk="0" hangingPunct="1">
+            <a:pPr marL="0" indent="0" rtl="0" algn="ctr" defTabSz="914400" eaLnBrk="1" latinLnBrk="0" hangingPunct="1">
               <a:buFontTx/>
               <a:buNone/>
             </a:pPr>
@@ -11144,7 +11235,7 @@
                 <a:latin typeface="맑은 고딕" charset="0"/>
                 <a:ea typeface="맑은 고딕" charset="0"/>
               </a:rPr>
-              <a:t>일곱</a:t>
+              <a:t>여섯</a:t>
             </a:r>
             <a:r>
               <a:rPr lang="ko-KR" sz="3000" b="1">
@@ -11175,9 +11266,9 @@
           <p:nvPr/>
         </p:nvSpPr>
         <p:spPr>
-          <a:xfrm rot="0">
+          <a:xfrm>
             <a:off x="1323975" y="4424680"/>
-            <a:ext cx="4073525" cy="1784985"/>
+            <a:ext cx="4074160" cy="1784985"/>
           </a:xfrm>
           <a:prstGeom prst="rect"/>
           <a:noFill/>
@@ -11214,7 +11305,7 @@
                 <a:latin typeface="맑은 고딕" charset="0"/>
                 <a:ea typeface="맑은 고딕" charset="0"/>
               </a:rPr>
-              <a:t>4</a:t>
+              <a:t>5</a:t>
             </a:r>
             <a:r>
               <a:rPr sz="2000" b="1">
@@ -11238,14 +11329,7 @@
                 <a:latin typeface="맑은 고딕" charset="0"/>
                 <a:ea typeface="맑은 고딕" charset="0"/>
               </a:rPr>
-              <a:t>그</a:t>
-            </a:r>
-            <a:r>
-              <a:rPr lang="ko-KR" sz="1800">
-                <a:latin typeface="맑은 고딕" charset="0"/>
-                <a:ea typeface="맑은 고딕" charset="0"/>
-              </a:rPr>
-              <a:t>다음 Camera 오브젝트를 생성합니다.</a:t>
+              <a:t>그다음 Camera 오브젝트를 생성합니다.</a:t>
             </a:r>
             <a:endParaRPr lang="ko-KR" altLang="en-US" sz="1800">
               <a:latin typeface="맑은 고딕" charset="0"/>
@@ -11292,7 +11376,7 @@
         <p:spPr>
           <a:xfrm rot="0">
             <a:off x="6830695" y="5255260"/>
-            <a:ext cx="3977005" cy="954405"/>
+            <a:ext cx="4126865" cy="954405"/>
           </a:xfrm>
           <a:prstGeom prst="rect"/>
           <a:noFill/>
@@ -11319,7 +11403,17 @@
                 <a:latin typeface="맑은 고딕" charset="0"/>
                 <a:ea typeface="맑은 고딕" charset="0"/>
               </a:rPr>
-              <a:t>15</a:t>
+              <a:t>1</a:t>
+            </a:r>
+            <a:r>
+              <a:rPr lang="ko-KR" sz="2000" b="1">
+                <a:solidFill>
+                  <a:srgbClr val="0611F2"/>
+                </a:solidFill>
+                <a:latin typeface="맑은 고딕" charset="0"/>
+                <a:ea typeface="맑은 고딕" charset="0"/>
+              </a:rPr>
+              <a:t>6</a:t>
             </a:r>
             <a:r>
               <a:rPr sz="2000" b="1">
@@ -11343,7 +11437,21 @@
                 <a:latin typeface="맑은 고딕" charset="0"/>
                 <a:ea typeface="맑은 고딕" charset="0"/>
               </a:rPr>
-              <a:t>그리고 Project 폴더에 있는 Render Texture 폴더에 Render Texture를 생성합니다. </a:t>
+              <a:t>그리고 Project 폴더에 </a:t>
+            </a:r>
+            <a:r>
+              <a:rPr lang="ko-KR" sz="1800">
+                <a:latin typeface="맑은 고딕" charset="0"/>
+                <a:ea typeface="맑은 고딕" charset="0"/>
+              </a:rPr>
+              <a:t>아래에 있는</a:t>
+            </a:r>
+            <a:r>
+              <a:rPr lang="ko-KR" sz="1800">
+                <a:latin typeface="맑은 고딕" charset="0"/>
+                <a:ea typeface="맑은 고딕" charset="0"/>
+              </a:rPr>
+              <a:t> Render Texture 폴더에 Render Texture를 생성합니다. </a:t>
             </a:r>
             <a:endParaRPr lang="ko-KR" altLang="en-US" sz="1800">
               <a:latin typeface="맑은 고딕" charset="0"/>
@@ -11354,17 +11462,17 @@
       </p:sp>
       <p:pic>
         <p:nvPicPr>
-          <p:cNvPr id="36" name="그림 1"/>
+          <p:cNvPr id="36" name="그림 1" descr="C:/Users/Admin1/AppData/Roaming/PolarisOffice/ETemp/26060_11593280/fImage756919941.png"/>
           <p:cNvPicPr>
             <a:picLocks noChangeAspect="1"/>
           </p:cNvPicPr>
           <p:nvPr/>
         </p:nvPicPr>
         <p:blipFill rotWithShape="1">
-          <a:blip r:embed="rId2" cstate="print">
+          <a:blip r:embed="rId2" cstate="hqprint">
             <a:extLst>
               <a:ext uri="{28A0092B-C50C-407E-A947-70E740481C1C}">
-                <a14:useLocalDpi xmlns:a14="http://schemas.microsoft.com/office/drawing/2010/main" val="0"/>
+                <a14:useLocalDpi xmlns:a14="http://schemas.microsoft.com/office/drawing/2010/main"/>
               </a:ext>
             </a:extLst>
           </a:blip>
@@ -11374,8 +11482,8 @@
         </p:blipFill>
         <p:spPr>
           <a:xfrm rot="0">
-            <a:off x="1325880" y="1297305"/>
-            <a:ext cx="2489200" cy="2975610"/>
+            <a:off x="1229995" y="1446530"/>
+            <a:ext cx="2677795" cy="2827020"/>
           </a:xfrm>
           <a:prstGeom prst="roundRect"/>
           <a:solidFill>
@@ -11385,7 +11493,7 @@
       </p:pic>
       <p:pic>
         <p:nvPicPr>
-          <p:cNvPr id="38" name="그림 7" descr="C:/Users/Admin1/AppData/Roaming/PolarisOffice/ETemp/5800_7652896/fImage421642018467.png"/>
+          <p:cNvPr id="38" name="그림 7" descr="C:/Users/Admin1/AppData/Roaming/PolarisOffice/ETemp/26060_11593280/fImage421642018467.png"/>
           <p:cNvPicPr>
             <a:picLocks noChangeAspect="1"/>
           </p:cNvPicPr>
@@ -11405,8 +11513,8 @@
         </p:blipFill>
         <p:spPr>
           <a:xfrm rot="0">
-            <a:off x="6832600" y="1297305"/>
-            <a:ext cx="3966210" cy="2894965"/>
+            <a:off x="6840855" y="1446530"/>
+            <a:ext cx="4116705" cy="3633470"/>
           </a:xfrm>
           <a:prstGeom prst="roundRect"/>
           <a:solidFill>
@@ -11416,14 +11524,14 @@
       </p:pic>
       <p:pic>
         <p:nvPicPr>
-          <p:cNvPr id="39" name="그림 10" descr="C:/Users/Admin1/AppData/Roaming/PolarisOffice/ETemp/5800_7652896/fImage40062026334.png"/>
+          <p:cNvPr id="40" name="그림 16" descr="C:/Users/Admin1/AppData/Roaming/PolarisOffice/ETemp/26060_11593280/fImage70642126500.png"/>
           <p:cNvPicPr>
             <a:picLocks noChangeAspect="1"/>
           </p:cNvPicPr>
           <p:nvPr/>
         </p:nvPicPr>
         <p:blipFill rotWithShape="1">
-          <a:blip r:embed="rId4" cstate="hqprint">
+          <a:blip r:embed="rId5" cstate="hqprint">
             <a:extLst>
               <a:ext uri="{28A0092B-C50C-407E-A947-70E740481C1C}">
                 <a14:useLocalDpi xmlns:a14="http://schemas.microsoft.com/office/drawing/2010/main"/>
@@ -11436,39 +11544,8 @@
         </p:blipFill>
         <p:spPr>
           <a:xfrm rot="0">
-            <a:off x="6832600" y="4304030"/>
-            <a:ext cx="3966210" cy="897890"/>
-          </a:xfrm>
-          <a:prstGeom prst="roundRect"/>
-          <a:solidFill>
-            <a:srgbClr val="EDEDED"/>
-          </a:solidFill>
-        </p:spPr>
-      </p:pic>
-      <p:pic>
-        <p:nvPicPr>
-          <p:cNvPr id="40" name="그림 16"/>
-          <p:cNvPicPr>
-            <a:picLocks noChangeAspect="1"/>
-          </p:cNvPicPr>
-          <p:nvPr/>
-        </p:nvPicPr>
-        <p:blipFill rotWithShape="1">
-          <a:blip r:embed="rId5" cstate="print">
-            <a:extLst>
-              <a:ext uri="{28A0092B-C50C-407E-A947-70E740481C1C}">
-                <a14:useLocalDpi xmlns:a14="http://schemas.microsoft.com/office/drawing/2010/main" val="0"/>
-              </a:ext>
-            </a:extLst>
-          </a:blip>
-          <a:stretch>
-            <a:fillRect/>
-          </a:stretch>
-        </p:blipFill>
-        <p:spPr>
-          <a:xfrm rot="0">
-            <a:off x="4079875" y="1783715"/>
-            <a:ext cx="1306830" cy="1992630"/>
+            <a:off x="4121150" y="1866900"/>
+            <a:ext cx="1274445" cy="1993265"/>
           </a:xfrm>
           <a:prstGeom prst="roundRect"/>
           <a:solidFill>

--- a/Assets/Class/Rotation/PPT Data/Rotation Example.pptx
+++ b/Assets/Class/Rotation/PPT Data/Rotation Example.pptx
@@ -2,7 +2,7 @@
 <file path=ppt/presentation.xml><?xml version="1.0" encoding="utf-8"?>
 <p:presentation xmlns:a="http://schemas.openxmlformats.org/drawingml/2006/main" xmlns:r="http://schemas.openxmlformats.org/officeDocument/2006/relationships" xmlns:p="http://schemas.openxmlformats.org/presentationml/2006/main" xmlns:p14="http://schemas.microsoft.com/office/powerpoint/2010/main" saveSubsetFonts="1" firstSlideNum="0">
   <p:sldMasterIdLst>
-    <p:sldMasterId id="2147485451" r:id="rId12"/>
+    <p:sldMasterId id="2147485500" r:id="rId12"/>
   </p:sldMasterIdLst>
   <p:notesMasterIdLst>
     <p:notesMasterId r:id="rId14"/>
@@ -20,6 +20,8 @@
     <p:sldId id="285" r:id="rId25"/>
     <p:sldId id="287" r:id="rId26"/>
     <p:sldId id="286" r:id="rId27"/>
+    <p:sldId id="288" r:id="rId28"/>
+    <p:sldId id="289" r:id="rId29"/>
   </p:sldIdLst>
   <p:sldSz cx="12192000" cy="6858000"/>
   <p:notesSz cx="6858000" cy="9144000"/>
@@ -5389,9 +5391,9 @@
           <p:nvPr/>
         </p:nvSpPr>
         <p:spPr>
-          <a:xfrm rot="0">
+          <a:xfrm>
             <a:off x="4519295" y="386715"/>
-            <a:ext cx="3146425" cy="554990"/>
+            <a:ext cx="3147060" cy="478155"/>
           </a:xfrm>
           <a:prstGeom prst="rect"/>
           <a:noFill/>
@@ -5406,66 +5408,26 @@
           </a:bodyPr>
           <a:lstStyle/>
           <a:p>
-            <a:pPr marL="0" indent="0" rtl="0" algn="l" defTabSz="914400" eaLnBrk="1" latinLnBrk="0" hangingPunct="1">
-              <a:buFontTx/>
-              <a:buNone/>
-            </a:pPr>
-            <a:r>
-              <a:rPr lang="ko-KR" sz="3000" b="1">
+            <a:pPr marL="0" indent="0" rtl="0" algn="ctr" defTabSz="914400" eaLnBrk="1" latinLnBrk="0" hangingPunct="1">
+              <a:buFontTx/>
+              <a:buNone/>
+            </a:pPr>
+            <a:r>
+              <a:rPr lang="ko-KR" sz="2500" b="1">
                 <a:solidFill>
                   <a:schemeClr val="tx1"/>
                 </a:solidFill>
-                <a:latin typeface="맑은 고딕" charset="0"/>
-                <a:ea typeface="맑은 고딕" charset="0"/>
-              </a:rPr>
-              <a:t>첫</a:t>
-            </a:r>
-            <a:r>
-              <a:rPr lang="ko-KR" sz="3000" b="1">
-                <a:solidFill>
-                  <a:schemeClr val="tx1"/>
-                </a:solidFill>
-                <a:latin typeface="맑은 고딕" charset="0"/>
-                <a:ea typeface="맑은 고딕" charset="0"/>
-              </a:rPr>
-              <a:t> </a:t>
-            </a:r>
-            <a:r>
-              <a:rPr lang="ko-KR" sz="3000" b="1">
-                <a:solidFill>
-                  <a:schemeClr val="tx1"/>
-                </a:solidFill>
-                <a:latin typeface="맑은 고딕" charset="0"/>
-                <a:ea typeface="맑은 고딕" charset="0"/>
-              </a:rPr>
-              <a:t>번째</a:t>
-            </a:r>
-            <a:r>
-              <a:rPr lang="ko-KR" sz="3000" b="1">
-                <a:solidFill>
-                  <a:schemeClr val="tx1"/>
-                </a:solidFill>
-                <a:latin typeface="맑은 고딕" charset="0"/>
-                <a:ea typeface="맑은 고딕" charset="0"/>
-              </a:rPr>
-              <a:t> </a:t>
-            </a:r>
-            <a:r>
-              <a:rPr lang="ko-KR" sz="3000" b="1">
-                <a:solidFill>
-                  <a:schemeClr val="tx1"/>
-                </a:solidFill>
-                <a:latin typeface="맑은 고딕" charset="0"/>
-                <a:ea typeface="맑은 고딕" charset="0"/>
-              </a:rPr>
-              <a:t>튜토리얼</a:t>
-            </a:r>
-            <a:endParaRPr lang="ko-KR" altLang="en-US" sz="3000" b="1">
+                <a:latin typeface="나눔바른고딕" charset="0"/>
+                <a:ea typeface="나눔바른고딕" charset="0"/>
+              </a:rPr>
+              <a:t>첫 번째 튜토리얼</a:t>
+            </a:r>
+            <a:endParaRPr lang="ko-KR" altLang="en-US" sz="2500" b="1">
               <a:solidFill>
                 <a:schemeClr val="tx1"/>
               </a:solidFill>
-              <a:latin typeface="맑은 고딕" charset="0"/>
-              <a:ea typeface="맑은 고딕" charset="0"/>
+              <a:latin typeface="나눔바른고딕" charset="0"/>
+              <a:ea typeface="나눔바른고딕" charset="0"/>
             </a:endParaRPr>
           </a:p>
         </p:txBody>
@@ -5481,7 +5443,7 @@
         <p:spPr>
           <a:xfrm rot="0">
             <a:off x="1229360" y="2791460"/>
-            <a:ext cx="4134485" cy="954405"/>
+            <a:ext cx="4135120" cy="955040"/>
           </a:xfrm>
           <a:prstGeom prst="rect"/>
           <a:noFill/>
@@ -5525,119 +5487,7 @@
                 <a:latin typeface="맑은 고딕" charset="0"/>
                 <a:ea typeface="맑은 고딕" charset="0"/>
               </a:rPr>
-              <a:t>첫</a:t>
-            </a:r>
-            <a:r>
-              <a:rPr lang="ko-KR" sz="1800">
-                <a:latin typeface="맑은 고딕" charset="0"/>
-                <a:ea typeface="맑은 고딕" charset="0"/>
-              </a:rPr>
-              <a:t> </a:t>
-            </a:r>
-            <a:r>
-              <a:rPr lang="ko-KR" sz="1800">
-                <a:latin typeface="맑은 고딕" charset="0"/>
-                <a:ea typeface="맑은 고딕" charset="0"/>
-              </a:rPr>
-              <a:t>번째로</a:t>
-            </a:r>
-            <a:r>
-              <a:rPr lang="ko-KR" sz="1800">
-                <a:latin typeface="맑은 고딕" charset="0"/>
-                <a:ea typeface="맑은 고딕" charset="0"/>
-              </a:rPr>
-              <a:t> </a:t>
-            </a:r>
-            <a:r>
-              <a:rPr lang="ko-KR" sz="1800">
-                <a:latin typeface="맑은 고딕" charset="0"/>
-                <a:ea typeface="맑은 고딕" charset="0"/>
-              </a:rPr>
-              <a:t>Main</a:t>
-            </a:r>
-            <a:r>
-              <a:rPr lang="ko-KR" sz="1800">
-                <a:latin typeface="맑은 고딕" charset="0"/>
-                <a:ea typeface="맑은 고딕" charset="0"/>
-              </a:rPr>
-              <a:t> </a:t>
-            </a:r>
-            <a:r>
-              <a:rPr lang="ko-KR" sz="1800">
-                <a:latin typeface="맑은 고딕" charset="0"/>
-                <a:ea typeface="맑은 고딕" charset="0"/>
-              </a:rPr>
-              <a:t>Camera를</a:t>
-            </a:r>
-            <a:r>
-              <a:rPr lang="ko-KR" sz="1800">
-                <a:latin typeface="맑은 고딕" charset="0"/>
-                <a:ea typeface="맑은 고딕" charset="0"/>
-              </a:rPr>
-              <a:t> </a:t>
-            </a:r>
-            <a:r>
-              <a:rPr lang="ko-KR" sz="1800">
-                <a:latin typeface="맑은 고딕" charset="0"/>
-                <a:ea typeface="맑은 고딕" charset="0"/>
-              </a:rPr>
-              <a:t>선택하고</a:t>
-            </a:r>
-            <a:r>
-              <a:rPr lang="ko-KR" sz="1800">
-                <a:latin typeface="맑은 고딕" charset="0"/>
-                <a:ea typeface="맑은 고딕" charset="0"/>
-              </a:rPr>
-              <a:t> </a:t>
-            </a:r>
-            <a:r>
-              <a:rPr lang="ko-KR" sz="1800">
-                <a:latin typeface="맑은 고딕" charset="0"/>
-                <a:ea typeface="맑은 고딕" charset="0"/>
-              </a:rPr>
-              <a:t>위치와</a:t>
-            </a:r>
-            <a:r>
-              <a:rPr lang="ko-KR" sz="1800">
-                <a:latin typeface="맑은 고딕" charset="0"/>
-                <a:ea typeface="맑은 고딕" charset="0"/>
-              </a:rPr>
-              <a:t> </a:t>
-            </a:r>
-            <a:r>
-              <a:rPr lang="ko-KR" sz="1800">
-                <a:latin typeface="맑은 고딕" charset="0"/>
-                <a:ea typeface="맑은 고딕" charset="0"/>
-              </a:rPr>
-              <a:t>회전</a:t>
-            </a:r>
-            <a:r>
-              <a:rPr lang="ko-KR" sz="1800">
-                <a:latin typeface="맑은 고딕" charset="0"/>
-                <a:ea typeface="맑은 고딕" charset="0"/>
-              </a:rPr>
-              <a:t> </a:t>
-            </a:r>
-            <a:r>
-              <a:rPr lang="ko-KR" sz="1800">
-                <a:latin typeface="맑은 고딕" charset="0"/>
-                <a:ea typeface="맑은 고딕" charset="0"/>
-              </a:rPr>
-              <a:t>값을</a:t>
-            </a:r>
-            <a:r>
-              <a:rPr lang="ko-KR" sz="1800">
-                <a:latin typeface="맑은 고딕" charset="0"/>
-                <a:ea typeface="맑은 고딕" charset="0"/>
-              </a:rPr>
-              <a:t> </a:t>
-            </a:r>
-            <a:r>
-              <a:rPr lang="ko-KR" sz="1800">
-                <a:latin typeface="맑은 고딕" charset="0"/>
-                <a:ea typeface="맑은 고딕" charset="0"/>
-              </a:rPr>
-              <a:t>설정합니다.</a:t>
+              <a:t>첫 번째로 Main Camera를 선택하고 위치와 회전 값을 설정합니다.</a:t>
             </a:r>
             <a:endParaRPr lang="ko-KR" altLang="en-US" sz="1800">
               <a:latin typeface="맑은 고딕" charset="0"/>
@@ -5656,8 +5506,8 @@
         </p:nvSpPr>
         <p:spPr>
           <a:xfrm rot="0">
-            <a:off x="6816725" y="2682875"/>
-            <a:ext cx="4140835" cy="954405"/>
+            <a:off x="6816725" y="2724150"/>
+            <a:ext cx="4141470" cy="955040"/>
           </a:xfrm>
           <a:prstGeom prst="rect"/>
           <a:noFill/>
@@ -5828,7 +5678,7 @@
       </p:sp>
       <p:pic>
         <p:nvPicPr>
-          <p:cNvPr id="36" name="그림 8" descr="C:/Users/Admin1/AppData/Roaming/PolarisOffice/ETemp/26060_11593280/fImage12394608467.png"/>
+          <p:cNvPr id="36" name="그림 8"/>
           <p:cNvPicPr>
             <a:picLocks noChangeAspect="1"/>
           </p:cNvPicPr>
@@ -5890,7 +5740,7 @@
       </p:pic>
       <p:pic>
         <p:nvPicPr>
-          <p:cNvPr id="40" name="그림 19" descr="C:/Users/Admin1/AppData/Roaming/PolarisOffice/ETemp/26060_11593280/fImage12851659169.png"/>
+          <p:cNvPr id="40" name="그림 19"/>
           <p:cNvPicPr>
             <a:picLocks noChangeAspect="1"/>
           </p:cNvPicPr>
@@ -5911,7 +5761,7 @@
         <p:spPr>
           <a:xfrm rot="0">
             <a:off x="6823710" y="1446530"/>
-            <a:ext cx="4140200" cy="1132205"/>
+            <a:ext cx="4140835" cy="1230630"/>
           </a:xfrm>
           <a:prstGeom prst="roundRect"/>
           <a:solidFill>
@@ -6026,7 +5876,7 @@
       </p:sp>
       <p:pic>
         <p:nvPicPr>
-          <p:cNvPr id="45" name="그림 1" descr="C:/Users/Admin1/AppData/Roaming/PolarisOffice/ETemp/26060_11593280/fImage383514641.png"/>
+          <p:cNvPr id="45" name="그림 1"/>
           <p:cNvPicPr>
             <a:picLocks noChangeAspect="1"/>
           </p:cNvPicPr>
@@ -6046,8 +5896,8 @@
         </p:blipFill>
         <p:spPr>
           <a:xfrm rot="0">
-            <a:off x="1229360" y="1616710"/>
-            <a:ext cx="1188085" cy="918845"/>
+            <a:off x="1222375" y="1616710"/>
+            <a:ext cx="1195705" cy="919480"/>
           </a:xfrm>
           <a:prstGeom prst="roundRect"/>
           <a:solidFill>
@@ -6120,7 +5970,7 @@
       </p:cxnSp>
       <p:pic>
         <p:nvPicPr>
-          <p:cNvPr id="47" name="그림 7" descr="C:/Users/Admin1/AppData/Roaming/PolarisOffice/ETemp/26060_11593280/fImage45811486334.png"/>
+          <p:cNvPr id="47" name="그림 7"/>
           <p:cNvPicPr>
             <a:picLocks noChangeAspect="1"/>
           </p:cNvPicPr>
@@ -6230,9 +6080,9 @@
           <p:nvPr/>
         </p:nvSpPr>
         <p:spPr>
-          <a:xfrm>
-            <a:off x="4344670" y="386715"/>
-            <a:ext cx="3505200" cy="554990"/>
+          <a:xfrm rot="0">
+            <a:off x="4344670" y="378460"/>
+            <a:ext cx="3505835" cy="478155"/>
           </a:xfrm>
           <a:prstGeom prst="rect"/>
           <a:noFill/>
@@ -6247,36 +6097,26 @@
           </a:bodyPr>
           <a:lstStyle/>
           <a:p>
-            <a:pPr marL="0" indent="0" rtl="0" algn="l" defTabSz="914400" eaLnBrk="1" latinLnBrk="0" hangingPunct="1">
-              <a:buFontTx/>
-              <a:buNone/>
-            </a:pPr>
-            <a:r>
-              <a:rPr lang="ko-KR" sz="3000" b="1">
+            <a:pPr marL="0" indent="0" rtl="0" algn="ctr" defTabSz="914400" eaLnBrk="1" latinLnBrk="0" hangingPunct="1">
+              <a:buFontTx/>
+              <a:buNone/>
+            </a:pPr>
+            <a:r>
+              <a:rPr lang="ko-KR" sz="2500" b="1">
                 <a:solidFill>
                   <a:schemeClr val="tx1"/>
                 </a:solidFill>
-                <a:latin typeface="맑은 고딕" charset="0"/>
-                <a:ea typeface="맑은 고딕" charset="0"/>
-              </a:rPr>
-              <a:t>일곱</a:t>
-            </a:r>
-            <a:r>
-              <a:rPr lang="ko-KR" sz="3000" b="1">
-                <a:solidFill>
-                  <a:schemeClr val="tx1"/>
-                </a:solidFill>
-                <a:latin typeface="맑은 고딕" charset="0"/>
-                <a:ea typeface="맑은 고딕" charset="0"/>
-              </a:rPr>
-              <a:t> 번째 튜토리얼</a:t>
-            </a:r>
-            <a:endParaRPr lang="ko-KR" altLang="en-US" sz="3000" b="1">
+                <a:latin typeface="나눔바른고딕" charset="0"/>
+                <a:ea typeface="나눔바른고딕" charset="0"/>
+              </a:rPr>
+              <a:t>일곱 번째 튜토리얼</a:t>
+            </a:r>
+            <a:endParaRPr lang="ko-KR" altLang="en-US" sz="2500" b="1">
               <a:solidFill>
                 <a:schemeClr val="tx1"/>
               </a:solidFill>
-              <a:latin typeface="맑은 고딕" charset="0"/>
-              <a:ea typeface="맑은 고딕" charset="0"/>
+              <a:latin typeface="나눔바른고딕" charset="0"/>
+              <a:ea typeface="나눔바른고딕" charset="0"/>
             </a:endParaRPr>
           </a:p>
         </p:txBody>
@@ -6290,9 +6130,9 @@
           <p:nvPr/>
         </p:nvSpPr>
         <p:spPr>
-          <a:xfrm rot="0">
-            <a:off x="1315085" y="5255895"/>
-            <a:ext cx="4074160" cy="955040"/>
+          <a:xfrm>
+            <a:off x="1230630" y="5255895"/>
+            <a:ext cx="4174490" cy="954405"/>
           </a:xfrm>
           <a:prstGeom prst="rect"/>
           <a:noFill/>
@@ -6319,7 +6159,17 @@
                 <a:latin typeface="맑은 고딕" charset="0"/>
                 <a:ea typeface="맑은 고딕" charset="0"/>
               </a:rPr>
-              <a:t>16</a:t>
+              <a:t>1</a:t>
+            </a:r>
+            <a:r>
+              <a:rPr lang="ko-KR" sz="2000" b="1">
+                <a:solidFill>
+                  <a:srgbClr val="0611F2"/>
+                </a:solidFill>
+                <a:latin typeface="맑은 고딕" charset="0"/>
+                <a:ea typeface="맑은 고딕" charset="0"/>
+              </a:rPr>
+              <a:t>7</a:t>
             </a:r>
             <a:r>
               <a:rPr sz="2000" b="1">
@@ -6361,9 +6211,9 @@
           <p:nvPr/>
         </p:nvSpPr>
         <p:spPr>
-          <a:xfrm rot="0">
-            <a:off x="6806565" y="3039110"/>
-            <a:ext cx="4117340" cy="677545"/>
+          <a:xfrm>
+            <a:off x="6806565" y="3072765"/>
+            <a:ext cx="4126230" cy="677545"/>
           </a:xfrm>
           <a:prstGeom prst="rect"/>
           <a:noFill/>
@@ -6400,7 +6250,7 @@
                 <a:latin typeface="맑은 고딕" charset="0"/>
                 <a:ea typeface="맑은 고딕" charset="0"/>
               </a:rPr>
-              <a:t>7</a:t>
+              <a:t>8</a:t>
             </a:r>
             <a:r>
               <a:rPr sz="2000" b="1">
@@ -6442,10 +6292,10 @@
           <p:nvPr/>
         </p:nvPicPr>
         <p:blipFill rotWithShape="1">
-          <a:blip r:embed="rId2" cstate="print">
+          <a:blip r:embed="rId2" cstate="hqprint">
             <a:extLst>
               <a:ext uri="{28A0092B-C50C-407E-A947-70E740481C1C}">
-                <a14:useLocalDpi xmlns:a14="http://schemas.microsoft.com/office/drawing/2010/main" val="0"/>
+                <a14:useLocalDpi xmlns:a14="http://schemas.microsoft.com/office/drawing/2010/main"/>
               </a:ext>
             </a:extLst>
           </a:blip>
@@ -6455,8 +6305,8 @@
         </p:blipFill>
         <p:spPr>
           <a:xfrm rot="0">
-            <a:off x="1316990" y="4251960"/>
-            <a:ext cx="4087495" cy="939800"/>
+            <a:off x="1230630" y="4251960"/>
+            <a:ext cx="4174490" cy="940435"/>
           </a:xfrm>
           <a:prstGeom prst="roundRect"/>
           <a:solidFill>
@@ -6473,10 +6323,10 @@
           <p:nvPr/>
         </p:nvPicPr>
         <p:blipFill rotWithShape="1">
-          <a:blip r:embed="rId3" cstate="print">
+          <a:blip r:embed="rId3" cstate="hqprint">
             <a:extLst>
               <a:ext uri="{28A0092B-C50C-407E-A947-70E740481C1C}">
-                <a14:useLocalDpi xmlns:a14="http://schemas.microsoft.com/office/drawing/2010/main" val="0"/>
+                <a14:useLocalDpi xmlns:a14="http://schemas.microsoft.com/office/drawing/2010/main"/>
               </a:ext>
             </a:extLst>
           </a:blip>
@@ -6486,8 +6336,8 @@
         </p:blipFill>
         <p:spPr>
           <a:xfrm rot="0">
-            <a:off x="1328420" y="1319530"/>
-            <a:ext cx="4067175" cy="2750820"/>
+            <a:off x="1230630" y="1446530"/>
+            <a:ext cx="4165600" cy="2624455"/>
           </a:xfrm>
           <a:prstGeom prst="rect"/>
           <a:noFill/>
@@ -6501,13 +6351,12 @@
         </p:nvCxnSpPr>
         <p:spPr>
           <a:xfrm rot="0" flipV="1">
-            <a:off x="2623820" y="3238500"/>
-            <a:ext cx="2676525" cy="1238885"/>
+            <a:off x="2560320" y="3267075"/>
+            <a:ext cx="2743835" cy="1214120"/>
           </a:xfrm>
           <a:prstGeom prst="straightConnector1"/>
           <a:ln w="6350" cap="flat" cmpd="sng">
             <a:prstDash/>
-            <a:headEnd type="none" w="med" len="med"/>
             <a:tailEnd type="triangle" w="med" len="med"/>
           </a:ln>
         </p:spPr>
@@ -6548,8 +6397,8 @@
         </p:blipFill>
         <p:spPr>
           <a:xfrm rot="0">
-            <a:off x="6808470" y="3856355"/>
-            <a:ext cx="4110355" cy="1586230"/>
+            <a:off x="6824980" y="3898900"/>
+            <a:ext cx="4110990" cy="1563370"/>
           </a:xfrm>
           <a:prstGeom prst="roundRect"/>
           <a:solidFill>
@@ -6566,9 +6415,9 @@
           <p:nvPr/>
         </p:nvSpPr>
         <p:spPr>
-          <a:xfrm rot="0">
-            <a:off x="6802120" y="5537835"/>
-            <a:ext cx="4117975" cy="678180"/>
+          <a:xfrm>
+            <a:off x="6824980" y="5537835"/>
+            <a:ext cx="4107815" cy="677545"/>
           </a:xfrm>
           <a:prstGeom prst="rect"/>
           <a:noFill/>
@@ -6595,7 +6444,7 @@
                 <a:latin typeface="맑은 고딕" charset="0"/>
                 <a:ea typeface="맑은 고딕" charset="0"/>
               </a:rPr>
-              <a:t>18</a:t>
+              <a:t>19</a:t>
             </a:r>
             <a:r>
               <a:rPr sz="2000" b="1">
@@ -6637,10 +6486,10 @@
           <p:nvPr/>
         </p:nvPicPr>
         <p:blipFill rotWithShape="1">
-          <a:blip r:embed="rId5" cstate="print">
+          <a:blip r:embed="rId5" cstate="hqprint">
             <a:extLst>
               <a:ext uri="{28A0092B-C50C-407E-A947-70E740481C1C}">
-                <a14:useLocalDpi xmlns:a14="http://schemas.microsoft.com/office/drawing/2010/main" val="0"/>
+                <a14:useLocalDpi xmlns:a14="http://schemas.microsoft.com/office/drawing/2010/main"/>
               </a:ext>
             </a:extLst>
           </a:blip>
@@ -6650,8 +6499,8 @@
         </p:blipFill>
         <p:spPr>
           <a:xfrm rot="0">
-            <a:off x="6797675" y="1324610"/>
-            <a:ext cx="4126230" cy="1585595"/>
+            <a:off x="6816725" y="1446530"/>
+            <a:ext cx="4123690" cy="1546860"/>
           </a:xfrm>
           <a:prstGeom prst="roundRect"/>
           <a:solidFill>
@@ -6708,9 +6557,9 @@
           <p:nvPr/>
         </p:nvSpPr>
         <p:spPr>
-          <a:xfrm>
+          <a:xfrm rot="0">
             <a:off x="4344670" y="386715"/>
-            <a:ext cx="3580130" cy="554990"/>
+            <a:ext cx="3495040" cy="478155"/>
           </a:xfrm>
           <a:prstGeom prst="rect"/>
           <a:noFill/>
@@ -6725,36 +6574,26 @@
           </a:bodyPr>
           <a:lstStyle/>
           <a:p>
-            <a:pPr marL="0" indent="0" rtl="0" algn="l" defTabSz="914400" eaLnBrk="1" latinLnBrk="0" hangingPunct="1">
-              <a:buFontTx/>
-              <a:buNone/>
-            </a:pPr>
-            <a:r>
-              <a:rPr lang="ko-KR" sz="3000" b="1">
+            <a:pPr marL="0" indent="0" rtl="0" algn="ctr" defTabSz="914400" eaLnBrk="1" latinLnBrk="0" hangingPunct="1">
+              <a:buFontTx/>
+              <a:buNone/>
+            </a:pPr>
+            <a:r>
+              <a:rPr lang="ko-KR" sz="2500" b="1">
                 <a:solidFill>
                   <a:schemeClr val="tx1"/>
                 </a:solidFill>
-                <a:latin typeface="맑은 고딕" charset="0"/>
-                <a:ea typeface="맑은 고딕" charset="0"/>
-              </a:rPr>
-              <a:t>여덟</a:t>
-            </a:r>
-            <a:r>
-              <a:rPr lang="ko-KR" sz="3000" b="1">
-                <a:solidFill>
-                  <a:schemeClr val="tx1"/>
-                </a:solidFill>
-                <a:latin typeface="맑은 고딕" charset="0"/>
-                <a:ea typeface="맑은 고딕" charset="0"/>
-              </a:rPr>
-              <a:t> 번째 튜토리얼</a:t>
-            </a:r>
-            <a:endParaRPr lang="ko-KR" altLang="en-US" sz="3000" b="1">
+                <a:latin typeface="나눔바른고딕" charset="0"/>
+                <a:ea typeface="나눔바른고딕" charset="0"/>
+              </a:rPr>
+              <a:t>여덟 번째 튜토리얼</a:t>
+            </a:r>
+            <a:endParaRPr lang="ko-KR" altLang="en-US" sz="2500" b="1">
               <a:solidFill>
                 <a:schemeClr val="tx1"/>
               </a:solidFill>
-              <a:latin typeface="맑은 고딕" charset="0"/>
-              <a:ea typeface="맑은 고딕" charset="0"/>
+              <a:latin typeface="나눔바른고딕" charset="0"/>
+              <a:ea typeface="나눔바른고딕" charset="0"/>
             </a:endParaRPr>
           </a:p>
         </p:txBody>
@@ -6768,9 +6607,9 @@
           <p:nvPr/>
         </p:nvSpPr>
         <p:spPr>
-          <a:xfrm rot="0">
-            <a:off x="1315085" y="4701540"/>
-            <a:ext cx="4074160" cy="1508125"/>
+          <a:xfrm>
+            <a:off x="1230630" y="5250180"/>
+            <a:ext cx="4165600" cy="954405"/>
           </a:xfrm>
           <a:prstGeom prst="rect"/>
           <a:noFill/>
@@ -6797,7 +6636,17 @@
                 <a:latin typeface="맑은 고딕" charset="0"/>
                 <a:ea typeface="맑은 고딕" charset="0"/>
               </a:rPr>
-              <a:t>19</a:t>
+              <a:t>2</a:t>
+            </a:r>
+            <a:r>
+              <a:rPr lang="ko-KR" sz="2000" b="1">
+                <a:solidFill>
+                  <a:srgbClr val="0611F2"/>
+                </a:solidFill>
+                <a:latin typeface="맑은 고딕" charset="0"/>
+                <a:ea typeface="맑은 고딕" charset="0"/>
+              </a:rPr>
+              <a:t>0</a:t>
             </a:r>
             <a:r>
               <a:rPr sz="2000" b="1">
@@ -6821,34 +6670,7 @@
                 <a:latin typeface="맑은 고딕" charset="0"/>
                 <a:ea typeface="맑은 고딕" charset="0"/>
               </a:rPr>
-              <a:t>그리고 UI에 Raw Image를 생성합니다.</a:t>
-            </a:r>
-            <a:endParaRPr lang="ko-KR" altLang="en-US" sz="1800">
-              <a:latin typeface="맑은 고딕" charset="0"/>
-              <a:ea typeface="맑은 고딕" charset="0"/>
-            </a:endParaRPr>
-          </a:p>
-          <a:p>
-            <a:pPr marL="0" indent="0" rtl="0" algn="l" defTabSz="914400" eaLnBrk="1" latinLnBrk="0" hangingPunct="1">
-              <a:buFontTx/>
-              <a:buNone/>
-            </a:pPr>
-            <a:endParaRPr lang="ko-KR" altLang="en-US" sz="1800">
-              <a:latin typeface="맑은 고딕" charset="0"/>
-              <a:ea typeface="맑은 고딕" charset="0"/>
-            </a:endParaRPr>
-          </a:p>
-          <a:p>
-            <a:pPr marL="0" indent="0" rtl="0" algn="l" defTabSz="914400" eaLnBrk="1" latinLnBrk="0" hangingPunct="1">
-              <a:buFontTx/>
-              <a:buNone/>
-            </a:pPr>
-            <a:r>
-              <a:rPr lang="ko-KR" sz="1800">
-                <a:latin typeface="맑은 고딕" charset="0"/>
-                <a:ea typeface="맑은 고딕" charset="0"/>
-              </a:rPr>
-              <a:t>이제 Raw Image의 이름을 Navigation으로 정의합니다.</a:t>
+              <a:t>그리고 UI에 Raw Image를 생성한 다음 Navigation이라는 이름으로 정의합니다.</a:t>
             </a:r>
             <a:endParaRPr lang="ko-KR" altLang="en-US" sz="1800">
               <a:latin typeface="맑은 고딕" charset="0"/>
@@ -6879,8 +6701,8 @@
         </p:blipFill>
         <p:spPr>
           <a:xfrm rot="0">
-            <a:off x="1336040" y="1315085"/>
-            <a:ext cx="2586990" cy="3267075"/>
+            <a:off x="1230630" y="1446530"/>
+            <a:ext cx="2693035" cy="3591560"/>
           </a:xfrm>
           <a:prstGeom prst="roundRect"/>
           <a:solidFill>
@@ -6910,8 +6732,8 @@
         </p:blipFill>
         <p:spPr>
           <a:xfrm rot="0">
-            <a:off x="4069715" y="1890395"/>
-            <a:ext cx="1317625" cy="2120265"/>
+            <a:off x="4077970" y="2127885"/>
+            <a:ext cx="1318260" cy="2245360"/>
           </a:xfrm>
           <a:prstGeom prst="roundRect"/>
           <a:solidFill>
@@ -6941,8 +6763,8 @@
         </p:blipFill>
         <p:spPr>
           <a:xfrm rot="0">
-            <a:off x="6816725" y="1317625"/>
-            <a:ext cx="2594610" cy="2947670"/>
+            <a:off x="6816725" y="1446530"/>
+            <a:ext cx="2595245" cy="3633470"/>
           </a:xfrm>
           <a:prstGeom prst="roundRect"/>
           <a:solidFill>
@@ -6959,10 +6781,10 @@
           <p:nvPr/>
         </p:nvPicPr>
         <p:blipFill rotWithShape="1">
-          <a:blip r:embed="rId5" cstate="print">
+          <a:blip r:embed="rId5" cstate="hqprint">
             <a:extLst>
               <a:ext uri="{28A0092B-C50C-407E-A947-70E740481C1C}">
-                <a14:useLocalDpi xmlns:a14="http://schemas.microsoft.com/office/drawing/2010/main" val="0"/>
+                <a14:useLocalDpi xmlns:a14="http://schemas.microsoft.com/office/drawing/2010/main"/>
               </a:ext>
             </a:extLst>
           </a:blip>
@@ -6972,8 +6794,8 @@
         </p:blipFill>
         <p:spPr>
           <a:xfrm rot="0">
-            <a:off x="9565640" y="1711960"/>
-            <a:ext cx="1391285" cy="2162175"/>
+            <a:off x="9584690" y="2127885"/>
+            <a:ext cx="1364615" cy="2262505"/>
           </a:xfrm>
           <a:prstGeom prst="roundRect"/>
           <a:solidFill>
@@ -6990,9 +6812,9 @@
           <p:nvPr/>
         </p:nvSpPr>
         <p:spPr>
-          <a:xfrm rot="0">
-            <a:off x="6823710" y="4424045"/>
-            <a:ext cx="4133215" cy="1784985"/>
+          <a:xfrm>
+            <a:off x="6808470" y="5247005"/>
+            <a:ext cx="4149725" cy="954405"/>
           </a:xfrm>
           <a:prstGeom prst="rect"/>
           <a:noFill/>
@@ -7019,7 +6841,17 @@
                 <a:latin typeface="맑은 고딕" charset="0"/>
                 <a:ea typeface="맑은 고딕" charset="0"/>
               </a:rPr>
-              <a:t>20</a:t>
+              <a:t>2</a:t>
+            </a:r>
+            <a:r>
+              <a:rPr lang="ko-KR" sz="2000" b="1">
+                <a:solidFill>
+                  <a:srgbClr val="0611F2"/>
+                </a:solidFill>
+                <a:latin typeface="맑은 고딕" charset="0"/>
+                <a:ea typeface="맑은 고딕" charset="0"/>
+              </a:rPr>
+              <a:t>1</a:t>
             </a:r>
             <a:r>
               <a:rPr sz="2000" b="1">
@@ -7043,41 +6875,7 @@
                 <a:latin typeface="맑은 고딕" charset="0"/>
                 <a:ea typeface="맑은 고딕" charset="0"/>
               </a:rPr>
-              <a:t>그</a:t>
-            </a:r>
-            <a:r>
-              <a:rPr lang="ko-KR" sz="1800">
-                <a:latin typeface="맑은 고딕" charset="0"/>
-                <a:ea typeface="맑은 고딕" charset="0"/>
-              </a:rPr>
-              <a:t>다음으로 UI에 Image를 Navigation 하위 오브젝트에 생성합니다.</a:t>
-            </a:r>
-            <a:endParaRPr lang="ko-KR" altLang="en-US" sz="1800">
-              <a:latin typeface="맑은 고딕" charset="0"/>
-              <a:ea typeface="맑은 고딕" charset="0"/>
-            </a:endParaRPr>
-          </a:p>
-          <a:p>
-            <a:pPr marL="0" indent="0" rtl="0" algn="l" defTabSz="914400" eaLnBrk="1" latinLnBrk="0" hangingPunct="1">
-              <a:buFontTx/>
-              <a:buNone/>
-            </a:pPr>
-            <a:endParaRPr lang="ko-KR" altLang="en-US" sz="1800">
-              <a:latin typeface="맑은 고딕" charset="0"/>
-              <a:ea typeface="맑은 고딕" charset="0"/>
-            </a:endParaRPr>
-          </a:p>
-          <a:p>
-            <a:pPr marL="0" indent="0" rtl="0" algn="l" defTabSz="914400" eaLnBrk="1" latinLnBrk="0" hangingPunct="1">
-              <a:buFontTx/>
-              <a:buNone/>
-            </a:pPr>
-            <a:r>
-              <a:rPr lang="ko-KR" sz="1800">
-                <a:latin typeface="맑은 고딕" charset="0"/>
-                <a:ea typeface="맑은 고딕" charset="0"/>
-              </a:rPr>
-              <a:t>그런 다음 Image의 이름을 Border로 정의합니다.</a:t>
+              <a:t>그러고 나서 Navigation 하위 오브젝트에 Image를 생성한 다음 Border라는 이름으로 정의합니다.</a:t>
             </a:r>
             <a:endParaRPr lang="ko-KR" altLang="en-US" sz="1800">
               <a:latin typeface="맑은 고딕" charset="0"/>
@@ -7137,7 +6935,7 @@
         <p:spPr>
           <a:xfrm>
             <a:off x="4344670" y="377825"/>
-            <a:ext cx="3502025" cy="554990"/>
+            <a:ext cx="3502660" cy="478155"/>
           </a:xfrm>
           <a:prstGeom prst="rect"/>
           <a:noFill/>
@@ -7152,36 +6950,26 @@
           </a:bodyPr>
           <a:lstStyle/>
           <a:p>
-            <a:pPr marL="0" indent="0" rtl="0" algn="l" defTabSz="914400" eaLnBrk="1" latinLnBrk="0" hangingPunct="1">
-              <a:buFontTx/>
-              <a:buNone/>
-            </a:pPr>
-            <a:r>
-              <a:rPr lang="ko-KR" sz="3000" b="1">
+            <a:pPr marL="0" indent="0" rtl="0" algn="ctr" defTabSz="914400" eaLnBrk="1" latinLnBrk="0" hangingPunct="1">
+              <a:buFontTx/>
+              <a:buNone/>
+            </a:pPr>
+            <a:r>
+              <a:rPr lang="ko-KR" sz="2500" b="1">
                 <a:solidFill>
                   <a:schemeClr val="tx1"/>
                 </a:solidFill>
-                <a:latin typeface="맑은 고딕" charset="0"/>
-                <a:ea typeface="맑은 고딕" charset="0"/>
-              </a:rPr>
-              <a:t>아홉</a:t>
-            </a:r>
-            <a:r>
-              <a:rPr lang="ko-KR" sz="3000" b="1">
-                <a:solidFill>
-                  <a:schemeClr val="tx1"/>
-                </a:solidFill>
-                <a:latin typeface="맑은 고딕" charset="0"/>
-                <a:ea typeface="맑은 고딕" charset="0"/>
-              </a:rPr>
-              <a:t> 번째 튜토리얼</a:t>
-            </a:r>
-            <a:endParaRPr lang="ko-KR" altLang="en-US" sz="3000" b="1">
+                <a:latin typeface="나눔바른고딕" charset="0"/>
+                <a:ea typeface="나눔바른고딕" charset="0"/>
+              </a:rPr>
+              <a:t>아홉 번째 튜토리얼</a:t>
+            </a:r>
+            <a:endParaRPr lang="ko-KR" altLang="en-US" sz="2500" b="1">
               <a:solidFill>
                 <a:schemeClr val="tx1"/>
               </a:solidFill>
-              <a:latin typeface="맑은 고딕" charset="0"/>
-              <a:ea typeface="맑은 고딕" charset="0"/>
+              <a:latin typeface="나눔바른고딕" charset="0"/>
+              <a:ea typeface="나눔바른고딕" charset="0"/>
             </a:endParaRPr>
           </a:p>
         </p:txBody>
@@ -7195,9 +6983,9 @@
           <p:nvPr/>
         </p:nvSpPr>
         <p:spPr>
-          <a:xfrm rot="0">
-            <a:off x="1315085" y="5200650"/>
-            <a:ext cx="4047490" cy="954405"/>
+          <a:xfrm>
+            <a:off x="1229995" y="5460365"/>
+            <a:ext cx="4133850" cy="677545"/>
           </a:xfrm>
           <a:prstGeom prst="rect"/>
           <a:noFill/>
@@ -7224,7 +7012,17 @@
                 <a:latin typeface="맑은 고딕" charset="0"/>
                 <a:ea typeface="맑은 고딕" charset="0"/>
               </a:rPr>
-              <a:t>21</a:t>
+              <a:t>2</a:t>
+            </a:r>
+            <a:r>
+              <a:rPr lang="ko-KR" sz="2000" b="1">
+                <a:solidFill>
+                  <a:srgbClr val="0611F2"/>
+                </a:solidFill>
+                <a:latin typeface="맑은 고딕" charset="0"/>
+                <a:ea typeface="맑은 고딕" charset="0"/>
+              </a:rPr>
+              <a:t>3</a:t>
             </a:r>
             <a:r>
               <a:rPr sz="2000" b="1">
@@ -7248,7 +7046,7 @@
                 <a:latin typeface="맑은 고딕" charset="0"/>
                 <a:ea typeface="맑은 고딕" charset="0"/>
               </a:rPr>
-              <a:t>이제 Navigation 오브젝트와 Border 오브젝트의 크기와 앵커를 설정합니다.</a:t>
+              <a:t>그다음 Border 오브젝트의 크기와 앵커를 설정합니다.</a:t>
             </a:r>
             <a:endParaRPr lang="ko-KR" altLang="en-US" sz="1800">
               <a:latin typeface="맑은 고딕" charset="0"/>
@@ -7259,7 +7057,7 @@
       </p:sp>
       <p:pic>
         <p:nvPicPr>
-          <p:cNvPr id="51" name="그림 7" descr="C:/Users/Admin1/AppData/Roaming/PolarisOffice/ETemp/26060_11593280/fImage121592226334.png"/>
+          <p:cNvPr id="51" name="그림 7"/>
           <p:cNvPicPr>
             <a:picLocks noChangeAspect="1"/>
           </p:cNvPicPr>
@@ -7279,8 +7077,8 @@
         </p:blipFill>
         <p:spPr>
           <a:xfrm rot="0">
-            <a:off x="1304925" y="1454785"/>
-            <a:ext cx="4058285" cy="1630680"/>
+            <a:off x="1221105" y="1463675"/>
+            <a:ext cx="4133850" cy="1489710"/>
           </a:xfrm>
           <a:prstGeom prst="roundRect"/>
           <a:solidFill>
@@ -7290,7 +7088,7 @@
       </p:pic>
       <p:pic>
         <p:nvPicPr>
-          <p:cNvPr id="52" name="그림 10" descr="C:/Users/Admin1/AppData/Roaming/PolarisOffice/ETemp/26060_11593280/fImage138792236500.png"/>
+          <p:cNvPr id="52" name="그림 10"/>
           <p:cNvPicPr>
             <a:picLocks noChangeAspect="1"/>
           </p:cNvPicPr>
@@ -7321,7 +7119,7 @@
       </p:pic>
       <p:pic>
         <p:nvPicPr>
-          <p:cNvPr id="53" name="그림 13" descr="C:/Users/Admin1/AppData/Roaming/PolarisOffice/ETemp/26060_11593280/fImage40062026334.png"/>
+          <p:cNvPr id="53" name="그림 13"/>
           <p:cNvPicPr>
             <a:picLocks noChangeAspect="1"/>
           </p:cNvPicPr>
@@ -7359,9 +7157,9 @@
           <p:nvPr/>
         </p:nvSpPr>
         <p:spPr>
-          <a:xfrm rot="0">
+          <a:xfrm>
             <a:off x="6833235" y="4919345"/>
-            <a:ext cx="3883025" cy="1231265"/>
+            <a:ext cx="4121785" cy="1231265"/>
           </a:xfrm>
           <a:prstGeom prst="rect"/>
           <a:noFill/>
@@ -7388,7 +7186,17 @@
                 <a:latin typeface="맑은 고딕" charset="0"/>
                 <a:ea typeface="맑은 고딕" charset="0"/>
               </a:rPr>
-              <a:t>22</a:t>
+              <a:t>2</a:t>
+            </a:r>
+            <a:r>
+              <a:rPr lang="ko-KR" sz="2000" b="1">
+                <a:solidFill>
+                  <a:srgbClr val="0611F2"/>
+                </a:solidFill>
+                <a:latin typeface="맑은 고딕" charset="0"/>
+                <a:ea typeface="맑은 고딕" charset="0"/>
+              </a:rPr>
+              <a:t>4</a:t>
             </a:r>
             <a:r>
               <a:rPr sz="2000" b="1">
@@ -7412,14 +7220,7 @@
                 <a:latin typeface="맑은 고딕" charset="0"/>
                 <a:ea typeface="맑은 고딕" charset="0"/>
               </a:rPr>
-              <a:t>그</a:t>
-            </a:r>
-            <a:r>
-              <a:rPr lang="ko-KR" sz="1800">
-                <a:latin typeface="맑은 고딕" charset="0"/>
-                <a:ea typeface="맑은 고딕" charset="0"/>
-              </a:rPr>
-              <a:t>다음 Project 폴더에 있는 Render Texture 폴더에 Render Texture를 Navigation 오브젝트의 Texture 속성에 넣어줍니다.</a:t>
+              <a:t>그런 다음 Project 폴더 아래에 있는 Render Texture 폴더에 Render Texture를 Navigation 오브젝트의 Texture 속성에 넣어줍니다.</a:t>
             </a:r>
             <a:endParaRPr lang="ko-KR" altLang="en-US" sz="1800">
               <a:latin typeface="맑은 고딕" charset="0"/>
@@ -7430,7 +7231,7 @@
       </p:sp>
       <p:pic>
         <p:nvPicPr>
-          <p:cNvPr id="55" name="그림 15" descr="C:/Users/Admin1/AppData/Roaming/PolarisOffice/ETemp/26060_11593280/fImage118882269169.png"/>
+          <p:cNvPr id="55" name="그림 15"/>
           <p:cNvPicPr>
             <a:picLocks noChangeAspect="1"/>
           </p:cNvPicPr>
@@ -7450,8 +7251,8 @@
         </p:blipFill>
         <p:spPr>
           <a:xfrm rot="0">
-            <a:off x="1296035" y="3411855"/>
-            <a:ext cx="4056380" cy="1628775"/>
+            <a:off x="1221105" y="3879215"/>
+            <a:ext cx="4148455" cy="1498600"/>
           </a:xfrm>
           <a:prstGeom prst="roundRect"/>
           <a:solidFill>
@@ -7473,6 +7274,1259 @@
           <a:prstGeom prst="straightConnector1"/>
           <a:ln w="6350" cap="flat" cmpd="sng">
             <a:prstDash/>
+            <a:tailEnd type="triangle" w="med" len="med"/>
+          </a:ln>
+        </p:spPr>
+        <p:style>
+          <a:lnRef idx="1">
+            <a:schemeClr val="accent1"/>
+          </a:lnRef>
+          <a:fillRef idx="0">
+            <a:schemeClr val="accent1"/>
+          </a:fillRef>
+          <a:effectRef idx="0">
+            <a:schemeClr val="accent1"/>
+          </a:effectRef>
+          <a:fontRef idx="minor">
+            <a:schemeClr val="tx1"/>
+          </a:fontRef>
+        </p:style>
+      </p:cxnSp>
+      <p:sp>
+        <p:nvSpPr>
+          <p:cNvPr id="57" name="텍스트 상자 12"/>
+          <p:cNvSpPr txBox="1">
+            <a:spLocks/>
+          </p:cNvSpPr>
+          <p:nvPr/>
+        </p:nvSpPr>
+        <p:spPr>
+          <a:xfrm>
+            <a:off x="1221105" y="3072765"/>
+            <a:ext cx="4136390" cy="677545"/>
+          </a:xfrm>
+          <a:prstGeom prst="rect"/>
+          <a:noFill/>
+          <a:ln w="0">
+            <a:noFill/>
+            <a:prstDash/>
+          </a:ln>
+        </p:spPr>
+        <p:txBody>
+          <a:bodyPr wrap="square" lIns="89535" tIns="46355" rIns="89535" bIns="46355" numCol="1" vert="horz" anchor="t">
+            <a:spAutoFit/>
+          </a:bodyPr>
+          <a:lstStyle/>
+          <a:p>
+            <a:pPr marL="0" indent="0" rtl="0" algn="l" defTabSz="914400" eaLnBrk="1" latinLnBrk="0" hangingPunct="1">
+              <a:buFontTx/>
+              <a:buNone/>
+            </a:pPr>
+            <a:r>
+              <a:rPr lang="ko-KR" sz="2000" b="1">
+                <a:solidFill>
+                  <a:srgbClr val="0611F2"/>
+                </a:solidFill>
+                <a:latin typeface="맑은 고딕" charset="0"/>
+                <a:ea typeface="맑은 고딕" charset="0"/>
+              </a:rPr>
+              <a:t>2</a:t>
+            </a:r>
+            <a:r>
+              <a:rPr lang="ko-KR" sz="2000" b="1">
+                <a:solidFill>
+                  <a:srgbClr val="0611F2"/>
+                </a:solidFill>
+                <a:latin typeface="맑은 고딕" charset="0"/>
+                <a:ea typeface="맑은 고딕" charset="0"/>
+              </a:rPr>
+              <a:t>2</a:t>
+            </a:r>
+            <a:r>
+              <a:rPr sz="2000" b="1">
+                <a:solidFill>
+                  <a:srgbClr val="0611F2"/>
+                </a:solidFill>
+                <a:latin typeface="맑은 고딕" charset="0"/>
+                <a:ea typeface="맑은 고딕" charset="0"/>
+              </a:rPr>
+              <a:t>.</a:t>
+            </a:r>
+            <a:r>
+              <a:rPr sz="2000">
+                <a:latin typeface="맑은 고딕" charset="0"/>
+                <a:ea typeface="맑은 고딕" charset="0"/>
+              </a:rPr>
+              <a:t> </a:t>
+            </a:r>
+            <a:r>
+              <a:rPr lang="ko-KR" sz="1800">
+                <a:latin typeface="맑은 고딕" charset="0"/>
+                <a:ea typeface="맑은 고딕" charset="0"/>
+              </a:rPr>
+              <a:t>이제 Navigation 오브젝트의 크기와 앵커를 설정합니다.</a:t>
+            </a:r>
+            <a:endParaRPr lang="ko-KR" altLang="en-US" sz="1800">
+              <a:latin typeface="맑은 고딕" charset="0"/>
+              <a:ea typeface="맑은 고딕" charset="0"/>
+            </a:endParaRPr>
+          </a:p>
+        </p:txBody>
+      </p:sp>
+    </p:spTree>
+  </p:cSld>
+  <p:clrMapOvr>
+    <a:masterClrMapping/>
+  </p:clrMapOvr>
+  <mc:AlternateContent xmlns:mc="http://schemas.openxmlformats.org/markup-compatibility/2006">
+    <mc:Choice xmlns:p14="http://schemas.microsoft.com/office/powerpoint/2010/main" Requires="p14">
+      <p:transition spd="slow" p14:dur="1000"/>
+    </mc:Choice>
+    <mc:Fallback>
+      <p:transition spd="slow"/>
+    </mc:Fallback>
+  </mc:AlternateContent>
+  <p:timing>
+    <p:tnLst>
+      <p:par>
+        <p:cTn id="1" dur="indefinite" restart="never" nodeType="tmRoot"/>
+      </p:par>
+    </p:tnLst>
+  </p:timing>
+</p:sld>
+</file>
+
+<file path=ppt/slides/slide13.xml><?xml version="1.0" encoding="utf-8"?>
+<p:sld xmlns:a="http://schemas.openxmlformats.org/drawingml/2006/main" xmlns:r="http://schemas.openxmlformats.org/officeDocument/2006/relationships" xmlns:p="http://schemas.openxmlformats.org/presentationml/2006/main">
+  <p:cSld>
+    <p:spTree>
+      <p:nvGrpSpPr>
+        <p:cNvPr id="1" name=""/>
+        <p:cNvGrpSpPr/>
+        <p:nvPr/>
+      </p:nvGrpSpPr>
+      <p:grpSpPr>
+        <a:xfrm>
+          <a:off x="0" y="0"/>
+          <a:ext cx="0" cy="0"/>
+          <a:chOff x="0" y="0"/>
+          <a:chExt cx="0" cy="0"/>
+        </a:xfrm>
+      </p:grpSpPr>
+      <p:sp>
+        <p:nvSpPr>
+          <p:cNvPr id="2" name="Rect 0"/>
+          <p:cNvSpPr txBox="1">
+            <a:spLocks/>
+          </p:cNvSpPr>
+          <p:nvPr/>
+        </p:nvSpPr>
+        <p:spPr>
+          <a:xfrm rot="0">
+            <a:off x="4344670" y="377825"/>
+            <a:ext cx="3503295" cy="478155"/>
+          </a:xfrm>
+          <a:prstGeom prst="rect"/>
+          <a:noFill/>
+          <a:ln w="0">
+            <a:noFill/>
+            <a:prstDash/>
+          </a:ln>
+        </p:spPr>
+        <p:txBody>
+          <a:bodyPr wrap="square" lIns="89535" tIns="46355" rIns="89535" bIns="46355" numCol="1" vert="horz" anchor="t">
+            <a:spAutoFit/>
+          </a:bodyPr>
+          <a:lstStyle/>
+          <a:p>
+            <a:pPr marL="0" indent="0" rtl="0" algn="ctr" defTabSz="914400" eaLnBrk="1" latinLnBrk="0" hangingPunct="1">
+              <a:buFontTx/>
+              <a:buNone/>
+            </a:pPr>
+            <a:r>
+              <a:rPr lang="ko-KR" sz="2500" b="1">
+                <a:solidFill>
+                  <a:schemeClr val="tx1"/>
+                </a:solidFill>
+                <a:latin typeface="나눔바른고딕" charset="0"/>
+                <a:ea typeface="나눔바른고딕" charset="0"/>
+              </a:rPr>
+              <a:t>열</a:t>
+            </a:r>
+            <a:r>
+              <a:rPr lang="ko-KR" sz="2500" b="1">
+                <a:solidFill>
+                  <a:schemeClr val="tx1"/>
+                </a:solidFill>
+                <a:latin typeface="나눔바른고딕" charset="0"/>
+                <a:ea typeface="나눔바른고딕" charset="0"/>
+              </a:rPr>
+              <a:t> 번째 튜토리얼</a:t>
+            </a:r>
+            <a:endParaRPr lang="ko-KR" altLang="en-US" sz="2500" b="1">
+              <a:solidFill>
+                <a:schemeClr val="tx1"/>
+              </a:solidFill>
+              <a:latin typeface="나눔바른고딕" charset="0"/>
+              <a:ea typeface="나눔바른고딕" charset="0"/>
+            </a:endParaRPr>
+          </a:p>
+        </p:txBody>
+      </p:sp>
+      <p:sp>
+        <p:nvSpPr>
+          <p:cNvPr id="25" name="Rect 0"/>
+          <p:cNvSpPr txBox="1">
+            <a:spLocks/>
+          </p:cNvSpPr>
+          <p:nvPr/>
+        </p:nvSpPr>
+        <p:spPr>
+          <a:xfrm rot="0">
+            <a:off x="1229995" y="5201285"/>
+            <a:ext cx="4133850" cy="954405"/>
+          </a:xfrm>
+          <a:prstGeom prst="rect"/>
+          <a:noFill/>
+          <a:ln w="0">
+            <a:noFill/>
+            <a:prstDash/>
+          </a:ln>
+        </p:spPr>
+        <p:txBody>
+          <a:bodyPr wrap="square" lIns="89535" tIns="46355" rIns="89535" bIns="46355" numCol="1" vert="horz" anchor="t">
+            <a:spAutoFit/>
+          </a:bodyPr>
+          <a:lstStyle/>
+          <a:p>
+            <a:pPr marL="0" indent="0" rtl="0" algn="l" defTabSz="914400" eaLnBrk="1" latinLnBrk="0" hangingPunct="1">
+              <a:buFontTx/>
+              <a:buNone/>
+            </a:pPr>
+            <a:r>
+              <a:rPr lang="ko-KR" sz="2000" b="1">
+                <a:solidFill>
+                  <a:srgbClr val="0611F2"/>
+                </a:solidFill>
+                <a:latin typeface="맑은 고딕" charset="0"/>
+                <a:ea typeface="맑은 고딕" charset="0"/>
+              </a:rPr>
+              <a:t>2</a:t>
+            </a:r>
+            <a:r>
+              <a:rPr lang="ko-KR" sz="2000" b="1">
+                <a:solidFill>
+                  <a:srgbClr val="0611F2"/>
+                </a:solidFill>
+                <a:latin typeface="맑은 고딕" charset="0"/>
+                <a:ea typeface="맑은 고딕" charset="0"/>
+              </a:rPr>
+              <a:t>5</a:t>
+            </a:r>
+            <a:r>
+              <a:rPr sz="2000" b="1">
+                <a:solidFill>
+                  <a:srgbClr val="0611F2"/>
+                </a:solidFill>
+                <a:latin typeface="맑은 고딕" charset="0"/>
+                <a:ea typeface="맑은 고딕" charset="0"/>
+              </a:rPr>
+              <a:t>.</a:t>
+            </a:r>
+            <a:r>
+              <a:rPr sz="2000">
+                <a:latin typeface="맑은 고딕" charset="0"/>
+                <a:ea typeface="맑은 고딕" charset="0"/>
+              </a:rPr>
+              <a:t> </a:t>
+            </a:r>
+            <a:r>
+              <a:rPr lang="ko-KR" sz="1800">
+                <a:latin typeface="맑은 고딕" charset="0"/>
+                <a:ea typeface="맑은 고딕" charset="0"/>
+              </a:rPr>
+              <a:t>그</a:t>
+            </a:r>
+            <a:r>
+              <a:rPr lang="ko-KR" sz="1800">
+                <a:latin typeface="맑은 고딕" charset="0"/>
+                <a:ea typeface="맑은 고딕" charset="0"/>
+              </a:rPr>
+              <a:t>리고</a:t>
+            </a:r>
+            <a:r>
+              <a:rPr lang="ko-KR" sz="1800">
+                <a:latin typeface="맑은 고딕" charset="0"/>
+                <a:ea typeface="맑은 고딕" charset="0"/>
+              </a:rPr>
+              <a:t> </a:t>
+            </a:r>
+            <a:r>
+              <a:rPr lang="ko-KR" sz="1800">
+                <a:latin typeface="맑은 고딕" charset="0"/>
+                <a:ea typeface="맑은 고딕" charset="0"/>
+              </a:rPr>
+              <a:t>UI에서 Legacy를 선택하고 Button을 생성한 다음 Watch Button 이라는 이름으로 정의합니다.</a:t>
+            </a:r>
+            <a:endParaRPr lang="ko-KR" altLang="en-US" sz="1800">
+              <a:latin typeface="맑은 고딕" charset="0"/>
+              <a:ea typeface="맑은 고딕" charset="0"/>
+            </a:endParaRPr>
+          </a:p>
+        </p:txBody>
+      </p:sp>
+      <p:sp>
+        <p:nvSpPr>
+          <p:cNvPr id="54" name="Rect 0"/>
+          <p:cNvSpPr txBox="1">
+            <a:spLocks/>
+          </p:cNvSpPr>
+          <p:nvPr/>
+        </p:nvSpPr>
+        <p:spPr>
+          <a:xfrm rot="0">
+            <a:off x="6806565" y="2651760"/>
+            <a:ext cx="4165600" cy="954405"/>
+          </a:xfrm>
+          <a:prstGeom prst="rect"/>
+          <a:noFill/>
+          <a:ln w="0">
+            <a:noFill/>
+            <a:prstDash/>
+          </a:ln>
+        </p:spPr>
+        <p:txBody>
+          <a:bodyPr wrap="square" lIns="89535" tIns="46355" rIns="89535" bIns="46355" numCol="1" vert="horz" anchor="t">
+            <a:spAutoFit/>
+          </a:bodyPr>
+          <a:lstStyle/>
+          <a:p>
+            <a:pPr marL="0" indent="0" rtl="0" algn="l" defTabSz="914400" eaLnBrk="1" latinLnBrk="0" hangingPunct="1">
+              <a:buFontTx/>
+              <a:buNone/>
+            </a:pPr>
+            <a:r>
+              <a:rPr lang="ko-KR" sz="2000" b="1">
+                <a:solidFill>
+                  <a:srgbClr val="0611F2"/>
+                </a:solidFill>
+                <a:latin typeface="맑은 고딕" charset="0"/>
+                <a:ea typeface="맑은 고딕" charset="0"/>
+              </a:rPr>
+              <a:t>2</a:t>
+            </a:r>
+            <a:r>
+              <a:rPr lang="ko-KR" sz="2000" b="1">
+                <a:solidFill>
+                  <a:srgbClr val="0611F2"/>
+                </a:solidFill>
+                <a:latin typeface="맑은 고딕" charset="0"/>
+                <a:ea typeface="맑은 고딕" charset="0"/>
+              </a:rPr>
+              <a:t>6</a:t>
+            </a:r>
+            <a:r>
+              <a:rPr sz="2000" b="1">
+                <a:solidFill>
+                  <a:srgbClr val="0611F2"/>
+                </a:solidFill>
+                <a:latin typeface="맑은 고딕" charset="0"/>
+                <a:ea typeface="맑은 고딕" charset="0"/>
+              </a:rPr>
+              <a:t>.</a:t>
+            </a:r>
+            <a:r>
+              <a:rPr sz="2000">
+                <a:latin typeface="맑은 고딕" charset="0"/>
+                <a:ea typeface="맑은 고딕" charset="0"/>
+              </a:rPr>
+              <a:t> </a:t>
+            </a:r>
+            <a:r>
+              <a:rPr lang="ko-KR" sz="1800">
+                <a:latin typeface="맑은 고딕" charset="0"/>
+                <a:ea typeface="맑은 고딕" charset="0"/>
+              </a:rPr>
+              <a:t>이제</a:t>
+            </a:r>
+            <a:r>
+              <a:rPr lang="ko-KR" sz="1800">
+                <a:latin typeface="맑은 고딕" charset="0"/>
+                <a:ea typeface="맑은 고딕" charset="0"/>
+              </a:rPr>
+              <a:t> Project 폴더 아래에 있는 </a:t>
+            </a:r>
+            <a:r>
+              <a:rPr lang="ko-KR" sz="1800">
+                <a:latin typeface="맑은 고딕" charset="0"/>
+                <a:ea typeface="맑은 고딕" charset="0"/>
+              </a:rPr>
+              <a:t>Texture</a:t>
+            </a:r>
+            <a:r>
+              <a:rPr lang="ko-KR" sz="1800">
+                <a:latin typeface="맑은 고딕" charset="0"/>
+                <a:ea typeface="맑은 고딕" charset="0"/>
+              </a:rPr>
+              <a:t> 폴더에 </a:t>
+            </a:r>
+            <a:r>
+              <a:rPr lang="ko-KR" sz="1800">
+                <a:latin typeface="맑은 고딕" charset="0"/>
+                <a:ea typeface="맑은 고딕" charset="0"/>
+              </a:rPr>
+              <a:t>Sun 텍스처</a:t>
+            </a:r>
+            <a:r>
+              <a:rPr lang="ko-KR" sz="1800">
+                <a:latin typeface="맑은 고딕" charset="0"/>
+                <a:ea typeface="맑은 고딕" charset="0"/>
+              </a:rPr>
+              <a:t>를</a:t>
+            </a:r>
+            <a:r>
+              <a:rPr lang="ko-KR" sz="1800">
+                <a:latin typeface="맑은 고딕" charset="0"/>
+                <a:ea typeface="맑은 고딕" charset="0"/>
+              </a:rPr>
+              <a:t> 선택하고 Sun </a:t>
+            </a:r>
+            <a:r>
+              <a:rPr lang="ko-KR" sz="1800">
+                <a:latin typeface="맑은 고딕" charset="0"/>
+                <a:ea typeface="맑은 고딕" charset="0"/>
+              </a:rPr>
+              <a:t>오브젝트에 넣어줍니다.</a:t>
+            </a:r>
+            <a:endParaRPr lang="ko-KR" altLang="en-US" sz="1800">
+              <a:latin typeface="맑은 고딕" charset="0"/>
+              <a:ea typeface="맑은 고딕" charset="0"/>
+            </a:endParaRPr>
+          </a:p>
+        </p:txBody>
+      </p:sp>
+      <p:pic>
+        <p:nvPicPr>
+          <p:cNvPr id="57" name="그림 20" descr="C:/Users/Admin1/AppData/Roaming/PolarisOffice/ETemp/15980_12108288/fImage83032366500.png"/>
+          <p:cNvPicPr>
+            <a:picLocks noChangeAspect="1"/>
+          </p:cNvPicPr>
+          <p:nvPr/>
+        </p:nvPicPr>
+        <p:blipFill rotWithShape="1">
+          <a:blip r:embed="rId2" cstate="print">
+            <a:extLst>
+              <a:ext uri="{28A0092B-C50C-407E-A947-70E740481C1C}">
+                <a14:useLocalDpi xmlns:a14="http://schemas.microsoft.com/office/drawing/2010/main" val="0"/>
+              </a:ext>
+            </a:extLst>
+          </a:blip>
+          <a:stretch>
+            <a:fillRect/>
+          </a:stretch>
+        </p:blipFill>
+        <p:spPr>
+          <a:xfrm rot="0">
+            <a:off x="4182745" y="2233295"/>
+            <a:ext cx="1177925" cy="2001520"/>
+          </a:xfrm>
+          <a:prstGeom prst="roundRect"/>
+          <a:solidFill>
+            <a:srgbClr val="EDEDED"/>
+          </a:solidFill>
+        </p:spPr>
+      </p:pic>
+      <p:pic>
+        <p:nvPicPr>
+          <p:cNvPr id="58" name="그림 23" descr="C:/Users/Admin1/AppData/Roaming/PolarisOffice/ETemp/15980_12108288/fImage265922379169.png"/>
+          <p:cNvPicPr>
+            <a:picLocks noChangeAspect="1"/>
+          </p:cNvPicPr>
+          <p:nvPr/>
+        </p:nvPicPr>
+        <p:blipFill rotWithShape="1">
+          <a:blip r:embed="rId3" cstate="print">
+            <a:extLst>
+              <a:ext uri="{28A0092B-C50C-407E-A947-70E740481C1C}">
+                <a14:useLocalDpi xmlns:a14="http://schemas.microsoft.com/office/drawing/2010/main" val="0"/>
+              </a:ext>
+            </a:extLst>
+          </a:blip>
+          <a:stretch>
+            <a:fillRect/>
+          </a:stretch>
+        </p:blipFill>
+        <p:spPr>
+          <a:xfrm rot="0">
+            <a:off x="1229360" y="1454785"/>
+            <a:ext cx="2815590" cy="3559810"/>
+          </a:xfrm>
+          <a:prstGeom prst="roundRect"/>
+          <a:solidFill>
+            <a:srgbClr val="EDEDED"/>
+          </a:solidFill>
+        </p:spPr>
+      </p:pic>
+      <p:pic>
+        <p:nvPicPr>
+          <p:cNvPr id="59" name="그림 27" descr="C:/Users/Admin1/AppData/Roaming/PolarisOffice/ETemp/15980_12108288/fImage69072385724.png"/>
+          <p:cNvPicPr>
+            <a:picLocks noChangeAspect="1"/>
+          </p:cNvPicPr>
+          <p:nvPr/>
+        </p:nvPicPr>
+        <p:blipFill rotWithShape="1">
+          <a:blip r:embed="rId4" cstate="print">
+            <a:extLst>
+              <a:ext uri="{28A0092B-C50C-407E-A947-70E740481C1C}">
+                <a14:useLocalDpi xmlns:a14="http://schemas.microsoft.com/office/drawing/2010/main" val="0"/>
+              </a:ext>
+            </a:extLst>
+          </a:blip>
+          <a:stretch>
+            <a:fillRect/>
+          </a:stretch>
+        </p:blipFill>
+        <p:spPr>
+          <a:xfrm rot="0">
+            <a:off x="6814820" y="1455420"/>
+            <a:ext cx="1308100" cy="1132840"/>
+          </a:xfrm>
+          <a:prstGeom prst="roundRect"/>
+          <a:solidFill>
+            <a:srgbClr val="EDEDED"/>
+          </a:solidFill>
+        </p:spPr>
+      </p:pic>
+      <p:pic>
+        <p:nvPicPr>
+          <p:cNvPr id="60" name="그림 30" descr="C:/Users/Admin1/AppData/Roaming/PolarisOffice/ETemp/15980_12108288/fImage318212391478.png"/>
+          <p:cNvPicPr>
+            <a:picLocks noChangeAspect="1"/>
+          </p:cNvPicPr>
+          <p:nvPr/>
+        </p:nvPicPr>
+        <p:blipFill rotWithShape="1">
+          <a:blip r:embed="rId5" cstate="print">
+            <a:extLst>
+              <a:ext uri="{28A0092B-C50C-407E-A947-70E740481C1C}">
+                <a14:useLocalDpi xmlns:a14="http://schemas.microsoft.com/office/drawing/2010/main" val="0"/>
+              </a:ext>
+            </a:extLst>
+          </a:blip>
+          <a:stretch>
+            <a:fillRect/>
+          </a:stretch>
+        </p:blipFill>
+        <p:spPr>
+          <a:xfrm rot="0">
+            <a:off x="8252460" y="1456690"/>
+            <a:ext cx="2710815" cy="1132840"/>
+          </a:xfrm>
+          <a:prstGeom prst="roundRect"/>
+          <a:solidFill>
+            <a:srgbClr val="EDEDED"/>
+          </a:solidFill>
+        </p:spPr>
+      </p:pic>
+      <p:cxnSp>
+        <p:nvCxnSpPr>
+          <p:cNvPr id="61" name="도형 33"/>
+          <p:cNvCxnSpPr/>
+          <p:nvPr/>
+        </p:nvCxnSpPr>
+        <p:spPr>
+          <a:xfrm rot="0" flipH="1" flipV="1">
+            <a:off x="7455535" y="2026285"/>
+            <a:ext cx="2546350" cy="17780"/>
+          </a:xfrm>
+          <a:prstGeom prst="straightConnector1"/>
+          <a:ln w="6350" cap="flat" cmpd="sng">
+            <a:prstDash/>
+            <a:headEnd type="none" w="med" len="med"/>
+            <a:tailEnd type="triangle" w="med" len="med"/>
+          </a:ln>
+        </p:spPr>
+        <p:style>
+          <a:lnRef idx="1">
+            <a:schemeClr val="accent1"/>
+          </a:lnRef>
+          <a:fillRef idx="0">
+            <a:schemeClr val="accent1"/>
+          </a:fillRef>
+          <a:effectRef idx="0">
+            <a:schemeClr val="accent1"/>
+          </a:effectRef>
+          <a:fontRef idx="minor">
+            <a:schemeClr val="tx1"/>
+          </a:fontRef>
+        </p:style>
+      </p:cxnSp>
+      <p:pic>
+        <p:nvPicPr>
+          <p:cNvPr id="62" name="그림 34" descr="C:/Users/Admin1/AppData/Roaming/PolarisOffice/ETemp/15980_12108288/fImage69532419358.png"/>
+          <p:cNvPicPr>
+            <a:picLocks noChangeAspect="1"/>
+          </p:cNvPicPr>
+          <p:nvPr/>
+        </p:nvPicPr>
+        <p:blipFill rotWithShape="1">
+          <a:blip r:embed="rId6" cstate="print">
+            <a:extLst>
+              <a:ext uri="{28A0092B-C50C-407E-A947-70E740481C1C}">
+                <a14:useLocalDpi xmlns:a14="http://schemas.microsoft.com/office/drawing/2010/main" val="0"/>
+              </a:ext>
+            </a:extLst>
+          </a:blip>
+          <a:stretch>
+            <a:fillRect/>
+          </a:stretch>
+        </p:blipFill>
+        <p:spPr>
+          <a:xfrm rot="0">
+            <a:off x="6814820" y="3713480"/>
+            <a:ext cx="1308100" cy="1129665"/>
+          </a:xfrm>
+          <a:prstGeom prst="roundRect"/>
+          <a:solidFill>
+            <a:srgbClr val="EDEDED"/>
+          </a:solidFill>
+        </p:spPr>
+      </p:pic>
+      <p:pic>
+        <p:nvPicPr>
+          <p:cNvPr id="63" name="그림 37" descr="C:/Users/Admin1/AppData/Roaming/PolarisOffice/ETemp/15980_12108288/fImage318922426962.png"/>
+          <p:cNvPicPr>
+            <a:picLocks noChangeAspect="1"/>
+          </p:cNvPicPr>
+          <p:nvPr/>
+        </p:nvPicPr>
+        <p:blipFill rotWithShape="1">
+          <a:blip r:embed="rId7" cstate="print">
+            <a:extLst>
+              <a:ext uri="{28A0092B-C50C-407E-A947-70E740481C1C}">
+                <a14:useLocalDpi xmlns:a14="http://schemas.microsoft.com/office/drawing/2010/main" val="0"/>
+              </a:ext>
+            </a:extLst>
+          </a:blip>
+          <a:stretch>
+            <a:fillRect/>
+          </a:stretch>
+        </p:blipFill>
+        <p:spPr>
+          <a:xfrm rot="0">
+            <a:off x="8252460" y="3714750"/>
+            <a:ext cx="2719705" cy="1118235"/>
+          </a:xfrm>
+          <a:prstGeom prst="roundRect"/>
+          <a:solidFill>
+            <a:srgbClr val="EDEDED"/>
+          </a:solidFill>
+        </p:spPr>
+      </p:pic>
+      <p:cxnSp>
+        <p:nvCxnSpPr>
+          <p:cNvPr id="64" name="도형 40"/>
+          <p:cNvCxnSpPr/>
+          <p:nvPr/>
+        </p:nvCxnSpPr>
+        <p:spPr>
+          <a:xfrm rot="0" flipH="1">
+            <a:off x="7533640" y="4364355"/>
+            <a:ext cx="779780" cy="34925"/>
+          </a:xfrm>
+          <a:prstGeom prst="straightConnector1"/>
+          <a:ln w="6350" cap="flat" cmpd="sng">
+            <a:prstDash/>
+            <a:headEnd type="none" w="med" len="med"/>
+            <a:tailEnd type="triangle" w="med" len="med"/>
+          </a:ln>
+        </p:spPr>
+        <p:style>
+          <a:lnRef idx="1">
+            <a:schemeClr val="accent1"/>
+          </a:lnRef>
+          <a:fillRef idx="0">
+            <a:schemeClr val="accent1"/>
+          </a:fillRef>
+          <a:effectRef idx="0">
+            <a:schemeClr val="accent1"/>
+          </a:effectRef>
+          <a:fontRef idx="minor">
+            <a:schemeClr val="tx1"/>
+          </a:fontRef>
+        </p:style>
+      </p:cxnSp>
+      <p:sp>
+        <p:nvSpPr>
+          <p:cNvPr id="65" name="텍스트 상자 41"/>
+          <p:cNvSpPr txBox="1">
+            <a:spLocks/>
+          </p:cNvSpPr>
+          <p:nvPr/>
+        </p:nvSpPr>
+        <p:spPr>
+          <a:xfrm rot="0">
+            <a:off x="6823710" y="4921885"/>
+            <a:ext cx="4148455" cy="1231265"/>
+          </a:xfrm>
+          <a:prstGeom prst="rect"/>
+          <a:noFill/>
+          <a:ln w="0">
+            <a:noFill/>
+            <a:prstDash/>
+          </a:ln>
+        </p:spPr>
+        <p:txBody>
+          <a:bodyPr wrap="square" lIns="89535" tIns="46355" rIns="89535" bIns="46355" numCol="1" vert="horz" anchor="t">
+            <a:spAutoFit/>
+          </a:bodyPr>
+          <a:lstStyle/>
+          <a:p>
+            <a:pPr marL="0" indent="0" rtl="0" algn="l" defTabSz="914400" eaLnBrk="1" latinLnBrk="0" hangingPunct="1">
+              <a:buFontTx/>
+              <a:buNone/>
+            </a:pPr>
+            <a:r>
+              <a:rPr lang="ko-KR" sz="2000" b="1">
+                <a:solidFill>
+                  <a:srgbClr val="0611F2"/>
+                </a:solidFill>
+                <a:latin typeface="맑은 고딕" charset="0"/>
+                <a:ea typeface="맑은 고딕" charset="0"/>
+              </a:rPr>
+              <a:t>2</a:t>
+            </a:r>
+            <a:r>
+              <a:rPr lang="ko-KR" sz="2000" b="1">
+                <a:solidFill>
+                  <a:srgbClr val="0611F2"/>
+                </a:solidFill>
+                <a:latin typeface="맑은 고딕" charset="0"/>
+                <a:ea typeface="맑은 고딕" charset="0"/>
+              </a:rPr>
+              <a:t>7</a:t>
+            </a:r>
+            <a:r>
+              <a:rPr sz="2000" b="1">
+                <a:solidFill>
+                  <a:srgbClr val="0611F2"/>
+                </a:solidFill>
+                <a:latin typeface="맑은 고딕" charset="0"/>
+                <a:ea typeface="맑은 고딕" charset="0"/>
+              </a:rPr>
+              <a:t>.</a:t>
+            </a:r>
+            <a:r>
+              <a:rPr sz="2000">
+                <a:latin typeface="맑은 고딕" charset="0"/>
+                <a:ea typeface="맑은 고딕" charset="0"/>
+              </a:rPr>
+              <a:t> </a:t>
+            </a:r>
+            <a:r>
+              <a:rPr lang="ko-KR" sz="1800">
+                <a:latin typeface="맑은 고딕" charset="0"/>
+                <a:ea typeface="맑은 고딕" charset="0"/>
+              </a:rPr>
+              <a:t>그런 다음</a:t>
+            </a:r>
+            <a:r>
+              <a:rPr lang="ko-KR" sz="1800">
+                <a:latin typeface="맑은 고딕" charset="0"/>
+                <a:ea typeface="맑은 고딕" charset="0"/>
+              </a:rPr>
+              <a:t> Project 폴더 아래에 있는 </a:t>
+            </a:r>
+            <a:r>
+              <a:rPr lang="ko-KR" sz="1800">
+                <a:latin typeface="맑은 고딕" charset="0"/>
+                <a:ea typeface="맑은 고딕" charset="0"/>
+              </a:rPr>
+              <a:t>Texture</a:t>
+            </a:r>
+            <a:r>
+              <a:rPr lang="ko-KR" sz="1800">
+                <a:latin typeface="맑은 고딕" charset="0"/>
+                <a:ea typeface="맑은 고딕" charset="0"/>
+              </a:rPr>
+              <a:t> 폴더에 </a:t>
+            </a:r>
+            <a:r>
+              <a:rPr lang="ko-KR" sz="1800">
+                <a:latin typeface="맑은 고딕" charset="0"/>
+                <a:ea typeface="맑은 고딕" charset="0"/>
+              </a:rPr>
+              <a:t>Earth 텍스처</a:t>
+            </a:r>
+            <a:r>
+              <a:rPr lang="ko-KR" sz="1800">
+                <a:latin typeface="맑은 고딕" charset="0"/>
+                <a:ea typeface="맑은 고딕" charset="0"/>
+              </a:rPr>
+              <a:t>를</a:t>
+            </a:r>
+            <a:r>
+              <a:rPr lang="ko-KR" sz="1800">
+                <a:latin typeface="맑은 고딕" charset="0"/>
+                <a:ea typeface="맑은 고딕" charset="0"/>
+              </a:rPr>
+              <a:t> 선택하고 Earth </a:t>
+            </a:r>
+            <a:r>
+              <a:rPr lang="ko-KR" sz="1800">
+                <a:latin typeface="맑은 고딕" charset="0"/>
+                <a:ea typeface="맑은 고딕" charset="0"/>
+              </a:rPr>
+              <a:t>오브젝트에 넣어줍니다.</a:t>
+            </a:r>
+            <a:endParaRPr lang="ko-KR" altLang="en-US" sz="1800">
+              <a:latin typeface="맑은 고딕" charset="0"/>
+              <a:ea typeface="맑은 고딕" charset="0"/>
+            </a:endParaRPr>
+          </a:p>
+        </p:txBody>
+      </p:sp>
+    </p:spTree>
+  </p:cSld>
+  <p:clrMapOvr>
+    <a:masterClrMapping/>
+  </p:clrMapOvr>
+  <mc:AlternateContent xmlns:mc="http://schemas.openxmlformats.org/markup-compatibility/2006">
+    <mc:Choice xmlns:p14="http://schemas.microsoft.com/office/powerpoint/2010/main" Requires="p14">
+      <p:transition spd="slow" p14:dur="1000"/>
+    </mc:Choice>
+    <mc:Fallback>
+      <p:transition spd="slow"/>
+    </mc:Fallback>
+  </mc:AlternateContent>
+  <p:timing>
+    <p:tnLst>
+      <p:par>
+        <p:cTn id="1" dur="indefinite" restart="never" nodeType="tmRoot"/>
+      </p:par>
+    </p:tnLst>
+  </p:timing>
+</p:sld>
+</file>
+
+<file path=ppt/slides/slide14.xml><?xml version="1.0" encoding="utf-8"?>
+<p:sld xmlns:a="http://schemas.openxmlformats.org/drawingml/2006/main" xmlns:r="http://schemas.openxmlformats.org/officeDocument/2006/relationships" xmlns:p="http://schemas.openxmlformats.org/presentationml/2006/main">
+  <p:cSld>
+    <p:spTree>
+      <p:nvGrpSpPr>
+        <p:cNvPr id="1" name=""/>
+        <p:cNvGrpSpPr/>
+        <p:nvPr/>
+      </p:nvGrpSpPr>
+      <p:grpSpPr>
+        <a:xfrm>
+          <a:off x="0" y="0"/>
+          <a:ext cx="0" cy="0"/>
+          <a:chOff x="0" y="0"/>
+          <a:chExt cx="0" cy="0"/>
+        </a:xfrm>
+      </p:grpSpPr>
+      <p:sp>
+        <p:nvSpPr>
+          <p:cNvPr id="2" name="Rect 0"/>
+          <p:cNvSpPr txBox="1">
+            <a:spLocks/>
+          </p:cNvSpPr>
+          <p:nvPr/>
+        </p:nvSpPr>
+        <p:spPr>
+          <a:xfrm rot="0">
+            <a:off x="4344670" y="377825"/>
+            <a:ext cx="3503295" cy="478155"/>
+          </a:xfrm>
+          <a:prstGeom prst="rect"/>
+          <a:noFill/>
+          <a:ln w="0">
+            <a:noFill/>
+            <a:prstDash/>
+          </a:ln>
+        </p:spPr>
+        <p:txBody>
+          <a:bodyPr wrap="square" lIns="89535" tIns="46355" rIns="89535" bIns="46355" numCol="1" vert="horz" anchor="t">
+            <a:spAutoFit/>
+          </a:bodyPr>
+          <a:lstStyle/>
+          <a:p>
+            <a:pPr marL="0" indent="0" rtl="0" algn="ctr" defTabSz="914400" eaLnBrk="1" latinLnBrk="0" hangingPunct="1">
+              <a:buFontTx/>
+              <a:buNone/>
+            </a:pPr>
+            <a:r>
+              <a:rPr lang="ko-KR" sz="2500" b="1">
+                <a:solidFill>
+                  <a:schemeClr val="tx1"/>
+                </a:solidFill>
+                <a:latin typeface="나눔바른고딕" charset="0"/>
+                <a:ea typeface="나눔바른고딕" charset="0"/>
+              </a:rPr>
+              <a:t>열한</a:t>
+            </a:r>
+            <a:r>
+              <a:rPr lang="ko-KR" sz="2500" b="1">
+                <a:solidFill>
+                  <a:schemeClr val="tx1"/>
+                </a:solidFill>
+                <a:latin typeface="나눔바른고딕" charset="0"/>
+                <a:ea typeface="나눔바른고딕" charset="0"/>
+              </a:rPr>
+              <a:t> 번째 튜토리얼</a:t>
+            </a:r>
+            <a:endParaRPr lang="ko-KR" altLang="en-US" sz="2500" b="1">
+              <a:solidFill>
+                <a:schemeClr val="tx1"/>
+              </a:solidFill>
+              <a:latin typeface="나눔바른고딕" charset="0"/>
+              <a:ea typeface="나눔바른고딕" charset="0"/>
+            </a:endParaRPr>
+          </a:p>
+        </p:txBody>
+      </p:sp>
+      <p:sp>
+        <p:nvSpPr>
+          <p:cNvPr id="25" name="Rect 0"/>
+          <p:cNvSpPr txBox="1">
+            <a:spLocks/>
+          </p:cNvSpPr>
+          <p:nvPr/>
+        </p:nvSpPr>
+        <p:spPr>
+          <a:xfrm rot="0">
+            <a:off x="1228725" y="5077460"/>
+            <a:ext cx="4048760" cy="954405"/>
+          </a:xfrm>
+          <a:prstGeom prst="rect"/>
+          <a:noFill/>
+          <a:ln w="0">
+            <a:noFill/>
+            <a:prstDash/>
+          </a:ln>
+        </p:spPr>
+        <p:txBody>
+          <a:bodyPr wrap="square" lIns="89535" tIns="46355" rIns="89535" bIns="46355" numCol="1" vert="horz" anchor="t">
+            <a:spAutoFit/>
+          </a:bodyPr>
+          <a:lstStyle/>
+          <a:p>
+            <a:pPr marL="0" indent="0" rtl="0" algn="l" defTabSz="914400" eaLnBrk="1" latinLnBrk="0" hangingPunct="1">
+              <a:buFontTx/>
+              <a:buNone/>
+            </a:pPr>
+            <a:r>
+              <a:rPr lang="ko-KR" sz="2000" b="1">
+                <a:solidFill>
+                  <a:srgbClr val="0611F2"/>
+                </a:solidFill>
+                <a:latin typeface="맑은 고딕" charset="0"/>
+                <a:ea typeface="맑은 고딕" charset="0"/>
+              </a:rPr>
+              <a:t>2</a:t>
+            </a:r>
+            <a:r>
+              <a:rPr lang="ko-KR" sz="2000" b="1">
+                <a:solidFill>
+                  <a:srgbClr val="0611F2"/>
+                </a:solidFill>
+                <a:latin typeface="맑은 고딕" charset="0"/>
+                <a:ea typeface="맑은 고딕" charset="0"/>
+              </a:rPr>
+              <a:t>8</a:t>
+            </a:r>
+            <a:r>
+              <a:rPr sz="2000" b="1">
+                <a:solidFill>
+                  <a:srgbClr val="0611F2"/>
+                </a:solidFill>
+                <a:latin typeface="맑은 고딕" charset="0"/>
+                <a:ea typeface="맑은 고딕" charset="0"/>
+              </a:rPr>
+              <a:t>.</a:t>
+            </a:r>
+            <a:r>
+              <a:rPr sz="2000">
+                <a:latin typeface="맑은 고딕" charset="0"/>
+                <a:ea typeface="맑은 고딕" charset="0"/>
+              </a:rPr>
+              <a:t> </a:t>
+            </a:r>
+            <a:r>
+              <a:rPr lang="ko-KR" sz="1800">
+                <a:latin typeface="맑은 고딕" charset="0"/>
+                <a:ea typeface="맑은 고딕" charset="0"/>
+              </a:rPr>
+              <a:t>그</a:t>
+            </a:r>
+            <a:r>
+              <a:rPr lang="ko-KR" sz="1800">
+                <a:latin typeface="맑은 고딕" charset="0"/>
+                <a:ea typeface="맑은 고딕" charset="0"/>
+              </a:rPr>
+              <a:t>다음으로</a:t>
+            </a:r>
+            <a:r>
+              <a:rPr lang="ko-KR" sz="1800">
+                <a:latin typeface="맑은 고딕" charset="0"/>
+                <a:ea typeface="맑은 고딕" charset="0"/>
+              </a:rPr>
+              <a:t> </a:t>
+            </a:r>
+            <a:r>
+              <a:rPr lang="ko-KR" sz="1800">
+                <a:latin typeface="맑은 고딕" charset="0"/>
+                <a:ea typeface="맑은 고딕" charset="0"/>
+              </a:rPr>
+              <a:t>Watch Button의 위치와 크기 그리고 회전 값을 설정합니다.</a:t>
+            </a:r>
+            <a:endParaRPr lang="ko-KR" altLang="en-US" sz="1800">
+              <a:latin typeface="맑은 고딕" charset="0"/>
+              <a:ea typeface="맑은 고딕" charset="0"/>
+            </a:endParaRPr>
+          </a:p>
+        </p:txBody>
+      </p:sp>
+      <p:sp>
+        <p:nvSpPr>
+          <p:cNvPr id="54" name="Rect 0"/>
+          <p:cNvSpPr txBox="1">
+            <a:spLocks/>
+          </p:cNvSpPr>
+          <p:nvPr/>
+        </p:nvSpPr>
+        <p:spPr>
+          <a:xfrm rot="0">
+            <a:off x="6823710" y="2752725"/>
+            <a:ext cx="4140200" cy="1231265"/>
+          </a:xfrm>
+          <a:prstGeom prst="rect"/>
+          <a:noFill/>
+          <a:ln w="0">
+            <a:noFill/>
+            <a:prstDash/>
+          </a:ln>
+        </p:spPr>
+        <p:txBody>
+          <a:bodyPr wrap="square" lIns="89535" tIns="46355" rIns="89535" bIns="46355" numCol="1" vert="horz" anchor="t">
+            <a:spAutoFit/>
+          </a:bodyPr>
+          <a:lstStyle/>
+          <a:p>
+            <a:pPr marL="0" indent="0" rtl="0" algn="l" defTabSz="914400" eaLnBrk="1" latinLnBrk="0" hangingPunct="1">
+              <a:buFontTx/>
+              <a:buNone/>
+            </a:pPr>
+            <a:r>
+              <a:rPr lang="ko-KR" sz="2000" b="1">
+                <a:solidFill>
+                  <a:srgbClr val="0611F2"/>
+                </a:solidFill>
+                <a:latin typeface="맑은 고딕" charset="0"/>
+                <a:ea typeface="맑은 고딕" charset="0"/>
+              </a:rPr>
+              <a:t>2</a:t>
+            </a:r>
+            <a:r>
+              <a:rPr lang="ko-KR" sz="2000" b="1">
+                <a:solidFill>
+                  <a:srgbClr val="0611F2"/>
+                </a:solidFill>
+                <a:latin typeface="맑은 고딕" charset="0"/>
+                <a:ea typeface="맑은 고딕" charset="0"/>
+              </a:rPr>
+              <a:t>9</a:t>
+            </a:r>
+            <a:r>
+              <a:rPr sz="2000" b="1">
+                <a:solidFill>
+                  <a:srgbClr val="0611F2"/>
+                </a:solidFill>
+                <a:latin typeface="맑은 고딕" charset="0"/>
+                <a:ea typeface="맑은 고딕" charset="0"/>
+              </a:rPr>
+              <a:t>.</a:t>
+            </a:r>
+            <a:r>
+              <a:rPr sz="2000">
+                <a:latin typeface="맑은 고딕" charset="0"/>
+                <a:ea typeface="맑은 고딕" charset="0"/>
+              </a:rPr>
+              <a:t> </a:t>
+            </a:r>
+            <a:r>
+              <a:rPr lang="ko-KR" sz="1800">
+                <a:latin typeface="맑은 고딕" charset="0"/>
+                <a:ea typeface="맑은 고딕" charset="0"/>
+              </a:rPr>
+              <a:t>그러고 나서</a:t>
+            </a:r>
+            <a:r>
+              <a:rPr lang="ko-KR" sz="1800">
+                <a:latin typeface="맑은 고딕" charset="0"/>
+                <a:ea typeface="맑은 고딕" charset="0"/>
+              </a:rPr>
+              <a:t> Project 폴더 아래에 있는 </a:t>
+            </a:r>
+            <a:r>
+              <a:rPr lang="ko-KR" sz="1800">
+                <a:latin typeface="맑은 고딕" charset="0"/>
+                <a:ea typeface="맑은 고딕" charset="0"/>
+              </a:rPr>
+              <a:t>Texture</a:t>
+            </a:r>
+            <a:r>
+              <a:rPr lang="ko-KR" sz="1800">
+                <a:latin typeface="맑은 고딕" charset="0"/>
+                <a:ea typeface="맑은 고딕" charset="0"/>
+              </a:rPr>
+              <a:t> 폴더에 </a:t>
+            </a:r>
+            <a:r>
+              <a:rPr lang="ko-KR" sz="1800">
+                <a:latin typeface="맑은 고딕" charset="0"/>
+                <a:ea typeface="맑은 고딕" charset="0"/>
+              </a:rPr>
+              <a:t>Moon 텍스처</a:t>
+            </a:r>
+            <a:r>
+              <a:rPr lang="ko-KR" sz="1800">
+                <a:latin typeface="맑은 고딕" charset="0"/>
+                <a:ea typeface="맑은 고딕" charset="0"/>
+              </a:rPr>
+              <a:t>를</a:t>
+            </a:r>
+            <a:r>
+              <a:rPr lang="ko-KR" sz="1800">
+                <a:latin typeface="맑은 고딕" charset="0"/>
+                <a:ea typeface="맑은 고딕" charset="0"/>
+              </a:rPr>
+              <a:t> 선택하고 Moon </a:t>
+            </a:r>
+            <a:r>
+              <a:rPr lang="ko-KR" sz="1800">
+                <a:latin typeface="맑은 고딕" charset="0"/>
+                <a:ea typeface="맑은 고딕" charset="0"/>
+              </a:rPr>
+              <a:t>오브젝트에 넣어줍니다.</a:t>
+            </a:r>
+            <a:endParaRPr lang="ko-KR" altLang="en-US" sz="1800">
+              <a:latin typeface="맑은 고딕" charset="0"/>
+              <a:ea typeface="맑은 고딕" charset="0"/>
+            </a:endParaRPr>
+          </a:p>
+        </p:txBody>
+      </p:sp>
+      <p:pic>
+        <p:nvPicPr>
+          <p:cNvPr id="66" name="그림 44" descr="C:/Users/Admin1/AppData/Roaming/PolarisOffice/ETemp/15980_12108288/fImage178242594464.png"/>
+          <p:cNvPicPr>
+            <a:picLocks noChangeAspect="1"/>
+          </p:cNvPicPr>
+          <p:nvPr/>
+        </p:nvPicPr>
+        <p:blipFill rotWithShape="1">
+          <a:blip r:embed="rId2" cstate="print">
+            <a:extLst>
+              <a:ext uri="{28A0092B-C50C-407E-A947-70E740481C1C}">
+                <a14:useLocalDpi xmlns:a14="http://schemas.microsoft.com/office/drawing/2010/main" val="0"/>
+              </a:ext>
+            </a:extLst>
+          </a:blip>
+          <a:stretch>
+            <a:fillRect/>
+          </a:stretch>
+        </p:blipFill>
+        <p:spPr>
+          <a:xfrm rot="0">
+            <a:off x="1238250" y="1447800"/>
+            <a:ext cx="4048760" cy="3439160"/>
+          </a:xfrm>
+          <a:prstGeom prst="roundRect"/>
+          <a:solidFill>
+            <a:srgbClr val="EDEDED"/>
+          </a:solidFill>
+        </p:spPr>
+      </p:pic>
+      <p:pic>
+        <p:nvPicPr>
+          <p:cNvPr id="67" name="그림 52" descr="C:/Users/Admin1/AppData/Roaming/PolarisOffice/ETemp/15980_12108288/fImage69382605705.png"/>
+          <p:cNvPicPr>
+            <a:picLocks noChangeAspect="1"/>
+          </p:cNvPicPr>
+          <p:nvPr/>
+        </p:nvPicPr>
+        <p:blipFill rotWithShape="1">
+          <a:blip r:embed="rId3" cstate="print">
+            <a:extLst>
+              <a:ext uri="{28A0092B-C50C-407E-A947-70E740481C1C}">
+                <a14:useLocalDpi xmlns:a14="http://schemas.microsoft.com/office/drawing/2010/main" val="0"/>
+              </a:ext>
+            </a:extLst>
+          </a:blip>
+          <a:stretch>
+            <a:fillRect/>
+          </a:stretch>
+        </p:blipFill>
+        <p:spPr>
+          <a:xfrm rot="0">
+            <a:off x="6829425" y="1457325"/>
+            <a:ext cx="1229360" cy="1200785"/>
+          </a:xfrm>
+          <a:prstGeom prst="roundRect"/>
+          <a:solidFill>
+            <a:srgbClr val="EDEDED"/>
+          </a:solidFill>
+        </p:spPr>
+      </p:pic>
+      <p:pic>
+        <p:nvPicPr>
+          <p:cNvPr id="68" name="그림 55" descr="C:/Users/Admin1/AppData/Roaming/PolarisOffice/ETemp/15980_12108288/fImage319432618145.png"/>
+          <p:cNvPicPr>
+            <a:picLocks noChangeAspect="1"/>
+          </p:cNvPicPr>
+          <p:nvPr/>
+        </p:nvPicPr>
+        <p:blipFill rotWithShape="1">
+          <a:blip r:embed="rId4" cstate="print">
+            <a:extLst>
+              <a:ext uri="{28A0092B-C50C-407E-A947-70E740481C1C}">
+                <a14:useLocalDpi xmlns:a14="http://schemas.microsoft.com/office/drawing/2010/main" val="0"/>
+              </a:ext>
+            </a:extLst>
+          </a:blip>
+          <a:stretch>
+            <a:fillRect/>
+          </a:stretch>
+        </p:blipFill>
+        <p:spPr>
+          <a:xfrm rot="0">
+            <a:off x="8220075" y="1457325"/>
+            <a:ext cx="2743835" cy="1200785"/>
+          </a:xfrm>
+          <a:prstGeom prst="roundRect"/>
+          <a:solidFill>
+            <a:srgbClr val="EDEDED"/>
+          </a:solidFill>
+        </p:spPr>
+      </p:pic>
+      <p:cxnSp>
+        <p:nvCxnSpPr>
+          <p:cNvPr id="69" name="도형 60"/>
+          <p:cNvCxnSpPr/>
+          <p:nvPr/>
+        </p:nvCxnSpPr>
+        <p:spPr>
+          <a:xfrm rot="0" flipH="1">
+            <a:off x="7515225" y="2047875"/>
+            <a:ext cx="1200785" cy="238760"/>
+          </a:xfrm>
+          <a:prstGeom prst="straightConnector1"/>
+          <a:ln w="6350" cap="flat" cmpd="sng">
+            <a:prstDash/>
+            <a:headEnd type="none" w="med" len="med"/>
             <a:tailEnd type="triangle" w="med" len="med"/>
           </a:ln>
         </p:spPr>
@@ -7540,9 +8594,9 @@
           <p:nvPr/>
         </p:nvSpPr>
         <p:spPr>
-          <a:xfrm rot="0">
+          <a:xfrm>
             <a:off x="5226685" y="421005"/>
-            <a:ext cx="1744345" cy="555625"/>
+            <a:ext cx="1744980" cy="478155"/>
           </a:xfrm>
           <a:prstGeom prst="rect"/>
           <a:noFill/>
@@ -7552,31 +8606,31 @@
           </a:ln>
         </p:spPr>
         <p:txBody>
-          <a:bodyPr wrap="square" lIns="89535" tIns="46355" rIns="89535" bIns="46355" vert="horz" anchor="t">
+          <a:bodyPr wrap="square" lIns="89535" tIns="46355" rIns="89535" bIns="46355" numCol="1" vert="horz" anchor="t">
             <a:spAutoFit/>
           </a:bodyPr>
           <a:lstStyle/>
           <a:p>
-            <a:pPr marL="0" indent="0" rtl="0" algn="l" defTabSz="914400" eaLnBrk="1" latinLnBrk="0" hangingPunct="1">
-              <a:buFontTx/>
-              <a:buNone/>
-            </a:pPr>
-            <a:r>
-              <a:rPr sz="3000" b="1">
+            <a:pPr marL="0" indent="0" rtl="0" algn="ctr" defTabSz="914400" eaLnBrk="1" latinLnBrk="0" hangingPunct="1">
+              <a:buFontTx/>
+              <a:buNone/>
+            </a:pPr>
+            <a:r>
+              <a:rPr sz="2500" b="1">
                 <a:solidFill>
                   <a:schemeClr val="tx1"/>
                 </a:solidFill>
-                <a:latin typeface="맑은 고딕" charset="0"/>
-                <a:ea typeface="맑은 고딕" charset="0"/>
+                <a:latin typeface="나눔바른고딕" charset="0"/>
+                <a:ea typeface="나눔바른고딕" charset="0"/>
               </a:rPr>
               <a:t>Rotation</a:t>
             </a:r>
-            <a:endParaRPr lang="ko-KR" altLang="en-US" sz="3000" b="1">
+            <a:endParaRPr lang="ko-KR" altLang="en-US" sz="2500" b="1">
               <a:solidFill>
                 <a:schemeClr val="tx1"/>
               </a:solidFill>
-              <a:latin typeface="맑은 고딕" charset="0"/>
-              <a:ea typeface="맑은 고딕" charset="0"/>
+              <a:latin typeface="나눔바른고딕" charset="0"/>
+              <a:ea typeface="나눔바른고딕" charset="0"/>
             </a:endParaRPr>
           </a:p>
         </p:txBody>
@@ -7591,8 +8645,8 @@
         </p:nvSpPr>
         <p:spPr>
           <a:xfrm rot="0">
-            <a:off x="984250" y="1426845"/>
-            <a:ext cx="4386580" cy="923925"/>
+            <a:off x="1238885" y="1451610"/>
+            <a:ext cx="4132580" cy="923925"/>
           </a:xfrm>
           <a:prstGeom prst="rect"/>
           <a:noFill/>
@@ -7635,8 +8689,8 @@
         </p:nvSpPr>
         <p:spPr>
           <a:xfrm rot="0">
-            <a:off x="981710" y="4393565"/>
-            <a:ext cx="4389120" cy="1754505"/>
+            <a:off x="1238885" y="4202430"/>
+            <a:ext cx="4132580" cy="2031365"/>
           </a:xfrm>
           <a:prstGeom prst="rect"/>
           <a:noFill/>
@@ -7706,8 +8760,8 @@
         </p:nvSpPr>
         <p:spPr>
           <a:xfrm rot="0">
-            <a:off x="6824980" y="1430020"/>
-            <a:ext cx="4132580" cy="923925"/>
+            <a:off x="6824980" y="1454785"/>
+            <a:ext cx="4123690" cy="923925"/>
           </a:xfrm>
           <a:prstGeom prst="rect"/>
           <a:noFill/>
@@ -7742,7 +8796,7 @@
       </p:sp>
       <p:pic>
         <p:nvPicPr>
-          <p:cNvPr id="6" name="그림 25" descr="C:/Users/Admin1/AppData/Roaming/PolarisOffice/ETemp/26060_11593280/fImage8382821941.png"/>
+          <p:cNvPr id="6" name="그림 25" descr="C:/Users/Admin1/AppData/Roaming/PolarisOffice/ETemp/15980_12108288/fImage8382821941.png"/>
           <p:cNvPicPr>
             <a:picLocks noChangeAspect="1"/>
           </p:cNvPicPr>
@@ -7762,8 +8816,8 @@
         </p:blipFill>
         <p:spPr>
           <a:xfrm rot="0">
-            <a:off x="977265" y="2501900"/>
-            <a:ext cx="4401820" cy="1733550"/>
+            <a:off x="1238885" y="2567940"/>
+            <a:ext cx="4140835" cy="1447165"/>
           </a:xfrm>
           <a:prstGeom prst="roundRect"/>
           <a:solidFill>
@@ -7773,7 +8827,7 @@
       </p:pic>
       <p:pic>
         <p:nvPicPr>
-          <p:cNvPr id="7" name="그림 26" descr="C:/Users/Admin1/AppData/Roaming/PolarisOffice/ETemp/26060_11593280/fImage320442208467.png"/>
+          <p:cNvPr id="7" name="그림 26" descr="C:/Users/Admin1/AppData/Roaming/PolarisOffice/ETemp/15980_12108288/fImage320442208467.png"/>
           <p:cNvPicPr>
             <a:picLocks noChangeAspect="1"/>
           </p:cNvPicPr>
@@ -7793,8 +8847,8 @@
         </p:blipFill>
         <p:spPr>
           <a:xfrm rot="0">
-            <a:off x="6837045" y="2584450"/>
-            <a:ext cx="1984375" cy="1336675"/>
+            <a:off x="6828790" y="2592705"/>
+            <a:ext cx="1985010" cy="1337310"/>
           </a:xfrm>
           <a:prstGeom prst="roundRect"/>
           <a:solidFill>
@@ -7804,7 +8858,7 @@
       </p:pic>
       <p:pic>
         <p:nvPicPr>
-          <p:cNvPr id="8" name="그림 27" descr="C:/Users/Admin1/AppData/Roaming/PolarisOffice/ETemp/26060_11593280/fImage42642216334.png"/>
+          <p:cNvPr id="8" name="그림 27" descr="C:/Users/Admin1/AppData/Roaming/PolarisOffice/ETemp/15980_12108288/fImage42642216334.png"/>
           <p:cNvPicPr>
             <a:picLocks noChangeAspect="1"/>
           </p:cNvPicPr>
@@ -7824,8 +8878,8 @@
         </p:blipFill>
         <p:spPr>
           <a:xfrm rot="0">
-            <a:off x="8970010" y="2576195"/>
-            <a:ext cx="1995805" cy="1344930"/>
+            <a:off x="8953500" y="2584450"/>
+            <a:ext cx="1996440" cy="1345565"/>
           </a:xfrm>
           <a:prstGeom prst="roundRect"/>
           <a:solidFill>
@@ -7843,8 +8897,8 @@
         </p:nvSpPr>
         <p:spPr>
           <a:xfrm rot="0">
-            <a:off x="6833235" y="4114165"/>
-            <a:ext cx="4457700" cy="2031365"/>
+            <a:off x="6824980" y="4205605"/>
+            <a:ext cx="4132580" cy="2031365"/>
           </a:xfrm>
           <a:prstGeom prst="rect"/>
           <a:noFill/>
@@ -8311,7 +9365,7 @@
       </p:sp>
       <p:pic>
         <p:nvPicPr>
-          <p:cNvPr id="7" name="그림 41" descr="C:/Users/Admin1/AppData/Roaming/PolarisOffice/ETemp/26060_11593280/fImage571511679358.png"/>
+          <p:cNvPr id="7" name="그림 41"/>
           <p:cNvPicPr>
             <a:picLocks noChangeAspect="1"/>
           </p:cNvPicPr>
@@ -8373,7 +9427,7 @@
       </p:pic>
       <p:pic>
         <p:nvPicPr>
-          <p:cNvPr id="10" name="그림 49" descr="C:/Users/Admin1/AppData/Roaming/PolarisOffice/ETemp/26060_11593280/fImage21661715705.png"/>
+          <p:cNvPr id="10" name="그림 49"/>
           <p:cNvPicPr>
             <a:picLocks noChangeAspect="1"/>
           </p:cNvPicPr>
@@ -8600,7 +9654,7 @@
       </p:sp>
       <p:sp>
         <p:nvSpPr>
-          <p:cNvPr id="5" name="Rect 0"/>
+          <p:cNvPr id="13" name="텍스트 상자 57"/>
           <p:cNvSpPr txBox="1">
             <a:spLocks/>
           </p:cNvSpPr>
@@ -8608,8 +9662,8 @@
         </p:nvSpPr>
         <p:spPr>
           <a:xfrm rot="0">
-            <a:off x="6842125" y="2776855"/>
-            <a:ext cx="4130040" cy="954405"/>
+            <a:off x="1238250" y="5242560"/>
+            <a:ext cx="4134485" cy="954405"/>
           </a:xfrm>
           <a:prstGeom prst="rect"/>
           <a:noFill/>
@@ -8636,7 +9690,7 @@
                 <a:latin typeface="맑은 고딕" charset="0"/>
                 <a:ea typeface="맑은 고딕" charset="0"/>
               </a:rPr>
-              <a:t>8</a:t>
+              <a:t>7</a:t>
             </a:r>
             <a:r>
               <a:rPr sz="2000" b="1">
@@ -8656,74 +9710,18 @@
               <a:t> </a:t>
             </a:r>
             <a:r>
+              <a:rPr sz="1800">
+                <a:latin typeface="맑은 고딕" charset="0"/>
+                <a:ea typeface="맑은 고딕" charset="0"/>
+              </a:rPr>
+              <a:t>그리</a:t>
+            </a:r>
+            <a:r>
               <a:rPr lang="ko-KR" sz="1800">
                 <a:latin typeface="맑은 고딕" charset="0"/>
                 <a:ea typeface="맑은 고딕" charset="0"/>
               </a:rPr>
-              <a:t>그</a:t>
-            </a:r>
-            <a:r>
-              <a:rPr lang="ko-KR" sz="1800">
-                <a:latin typeface="맑은 고딕" charset="0"/>
-                <a:ea typeface="맑은 고딕" charset="0"/>
-              </a:rPr>
-              <a:t>러고 나서</a:t>
-            </a:r>
-            <a:r>
-              <a:rPr lang="ko-KR" sz="1800">
-                <a:latin typeface="맑은 고딕" charset="0"/>
-                <a:ea typeface="맑은 고딕" charset="0"/>
-              </a:rPr>
-              <a:t> Project 폴더</a:t>
-            </a:r>
-            <a:r>
-              <a:rPr lang="ko-KR" sz="1800">
-                <a:latin typeface="맑은 고딕" charset="0"/>
-                <a:ea typeface="맑은 고딕" charset="0"/>
-              </a:rPr>
-              <a:t> 아래에 있는 </a:t>
-            </a:r>
-            <a:r>
-              <a:rPr lang="ko-KR" sz="1800">
-                <a:latin typeface="맑은 고딕" charset="0"/>
-                <a:ea typeface="맑은 고딕" charset="0"/>
-              </a:rPr>
-              <a:t>Texture</a:t>
-            </a:r>
-            <a:r>
-              <a:rPr lang="ko-KR" sz="1800">
-                <a:latin typeface="맑은 고딕" charset="0"/>
-                <a:ea typeface="맑은 고딕" charset="0"/>
-              </a:rPr>
-              <a:t> 폴더</a:t>
-            </a:r>
-            <a:r>
-              <a:rPr lang="ko-KR" sz="1800">
-                <a:latin typeface="맑은 고딕" charset="0"/>
-                <a:ea typeface="맑은 고딕" charset="0"/>
-              </a:rPr>
-              <a:t>에</a:t>
-            </a:r>
-            <a:r>
-              <a:rPr lang="ko-KR" sz="1800">
-                <a:latin typeface="맑은 고딕" charset="0"/>
-                <a:ea typeface="맑은 고딕" charset="0"/>
-              </a:rPr>
-              <a:t> Sun </a:t>
-            </a:r>
-            <a:r>
-              <a:rPr lang="ko-KR" sz="1800">
-                <a:latin typeface="맑은 고딕" charset="0"/>
-                <a:ea typeface="맑은 고딕" charset="0"/>
-              </a:rPr>
-              <a:t>텍스처</a:t>
-            </a:r>
-            <a:r>
-              <a:rPr lang="ko-KR" sz="1800">
-                <a:latin typeface="맑은 고딕" charset="0"/>
-                <a:ea typeface="맑은 고딕" charset="0"/>
-              </a:rPr>
-              <a:t>를 선택하고 Sun 오브젝트에 넣어줍니다.</a:t>
+              <a:t>고 Revolution 스크립트에서  float 변수와 GameObject 변수 2개를 선언합니다. </a:t>
             </a:r>
             <a:endParaRPr lang="ko-KR" altLang="en-US" sz="1800">
               <a:latin typeface="맑은 고딕" charset="0"/>
@@ -8732,153 +9730,9 @@
           </a:p>
         </p:txBody>
       </p:sp>
-      <p:sp>
-        <p:nvSpPr>
-          <p:cNvPr id="13" name="텍스트 상자 57"/>
-          <p:cNvSpPr txBox="1">
-            <a:spLocks/>
-          </p:cNvSpPr>
-          <p:nvPr/>
-        </p:nvSpPr>
-        <p:spPr>
-          <a:xfrm rot="0">
-            <a:off x="1257935" y="3006090"/>
-            <a:ext cx="4112895" cy="954405"/>
-          </a:xfrm>
-          <a:prstGeom prst="rect"/>
-          <a:noFill/>
-          <a:ln w="0">
-            <a:noFill/>
-            <a:prstDash/>
-          </a:ln>
-        </p:spPr>
-        <p:txBody>
-          <a:bodyPr wrap="square" lIns="89535" tIns="46355" rIns="89535" bIns="46355" numCol="1" vert="horz" anchor="t">
-            <a:spAutoFit/>
-          </a:bodyPr>
-          <a:lstStyle/>
-          <a:p>
-            <a:pPr marL="0" indent="0" rtl="0" algn="l" defTabSz="914400" eaLnBrk="1" latinLnBrk="0" hangingPunct="1">
-              <a:buFontTx/>
-              <a:buNone/>
-            </a:pPr>
-            <a:r>
-              <a:rPr lang="ko-KR" sz="2000" b="1">
-                <a:solidFill>
-                  <a:srgbClr val="0611F2"/>
-                </a:solidFill>
-                <a:latin typeface="맑은 고딕" charset="0"/>
-                <a:ea typeface="맑은 고딕" charset="0"/>
-              </a:rPr>
-              <a:t>6</a:t>
-            </a:r>
-            <a:r>
-              <a:rPr sz="2000" b="1">
-                <a:solidFill>
-                  <a:srgbClr val="0611F2"/>
-                </a:solidFill>
-                <a:latin typeface="맑은 고딕" charset="0"/>
-                <a:ea typeface="맑은 고딕" charset="0"/>
-              </a:rPr>
-              <a:t>.</a:t>
-            </a:r>
-            <a:r>
-              <a:rPr sz="2000">
-                <a:latin typeface="맑은 고딕" charset="0"/>
-                <a:ea typeface="맑은 고딕" charset="0"/>
-              </a:rPr>
-              <a:t> </a:t>
-            </a:r>
-            <a:r>
-              <a:rPr sz="1800">
-                <a:latin typeface="맑은 고딕" charset="0"/>
-                <a:ea typeface="맑은 고딕" charset="0"/>
-              </a:rPr>
-              <a:t>그리</a:t>
-            </a:r>
-            <a:r>
-              <a:rPr lang="ko-KR" sz="1800">
-                <a:latin typeface="맑은 고딕" charset="0"/>
-                <a:ea typeface="맑은 고딕" charset="0"/>
-              </a:rPr>
-              <a:t>고</a:t>
-            </a:r>
-            <a:r>
-              <a:rPr lang="ko-KR" sz="1800">
-                <a:latin typeface="맑은 고딕" charset="0"/>
-                <a:ea typeface="맑은 고딕" charset="0"/>
-              </a:rPr>
-              <a:t> Revolution 스크립트에서</a:t>
-            </a:r>
-            <a:r>
-              <a:rPr lang="ko-KR" sz="1800">
-                <a:latin typeface="맑은 고딕" charset="0"/>
-                <a:ea typeface="맑은 고딕" charset="0"/>
-              </a:rPr>
-              <a:t> </a:t>
-            </a:r>
-            <a:r>
-              <a:rPr lang="ko-KR" sz="1800">
-                <a:latin typeface="맑은 고딕" charset="0"/>
-                <a:ea typeface="맑은 고딕" charset="0"/>
-              </a:rPr>
-              <a:t> float 변수</a:t>
-            </a:r>
-            <a:r>
-              <a:rPr lang="ko-KR" sz="1800">
-                <a:latin typeface="맑은 고딕" charset="0"/>
-                <a:ea typeface="맑은 고딕" charset="0"/>
-              </a:rPr>
-              <a:t>와 GameObject 변수 2개를</a:t>
-            </a:r>
-            <a:r>
-              <a:rPr lang="ko-KR" sz="1800">
-                <a:latin typeface="맑은 고딕" charset="0"/>
-                <a:ea typeface="맑은 고딕" charset="0"/>
-              </a:rPr>
-              <a:t> 선언합니다. </a:t>
-            </a:r>
-            <a:endParaRPr lang="ko-KR" altLang="en-US" sz="1800">
-              <a:latin typeface="맑은 고딕" charset="0"/>
-              <a:ea typeface="맑은 고딕" charset="0"/>
-            </a:endParaRPr>
-          </a:p>
-        </p:txBody>
-      </p:sp>
       <p:pic>
         <p:nvPicPr>
-          <p:cNvPr id="23" name="그림 1" descr="C:/Users/Admin1/AppData/Roaming/PolarisOffice/ETemp/26060_11593280/fImage2465214541.png"/>
-          <p:cNvPicPr>
-            <a:picLocks noChangeAspect="1"/>
-          </p:cNvPicPr>
-          <p:nvPr/>
-        </p:nvPicPr>
-        <p:blipFill rotWithShape="1">
-          <a:blip r:embed="rId10" cstate="print">
-            <a:extLst>
-              <a:ext uri="{28A0092B-C50C-407E-A947-70E740481C1C}">
-                <a14:useLocalDpi xmlns:a14="http://schemas.microsoft.com/office/drawing/2010/main" val="0"/>
-              </a:ext>
-            </a:extLst>
-          </a:blip>
-          <a:stretch>
-            <a:fillRect/>
-          </a:stretch>
-        </p:blipFill>
-        <p:spPr>
-          <a:xfrm rot="0">
-            <a:off x="1230630" y="1454785"/>
-            <a:ext cx="4140200" cy="1438910"/>
-          </a:xfrm>
-          <a:prstGeom prst="roundRect"/>
-          <a:solidFill>
-            <a:srgbClr val="EDEDED"/>
-          </a:solidFill>
-        </p:spPr>
-      </p:pic>
-      <p:pic>
-        <p:nvPicPr>
-          <p:cNvPr id="24" name="그림 4" descr="C:/Users/Admin1/AppData/Roaming/PolarisOffice/ETemp/26060_11593280/fImage11845223292.png"/>
+          <p:cNvPr id="24" name="그림 4" descr="C:/Users/Admin1/AppData/Roaming/PolarisOffice/ETemp/15980_12108288/fImage11845223292.png"/>
           <p:cNvPicPr>
             <a:picLocks noChangeAspect="1"/>
           </p:cNvPicPr>
@@ -8898,8 +9752,8 @@
         </p:blipFill>
         <p:spPr>
           <a:xfrm rot="0">
-            <a:off x="1257935" y="4116070"/>
-            <a:ext cx="4112895" cy="1325880"/>
+            <a:off x="1238885" y="1439545"/>
+            <a:ext cx="4124325" cy="1437640"/>
           </a:xfrm>
           <a:prstGeom prst="roundRect"/>
           <a:solidFill>
@@ -8917,8 +9771,8 @@
         </p:nvSpPr>
         <p:spPr>
           <a:xfrm rot="0">
-            <a:off x="1263015" y="5580380"/>
-            <a:ext cx="4150360" cy="677545"/>
+            <a:off x="1238250" y="2984500"/>
+            <a:ext cx="4134485" cy="677545"/>
           </a:xfrm>
           <a:prstGeom prst="rect"/>
           <a:noFill/>
@@ -8945,7 +9799,7 @@
                 <a:latin typeface="맑은 고딕" charset="0"/>
                 <a:ea typeface="맑은 고딕" charset="0"/>
               </a:rPr>
-              <a:t>7</a:t>
+              <a:t>6</a:t>
             </a:r>
             <a:r>
               <a:rPr sz="2000" b="1">
@@ -8969,21 +9823,7 @@
                 <a:latin typeface="맑은 고딕" charset="0"/>
                 <a:ea typeface="맑은 고딕" charset="0"/>
               </a:rPr>
-              <a:t>그</a:t>
-            </a:r>
-            <a:r>
-              <a:rPr lang="ko-KR" sz="1800">
-                <a:latin typeface="맑은 고딕" charset="0"/>
-                <a:ea typeface="맑은 고딕" charset="0"/>
-              </a:rPr>
-              <a:t>런 다음</a:t>
-            </a:r>
-            <a:r>
-              <a:rPr lang="ko-KR" sz="1800">
-                <a:latin typeface="맑은 고딕" charset="0"/>
-                <a:ea typeface="맑은 고딕" charset="0"/>
-              </a:rPr>
-              <a:t> Earth 오브젝트의 위치와 크기값을 설정합니다.</a:t>
+              <a:t>그런 다음 Earth 오브젝트의 위치와 크기값을 설정합니다.</a:t>
             </a:r>
             <a:endParaRPr lang="ko-KR" altLang="en-US" sz="1800">
               <a:latin typeface="맑은 고딕" charset="0"/>
@@ -8992,16 +9832,101 @@
           </a:p>
         </p:txBody>
       </p:sp>
+      <p:sp>
+        <p:nvSpPr>
+          <p:cNvPr id="30" name="텍스트 상자 39"/>
+          <p:cNvSpPr txBox="1">
+            <a:spLocks/>
+          </p:cNvSpPr>
+          <p:nvPr/>
+        </p:nvSpPr>
+        <p:spPr>
+          <a:xfrm rot="0">
+            <a:off x="6838950" y="4966970"/>
+            <a:ext cx="4117340" cy="1231265"/>
+          </a:xfrm>
+          <a:prstGeom prst="rect"/>
+          <a:noFill/>
+          <a:ln w="0">
+            <a:noFill/>
+            <a:prstDash/>
+          </a:ln>
+        </p:spPr>
+        <p:txBody>
+          <a:bodyPr wrap="square" lIns="89535" tIns="46355" rIns="89535" bIns="46355" numCol="1" vert="horz" anchor="t">
+            <a:spAutoFit/>
+          </a:bodyPr>
+          <a:lstStyle/>
+          <a:p>
+            <a:pPr marL="0" indent="0" rtl="0" algn="l" defTabSz="914400" eaLnBrk="1" latinLnBrk="0" hangingPunct="1">
+              <a:buFontTx/>
+              <a:buNone/>
+            </a:pPr>
+            <a:r>
+              <a:rPr lang="ko-KR" sz="2000" b="1">
+                <a:solidFill>
+                  <a:srgbClr val="0611F2"/>
+                </a:solidFill>
+                <a:latin typeface="맑은 고딕" charset="0"/>
+                <a:ea typeface="맑은 고딕" charset="0"/>
+              </a:rPr>
+              <a:t>8</a:t>
+            </a:r>
+            <a:r>
+              <a:rPr sz="2000" b="1">
+                <a:solidFill>
+                  <a:srgbClr val="0611F2"/>
+                </a:solidFill>
+                <a:latin typeface="맑은 고딕" charset="0"/>
+                <a:ea typeface="맑은 고딕" charset="0"/>
+              </a:rPr>
+              <a:t>.</a:t>
+            </a:r>
+            <a:r>
+              <a:rPr sz="2000">
+                <a:latin typeface="맑은 고딕" charset="0"/>
+                <a:ea typeface="맑은 고딕" charset="0"/>
+              </a:rPr>
+              <a:t> </a:t>
+            </a:r>
+            <a:r>
+              <a:rPr lang="ko-KR" sz="1800">
+                <a:latin typeface="맑은 고딕" charset="0"/>
+                <a:ea typeface="맑은 고딕" charset="0"/>
+              </a:rPr>
+              <a:t>그러고 나서</a:t>
+            </a:r>
+            <a:r>
+              <a:rPr lang="ko-KR" sz="1800">
+                <a:latin typeface="맑은 고딕" charset="0"/>
+                <a:ea typeface="맑은 고딕" charset="0"/>
+              </a:rPr>
+              <a:t> </a:t>
+            </a:r>
+            <a:r>
+              <a:rPr lang="ko-KR" sz="1800">
+                <a:latin typeface="맑은 고딕" charset="0"/>
+                <a:ea typeface="맑은 고딕" charset="0"/>
+              </a:rPr>
+              <a:t>RotateCoroution( ) 코루틴 함수를 선언하고 기준이 되는 오브젝트를 기점으로 아래 방향을 축으로 회전하도록 설정합니다. </a:t>
+            </a:r>
+            <a:endParaRPr lang="ko-KR" altLang="en-US" sz="1800">
+              <a:latin typeface="맑은 고딕" charset="0"/>
+              <a:ea typeface="맑은 고딕" charset="0"/>
+            </a:endParaRPr>
+          </a:p>
+        </p:txBody>
+      </p:sp>
       <p:pic>
         <p:nvPicPr>
-          <p:cNvPr id="26" name="그림 29" descr="C:/Users/Admin1/AppData/Roaming/PolarisOffice/ETemp/26060_11593280/fImage52131638467.png"/>
+          <p:cNvPr id="31" name="그림 1" descr="C:/Users/Admin1/AppData/Roaming/PolarisOffice/ETemp/15980_12108288/fImage1118614641.png"/>
           <p:cNvPicPr>
             <a:picLocks noChangeAspect="1"/>
           </p:cNvPicPr>
           <p:nvPr/>
         </p:nvPicPr>
         <p:blipFill rotWithShape="1">
-          <a:blip r:embed="rId12" cstate="print">
+          <a:blip r:embed="rId16" cstate="print">
             <a:extLst>
               <a:ext uri="{28A0092B-C50C-407E-A947-70E740481C1C}">
                 <a14:useLocalDpi xmlns:a14="http://schemas.microsoft.com/office/drawing/2010/main" val="0"/>
@@ -9014,8 +9939,8 @@
         </p:blipFill>
         <p:spPr>
           <a:xfrm rot="0">
-            <a:off x="6823710" y="1445895"/>
-            <a:ext cx="1247140" cy="1187450"/>
+            <a:off x="6838950" y="1445895"/>
+            <a:ext cx="4115435" cy="3345815"/>
           </a:xfrm>
           <a:prstGeom prst="roundRect"/>
           <a:solidFill>
@@ -9025,14 +9950,14 @@
       </p:pic>
       <p:pic>
         <p:nvPicPr>
-          <p:cNvPr id="27" name="그림 32" descr="C:/Users/Admin1/AppData/Roaming/PolarisOffice/ETemp/26060_11593280/fImage319151646334.png"/>
+          <p:cNvPr id="32" name="그림 8" descr="C:/Users/Admin1/AppData/Roaming/PolarisOffice/ETemp/15980_12108288/fImage42641478467.png"/>
           <p:cNvPicPr>
             <a:picLocks noChangeAspect="1"/>
           </p:cNvPicPr>
           <p:nvPr/>
         </p:nvPicPr>
         <p:blipFill rotWithShape="1">
-          <a:blip r:embed="rId13" cstate="print">
+          <a:blip r:embed="rId17" cstate="print">
             <a:extLst>
               <a:ext uri="{28A0092B-C50C-407E-A947-70E740481C1C}">
                 <a14:useLocalDpi xmlns:a14="http://schemas.microsoft.com/office/drawing/2010/main" val="0"/>
@@ -9045,8 +9970,8 @@
         </p:blipFill>
         <p:spPr>
           <a:xfrm rot="0">
-            <a:off x="8235315" y="1445895"/>
-            <a:ext cx="2727960" cy="1195705"/>
+            <a:off x="1238250" y="3800475"/>
+            <a:ext cx="4115435" cy="1334135"/>
           </a:xfrm>
           <a:prstGeom prst="roundRect"/>
           <a:solidFill>
@@ -9054,261 +9979,6 @@
           </a:solidFill>
         </p:spPr>
       </p:pic>
-      <p:cxnSp>
-        <p:nvCxnSpPr>
-          <p:cNvPr id="28" name="도형 35"/>
-          <p:cNvCxnSpPr/>
-          <p:nvPr/>
-        </p:nvCxnSpPr>
-        <p:spPr>
-          <a:xfrm rot="0" flipH="1">
-            <a:off x="7412355" y="2061210"/>
-            <a:ext cx="2572385" cy="277495"/>
-          </a:xfrm>
-          <a:prstGeom prst="straightConnector1"/>
-          <a:ln w="6350" cap="flat" cmpd="sng">
-            <a:prstDash/>
-            <a:headEnd type="none" w="med" len="med"/>
-            <a:tailEnd type="triangle" w="med" len="med"/>
-          </a:ln>
-        </p:spPr>
-        <p:style>
-          <a:lnRef idx="1">
-            <a:schemeClr val="accent1"/>
-          </a:lnRef>
-          <a:fillRef idx="0">
-            <a:schemeClr val="accent1"/>
-          </a:fillRef>
-          <a:effectRef idx="0">
-            <a:schemeClr val="accent1"/>
-          </a:effectRef>
-          <a:fontRef idx="minor">
-            <a:schemeClr val="tx1"/>
-          </a:fontRef>
-        </p:style>
-      </p:cxnSp>
-      <p:pic>
-        <p:nvPicPr>
-          <p:cNvPr id="29" name="그림 36" descr="C:/Users/Admin1/AppData/Roaming/PolarisOffice/ETemp/26060_11593280/fImage52401666500.png"/>
-          <p:cNvPicPr>
-            <a:picLocks noChangeAspect="1"/>
-          </p:cNvPicPr>
-          <p:nvPr/>
-        </p:nvPicPr>
-        <p:blipFill rotWithShape="1">
-          <a:blip r:embed="rId14" cstate="print">
-            <a:extLst>
-              <a:ext uri="{28A0092B-C50C-407E-A947-70E740481C1C}">
-                <a14:useLocalDpi xmlns:a14="http://schemas.microsoft.com/office/drawing/2010/main" val="0"/>
-              </a:ext>
-            </a:extLst>
-          </a:blip>
-          <a:stretch>
-            <a:fillRect/>
-          </a:stretch>
-        </p:blipFill>
-        <p:spPr>
-          <a:xfrm rot="0">
-            <a:off x="6823710" y="3914140"/>
-            <a:ext cx="1238885" cy="1273175"/>
-          </a:xfrm>
-          <a:prstGeom prst="roundRect"/>
-          <a:solidFill>
-            <a:srgbClr val="EDEDED"/>
-          </a:solidFill>
-        </p:spPr>
-      </p:pic>
-      <p:sp>
-        <p:nvSpPr>
-          <p:cNvPr id="30" name="텍스트 상자 39"/>
-          <p:cNvSpPr txBox="1">
-            <a:spLocks/>
-          </p:cNvSpPr>
-          <p:nvPr/>
-        </p:nvSpPr>
-        <p:spPr>
-          <a:xfrm rot="0">
-            <a:off x="6840855" y="5299075"/>
-            <a:ext cx="4157345" cy="954405"/>
-          </a:xfrm>
-          <a:prstGeom prst="rect"/>
-          <a:noFill/>
-          <a:ln w="0">
-            <a:noFill/>
-            <a:prstDash/>
-          </a:ln>
-        </p:spPr>
-        <p:txBody>
-          <a:bodyPr wrap="square" lIns="89535" tIns="46355" rIns="89535" bIns="46355" numCol="1" vert="horz" anchor="t">
-            <a:spAutoFit/>
-          </a:bodyPr>
-          <a:lstStyle/>
-          <a:p>
-            <a:pPr marL="0" indent="0" rtl="0" algn="l" defTabSz="914400" eaLnBrk="1" latinLnBrk="0" hangingPunct="1">
-              <a:buFontTx/>
-              <a:buNone/>
-            </a:pPr>
-            <a:r>
-              <a:rPr lang="ko-KR" sz="2000" b="1">
-                <a:solidFill>
-                  <a:srgbClr val="0611F2"/>
-                </a:solidFill>
-                <a:latin typeface="맑은 고딕" charset="0"/>
-                <a:ea typeface="맑은 고딕" charset="0"/>
-              </a:rPr>
-              <a:t>9</a:t>
-            </a:r>
-            <a:r>
-              <a:rPr sz="2000" b="1">
-                <a:solidFill>
-                  <a:srgbClr val="0611F2"/>
-                </a:solidFill>
-                <a:latin typeface="맑은 고딕" charset="0"/>
-                <a:ea typeface="맑은 고딕" charset="0"/>
-              </a:rPr>
-              <a:t>.</a:t>
-            </a:r>
-            <a:r>
-              <a:rPr sz="2000">
-                <a:latin typeface="맑은 고딕" charset="0"/>
-                <a:ea typeface="맑은 고딕" charset="0"/>
-              </a:rPr>
-              <a:t> </a:t>
-            </a:r>
-            <a:r>
-              <a:rPr lang="ko-KR" sz="1800">
-                <a:latin typeface="맑은 고딕" charset="0"/>
-                <a:ea typeface="맑은 고딕" charset="0"/>
-              </a:rPr>
-              <a:t>이제</a:t>
-            </a:r>
-            <a:r>
-              <a:rPr lang="ko-KR" sz="1800">
-                <a:latin typeface="맑은 고딕" charset="0"/>
-                <a:ea typeface="맑은 고딕" charset="0"/>
-              </a:rPr>
-              <a:t> Project 폴더</a:t>
-            </a:r>
-            <a:r>
-              <a:rPr lang="ko-KR" sz="1800">
-                <a:latin typeface="맑은 고딕" charset="0"/>
-                <a:ea typeface="맑은 고딕" charset="0"/>
-              </a:rPr>
-              <a:t> 아래에 있는 </a:t>
-            </a:r>
-            <a:r>
-              <a:rPr lang="ko-KR" sz="1800">
-                <a:latin typeface="맑은 고딕" charset="0"/>
-                <a:ea typeface="맑은 고딕" charset="0"/>
-              </a:rPr>
-              <a:t>Texture</a:t>
-            </a:r>
-            <a:r>
-              <a:rPr lang="ko-KR" sz="1800">
-                <a:latin typeface="맑은 고딕" charset="0"/>
-                <a:ea typeface="맑은 고딕" charset="0"/>
-              </a:rPr>
-              <a:t> 폴더</a:t>
-            </a:r>
-            <a:r>
-              <a:rPr lang="ko-KR" sz="1800">
-                <a:latin typeface="맑은 고딕" charset="0"/>
-                <a:ea typeface="맑은 고딕" charset="0"/>
-              </a:rPr>
-              <a:t>에</a:t>
-            </a:r>
-            <a:r>
-              <a:rPr lang="ko-KR" sz="1800">
-                <a:latin typeface="맑은 고딕" charset="0"/>
-                <a:ea typeface="맑은 고딕" charset="0"/>
-              </a:rPr>
-              <a:t> Earth </a:t>
-            </a:r>
-            <a:r>
-              <a:rPr lang="ko-KR" sz="1800">
-                <a:latin typeface="맑은 고딕" charset="0"/>
-                <a:ea typeface="맑은 고딕" charset="0"/>
-              </a:rPr>
-              <a:t>텍스처</a:t>
-            </a:r>
-            <a:r>
-              <a:rPr lang="ko-KR" sz="1800">
-                <a:latin typeface="맑은 고딕" charset="0"/>
-                <a:ea typeface="맑은 고딕" charset="0"/>
-              </a:rPr>
-              <a:t>를 선택하고 Earth 오브젝트에 넣어줍니다.</a:t>
-            </a:r>
-            <a:endParaRPr lang="ko-KR" altLang="en-US" sz="1800">
-              <a:latin typeface="맑은 고딕" charset="0"/>
-              <a:ea typeface="맑은 고딕" charset="0"/>
-            </a:endParaRPr>
-          </a:p>
-        </p:txBody>
-      </p:sp>
-      <p:pic>
-        <p:nvPicPr>
-          <p:cNvPr id="31" name="그림 40" descr="C:/Users/Admin1/AppData/Roaming/PolarisOffice/ETemp/26060_11593280/fImage318351689169.png"/>
-          <p:cNvPicPr>
-            <a:picLocks noChangeAspect="1"/>
-          </p:cNvPicPr>
-          <p:nvPr/>
-        </p:nvPicPr>
-        <p:blipFill rotWithShape="1">
-          <a:blip r:embed="rId15" cstate="print">
-            <a:extLst>
-              <a:ext uri="{28A0092B-C50C-407E-A947-70E740481C1C}">
-                <a14:useLocalDpi xmlns:a14="http://schemas.microsoft.com/office/drawing/2010/main" val="0"/>
-              </a:ext>
-            </a:extLst>
-          </a:blip>
-          <a:stretch>
-            <a:fillRect/>
-          </a:stretch>
-        </p:blipFill>
-        <p:spPr>
-          <a:xfrm rot="0">
-            <a:off x="8243570" y="3905250"/>
-            <a:ext cx="2732405" cy="1273810"/>
-          </a:xfrm>
-          <a:prstGeom prst="roundRect"/>
-          <a:solidFill>
-            <a:srgbClr val="EDEDED"/>
-          </a:solidFill>
-        </p:spPr>
-      </p:pic>
-      <p:cxnSp>
-        <p:nvCxnSpPr>
-          <p:cNvPr id="32" name="도형 43"/>
-          <p:cNvCxnSpPr/>
-          <p:nvPr/>
-        </p:nvCxnSpPr>
-        <p:spPr>
-          <a:xfrm rot="0" flipH="1">
-            <a:off x="7473315" y="4650105"/>
-            <a:ext cx="840105" cy="390525"/>
-          </a:xfrm>
-          <a:prstGeom prst="straightConnector1"/>
-          <a:ln w="6350" cap="flat" cmpd="sng">
-            <a:prstDash/>
-            <a:headEnd type="none" w="med" len="med"/>
-            <a:tailEnd type="triangle" w="med" len="med"/>
-          </a:ln>
-        </p:spPr>
-        <p:style>
-          <a:lnRef idx="1">
-            <a:schemeClr val="accent1"/>
-          </a:lnRef>
-          <a:fillRef idx="0">
-            <a:schemeClr val="accent1"/>
-          </a:fillRef>
-          <a:effectRef idx="0">
-            <a:schemeClr val="accent1"/>
-          </a:effectRef>
-          <a:fontRef idx="minor">
-            <a:schemeClr val="tx1"/>
-          </a:fontRef>
-        </p:style>
-      </p:cxnSp>
     </p:spTree>
   </p:cSld>
   <p:clrMapOvr>
@@ -9448,9 +10118,9 @@
           <p:nvPr/>
         </p:nvSpPr>
         <p:spPr>
-          <a:xfrm rot="0">
+          <a:xfrm>
             <a:off x="6816725" y="4168140"/>
-            <a:ext cx="4146550" cy="2061845"/>
+            <a:ext cx="4147185" cy="2061845"/>
           </a:xfrm>
           <a:prstGeom prst="rect"/>
           <a:noFill/>
@@ -9477,7 +10147,17 @@
                 <a:latin typeface="맑은 고딕" charset="0"/>
                 <a:ea typeface="맑은 고딕" charset="0"/>
               </a:rPr>
-              <a:t>12</a:t>
+              <a:t>1</a:t>
+            </a:r>
+            <a:r>
+              <a:rPr lang="ko-KR" sz="2000" b="1">
+                <a:solidFill>
+                  <a:srgbClr val="0611F2"/>
+                </a:solidFill>
+                <a:latin typeface="맑은 고딕" charset="0"/>
+                <a:ea typeface="맑은 고딕" charset="0"/>
+              </a:rPr>
+              <a:t>1</a:t>
             </a:r>
             <a:r>
               <a:rPr sz="2000" b="1">
@@ -9501,21 +10181,7 @@
                 <a:latin typeface="맑은 고딕" charset="0"/>
                 <a:ea typeface="맑은 고딕" charset="0"/>
               </a:rPr>
-              <a:t>그</a:t>
-            </a:r>
-            <a:r>
-              <a:rPr lang="ko-KR" sz="1800">
-                <a:latin typeface="맑은 고딕" charset="0"/>
-                <a:ea typeface="맑은 고딕" charset="0"/>
-              </a:rPr>
-              <a:t>런 다음</a:t>
-            </a:r>
-            <a:r>
-              <a:rPr lang="ko-KR" sz="1800">
-                <a:latin typeface="맑은 고딕" charset="0"/>
-                <a:ea typeface="맑은 고딕" charset="0"/>
-              </a:rPr>
-              <a:t> Observe 스크립트에서  게임 오브젝트 변수를 선언합니다.</a:t>
+              <a:t>그런 다음 Observe 스크립트에서  게임 오브젝트 변수를 선언합니다.</a:t>
             </a:r>
             <a:endParaRPr lang="ko-KR" altLang="en-US" sz="1800">
               <a:latin typeface="맑은 고딕" charset="0"/>
@@ -9542,21 +10208,14 @@
                 <a:latin typeface="맑은 고딕" charset="0"/>
                 <a:ea typeface="맑은 고딕" charset="0"/>
               </a:rPr>
-              <a:t>마지막으로</a:t>
+              <a:t>그다음으로</a:t>
             </a:r>
             <a:r>
               <a:rPr lang="ko-KR" sz="1800">
                 <a:latin typeface="맑은 고딕" charset="0"/>
                 <a:ea typeface="맑은 고딕" charset="0"/>
               </a:rPr>
-              <a:t> </a:t>
-            </a:r>
-            <a:r>
-              <a:rPr lang="ko-KR" sz="1800">
-                <a:latin typeface="맑은 고딕" charset="0"/>
-                <a:ea typeface="맑은 고딕" charset="0"/>
-              </a:rPr>
-              <a:t>LookCoroutine( ) 코루틴 함수를 선언하고 EarthObservation( ) 함수를 생성한 다음 LookCoroutine( ) 코루틴 함수를 호출하도록 정의합니다.</a:t>
+              <a:t> LookCoroutine( ) 코루틴 함수를 선언하고 EarthObservation( ) 함수를 생성한 다음 LookCoroutine( ) 코루틴 함수를 호출하도록 정의합니다.</a:t>
             </a:r>
             <a:endParaRPr lang="ko-KR" altLang="en-US" sz="1800">
               <a:latin typeface="맑은 고딕" charset="0"/>
@@ -9574,9 +10233,9 @@
           <p:nvPr/>
         </p:nvSpPr>
         <p:spPr>
-          <a:xfrm rot="0">
+          <a:xfrm>
             <a:off x="1222375" y="2719070"/>
-            <a:ext cx="4163695" cy="954405"/>
+            <a:ext cx="4164330" cy="954405"/>
           </a:xfrm>
           <a:prstGeom prst="rect"/>
           <a:noFill/>
@@ -9603,7 +10262,7 @@
                 <a:latin typeface="맑은 고딕" charset="0"/>
                 <a:ea typeface="맑은 고딕" charset="0"/>
               </a:rPr>
-              <a:t>10</a:t>
+              <a:t>9</a:t>
             </a:r>
             <a:r>
               <a:rPr sz="2000" b="1">
@@ -9627,7 +10286,7 @@
                 <a:latin typeface="맑은 고딕" charset="0"/>
                 <a:ea typeface="맑은 고딕" charset="0"/>
               </a:rPr>
-              <a:t>그다음</a:t>
+              <a:t>이제</a:t>
             </a:r>
             <a:r>
               <a:rPr lang="ko-KR" sz="1800">
@@ -9645,7 +10304,7 @@
       </p:sp>
       <p:pic>
         <p:nvPicPr>
-          <p:cNvPr id="30" name="그림 26" descr="C:/Users/Admin1/AppData/Roaming/PolarisOffice/ETemp/26060_11593280/fImage52101549358.png"/>
+          <p:cNvPr id="30" name="그림 26"/>
           <p:cNvPicPr>
             <a:picLocks noChangeAspect="1"/>
           </p:cNvPicPr>
@@ -9676,7 +10335,7 @@
       </p:pic>
       <p:pic>
         <p:nvPicPr>
-          <p:cNvPr id="31" name="그림 6" descr="C:/Users/Admin1/AppData/Roaming/PolarisOffice/ETemp/26060_11593280/fImage96171485724.png"/>
+          <p:cNvPr id="31" name="그림 6"/>
           <p:cNvPicPr>
             <a:picLocks noChangeAspect="1"/>
           </p:cNvPicPr>
@@ -9739,7 +10398,7 @@
       </p:cxnSp>
       <p:pic>
         <p:nvPicPr>
-          <p:cNvPr id="32" name="그림 9" descr="C:/Users/Admin1/AppData/Roaming/PolarisOffice/ETemp/26060_11593280/fImage112872242382.png"/>
+          <p:cNvPr id="32" name="그림 9"/>
           <p:cNvPicPr>
             <a:picLocks noChangeAspect="1"/>
           </p:cNvPicPr>
@@ -9777,9 +10436,9 @@
           <p:nvPr/>
         </p:nvSpPr>
         <p:spPr>
-          <a:xfrm rot="0">
+          <a:xfrm>
             <a:off x="1219200" y="5272405"/>
-            <a:ext cx="4135120" cy="954405"/>
+            <a:ext cx="4135755" cy="954405"/>
           </a:xfrm>
           <a:prstGeom prst="rect"/>
           <a:noFill/>
@@ -9816,7 +10475,7 @@
                 <a:latin typeface="맑은 고딕" charset="0"/>
                 <a:ea typeface="맑은 고딕" charset="0"/>
               </a:rPr>
-              <a:t>1</a:t>
+              <a:t>0</a:t>
             </a:r>
             <a:r>
               <a:rPr sz="2000" b="1">
@@ -9840,21 +10499,7 @@
                 <a:latin typeface="맑은 고딕" charset="0"/>
                 <a:ea typeface="맑은 고딕" charset="0"/>
               </a:rPr>
-              <a:t>그</a:t>
-            </a:r>
-            <a:r>
-              <a:rPr lang="ko-KR" sz="1800">
-                <a:latin typeface="맑은 고딕" charset="0"/>
-                <a:ea typeface="맑은 고딕" charset="0"/>
-              </a:rPr>
-              <a:t>리고</a:t>
-            </a:r>
-            <a:r>
-              <a:rPr lang="ko-KR" sz="1800">
-                <a:latin typeface="맑은 고딕" charset="0"/>
-                <a:ea typeface="맑은 고딕" charset="0"/>
-              </a:rPr>
-              <a:t> Earth 오브젝트와 Sun 오브젝트의 위치와 크기값을 설정합니다.</a:t>
+              <a:t>그리고 Earth 오브젝트와 Sun 오브젝트의 위치와 크기값을 설정합니다.</a:t>
             </a:r>
             <a:endParaRPr lang="ko-KR" altLang="en-US" sz="1800">
               <a:latin typeface="맑은 고딕" charset="0"/>
@@ -9865,7 +10510,7 @@
       </p:sp>
       <p:pic>
         <p:nvPicPr>
-          <p:cNvPr id="34" name="그림 11" descr="C:/Users/Admin1/AppData/Roaming/PolarisOffice/ETemp/26060_11593280/fImage443601511478.png"/>
+          <p:cNvPr id="34" name="그림 11"/>
           <p:cNvPicPr>
             <a:picLocks noChangeAspect="1"/>
           </p:cNvPicPr>
@@ -10115,7 +10760,7 @@
       </p:sp>
       <p:pic>
         <p:nvPicPr>
-          <p:cNvPr id="5" name="그림 8" descr="C:/Users/Admin1/AppData/Roaming/PolarisOffice/ETemp/26060_11593280/fImage179831186500.png"/>
+          <p:cNvPr id="5" name="그림 8"/>
           <p:cNvPicPr>
             <a:picLocks noChangeAspect="1"/>
           </p:cNvPicPr>
@@ -10197,7 +10842,7 @@
       </p:sp>
       <p:pic>
         <p:nvPicPr>
-          <p:cNvPr id="7" name="그림 96" descr="C:/Users/Admin1/AppData/Roaming/PolarisOffice/ETemp/26060_11593280/fImage64702164604.png"/>
+          <p:cNvPr id="7" name="그림 96"/>
           <p:cNvPicPr>
             <a:picLocks noChangeAspect="1"/>
           </p:cNvPicPr>
@@ -10326,9 +10971,9 @@
           <p:nvPr/>
         </p:nvSpPr>
         <p:spPr>
-          <a:xfrm rot="0">
+          <a:xfrm>
             <a:off x="4340860" y="447040"/>
-            <a:ext cx="3513455" cy="554990"/>
+            <a:ext cx="3514090" cy="478155"/>
           </a:xfrm>
           <a:prstGeom prst="rect"/>
           <a:noFill/>
@@ -10343,43 +10988,43 @@
           </a:bodyPr>
           <a:lstStyle/>
           <a:p>
-            <a:pPr marL="0" indent="0" rtl="0" algn="l" defTabSz="914400" eaLnBrk="1" latinLnBrk="0" hangingPunct="1">
-              <a:buFontTx/>
-              <a:buNone/>
-            </a:pPr>
-            <a:r>
-              <a:rPr sz="3000" b="1">
+            <a:pPr marL="0" indent="0" rtl="0" algn="ctr" defTabSz="914400" eaLnBrk="1" latinLnBrk="0" hangingPunct="1">
+              <a:buFontTx/>
+              <a:buNone/>
+            </a:pPr>
+            <a:r>
+              <a:rPr sz="2500" b="1">
                 <a:solidFill>
                   <a:schemeClr val="tx1"/>
                 </a:solidFill>
-                <a:latin typeface="맑은 고딕" charset="0"/>
-                <a:ea typeface="맑은 고딕" charset="0"/>
+                <a:latin typeface="나눔바른고딕" charset="0"/>
+                <a:ea typeface="나눔바른고딕" charset="0"/>
               </a:rPr>
               <a:t>다</a:t>
             </a:r>
             <a:r>
-              <a:rPr lang="ko-KR" sz="3000" b="1">
+              <a:rPr lang="ko-KR" sz="2500" b="1">
                 <a:solidFill>
                   <a:schemeClr val="tx1"/>
                 </a:solidFill>
-                <a:latin typeface="맑은 고딕" charset="0"/>
-                <a:ea typeface="맑은 고딕" charset="0"/>
+                <a:latin typeface="나눔바른고딕" charset="0"/>
+                <a:ea typeface="나눔바른고딕" charset="0"/>
               </a:rPr>
               <a:t>섯 번째 튜토리얼</a:t>
             </a:r>
-            <a:endParaRPr lang="ko-KR" altLang="en-US" sz="3000" b="1">
+            <a:endParaRPr lang="ko-KR" altLang="en-US" sz="2500" b="1">
               <a:solidFill>
                 <a:schemeClr val="tx1"/>
               </a:solidFill>
-              <a:latin typeface="맑은 고딕" charset="0"/>
-              <a:ea typeface="맑은 고딕" charset="0"/>
+              <a:latin typeface="나눔바른고딕" charset="0"/>
+              <a:ea typeface="나눔바른고딕" charset="0"/>
             </a:endParaRPr>
           </a:p>
         </p:txBody>
       </p:sp>
       <p:pic>
         <p:nvPicPr>
-          <p:cNvPr id="8" name="그림 107" descr="C:/Users/Admin1/AppData/Roaming/PolarisOffice/ETemp/26060_11593280/fImage6638220153.png"/>
+          <p:cNvPr id="8" name="그림 107" descr="C:/Users/Admin1/AppData/Roaming/PolarisOffice/ETemp/15980_12108288/fImage6638220153.png"/>
           <p:cNvPicPr>
             <a:picLocks noChangeAspect="1"/>
           </p:cNvPicPr>
@@ -10399,8 +11044,8 @@
         </p:blipFill>
         <p:spPr>
           <a:xfrm rot="0">
-            <a:off x="8087995" y="1446530"/>
-            <a:ext cx="2877820" cy="1256030"/>
+            <a:off x="8027035" y="1446530"/>
+            <a:ext cx="2939415" cy="1195070"/>
           </a:xfrm>
           <a:prstGeom prst="roundRect"/>
           <a:solidFill>
@@ -10418,8 +11063,8 @@
         </p:nvSpPr>
         <p:spPr>
           <a:xfrm rot="0">
-            <a:off x="6824980" y="2809875"/>
-            <a:ext cx="4140835" cy="954405"/>
+            <a:off x="6824980" y="2748280"/>
+            <a:ext cx="4147185" cy="954405"/>
           </a:xfrm>
           <a:prstGeom prst="rect"/>
           <a:noFill/>
@@ -10446,7 +11091,17 @@
                 <a:latin typeface="맑은 고딕" charset="0"/>
                 <a:ea typeface="맑은 고딕" charset="0"/>
               </a:rPr>
-              <a:t>14</a:t>
+              <a:t>1</a:t>
+            </a:r>
+            <a:r>
+              <a:rPr lang="ko-KR" sz="2000" b="1">
+                <a:solidFill>
+                  <a:srgbClr val="0611F2"/>
+                </a:solidFill>
+                <a:latin typeface="맑은 고딕" charset="0"/>
+                <a:ea typeface="맑은 고딕" charset="0"/>
+              </a:rPr>
+              <a:t>3</a:t>
             </a:r>
             <a:r>
               <a:rPr sz="2000" b="1">
@@ -10470,14 +11125,7 @@
                 <a:latin typeface="맑은 고딕" charset="0"/>
                 <a:ea typeface="맑은 고딕" charset="0"/>
               </a:rPr>
-              <a:t>그리고</a:t>
-            </a:r>
-            <a:r>
-              <a:rPr lang="ko-KR" sz="1800">
-                <a:latin typeface="맑은 고딕" charset="0"/>
-                <a:ea typeface="맑은 고딕" charset="0"/>
-              </a:rPr>
-              <a:t> StoneMonster의 Observe 스크립트에 Target으로 Sun 오브젝트를 넣어줍니다. </a:t>
+              <a:t>그리고 StoneMonster의 Observe 스크립트에 Target으로 Sun 오브젝트를 넣어줍니다. </a:t>
             </a:r>
             <a:endParaRPr lang="ko-KR" altLang="en-US" sz="1800">
               <a:latin typeface="맑은 고딕" charset="0"/>
@@ -10495,9 +11143,9 @@
           <p:nvPr/>
         </p:nvSpPr>
         <p:spPr>
-          <a:xfrm rot="0">
+          <a:xfrm>
             <a:off x="1238885" y="5236845"/>
-            <a:ext cx="4131945" cy="954405"/>
+            <a:ext cx="4132580" cy="954405"/>
           </a:xfrm>
           <a:prstGeom prst="rect"/>
           <a:noFill/>
@@ -10534,7 +11182,7 @@
                 <a:latin typeface="맑은 고딕" charset="0"/>
                 <a:ea typeface="맑은 고딕" charset="0"/>
               </a:rPr>
-              <a:t>3</a:t>
+              <a:t>2</a:t>
             </a:r>
             <a:r>
               <a:rPr sz="2000" b="1">
@@ -10558,14 +11206,7 @@
                 <a:latin typeface="맑은 고딕" charset="0"/>
                 <a:ea typeface="맑은 고딕" charset="0"/>
               </a:rPr>
-              <a:t>이제</a:t>
-            </a:r>
-            <a:r>
-              <a:rPr lang="ko-KR" sz="1800">
-                <a:latin typeface="맑은 고딕" charset="0"/>
-                <a:ea typeface="맑은 고딕" charset="0"/>
-              </a:rPr>
-              <a:t> 3D Object에서 Sphere 오브젝트를 생성하고 Moon이라는 이름으로 정의합니다.</a:t>
+              <a:t>이제 3D Object에서 Sphere 오브젝트를 생성하고 Moon이라는 이름으로 정의합니다.</a:t>
             </a:r>
             <a:endParaRPr lang="ko-KR" altLang="en-US" sz="1800">
               <a:latin typeface="맑은 고딕" charset="0"/>
@@ -10576,7 +11217,7 @@
       </p:sp>
       <p:pic>
         <p:nvPicPr>
-          <p:cNvPr id="19" name="그림 15" descr="C:/Users/Admin1/AppData/Roaming/PolarisOffice/ETemp/26060_11593280/fImage150911686962.png"/>
+          <p:cNvPr id="19" name="그림 15"/>
           <p:cNvPicPr>
             <a:picLocks noChangeAspect="1"/>
           </p:cNvPicPr>
@@ -10607,7 +11248,7 @@
       </p:pic>
       <p:pic>
         <p:nvPicPr>
-          <p:cNvPr id="20" name="그림 17" descr="C:/Users/Admin1/AppData/Roaming/PolarisOffice/ETemp/26060_11593280/fImage55991559358.png"/>
+          <p:cNvPr id="20" name="그림 17"/>
           <p:cNvPicPr>
             <a:picLocks noChangeAspect="1"/>
           </p:cNvPicPr>
@@ -10638,17 +11279,17 @@
       </p:pic>
       <p:pic>
         <p:nvPicPr>
-          <p:cNvPr id="21" name="그림 20" descr="C:/Users/Admin1/AppData/Roaming/PolarisOffice/ETemp/26060_11593280/fImage56171566962.png"/>
+          <p:cNvPr id="21" name="그림 20" descr="C:/Users/Admin1/AppData/Roaming/PolarisOffice/ETemp/15980_12108288/fImage56171566962.png"/>
           <p:cNvPicPr>
             <a:picLocks noChangeAspect="1"/>
           </p:cNvPicPr>
           <p:nvPr/>
         </p:nvPicPr>
         <p:blipFill rotWithShape="1">
-          <a:blip r:embed="rId12" cstate="print">
+          <a:blip r:embed="rId12" cstate="hqprint">
             <a:extLst>
               <a:ext uri="{28A0092B-C50C-407E-A947-70E740481C1C}">
-                <a14:useLocalDpi xmlns:a14="http://schemas.microsoft.com/office/drawing/2010/main" val="0"/>
+                <a14:useLocalDpi xmlns:a14="http://schemas.microsoft.com/office/drawing/2010/main"/>
               </a:ext>
             </a:extLst>
           </a:blip>
@@ -10659,7 +11300,7 @@
         <p:spPr>
           <a:xfrm rot="0">
             <a:off x="6833235" y="1438275"/>
-            <a:ext cx="1106170" cy="1261745"/>
+            <a:ext cx="1106805" cy="1199515"/>
           </a:xfrm>
           <a:prstGeom prst="roundRect"/>
           <a:solidFill>
@@ -10674,9 +11315,9 @@
           <p:nvPr/>
         </p:nvCxnSpPr>
         <p:spPr>
-          <a:xfrm rot="0">
-            <a:off x="7390130" y="2410460"/>
-            <a:ext cx="3500755" cy="17780"/>
+          <a:xfrm rot="0" flipV="1">
+            <a:off x="7378065" y="2381250"/>
+            <a:ext cx="3481070" cy="9525"/>
           </a:xfrm>
           <a:prstGeom prst="straightConnector1"/>
           <a:ln w="6350" cap="flat" cmpd="sng">
@@ -10699,146 +11340,47 @@
           </a:fontRef>
         </p:style>
       </p:cxnSp>
-      <p:sp>
-        <p:nvSpPr>
-          <p:cNvPr id="22" name="텍스트 상자 23"/>
-          <p:cNvSpPr txBox="1">
-            <a:spLocks/>
-          </p:cNvSpPr>
-          <p:nvPr/>
-        </p:nvSpPr>
-        <p:spPr>
-          <a:xfrm rot="0">
-            <a:off x="6824980" y="5234305"/>
-            <a:ext cx="4140835" cy="954405"/>
-          </a:xfrm>
-          <a:prstGeom prst="rect"/>
-          <a:noFill/>
-          <a:ln w="0">
-            <a:noFill/>
-            <a:prstDash/>
-          </a:ln>
-        </p:spPr>
-        <p:txBody>
-          <a:bodyPr wrap="square" lIns="89535" tIns="46355" rIns="89535" bIns="46355" numCol="1" vert="horz" anchor="t">
-            <a:spAutoFit/>
-          </a:bodyPr>
-          <a:lstStyle/>
-          <a:p>
-            <a:pPr marL="0" indent="0" rtl="0" algn="l" defTabSz="914400" eaLnBrk="1" latinLnBrk="0" hangingPunct="1">
-              <a:buFontTx/>
-              <a:buNone/>
-            </a:pPr>
-            <a:r>
-              <a:rPr lang="ko-KR" sz="2000" b="1">
-                <a:solidFill>
-                  <a:srgbClr val="0611F2"/>
-                </a:solidFill>
-                <a:latin typeface="맑은 고딕" charset="0"/>
-                <a:ea typeface="맑은 고딕" charset="0"/>
-              </a:rPr>
-              <a:t>1</a:t>
-            </a:r>
-            <a:r>
-              <a:rPr lang="ko-KR" sz="2000" b="1">
-                <a:solidFill>
-                  <a:srgbClr val="0611F2"/>
-                </a:solidFill>
-                <a:latin typeface="맑은 고딕" charset="0"/>
-                <a:ea typeface="맑은 고딕" charset="0"/>
-              </a:rPr>
-              <a:t>5</a:t>
-            </a:r>
-            <a:r>
-              <a:rPr sz="2000" b="1">
-                <a:solidFill>
-                  <a:srgbClr val="0611F2"/>
-                </a:solidFill>
-                <a:latin typeface="맑은 고딕" charset="0"/>
-                <a:ea typeface="맑은 고딕" charset="0"/>
-              </a:rPr>
-              <a:t>.</a:t>
-            </a:r>
-            <a:r>
-              <a:rPr sz="2000">
-                <a:latin typeface="맑은 고딕" charset="0"/>
-                <a:ea typeface="맑은 고딕" charset="0"/>
-              </a:rPr>
-              <a:t> </a:t>
-            </a:r>
-            <a:r>
-              <a:rPr lang="ko-KR" sz="1800">
-                <a:latin typeface="맑은 고딕" charset="0"/>
-                <a:ea typeface="맑은 고딕" charset="0"/>
-              </a:rPr>
-              <a:t>그다음</a:t>
-            </a:r>
-            <a:r>
-              <a:rPr lang="ko-KR" sz="1800">
-                <a:latin typeface="맑은 고딕" charset="0"/>
-                <a:ea typeface="맑은 고딕" charset="0"/>
-              </a:rPr>
-              <a:t> Project 폴더</a:t>
-            </a:r>
-            <a:r>
-              <a:rPr lang="ko-KR" sz="1800">
-                <a:latin typeface="맑은 고딕" charset="0"/>
-                <a:ea typeface="맑은 고딕" charset="0"/>
-              </a:rPr>
-              <a:t> 아래에 있는</a:t>
-            </a:r>
-            <a:r>
-              <a:rPr lang="ko-KR" sz="1800">
-                <a:latin typeface="맑은 고딕" charset="0"/>
-                <a:ea typeface="맑은 고딕" charset="0"/>
-              </a:rPr>
-              <a:t> Texture</a:t>
-            </a:r>
-            <a:r>
-              <a:rPr lang="ko-KR" sz="1800">
-                <a:latin typeface="맑은 고딕" charset="0"/>
-                <a:ea typeface="맑은 고딕" charset="0"/>
-              </a:rPr>
-              <a:t> 폴더</a:t>
-            </a:r>
-            <a:r>
-              <a:rPr lang="ko-KR" sz="1800">
-                <a:latin typeface="맑은 고딕" charset="0"/>
-                <a:ea typeface="맑은 고딕" charset="0"/>
-              </a:rPr>
-              <a:t>에 Moon 텍스처를</a:t>
-            </a:r>
-            <a:r>
-              <a:rPr lang="ko-KR" sz="1800">
-                <a:latin typeface="맑은 고딕" charset="0"/>
-                <a:ea typeface="맑은 고딕" charset="0"/>
-              </a:rPr>
-              <a:t> 선택한 다음</a:t>
-            </a:r>
-            <a:r>
-              <a:rPr lang="ko-KR" sz="1800">
-                <a:latin typeface="맑은 고딕" charset="0"/>
-                <a:ea typeface="맑은 고딕" charset="0"/>
-              </a:rPr>
-              <a:t> Moon 오브젝트에 넣어줍니다.</a:t>
-            </a:r>
-            <a:endParaRPr lang="ko-KR" altLang="en-US" sz="1800">
-              <a:latin typeface="맑은 고딕" charset="0"/>
-              <a:ea typeface="맑은 고딕" charset="0"/>
-            </a:endParaRPr>
-          </a:p>
-        </p:txBody>
-      </p:sp>
       <p:pic>
         <p:nvPicPr>
-          <p:cNvPr id="23" name="그림 24" descr="C:/Users/Admin1/AppData/Roaming/PolarisOffice/ETemp/26060_11593280/fImage268271906500.png"/>
+          <p:cNvPr id="22" name="그림 11" descr="C:/Users/Admin1/AppData/Roaming/PolarisOffice/ETemp/15980_12108288/fImage88391486334.png"/>
           <p:cNvPicPr>
             <a:picLocks noChangeAspect="1"/>
           </p:cNvPicPr>
           <p:nvPr/>
         </p:nvPicPr>
         <p:blipFill rotWithShape="1">
-          <a:blip r:embed="rId13" cstate="hqprint">
+          <a:blip r:embed="rId15" cstate="print">
+            <a:extLst>
+              <a:ext uri="{28A0092B-C50C-407E-A947-70E740481C1C}">
+                <a14:useLocalDpi xmlns:a14="http://schemas.microsoft.com/office/drawing/2010/main" val="0"/>
+              </a:ext>
+            </a:extLst>
+          </a:blip>
+          <a:stretch>
+            <a:fillRect/>
+          </a:stretch>
+        </p:blipFill>
+        <p:spPr>
+          <a:xfrm rot="0">
+            <a:off x="8027035" y="3818890"/>
+            <a:ext cx="2936240" cy="1308100"/>
+          </a:xfrm>
+          <a:prstGeom prst="roundRect"/>
+          <a:solidFill>
+            <a:srgbClr val="EDEDED"/>
+          </a:solidFill>
+        </p:spPr>
+      </p:pic>
+      <p:pic>
+        <p:nvPicPr>
+          <p:cNvPr id="23" name="그림 15" descr="C:/Users/Admin1/AppData/Roaming/PolarisOffice/ETemp/15980_12108288/fImage55991559358.png"/>
+          <p:cNvPicPr>
+            <a:picLocks noChangeAspect="1"/>
+          </p:cNvPicPr>
+          <p:nvPr/>
+        </p:nvPicPr>
+        <p:blipFill rotWithShape="1">
+          <a:blip r:embed="rId11" cstate="hqprint">
             <a:extLst>
               <a:ext uri="{28A0092B-C50C-407E-A947-70E740481C1C}">
                 <a14:useLocalDpi xmlns:a14="http://schemas.microsoft.com/office/drawing/2010/main"/>
@@ -10851,8 +11393,8 @@
         </p:blipFill>
         <p:spPr>
           <a:xfrm rot="0">
-            <a:off x="8180070" y="3915410"/>
-            <a:ext cx="2785745" cy="1205865"/>
+            <a:off x="6840855" y="3810000"/>
+            <a:ext cx="1100455" cy="1316990"/>
           </a:xfrm>
           <a:prstGeom prst="roundRect"/>
           <a:solidFill>
@@ -10860,47 +11402,118 @@
           </a:solidFill>
         </p:spPr>
       </p:pic>
-      <p:pic>
-        <p:nvPicPr>
-          <p:cNvPr id="24" name="그림 25" descr="C:/Users/Admin1/AppData/Roaming/PolarisOffice/ETemp/26060_11593280/fImage55991594464.png"/>
-          <p:cNvPicPr>
-            <a:picLocks noChangeAspect="1"/>
-          </p:cNvPicPr>
-          <p:nvPr/>
-        </p:nvPicPr>
-        <p:blipFill rotWithShape="1">
-          <a:blip r:embed="rId14" cstate="print">
-            <a:extLst>
-              <a:ext uri="{28A0092B-C50C-407E-A947-70E740481C1C}">
-                <a14:useLocalDpi xmlns:a14="http://schemas.microsoft.com/office/drawing/2010/main" val="0"/>
-              </a:ext>
-            </a:extLst>
-          </a:blip>
-          <a:stretch>
-            <a:fillRect/>
-          </a:stretch>
-        </p:blipFill>
-        <p:spPr>
-          <a:xfrm rot="0">
-            <a:off x="6858000" y="3912235"/>
-            <a:ext cx="1172845" cy="1217930"/>
-          </a:xfrm>
-          <a:prstGeom prst="roundRect"/>
-          <a:solidFill>
-            <a:srgbClr val="EDEDED"/>
-          </a:solidFill>
-        </p:spPr>
-      </p:pic>
+      <p:sp>
+        <p:nvSpPr>
+          <p:cNvPr id="24" name="텍스트 상자 16"/>
+          <p:cNvSpPr txBox="1">
+            <a:spLocks/>
+          </p:cNvSpPr>
+          <p:nvPr/>
+        </p:nvSpPr>
+        <p:spPr>
+          <a:xfrm rot="0">
+            <a:off x="6827520" y="5236210"/>
+            <a:ext cx="4138295" cy="954405"/>
+          </a:xfrm>
+          <a:prstGeom prst="rect"/>
+          <a:noFill/>
+          <a:ln w="0">
+            <a:noFill/>
+            <a:prstDash/>
+          </a:ln>
+        </p:spPr>
+        <p:txBody>
+          <a:bodyPr wrap="square" lIns="89535" tIns="46355" rIns="89535" bIns="46355" numCol="1" vert="horz" anchor="t">
+            <a:spAutoFit/>
+          </a:bodyPr>
+          <a:lstStyle/>
+          <a:p>
+            <a:pPr marL="0" indent="0" rtl="0" algn="l" defTabSz="914400" eaLnBrk="1" latinLnBrk="0" hangingPunct="1">
+              <a:buFontTx/>
+              <a:buNone/>
+            </a:pPr>
+            <a:r>
+              <a:rPr lang="ko-KR" sz="2000" b="1">
+                <a:solidFill>
+                  <a:srgbClr val="0611F2"/>
+                </a:solidFill>
+                <a:latin typeface="맑은 고딕" charset="0"/>
+                <a:ea typeface="맑은 고딕" charset="0"/>
+              </a:rPr>
+              <a:t>1</a:t>
+            </a:r>
+            <a:r>
+              <a:rPr lang="ko-KR" sz="2000" b="1">
+                <a:solidFill>
+                  <a:srgbClr val="0611F2"/>
+                </a:solidFill>
+                <a:latin typeface="맑은 고딕" charset="0"/>
+                <a:ea typeface="맑은 고딕" charset="0"/>
+              </a:rPr>
+              <a:t>4</a:t>
+            </a:r>
+            <a:r>
+              <a:rPr sz="2000" b="1">
+                <a:solidFill>
+                  <a:srgbClr val="0611F2"/>
+                </a:solidFill>
+                <a:latin typeface="맑은 고딕" charset="0"/>
+                <a:ea typeface="맑은 고딕" charset="0"/>
+              </a:rPr>
+              <a:t>.</a:t>
+            </a:r>
+            <a:r>
+              <a:rPr sz="2000">
+                <a:latin typeface="맑은 고딕" charset="0"/>
+                <a:ea typeface="맑은 고딕" charset="0"/>
+              </a:rPr>
+              <a:t> </a:t>
+            </a:r>
+            <a:r>
+              <a:rPr lang="ko-KR" sz="1800">
+                <a:latin typeface="맑은 고딕" charset="0"/>
+                <a:ea typeface="맑은 고딕" charset="0"/>
+              </a:rPr>
+              <a:t>그</a:t>
+            </a:r>
+            <a:r>
+              <a:rPr lang="ko-KR" sz="1800">
+                <a:latin typeface="맑은 고딕" charset="0"/>
+                <a:ea typeface="맑은 고딕" charset="0"/>
+              </a:rPr>
+              <a:t>다음으로 Earth 오브젝트에 있는</a:t>
+            </a:r>
+            <a:r>
+              <a:rPr lang="ko-KR" sz="1800">
+                <a:latin typeface="맑은 고딕" charset="0"/>
+                <a:ea typeface="맑은 고딕" charset="0"/>
+              </a:rPr>
+              <a:t> </a:t>
+            </a:r>
+            <a:r>
+              <a:rPr lang="ko-KR" sz="1800">
+                <a:latin typeface="맑은 고딕" charset="0"/>
+                <a:ea typeface="맑은 고딕" charset="0"/>
+              </a:rPr>
+              <a:t>Revolution 스크립트의 Moon 변수에 Moon 오브젝트를 넣어줍니다.</a:t>
+            </a:r>
+            <a:endParaRPr lang="ko-KR" altLang="en-US" sz="1800">
+              <a:latin typeface="맑은 고딕" charset="0"/>
+              <a:ea typeface="맑은 고딕" charset="0"/>
+            </a:endParaRPr>
+          </a:p>
+        </p:txBody>
+      </p:sp>
       <p:cxnSp>
         <p:nvCxnSpPr>
-          <p:cNvPr id="25" name="도형 26"/>
+          <p:cNvPr id="25" name="도형 17"/>
           <p:cNvCxnSpPr/>
           <p:nvPr/>
         </p:nvCxnSpPr>
         <p:spPr>
-          <a:xfrm rot="0" flipH="1">
-            <a:off x="7465060" y="4671060"/>
-            <a:ext cx="1447165" cy="358775"/>
+          <a:xfrm rot="0" flipV="1">
+            <a:off x="7395210" y="4468495"/>
+            <a:ext cx="3481705" cy="563245"/>
           </a:xfrm>
           <a:prstGeom prst="straightConnector1"/>
           <a:ln w="6350" cap="flat" cmpd="sng">
@@ -11016,7 +11629,7 @@
       </p:sp>
       <p:sp>
         <p:nvSpPr>
-          <p:cNvPr id="3" name="텍스트 상자 27"/>
+          <p:cNvPr id="5" name="텍스트 상자 44"/>
           <p:cNvSpPr txBox="1">
             <a:spLocks/>
           </p:cNvSpPr>
@@ -11024,8 +11637,8 @@
         </p:nvSpPr>
         <p:spPr>
           <a:xfrm rot="0">
-            <a:off x="1229995" y="4949190"/>
-            <a:ext cx="4139565" cy="1200785"/>
+            <a:off x="1222375" y="1461770"/>
+            <a:ext cx="4149090" cy="923925"/>
           </a:xfrm>
           <a:prstGeom prst="rect"/>
           <a:noFill/>
@@ -11035,7 +11648,7 @@
           </a:ln>
         </p:spPr>
         <p:txBody>
-          <a:bodyPr wrap="square" lIns="89535" tIns="46355" rIns="89535" bIns="46355" vert="horz" anchor="t">
+          <a:bodyPr wrap="square" lIns="89535" tIns="46355" rIns="89535" bIns="46355" numCol="1" vert="horz" anchor="t">
             <a:spAutoFit/>
           </a:bodyPr>
           <a:lstStyle/>
@@ -11049,25 +11662,187 @@
                 <a:latin typeface="맑은 고딕" charset="0"/>
                 <a:ea typeface="맑은 고딕" charset="0"/>
               </a:rPr>
-              <a:t>그다음 계속 실행할 때는 다음 프레임에서 실행을 멈춘 위치부터 실행을 계속할 수 있도록 진행해주는 함수입니다.</a:t>
+              <a:t>코루틴</a:t>
+            </a:r>
+            <a:r>
+              <a:rPr lang="ko-KR" sz="1800">
+                <a:latin typeface="맑은 고딕" charset="0"/>
+                <a:ea typeface="맑은 고딕" charset="0"/>
+              </a:rPr>
+              <a:t>이</a:t>
+            </a:r>
+            <a:r>
+              <a:rPr sz="1800">
+                <a:latin typeface="맑은 고딕" charset="0"/>
+                <a:ea typeface="맑은 고딕" charset="0"/>
+              </a:rPr>
+              <a:t>란?</a:t>
             </a:r>
             <a:endParaRPr lang="ko-KR" altLang="en-US" sz="1800">
               <a:latin typeface="맑은 고딕" charset="0"/>
               <a:ea typeface="맑은 고딕" charset="0"/>
             </a:endParaRPr>
           </a:p>
+          <a:p>
+            <a:pPr marL="0" indent="0" rtl="0" algn="l" defTabSz="914400" eaLnBrk="1" latinLnBrk="0" hangingPunct="1">
+              <a:buFontTx/>
+              <a:buNone/>
+            </a:pPr>
+            <a:r>
+              <a:rPr lang="ko-KR" sz="1800">
+                <a:latin typeface="맑은 고딕" charset="0"/>
+                <a:ea typeface="맑은 고딕" charset="0"/>
+              </a:rPr>
+              <a:t>하나의 프로세스에서 여러 루틴이 시간을 나누어서 사용하는 기능입니다.</a:t>
+            </a:r>
+            <a:endParaRPr lang="ko-KR" altLang="en-US" sz="1800">
+              <a:latin typeface="맑은 고딕" charset="0"/>
+              <a:ea typeface="맑은 고딕" charset="0"/>
+            </a:endParaRPr>
+          </a:p>
+        </p:txBody>
+      </p:sp>
+      <p:sp>
+        <p:nvSpPr>
+          <p:cNvPr id="7" name="텍스트 상자 1"/>
+          <p:cNvSpPr txBox="1">
+            <a:spLocks/>
+          </p:cNvSpPr>
+          <p:nvPr/>
+        </p:nvSpPr>
+        <p:spPr>
+          <a:xfrm>
+            <a:off x="1222375" y="4994275"/>
+            <a:ext cx="4140835" cy="1200785"/>
+          </a:xfrm>
+          <a:prstGeom prst="rect"/>
+          <a:noFill/>
+          <a:ln w="0">
+            <a:noFill/>
+            <a:prstDash/>
+          </a:ln>
+        </p:spPr>
+        <p:txBody>
+          <a:bodyPr wrap="square" lIns="89535" tIns="46355" rIns="89535" bIns="46355" numCol="1" vert="horz" anchor="t">
+            <a:spAutoFit/>
+          </a:bodyPr>
+          <a:lstStyle/>
+          <a:p>
+            <a:pPr marL="0" indent="0" rtl="0" algn="l" defTabSz="914400" eaLnBrk="1" latinLnBrk="0" hangingPunct="1">
+              <a:buFontTx/>
+              <a:buNone/>
+            </a:pPr>
+            <a:r>
+              <a:rPr lang="ko-KR" sz="1800">
+                <a:latin typeface="맑은 고딕" charset="0"/>
+                <a:ea typeface="맑은 고딕" charset="0"/>
+              </a:rPr>
+              <a:t>코루틴이 실행되었을 때 </a:t>
+            </a:r>
+            <a:r>
+              <a:rPr sz="1800">
+                <a:latin typeface="맑은 고딕" charset="0"/>
+                <a:ea typeface="맑은 고딕" charset="0"/>
+              </a:rPr>
+              <a:t>특정한 시</a:t>
+            </a:r>
+            <a:r>
+              <a:rPr lang="ko-KR" sz="1800">
+                <a:latin typeface="맑은 고딕" charset="0"/>
+                <a:ea typeface="맑은 고딕" charset="0"/>
+              </a:rPr>
+              <a:t>간 동안 작업을 실행하다가</a:t>
+            </a:r>
+            <a:r>
+              <a:rPr sz="1800">
+                <a:latin typeface="맑은 고딕" charset="0"/>
+                <a:ea typeface="맑은 고딕" charset="0"/>
+              </a:rPr>
+              <a:t> </a:t>
+            </a:r>
+            <a:r>
+              <a:rPr lang="ko-KR" sz="1800">
+                <a:latin typeface="맑은 고딕" charset="0"/>
+                <a:ea typeface="맑은 고딕" charset="0"/>
+              </a:rPr>
+              <a:t>실행이 끝나면 제어</a:t>
+            </a:r>
+            <a:r>
+              <a:rPr lang="ko-KR" sz="1800">
+                <a:latin typeface="맑은 고딕" charset="0"/>
+                <a:ea typeface="맑은 고딕" charset="0"/>
+              </a:rPr>
+              <a:t> </a:t>
+            </a:r>
+            <a:r>
+              <a:rPr lang="ko-KR" sz="1800">
+                <a:latin typeface="맑은 고딕" charset="0"/>
+                <a:ea typeface="맑은 고딕" charset="0"/>
+              </a:rPr>
+              <a:t>권</a:t>
+            </a:r>
+            <a:r>
+              <a:rPr lang="ko-KR" sz="1800">
+                <a:latin typeface="맑은 고딕" charset="0"/>
+                <a:ea typeface="맑은 고딕" charset="0"/>
+              </a:rPr>
+              <a:t>한</a:t>
+            </a:r>
+            <a:r>
+              <a:rPr lang="ko-KR" sz="1800">
+                <a:latin typeface="맑은 고딕" charset="0"/>
+                <a:ea typeface="맑은 고딕" charset="0"/>
+              </a:rPr>
+              <a:t>을 Unity로 다시 넘겨주어야 합니다.</a:t>
+            </a:r>
+            <a:endParaRPr lang="ko-KR" altLang="en-US" sz="1800">
+              <a:latin typeface="맑은 고딕" charset="0"/>
+              <a:ea typeface="맑은 고딕" charset="0"/>
+            </a:endParaRPr>
+          </a:p>
         </p:txBody>
       </p:sp>
       <p:pic>
         <p:nvPicPr>
-          <p:cNvPr id="4" name="그림 28" descr="C:/Users/Admin1/AppData/Roaming/PolarisOffice/ETemp/26060_11593280/fImage121271625705.png"/>
+          <p:cNvPr id="8" name="그림 13"/>
           <p:cNvPicPr>
             <a:picLocks noChangeAspect="1"/>
           </p:cNvPicPr>
           <p:nvPr/>
         </p:nvPicPr>
         <p:blipFill rotWithShape="1">
-          <a:blip r:embed="rId8" cstate="hqprint">
+          <a:blip r:embed="rId10" cstate="print">
+            <a:extLst>
+              <a:ext uri="{28A0092B-C50C-407E-A947-70E740481C1C}">
+                <a14:useLocalDpi xmlns:a14="http://schemas.microsoft.com/office/drawing/2010/main" val="0"/>
+              </a:ext>
+            </a:extLst>
+          </a:blip>
+          <a:stretch>
+            <a:fillRect/>
+          </a:stretch>
+        </p:blipFill>
+        <p:spPr>
+          <a:xfrm rot="0">
+            <a:off x="1220470" y="2580640"/>
+            <a:ext cx="4149090" cy="2226310"/>
+          </a:xfrm>
+          <a:prstGeom prst="roundRect"/>
+          <a:solidFill>
+            <a:srgbClr val="EDEDED"/>
+          </a:solidFill>
+        </p:spPr>
+      </p:pic>
+      <p:pic>
+        <p:nvPicPr>
+          <p:cNvPr id="9" name="그림 19" descr="C:/Users/Admin1/AppData/Roaming/PolarisOffice/ETemp/15980_12108288/fImage294561518467.png"/>
+          <p:cNvPicPr>
+            <a:picLocks noChangeAspect="1"/>
+          </p:cNvPicPr>
+          <p:nvPr/>
+        </p:nvPicPr>
+        <p:blipFill rotWithShape="1">
+          <a:blip r:embed="rId11" cstate="hqprint">
             <a:extLst>
               <a:ext uri="{28A0092B-C50C-407E-A947-70E740481C1C}">
                 <a14:useLocalDpi xmlns:a14="http://schemas.microsoft.com/office/drawing/2010/main"/>
@@ -11080,8 +11855,8 @@
         </p:blipFill>
         <p:spPr>
           <a:xfrm rot="0">
-            <a:off x="1236345" y="2874645"/>
-            <a:ext cx="4142105" cy="1844675"/>
+            <a:off x="6814820" y="2528570"/>
+            <a:ext cx="4140200" cy="2277745"/>
           </a:xfrm>
           <a:prstGeom prst="roundRect"/>
           <a:solidFill>
@@ -11091,7 +11866,7 @@
       </p:pic>
       <p:sp>
         <p:nvSpPr>
-          <p:cNvPr id="5" name="텍스트 상자 44"/>
+          <p:cNvPr id="10" name="텍스트 상자 18"/>
           <p:cNvSpPr txBox="1">
             <a:spLocks/>
           </p:cNvSpPr>
@@ -11099,8 +11874,8 @@
         </p:nvSpPr>
         <p:spPr>
           <a:xfrm rot="0">
-            <a:off x="1238250" y="1436370"/>
-            <a:ext cx="4140200" cy="1200785"/>
+            <a:off x="6809740" y="4996815"/>
+            <a:ext cx="4144645" cy="1200785"/>
           </a:xfrm>
           <a:prstGeom prst="rect"/>
           <a:noFill/>
@@ -11110,7 +11885,7 @@
           </a:ln>
         </p:spPr>
         <p:txBody>
-          <a:bodyPr wrap="square" lIns="89535" tIns="46355" rIns="89535" bIns="46355" vert="horz" anchor="t">
+          <a:bodyPr wrap="square" lIns="89535" tIns="46355" rIns="89535" bIns="46355" numCol="1" vert="horz" anchor="t">
             <a:spAutoFit/>
           </a:bodyPr>
           <a:lstStyle/>
@@ -11120,35 +11895,83 @@
               <a:buNone/>
             </a:pPr>
             <a:r>
-              <a:rPr sz="1800">
-                <a:latin typeface="맑은 고딕" charset="0"/>
-                <a:ea typeface="맑은 고딕" charset="0"/>
-              </a:rPr>
-              <a:t>코루틴 함수란?</a:t>
+              <a:rPr lang="ko-KR" sz="1800">
+                <a:latin typeface="맑은 고딕" charset="0"/>
+                <a:ea typeface="맑은 고딕" charset="0"/>
+              </a:rPr>
+              <a:t>코루틴</a:t>
+            </a:r>
+            <a:r>
+              <a:rPr lang="ko-KR" sz="1800">
+                <a:latin typeface="맑은 고딕" charset="0"/>
+                <a:ea typeface="맑은 고딕" charset="0"/>
+              </a:rPr>
+              <a:t>이</a:t>
+            </a:r>
+            <a:r>
+              <a:rPr lang="ko-KR" sz="1800">
+                <a:latin typeface="맑은 고딕" charset="0"/>
+                <a:ea typeface="맑은 고딕" charset="0"/>
+              </a:rPr>
+              <a:t> </a:t>
+            </a:r>
+            <a:r>
+              <a:rPr lang="ko-KR" sz="1800">
+                <a:latin typeface="맑은 고딕" charset="0"/>
+                <a:ea typeface="맑은 고딕" charset="0"/>
+              </a:rPr>
+              <a:t>여러 개 등록되어 있을 때 현재 진행하고 있는 코루틴이 종료되어야 다른 코루틴을 실행할 수 있습니다.</a:t>
             </a:r>
             <a:endParaRPr lang="ko-KR" altLang="en-US" sz="1800">
               <a:latin typeface="맑은 고딕" charset="0"/>
               <a:ea typeface="맑은 고딕" charset="0"/>
             </a:endParaRPr>
           </a:p>
+        </p:txBody>
+      </p:sp>
+      <p:sp>
+        <p:nvSpPr>
+          <p:cNvPr id="11" name="텍스트 상자 19"/>
+          <p:cNvSpPr txBox="1">
+            <a:spLocks/>
+          </p:cNvSpPr>
+          <p:nvPr/>
+        </p:nvSpPr>
+        <p:spPr>
+          <a:xfrm rot="0">
+            <a:off x="6804025" y="1466850"/>
+            <a:ext cx="4150360" cy="923925"/>
+          </a:xfrm>
+          <a:prstGeom prst="rect"/>
+          <a:noFill/>
+          <a:ln w="0">
+            <a:noFill/>
+            <a:prstDash/>
+          </a:ln>
+        </p:spPr>
+        <p:txBody>
+          <a:bodyPr wrap="square" lIns="89535" tIns="46355" rIns="89535" bIns="46355" numCol="1" vert="horz" anchor="t">
+            <a:spAutoFit/>
+          </a:bodyPr>
+          <a:lstStyle/>
           <a:p>
             <a:pPr marL="0" indent="0" rtl="0" algn="l" defTabSz="914400" eaLnBrk="1" latinLnBrk="0" hangingPunct="1">
               <a:buFontTx/>
               <a:buNone/>
             </a:pPr>
             <a:r>
-              <a:rPr sz="1800">
-                <a:latin typeface="맑은 고딕" charset="0"/>
-                <a:ea typeface="맑은 고딕" charset="0"/>
-              </a:rPr>
-              <a:t>특정한 위치에서 실행을 정지하고 Unity에</a:t>
-            </a:r>
-            <a:r>
               <a:rPr lang="ko-KR" sz="1800">
                 <a:latin typeface="맑은 고딕" charset="0"/>
                 <a:ea typeface="맑은 고딕" charset="0"/>
               </a:rPr>
-              <a:t>게 제어권을 돌려주는 함수입니다.</a:t>
+              <a:t>코루틴</a:t>
+            </a:r>
+            <a:r>
+              <a:rPr lang="ko-KR" sz="1800">
+                <a:latin typeface="맑은 고딕" charset="0"/>
+                <a:ea typeface="맑은 고딕" charset="0"/>
+              </a:rPr>
+              <a:t>의 경우 게임 오브젝트가 비활성화되어도 실행되는 특성을 가지고 있습니다.</a:t>
             </a:r>
             <a:endParaRPr lang="ko-KR" altLang="en-US" sz="1800">
               <a:latin typeface="맑은 고딕" charset="0"/>
@@ -11207,8 +12030,8 @@
         </p:nvSpPr>
         <p:spPr>
           <a:xfrm rot="0">
-            <a:off x="3848735" y="403225"/>
-            <a:ext cx="4491355" cy="554990"/>
+            <a:off x="4173220" y="411480"/>
+            <a:ext cx="3850005" cy="478155"/>
           </a:xfrm>
           <a:prstGeom prst="rect"/>
           <a:noFill/>
@@ -11228,31 +12051,21 @@
               <a:buNone/>
             </a:pPr>
             <a:r>
-              <a:rPr lang="ko-KR" sz="3000" b="1">
+              <a:rPr lang="ko-KR" sz="2500" b="1">
                 <a:solidFill>
                   <a:schemeClr val="tx1"/>
                 </a:solidFill>
-                <a:latin typeface="맑은 고딕" charset="0"/>
-                <a:ea typeface="맑은 고딕" charset="0"/>
-              </a:rPr>
-              <a:t>여섯</a:t>
-            </a:r>
-            <a:r>
-              <a:rPr lang="ko-KR" sz="3000" b="1">
-                <a:solidFill>
-                  <a:schemeClr val="tx1"/>
-                </a:solidFill>
-                <a:latin typeface="맑은 고딕" charset="0"/>
-                <a:ea typeface="맑은 고딕" charset="0"/>
-              </a:rPr>
-              <a:t> 번째 튜토리얼</a:t>
-            </a:r>
-            <a:endParaRPr lang="ko-KR" altLang="en-US" sz="3000" b="1">
+                <a:latin typeface="나눔바른고딕" charset="0"/>
+                <a:ea typeface="나눔바른고딕" charset="0"/>
+              </a:rPr>
+              <a:t>여섯 번째 튜토리얼</a:t>
+            </a:r>
+            <a:endParaRPr lang="ko-KR" altLang="en-US" sz="2500" b="1">
               <a:solidFill>
                 <a:schemeClr val="tx1"/>
               </a:solidFill>
-              <a:latin typeface="맑은 고딕" charset="0"/>
-              <a:ea typeface="맑은 고딕" charset="0"/>
+              <a:latin typeface="나눔바른고딕" charset="0"/>
+              <a:ea typeface="나눔바른고딕" charset="0"/>
             </a:endParaRPr>
           </a:p>
         </p:txBody>
@@ -11267,8 +12080,8 @@
         </p:nvSpPr>
         <p:spPr>
           <a:xfrm>
-            <a:off x="1323975" y="4424680"/>
-            <a:ext cx="4074160" cy="1784985"/>
+            <a:off x="1238885" y="5164455"/>
+            <a:ext cx="4157345" cy="954405"/>
           </a:xfrm>
           <a:prstGeom prst="rect"/>
           <a:noFill/>
@@ -11329,40 +12142,13 @@
                 <a:latin typeface="맑은 고딕" charset="0"/>
                 <a:ea typeface="맑은 고딕" charset="0"/>
               </a:rPr>
-              <a:t>그다음 Camera 오브젝트를 생성합니다.</a:t>
+              <a:t>그런 다음 StoneMonster 오브젝트를 선택하고 Camera 오브젝트를 생성합니다.</a:t>
             </a:r>
             <a:endParaRPr lang="ko-KR" altLang="en-US" sz="1800">
               <a:latin typeface="맑은 고딕" charset="0"/>
               <a:ea typeface="맑은 고딕" charset="0"/>
             </a:endParaRPr>
           </a:p>
-          <a:p>
-            <a:pPr marL="0" indent="0" rtl="0" algn="l" defTabSz="914400" eaLnBrk="1" latinLnBrk="0" hangingPunct="1">
-              <a:buFontTx/>
-              <a:buNone/>
-            </a:pPr>
-            <a:endParaRPr lang="ko-KR" altLang="en-US" sz="1800">
-              <a:latin typeface="맑은 고딕" charset="0"/>
-              <a:ea typeface="맑은 고딕" charset="0"/>
-            </a:endParaRPr>
-          </a:p>
-          <a:p>
-            <a:pPr marL="0" indent="0" rtl="0" algn="l" defTabSz="914400" eaLnBrk="1" latinLnBrk="0" hangingPunct="1">
-              <a:buFontTx/>
-              <a:buNone/>
-            </a:pPr>
-            <a:r>
-              <a:rPr lang="ko-KR" sz="1800">
-                <a:latin typeface="맑은 고딕" charset="0"/>
-                <a:ea typeface="맑은 고딕" charset="0"/>
-              </a:rPr>
-              <a:t>그런 다음 Camera 오브젝트를 StoneMonster 오브젝트의 하위 오브젝트로 설정합니다.</a:t>
-            </a:r>
-            <a:endParaRPr lang="ko-KR" altLang="en-US" sz="1800">
-              <a:latin typeface="맑은 고딕" charset="0"/>
-              <a:ea typeface="맑은 고딕" charset="0"/>
-            </a:endParaRPr>
-          </a:p>
         </p:txBody>
       </p:sp>
       <p:sp>
@@ -11374,9 +12160,9 @@
           <p:nvPr/>
         </p:nvSpPr>
         <p:spPr>
-          <a:xfrm rot="0">
+          <a:xfrm>
             <a:off x="6830695" y="5255260"/>
-            <a:ext cx="4126865" cy="954405"/>
+            <a:ext cx="4135755" cy="954405"/>
           </a:xfrm>
           <a:prstGeom prst="rect"/>
           <a:noFill/>
@@ -11437,21 +12223,7 @@
                 <a:latin typeface="맑은 고딕" charset="0"/>
                 <a:ea typeface="맑은 고딕" charset="0"/>
               </a:rPr>
-              <a:t>그리고 Project 폴더에 </a:t>
-            </a:r>
-            <a:r>
-              <a:rPr lang="ko-KR" sz="1800">
-                <a:latin typeface="맑은 고딕" charset="0"/>
-                <a:ea typeface="맑은 고딕" charset="0"/>
-              </a:rPr>
-              <a:t>아래에 있는</a:t>
-            </a:r>
-            <a:r>
-              <a:rPr lang="ko-KR" sz="1800">
-                <a:latin typeface="맑은 고딕" charset="0"/>
-                <a:ea typeface="맑은 고딕" charset="0"/>
-              </a:rPr>
-              <a:t> Render Texture 폴더에 Render Texture를 생성합니다. </a:t>
+              <a:t>그러고 나서 Project 폴더 아래에 있는 Render Texture 폴더에 Render Texture를 생성합니다. </a:t>
             </a:r>
             <a:endParaRPr lang="ko-KR" altLang="en-US" sz="1800">
               <a:latin typeface="맑은 고딕" charset="0"/>
@@ -11462,7 +12234,7 @@
       </p:sp>
       <p:pic>
         <p:nvPicPr>
-          <p:cNvPr id="36" name="그림 1" descr="C:/Users/Admin1/AppData/Roaming/PolarisOffice/ETemp/26060_11593280/fImage756919941.png"/>
+          <p:cNvPr id="36" name="그림 1" descr="C:/Users/Admin1/AppData/Roaming/PolarisOffice/ETemp/15980_12108288/fImage756919941.png"/>
           <p:cNvPicPr>
             <a:picLocks noChangeAspect="1"/>
           </p:cNvPicPr>
@@ -11482,8 +12254,8 @@
         </p:blipFill>
         <p:spPr>
           <a:xfrm rot="0">
-            <a:off x="1229995" y="1446530"/>
-            <a:ext cx="2677795" cy="2827020"/>
+            <a:off x="1230630" y="1457325"/>
+            <a:ext cx="2678430" cy="3473450"/>
           </a:xfrm>
           <a:prstGeom prst="roundRect"/>
           <a:solidFill>
@@ -11493,7 +12265,7 @@
       </p:pic>
       <p:pic>
         <p:nvPicPr>
-          <p:cNvPr id="38" name="그림 7" descr="C:/Users/Admin1/AppData/Roaming/PolarisOffice/ETemp/26060_11593280/fImage421642018467.png"/>
+          <p:cNvPr id="38" name="그림 7"/>
           <p:cNvPicPr>
             <a:picLocks noChangeAspect="1"/>
           </p:cNvPicPr>
@@ -11514,17 +12286,15 @@
         <p:spPr>
           <a:xfrm rot="0">
             <a:off x="6840855" y="1446530"/>
-            <a:ext cx="4116705" cy="3633470"/>
-          </a:xfrm>
-          <a:prstGeom prst="roundRect"/>
-          <a:solidFill>
-            <a:srgbClr val="EDEDED"/>
-          </a:solidFill>
+            <a:ext cx="4116705" cy="3634740"/>
+          </a:xfrm>
+          <a:prstGeom prst="rect"/>
+          <a:noFill/>
         </p:spPr>
       </p:pic>
       <p:pic>
         <p:nvPicPr>
-          <p:cNvPr id="40" name="그림 16" descr="C:/Users/Admin1/AppData/Roaming/PolarisOffice/ETemp/26060_11593280/fImage70642126500.png"/>
+          <p:cNvPr id="40" name="그림 16" descr="C:/Users/Admin1/AppData/Roaming/PolarisOffice/ETemp/15980_12108288/fImage70642126500.png"/>
           <p:cNvPicPr>
             <a:picLocks noChangeAspect="1"/>
           </p:cNvPicPr>
@@ -11544,8 +12314,8 @@
         </p:blipFill>
         <p:spPr>
           <a:xfrm rot="0">
-            <a:off x="4121150" y="1866900"/>
-            <a:ext cx="1274445" cy="1993265"/>
+            <a:off x="4111625" y="2195830"/>
+            <a:ext cx="1275715" cy="2004695"/>
           </a:xfrm>
           <a:prstGeom prst="roundRect"/>
           <a:solidFill>

--- a/Assets/Class/Rotation/PPT Data/Rotation Example.pptx
+++ b/Assets/Class/Rotation/PPT Data/Rotation Example.pptx
@@ -2,7 +2,7 @@
 <file path=ppt/presentation.xml><?xml version="1.0" encoding="utf-8"?>
 <p:presentation xmlns:a="http://schemas.openxmlformats.org/drawingml/2006/main" xmlns:r="http://schemas.openxmlformats.org/officeDocument/2006/relationships" xmlns:p="http://schemas.openxmlformats.org/presentationml/2006/main" xmlns:p14="http://schemas.microsoft.com/office/powerpoint/2010/main" saveSubsetFonts="1" firstSlideNum="0">
   <p:sldMasterIdLst>
-    <p:sldMasterId id="2147485500" r:id="rId12"/>
+    <p:sldMasterId id="2147485523" r:id="rId12"/>
   </p:sldMasterIdLst>
   <p:notesMasterIdLst>
     <p:notesMasterId r:id="rId14"/>
@@ -22,6 +22,8 @@
     <p:sldId id="286" r:id="rId27"/>
     <p:sldId id="288" r:id="rId28"/>
     <p:sldId id="289" r:id="rId29"/>
+    <p:sldId id="290" r:id="rId30"/>
+    <p:sldId id="291" r:id="rId31"/>
   </p:sldIdLst>
   <p:sldSz cx="12192000" cy="6858000"/>
   <p:notesSz cx="6858000" cy="9144000"/>
@@ -5442,8 +5444,8 @@
         </p:nvSpPr>
         <p:spPr>
           <a:xfrm rot="0">
-            <a:off x="1229360" y="2791460"/>
-            <a:ext cx="4135120" cy="955040"/>
+            <a:off x="1229360" y="2829560"/>
+            <a:ext cx="4152900" cy="954405"/>
           </a:xfrm>
           <a:prstGeom prst="rect"/>
           <a:noFill/>
@@ -5487,7 +5489,119 @@
                 <a:latin typeface="맑은 고딕" charset="0"/>
                 <a:ea typeface="맑은 고딕" charset="0"/>
               </a:rPr>
-              <a:t>첫 번째로 Main Camera를 선택하고 위치와 회전 값을 설정합니다.</a:t>
+              <a:t>첫</a:t>
+            </a:r>
+            <a:r>
+              <a:rPr lang="ko-KR" sz="1800">
+                <a:latin typeface="맑은 고딕" charset="0"/>
+                <a:ea typeface="맑은 고딕" charset="0"/>
+              </a:rPr>
+              <a:t> </a:t>
+            </a:r>
+            <a:r>
+              <a:rPr lang="ko-KR" sz="1800">
+                <a:latin typeface="맑은 고딕" charset="0"/>
+                <a:ea typeface="맑은 고딕" charset="0"/>
+              </a:rPr>
+              <a:t>번째로</a:t>
+            </a:r>
+            <a:r>
+              <a:rPr lang="ko-KR" sz="1800">
+                <a:latin typeface="맑은 고딕" charset="0"/>
+                <a:ea typeface="맑은 고딕" charset="0"/>
+              </a:rPr>
+              <a:t> </a:t>
+            </a:r>
+            <a:r>
+              <a:rPr lang="ko-KR" sz="1800">
+                <a:latin typeface="맑은 고딕" charset="0"/>
+                <a:ea typeface="맑은 고딕" charset="0"/>
+              </a:rPr>
+              <a:t>Main</a:t>
+            </a:r>
+            <a:r>
+              <a:rPr lang="ko-KR" sz="1800">
+                <a:latin typeface="맑은 고딕" charset="0"/>
+                <a:ea typeface="맑은 고딕" charset="0"/>
+              </a:rPr>
+              <a:t> </a:t>
+            </a:r>
+            <a:r>
+              <a:rPr lang="ko-KR" sz="1800">
+                <a:latin typeface="맑은 고딕" charset="0"/>
+                <a:ea typeface="맑은 고딕" charset="0"/>
+              </a:rPr>
+              <a:t>Camera를</a:t>
+            </a:r>
+            <a:r>
+              <a:rPr lang="ko-KR" sz="1800">
+                <a:latin typeface="맑은 고딕" charset="0"/>
+                <a:ea typeface="맑은 고딕" charset="0"/>
+              </a:rPr>
+              <a:t> </a:t>
+            </a:r>
+            <a:r>
+              <a:rPr lang="ko-KR" sz="1800">
+                <a:latin typeface="맑은 고딕" charset="0"/>
+                <a:ea typeface="맑은 고딕" charset="0"/>
+              </a:rPr>
+              <a:t>선택하고</a:t>
+            </a:r>
+            <a:r>
+              <a:rPr lang="ko-KR" sz="1800">
+                <a:latin typeface="맑은 고딕" charset="0"/>
+                <a:ea typeface="맑은 고딕" charset="0"/>
+              </a:rPr>
+              <a:t> </a:t>
+            </a:r>
+            <a:r>
+              <a:rPr lang="ko-KR" sz="1800">
+                <a:latin typeface="맑은 고딕" charset="0"/>
+                <a:ea typeface="맑은 고딕" charset="0"/>
+              </a:rPr>
+              <a:t>위치와</a:t>
+            </a:r>
+            <a:r>
+              <a:rPr lang="ko-KR" sz="1800">
+                <a:latin typeface="맑은 고딕" charset="0"/>
+                <a:ea typeface="맑은 고딕" charset="0"/>
+              </a:rPr>
+              <a:t> </a:t>
+            </a:r>
+            <a:r>
+              <a:rPr lang="ko-KR" sz="1800">
+                <a:latin typeface="맑은 고딕" charset="0"/>
+                <a:ea typeface="맑은 고딕" charset="0"/>
+              </a:rPr>
+              <a:t>회전</a:t>
+            </a:r>
+            <a:r>
+              <a:rPr lang="ko-KR" sz="1800">
+                <a:latin typeface="맑은 고딕" charset="0"/>
+                <a:ea typeface="맑은 고딕" charset="0"/>
+              </a:rPr>
+              <a:t> </a:t>
+            </a:r>
+            <a:r>
+              <a:rPr lang="ko-KR" sz="1800">
+                <a:latin typeface="맑은 고딕" charset="0"/>
+                <a:ea typeface="맑은 고딕" charset="0"/>
+              </a:rPr>
+              <a:t>값을</a:t>
+            </a:r>
+            <a:r>
+              <a:rPr lang="ko-KR" sz="1800">
+                <a:latin typeface="맑은 고딕" charset="0"/>
+                <a:ea typeface="맑은 고딕" charset="0"/>
+              </a:rPr>
+              <a:t> </a:t>
+            </a:r>
+            <a:r>
+              <a:rPr lang="ko-KR" sz="1800">
+                <a:latin typeface="맑은 고딕" charset="0"/>
+                <a:ea typeface="맑은 고딕" charset="0"/>
+              </a:rPr>
+              <a:t>설정합니다.</a:t>
             </a:r>
             <a:endParaRPr lang="ko-KR" altLang="en-US" sz="1800">
               <a:latin typeface="맑은 고딕" charset="0"/>
@@ -5581,7 +5695,7 @@
         <p:spPr>
           <a:xfrm rot="0">
             <a:off x="1221105" y="5259070"/>
-            <a:ext cx="4139565" cy="954405"/>
+            <a:ext cx="4161155" cy="954405"/>
           </a:xfrm>
           <a:prstGeom prst="rect"/>
           <a:noFill/>
@@ -5625,49 +5739,7 @@
                 <a:latin typeface="맑은 고딕" charset="0"/>
                 <a:ea typeface="맑은 고딕" charset="0"/>
               </a:rPr>
-              <a:t>그리고 Project 폴더</a:t>
-            </a:r>
-            <a:r>
-              <a:rPr lang="ko-KR" sz="1800">
-                <a:latin typeface="맑은 고딕" charset="0"/>
-                <a:ea typeface="맑은 고딕" charset="0"/>
-              </a:rPr>
-              <a:t> 아래에 있는</a:t>
-            </a:r>
-            <a:r>
-              <a:rPr lang="ko-KR" sz="1800">
-                <a:latin typeface="맑은 고딕" charset="0"/>
-                <a:ea typeface="맑은 고딕" charset="0"/>
-              </a:rPr>
-              <a:t> Model</a:t>
-            </a:r>
-            <a:r>
-              <a:rPr lang="ko-KR" sz="1800">
-                <a:latin typeface="맑은 고딕" charset="0"/>
-                <a:ea typeface="맑은 고딕" charset="0"/>
-              </a:rPr>
-              <a:t> 폴더</a:t>
-            </a:r>
-            <a:r>
-              <a:rPr lang="ko-KR" sz="1800">
-                <a:latin typeface="맑은 고딕" charset="0"/>
-                <a:ea typeface="맑은 고딕" charset="0"/>
-              </a:rPr>
-              <a:t>에 StoneMonster</a:t>
-            </a:r>
-            <a:r>
-              <a:rPr lang="ko-KR" sz="1800">
-                <a:latin typeface="맑은 고딕" charset="0"/>
-                <a:ea typeface="맑은 고딕" charset="0"/>
-              </a:rPr>
-              <a:t>를</a:t>
-            </a:r>
-            <a:r>
-              <a:rPr lang="ko-KR" sz="1800">
-                <a:latin typeface="맑은 고딕" charset="0"/>
-                <a:ea typeface="맑은 고딕" charset="0"/>
-              </a:rPr>
-              <a:t> 선택하고 월드 공간에 배치합니다.</a:t>
+              <a:t>그리고 Project 폴더 아래에 있는 Model 폴더에 StoneMonster를 선택하고 월드 공간에 배치합니다.</a:t>
             </a:r>
             <a:endParaRPr lang="ko-KR" altLang="en-US" sz="1800">
               <a:latin typeface="맑은 고딕" charset="0"/>
@@ -5709,37 +5781,6 @@
       </p:pic>
       <p:pic>
         <p:nvPicPr>
-          <p:cNvPr id="37" name="그림 11"/>
-          <p:cNvPicPr>
-            <a:picLocks noChangeAspect="1"/>
-          </p:cNvPicPr>
-          <p:nvPr/>
-        </p:nvPicPr>
-        <p:blipFill rotWithShape="1">
-          <a:blip r:embed="rId26" cstate="hqprint">
-            <a:extLst>
-              <a:ext uri="{28A0092B-C50C-407E-A947-70E740481C1C}">
-                <a14:useLocalDpi xmlns:a14="http://schemas.microsoft.com/office/drawing/2010/main"/>
-              </a:ext>
-            </a:extLst>
-          </a:blip>
-          <a:stretch>
-            <a:fillRect/>
-          </a:stretch>
-        </p:blipFill>
-        <p:spPr>
-          <a:xfrm rot="0">
-            <a:off x="2571115" y="3860165"/>
-            <a:ext cx="2813050" cy="1266825"/>
-          </a:xfrm>
-          <a:prstGeom prst="roundRect"/>
-          <a:solidFill>
-            <a:srgbClr val="EDEDED"/>
-          </a:solidFill>
-        </p:spPr>
-      </p:pic>
-      <p:pic>
-        <p:nvPicPr>
           <p:cNvPr id="40" name="그림 19"/>
           <p:cNvPicPr>
             <a:picLocks noChangeAspect="1"/>
@@ -5907,17 +5948,17 @@
       </p:pic>
       <p:pic>
         <p:nvPicPr>
-          <p:cNvPr id="46" name="그림 4"/>
+          <p:cNvPr id="46" name="그림 4" descr="C:/Users/Admin1/AppData/Roaming/PolarisOffice/ETemp/21312_17687784/fImage45811478467.png"/>
           <p:cNvPicPr>
             <a:picLocks noChangeAspect="1"/>
           </p:cNvPicPr>
           <p:nvPr/>
         </p:nvPicPr>
         <p:blipFill rotWithShape="1">
-          <a:blip r:embed="rId32" cstate="print">
+          <a:blip r:embed="rId32" cstate="hqprint">
             <a:extLst>
               <a:ext uri="{28A0092B-C50C-407E-A947-70E740481C1C}">
-                <a14:useLocalDpi xmlns:a14="http://schemas.microsoft.com/office/drawing/2010/main" val="0"/>
+                <a14:useLocalDpi xmlns:a14="http://schemas.microsoft.com/office/drawing/2010/main"/>
               </a:ext>
             </a:extLst>
           </a:blip>
@@ -5927,8 +5968,8 @@
         </p:blipFill>
         <p:spPr>
           <a:xfrm rot="0">
-            <a:off x="1226820" y="3957320"/>
-            <a:ext cx="1181100" cy="1042035"/>
+            <a:off x="1226820" y="3985895"/>
+            <a:ext cx="1181735" cy="1042670"/>
           </a:xfrm>
           <a:prstGeom prst="roundRect"/>
           <a:solidFill>
@@ -5936,16 +5977,47 @@
           </a:solidFill>
         </p:spPr>
       </p:pic>
+      <p:pic>
+        <p:nvPicPr>
+          <p:cNvPr id="47" name="그림 7"/>
+          <p:cNvPicPr>
+            <a:picLocks noChangeAspect="1"/>
+          </p:cNvPicPr>
+          <p:nvPr/>
+        </p:nvPicPr>
+        <p:blipFill rotWithShape="1">
+          <a:blip r:embed="rId33" cstate="hqprint">
+            <a:extLst>
+              <a:ext uri="{28A0092B-C50C-407E-A947-70E740481C1C}">
+                <a14:useLocalDpi xmlns:a14="http://schemas.microsoft.com/office/drawing/2010/main"/>
+              </a:ext>
+            </a:extLst>
+          </a:blip>
+          <a:stretch>
+            <a:fillRect/>
+          </a:stretch>
+        </p:blipFill>
+        <p:spPr>
+          <a:xfrm rot="0">
+            <a:off x="6814820" y="3799205"/>
+            <a:ext cx="2945765" cy="1337310"/>
+          </a:xfrm>
+          <a:prstGeom prst="roundRect"/>
+          <a:solidFill>
+            <a:srgbClr val="EDEDED"/>
+          </a:solidFill>
+        </p:spPr>
+      </p:pic>
       <p:cxnSp>
         <p:nvCxnSpPr>
-          <p:cNvPr id="39" name="도형 18"/>
+          <p:cNvPr id="43" name="도형 29"/>
           <p:cNvCxnSpPr/>
           <p:nvPr/>
         </p:nvCxnSpPr>
         <p:spPr>
           <a:xfrm rot="0" flipH="1">
-            <a:off x="2286000" y="4447540"/>
-            <a:ext cx="416560" cy="394335"/>
+            <a:off x="9395460" y="4479290"/>
+            <a:ext cx="727710" cy="466090"/>
           </a:xfrm>
           <a:prstGeom prst="straightConnector1"/>
           <a:ln w="6350" cap="flat" cmpd="sng">
@@ -5970,17 +6042,17 @@
       </p:cxnSp>
       <p:pic>
         <p:nvPicPr>
-          <p:cNvPr id="47" name="그림 7"/>
+          <p:cNvPr id="48" name="그림 52" descr="C:/Users/Admin1/AppData/Roaming/PolarisOffice/ETemp/21312_17687784/fImage495927641.png"/>
           <p:cNvPicPr>
             <a:picLocks noChangeAspect="1"/>
           </p:cNvPicPr>
           <p:nvPr/>
         </p:nvPicPr>
         <p:blipFill rotWithShape="1">
-          <a:blip r:embed="rId33" cstate="hqprint">
+          <a:blip r:embed="rId34" cstate="print">
             <a:extLst>
               <a:ext uri="{28A0092B-C50C-407E-A947-70E740481C1C}">
-                <a14:useLocalDpi xmlns:a14="http://schemas.microsoft.com/office/drawing/2010/main"/>
+                <a14:useLocalDpi xmlns:a14="http://schemas.microsoft.com/office/drawing/2010/main" val="0"/>
               </a:ext>
             </a:extLst>
           </a:blip>
@@ -5990,8 +6062,8 @@
         </p:blipFill>
         <p:spPr>
           <a:xfrm rot="0">
-            <a:off x="6814820" y="3799205"/>
-            <a:ext cx="2945765" cy="1337310"/>
+            <a:off x="2581275" y="3914775"/>
+            <a:ext cx="2800985" cy="1210310"/>
           </a:xfrm>
           <a:prstGeom prst="roundRect"/>
           <a:solidFill>
@@ -6001,14 +6073,14 @@
       </p:pic>
       <p:cxnSp>
         <p:nvCxnSpPr>
-          <p:cNvPr id="43" name="도형 29"/>
+          <p:cNvPr id="39" name="도형 18"/>
           <p:cNvCxnSpPr/>
           <p:nvPr/>
         </p:nvCxnSpPr>
         <p:spPr>
           <a:xfrm rot="0" flipH="1">
-            <a:off x="9395460" y="4479290"/>
-            <a:ext cx="727710" cy="466090"/>
+            <a:off x="2286000" y="4600575"/>
+            <a:ext cx="419735" cy="308610"/>
           </a:xfrm>
           <a:prstGeom prst="straightConnector1"/>
           <a:ln w="6350" cap="flat" cmpd="sng">
@@ -7397,7 +7469,7 @@
 </file>
 
 <file path=ppt/slides/slide13.xml><?xml version="1.0" encoding="utf-8"?>
-<p:sld xmlns:a="http://schemas.openxmlformats.org/drawingml/2006/main" xmlns:r="http://schemas.openxmlformats.org/officeDocument/2006/relationships" xmlns:p="http://schemas.openxmlformats.org/presentationml/2006/main">
+<p:sld xmlns:a="http://schemas.openxmlformats.org/drawingml/2006/main" xmlns:r="http://schemas.openxmlformats.org/officeDocument/2006/relationships" xmlns:p="http://schemas.openxmlformats.org/presentationml/2006/main" xmlns:p14="http://schemas.microsoft.com/office/powerpoint/2010/main">
   <p:cSld>
     <p:spTree>
       <p:nvGrpSpPr>
@@ -7707,7 +7779,7 @@
       </p:sp>
       <p:pic>
         <p:nvPicPr>
-          <p:cNvPr id="57" name="그림 20" descr="C:/Users/Admin1/AppData/Roaming/PolarisOffice/ETemp/15980_12108288/fImage83032366500.png"/>
+          <p:cNvPr id="57" name="그림 20"/>
           <p:cNvPicPr>
             <a:picLocks noChangeAspect="1"/>
           </p:cNvPicPr>
@@ -7738,7 +7810,7 @@
       </p:pic>
       <p:pic>
         <p:nvPicPr>
-          <p:cNvPr id="58" name="그림 23" descr="C:/Users/Admin1/AppData/Roaming/PolarisOffice/ETemp/15980_12108288/fImage265922379169.png"/>
+          <p:cNvPr id="58" name="그림 23"/>
           <p:cNvPicPr>
             <a:picLocks noChangeAspect="1"/>
           </p:cNvPicPr>
@@ -7769,7 +7841,7 @@
       </p:pic>
       <p:pic>
         <p:nvPicPr>
-          <p:cNvPr id="59" name="그림 27" descr="C:/Users/Admin1/AppData/Roaming/PolarisOffice/ETemp/15980_12108288/fImage69072385724.png"/>
+          <p:cNvPr id="59" name="그림 27"/>
           <p:cNvPicPr>
             <a:picLocks noChangeAspect="1"/>
           </p:cNvPicPr>
@@ -7800,7 +7872,7 @@
       </p:pic>
       <p:pic>
         <p:nvPicPr>
-          <p:cNvPr id="60" name="그림 30" descr="C:/Users/Admin1/AppData/Roaming/PolarisOffice/ETemp/15980_12108288/fImage318212391478.png"/>
+          <p:cNvPr id="60" name="그림 30"/>
           <p:cNvPicPr>
             <a:picLocks noChangeAspect="1"/>
           </p:cNvPicPr>
@@ -7864,7 +7936,7 @@
       </p:cxnSp>
       <p:pic>
         <p:nvPicPr>
-          <p:cNvPr id="62" name="그림 34" descr="C:/Users/Admin1/AppData/Roaming/PolarisOffice/ETemp/15980_12108288/fImage69532419358.png"/>
+          <p:cNvPr id="62" name="그림 34"/>
           <p:cNvPicPr>
             <a:picLocks noChangeAspect="1"/>
           </p:cNvPicPr>
@@ -7895,7 +7967,7 @@
       </p:pic>
       <p:pic>
         <p:nvPicPr>
-          <p:cNvPr id="63" name="그림 37" descr="C:/Users/Admin1/AppData/Roaming/PolarisOffice/ETemp/15980_12108288/fImage318922426962.png"/>
+          <p:cNvPr id="63" name="그림 37"/>
           <p:cNvPicPr>
             <a:picLocks noChangeAspect="1"/>
           </p:cNvPicPr>
@@ -7932,13 +8004,12 @@
         </p:nvCxnSpPr>
         <p:spPr>
           <a:xfrm rot="0" flipH="1">
-            <a:off x="7533640" y="4364355"/>
-            <a:ext cx="779780" cy="34925"/>
+            <a:off x="7539990" y="4364355"/>
+            <a:ext cx="774065" cy="8890"/>
           </a:xfrm>
           <a:prstGeom prst="straightConnector1"/>
           <a:ln w="6350" cap="flat" cmpd="sng">
             <a:prstDash/>
-            <a:headEnd type="none" w="med" len="med"/>
             <a:tailEnd type="triangle" w="med" len="med"/>
           </a:ln>
         </p:spPr>
@@ -8111,6 +8182,504 @@
 </file>
 
 <file path=ppt/slides/slide14.xml><?xml version="1.0" encoding="utf-8"?>
+<p:sld xmlns:a="http://schemas.openxmlformats.org/drawingml/2006/main" xmlns:r="http://schemas.openxmlformats.org/officeDocument/2006/relationships" xmlns:p="http://schemas.openxmlformats.org/presentationml/2006/main" xmlns:p14="http://schemas.microsoft.com/office/powerpoint/2010/main">
+  <p:cSld>
+    <p:spTree>
+      <p:nvGrpSpPr>
+        <p:cNvPr id="1" name=""/>
+        <p:cNvGrpSpPr/>
+        <p:nvPr/>
+      </p:nvGrpSpPr>
+      <p:grpSpPr>
+        <a:xfrm>
+          <a:off x="0" y="0"/>
+          <a:ext cx="0" cy="0"/>
+          <a:chOff x="0" y="0"/>
+          <a:chExt cx="0" cy="0"/>
+        </a:xfrm>
+      </p:grpSpPr>
+      <p:sp>
+        <p:nvSpPr>
+          <p:cNvPr id="2" name="Rect 0"/>
+          <p:cNvSpPr txBox="1">
+            <a:spLocks/>
+          </p:cNvSpPr>
+          <p:nvPr/>
+        </p:nvSpPr>
+        <p:spPr>
+          <a:xfrm rot="0">
+            <a:off x="4344670" y="377825"/>
+            <a:ext cx="3503295" cy="478155"/>
+          </a:xfrm>
+          <a:prstGeom prst="rect"/>
+          <a:noFill/>
+          <a:ln w="0">
+            <a:noFill/>
+            <a:prstDash/>
+          </a:ln>
+        </p:spPr>
+        <p:txBody>
+          <a:bodyPr wrap="square" lIns="89535" tIns="46355" rIns="89535" bIns="46355" numCol="1" vert="horz" anchor="t">
+            <a:spAutoFit/>
+          </a:bodyPr>
+          <a:lstStyle/>
+          <a:p>
+            <a:pPr marL="0" indent="0" rtl="0" algn="ctr" defTabSz="914400" eaLnBrk="1" latinLnBrk="0" hangingPunct="1">
+              <a:buFontTx/>
+              <a:buNone/>
+            </a:pPr>
+            <a:r>
+              <a:rPr lang="ko-KR" sz="2500" b="1">
+                <a:solidFill>
+                  <a:schemeClr val="tx1"/>
+                </a:solidFill>
+                <a:latin typeface="나눔바른고딕" charset="0"/>
+                <a:ea typeface="나눔바른고딕" charset="0"/>
+              </a:rPr>
+              <a:t>열한</a:t>
+            </a:r>
+            <a:r>
+              <a:rPr lang="ko-KR" sz="2500" b="1">
+                <a:solidFill>
+                  <a:schemeClr val="tx1"/>
+                </a:solidFill>
+                <a:latin typeface="나눔바른고딕" charset="0"/>
+                <a:ea typeface="나눔바른고딕" charset="0"/>
+              </a:rPr>
+              <a:t> 번째 튜토리얼</a:t>
+            </a:r>
+            <a:endParaRPr lang="ko-KR" altLang="en-US" sz="2500" b="1">
+              <a:solidFill>
+                <a:schemeClr val="tx1"/>
+              </a:solidFill>
+              <a:latin typeface="나눔바른고딕" charset="0"/>
+              <a:ea typeface="나눔바른고딕" charset="0"/>
+            </a:endParaRPr>
+          </a:p>
+        </p:txBody>
+      </p:sp>
+      <p:sp>
+        <p:nvSpPr>
+          <p:cNvPr id="25" name="Rect 0"/>
+          <p:cNvSpPr txBox="1">
+            <a:spLocks/>
+          </p:cNvSpPr>
+          <p:nvPr/>
+        </p:nvSpPr>
+        <p:spPr>
+          <a:xfrm rot="0">
+            <a:off x="1228725" y="5077460"/>
+            <a:ext cx="4049395" cy="955040"/>
+          </a:xfrm>
+          <a:prstGeom prst="rect"/>
+          <a:noFill/>
+          <a:ln w="0">
+            <a:noFill/>
+            <a:prstDash/>
+          </a:ln>
+        </p:spPr>
+        <p:txBody>
+          <a:bodyPr wrap="square" lIns="89535" tIns="46355" rIns="89535" bIns="46355" numCol="1" vert="horz" anchor="t">
+            <a:spAutoFit/>
+          </a:bodyPr>
+          <a:lstStyle/>
+          <a:p>
+            <a:pPr marL="0" indent="0" rtl="0" algn="l" defTabSz="914400" eaLnBrk="1" latinLnBrk="0" hangingPunct="1">
+              <a:buFontTx/>
+              <a:buNone/>
+            </a:pPr>
+            <a:r>
+              <a:rPr lang="ko-KR" sz="2000" b="1">
+                <a:solidFill>
+                  <a:srgbClr val="0611F2"/>
+                </a:solidFill>
+                <a:latin typeface="맑은 고딕" charset="0"/>
+                <a:ea typeface="맑은 고딕" charset="0"/>
+              </a:rPr>
+              <a:t>28</a:t>
+            </a:r>
+            <a:r>
+              <a:rPr sz="2000" b="1">
+                <a:solidFill>
+                  <a:srgbClr val="0611F2"/>
+                </a:solidFill>
+                <a:latin typeface="맑은 고딕" charset="0"/>
+                <a:ea typeface="맑은 고딕" charset="0"/>
+              </a:rPr>
+              <a:t>.</a:t>
+            </a:r>
+            <a:r>
+              <a:rPr sz="2000">
+                <a:latin typeface="맑은 고딕" charset="0"/>
+                <a:ea typeface="맑은 고딕" charset="0"/>
+              </a:rPr>
+              <a:t> </a:t>
+            </a:r>
+            <a:r>
+              <a:rPr lang="ko-KR" sz="1800">
+                <a:latin typeface="맑은 고딕" charset="0"/>
+                <a:ea typeface="맑은 고딕" charset="0"/>
+              </a:rPr>
+              <a:t>그다음으로 Watch Button의 위치와 크기 그리고 회전 값을 설정합니다.</a:t>
+            </a:r>
+            <a:endParaRPr lang="ko-KR" altLang="en-US" sz="1800">
+              <a:latin typeface="맑은 고딕" charset="0"/>
+              <a:ea typeface="맑은 고딕" charset="0"/>
+            </a:endParaRPr>
+          </a:p>
+        </p:txBody>
+      </p:sp>
+      <p:sp>
+        <p:nvSpPr>
+          <p:cNvPr id="54" name="Rect 0"/>
+          <p:cNvSpPr txBox="1">
+            <a:spLocks/>
+          </p:cNvSpPr>
+          <p:nvPr/>
+        </p:nvSpPr>
+        <p:spPr>
+          <a:xfrm rot="0">
+            <a:off x="6823710" y="2752725"/>
+            <a:ext cx="4140835" cy="1231900"/>
+          </a:xfrm>
+          <a:prstGeom prst="rect"/>
+          <a:noFill/>
+          <a:ln w="0">
+            <a:noFill/>
+            <a:prstDash/>
+          </a:ln>
+        </p:spPr>
+        <p:txBody>
+          <a:bodyPr wrap="square" lIns="89535" tIns="46355" rIns="89535" bIns="46355" numCol="1" vert="horz" anchor="t">
+            <a:spAutoFit/>
+          </a:bodyPr>
+          <a:lstStyle/>
+          <a:p>
+            <a:pPr marL="0" indent="0" rtl="0" algn="l" defTabSz="914400" eaLnBrk="1" latinLnBrk="0" hangingPunct="1">
+              <a:buFontTx/>
+              <a:buNone/>
+            </a:pPr>
+            <a:r>
+              <a:rPr lang="ko-KR" sz="2000" b="1">
+                <a:solidFill>
+                  <a:srgbClr val="0611F2"/>
+                </a:solidFill>
+                <a:latin typeface="맑은 고딕" charset="0"/>
+                <a:ea typeface="맑은 고딕" charset="0"/>
+              </a:rPr>
+              <a:t>29</a:t>
+            </a:r>
+            <a:r>
+              <a:rPr sz="2000" b="1">
+                <a:solidFill>
+                  <a:srgbClr val="0611F2"/>
+                </a:solidFill>
+                <a:latin typeface="맑은 고딕" charset="0"/>
+                <a:ea typeface="맑은 고딕" charset="0"/>
+              </a:rPr>
+              <a:t>.</a:t>
+            </a:r>
+            <a:r>
+              <a:rPr sz="2000">
+                <a:latin typeface="맑은 고딕" charset="0"/>
+                <a:ea typeface="맑은 고딕" charset="0"/>
+              </a:rPr>
+              <a:t> </a:t>
+            </a:r>
+            <a:r>
+              <a:rPr lang="ko-KR" sz="1800">
+                <a:latin typeface="맑은 고딕" charset="0"/>
+                <a:ea typeface="맑은 고딕" charset="0"/>
+              </a:rPr>
+              <a:t>그러고 나서 Project 폴더 아래에 있는 Texture 폴더에 Moon 텍스처를 선택하고 Moon 오브젝트에 넣어줍니다.</a:t>
+            </a:r>
+            <a:endParaRPr lang="ko-KR" altLang="en-US" sz="1800">
+              <a:latin typeface="맑은 고딕" charset="0"/>
+              <a:ea typeface="맑은 고딕" charset="0"/>
+            </a:endParaRPr>
+          </a:p>
+        </p:txBody>
+      </p:sp>
+      <p:pic>
+        <p:nvPicPr>
+          <p:cNvPr id="66" name="그림 44" descr="C:/Users/Admin1/AppData/Roaming/PolarisOffice/ETemp/21312_17687784/fImage178242594464.png"/>
+          <p:cNvPicPr>
+            <a:picLocks noChangeAspect="1"/>
+          </p:cNvPicPr>
+          <p:nvPr/>
+        </p:nvPicPr>
+        <p:blipFill rotWithShape="1">
+          <a:blip r:embed="rId2" cstate="hqprint">
+            <a:extLst>
+              <a:ext uri="{28A0092B-C50C-407E-A947-70E740481C1C}">
+                <a14:useLocalDpi xmlns:a14="http://schemas.microsoft.com/office/drawing/2010/main"/>
+              </a:ext>
+            </a:extLst>
+          </a:blip>
+          <a:stretch>
+            <a:fillRect/>
+          </a:stretch>
+        </p:blipFill>
+        <p:spPr>
+          <a:xfrm rot="0">
+            <a:off x="1229995" y="1446530"/>
+            <a:ext cx="4049395" cy="3525520"/>
+          </a:xfrm>
+          <a:prstGeom prst="rect"/>
+          <a:noFill/>
+        </p:spPr>
+      </p:pic>
+      <p:pic>
+        <p:nvPicPr>
+          <p:cNvPr id="67" name="그림 52" descr="C:/Users/Admin1/AppData/Roaming/PolarisOffice/ETemp/21312_17687784/fImage69382605705.png"/>
+          <p:cNvPicPr>
+            <a:picLocks noChangeAspect="1"/>
+          </p:cNvPicPr>
+          <p:nvPr/>
+        </p:nvPicPr>
+        <p:blipFill rotWithShape="1">
+          <a:blip r:embed="rId3" cstate="hqprint">
+            <a:extLst>
+              <a:ext uri="{28A0092B-C50C-407E-A947-70E740481C1C}">
+                <a14:useLocalDpi xmlns:a14="http://schemas.microsoft.com/office/drawing/2010/main"/>
+              </a:ext>
+            </a:extLst>
+          </a:blip>
+          <a:stretch>
+            <a:fillRect/>
+          </a:stretch>
+        </p:blipFill>
+        <p:spPr>
+          <a:xfrm rot="0">
+            <a:off x="6829425" y="1445895"/>
+            <a:ext cx="1229995" cy="1212850"/>
+          </a:xfrm>
+          <a:prstGeom prst="roundRect"/>
+          <a:solidFill>
+            <a:srgbClr val="EDEDED"/>
+          </a:solidFill>
+        </p:spPr>
+      </p:pic>
+      <p:pic>
+        <p:nvPicPr>
+          <p:cNvPr id="68" name="그림 55" descr="C:/Users/Admin1/AppData/Roaming/PolarisOffice/ETemp/21312_17687784/fImage319432618145.png"/>
+          <p:cNvPicPr>
+            <a:picLocks noChangeAspect="1"/>
+          </p:cNvPicPr>
+          <p:nvPr/>
+        </p:nvPicPr>
+        <p:blipFill rotWithShape="1">
+          <a:blip r:embed="rId4" cstate="hqprint">
+            <a:extLst>
+              <a:ext uri="{28A0092B-C50C-407E-A947-70E740481C1C}">
+                <a14:useLocalDpi xmlns:a14="http://schemas.microsoft.com/office/drawing/2010/main"/>
+              </a:ext>
+            </a:extLst>
+          </a:blip>
+          <a:stretch>
+            <a:fillRect/>
+          </a:stretch>
+        </p:blipFill>
+        <p:spPr>
+          <a:xfrm rot="0">
+            <a:off x="8220075" y="1445895"/>
+            <a:ext cx="2744470" cy="1212850"/>
+          </a:xfrm>
+          <a:prstGeom prst="roundRect"/>
+          <a:solidFill>
+            <a:srgbClr val="EDEDED"/>
+          </a:solidFill>
+        </p:spPr>
+      </p:pic>
+      <p:cxnSp>
+        <p:nvCxnSpPr>
+          <p:cNvPr id="69" name="도형 60"/>
+          <p:cNvCxnSpPr/>
+          <p:nvPr/>
+        </p:nvCxnSpPr>
+        <p:spPr>
+          <a:xfrm rot="0" flipH="1">
+            <a:off x="7515225" y="2047875"/>
+            <a:ext cx="1201420" cy="239395"/>
+          </a:xfrm>
+          <a:prstGeom prst="straightConnector1"/>
+          <a:ln w="6350" cap="flat" cmpd="sng">
+            <a:prstDash/>
+            <a:tailEnd type="triangle" w="med" len="med"/>
+          </a:ln>
+        </p:spPr>
+        <p:style>
+          <a:lnRef idx="1">
+            <a:schemeClr val="accent1"/>
+          </a:lnRef>
+          <a:fillRef idx="0">
+            <a:schemeClr val="accent1"/>
+          </a:fillRef>
+          <a:effectRef idx="0">
+            <a:schemeClr val="accent1"/>
+          </a:effectRef>
+          <a:fontRef idx="minor">
+            <a:schemeClr val="tx1"/>
+          </a:fontRef>
+        </p:style>
+      </p:cxnSp>
+      <p:pic>
+        <p:nvPicPr>
+          <p:cNvPr id="70" name="그림 20" descr="C:/Users/Admin1/AppData/Roaming/PolarisOffice/ETemp/21312_17687784/fImage30172528467.png"/>
+          <p:cNvPicPr>
+            <a:picLocks noChangeAspect="1"/>
+          </p:cNvPicPr>
+          <p:nvPr/>
+        </p:nvPicPr>
+        <p:blipFill rotWithShape="1">
+          <a:blip r:embed="rId5" cstate="hqprint">
+            <a:extLst>
+              <a:ext uri="{28A0092B-C50C-407E-A947-70E740481C1C}">
+                <a14:useLocalDpi xmlns:a14="http://schemas.microsoft.com/office/drawing/2010/main"/>
+              </a:ext>
+            </a:extLst>
+          </a:blip>
+          <a:stretch>
+            <a:fillRect/>
+          </a:stretch>
+        </p:blipFill>
+        <p:spPr>
+          <a:xfrm rot="0">
+            <a:off x="8220075" y="4124325"/>
+            <a:ext cx="2752090" cy="1143635"/>
+          </a:xfrm>
+          <a:prstGeom prst="roundRect"/>
+          <a:solidFill>
+            <a:srgbClr val="EDEDED"/>
+          </a:solidFill>
+        </p:spPr>
+      </p:pic>
+      <p:pic>
+        <p:nvPicPr>
+          <p:cNvPr id="71" name="그림 21" descr="C:/Users/Admin1/AppData/Roaming/PolarisOffice/ETemp/21312_17687784/fImage83172536334.png"/>
+          <p:cNvPicPr>
+            <a:picLocks noChangeAspect="1"/>
+          </p:cNvPicPr>
+          <p:nvPr/>
+        </p:nvPicPr>
+        <p:blipFill rotWithShape="1">
+          <a:blip r:embed="rId6" cstate="print">
+            <a:extLst>
+              <a:ext uri="{28A0092B-C50C-407E-A947-70E740481C1C}">
+                <a14:useLocalDpi xmlns:a14="http://schemas.microsoft.com/office/drawing/2010/main" val="0"/>
+              </a:ext>
+            </a:extLst>
+          </a:blip>
+          <a:stretch>
+            <a:fillRect/>
+          </a:stretch>
+        </p:blipFill>
+        <p:spPr>
+          <a:xfrm rot="0">
+            <a:off x="6827520" y="4116070"/>
+            <a:ext cx="1243330" cy="1151890"/>
+          </a:xfrm>
+          <a:prstGeom prst="roundRect"/>
+          <a:solidFill>
+            <a:srgbClr val="EDEDED"/>
+          </a:solidFill>
+        </p:spPr>
+      </p:pic>
+      <p:sp>
+        <p:nvSpPr>
+          <p:cNvPr id="72" name="텍스트 상자 24"/>
+          <p:cNvSpPr txBox="1">
+            <a:spLocks/>
+          </p:cNvSpPr>
+          <p:nvPr/>
+        </p:nvSpPr>
+        <p:spPr>
+          <a:xfrm rot="0">
+            <a:off x="6817360" y="5361940"/>
+            <a:ext cx="4163060" cy="677545"/>
+          </a:xfrm>
+          <a:prstGeom prst="rect"/>
+          <a:noFill/>
+          <a:ln w="0">
+            <a:noFill/>
+            <a:prstDash/>
+          </a:ln>
+        </p:spPr>
+        <p:txBody>
+          <a:bodyPr wrap="square" lIns="89535" tIns="46355" rIns="89535" bIns="46355" numCol="1" vert="horz" anchor="t">
+            <a:spAutoFit/>
+          </a:bodyPr>
+          <a:lstStyle/>
+          <a:p>
+            <a:pPr marL="0" indent="0" rtl="0" algn="l" defTabSz="914400" eaLnBrk="1" latinLnBrk="0" hangingPunct="1">
+              <a:buFontTx/>
+              <a:buNone/>
+            </a:pPr>
+            <a:r>
+              <a:rPr lang="ko-KR" sz="2000" b="1">
+                <a:solidFill>
+                  <a:srgbClr val="0611F2"/>
+                </a:solidFill>
+                <a:latin typeface="맑은 고딕" charset="0"/>
+                <a:ea typeface="맑은 고딕" charset="0"/>
+              </a:rPr>
+              <a:t>30</a:t>
+            </a:r>
+            <a:r>
+              <a:rPr sz="2000" b="1">
+                <a:solidFill>
+                  <a:srgbClr val="0611F2"/>
+                </a:solidFill>
+                <a:latin typeface="맑은 고딕" charset="0"/>
+                <a:ea typeface="맑은 고딕" charset="0"/>
+              </a:rPr>
+              <a:t>.</a:t>
+            </a:r>
+            <a:r>
+              <a:rPr sz="2000">
+                <a:latin typeface="맑은 고딕" charset="0"/>
+                <a:ea typeface="맑은 고딕" charset="0"/>
+              </a:rPr>
+              <a:t> </a:t>
+            </a:r>
+            <a:r>
+              <a:rPr lang="ko-KR" sz="1800">
+                <a:latin typeface="맑은 고딕" charset="0"/>
+                <a:ea typeface="맑은 고딕" charset="0"/>
+              </a:rPr>
+              <a:t>그리고 Watch Button 오브젝트의 On Click( ) 함수를 추가합니다.</a:t>
+            </a:r>
+            <a:endParaRPr lang="ko-KR" altLang="en-US" sz="1800">
+              <a:latin typeface="맑은 고딕" charset="0"/>
+              <a:ea typeface="맑은 고딕" charset="0"/>
+            </a:endParaRPr>
+          </a:p>
+        </p:txBody>
+      </p:sp>
+    </p:spTree>
+  </p:cSld>
+  <p:clrMapOvr>
+    <a:masterClrMapping/>
+  </p:clrMapOvr>
+  <mc:AlternateContent xmlns:mc="http://schemas.openxmlformats.org/markup-compatibility/2006">
+    <mc:Choice xmlns:p14="http://schemas.microsoft.com/office/powerpoint/2010/main" Requires="p14">
+      <p:transition spd="slow" p14:dur="1000"/>
+    </mc:Choice>
+    <mc:Fallback>
+      <p:transition spd="slow"/>
+    </mc:Fallback>
+  </mc:AlternateContent>
+  <p:timing>
+    <p:tnLst>
+      <p:par>
+        <p:cTn id="1" dur="indefinite" restart="never" nodeType="tmRoot"/>
+      </p:par>
+    </p:tnLst>
+  </p:timing>
+</p:sld>
+</file>
+
+<file path=ppt/slides/slide15.xml><?xml version="1.0" encoding="utf-8"?>
 <p:sld xmlns:a="http://schemas.openxmlformats.org/drawingml/2006/main" xmlns:r="http://schemas.openxmlformats.org/officeDocument/2006/relationships" xmlns:p="http://schemas.openxmlformats.org/presentationml/2006/main">
   <p:cSld>
     <p:spTree>
@@ -8138,7 +8707,7 @@
         <p:spPr>
           <a:xfrm rot="0">
             <a:off x="4344670" y="377825"/>
-            <a:ext cx="3503295" cy="478155"/>
+            <a:ext cx="3503930" cy="478155"/>
           </a:xfrm>
           <a:prstGeom prst="rect"/>
           <a:noFill/>
@@ -8165,7 +8734,17 @@
                 <a:latin typeface="나눔바른고딕" charset="0"/>
                 <a:ea typeface="나눔바른고딕" charset="0"/>
               </a:rPr>
-              <a:t>열한</a:t>
+              <a:t>열</a:t>
+            </a:r>
+            <a:r>
+              <a:rPr lang="ko-KR" sz="2500" b="1">
+                <a:solidFill>
+                  <a:schemeClr val="tx1"/>
+                </a:solidFill>
+                <a:latin typeface="나눔바른고딕" charset="0"/>
+                <a:ea typeface="나눔바른고딕" charset="0"/>
+              </a:rPr>
+              <a:t>두</a:t>
             </a:r>
             <a:r>
               <a:rPr lang="ko-KR" sz="2500" b="1">
@@ -8197,8 +8776,8 @@
         </p:nvSpPr>
         <p:spPr>
           <a:xfrm rot="0">
-            <a:off x="1228725" y="5077460"/>
-            <a:ext cx="4048760" cy="954405"/>
+            <a:off x="1228725" y="4902835"/>
+            <a:ext cx="4142105" cy="1231265"/>
           </a:xfrm>
           <a:prstGeom prst="rect"/>
           <a:noFill/>
@@ -8225,17 +8804,7 @@
                 <a:latin typeface="맑은 고딕" charset="0"/>
                 <a:ea typeface="맑은 고딕" charset="0"/>
               </a:rPr>
-              <a:t>2</a:t>
-            </a:r>
-            <a:r>
-              <a:rPr lang="ko-KR" sz="2000" b="1">
-                <a:solidFill>
-                  <a:srgbClr val="0611F2"/>
-                </a:solidFill>
-                <a:latin typeface="맑은 고딕" charset="0"/>
-                <a:ea typeface="맑은 고딕" charset="0"/>
-              </a:rPr>
-              <a:t>8</a:t>
+              <a:t>31</a:t>
             </a:r>
             <a:r>
               <a:rPr sz="2000" b="1">
@@ -8259,28 +8828,21 @@
                 <a:latin typeface="맑은 고딕" charset="0"/>
                 <a:ea typeface="맑은 고딕" charset="0"/>
               </a:rPr>
-              <a:t>그</a:t>
+              <a:t>이제 </a:t>
             </a:r>
             <a:r>
               <a:rPr lang="ko-KR" sz="1800">
                 <a:latin typeface="맑은 고딕" charset="0"/>
                 <a:ea typeface="맑은 고딕" charset="0"/>
               </a:rPr>
-              <a:t>다음으로</a:t>
+              <a:t>Project 폴더 아래에 있는 Texture 폴더에</a:t>
             </a:r>
             <a:r>
               <a:rPr lang="ko-KR" sz="1800">
                 <a:latin typeface="맑은 고딕" charset="0"/>
                 <a:ea typeface="맑은 고딕" charset="0"/>
               </a:rPr>
-              <a:t> </a:t>
-            </a:r>
-            <a:r>
-              <a:rPr lang="ko-KR" sz="1800">
-                <a:latin typeface="맑은 고딕" charset="0"/>
-                <a:ea typeface="맑은 고딕" charset="0"/>
-              </a:rPr>
-              <a:t>Watch Button의 위치와 크기 그리고 회전 값을 설정합니다.</a:t>
+              <a:t> Navigation 텍스처를 선택하고 Boader 오브젝트의 Source Image에 넣어줍니다.</a:t>
             </a:r>
             <a:endParaRPr lang="ko-KR" altLang="en-US" sz="1800">
               <a:latin typeface="맑은 고딕" charset="0"/>
@@ -8299,8 +8861,8 @@
         </p:nvSpPr>
         <p:spPr>
           <a:xfrm rot="0">
-            <a:off x="6823710" y="2752725"/>
-            <a:ext cx="4140200" cy="1231265"/>
+            <a:off x="6808470" y="4905375"/>
+            <a:ext cx="4149090" cy="1231265"/>
           </a:xfrm>
           <a:prstGeom prst="rect"/>
           <a:noFill/>
@@ -8327,17 +8889,7 @@
                 <a:latin typeface="맑은 고딕" charset="0"/>
                 <a:ea typeface="맑은 고딕" charset="0"/>
               </a:rPr>
-              <a:t>2</a:t>
-            </a:r>
-            <a:r>
-              <a:rPr lang="ko-KR" sz="2000" b="1">
-                <a:solidFill>
-                  <a:srgbClr val="0611F2"/>
-                </a:solidFill>
-                <a:latin typeface="맑은 고딕" charset="0"/>
-                <a:ea typeface="맑은 고딕" charset="0"/>
-              </a:rPr>
-              <a:t>9</a:t>
+              <a:t>32</a:t>
             </a:r>
             <a:r>
               <a:rPr sz="2000" b="1">
@@ -8361,56 +8913,56 @@
                 <a:latin typeface="맑은 고딕" charset="0"/>
                 <a:ea typeface="맑은 고딕" charset="0"/>
               </a:rPr>
-              <a:t>그러고 나서</a:t>
+              <a:t>그</a:t>
             </a:r>
             <a:r>
               <a:rPr lang="ko-KR" sz="1800">
                 <a:latin typeface="맑은 고딕" charset="0"/>
                 <a:ea typeface="맑은 고딕" charset="0"/>
               </a:rPr>
-              <a:t> Project 폴더 아래에 있는 </a:t>
+              <a:t>리고</a:t>
             </a:r>
             <a:r>
               <a:rPr lang="ko-KR" sz="1800">
                 <a:latin typeface="맑은 고딕" charset="0"/>
                 <a:ea typeface="맑은 고딕" charset="0"/>
               </a:rPr>
-              <a:t>Texture</a:t>
+              <a:t> Project 폴더 아래에 있는 Texture 폴더에 </a:t>
             </a:r>
             <a:r>
               <a:rPr lang="ko-KR" sz="1800">
                 <a:latin typeface="맑은 고딕" charset="0"/>
                 <a:ea typeface="맑은 고딕" charset="0"/>
               </a:rPr>
-              <a:t> 폴더에 </a:t>
+              <a:t>Watch</a:t>
             </a:r>
             <a:r>
               <a:rPr lang="ko-KR" sz="1800">
                 <a:latin typeface="맑은 고딕" charset="0"/>
                 <a:ea typeface="맑은 고딕" charset="0"/>
               </a:rPr>
-              <a:t>Moon 텍스처</a:t>
+              <a:t> 텍스처를 선택하고 </a:t>
             </a:r>
             <a:r>
               <a:rPr lang="ko-KR" sz="1800">
                 <a:latin typeface="맑은 고딕" charset="0"/>
                 <a:ea typeface="맑은 고딕" charset="0"/>
               </a:rPr>
-              <a:t>를</a:t>
+              <a:t>Watch Button</a:t>
             </a:r>
             <a:r>
               <a:rPr lang="ko-KR" sz="1800">
                 <a:latin typeface="맑은 고딕" charset="0"/>
                 <a:ea typeface="맑은 고딕" charset="0"/>
               </a:rPr>
-              <a:t> 선택하고 Moon </a:t>
+              <a:t> </a:t>
             </a:r>
             <a:r>
               <a:rPr lang="ko-KR" sz="1800">
                 <a:latin typeface="맑은 고딕" charset="0"/>
                 <a:ea typeface="맑은 고딕" charset="0"/>
               </a:rPr>
-              <a:t>오브젝트에 넣어줍니다.</a:t>
+              <a:t>오브젝트의 Source Image에 넣어줍니다.</a:t>
             </a:r>
             <a:endParaRPr lang="ko-KR" altLang="en-US" sz="1800">
               <a:latin typeface="맑은 고딕" charset="0"/>
@@ -8421,7 +8973,7 @@
       </p:sp>
       <p:pic>
         <p:nvPicPr>
-          <p:cNvPr id="66" name="그림 44" descr="C:/Users/Admin1/AppData/Roaming/PolarisOffice/ETemp/15980_12108288/fImage178242594464.png"/>
+          <p:cNvPr id="70" name="그림 1" descr="C:/Users/Admin1/AppData/Roaming/PolarisOffice/ETemp/21312_17687784/fImage164012426500.png"/>
           <p:cNvPicPr>
             <a:picLocks noChangeAspect="1"/>
           </p:cNvPicPr>
@@ -8441,8 +8993,8 @@
         </p:blipFill>
         <p:spPr>
           <a:xfrm rot="0">
-            <a:off x="1238250" y="1447800"/>
-            <a:ext cx="4048760" cy="3439160"/>
+            <a:off x="1230630" y="1446530"/>
+            <a:ext cx="4140200" cy="2012315"/>
           </a:xfrm>
           <a:prstGeom prst="roundRect"/>
           <a:solidFill>
@@ -8452,7 +9004,7 @@
       </p:pic>
       <p:pic>
         <p:nvPicPr>
-          <p:cNvPr id="67" name="그림 52" descr="C:/Users/Admin1/AppData/Roaming/PolarisOffice/ETemp/15980_12108288/fImage69382605705.png"/>
+          <p:cNvPr id="71" name="그림 8" descr="C:/Users/Admin1/AppData/Roaming/PolarisOffice/ETemp/21312_17687784/fImage316312459169.png"/>
           <p:cNvPicPr>
             <a:picLocks noChangeAspect="1"/>
           </p:cNvPicPr>
@@ -8472,8 +9024,8 @@
         </p:blipFill>
         <p:spPr>
           <a:xfrm rot="0">
-            <a:off x="6829425" y="1457325"/>
-            <a:ext cx="1229360" cy="1200785"/>
+            <a:off x="1240155" y="3666490"/>
+            <a:ext cx="4130675" cy="1119505"/>
           </a:xfrm>
           <a:prstGeom prst="roundRect"/>
           <a:solidFill>
@@ -8481,47 +9033,16 @@
           </a:solidFill>
         </p:spPr>
       </p:pic>
-      <p:pic>
-        <p:nvPicPr>
-          <p:cNvPr id="68" name="그림 55" descr="C:/Users/Admin1/AppData/Roaming/PolarisOffice/ETemp/15980_12108288/fImage319432618145.png"/>
-          <p:cNvPicPr>
-            <a:picLocks noChangeAspect="1"/>
-          </p:cNvPicPr>
-          <p:nvPr/>
-        </p:nvPicPr>
-        <p:blipFill rotWithShape="1">
-          <a:blip r:embed="rId4" cstate="print">
-            <a:extLst>
-              <a:ext uri="{28A0092B-C50C-407E-A947-70E740481C1C}">
-                <a14:useLocalDpi xmlns:a14="http://schemas.microsoft.com/office/drawing/2010/main" val="0"/>
-              </a:ext>
-            </a:extLst>
-          </a:blip>
-          <a:stretch>
-            <a:fillRect/>
-          </a:stretch>
-        </p:blipFill>
-        <p:spPr>
-          <a:xfrm rot="0">
-            <a:off x="8220075" y="1457325"/>
-            <a:ext cx="2743835" cy="1200785"/>
-          </a:xfrm>
-          <a:prstGeom prst="roundRect"/>
-          <a:solidFill>
-            <a:srgbClr val="EDEDED"/>
-          </a:solidFill>
-        </p:spPr>
-      </p:pic>
       <p:cxnSp>
         <p:nvCxnSpPr>
-          <p:cNvPr id="69" name="도형 60"/>
+          <p:cNvPr id="72" name="도형 11"/>
           <p:cNvCxnSpPr/>
           <p:nvPr/>
         </p:nvCxnSpPr>
         <p:spPr>
-          <a:xfrm rot="0" flipH="1">
-            <a:off x="7515225" y="2047875"/>
-            <a:ext cx="1200785" cy="238760"/>
+          <a:xfrm rot="0" flipV="1">
+            <a:off x="2976245" y="1753870"/>
+            <a:ext cx="2270125" cy="2278380"/>
           </a:xfrm>
           <a:prstGeom prst="straightConnector1"/>
           <a:ln w="6350" cap="flat" cmpd="sng">
@@ -8545,6 +9066,868 @@
           </a:fontRef>
         </p:style>
       </p:cxnSp>
+      <p:pic>
+        <p:nvPicPr>
+          <p:cNvPr id="73" name="그림 12" descr="C:/Users/Admin1/AppData/Roaming/PolarisOffice/ETemp/21312_17687784/fImage319412475724.png"/>
+          <p:cNvPicPr>
+            <a:picLocks noChangeAspect="1"/>
+          </p:cNvPicPr>
+          <p:nvPr/>
+        </p:nvPicPr>
+        <p:blipFill rotWithShape="1">
+          <a:blip r:embed="rId4" cstate="print">
+            <a:extLst>
+              <a:ext uri="{28A0092B-C50C-407E-A947-70E740481C1C}">
+                <a14:useLocalDpi xmlns:a14="http://schemas.microsoft.com/office/drawing/2010/main" val="0"/>
+              </a:ext>
+            </a:extLst>
+          </a:blip>
+          <a:stretch>
+            <a:fillRect/>
+          </a:stretch>
+        </p:blipFill>
+        <p:spPr>
+          <a:xfrm rot="0">
+            <a:off x="6808470" y="3657600"/>
+            <a:ext cx="4140200" cy="1122680"/>
+          </a:xfrm>
+          <a:prstGeom prst="roundRect"/>
+          <a:solidFill>
+            <a:srgbClr val="EDEDED"/>
+          </a:solidFill>
+        </p:spPr>
+      </p:pic>
+      <p:pic>
+        <p:nvPicPr>
+          <p:cNvPr id="74" name="그림 15" descr="C:/Users/Admin1/AppData/Roaming/PolarisOffice/ETemp/21312_17687784/fImage158112481478.png"/>
+          <p:cNvPicPr>
+            <a:picLocks noChangeAspect="1"/>
+          </p:cNvPicPr>
+          <p:nvPr/>
+        </p:nvPicPr>
+        <p:blipFill rotWithShape="1">
+          <a:blip r:embed="rId5" cstate="print">
+            <a:extLst>
+              <a:ext uri="{28A0092B-C50C-407E-A947-70E740481C1C}">
+                <a14:useLocalDpi xmlns:a14="http://schemas.microsoft.com/office/drawing/2010/main" val="0"/>
+              </a:ext>
+            </a:extLst>
+          </a:blip>
+          <a:stretch>
+            <a:fillRect/>
+          </a:stretch>
+        </p:blipFill>
+        <p:spPr>
+          <a:xfrm rot="0">
+            <a:off x="6808470" y="1446530"/>
+            <a:ext cx="4157345" cy="2004060"/>
+          </a:xfrm>
+          <a:prstGeom prst="roundRect"/>
+          <a:solidFill>
+            <a:srgbClr val="EDEDED"/>
+          </a:solidFill>
+        </p:spPr>
+      </p:pic>
+      <p:cxnSp>
+        <p:nvCxnSpPr>
+          <p:cNvPr id="75" name="도형 18"/>
+          <p:cNvCxnSpPr/>
+          <p:nvPr/>
+        </p:nvCxnSpPr>
+        <p:spPr>
+          <a:xfrm rot="0" flipV="1">
+            <a:off x="10524490" y="1729105"/>
+            <a:ext cx="299720" cy="2303145"/>
+          </a:xfrm>
+          <a:prstGeom prst="straightConnector1"/>
+          <a:ln w="6350" cap="flat" cmpd="sng">
+            <a:prstDash/>
+            <a:headEnd type="none" w="med" len="med"/>
+            <a:tailEnd type="triangle" w="med" len="med"/>
+          </a:ln>
+        </p:spPr>
+        <p:style>
+          <a:lnRef idx="1">
+            <a:schemeClr val="accent1"/>
+          </a:lnRef>
+          <a:fillRef idx="0">
+            <a:schemeClr val="accent1"/>
+          </a:fillRef>
+          <a:effectRef idx="0">
+            <a:schemeClr val="accent1"/>
+          </a:effectRef>
+          <a:fontRef idx="minor">
+            <a:schemeClr val="tx1"/>
+          </a:fontRef>
+        </p:style>
+      </p:cxnSp>
+    </p:spTree>
+  </p:cSld>
+  <p:clrMapOvr>
+    <a:masterClrMapping/>
+  </p:clrMapOvr>
+  <mc:AlternateContent xmlns:mc="http://schemas.openxmlformats.org/markup-compatibility/2006">
+    <mc:Choice xmlns:p14="http://schemas.microsoft.com/office/powerpoint/2010/main" Requires="p14">
+      <p:transition spd="slow" p14:dur="1000"/>
+    </mc:Choice>
+    <mc:Fallback>
+      <p:transition spd="slow"/>
+    </mc:Fallback>
+  </mc:AlternateContent>
+  <p:timing>
+    <p:tnLst>
+      <p:par>
+        <p:cTn id="1" dur="indefinite" restart="never" nodeType="tmRoot"/>
+      </p:par>
+    </p:tnLst>
+  </p:timing>
+</p:sld>
+</file>
+
+<file path=ppt/slides/slide16.xml><?xml version="1.0" encoding="utf-8"?>
+<p:sld xmlns:a="http://schemas.openxmlformats.org/drawingml/2006/main" xmlns:r="http://schemas.openxmlformats.org/officeDocument/2006/relationships" xmlns:p="http://schemas.openxmlformats.org/presentationml/2006/main">
+  <p:cSld>
+    <p:spTree>
+      <p:nvGrpSpPr>
+        <p:cNvPr id="1" name=""/>
+        <p:cNvGrpSpPr/>
+        <p:nvPr/>
+      </p:nvGrpSpPr>
+      <p:grpSpPr>
+        <a:xfrm>
+          <a:off x="0" y="0"/>
+          <a:ext cx="0" cy="0"/>
+          <a:chOff x="0" y="0"/>
+          <a:chExt cx="0" cy="0"/>
+        </a:xfrm>
+      </p:grpSpPr>
+      <p:sp>
+        <p:nvSpPr>
+          <p:cNvPr id="2" name="Rect 0"/>
+          <p:cNvSpPr txBox="1">
+            <a:spLocks/>
+          </p:cNvSpPr>
+          <p:nvPr/>
+        </p:nvSpPr>
+        <p:spPr>
+          <a:xfrm rot="0">
+            <a:off x="4344670" y="377825"/>
+            <a:ext cx="3503930" cy="478155"/>
+          </a:xfrm>
+          <a:prstGeom prst="rect"/>
+          <a:noFill/>
+          <a:ln w="0">
+            <a:noFill/>
+            <a:prstDash/>
+          </a:ln>
+        </p:spPr>
+        <p:txBody>
+          <a:bodyPr wrap="square" lIns="89535" tIns="46355" rIns="89535" bIns="46355" numCol="1" vert="horz" anchor="t">
+            <a:spAutoFit/>
+          </a:bodyPr>
+          <a:lstStyle/>
+          <a:p>
+            <a:pPr marL="0" indent="0" rtl="0" algn="ctr" defTabSz="914400" eaLnBrk="1" latinLnBrk="0" hangingPunct="1">
+              <a:buFontTx/>
+              <a:buNone/>
+            </a:pPr>
+            <a:r>
+              <a:rPr lang="ko-KR" sz="2500" b="1">
+                <a:solidFill>
+                  <a:schemeClr val="tx1"/>
+                </a:solidFill>
+                <a:latin typeface="나눔바른고딕" charset="0"/>
+                <a:ea typeface="나눔바른고딕" charset="0"/>
+              </a:rPr>
+              <a:t>열</a:t>
+            </a:r>
+            <a:r>
+              <a:rPr lang="ko-KR" sz="2500" b="1">
+                <a:solidFill>
+                  <a:schemeClr val="tx1"/>
+                </a:solidFill>
+                <a:latin typeface="나눔바른고딕" charset="0"/>
+                <a:ea typeface="나눔바른고딕" charset="0"/>
+              </a:rPr>
+              <a:t>세</a:t>
+            </a:r>
+            <a:r>
+              <a:rPr lang="ko-KR" sz="2500" b="1">
+                <a:solidFill>
+                  <a:schemeClr val="tx1"/>
+                </a:solidFill>
+                <a:latin typeface="나눔바른고딕" charset="0"/>
+                <a:ea typeface="나눔바른고딕" charset="0"/>
+              </a:rPr>
+              <a:t> 번째 튜토리얼</a:t>
+            </a:r>
+            <a:endParaRPr lang="ko-KR" altLang="en-US" sz="2500" b="1">
+              <a:solidFill>
+                <a:schemeClr val="tx1"/>
+              </a:solidFill>
+              <a:latin typeface="나눔바른고딕" charset="0"/>
+              <a:ea typeface="나눔바른고딕" charset="0"/>
+            </a:endParaRPr>
+          </a:p>
+        </p:txBody>
+      </p:sp>
+      <p:sp>
+        <p:nvSpPr>
+          <p:cNvPr id="25" name="Rect 0"/>
+          <p:cNvSpPr txBox="1">
+            <a:spLocks/>
+          </p:cNvSpPr>
+          <p:nvPr/>
+        </p:nvSpPr>
+        <p:spPr>
+          <a:xfrm rot="0">
+            <a:off x="1228725" y="2879725"/>
+            <a:ext cx="4140835" cy="954405"/>
+          </a:xfrm>
+          <a:prstGeom prst="rect"/>
+          <a:noFill/>
+          <a:ln w="0">
+            <a:noFill/>
+            <a:prstDash/>
+          </a:ln>
+        </p:spPr>
+        <p:txBody>
+          <a:bodyPr wrap="square" lIns="89535" tIns="46355" rIns="89535" bIns="46355" numCol="1" vert="horz" anchor="t">
+            <a:spAutoFit/>
+          </a:bodyPr>
+          <a:lstStyle/>
+          <a:p>
+            <a:pPr marL="0" indent="0" rtl="0" algn="l" defTabSz="914400" eaLnBrk="1" latinLnBrk="0" hangingPunct="1">
+              <a:buFontTx/>
+              <a:buNone/>
+            </a:pPr>
+            <a:r>
+              <a:rPr lang="ko-KR" sz="2000" b="1">
+                <a:solidFill>
+                  <a:srgbClr val="0611F2"/>
+                </a:solidFill>
+                <a:latin typeface="맑은 고딕" charset="0"/>
+                <a:ea typeface="맑은 고딕" charset="0"/>
+              </a:rPr>
+              <a:t>33</a:t>
+            </a:r>
+            <a:r>
+              <a:rPr sz="2000" b="1">
+                <a:solidFill>
+                  <a:srgbClr val="0611F2"/>
+                </a:solidFill>
+                <a:latin typeface="맑은 고딕" charset="0"/>
+                <a:ea typeface="맑은 고딕" charset="0"/>
+              </a:rPr>
+              <a:t>.</a:t>
+            </a:r>
+            <a:r>
+              <a:rPr sz="2000">
+                <a:latin typeface="맑은 고딕" charset="0"/>
+                <a:ea typeface="맑은 고딕" charset="0"/>
+              </a:rPr>
+              <a:t> </a:t>
+            </a:r>
+            <a:r>
+              <a:rPr lang="ko-KR" sz="1800">
+                <a:latin typeface="맑은 고딕" charset="0"/>
+                <a:ea typeface="맑은 고딕" charset="0"/>
+              </a:rPr>
+              <a:t>그런 다음 Watch Button</a:t>
+            </a:r>
+            <a:r>
+              <a:rPr lang="ko-KR" sz="1800">
+                <a:latin typeface="맑은 고딕" charset="0"/>
+                <a:ea typeface="맑은 고딕" charset="0"/>
+              </a:rPr>
+              <a:t> </a:t>
+            </a:r>
+            <a:r>
+              <a:rPr lang="ko-KR" sz="1800">
+                <a:latin typeface="맑은 고딕" charset="0"/>
+                <a:ea typeface="맑은 고딕" charset="0"/>
+              </a:rPr>
+              <a:t>오브젝트의 On Click( ) 함수에 StoneMonster 오브젝트를 넣어줍니다.</a:t>
+            </a:r>
+            <a:endParaRPr lang="ko-KR" altLang="en-US" sz="1800">
+              <a:latin typeface="맑은 고딕" charset="0"/>
+              <a:ea typeface="맑은 고딕" charset="0"/>
+            </a:endParaRPr>
+          </a:p>
+        </p:txBody>
+      </p:sp>
+      <p:sp>
+        <p:nvSpPr>
+          <p:cNvPr id="54" name="Rect 0"/>
+          <p:cNvSpPr txBox="1">
+            <a:spLocks/>
+          </p:cNvSpPr>
+          <p:nvPr/>
+        </p:nvSpPr>
+        <p:spPr>
+          <a:xfrm rot="0">
+            <a:off x="6814820" y="2760980"/>
+            <a:ext cx="4131310" cy="1231265"/>
+          </a:xfrm>
+          <a:prstGeom prst="rect"/>
+          <a:noFill/>
+          <a:ln w="0">
+            <a:noFill/>
+            <a:prstDash/>
+          </a:ln>
+        </p:spPr>
+        <p:txBody>
+          <a:bodyPr wrap="square" lIns="89535" tIns="46355" rIns="89535" bIns="46355" numCol="1" vert="horz" anchor="t">
+            <a:spAutoFit/>
+          </a:bodyPr>
+          <a:lstStyle/>
+          <a:p>
+            <a:pPr marL="0" indent="0" rtl="0" algn="l" defTabSz="914400" eaLnBrk="1" latinLnBrk="0" hangingPunct="1">
+              <a:buFontTx/>
+              <a:buNone/>
+            </a:pPr>
+            <a:r>
+              <a:rPr lang="ko-KR" sz="2000" b="1">
+                <a:solidFill>
+                  <a:srgbClr val="0611F2"/>
+                </a:solidFill>
+                <a:latin typeface="맑은 고딕" charset="0"/>
+                <a:ea typeface="맑은 고딕" charset="0"/>
+              </a:rPr>
+              <a:t>35</a:t>
+            </a:r>
+            <a:r>
+              <a:rPr sz="2000" b="1">
+                <a:solidFill>
+                  <a:srgbClr val="0611F2"/>
+                </a:solidFill>
+                <a:latin typeface="맑은 고딕" charset="0"/>
+                <a:ea typeface="맑은 고딕" charset="0"/>
+              </a:rPr>
+              <a:t>.</a:t>
+            </a:r>
+            <a:r>
+              <a:rPr sz="2000">
+                <a:latin typeface="맑은 고딕" charset="0"/>
+                <a:ea typeface="맑은 고딕" charset="0"/>
+              </a:rPr>
+              <a:t> </a:t>
+            </a:r>
+            <a:r>
+              <a:rPr lang="ko-KR" sz="1800">
+                <a:latin typeface="맑은 고딕" charset="0"/>
+                <a:ea typeface="맑은 고딕" charset="0"/>
+              </a:rPr>
+              <a:t>그</a:t>
+            </a:r>
+            <a:r>
+              <a:rPr lang="ko-KR" sz="1800">
+                <a:latin typeface="맑은 고딕" charset="0"/>
+                <a:ea typeface="맑은 고딕" charset="0"/>
+              </a:rPr>
+              <a:t>다음 </a:t>
+            </a:r>
+            <a:r>
+              <a:rPr lang="ko-KR" sz="1800">
+                <a:latin typeface="맑은 고딕" charset="0"/>
+                <a:ea typeface="맑은 고딕" charset="0"/>
+              </a:rPr>
+              <a:t>Project 폴더 아래에 있는 Texture 폴더에</a:t>
+            </a:r>
+            <a:r>
+              <a:rPr lang="ko-KR" sz="1800">
+                <a:latin typeface="맑은 고딕" charset="0"/>
+                <a:ea typeface="맑은 고딕" charset="0"/>
+              </a:rPr>
+              <a:t> Stone Monster</a:t>
+            </a:r>
+            <a:r>
+              <a:rPr lang="ko-KR" sz="1800">
+                <a:latin typeface="맑은 고딕" charset="0"/>
+                <a:ea typeface="맑은 고딕" charset="0"/>
+              </a:rPr>
+              <a:t> 텍스처를 선택하고 </a:t>
+            </a:r>
+            <a:r>
+              <a:rPr lang="ko-KR" sz="1800">
+                <a:latin typeface="맑은 고딕" charset="0"/>
+                <a:ea typeface="맑은 고딕" charset="0"/>
+              </a:rPr>
+              <a:t>StoneMonster </a:t>
+            </a:r>
+            <a:r>
+              <a:rPr lang="ko-KR" sz="1800">
+                <a:latin typeface="맑은 고딕" charset="0"/>
+                <a:ea typeface="맑은 고딕" charset="0"/>
+              </a:rPr>
+              <a:t>오브젝트에 넣어줍니다.</a:t>
+            </a:r>
+            <a:endParaRPr lang="ko-KR" altLang="en-US" sz="1800">
+              <a:latin typeface="맑은 고딕" charset="0"/>
+              <a:ea typeface="맑은 고딕" charset="0"/>
+            </a:endParaRPr>
+          </a:p>
+        </p:txBody>
+      </p:sp>
+      <p:pic>
+        <p:nvPicPr>
+          <p:cNvPr id="76" name="그림 25" descr="C:/Users/Admin1/AppData/Roaming/PolarisOffice/ETemp/21312_17687784/fImage53412649358.png"/>
+          <p:cNvPicPr>
+            <a:picLocks noChangeAspect="1"/>
+          </p:cNvPicPr>
+          <p:nvPr/>
+        </p:nvPicPr>
+        <p:blipFill rotWithShape="1">
+          <a:blip r:embed="rId2" cstate="print">
+            <a:extLst>
+              <a:ext uri="{28A0092B-C50C-407E-A947-70E740481C1C}">
+                <a14:useLocalDpi xmlns:a14="http://schemas.microsoft.com/office/drawing/2010/main" val="0"/>
+              </a:ext>
+            </a:extLst>
+          </a:blip>
+          <a:stretch>
+            <a:fillRect/>
+          </a:stretch>
+        </p:blipFill>
+        <p:spPr>
+          <a:xfrm rot="0">
+            <a:off x="2759710" y="1438275"/>
+            <a:ext cx="2609850" cy="1315085"/>
+          </a:xfrm>
+          <a:prstGeom prst="roundRect"/>
+          <a:solidFill>
+            <a:srgbClr val="EDEDED"/>
+          </a:solidFill>
+        </p:spPr>
+      </p:pic>
+      <p:pic>
+        <p:nvPicPr>
+          <p:cNvPr id="77" name="그림 26" descr="C:/Users/Admin1/AppData/Roaming/PolarisOffice/ETemp/21312_17687784/fImage69372656962.png"/>
+          <p:cNvPicPr>
+            <a:picLocks noChangeAspect="1"/>
+          </p:cNvPicPr>
+          <p:nvPr/>
+        </p:nvPicPr>
+        <p:blipFill rotWithShape="1">
+          <a:blip r:embed="rId3" cstate="print">
+            <a:extLst>
+              <a:ext uri="{28A0092B-C50C-407E-A947-70E740481C1C}">
+                <a14:useLocalDpi xmlns:a14="http://schemas.microsoft.com/office/drawing/2010/main" val="0"/>
+              </a:ext>
+            </a:extLst>
+          </a:blip>
+          <a:stretch>
+            <a:fillRect/>
+          </a:stretch>
+        </p:blipFill>
+        <p:spPr>
+          <a:xfrm rot="0">
+            <a:off x="1238250" y="1437640"/>
+            <a:ext cx="1379855" cy="1316355"/>
+          </a:xfrm>
+          <a:prstGeom prst="roundRect"/>
+          <a:solidFill>
+            <a:srgbClr val="EDEDED"/>
+          </a:solidFill>
+        </p:spPr>
+      </p:pic>
+      <p:cxnSp>
+        <p:nvCxnSpPr>
+          <p:cNvPr id="78" name="도형 31"/>
+          <p:cNvCxnSpPr/>
+          <p:nvPr/>
+        </p:nvCxnSpPr>
+        <p:spPr>
+          <a:xfrm rot="0">
+            <a:off x="2459355" y="1896745"/>
+            <a:ext cx="1122680" cy="304165"/>
+          </a:xfrm>
+          <a:prstGeom prst="straightConnector1"/>
+          <a:ln w="6350" cap="flat" cmpd="sng">
+            <a:prstDash/>
+            <a:headEnd type="none" w="med" len="med"/>
+            <a:tailEnd type="triangle" w="med" len="med"/>
+          </a:ln>
+        </p:spPr>
+        <p:style>
+          <a:lnRef idx="1">
+            <a:schemeClr val="accent1"/>
+          </a:lnRef>
+          <a:fillRef idx="0">
+            <a:schemeClr val="accent1"/>
+          </a:fillRef>
+          <a:effectRef idx="0">
+            <a:schemeClr val="accent1"/>
+          </a:effectRef>
+          <a:fontRef idx="minor">
+            <a:schemeClr val="tx1"/>
+          </a:fontRef>
+        </p:style>
+      </p:cxnSp>
+      <p:pic>
+        <p:nvPicPr>
+          <p:cNvPr id="79" name="그림 32" descr="C:/Users/Admin1/AppData/Roaming/PolarisOffice/ETemp/21312_17687784/fImage57852674464.png"/>
+          <p:cNvPicPr>
+            <a:picLocks noChangeAspect="1"/>
+          </p:cNvPicPr>
+          <p:nvPr/>
+        </p:nvPicPr>
+        <p:blipFill rotWithShape="1">
+          <a:blip r:embed="rId4" cstate="print">
+            <a:extLst>
+              <a:ext uri="{28A0092B-C50C-407E-A947-70E740481C1C}">
+                <a14:useLocalDpi xmlns:a14="http://schemas.microsoft.com/office/drawing/2010/main" val="0"/>
+              </a:ext>
+            </a:extLst>
+          </a:blip>
+          <a:stretch>
+            <a:fillRect/>
+          </a:stretch>
+        </p:blipFill>
+        <p:spPr>
+          <a:xfrm rot="0">
+            <a:off x="1229995" y="3971925"/>
+            <a:ext cx="4139565" cy="1457960"/>
+          </a:xfrm>
+          <a:prstGeom prst="roundRect"/>
+          <a:solidFill>
+            <a:srgbClr val="EDEDED"/>
+          </a:solidFill>
+        </p:spPr>
+      </p:pic>
+      <p:sp>
+        <p:nvSpPr>
+          <p:cNvPr id="80" name="텍스트 상자 35"/>
+          <p:cNvSpPr txBox="1">
+            <a:spLocks/>
+          </p:cNvSpPr>
+          <p:nvPr/>
+        </p:nvSpPr>
+        <p:spPr>
+          <a:xfrm rot="0">
+            <a:off x="1229995" y="5560695"/>
+            <a:ext cx="4142105" cy="677545"/>
+          </a:xfrm>
+          <a:prstGeom prst="rect"/>
+          <a:noFill/>
+          <a:ln w="0">
+            <a:noFill/>
+            <a:prstDash/>
+          </a:ln>
+        </p:spPr>
+        <p:txBody>
+          <a:bodyPr wrap="square" lIns="89535" tIns="46355" rIns="89535" bIns="46355" numCol="1" vert="horz" anchor="t">
+            <a:spAutoFit/>
+          </a:bodyPr>
+          <a:lstStyle/>
+          <a:p>
+            <a:pPr marL="0" indent="0" rtl="0" algn="l" defTabSz="914400" eaLnBrk="1" latinLnBrk="0" hangingPunct="1">
+              <a:buFontTx/>
+              <a:buNone/>
+            </a:pPr>
+            <a:r>
+              <a:rPr lang="ko-KR" sz="2000" b="1">
+                <a:solidFill>
+                  <a:srgbClr val="0611F2"/>
+                </a:solidFill>
+                <a:latin typeface="맑은 고딕" charset="0"/>
+                <a:ea typeface="맑은 고딕" charset="0"/>
+              </a:rPr>
+              <a:t>34</a:t>
+            </a:r>
+            <a:r>
+              <a:rPr sz="2000" b="1">
+                <a:solidFill>
+                  <a:srgbClr val="0611F2"/>
+                </a:solidFill>
+                <a:latin typeface="맑은 고딕" charset="0"/>
+                <a:ea typeface="맑은 고딕" charset="0"/>
+              </a:rPr>
+              <a:t>.</a:t>
+            </a:r>
+            <a:r>
+              <a:rPr sz="2000">
+                <a:latin typeface="맑은 고딕" charset="0"/>
+                <a:ea typeface="맑은 고딕" charset="0"/>
+              </a:rPr>
+              <a:t> </a:t>
+            </a:r>
+            <a:r>
+              <a:rPr lang="ko-KR" sz="1800">
+                <a:latin typeface="맑은 고딕" charset="0"/>
+                <a:ea typeface="맑은 고딕" charset="0"/>
+              </a:rPr>
+              <a:t>그러고 나서 EarthObservation( ) 함수를 On Click( ) 함수에 등록합니다. </a:t>
+            </a:r>
+            <a:endParaRPr lang="ko-KR" altLang="en-US" sz="1800">
+              <a:latin typeface="맑은 고딕" charset="0"/>
+              <a:ea typeface="맑은 고딕" charset="0"/>
+            </a:endParaRPr>
+          </a:p>
+        </p:txBody>
+      </p:sp>
+      <p:pic>
+        <p:nvPicPr>
+          <p:cNvPr id="81" name="그림 36" descr="C:/Users/Admin1/AppData/Roaming/PolarisOffice/ETemp/21312_17687784/fImage82222695705.png"/>
+          <p:cNvPicPr>
+            <a:picLocks noChangeAspect="1"/>
+          </p:cNvPicPr>
+          <p:nvPr/>
+        </p:nvPicPr>
+        <p:blipFill rotWithShape="1">
+          <a:blip r:embed="rId5" cstate="print">
+            <a:extLst>
+              <a:ext uri="{28A0092B-C50C-407E-A947-70E740481C1C}">
+                <a14:useLocalDpi xmlns:a14="http://schemas.microsoft.com/office/drawing/2010/main" val="0"/>
+              </a:ext>
+            </a:extLst>
+          </a:blip>
+          <a:stretch>
+            <a:fillRect/>
+          </a:stretch>
+        </p:blipFill>
+        <p:spPr>
+          <a:xfrm rot="0">
+            <a:off x="6814820" y="1437640"/>
+            <a:ext cx="1256030" cy="1214120"/>
+          </a:xfrm>
+          <a:prstGeom prst="roundRect"/>
+          <a:solidFill>
+            <a:srgbClr val="EDEDED"/>
+          </a:solidFill>
+        </p:spPr>
+      </p:pic>
+      <p:pic>
+        <p:nvPicPr>
+          <p:cNvPr id="82" name="그림 39" descr="C:/Users/Admin1/AppData/Roaming/PolarisOffice/ETemp/21312_17687784/fImage316682708145.png"/>
+          <p:cNvPicPr>
+            <a:picLocks noChangeAspect="1"/>
+          </p:cNvPicPr>
+          <p:nvPr/>
+        </p:nvPicPr>
+        <p:blipFill rotWithShape="1">
+          <a:blip r:embed="rId6" cstate="print">
+            <a:extLst>
+              <a:ext uri="{28A0092B-C50C-407E-A947-70E740481C1C}">
+                <a14:useLocalDpi xmlns:a14="http://schemas.microsoft.com/office/drawing/2010/main" val="0"/>
+              </a:ext>
+            </a:extLst>
+          </a:blip>
+          <a:stretch>
+            <a:fillRect/>
+          </a:stretch>
+        </p:blipFill>
+        <p:spPr>
+          <a:xfrm rot="0">
+            <a:off x="8209280" y="1445895"/>
+            <a:ext cx="2745105" cy="1195705"/>
+          </a:xfrm>
+          <a:prstGeom prst="roundRect"/>
+          <a:solidFill>
+            <a:srgbClr val="EDEDED"/>
+          </a:solidFill>
+        </p:spPr>
+      </p:pic>
+      <p:cxnSp>
+        <p:nvCxnSpPr>
+          <p:cNvPr id="83" name="도형 42"/>
+          <p:cNvCxnSpPr/>
+          <p:nvPr/>
+        </p:nvCxnSpPr>
+        <p:spPr>
+          <a:xfrm rot="0" flipH="1">
+            <a:off x="8035925" y="1835785"/>
+            <a:ext cx="1558925" cy="147955"/>
+          </a:xfrm>
+          <a:prstGeom prst="straightConnector1"/>
+          <a:ln w="6350" cap="flat" cmpd="sng">
+            <a:prstDash/>
+            <a:headEnd type="none" w="med" len="med"/>
+            <a:tailEnd type="triangle" w="med" len="med"/>
+          </a:ln>
+        </p:spPr>
+        <p:style>
+          <a:lnRef idx="1">
+            <a:schemeClr val="accent1"/>
+          </a:lnRef>
+          <a:fillRef idx="0">
+            <a:schemeClr val="accent1"/>
+          </a:fillRef>
+          <a:effectRef idx="0">
+            <a:schemeClr val="accent1"/>
+          </a:effectRef>
+          <a:fontRef idx="minor">
+            <a:schemeClr val="tx1"/>
+          </a:fontRef>
+        </p:style>
+      </p:cxnSp>
+      <p:pic>
+        <p:nvPicPr>
+          <p:cNvPr id="84" name="그림 43" descr="C:/Users/Admin1/AppData/Roaming/PolarisOffice/ETemp/21312_17687784/fImage22312723281.png"/>
+          <p:cNvPicPr>
+            <a:picLocks noChangeAspect="1"/>
+          </p:cNvPicPr>
+          <p:nvPr/>
+        </p:nvPicPr>
+        <p:blipFill rotWithShape="1">
+          <a:blip r:embed="rId7" cstate="print">
+            <a:extLst>
+              <a:ext uri="{28A0092B-C50C-407E-A947-70E740481C1C}">
+                <a14:useLocalDpi xmlns:a14="http://schemas.microsoft.com/office/drawing/2010/main" val="0"/>
+              </a:ext>
+            </a:extLst>
+          </a:blip>
+          <a:stretch>
+            <a:fillRect/>
+          </a:stretch>
+        </p:blipFill>
+        <p:spPr>
+          <a:xfrm rot="0">
+            <a:off x="8235315" y="4156710"/>
+            <a:ext cx="2714625" cy="558800"/>
+          </a:xfrm>
+          <a:prstGeom prst="roundRect"/>
+          <a:solidFill>
+            <a:srgbClr val="EDEDED"/>
+          </a:solidFill>
+          <a:effectLst>
+            <a:reflection algn="bl" blurRad="12700" dir="5400000" dist="5080" stA="38000" endPos="28000" sx="100000" sy="-100000" rotWithShape="0"/>
+          </a:effectLst>
+        </p:spPr>
+      </p:pic>
+      <p:pic>
+        <p:nvPicPr>
+          <p:cNvPr id="85" name="그림 45" descr="C:/Users/Admin1/AppData/Roaming/PolarisOffice/ETemp/21312_17687784/fImage82562736827.png"/>
+          <p:cNvPicPr>
+            <a:picLocks noChangeAspect="1"/>
+          </p:cNvPicPr>
+          <p:nvPr/>
+        </p:nvPicPr>
+        <p:blipFill rotWithShape="1">
+          <a:blip r:embed="rId8" cstate="print">
+            <a:extLst>
+              <a:ext uri="{28A0092B-C50C-407E-A947-70E740481C1C}">
+                <a14:useLocalDpi xmlns:a14="http://schemas.microsoft.com/office/drawing/2010/main" val="0"/>
+              </a:ext>
+            </a:extLst>
+          </a:blip>
+          <a:stretch>
+            <a:fillRect/>
+          </a:stretch>
+        </p:blipFill>
+        <p:spPr>
+          <a:xfrm rot="0">
+            <a:off x="6812280" y="4145280"/>
+            <a:ext cx="1267460" cy="1275080"/>
+          </a:xfrm>
+          <a:prstGeom prst="roundRect"/>
+          <a:solidFill>
+            <a:srgbClr val="EDEDED"/>
+          </a:solidFill>
+        </p:spPr>
+      </p:pic>
+      <p:sp>
+        <p:nvSpPr>
+          <p:cNvPr id="86" name="텍스트 상자 48"/>
+          <p:cNvSpPr txBox="1">
+            <a:spLocks/>
+          </p:cNvSpPr>
+          <p:nvPr/>
+        </p:nvSpPr>
+        <p:spPr>
+          <a:xfrm rot="0">
+            <a:off x="6807835" y="5552440"/>
+            <a:ext cx="4137025" cy="677545"/>
+          </a:xfrm>
+          <a:prstGeom prst="rect"/>
+          <a:noFill/>
+          <a:ln w="0">
+            <a:noFill/>
+            <a:prstDash/>
+          </a:ln>
+        </p:spPr>
+        <p:txBody>
+          <a:bodyPr wrap="square" lIns="89535" tIns="46355" rIns="89535" bIns="46355" numCol="1" vert="horz" anchor="t">
+            <a:spAutoFit/>
+          </a:bodyPr>
+          <a:lstStyle/>
+          <a:p>
+            <a:pPr marL="0" indent="0" rtl="0" algn="l" defTabSz="914400" eaLnBrk="1" latinLnBrk="0" hangingPunct="1">
+              <a:buFontTx/>
+              <a:buNone/>
+            </a:pPr>
+            <a:r>
+              <a:rPr lang="ko-KR" sz="2000" b="1">
+                <a:solidFill>
+                  <a:srgbClr val="0611F2"/>
+                </a:solidFill>
+                <a:latin typeface="맑은 고딕" charset="0"/>
+                <a:ea typeface="맑은 고딕" charset="0"/>
+              </a:rPr>
+              <a:t>36</a:t>
+            </a:r>
+            <a:r>
+              <a:rPr sz="2000" b="1">
+                <a:solidFill>
+                  <a:srgbClr val="0611F2"/>
+                </a:solidFill>
+                <a:latin typeface="맑은 고딕" charset="0"/>
+                <a:ea typeface="맑은 고딕" charset="0"/>
+              </a:rPr>
+              <a:t>.</a:t>
+            </a:r>
+            <a:r>
+              <a:rPr sz="2000">
+                <a:latin typeface="맑은 고딕" charset="0"/>
+                <a:ea typeface="맑은 고딕" charset="0"/>
+              </a:rPr>
+              <a:t> </a:t>
+            </a:r>
+            <a:r>
+              <a:rPr lang="ko-KR" sz="1800">
+                <a:latin typeface="맑은 고딕" charset="0"/>
+                <a:ea typeface="맑은 고딕" charset="0"/>
+              </a:rPr>
+              <a:t>마지막으로 Camera 오브젝트에 있는 Audio Listener를 제거합니다. </a:t>
+            </a:r>
+            <a:endParaRPr lang="ko-KR" altLang="en-US" sz="1800">
+              <a:latin typeface="맑은 고딕" charset="0"/>
+              <a:ea typeface="맑은 고딕" charset="0"/>
+            </a:endParaRPr>
+          </a:p>
+        </p:txBody>
+      </p:sp>
+      <p:pic>
+        <p:nvPicPr>
+          <p:cNvPr id="87" name="그림 49" descr="C:/Users/Admin1/AppData/Roaming/PolarisOffice/ETemp/21312_17687784/fImage9422759961.png"/>
+          <p:cNvPicPr>
+            <a:picLocks noChangeAspect="1"/>
+          </p:cNvPicPr>
+          <p:nvPr/>
+        </p:nvPicPr>
+        <p:blipFill rotWithShape="1">
+          <a:blip r:embed="rId9" cstate="print">
+            <a:extLst>
+              <a:ext uri="{28A0092B-C50C-407E-A947-70E740481C1C}">
+                <a14:useLocalDpi xmlns:a14="http://schemas.microsoft.com/office/drawing/2010/main" val="0"/>
+              </a:ext>
+            </a:extLst>
+          </a:blip>
+          <a:stretch>
+            <a:fillRect/>
+          </a:stretch>
+        </p:blipFill>
+        <p:spPr>
+          <a:xfrm rot="0">
+            <a:off x="8221980" y="4829175"/>
+            <a:ext cx="2722880" cy="579120"/>
+          </a:xfrm>
+          <a:prstGeom prst="roundRect"/>
+          <a:solidFill>
+            <a:srgbClr val="EDEDED"/>
+          </a:solidFill>
+        </p:spPr>
+      </p:pic>
     </p:spTree>
   </p:cSld>
   <p:clrMapOvr>
@@ -8796,7 +10179,7 @@
       </p:sp>
       <p:pic>
         <p:nvPicPr>
-          <p:cNvPr id="6" name="그림 25" descr="C:/Users/Admin1/AppData/Roaming/PolarisOffice/ETemp/15980_12108288/fImage8382821941.png"/>
+          <p:cNvPr id="6" name="그림 25"/>
           <p:cNvPicPr>
             <a:picLocks noChangeAspect="1"/>
           </p:cNvPicPr>
@@ -8827,7 +10210,7 @@
       </p:pic>
       <p:pic>
         <p:nvPicPr>
-          <p:cNvPr id="7" name="그림 26" descr="C:/Users/Admin1/AppData/Roaming/PolarisOffice/ETemp/15980_12108288/fImage320442208467.png"/>
+          <p:cNvPr id="7" name="그림 26"/>
           <p:cNvPicPr>
             <a:picLocks noChangeAspect="1"/>
           </p:cNvPicPr>
@@ -8858,7 +10241,7 @@
       </p:pic>
       <p:pic>
         <p:nvPicPr>
-          <p:cNvPr id="8" name="그림 27" descr="C:/Users/Admin1/AppData/Roaming/PolarisOffice/ETemp/15980_12108288/fImage42642216334.png"/>
+          <p:cNvPr id="8" name="그림 27"/>
           <p:cNvPicPr>
             <a:picLocks noChangeAspect="1"/>
           </p:cNvPicPr>
@@ -9732,7 +11115,7 @@
       </p:sp>
       <p:pic>
         <p:nvPicPr>
-          <p:cNvPr id="24" name="그림 4" descr="C:/Users/Admin1/AppData/Roaming/PolarisOffice/ETemp/15980_12108288/fImage11845223292.png"/>
+          <p:cNvPr id="24" name="그림 4"/>
           <p:cNvPicPr>
             <a:picLocks noChangeAspect="1"/>
           </p:cNvPicPr>
@@ -9919,7 +11302,7 @@
       </p:sp>
       <p:pic>
         <p:nvPicPr>
-          <p:cNvPr id="31" name="그림 1" descr="C:/Users/Admin1/AppData/Roaming/PolarisOffice/ETemp/15980_12108288/fImage1118614641.png"/>
+          <p:cNvPr id="31" name="그림 1"/>
           <p:cNvPicPr>
             <a:picLocks noChangeAspect="1"/>
           </p:cNvPicPr>
@@ -9950,7 +11333,7 @@
       </p:pic>
       <p:pic>
         <p:nvPicPr>
-          <p:cNvPr id="32" name="그림 8" descr="C:/Users/Admin1/AppData/Roaming/PolarisOffice/ETemp/15980_12108288/fImage42641478467.png"/>
+          <p:cNvPr id="32" name="그림 8"/>
           <p:cNvPicPr>
             <a:picLocks noChangeAspect="1"/>
           </p:cNvPicPr>
@@ -10589,8 +11972,8 @@
         </p:nvSpPr>
         <p:spPr>
           <a:xfrm rot="0">
-            <a:off x="5356225" y="311150"/>
-            <a:ext cx="1487170" cy="555625"/>
+            <a:off x="5243830" y="346075"/>
+            <a:ext cx="1710690" cy="478155"/>
           </a:xfrm>
           <a:prstGeom prst="rect"/>
           <a:noFill/>
@@ -10605,26 +11988,26 @@
           </a:bodyPr>
           <a:lstStyle/>
           <a:p>
-            <a:pPr marL="0" indent="0" rtl="0" algn="l" defTabSz="914400" eaLnBrk="1" latinLnBrk="0" hangingPunct="1">
-              <a:buFontTx/>
-              <a:buNone/>
-            </a:pPr>
-            <a:r>
-              <a:rPr sz="3000" b="1">
+            <a:pPr marL="0" indent="0" rtl="0" algn="ctr" defTabSz="914400" eaLnBrk="1" latinLnBrk="0" hangingPunct="1">
+              <a:buFontTx/>
+              <a:buNone/>
+            </a:pPr>
+            <a:r>
+              <a:rPr sz="2500" b="1">
                 <a:solidFill>
                   <a:schemeClr val="tx1"/>
                 </a:solidFill>
-                <a:latin typeface="맑은 고딕" charset="0"/>
-                <a:ea typeface="맑은 고딕" charset="0"/>
+                <a:latin typeface="나눔바른고딕" charset="0"/>
+                <a:ea typeface="나눔바른고딕" charset="0"/>
               </a:rPr>
               <a:t>LookAt</a:t>
             </a:r>
-            <a:endParaRPr lang="ko-KR" altLang="en-US" sz="3000" b="1">
+            <a:endParaRPr lang="ko-KR" altLang="en-US" sz="2500" b="1">
               <a:solidFill>
                 <a:schemeClr val="tx1"/>
               </a:solidFill>
-              <a:latin typeface="맑은 고딕" charset="0"/>
-              <a:ea typeface="맑은 고딕" charset="0"/>
+              <a:latin typeface="나눔바른고딕" charset="0"/>
+              <a:ea typeface="나눔바른고딕" charset="0"/>
             </a:endParaRPr>
           </a:p>
         </p:txBody>
@@ -10760,7 +12143,7 @@
       </p:sp>
       <p:pic>
         <p:nvPicPr>
-          <p:cNvPr id="5" name="그림 8"/>
+          <p:cNvPr id="5" name="그림 8" descr="C:/Users/Admin1/AppData/Roaming/PolarisOffice/ETemp/21312_17687784/fImage179831186500.png"/>
           <p:cNvPicPr>
             <a:picLocks noChangeAspect="1"/>
           </p:cNvPicPr>
@@ -10780,8 +12163,8 @@
         </p:blipFill>
         <p:spPr>
           <a:xfrm rot="0">
-            <a:off x="1237615" y="2543810"/>
-            <a:ext cx="4154805" cy="2310130"/>
+            <a:off x="1237615" y="2606675"/>
+            <a:ext cx="4155440" cy="2247900"/>
           </a:xfrm>
           <a:prstGeom prst="roundRect"/>
           <a:solidFill>
@@ -11024,7 +12407,7 @@
       </p:sp>
       <p:pic>
         <p:nvPicPr>
-          <p:cNvPr id="8" name="그림 107" descr="C:/Users/Admin1/AppData/Roaming/PolarisOffice/ETemp/15980_12108288/fImage6638220153.png"/>
+          <p:cNvPr id="8" name="그림 107"/>
           <p:cNvPicPr>
             <a:picLocks noChangeAspect="1"/>
           </p:cNvPicPr>
@@ -11279,7 +12662,7 @@
       </p:pic>
       <p:pic>
         <p:nvPicPr>
-          <p:cNvPr id="21" name="그림 20" descr="C:/Users/Admin1/AppData/Roaming/PolarisOffice/ETemp/15980_12108288/fImage56171566962.png"/>
+          <p:cNvPr id="21" name="그림 20"/>
           <p:cNvPicPr>
             <a:picLocks noChangeAspect="1"/>
           </p:cNvPicPr>
@@ -11342,7 +12725,7 @@
       </p:cxnSp>
       <p:pic>
         <p:nvPicPr>
-          <p:cNvPr id="22" name="그림 11" descr="C:/Users/Admin1/AppData/Roaming/PolarisOffice/ETemp/15980_12108288/fImage88391486334.png"/>
+          <p:cNvPr id="22" name="그림 11"/>
           <p:cNvPicPr>
             <a:picLocks noChangeAspect="1"/>
           </p:cNvPicPr>
@@ -11373,7 +12756,7 @@
       </p:pic>
       <p:pic>
         <p:nvPicPr>
-          <p:cNvPr id="23" name="그림 15" descr="C:/Users/Admin1/AppData/Roaming/PolarisOffice/ETemp/15980_12108288/fImage55991559358.png"/>
+          <p:cNvPr id="23" name="그림 15"/>
           <p:cNvPicPr>
             <a:picLocks noChangeAspect="1"/>
           </p:cNvPicPr>
@@ -11835,7 +13218,7 @@
       </p:pic>
       <p:pic>
         <p:nvPicPr>
-          <p:cNvPr id="9" name="그림 19" descr="C:/Users/Admin1/AppData/Roaming/PolarisOffice/ETemp/15980_12108288/fImage294561518467.png"/>
+          <p:cNvPr id="9" name="그림 19"/>
           <p:cNvPicPr>
             <a:picLocks noChangeAspect="1"/>
           </p:cNvPicPr>
@@ -12234,7 +13617,7 @@
       </p:sp>
       <p:pic>
         <p:nvPicPr>
-          <p:cNvPr id="36" name="그림 1" descr="C:/Users/Admin1/AppData/Roaming/PolarisOffice/ETemp/15980_12108288/fImage756919941.png"/>
+          <p:cNvPr id="36" name="그림 1"/>
           <p:cNvPicPr>
             <a:picLocks noChangeAspect="1"/>
           </p:cNvPicPr>
@@ -12294,7 +13677,7 @@
       </p:pic>
       <p:pic>
         <p:nvPicPr>
-          <p:cNvPr id="40" name="그림 16" descr="C:/Users/Admin1/AppData/Roaming/PolarisOffice/ETemp/15980_12108288/fImage70642126500.png"/>
+          <p:cNvPr id="40" name="그림 16"/>
           <p:cNvPicPr>
             <a:picLocks noChangeAspect="1"/>
           </p:cNvPicPr>

--- a/Assets/Class/Rotation/PPT Data/Rotation Example.pptx
+++ b/Assets/Class/Rotation/PPT Data/Rotation Example.pptx
@@ -2,7 +2,7 @@
 <file path=ppt/presentation.xml><?xml version="1.0" encoding="utf-8"?>
 <p:presentation xmlns:a="http://schemas.openxmlformats.org/drawingml/2006/main" xmlns:r="http://schemas.openxmlformats.org/officeDocument/2006/relationships" xmlns:p="http://schemas.openxmlformats.org/presentationml/2006/main" xmlns:p14="http://schemas.microsoft.com/office/powerpoint/2010/main" saveSubsetFonts="1" firstSlideNum="0">
   <p:sldMasterIdLst>
-    <p:sldMasterId id="2147485523" r:id="rId12"/>
+    <p:sldMasterId id="2147485524" r:id="rId12"/>
   </p:sldMasterIdLst>
   <p:notesMasterIdLst>
     <p:notesMasterId r:id="rId14"/>
@@ -5948,7 +5948,7 @@
       </p:pic>
       <p:pic>
         <p:nvPicPr>
-          <p:cNvPr id="46" name="그림 4" descr="C:/Users/Admin1/AppData/Roaming/PolarisOffice/ETemp/21312_17687784/fImage45811478467.png"/>
+          <p:cNvPr id="46" name="그림 4"/>
           <p:cNvPicPr>
             <a:picLocks noChangeAspect="1"/>
           </p:cNvPicPr>
@@ -5979,7 +5979,7 @@
       </p:pic>
       <p:pic>
         <p:nvPicPr>
-          <p:cNvPr id="47" name="그림 7"/>
+          <p:cNvPr id="47" name="그림 7" descr="C:/Users/Admin1/AppData/Roaming/PolarisOffice/ETemp/21276_22597480/fImage45811486334.png"/>
           <p:cNvPicPr>
             <a:picLocks noChangeAspect="1"/>
           </p:cNvPicPr>
@@ -5999,8 +5999,8 @@
         </p:blipFill>
         <p:spPr>
           <a:xfrm rot="0">
-            <a:off x="6814820" y="3799205"/>
-            <a:ext cx="2945765" cy="1337310"/>
+            <a:off x="6814820" y="3832225"/>
+            <a:ext cx="2946400" cy="1337945"/>
           </a:xfrm>
           <a:prstGeom prst="roundRect"/>
           <a:solidFill>
@@ -6042,7 +6042,7 @@
       </p:cxnSp>
       <p:pic>
         <p:nvPicPr>
-          <p:cNvPr id="48" name="그림 52" descr="C:/Users/Admin1/AppData/Roaming/PolarisOffice/ETemp/21312_17687784/fImage495927641.png"/>
+          <p:cNvPr id="48" name="그림 52"/>
           <p:cNvPicPr>
             <a:picLocks noChangeAspect="1"/>
           </p:cNvPicPr>

--- a/Assets/Class/Rotation/PPT Data/Rotation Example.pptx
+++ b/Assets/Class/Rotation/PPT Data/Rotation Example.pptx
@@ -2,7 +2,7 @@
 <file path=ppt/presentation.xml><?xml version="1.0" encoding="utf-8"?>
 <p:presentation xmlns:a="http://schemas.openxmlformats.org/drawingml/2006/main" xmlns:r="http://schemas.openxmlformats.org/officeDocument/2006/relationships" xmlns:p="http://schemas.openxmlformats.org/presentationml/2006/main" xmlns:p14="http://schemas.microsoft.com/office/powerpoint/2010/main" saveSubsetFonts="1" firstSlideNum="0">
   <p:sldMasterIdLst>
-    <p:sldMasterId id="2147485524" r:id="rId12"/>
+    <p:sldMasterId id="2147485525" r:id="rId12"/>
   </p:sldMasterIdLst>
   <p:notesMasterIdLst>
     <p:notesMasterId r:id="rId14"/>
@@ -7810,17 +7810,17 @@
       </p:pic>
       <p:pic>
         <p:nvPicPr>
-          <p:cNvPr id="58" name="그림 23"/>
+          <p:cNvPr id="58" name="그림 23" descr="C:/Users/Admin1/AppData/Roaming/PolarisOffice/ETemp/156_24035824/fImage265922379169.png"/>
           <p:cNvPicPr>
             <a:picLocks noChangeAspect="1"/>
           </p:cNvPicPr>
           <p:nvPr/>
         </p:nvPicPr>
         <p:blipFill rotWithShape="1">
-          <a:blip r:embed="rId3" cstate="print">
+          <a:blip r:embed="rId3" cstate="hqprint">
             <a:extLst>
               <a:ext uri="{28A0092B-C50C-407E-A947-70E740481C1C}">
-                <a14:useLocalDpi xmlns:a14="http://schemas.microsoft.com/office/drawing/2010/main" val="0"/>
+                <a14:useLocalDpi xmlns:a14="http://schemas.microsoft.com/office/drawing/2010/main"/>
               </a:ext>
             </a:extLst>
           </a:blip>
@@ -7831,7 +7831,7 @@
         <p:spPr>
           <a:xfrm rot="0">
             <a:off x="1229360" y="1454785"/>
-            <a:ext cx="2815590" cy="3559810"/>
+            <a:ext cx="2816225" cy="3560445"/>
           </a:xfrm>
           <a:prstGeom prst="roundRect"/>
           <a:solidFill>

--- a/Assets/Class/Rotation/PPT Data/Rotation Example.pptx
+++ b/Assets/Class/Rotation/PPT Data/Rotation Example.pptx
@@ -2,7 +2,7 @@
 <file path=ppt/presentation.xml><?xml version="1.0" encoding="utf-8"?>
 <p:presentation xmlns:a="http://schemas.openxmlformats.org/drawingml/2006/main" xmlns:r="http://schemas.openxmlformats.org/officeDocument/2006/relationships" xmlns:p="http://schemas.openxmlformats.org/presentationml/2006/main" xmlns:p14="http://schemas.microsoft.com/office/powerpoint/2010/main" saveSubsetFonts="1" firstSlideNum="0">
   <p:sldMasterIdLst>
-    <p:sldMasterId id="2147485525" r:id="rId12"/>
+    <p:sldMasterId id="2147485527" r:id="rId12"/>
   </p:sldMasterIdLst>
   <p:notesMasterIdLst>
     <p:notesMasterId r:id="rId14"/>
@@ -10414,9 +10414,9 @@
           <p:nvPr/>
         </p:nvSpPr>
         <p:spPr>
-          <a:xfrm rot="0">
+          <a:xfrm>
             <a:off x="4519295" y="386715"/>
-            <a:ext cx="3146425" cy="554990"/>
+            <a:ext cx="3147060" cy="478155"/>
           </a:xfrm>
           <a:prstGeom prst="rect"/>
           <a:noFill/>
@@ -10431,66 +10431,36 @@
           </a:bodyPr>
           <a:lstStyle/>
           <a:p>
-            <a:pPr marL="0" indent="0" rtl="0" algn="l" defTabSz="914400" eaLnBrk="1" latinLnBrk="0" hangingPunct="1">
-              <a:buFontTx/>
-              <a:buNone/>
-            </a:pPr>
-            <a:r>
-              <a:rPr lang="ko-KR" sz="3000" b="1">
+            <a:pPr marL="0" indent="0" rtl="0" algn="ctr" defTabSz="914400" eaLnBrk="1" latinLnBrk="0" hangingPunct="1">
+              <a:buFontTx/>
+              <a:buNone/>
+            </a:pPr>
+            <a:r>
+              <a:rPr lang="ko-KR" sz="2500" b="1">
                 <a:solidFill>
                   <a:schemeClr val="tx1"/>
                 </a:solidFill>
-                <a:latin typeface="맑은 고딕" charset="0"/>
-                <a:ea typeface="맑은 고딕" charset="0"/>
+                <a:latin typeface="나눔바른고딕" charset="0"/>
+                <a:ea typeface="나눔바른고딕" charset="0"/>
               </a:rPr>
               <a:t>두</a:t>
             </a:r>
             <a:r>
-              <a:rPr lang="ko-KR" sz="3000" b="1">
+              <a:rPr lang="ko-KR" sz="2500" b="1">
                 <a:solidFill>
                   <a:schemeClr val="tx1"/>
                 </a:solidFill>
-                <a:latin typeface="맑은 고딕" charset="0"/>
-                <a:ea typeface="맑은 고딕" charset="0"/>
-              </a:rPr>
-              <a:t> </a:t>
-            </a:r>
-            <a:r>
-              <a:rPr lang="ko-KR" sz="3000" b="1">
-                <a:solidFill>
-                  <a:schemeClr val="tx1"/>
-                </a:solidFill>
-                <a:latin typeface="맑은 고딕" charset="0"/>
-                <a:ea typeface="맑은 고딕" charset="0"/>
-              </a:rPr>
-              <a:t>번째</a:t>
-            </a:r>
-            <a:r>
-              <a:rPr lang="ko-KR" sz="3000" b="1">
-                <a:solidFill>
-                  <a:schemeClr val="tx1"/>
-                </a:solidFill>
-                <a:latin typeface="맑은 고딕" charset="0"/>
-                <a:ea typeface="맑은 고딕" charset="0"/>
-              </a:rPr>
-              <a:t> </a:t>
-            </a:r>
-            <a:r>
-              <a:rPr lang="ko-KR" sz="3000" b="1">
-                <a:solidFill>
-                  <a:schemeClr val="tx1"/>
-                </a:solidFill>
-                <a:latin typeface="맑은 고딕" charset="0"/>
-                <a:ea typeface="맑은 고딕" charset="0"/>
-              </a:rPr>
-              <a:t>튜토리얼</a:t>
-            </a:r>
-            <a:endParaRPr lang="ko-KR" altLang="en-US" sz="3000" b="1">
+                <a:latin typeface="나눔바른고딕" charset="0"/>
+                <a:ea typeface="나눔바른고딕" charset="0"/>
+              </a:rPr>
+              <a:t> 번째 튜토리얼</a:t>
+            </a:r>
+            <a:endParaRPr lang="ko-KR" altLang="en-US" sz="2500" b="1">
               <a:solidFill>
                 <a:schemeClr val="tx1"/>
               </a:solidFill>
-              <a:latin typeface="맑은 고딕" charset="0"/>
-              <a:ea typeface="맑은 고딕" charset="0"/>
+              <a:latin typeface="나눔바른고딕" charset="0"/>
+              <a:ea typeface="나눔바른고딕" charset="0"/>
             </a:endParaRPr>
           </a:p>
         </p:txBody>
@@ -10954,9 +10924,9 @@
           <p:nvPr/>
         </p:nvSpPr>
         <p:spPr>
-          <a:xfrm rot="0">
+          <a:xfrm>
             <a:off x="4519295" y="386715"/>
-            <a:ext cx="3146425" cy="554990"/>
+            <a:ext cx="3147060" cy="478155"/>
           </a:xfrm>
           <a:prstGeom prst="rect"/>
           <a:noFill/>
@@ -10971,66 +10941,36 @@
           </a:bodyPr>
           <a:lstStyle/>
           <a:p>
-            <a:pPr marL="0" indent="0" rtl="0" algn="l" defTabSz="914400" eaLnBrk="1" latinLnBrk="0" hangingPunct="1">
-              <a:buFontTx/>
-              <a:buNone/>
-            </a:pPr>
-            <a:r>
-              <a:rPr lang="ko-KR" sz="3000" b="1">
+            <a:pPr marL="0" indent="0" rtl="0" algn="ctr" defTabSz="914400" eaLnBrk="1" latinLnBrk="0" hangingPunct="1">
+              <a:buFontTx/>
+              <a:buNone/>
+            </a:pPr>
+            <a:r>
+              <a:rPr lang="ko-KR" sz="2500" b="1">
                 <a:solidFill>
                   <a:schemeClr val="tx1"/>
                 </a:solidFill>
-                <a:latin typeface="맑은 고딕" charset="0"/>
-                <a:ea typeface="맑은 고딕" charset="0"/>
+                <a:latin typeface="나눔바른고딕" charset="0"/>
+                <a:ea typeface="나눔바른고딕" charset="0"/>
               </a:rPr>
               <a:t>세</a:t>
             </a:r>
             <a:r>
-              <a:rPr lang="ko-KR" sz="3000" b="1">
+              <a:rPr lang="ko-KR" sz="2500" b="1">
                 <a:solidFill>
                   <a:schemeClr val="tx1"/>
                 </a:solidFill>
-                <a:latin typeface="맑은 고딕" charset="0"/>
-                <a:ea typeface="맑은 고딕" charset="0"/>
-              </a:rPr>
-              <a:t> </a:t>
-            </a:r>
-            <a:r>
-              <a:rPr lang="ko-KR" sz="3000" b="1">
-                <a:solidFill>
-                  <a:schemeClr val="tx1"/>
-                </a:solidFill>
-                <a:latin typeface="맑은 고딕" charset="0"/>
-                <a:ea typeface="맑은 고딕" charset="0"/>
-              </a:rPr>
-              <a:t>번째</a:t>
-            </a:r>
-            <a:r>
-              <a:rPr lang="ko-KR" sz="3000" b="1">
-                <a:solidFill>
-                  <a:schemeClr val="tx1"/>
-                </a:solidFill>
-                <a:latin typeface="맑은 고딕" charset="0"/>
-                <a:ea typeface="맑은 고딕" charset="0"/>
-              </a:rPr>
-              <a:t> </a:t>
-            </a:r>
-            <a:r>
-              <a:rPr lang="ko-KR" sz="3000" b="1">
-                <a:solidFill>
-                  <a:schemeClr val="tx1"/>
-                </a:solidFill>
-                <a:latin typeface="맑은 고딕" charset="0"/>
-                <a:ea typeface="맑은 고딕" charset="0"/>
-              </a:rPr>
-              <a:t>튜토리얼</a:t>
-            </a:r>
-            <a:endParaRPr lang="ko-KR" altLang="en-US" sz="3000" b="1">
+                <a:latin typeface="나눔바른고딕" charset="0"/>
+                <a:ea typeface="나눔바른고딕" charset="0"/>
+              </a:rPr>
+              <a:t> 번째 튜토리얼</a:t>
+            </a:r>
+            <a:endParaRPr lang="ko-KR" altLang="en-US" sz="2500" b="1">
               <a:solidFill>
                 <a:schemeClr val="tx1"/>
               </a:solidFill>
-              <a:latin typeface="맑은 고딕" charset="0"/>
-              <a:ea typeface="맑은 고딕" charset="0"/>
+              <a:latin typeface="나눔바른고딕" charset="0"/>
+              <a:ea typeface="나눔바른고딕" charset="0"/>
             </a:endParaRPr>
           </a:p>
         </p:txBody>
@@ -12969,9 +12909,9 @@
           <p:nvPr/>
         </p:nvSpPr>
         <p:spPr>
-          <a:xfrm rot="0">
+          <a:xfrm>
             <a:off x="4310380" y="464820"/>
-            <a:ext cx="3580130" cy="554990"/>
+            <a:ext cx="3580765" cy="478155"/>
           </a:xfrm>
           <a:prstGeom prst="rect"/>
           <a:noFill/>
@@ -12991,21 +12931,21 @@
               <a:buNone/>
             </a:pPr>
             <a:r>
-              <a:rPr lang="ko-KR" sz="3000" b="1">
+              <a:rPr lang="ko-KR" sz="2500" b="1">
                 <a:solidFill>
                   <a:schemeClr val="tx1"/>
                 </a:solidFill>
-                <a:latin typeface="맑은 고딕" charset="0"/>
-                <a:ea typeface="맑은 고딕" charset="0"/>
+                <a:latin typeface="나눔바른고딕" charset="0"/>
+                <a:ea typeface="나눔바른고딕" charset="0"/>
               </a:rPr>
               <a:t>Coroutine</a:t>
             </a:r>
-            <a:endParaRPr lang="ko-KR" altLang="en-US" sz="3000" b="1">
+            <a:endParaRPr lang="ko-KR" altLang="en-US" sz="2500" b="1">
               <a:solidFill>
                 <a:schemeClr val="tx1"/>
               </a:solidFill>
-              <a:latin typeface="맑은 고딕" charset="0"/>
-              <a:ea typeface="맑은 고딕" charset="0"/>
+              <a:latin typeface="나눔바른고딕" charset="0"/>
+              <a:ea typeface="나눔바른고딕" charset="0"/>
             </a:endParaRPr>
           </a:p>
         </p:txBody>

--- a/Assets/Class/Rotation/PPT Data/Rotation Example.pptx
+++ b/Assets/Class/Rotation/PPT Data/Rotation Example.pptx
@@ -2,7 +2,7 @@
 <file path=ppt/presentation.xml><?xml version="1.0" encoding="utf-8"?>
 <p:presentation xmlns:a="http://schemas.openxmlformats.org/drawingml/2006/main" xmlns:r="http://schemas.openxmlformats.org/officeDocument/2006/relationships" xmlns:p="http://schemas.openxmlformats.org/presentationml/2006/main" xmlns:p14="http://schemas.microsoft.com/office/powerpoint/2010/main" saveSubsetFonts="1" firstSlideNum="0">
   <p:sldMasterIdLst>
-    <p:sldMasterId id="2147485527" r:id="rId12"/>
+    <p:sldMasterId id="2147485528" r:id="rId12"/>
   </p:sldMasterIdLst>
   <p:notesMasterIdLst>
     <p:notesMasterId r:id="rId14"/>
@@ -9185,7 +9185,7 @@
 </file>
 
 <file path=ppt/slides/slide16.xml><?xml version="1.0" encoding="utf-8"?>
-<p:sld xmlns:a="http://schemas.openxmlformats.org/drawingml/2006/main" xmlns:r="http://schemas.openxmlformats.org/officeDocument/2006/relationships" xmlns:p="http://schemas.openxmlformats.org/presentationml/2006/main">
+<p:sld xmlns:a="http://schemas.openxmlformats.org/drawingml/2006/main" xmlns:r="http://schemas.openxmlformats.org/officeDocument/2006/relationships" xmlns:p="http://schemas.openxmlformats.org/presentationml/2006/main" xmlns:p14="http://schemas.microsoft.com/office/powerpoint/2010/main">
   <p:cSld>
     <p:spTree>
       <p:nvGrpSpPr>
@@ -9471,7 +9471,7 @@
       </p:sp>
       <p:pic>
         <p:nvPicPr>
-          <p:cNvPr id="76" name="그림 25" descr="C:/Users/Admin1/AppData/Roaming/PolarisOffice/ETemp/21312_17687784/fImage53412649358.png"/>
+          <p:cNvPr id="76" name="그림 25"/>
           <p:cNvPicPr>
             <a:picLocks noChangeAspect="1"/>
           </p:cNvPicPr>
@@ -9502,7 +9502,7 @@
       </p:pic>
       <p:pic>
         <p:nvPicPr>
-          <p:cNvPr id="77" name="그림 26" descr="C:/Users/Admin1/AppData/Roaming/PolarisOffice/ETemp/21312_17687784/fImage69372656962.png"/>
+          <p:cNvPr id="77" name="그림 26"/>
           <p:cNvPicPr>
             <a:picLocks noChangeAspect="1"/>
           </p:cNvPicPr>
@@ -9566,17 +9566,17 @@
       </p:cxnSp>
       <p:pic>
         <p:nvPicPr>
-          <p:cNvPr id="79" name="그림 32" descr="C:/Users/Admin1/AppData/Roaming/PolarisOffice/ETemp/21312_17687784/fImage57852674464.png"/>
+          <p:cNvPr id="79" name="그림 32" descr="C:/Users/Admin1/AppData/Roaming/PolarisOffice/ETemp/39408_15393904/fImage57852674464.png"/>
           <p:cNvPicPr>
             <a:picLocks noChangeAspect="1"/>
           </p:cNvPicPr>
           <p:nvPr/>
         </p:nvPicPr>
         <p:blipFill rotWithShape="1">
-          <a:blip r:embed="rId4" cstate="print">
+          <a:blip r:embed="rId4" cstate="hqprint">
             <a:extLst>
               <a:ext uri="{28A0092B-C50C-407E-A947-70E740481C1C}">
-                <a14:useLocalDpi xmlns:a14="http://schemas.microsoft.com/office/drawing/2010/main" val="0"/>
+                <a14:useLocalDpi xmlns:a14="http://schemas.microsoft.com/office/drawing/2010/main"/>
               </a:ext>
             </a:extLst>
           </a:blip>
@@ -9586,8 +9586,8 @@
         </p:blipFill>
         <p:spPr>
           <a:xfrm rot="0">
-            <a:off x="1229995" y="3971925"/>
-            <a:ext cx="4139565" cy="1457960"/>
+            <a:off x="1229995" y="3987800"/>
+            <a:ext cx="4140200" cy="1477010"/>
           </a:xfrm>
           <a:prstGeom prst="roundRect"/>
           <a:solidFill>
@@ -9668,7 +9668,7 @@
       </p:sp>
       <p:pic>
         <p:nvPicPr>
-          <p:cNvPr id="81" name="그림 36" descr="C:/Users/Admin1/AppData/Roaming/PolarisOffice/ETemp/21312_17687784/fImage82222695705.png"/>
+          <p:cNvPr id="81" name="그림 36"/>
           <p:cNvPicPr>
             <a:picLocks noChangeAspect="1"/>
           </p:cNvPicPr>
@@ -9699,7 +9699,7 @@
       </p:pic>
       <p:pic>
         <p:nvPicPr>
-          <p:cNvPr id="82" name="그림 39" descr="C:/Users/Admin1/AppData/Roaming/PolarisOffice/ETemp/21312_17687784/fImage316682708145.png"/>
+          <p:cNvPr id="82" name="그림 39"/>
           <p:cNvPicPr>
             <a:picLocks noChangeAspect="1"/>
           </p:cNvPicPr>
@@ -9763,7 +9763,7 @@
       </p:cxnSp>
       <p:pic>
         <p:nvPicPr>
-          <p:cNvPr id="84" name="그림 43" descr="C:/Users/Admin1/AppData/Roaming/PolarisOffice/ETemp/21312_17687784/fImage22312723281.png"/>
+          <p:cNvPr id="84" name="그림 43"/>
           <p:cNvPicPr>
             <a:picLocks noChangeAspect="1"/>
           </p:cNvPicPr>
@@ -9797,7 +9797,7 @@
       </p:pic>
       <p:pic>
         <p:nvPicPr>
-          <p:cNvPr id="85" name="그림 45" descr="C:/Users/Admin1/AppData/Roaming/PolarisOffice/ETemp/21312_17687784/fImage82562736827.png"/>
+          <p:cNvPr id="85" name="그림 45"/>
           <p:cNvPicPr>
             <a:picLocks noChangeAspect="1"/>
           </p:cNvPicPr>
@@ -9899,7 +9899,7 @@
       </p:sp>
       <p:pic>
         <p:nvPicPr>
-          <p:cNvPr id="87" name="그림 49" descr="C:/Users/Admin1/AppData/Roaming/PolarisOffice/ETemp/21312_17687784/fImage9422759961.png"/>
+          <p:cNvPr id="87" name="그림 49"/>
           <p:cNvPicPr>
             <a:picLocks noChangeAspect="1"/>
           </p:cNvPicPr>
